--- a/docs/tutorial-opengl/assets/figures.pptx
+++ b/docs/tutorial-opengl/assets/figures.pptx
@@ -6,6 +6,8 @@
   </p:sldMasterIdLst>
   <p:sldIdLst>
     <p:sldId id="256" r:id="rId2"/>
+    <p:sldId id="257" r:id="rId3"/>
+    <p:sldId id="258" r:id="rId4"/>
   </p:sldIdLst>
   <p:sldSz cx="12192000" cy="6858000"/>
   <p:notesSz cx="6858000" cy="9144000"/>
@@ -104,6 +106,11 @@
       </a:defRPr>
     </a:lvl9pPr>
   </p:defaultTextStyle>
+  <p:extLst>
+    <p:ext uri="{EFAFB233-063F-42B5-8137-9DF3F51BA10A}">
+      <p15:sldGuideLst xmlns:p15="http://schemas.microsoft.com/office/powerpoint/2012/main"/>
+    </p:ext>
+  </p:extLst>
 </p:presentation>
 </file>
 
@@ -256,7 +263,7 @@
           <a:p>
             <a:fld id="{5ED19601-7AAA-4ADB-9403-46F6CC5497EC}" type="datetimeFigureOut">
               <a:rPr lang="en-US" smtClean="0"/>
-              <a:t>6/25/2024</a:t>
+              <a:t>6/26/2024</a:t>
             </a:fld>
             <a:endParaRPr lang="en-US"/>
           </a:p>
@@ -456,7 +463,7 @@
           <a:p>
             <a:fld id="{5ED19601-7AAA-4ADB-9403-46F6CC5497EC}" type="datetimeFigureOut">
               <a:rPr lang="en-US" smtClean="0"/>
-              <a:t>6/25/2024</a:t>
+              <a:t>6/26/2024</a:t>
             </a:fld>
             <a:endParaRPr lang="en-US"/>
           </a:p>
@@ -666,7 +673,7 @@
           <a:p>
             <a:fld id="{5ED19601-7AAA-4ADB-9403-46F6CC5497EC}" type="datetimeFigureOut">
               <a:rPr lang="en-US" smtClean="0"/>
-              <a:t>6/25/2024</a:t>
+              <a:t>6/26/2024</a:t>
             </a:fld>
             <a:endParaRPr lang="en-US"/>
           </a:p>
@@ -866,7 +873,7 @@
           <a:p>
             <a:fld id="{5ED19601-7AAA-4ADB-9403-46F6CC5497EC}" type="datetimeFigureOut">
               <a:rPr lang="en-US" smtClean="0"/>
-              <a:t>6/25/2024</a:t>
+              <a:t>6/26/2024</a:t>
             </a:fld>
             <a:endParaRPr lang="en-US"/>
           </a:p>
@@ -1142,7 +1149,7 @@
           <a:p>
             <a:fld id="{5ED19601-7AAA-4ADB-9403-46F6CC5497EC}" type="datetimeFigureOut">
               <a:rPr lang="en-US" smtClean="0"/>
-              <a:t>6/25/2024</a:t>
+              <a:t>6/26/2024</a:t>
             </a:fld>
             <a:endParaRPr lang="en-US"/>
           </a:p>
@@ -1410,7 +1417,7 @@
           <a:p>
             <a:fld id="{5ED19601-7AAA-4ADB-9403-46F6CC5497EC}" type="datetimeFigureOut">
               <a:rPr lang="en-US" smtClean="0"/>
-              <a:t>6/25/2024</a:t>
+              <a:t>6/26/2024</a:t>
             </a:fld>
             <a:endParaRPr lang="en-US"/>
           </a:p>
@@ -1825,7 +1832,7 @@
           <a:p>
             <a:fld id="{5ED19601-7AAA-4ADB-9403-46F6CC5497EC}" type="datetimeFigureOut">
               <a:rPr lang="en-US" smtClean="0"/>
-              <a:t>6/25/2024</a:t>
+              <a:t>6/26/2024</a:t>
             </a:fld>
             <a:endParaRPr lang="en-US"/>
           </a:p>
@@ -1967,7 +1974,7 @@
           <a:p>
             <a:fld id="{5ED19601-7AAA-4ADB-9403-46F6CC5497EC}" type="datetimeFigureOut">
               <a:rPr lang="en-US" smtClean="0"/>
-              <a:t>6/25/2024</a:t>
+              <a:t>6/26/2024</a:t>
             </a:fld>
             <a:endParaRPr lang="en-US"/>
           </a:p>
@@ -2080,7 +2087,7 @@
           <a:p>
             <a:fld id="{5ED19601-7AAA-4ADB-9403-46F6CC5497EC}" type="datetimeFigureOut">
               <a:rPr lang="en-US" smtClean="0"/>
-              <a:t>6/25/2024</a:t>
+              <a:t>6/26/2024</a:t>
             </a:fld>
             <a:endParaRPr lang="en-US"/>
           </a:p>
@@ -2393,7 +2400,7 @@
           <a:p>
             <a:fld id="{5ED19601-7AAA-4ADB-9403-46F6CC5497EC}" type="datetimeFigureOut">
               <a:rPr lang="en-US" smtClean="0"/>
-              <a:t>6/25/2024</a:t>
+              <a:t>6/26/2024</a:t>
             </a:fld>
             <a:endParaRPr lang="en-US"/>
           </a:p>
@@ -2682,7 +2689,7 @@
           <a:p>
             <a:fld id="{5ED19601-7AAA-4ADB-9403-46F6CC5497EC}" type="datetimeFigureOut">
               <a:rPr lang="en-US" smtClean="0"/>
-              <a:t>6/25/2024</a:t>
+              <a:t>6/26/2024</a:t>
             </a:fld>
             <a:endParaRPr lang="en-US"/>
           </a:p>
@@ -2925,7 +2932,7 @@
           <a:p>
             <a:fld id="{5ED19601-7AAA-4ADB-9403-46F6CC5497EC}" type="datetimeFigureOut">
               <a:rPr lang="en-US" smtClean="0"/>
-              <a:t>6/25/2024</a:t>
+              <a:t>6/26/2024</a:t>
             </a:fld>
             <a:endParaRPr lang="en-US"/>
           </a:p>
@@ -3479,8 +3486,8 @@
         </p:nvSpPr>
         <p:spPr>
           <a:xfrm>
-            <a:off x="1737693" y="1692998"/>
-            <a:ext cx="662938" cy="369332"/>
+            <a:off x="1319718" y="1692998"/>
+            <a:ext cx="1518044" cy="369332"/>
           </a:xfrm>
           <a:prstGeom prst="rect">
             <a:avLst/>
@@ -3495,7 +3502,7 @@
           <a:p>
             <a:r>
               <a:rPr lang="en-US" dirty="0"/>
-              <a:t>State</a:t>
+              <a:t>Binding Points</a:t>
             </a:r>
           </a:p>
         </p:txBody>
@@ -4005,41 +4012,6 @@
           </a:p>
         </p:txBody>
       </p:sp>
-      <p:sp>
-        <p:nvSpPr>
-          <p:cNvPr id="21" name="TextBox 20">
-            <a:extLst>
-              <a:ext uri="{FF2B5EF4-FFF2-40B4-BE49-F238E27FC236}">
-                <a16:creationId xmlns:a16="http://schemas.microsoft.com/office/drawing/2014/main" id="{CCCCA658-CA67-4FB0-8B97-49ED0007FB77}"/>
-              </a:ext>
-            </a:extLst>
-          </p:cNvPr>
-          <p:cNvSpPr txBox="1"/>
-          <p:nvPr/>
-        </p:nvSpPr>
-        <p:spPr>
-          <a:xfrm>
-            <a:off x="7402144" y="1692998"/>
-            <a:ext cx="662938" cy="369332"/>
-          </a:xfrm>
-          <a:prstGeom prst="rect">
-            <a:avLst/>
-          </a:prstGeom>
-          <a:noFill/>
-        </p:spPr>
-        <p:txBody>
-          <a:bodyPr wrap="none" rtlCol="0">
-            <a:spAutoFit/>
-          </a:bodyPr>
-          <a:lstStyle/>
-          <a:p>
-            <a:r>
-              <a:rPr lang="en-US" dirty="0"/>
-              <a:t>State</a:t>
-            </a:r>
-          </a:p>
-        </p:txBody>
-      </p:sp>
       <p:graphicFrame>
         <p:nvGraphicFramePr>
           <p:cNvPr id="22" name="표 21">
@@ -4601,12 +4573,47 @@
           </a:fontRef>
         </p:style>
       </p:cxnSp>
+      <p:sp>
+        <p:nvSpPr>
+          <p:cNvPr id="28" name="TextBox 27">
+            <a:extLst>
+              <a:ext uri="{FF2B5EF4-FFF2-40B4-BE49-F238E27FC236}">
+                <a16:creationId xmlns:a16="http://schemas.microsoft.com/office/drawing/2014/main" id="{28DA9C3E-ECA0-4362-A208-297E94A00733}"/>
+              </a:ext>
+            </a:extLst>
+          </p:cNvPr>
+          <p:cNvSpPr txBox="1"/>
+          <p:nvPr/>
+        </p:nvSpPr>
+        <p:spPr>
+          <a:xfrm>
+            <a:off x="6974590" y="1686912"/>
+            <a:ext cx="1518044" cy="369332"/>
+          </a:xfrm>
+          <a:prstGeom prst="rect">
+            <a:avLst/>
+          </a:prstGeom>
+          <a:noFill/>
+        </p:spPr>
+        <p:txBody>
+          <a:bodyPr wrap="none" rtlCol="0">
+            <a:spAutoFit/>
+          </a:bodyPr>
+          <a:lstStyle/>
+          <a:p>
+            <a:r>
+              <a:rPr lang="en-US" dirty="0"/>
+              <a:t>Binding Points</a:t>
+            </a:r>
+          </a:p>
+        </p:txBody>
+      </p:sp>
       <p:pic>
         <p:nvPicPr>
-          <p:cNvPr id="42" name="그림 41">
-            <a:extLst>
-              <a:ext uri="{FF2B5EF4-FFF2-40B4-BE49-F238E27FC236}">
-                <a16:creationId xmlns:a16="http://schemas.microsoft.com/office/drawing/2014/main" id="{7D1D79AE-3E4A-45E6-BABF-D9B37AC3291F}"/>
+          <p:cNvPr id="2" name="그림 1">
+            <a:extLst>
+              <a:ext uri="{FF2B5EF4-FFF2-40B4-BE49-F238E27FC236}">
+                <a16:creationId xmlns:a16="http://schemas.microsoft.com/office/drawing/2014/main" id="{DA699F51-D0E6-45E4-B435-459CBB32CFB2}"/>
               </a:ext>
             </a:extLst>
           </p:cNvPr>
@@ -4623,7 +4630,7 @@
         </p:blipFill>
         <p:spPr>
           <a:xfrm>
-            <a:off x="670318" y="6791298"/>
+            <a:off x="877993" y="6150948"/>
             <a:ext cx="10425064" cy="4352921"/>
           </a:xfrm>
           <a:prstGeom prst="rect">
@@ -4635,6 +4642,4820 @@
     <p:extLst>
       <p:ext uri="{BB962C8B-B14F-4D97-AF65-F5344CB8AC3E}">
         <p14:creationId xmlns:p14="http://schemas.microsoft.com/office/powerpoint/2010/main" val="3513132578"/>
+      </p:ext>
+    </p:extLst>
+  </p:cSld>
+  <p:clrMapOvr>
+    <a:masterClrMapping/>
+  </p:clrMapOvr>
+</p:sld>
+</file>
+
+<file path=ppt/slides/slide2.xml><?xml version="1.0" encoding="utf-8"?>
+<p:sld xmlns:a="http://schemas.openxmlformats.org/drawingml/2006/main" xmlns:r="http://schemas.openxmlformats.org/officeDocument/2006/relationships" xmlns:p="http://schemas.openxmlformats.org/presentationml/2006/main">
+  <p:cSld>
+    <p:spTree>
+      <p:nvGrpSpPr>
+        <p:cNvPr id="1" name=""/>
+        <p:cNvGrpSpPr/>
+        <p:nvPr/>
+      </p:nvGrpSpPr>
+      <p:grpSpPr>
+        <a:xfrm>
+          <a:off x="0" y="0"/>
+          <a:ext cx="0" cy="0"/>
+          <a:chOff x="0" y="0"/>
+          <a:chExt cx="0" cy="0"/>
+        </a:xfrm>
+      </p:grpSpPr>
+      <p:sp>
+        <p:nvSpPr>
+          <p:cNvPr id="4" name="직사각형 3">
+            <a:extLst>
+              <a:ext uri="{FF2B5EF4-FFF2-40B4-BE49-F238E27FC236}">
+                <a16:creationId xmlns:a16="http://schemas.microsoft.com/office/drawing/2014/main" id="{FD4FFA49-BB4C-48CA-83F9-42B80C3AE083}"/>
+              </a:ext>
+            </a:extLst>
+          </p:cNvPr>
+          <p:cNvSpPr/>
+          <p:nvPr/>
+        </p:nvSpPr>
+        <p:spPr>
+          <a:xfrm>
+            <a:off x="887240" y="860079"/>
+            <a:ext cx="4753069" cy="3503691"/>
+          </a:xfrm>
+          <a:prstGeom prst="rect">
+            <a:avLst/>
+          </a:prstGeom>
+        </p:spPr>
+        <p:style>
+          <a:lnRef idx="2">
+            <a:schemeClr val="dk1"/>
+          </a:lnRef>
+          <a:fillRef idx="1">
+            <a:schemeClr val="lt1"/>
+          </a:fillRef>
+          <a:effectRef idx="0">
+            <a:schemeClr val="dk1"/>
+          </a:effectRef>
+          <a:fontRef idx="minor">
+            <a:schemeClr val="dk1"/>
+          </a:fontRef>
+        </p:style>
+        <p:txBody>
+          <a:bodyPr rtlCol="0" anchor="ctr"/>
+          <a:lstStyle/>
+          <a:p>
+            <a:pPr algn="ctr"/>
+            <a:endParaRPr lang="en-US"/>
+          </a:p>
+        </p:txBody>
+      </p:sp>
+      <p:sp>
+        <p:nvSpPr>
+          <p:cNvPr id="5" name="TextBox 4">
+            <a:extLst>
+              <a:ext uri="{FF2B5EF4-FFF2-40B4-BE49-F238E27FC236}">
+                <a16:creationId xmlns:a16="http://schemas.microsoft.com/office/drawing/2014/main" id="{B2970A00-F08D-4124-B186-4D16F07448C2}"/>
+              </a:ext>
+            </a:extLst>
+          </p:cNvPr>
+          <p:cNvSpPr txBox="1"/>
+          <p:nvPr/>
+        </p:nvSpPr>
+        <p:spPr>
+          <a:xfrm>
+            <a:off x="2965455" y="860079"/>
+            <a:ext cx="596638" cy="369332"/>
+          </a:xfrm>
+          <a:prstGeom prst="rect">
+            <a:avLst/>
+          </a:prstGeom>
+          <a:noFill/>
+        </p:spPr>
+        <p:txBody>
+          <a:bodyPr wrap="none" rtlCol="0">
+            <a:spAutoFit/>
+          </a:bodyPr>
+          <a:lstStyle/>
+          <a:p>
+            <a:r>
+              <a:rPr lang="en-US" dirty="0"/>
+              <a:t>GPU</a:t>
+            </a:r>
+          </a:p>
+        </p:txBody>
+      </p:sp>
+      <p:sp>
+        <p:nvSpPr>
+          <p:cNvPr id="6" name="직사각형 5">
+            <a:extLst>
+              <a:ext uri="{FF2B5EF4-FFF2-40B4-BE49-F238E27FC236}">
+                <a16:creationId xmlns:a16="http://schemas.microsoft.com/office/drawing/2014/main" id="{AEF4E4A0-AFA2-4807-8001-12D8DA605D0B}"/>
+              </a:ext>
+            </a:extLst>
+          </p:cNvPr>
+          <p:cNvSpPr/>
+          <p:nvPr/>
+        </p:nvSpPr>
+        <p:spPr>
+          <a:xfrm>
+            <a:off x="1136655" y="1692998"/>
+            <a:ext cx="1865014" cy="2471596"/>
+          </a:xfrm>
+          <a:prstGeom prst="rect">
+            <a:avLst/>
+          </a:prstGeom>
+        </p:spPr>
+        <p:style>
+          <a:lnRef idx="2">
+            <a:schemeClr val="dk1"/>
+          </a:lnRef>
+          <a:fillRef idx="1">
+            <a:schemeClr val="lt1"/>
+          </a:fillRef>
+          <a:effectRef idx="0">
+            <a:schemeClr val="dk1"/>
+          </a:effectRef>
+          <a:fontRef idx="minor">
+            <a:schemeClr val="dk1"/>
+          </a:fontRef>
+        </p:style>
+        <p:txBody>
+          <a:bodyPr rtlCol="0" anchor="ctr"/>
+          <a:lstStyle/>
+          <a:p>
+            <a:pPr algn="ctr"/>
+            <a:endParaRPr lang="en-US"/>
+          </a:p>
+        </p:txBody>
+      </p:sp>
+      <p:graphicFrame>
+        <p:nvGraphicFramePr>
+          <p:cNvPr id="9" name="표 8">
+            <a:extLst>
+              <a:ext uri="{FF2B5EF4-FFF2-40B4-BE49-F238E27FC236}">
+                <a16:creationId xmlns:a16="http://schemas.microsoft.com/office/drawing/2014/main" id="{64E4C648-E423-45C7-8D6F-7397A01064C4}"/>
+              </a:ext>
+            </a:extLst>
+          </p:cNvPr>
+          <p:cNvGraphicFramePr>
+            <a:graphicFrameLocks noGrp="1"/>
+          </p:cNvGraphicFramePr>
+          <p:nvPr>
+            <p:extLst>
+              <p:ext uri="{D42A27DB-BD31-4B8C-83A1-F6EECF244321}">
+                <p14:modId xmlns:p14="http://schemas.microsoft.com/office/powerpoint/2010/main" val="2397524913"/>
+              </p:ext>
+            </p:extLst>
+          </p:nvPr>
+        </p:nvGraphicFramePr>
+        <p:xfrm>
+          <a:off x="1263848" y="2186362"/>
+          <a:ext cx="1610627" cy="1854200"/>
+        </p:xfrm>
+        <a:graphic>
+          <a:graphicData uri="http://schemas.openxmlformats.org/drawingml/2006/table">
+            <a:tbl>
+              <a:tblPr firstRow="1" bandRow="1">
+                <a:tableStyleId>{5940675A-B579-460E-94D1-54222C63F5DA}</a:tableStyleId>
+              </a:tblPr>
+              <a:tblGrid>
+                <a:gridCol w="1610627">
+                  <a:extLst>
+                    <a:ext uri="{9D8B030D-6E8A-4147-A177-3AD203B41FA5}">
+                      <a16:colId xmlns:a16="http://schemas.microsoft.com/office/drawing/2014/main" val="1370248239"/>
+                    </a:ext>
+                  </a:extLst>
+                </a:gridCol>
+              </a:tblGrid>
+              <a:tr h="370840">
+                <a:tc>
+                  <a:txBody>
+                    <a:bodyPr/>
+                    <a:lstStyle/>
+                    <a:p>
+                      <a:pPr algn="ctr"/>
+                      <a:r>
+                        <a:rPr lang="en-US" sz="1400" dirty="0"/>
+                        <a:t>…</a:t>
+                      </a:r>
+                    </a:p>
+                  </a:txBody>
+                  <a:tcPr anchor="ctr"/>
+                </a:tc>
+                <a:extLst>
+                  <a:ext uri="{0D108BD9-81ED-4DB2-BD59-A6C34878D82A}">
+                    <a16:rowId xmlns:a16="http://schemas.microsoft.com/office/drawing/2014/main" val="2823884259"/>
+                  </a:ext>
+                </a:extLst>
+              </a:tr>
+              <a:tr h="370840">
+                <a:tc>
+                  <a:txBody>
+                    <a:bodyPr/>
+                    <a:lstStyle/>
+                    <a:p>
+                      <a:pPr algn="ctr"/>
+                      <a:r>
+                        <a:rPr lang="en-US" sz="1400" dirty="0"/>
+                        <a:t>PROGRAM</a:t>
+                      </a:r>
+                    </a:p>
+                  </a:txBody>
+                  <a:tcPr anchor="ctr"/>
+                </a:tc>
+                <a:extLst>
+                  <a:ext uri="{0D108BD9-81ED-4DB2-BD59-A6C34878D82A}">
+                    <a16:rowId xmlns:a16="http://schemas.microsoft.com/office/drawing/2014/main" val="113562051"/>
+                  </a:ext>
+                </a:extLst>
+              </a:tr>
+              <a:tr h="370840">
+                <a:tc>
+                  <a:txBody>
+                    <a:bodyPr/>
+                    <a:lstStyle/>
+                    <a:p>
+                      <a:pPr algn="ctr"/>
+                      <a:r>
+                        <a:rPr lang="en-US" sz="1400" dirty="0"/>
+                        <a:t>ARRAY_BUFFER</a:t>
+                      </a:r>
+                    </a:p>
+                  </a:txBody>
+                  <a:tcPr anchor="ctr"/>
+                </a:tc>
+                <a:extLst>
+                  <a:ext uri="{0D108BD9-81ED-4DB2-BD59-A6C34878D82A}">
+                    <a16:rowId xmlns:a16="http://schemas.microsoft.com/office/drawing/2014/main" val="2637412940"/>
+                  </a:ext>
+                </a:extLst>
+              </a:tr>
+              <a:tr h="370840">
+                <a:tc>
+                  <a:txBody>
+                    <a:bodyPr/>
+                    <a:lstStyle/>
+                    <a:p>
+                      <a:pPr algn="ctr"/>
+                      <a:r>
+                        <a:rPr lang="en-US" sz="1400" dirty="0"/>
+                        <a:t>RENDER_BUFFER</a:t>
+                      </a:r>
+                    </a:p>
+                  </a:txBody>
+                  <a:tcPr anchor="ctr"/>
+                </a:tc>
+                <a:extLst>
+                  <a:ext uri="{0D108BD9-81ED-4DB2-BD59-A6C34878D82A}">
+                    <a16:rowId xmlns:a16="http://schemas.microsoft.com/office/drawing/2014/main" val="2632229911"/>
+                  </a:ext>
+                </a:extLst>
+              </a:tr>
+              <a:tr h="370840">
+                <a:tc>
+                  <a:txBody>
+                    <a:bodyPr/>
+                    <a:lstStyle/>
+                    <a:p>
+                      <a:pPr algn="ctr"/>
+                      <a:r>
+                        <a:rPr lang="en-US" sz="1400" dirty="0"/>
+                        <a:t>…</a:t>
+                      </a:r>
+                    </a:p>
+                  </a:txBody>
+                  <a:tcPr anchor="ctr"/>
+                </a:tc>
+                <a:extLst>
+                  <a:ext uri="{0D108BD9-81ED-4DB2-BD59-A6C34878D82A}">
+                    <a16:rowId xmlns:a16="http://schemas.microsoft.com/office/drawing/2014/main" val="3970316030"/>
+                  </a:ext>
+                </a:extLst>
+              </a:tr>
+            </a:tbl>
+          </a:graphicData>
+        </a:graphic>
+      </p:graphicFrame>
+      <p:sp>
+        <p:nvSpPr>
+          <p:cNvPr id="10" name="사각형: 둥근 모서리 9">
+            <a:extLst>
+              <a:ext uri="{FF2B5EF4-FFF2-40B4-BE49-F238E27FC236}">
+                <a16:creationId xmlns:a16="http://schemas.microsoft.com/office/drawing/2014/main" id="{17A3F021-9F4E-49D4-80DE-F0B341573FAB}"/>
+              </a:ext>
+            </a:extLst>
+          </p:cNvPr>
+          <p:cNvSpPr/>
+          <p:nvPr/>
+        </p:nvSpPr>
+        <p:spPr>
+          <a:xfrm>
+            <a:off x="3475513" y="2734146"/>
+            <a:ext cx="1953508" cy="398352"/>
+          </a:xfrm>
+          <a:prstGeom prst="roundRect">
+            <a:avLst/>
+          </a:prstGeom>
+        </p:spPr>
+        <p:style>
+          <a:lnRef idx="2">
+            <a:schemeClr val="dk1"/>
+          </a:lnRef>
+          <a:fillRef idx="1">
+            <a:schemeClr val="lt1"/>
+          </a:fillRef>
+          <a:effectRef idx="0">
+            <a:schemeClr val="dk1"/>
+          </a:effectRef>
+          <a:fontRef idx="minor">
+            <a:schemeClr val="dk1"/>
+          </a:fontRef>
+        </p:style>
+        <p:txBody>
+          <a:bodyPr rtlCol="0" anchor="ctr"/>
+          <a:lstStyle/>
+          <a:p>
+            <a:pPr algn="ctr"/>
+            <a:r>
+              <a:rPr lang="en-US" dirty="0"/>
+              <a:t>Buffer(Id: 1)</a:t>
+            </a:r>
+          </a:p>
+        </p:txBody>
+      </p:sp>
+      <p:sp>
+        <p:nvSpPr>
+          <p:cNvPr id="11" name="사각형: 둥근 모서리 10">
+            <a:extLst>
+              <a:ext uri="{FF2B5EF4-FFF2-40B4-BE49-F238E27FC236}">
+                <a16:creationId xmlns:a16="http://schemas.microsoft.com/office/drawing/2014/main" id="{1F5B5074-C49E-4F19-A1B9-41BF8AFBCA69}"/>
+              </a:ext>
+            </a:extLst>
+          </p:cNvPr>
+          <p:cNvSpPr/>
+          <p:nvPr/>
+        </p:nvSpPr>
+        <p:spPr>
+          <a:xfrm>
+            <a:off x="3475513" y="3254720"/>
+            <a:ext cx="1953508" cy="398352"/>
+          </a:xfrm>
+          <a:prstGeom prst="roundRect">
+            <a:avLst/>
+          </a:prstGeom>
+        </p:spPr>
+        <p:style>
+          <a:lnRef idx="2">
+            <a:schemeClr val="dk1"/>
+          </a:lnRef>
+          <a:fillRef idx="1">
+            <a:schemeClr val="lt1"/>
+          </a:fillRef>
+          <a:effectRef idx="0">
+            <a:schemeClr val="dk1"/>
+          </a:effectRef>
+          <a:fontRef idx="minor">
+            <a:schemeClr val="dk1"/>
+          </a:fontRef>
+        </p:style>
+        <p:txBody>
+          <a:bodyPr rtlCol="0" anchor="ctr"/>
+          <a:lstStyle/>
+          <a:p>
+            <a:pPr algn="ctr"/>
+            <a:r>
+              <a:rPr lang="en-US" dirty="0"/>
+              <a:t>Buffer(Id: 2)</a:t>
+            </a:r>
+          </a:p>
+        </p:txBody>
+      </p:sp>
+      <p:sp>
+        <p:nvSpPr>
+          <p:cNvPr id="12" name="사각형: 둥근 모서리 11">
+            <a:extLst>
+              <a:ext uri="{FF2B5EF4-FFF2-40B4-BE49-F238E27FC236}">
+                <a16:creationId xmlns:a16="http://schemas.microsoft.com/office/drawing/2014/main" id="{34A78320-97B9-4D2A-B9A4-779A60509015}"/>
+              </a:ext>
+            </a:extLst>
+          </p:cNvPr>
+          <p:cNvSpPr/>
+          <p:nvPr/>
+        </p:nvSpPr>
+        <p:spPr>
+          <a:xfrm>
+            <a:off x="3475513" y="3775294"/>
+            <a:ext cx="1953508" cy="398352"/>
+          </a:xfrm>
+          <a:prstGeom prst="roundRect">
+            <a:avLst/>
+          </a:prstGeom>
+        </p:spPr>
+        <p:style>
+          <a:lnRef idx="2">
+            <a:schemeClr val="dk1"/>
+          </a:lnRef>
+          <a:fillRef idx="1">
+            <a:schemeClr val="lt1"/>
+          </a:fillRef>
+          <a:effectRef idx="0">
+            <a:schemeClr val="dk1"/>
+          </a:effectRef>
+          <a:fontRef idx="minor">
+            <a:schemeClr val="dk1"/>
+          </a:fontRef>
+        </p:style>
+        <p:txBody>
+          <a:bodyPr rtlCol="0" anchor="ctr"/>
+          <a:lstStyle/>
+          <a:p>
+            <a:pPr algn="ctr"/>
+            <a:r>
+              <a:rPr lang="en-US" dirty="0"/>
+              <a:t>Buffer(Id: 3)</a:t>
+            </a:r>
+          </a:p>
+        </p:txBody>
+      </p:sp>
+      <p:cxnSp>
+        <p:nvCxnSpPr>
+          <p:cNvPr id="14" name="연결선: 구부러짐 13">
+            <a:extLst>
+              <a:ext uri="{FF2B5EF4-FFF2-40B4-BE49-F238E27FC236}">
+                <a16:creationId xmlns:a16="http://schemas.microsoft.com/office/drawing/2014/main" id="{1C18D392-D959-4B29-BC49-0B16AD2B9FEF}"/>
+              </a:ext>
+            </a:extLst>
+          </p:cNvPr>
+          <p:cNvCxnSpPr>
+            <a:cxnSpLocks/>
+            <a:stCxn id="9" idx="3"/>
+            <a:endCxn id="10" idx="1"/>
+          </p:cNvCxnSpPr>
+          <p:nvPr/>
+        </p:nvCxnSpPr>
+        <p:spPr>
+          <a:xfrm flipV="1">
+            <a:off x="2874475" y="2933322"/>
+            <a:ext cx="601038" cy="180140"/>
+          </a:xfrm>
+          <a:prstGeom prst="curvedConnector3">
+            <a:avLst>
+              <a:gd name="adj1" fmla="val 50000"/>
+            </a:avLst>
+          </a:prstGeom>
+          <a:ln>
+            <a:solidFill>
+              <a:schemeClr val="tx1"/>
+            </a:solidFill>
+            <a:tailEnd type="triangle"/>
+          </a:ln>
+        </p:spPr>
+        <p:style>
+          <a:lnRef idx="1">
+            <a:schemeClr val="accent1"/>
+          </a:lnRef>
+          <a:fillRef idx="0">
+            <a:schemeClr val="accent1"/>
+          </a:fillRef>
+          <a:effectRef idx="0">
+            <a:schemeClr val="accent1"/>
+          </a:effectRef>
+          <a:fontRef idx="minor">
+            <a:schemeClr val="tx1"/>
+          </a:fontRef>
+        </p:style>
+      </p:cxnSp>
+      <p:sp>
+        <p:nvSpPr>
+          <p:cNvPr id="16" name="직사각형 15">
+            <a:extLst>
+              <a:ext uri="{FF2B5EF4-FFF2-40B4-BE49-F238E27FC236}">
+                <a16:creationId xmlns:a16="http://schemas.microsoft.com/office/drawing/2014/main" id="{365D1277-A0C5-4A4C-BB52-09F6A6B295B0}"/>
+              </a:ext>
+            </a:extLst>
+          </p:cNvPr>
+          <p:cNvSpPr/>
+          <p:nvPr/>
+        </p:nvSpPr>
+        <p:spPr>
+          <a:xfrm>
+            <a:off x="1263848" y="2933322"/>
+            <a:ext cx="1610627" cy="362139"/>
+          </a:xfrm>
+          <a:prstGeom prst="rect">
+            <a:avLst/>
+          </a:prstGeom>
+          <a:noFill/>
+        </p:spPr>
+        <p:style>
+          <a:lnRef idx="2">
+            <a:schemeClr val="dk1"/>
+          </a:lnRef>
+          <a:fillRef idx="1">
+            <a:schemeClr val="lt1"/>
+          </a:fillRef>
+          <a:effectRef idx="0">
+            <a:schemeClr val="dk1"/>
+          </a:effectRef>
+          <a:fontRef idx="minor">
+            <a:schemeClr val="dk1"/>
+          </a:fontRef>
+        </p:style>
+        <p:txBody>
+          <a:bodyPr rtlCol="0" anchor="ctr"/>
+          <a:lstStyle/>
+          <a:p>
+            <a:pPr algn="ctr"/>
+            <a:endParaRPr lang="en-US"/>
+          </a:p>
+        </p:txBody>
+      </p:sp>
+      <p:sp>
+        <p:nvSpPr>
+          <p:cNvPr id="34" name="TextBox 33">
+            <a:extLst>
+              <a:ext uri="{FF2B5EF4-FFF2-40B4-BE49-F238E27FC236}">
+                <a16:creationId xmlns:a16="http://schemas.microsoft.com/office/drawing/2014/main" id="{8FD97C4A-3A10-4F5C-83FB-C1EA36B8DD0E}"/>
+              </a:ext>
+            </a:extLst>
+          </p:cNvPr>
+          <p:cNvSpPr txBox="1"/>
+          <p:nvPr/>
+        </p:nvSpPr>
+        <p:spPr>
+          <a:xfrm>
+            <a:off x="2223200" y="4860826"/>
+            <a:ext cx="2081147" cy="369332"/>
+          </a:xfrm>
+          <a:prstGeom prst="rect">
+            <a:avLst/>
+          </a:prstGeom>
+          <a:noFill/>
+        </p:spPr>
+        <p:txBody>
+          <a:bodyPr wrap="none" rtlCol="0">
+            <a:spAutoFit/>
+          </a:bodyPr>
+          <a:lstStyle/>
+          <a:p>
+            <a:r>
+              <a:rPr lang="en-US" dirty="0" err="1"/>
+              <a:t>glDrawArrays</a:t>
+            </a:r>
+            <a:r>
+              <a:rPr lang="en-US" dirty="0"/>
+              <a:t>() </a:t>
+            </a:r>
+            <a:r>
+              <a:rPr lang="ko-KR" altLang="en-US" dirty="0"/>
+              <a:t>호출</a:t>
+            </a:r>
+            <a:endParaRPr lang="en-US" dirty="0"/>
+          </a:p>
+        </p:txBody>
+      </p:sp>
+      <p:sp>
+        <p:nvSpPr>
+          <p:cNvPr id="28" name="사각형: 둥근 모서리 27">
+            <a:extLst>
+              <a:ext uri="{FF2B5EF4-FFF2-40B4-BE49-F238E27FC236}">
+                <a16:creationId xmlns:a16="http://schemas.microsoft.com/office/drawing/2014/main" id="{1CC98771-1411-4474-8BC2-5F05C387455C}"/>
+              </a:ext>
+            </a:extLst>
+          </p:cNvPr>
+          <p:cNvSpPr/>
+          <p:nvPr/>
+        </p:nvSpPr>
+        <p:spPr>
+          <a:xfrm>
+            <a:off x="3475513" y="1383369"/>
+            <a:ext cx="1953508" cy="398352"/>
+          </a:xfrm>
+          <a:prstGeom prst="roundRect">
+            <a:avLst/>
+          </a:prstGeom>
+        </p:spPr>
+        <p:style>
+          <a:lnRef idx="2">
+            <a:schemeClr val="dk1"/>
+          </a:lnRef>
+          <a:fillRef idx="1">
+            <a:schemeClr val="lt1"/>
+          </a:fillRef>
+          <a:effectRef idx="0">
+            <a:schemeClr val="dk1"/>
+          </a:effectRef>
+          <a:fontRef idx="minor">
+            <a:schemeClr val="dk1"/>
+          </a:fontRef>
+        </p:style>
+        <p:txBody>
+          <a:bodyPr rtlCol="0" anchor="ctr"/>
+          <a:lstStyle/>
+          <a:p>
+            <a:pPr algn="ctr"/>
+            <a:r>
+              <a:rPr lang="en-US" dirty="0"/>
+              <a:t>Program(Id: 1)</a:t>
+            </a:r>
+          </a:p>
+        </p:txBody>
+      </p:sp>
+      <p:sp>
+        <p:nvSpPr>
+          <p:cNvPr id="30" name="사각형: 둥근 모서리 29">
+            <a:extLst>
+              <a:ext uri="{FF2B5EF4-FFF2-40B4-BE49-F238E27FC236}">
+                <a16:creationId xmlns:a16="http://schemas.microsoft.com/office/drawing/2014/main" id="{0F506637-0085-40A5-B223-A3B778189309}"/>
+              </a:ext>
+            </a:extLst>
+          </p:cNvPr>
+          <p:cNvSpPr/>
+          <p:nvPr/>
+        </p:nvSpPr>
+        <p:spPr>
+          <a:xfrm>
+            <a:off x="3475513" y="1881260"/>
+            <a:ext cx="1953508" cy="398352"/>
+          </a:xfrm>
+          <a:prstGeom prst="roundRect">
+            <a:avLst/>
+          </a:prstGeom>
+        </p:spPr>
+        <p:style>
+          <a:lnRef idx="2">
+            <a:schemeClr val="dk1"/>
+          </a:lnRef>
+          <a:fillRef idx="1">
+            <a:schemeClr val="lt1"/>
+          </a:fillRef>
+          <a:effectRef idx="0">
+            <a:schemeClr val="dk1"/>
+          </a:effectRef>
+          <a:fontRef idx="minor">
+            <a:schemeClr val="dk1"/>
+          </a:fontRef>
+        </p:style>
+        <p:txBody>
+          <a:bodyPr rtlCol="0" anchor="ctr"/>
+          <a:lstStyle/>
+          <a:p>
+            <a:pPr algn="ctr"/>
+            <a:r>
+              <a:rPr lang="en-US" dirty="0"/>
+              <a:t>Program(Id: 2)</a:t>
+            </a:r>
+          </a:p>
+        </p:txBody>
+      </p:sp>
+      <p:cxnSp>
+        <p:nvCxnSpPr>
+          <p:cNvPr id="32" name="연결선: 구부러짐 31">
+            <a:extLst>
+              <a:ext uri="{FF2B5EF4-FFF2-40B4-BE49-F238E27FC236}">
+                <a16:creationId xmlns:a16="http://schemas.microsoft.com/office/drawing/2014/main" id="{6BE2A26B-CDF0-4493-8E88-C2A4785ED5D5}"/>
+              </a:ext>
+            </a:extLst>
+          </p:cNvPr>
+          <p:cNvCxnSpPr>
+            <a:cxnSpLocks/>
+            <a:stCxn id="35" idx="3"/>
+            <a:endCxn id="28" idx="1"/>
+          </p:cNvCxnSpPr>
+          <p:nvPr/>
+        </p:nvCxnSpPr>
+        <p:spPr>
+          <a:xfrm flipV="1">
+            <a:off x="2872591" y="1582545"/>
+            <a:ext cx="602922" cy="1157911"/>
+          </a:xfrm>
+          <a:prstGeom prst="curvedConnector3">
+            <a:avLst>
+              <a:gd name="adj1" fmla="val 50000"/>
+            </a:avLst>
+          </a:prstGeom>
+          <a:ln>
+            <a:solidFill>
+              <a:schemeClr val="tx1"/>
+            </a:solidFill>
+            <a:tailEnd type="triangle"/>
+          </a:ln>
+        </p:spPr>
+        <p:style>
+          <a:lnRef idx="1">
+            <a:schemeClr val="accent1"/>
+          </a:lnRef>
+          <a:fillRef idx="0">
+            <a:schemeClr val="accent1"/>
+          </a:fillRef>
+          <a:effectRef idx="0">
+            <a:schemeClr val="accent1"/>
+          </a:effectRef>
+          <a:fontRef idx="minor">
+            <a:schemeClr val="tx1"/>
+          </a:fontRef>
+        </p:style>
+      </p:cxnSp>
+      <p:sp>
+        <p:nvSpPr>
+          <p:cNvPr id="35" name="직사각형 34">
+            <a:extLst>
+              <a:ext uri="{FF2B5EF4-FFF2-40B4-BE49-F238E27FC236}">
+                <a16:creationId xmlns:a16="http://schemas.microsoft.com/office/drawing/2014/main" id="{F7BB6497-2365-488A-A751-0DEAA34B85A9}"/>
+              </a:ext>
+            </a:extLst>
+          </p:cNvPr>
+          <p:cNvSpPr/>
+          <p:nvPr/>
+        </p:nvSpPr>
+        <p:spPr>
+          <a:xfrm>
+            <a:off x="1261964" y="2559386"/>
+            <a:ext cx="1610627" cy="362139"/>
+          </a:xfrm>
+          <a:prstGeom prst="rect">
+            <a:avLst/>
+          </a:prstGeom>
+          <a:noFill/>
+        </p:spPr>
+        <p:style>
+          <a:lnRef idx="2">
+            <a:schemeClr val="dk1"/>
+          </a:lnRef>
+          <a:fillRef idx="1">
+            <a:schemeClr val="lt1"/>
+          </a:fillRef>
+          <a:effectRef idx="0">
+            <a:schemeClr val="dk1"/>
+          </a:effectRef>
+          <a:fontRef idx="minor">
+            <a:schemeClr val="dk1"/>
+          </a:fontRef>
+        </p:style>
+        <p:txBody>
+          <a:bodyPr rtlCol="0" anchor="ctr"/>
+          <a:lstStyle/>
+          <a:p>
+            <a:pPr algn="ctr"/>
+            <a:endParaRPr lang="en-US"/>
+          </a:p>
+        </p:txBody>
+      </p:sp>
+      <p:sp>
+        <p:nvSpPr>
+          <p:cNvPr id="13" name="화살표: 아래쪽 12">
+            <a:extLst>
+              <a:ext uri="{FF2B5EF4-FFF2-40B4-BE49-F238E27FC236}">
+                <a16:creationId xmlns:a16="http://schemas.microsoft.com/office/drawing/2014/main" id="{22D2C996-367F-4F27-993F-9D5361233EDF}"/>
+              </a:ext>
+            </a:extLst>
+          </p:cNvPr>
+          <p:cNvSpPr/>
+          <p:nvPr/>
+        </p:nvSpPr>
+        <p:spPr>
+          <a:xfrm>
+            <a:off x="3098770" y="4495096"/>
+            <a:ext cx="330006" cy="321348"/>
+          </a:xfrm>
+          <a:prstGeom prst="downArrow">
+            <a:avLst/>
+          </a:prstGeom>
+        </p:spPr>
+        <p:style>
+          <a:lnRef idx="2">
+            <a:schemeClr val="dk1"/>
+          </a:lnRef>
+          <a:fillRef idx="1">
+            <a:schemeClr val="lt1"/>
+          </a:fillRef>
+          <a:effectRef idx="0">
+            <a:schemeClr val="dk1"/>
+          </a:effectRef>
+          <a:fontRef idx="minor">
+            <a:schemeClr val="dk1"/>
+          </a:fontRef>
+        </p:style>
+        <p:txBody>
+          <a:bodyPr rtlCol="0" anchor="ctr"/>
+          <a:lstStyle/>
+          <a:p>
+            <a:pPr algn="ctr"/>
+            <a:endParaRPr lang="en-US"/>
+          </a:p>
+        </p:txBody>
+      </p:sp>
+      <p:sp>
+        <p:nvSpPr>
+          <p:cNvPr id="36" name="화살표: 아래쪽 35">
+            <a:extLst>
+              <a:ext uri="{FF2B5EF4-FFF2-40B4-BE49-F238E27FC236}">
+                <a16:creationId xmlns:a16="http://schemas.microsoft.com/office/drawing/2014/main" id="{FE4234EB-7DF6-43F0-B082-7152BF1D89BB}"/>
+              </a:ext>
+            </a:extLst>
+          </p:cNvPr>
+          <p:cNvSpPr/>
+          <p:nvPr/>
+        </p:nvSpPr>
+        <p:spPr>
+          <a:xfrm>
+            <a:off x="3098770" y="5339734"/>
+            <a:ext cx="330006" cy="321348"/>
+          </a:xfrm>
+          <a:prstGeom prst="downArrow">
+            <a:avLst/>
+          </a:prstGeom>
+        </p:spPr>
+        <p:style>
+          <a:lnRef idx="2">
+            <a:schemeClr val="dk1"/>
+          </a:lnRef>
+          <a:fillRef idx="1">
+            <a:schemeClr val="lt1"/>
+          </a:fillRef>
+          <a:effectRef idx="0">
+            <a:schemeClr val="dk1"/>
+          </a:effectRef>
+          <a:fontRef idx="minor">
+            <a:schemeClr val="dk1"/>
+          </a:fontRef>
+        </p:style>
+        <p:txBody>
+          <a:bodyPr rtlCol="0" anchor="ctr"/>
+          <a:lstStyle/>
+          <a:p>
+            <a:pPr algn="ctr"/>
+            <a:endParaRPr lang="en-US"/>
+          </a:p>
+        </p:txBody>
+      </p:sp>
+      <p:sp>
+        <p:nvSpPr>
+          <p:cNvPr id="15" name="직사각형 14">
+            <a:extLst>
+              <a:ext uri="{FF2B5EF4-FFF2-40B4-BE49-F238E27FC236}">
+                <a16:creationId xmlns:a16="http://schemas.microsoft.com/office/drawing/2014/main" id="{FB500D2E-BBE5-440C-A73E-0C83CD457688}"/>
+              </a:ext>
+            </a:extLst>
+          </p:cNvPr>
+          <p:cNvSpPr/>
+          <p:nvPr/>
+        </p:nvSpPr>
+        <p:spPr>
+          <a:xfrm>
+            <a:off x="2716040" y="5770658"/>
+            <a:ext cx="1018965" cy="803897"/>
+          </a:xfrm>
+          <a:prstGeom prst="rect">
+            <a:avLst/>
+          </a:prstGeom>
+        </p:spPr>
+        <p:style>
+          <a:lnRef idx="2">
+            <a:schemeClr val="dk1"/>
+          </a:lnRef>
+          <a:fillRef idx="1">
+            <a:schemeClr val="lt1"/>
+          </a:fillRef>
+          <a:effectRef idx="0">
+            <a:schemeClr val="dk1"/>
+          </a:effectRef>
+          <a:fontRef idx="minor">
+            <a:schemeClr val="dk1"/>
+          </a:fontRef>
+        </p:style>
+        <p:txBody>
+          <a:bodyPr rtlCol="0" anchor="ctr"/>
+          <a:lstStyle/>
+          <a:p>
+            <a:pPr algn="ctr"/>
+            <a:endParaRPr lang="en-US"/>
+          </a:p>
+        </p:txBody>
+      </p:sp>
+      <p:sp>
+        <p:nvSpPr>
+          <p:cNvPr id="17" name="이등변 삼각형 16">
+            <a:extLst>
+              <a:ext uri="{FF2B5EF4-FFF2-40B4-BE49-F238E27FC236}">
+                <a16:creationId xmlns:a16="http://schemas.microsoft.com/office/drawing/2014/main" id="{43D4A318-F379-481D-A182-EE5D29408303}"/>
+              </a:ext>
+            </a:extLst>
+          </p:cNvPr>
+          <p:cNvSpPr/>
+          <p:nvPr/>
+        </p:nvSpPr>
+        <p:spPr>
+          <a:xfrm>
+            <a:off x="2942376" y="5912319"/>
+            <a:ext cx="566292" cy="520574"/>
+          </a:xfrm>
+          <a:prstGeom prst="triangle">
+            <a:avLst/>
+          </a:prstGeom>
+        </p:spPr>
+        <p:style>
+          <a:lnRef idx="2">
+            <a:schemeClr val="accent1">
+              <a:shade val="50000"/>
+            </a:schemeClr>
+          </a:lnRef>
+          <a:fillRef idx="1">
+            <a:schemeClr val="accent1"/>
+          </a:fillRef>
+          <a:effectRef idx="0">
+            <a:schemeClr val="accent1"/>
+          </a:effectRef>
+          <a:fontRef idx="minor">
+            <a:schemeClr val="lt1"/>
+          </a:fontRef>
+        </p:style>
+        <p:txBody>
+          <a:bodyPr rtlCol="0" anchor="ctr"/>
+          <a:lstStyle/>
+          <a:p>
+            <a:pPr algn="ctr"/>
+            <a:endParaRPr lang="en-US"/>
+          </a:p>
+        </p:txBody>
+      </p:sp>
+      <p:sp>
+        <p:nvSpPr>
+          <p:cNvPr id="26" name="TextBox 25">
+            <a:extLst>
+              <a:ext uri="{FF2B5EF4-FFF2-40B4-BE49-F238E27FC236}">
+                <a16:creationId xmlns:a16="http://schemas.microsoft.com/office/drawing/2014/main" id="{79DB7A6D-BA21-4673-88A9-5B2354B76D0C}"/>
+              </a:ext>
+            </a:extLst>
+          </p:cNvPr>
+          <p:cNvSpPr txBox="1"/>
+          <p:nvPr/>
+        </p:nvSpPr>
+        <p:spPr>
+          <a:xfrm>
+            <a:off x="1261964" y="6673334"/>
+            <a:ext cx="4100353" cy="369332"/>
+          </a:xfrm>
+          <a:prstGeom prst="rect">
+            <a:avLst/>
+          </a:prstGeom>
+          <a:noFill/>
+        </p:spPr>
+        <p:txBody>
+          <a:bodyPr wrap="none" rtlCol="0">
+            <a:spAutoFit/>
+          </a:bodyPr>
+          <a:lstStyle/>
+          <a:p>
+            <a:pPr algn="ctr"/>
+            <a:r>
+              <a:rPr lang="en-US" dirty="0"/>
+              <a:t>Program(Id:1)</a:t>
+            </a:r>
+            <a:r>
+              <a:rPr lang="ko-KR" altLang="en-US" dirty="0"/>
+              <a:t> </a:t>
+            </a:r>
+            <a:r>
+              <a:rPr lang="en-US" altLang="ko-KR" dirty="0"/>
+              <a:t>Buffer(Id:1)</a:t>
+            </a:r>
+            <a:r>
+              <a:rPr lang="ko-KR" altLang="en-US" dirty="0"/>
+              <a:t>로 그린 삼각형</a:t>
+            </a:r>
+            <a:endParaRPr lang="en-US" dirty="0"/>
+          </a:p>
+        </p:txBody>
+      </p:sp>
+      <p:sp>
+        <p:nvSpPr>
+          <p:cNvPr id="40" name="직사각형 39">
+            <a:extLst>
+              <a:ext uri="{FF2B5EF4-FFF2-40B4-BE49-F238E27FC236}">
+                <a16:creationId xmlns:a16="http://schemas.microsoft.com/office/drawing/2014/main" id="{113F4C93-0F41-43C9-A911-02B4C8B02E26}"/>
+              </a:ext>
+            </a:extLst>
+          </p:cNvPr>
+          <p:cNvSpPr/>
+          <p:nvPr/>
+        </p:nvSpPr>
+        <p:spPr>
+          <a:xfrm>
+            <a:off x="6559365" y="860079"/>
+            <a:ext cx="4753069" cy="3503691"/>
+          </a:xfrm>
+          <a:prstGeom prst="rect">
+            <a:avLst/>
+          </a:prstGeom>
+        </p:spPr>
+        <p:style>
+          <a:lnRef idx="2">
+            <a:schemeClr val="dk1"/>
+          </a:lnRef>
+          <a:fillRef idx="1">
+            <a:schemeClr val="lt1"/>
+          </a:fillRef>
+          <a:effectRef idx="0">
+            <a:schemeClr val="dk1"/>
+          </a:effectRef>
+          <a:fontRef idx="minor">
+            <a:schemeClr val="dk1"/>
+          </a:fontRef>
+        </p:style>
+        <p:txBody>
+          <a:bodyPr rtlCol="0" anchor="ctr"/>
+          <a:lstStyle/>
+          <a:p>
+            <a:pPr algn="ctr"/>
+            <a:endParaRPr lang="en-US"/>
+          </a:p>
+        </p:txBody>
+      </p:sp>
+      <p:sp>
+        <p:nvSpPr>
+          <p:cNvPr id="41" name="TextBox 40">
+            <a:extLst>
+              <a:ext uri="{FF2B5EF4-FFF2-40B4-BE49-F238E27FC236}">
+                <a16:creationId xmlns:a16="http://schemas.microsoft.com/office/drawing/2014/main" id="{6CB06FD5-430A-40A8-83E3-A098355E7FC3}"/>
+              </a:ext>
+            </a:extLst>
+          </p:cNvPr>
+          <p:cNvSpPr txBox="1"/>
+          <p:nvPr/>
+        </p:nvSpPr>
+        <p:spPr>
+          <a:xfrm>
+            <a:off x="8637580" y="860079"/>
+            <a:ext cx="596638" cy="369332"/>
+          </a:xfrm>
+          <a:prstGeom prst="rect">
+            <a:avLst/>
+          </a:prstGeom>
+          <a:noFill/>
+        </p:spPr>
+        <p:txBody>
+          <a:bodyPr wrap="none" rtlCol="0">
+            <a:spAutoFit/>
+          </a:bodyPr>
+          <a:lstStyle/>
+          <a:p>
+            <a:r>
+              <a:rPr lang="en-US" dirty="0"/>
+              <a:t>GPU</a:t>
+            </a:r>
+          </a:p>
+        </p:txBody>
+      </p:sp>
+      <p:sp>
+        <p:nvSpPr>
+          <p:cNvPr id="43" name="직사각형 42">
+            <a:extLst>
+              <a:ext uri="{FF2B5EF4-FFF2-40B4-BE49-F238E27FC236}">
+                <a16:creationId xmlns:a16="http://schemas.microsoft.com/office/drawing/2014/main" id="{5164C422-D4A5-467D-A7AB-DDB9CE080FFF}"/>
+              </a:ext>
+            </a:extLst>
+          </p:cNvPr>
+          <p:cNvSpPr/>
+          <p:nvPr/>
+        </p:nvSpPr>
+        <p:spPr>
+          <a:xfrm>
+            <a:off x="6808780" y="1692998"/>
+            <a:ext cx="1865014" cy="2471596"/>
+          </a:xfrm>
+          <a:prstGeom prst="rect">
+            <a:avLst/>
+          </a:prstGeom>
+        </p:spPr>
+        <p:style>
+          <a:lnRef idx="2">
+            <a:schemeClr val="dk1"/>
+          </a:lnRef>
+          <a:fillRef idx="1">
+            <a:schemeClr val="lt1"/>
+          </a:fillRef>
+          <a:effectRef idx="0">
+            <a:schemeClr val="dk1"/>
+          </a:effectRef>
+          <a:fontRef idx="minor">
+            <a:schemeClr val="dk1"/>
+          </a:fontRef>
+        </p:style>
+        <p:txBody>
+          <a:bodyPr rtlCol="0" anchor="ctr"/>
+          <a:lstStyle/>
+          <a:p>
+            <a:pPr algn="ctr"/>
+            <a:endParaRPr lang="en-US"/>
+          </a:p>
+        </p:txBody>
+      </p:sp>
+      <p:graphicFrame>
+        <p:nvGraphicFramePr>
+          <p:cNvPr id="45" name="표 44">
+            <a:extLst>
+              <a:ext uri="{FF2B5EF4-FFF2-40B4-BE49-F238E27FC236}">
+                <a16:creationId xmlns:a16="http://schemas.microsoft.com/office/drawing/2014/main" id="{43276F6A-F768-4D25-8D43-15F1182D47B5}"/>
+              </a:ext>
+            </a:extLst>
+          </p:cNvPr>
+          <p:cNvGraphicFramePr>
+            <a:graphicFrameLocks noGrp="1"/>
+          </p:cNvGraphicFramePr>
+          <p:nvPr>
+            <p:extLst>
+              <p:ext uri="{D42A27DB-BD31-4B8C-83A1-F6EECF244321}">
+                <p14:modId xmlns:p14="http://schemas.microsoft.com/office/powerpoint/2010/main" val="556440621"/>
+              </p:ext>
+            </p:extLst>
+          </p:nvPr>
+        </p:nvGraphicFramePr>
+        <p:xfrm>
+          <a:off x="6935973" y="2186362"/>
+          <a:ext cx="1610627" cy="1854200"/>
+        </p:xfrm>
+        <a:graphic>
+          <a:graphicData uri="http://schemas.openxmlformats.org/drawingml/2006/table">
+            <a:tbl>
+              <a:tblPr firstRow="1" bandRow="1">
+                <a:tableStyleId>{5940675A-B579-460E-94D1-54222C63F5DA}</a:tableStyleId>
+              </a:tblPr>
+              <a:tblGrid>
+                <a:gridCol w="1610627">
+                  <a:extLst>
+                    <a:ext uri="{9D8B030D-6E8A-4147-A177-3AD203B41FA5}">
+                      <a16:colId xmlns:a16="http://schemas.microsoft.com/office/drawing/2014/main" val="1370248239"/>
+                    </a:ext>
+                  </a:extLst>
+                </a:gridCol>
+              </a:tblGrid>
+              <a:tr h="370840">
+                <a:tc>
+                  <a:txBody>
+                    <a:bodyPr/>
+                    <a:lstStyle/>
+                    <a:p>
+                      <a:pPr algn="ctr"/>
+                      <a:r>
+                        <a:rPr lang="en-US" sz="1400" dirty="0"/>
+                        <a:t>…</a:t>
+                      </a:r>
+                    </a:p>
+                  </a:txBody>
+                  <a:tcPr anchor="ctr"/>
+                </a:tc>
+                <a:extLst>
+                  <a:ext uri="{0D108BD9-81ED-4DB2-BD59-A6C34878D82A}">
+                    <a16:rowId xmlns:a16="http://schemas.microsoft.com/office/drawing/2014/main" val="2823884259"/>
+                  </a:ext>
+                </a:extLst>
+              </a:tr>
+              <a:tr h="370840">
+                <a:tc>
+                  <a:txBody>
+                    <a:bodyPr/>
+                    <a:lstStyle/>
+                    <a:p>
+                      <a:pPr algn="ctr"/>
+                      <a:r>
+                        <a:rPr lang="en-US" sz="1400" dirty="0"/>
+                        <a:t>PROGRAM</a:t>
+                      </a:r>
+                    </a:p>
+                  </a:txBody>
+                  <a:tcPr anchor="ctr"/>
+                </a:tc>
+                <a:extLst>
+                  <a:ext uri="{0D108BD9-81ED-4DB2-BD59-A6C34878D82A}">
+                    <a16:rowId xmlns:a16="http://schemas.microsoft.com/office/drawing/2014/main" val="113562051"/>
+                  </a:ext>
+                </a:extLst>
+              </a:tr>
+              <a:tr h="370840">
+                <a:tc>
+                  <a:txBody>
+                    <a:bodyPr/>
+                    <a:lstStyle/>
+                    <a:p>
+                      <a:pPr algn="ctr"/>
+                      <a:r>
+                        <a:rPr lang="en-US" sz="1400" dirty="0"/>
+                        <a:t>ARRAY_BUFFER</a:t>
+                      </a:r>
+                    </a:p>
+                  </a:txBody>
+                  <a:tcPr anchor="ctr"/>
+                </a:tc>
+                <a:extLst>
+                  <a:ext uri="{0D108BD9-81ED-4DB2-BD59-A6C34878D82A}">
+                    <a16:rowId xmlns:a16="http://schemas.microsoft.com/office/drawing/2014/main" val="2637412940"/>
+                  </a:ext>
+                </a:extLst>
+              </a:tr>
+              <a:tr h="370840">
+                <a:tc>
+                  <a:txBody>
+                    <a:bodyPr/>
+                    <a:lstStyle/>
+                    <a:p>
+                      <a:pPr algn="ctr"/>
+                      <a:r>
+                        <a:rPr lang="en-US" sz="1400" dirty="0"/>
+                        <a:t>RENDER_BUFFER</a:t>
+                      </a:r>
+                    </a:p>
+                  </a:txBody>
+                  <a:tcPr anchor="ctr"/>
+                </a:tc>
+                <a:extLst>
+                  <a:ext uri="{0D108BD9-81ED-4DB2-BD59-A6C34878D82A}">
+                    <a16:rowId xmlns:a16="http://schemas.microsoft.com/office/drawing/2014/main" val="2632229911"/>
+                  </a:ext>
+                </a:extLst>
+              </a:tr>
+              <a:tr h="370840">
+                <a:tc>
+                  <a:txBody>
+                    <a:bodyPr/>
+                    <a:lstStyle/>
+                    <a:p>
+                      <a:pPr algn="ctr"/>
+                      <a:r>
+                        <a:rPr lang="en-US" sz="1400" dirty="0"/>
+                        <a:t>…</a:t>
+                      </a:r>
+                    </a:p>
+                  </a:txBody>
+                  <a:tcPr anchor="ctr"/>
+                </a:tc>
+                <a:extLst>
+                  <a:ext uri="{0D108BD9-81ED-4DB2-BD59-A6C34878D82A}">
+                    <a16:rowId xmlns:a16="http://schemas.microsoft.com/office/drawing/2014/main" val="3970316030"/>
+                  </a:ext>
+                </a:extLst>
+              </a:tr>
+            </a:tbl>
+          </a:graphicData>
+        </a:graphic>
+      </p:graphicFrame>
+      <p:sp>
+        <p:nvSpPr>
+          <p:cNvPr id="46" name="사각형: 둥근 모서리 45">
+            <a:extLst>
+              <a:ext uri="{FF2B5EF4-FFF2-40B4-BE49-F238E27FC236}">
+                <a16:creationId xmlns:a16="http://schemas.microsoft.com/office/drawing/2014/main" id="{4289B282-D180-4A75-94ED-75B4D6F5B7CF}"/>
+              </a:ext>
+            </a:extLst>
+          </p:cNvPr>
+          <p:cNvSpPr/>
+          <p:nvPr/>
+        </p:nvSpPr>
+        <p:spPr>
+          <a:xfrm>
+            <a:off x="9147638" y="2734146"/>
+            <a:ext cx="1953508" cy="398352"/>
+          </a:xfrm>
+          <a:prstGeom prst="roundRect">
+            <a:avLst/>
+          </a:prstGeom>
+        </p:spPr>
+        <p:style>
+          <a:lnRef idx="2">
+            <a:schemeClr val="dk1"/>
+          </a:lnRef>
+          <a:fillRef idx="1">
+            <a:schemeClr val="lt1"/>
+          </a:fillRef>
+          <a:effectRef idx="0">
+            <a:schemeClr val="dk1"/>
+          </a:effectRef>
+          <a:fontRef idx="minor">
+            <a:schemeClr val="dk1"/>
+          </a:fontRef>
+        </p:style>
+        <p:txBody>
+          <a:bodyPr rtlCol="0" anchor="ctr"/>
+          <a:lstStyle/>
+          <a:p>
+            <a:pPr algn="ctr"/>
+            <a:r>
+              <a:rPr lang="en-US" dirty="0"/>
+              <a:t>Buffer(Id: 1)</a:t>
+            </a:r>
+          </a:p>
+        </p:txBody>
+      </p:sp>
+      <p:sp>
+        <p:nvSpPr>
+          <p:cNvPr id="47" name="사각형: 둥근 모서리 46">
+            <a:extLst>
+              <a:ext uri="{FF2B5EF4-FFF2-40B4-BE49-F238E27FC236}">
+                <a16:creationId xmlns:a16="http://schemas.microsoft.com/office/drawing/2014/main" id="{FA37F111-8AE0-48C3-9733-60152125BF4F}"/>
+              </a:ext>
+            </a:extLst>
+          </p:cNvPr>
+          <p:cNvSpPr/>
+          <p:nvPr/>
+        </p:nvSpPr>
+        <p:spPr>
+          <a:xfrm>
+            <a:off x="9147638" y="3254720"/>
+            <a:ext cx="1953508" cy="398352"/>
+          </a:xfrm>
+          <a:prstGeom prst="roundRect">
+            <a:avLst/>
+          </a:prstGeom>
+        </p:spPr>
+        <p:style>
+          <a:lnRef idx="2">
+            <a:schemeClr val="dk1"/>
+          </a:lnRef>
+          <a:fillRef idx="1">
+            <a:schemeClr val="lt1"/>
+          </a:fillRef>
+          <a:effectRef idx="0">
+            <a:schemeClr val="dk1"/>
+          </a:effectRef>
+          <a:fontRef idx="minor">
+            <a:schemeClr val="dk1"/>
+          </a:fontRef>
+        </p:style>
+        <p:txBody>
+          <a:bodyPr rtlCol="0" anchor="ctr"/>
+          <a:lstStyle/>
+          <a:p>
+            <a:pPr algn="ctr"/>
+            <a:r>
+              <a:rPr lang="en-US" dirty="0"/>
+              <a:t>Buffer(Id: 2)</a:t>
+            </a:r>
+          </a:p>
+        </p:txBody>
+      </p:sp>
+      <p:sp>
+        <p:nvSpPr>
+          <p:cNvPr id="48" name="사각형: 둥근 모서리 47">
+            <a:extLst>
+              <a:ext uri="{FF2B5EF4-FFF2-40B4-BE49-F238E27FC236}">
+                <a16:creationId xmlns:a16="http://schemas.microsoft.com/office/drawing/2014/main" id="{7D454C8F-6C7B-4A70-9620-3CCAE52F3F6E}"/>
+              </a:ext>
+            </a:extLst>
+          </p:cNvPr>
+          <p:cNvSpPr/>
+          <p:nvPr/>
+        </p:nvSpPr>
+        <p:spPr>
+          <a:xfrm>
+            <a:off x="9147638" y="3775294"/>
+            <a:ext cx="1953508" cy="398352"/>
+          </a:xfrm>
+          <a:prstGeom prst="roundRect">
+            <a:avLst/>
+          </a:prstGeom>
+        </p:spPr>
+        <p:style>
+          <a:lnRef idx="2">
+            <a:schemeClr val="dk1"/>
+          </a:lnRef>
+          <a:fillRef idx="1">
+            <a:schemeClr val="lt1"/>
+          </a:fillRef>
+          <a:effectRef idx="0">
+            <a:schemeClr val="dk1"/>
+          </a:effectRef>
+          <a:fontRef idx="minor">
+            <a:schemeClr val="dk1"/>
+          </a:fontRef>
+        </p:style>
+        <p:txBody>
+          <a:bodyPr rtlCol="0" anchor="ctr"/>
+          <a:lstStyle/>
+          <a:p>
+            <a:pPr algn="ctr"/>
+            <a:r>
+              <a:rPr lang="en-US" dirty="0"/>
+              <a:t>Buffer(Id: 3)</a:t>
+            </a:r>
+          </a:p>
+        </p:txBody>
+      </p:sp>
+      <p:cxnSp>
+        <p:nvCxnSpPr>
+          <p:cNvPr id="49" name="연결선: 구부러짐 48">
+            <a:extLst>
+              <a:ext uri="{FF2B5EF4-FFF2-40B4-BE49-F238E27FC236}">
+                <a16:creationId xmlns:a16="http://schemas.microsoft.com/office/drawing/2014/main" id="{9DC818C6-2EF6-42CC-B895-75C31072CD31}"/>
+              </a:ext>
+            </a:extLst>
+          </p:cNvPr>
+          <p:cNvCxnSpPr>
+            <a:cxnSpLocks/>
+            <a:stCxn id="45" idx="3"/>
+            <a:endCxn id="47" idx="1"/>
+          </p:cNvCxnSpPr>
+          <p:nvPr/>
+        </p:nvCxnSpPr>
+        <p:spPr>
+          <a:xfrm>
+            <a:off x="8546600" y="3113462"/>
+            <a:ext cx="601038" cy="340434"/>
+          </a:xfrm>
+          <a:prstGeom prst="curvedConnector3">
+            <a:avLst>
+              <a:gd name="adj1" fmla="val 50000"/>
+            </a:avLst>
+          </a:prstGeom>
+          <a:ln>
+            <a:solidFill>
+              <a:schemeClr val="tx1"/>
+            </a:solidFill>
+            <a:tailEnd type="triangle"/>
+          </a:ln>
+        </p:spPr>
+        <p:style>
+          <a:lnRef idx="1">
+            <a:schemeClr val="accent1"/>
+          </a:lnRef>
+          <a:fillRef idx="0">
+            <a:schemeClr val="accent1"/>
+          </a:fillRef>
+          <a:effectRef idx="0">
+            <a:schemeClr val="accent1"/>
+          </a:effectRef>
+          <a:fontRef idx="minor">
+            <a:schemeClr val="tx1"/>
+          </a:fontRef>
+        </p:style>
+      </p:cxnSp>
+      <p:sp>
+        <p:nvSpPr>
+          <p:cNvPr id="50" name="직사각형 49">
+            <a:extLst>
+              <a:ext uri="{FF2B5EF4-FFF2-40B4-BE49-F238E27FC236}">
+                <a16:creationId xmlns:a16="http://schemas.microsoft.com/office/drawing/2014/main" id="{D03021B8-594B-4980-B157-BFC8DE2CA99A}"/>
+              </a:ext>
+            </a:extLst>
+          </p:cNvPr>
+          <p:cNvSpPr/>
+          <p:nvPr/>
+        </p:nvSpPr>
+        <p:spPr>
+          <a:xfrm>
+            <a:off x="6935973" y="2933322"/>
+            <a:ext cx="1610627" cy="362139"/>
+          </a:xfrm>
+          <a:prstGeom prst="rect">
+            <a:avLst/>
+          </a:prstGeom>
+          <a:noFill/>
+        </p:spPr>
+        <p:style>
+          <a:lnRef idx="2">
+            <a:schemeClr val="dk1"/>
+          </a:lnRef>
+          <a:fillRef idx="1">
+            <a:schemeClr val="lt1"/>
+          </a:fillRef>
+          <a:effectRef idx="0">
+            <a:schemeClr val="dk1"/>
+          </a:effectRef>
+          <a:fontRef idx="minor">
+            <a:schemeClr val="dk1"/>
+          </a:fontRef>
+        </p:style>
+        <p:txBody>
+          <a:bodyPr rtlCol="0" anchor="ctr"/>
+          <a:lstStyle/>
+          <a:p>
+            <a:pPr algn="ctr"/>
+            <a:endParaRPr lang="en-US"/>
+          </a:p>
+        </p:txBody>
+      </p:sp>
+      <p:sp>
+        <p:nvSpPr>
+          <p:cNvPr id="51" name="사각형: 둥근 모서리 50">
+            <a:extLst>
+              <a:ext uri="{FF2B5EF4-FFF2-40B4-BE49-F238E27FC236}">
+                <a16:creationId xmlns:a16="http://schemas.microsoft.com/office/drawing/2014/main" id="{7702109B-8EE1-456E-A207-4B6B4120E830}"/>
+              </a:ext>
+            </a:extLst>
+          </p:cNvPr>
+          <p:cNvSpPr/>
+          <p:nvPr/>
+        </p:nvSpPr>
+        <p:spPr>
+          <a:xfrm>
+            <a:off x="9147638" y="1383369"/>
+            <a:ext cx="1953508" cy="398352"/>
+          </a:xfrm>
+          <a:prstGeom prst="roundRect">
+            <a:avLst/>
+          </a:prstGeom>
+        </p:spPr>
+        <p:style>
+          <a:lnRef idx="2">
+            <a:schemeClr val="dk1"/>
+          </a:lnRef>
+          <a:fillRef idx="1">
+            <a:schemeClr val="lt1"/>
+          </a:fillRef>
+          <a:effectRef idx="0">
+            <a:schemeClr val="dk1"/>
+          </a:effectRef>
+          <a:fontRef idx="minor">
+            <a:schemeClr val="dk1"/>
+          </a:fontRef>
+        </p:style>
+        <p:txBody>
+          <a:bodyPr rtlCol="0" anchor="ctr"/>
+          <a:lstStyle/>
+          <a:p>
+            <a:pPr algn="ctr"/>
+            <a:r>
+              <a:rPr lang="en-US" dirty="0"/>
+              <a:t>Program(Id: 1)</a:t>
+            </a:r>
+          </a:p>
+        </p:txBody>
+      </p:sp>
+      <p:sp>
+        <p:nvSpPr>
+          <p:cNvPr id="52" name="사각형: 둥근 모서리 51">
+            <a:extLst>
+              <a:ext uri="{FF2B5EF4-FFF2-40B4-BE49-F238E27FC236}">
+                <a16:creationId xmlns:a16="http://schemas.microsoft.com/office/drawing/2014/main" id="{D25152DE-2B85-4792-8D32-1245EE77D019}"/>
+              </a:ext>
+            </a:extLst>
+          </p:cNvPr>
+          <p:cNvSpPr/>
+          <p:nvPr/>
+        </p:nvSpPr>
+        <p:spPr>
+          <a:xfrm>
+            <a:off x="9147638" y="1881260"/>
+            <a:ext cx="1953508" cy="398352"/>
+          </a:xfrm>
+          <a:prstGeom prst="roundRect">
+            <a:avLst/>
+          </a:prstGeom>
+        </p:spPr>
+        <p:style>
+          <a:lnRef idx="2">
+            <a:schemeClr val="dk1"/>
+          </a:lnRef>
+          <a:fillRef idx="1">
+            <a:schemeClr val="lt1"/>
+          </a:fillRef>
+          <a:effectRef idx="0">
+            <a:schemeClr val="dk1"/>
+          </a:effectRef>
+          <a:fontRef idx="minor">
+            <a:schemeClr val="dk1"/>
+          </a:fontRef>
+        </p:style>
+        <p:txBody>
+          <a:bodyPr rtlCol="0" anchor="ctr"/>
+          <a:lstStyle/>
+          <a:p>
+            <a:pPr algn="ctr"/>
+            <a:r>
+              <a:rPr lang="en-US" dirty="0"/>
+              <a:t>Program(Id: 2)</a:t>
+            </a:r>
+          </a:p>
+        </p:txBody>
+      </p:sp>
+      <p:cxnSp>
+        <p:nvCxnSpPr>
+          <p:cNvPr id="53" name="연결선: 구부러짐 52">
+            <a:extLst>
+              <a:ext uri="{FF2B5EF4-FFF2-40B4-BE49-F238E27FC236}">
+                <a16:creationId xmlns:a16="http://schemas.microsoft.com/office/drawing/2014/main" id="{AC3E285D-C3C6-47F0-BC68-89565DC9B8BB}"/>
+              </a:ext>
+            </a:extLst>
+          </p:cNvPr>
+          <p:cNvCxnSpPr>
+            <a:cxnSpLocks/>
+            <a:stCxn id="54" idx="3"/>
+            <a:endCxn id="52" idx="1"/>
+          </p:cNvCxnSpPr>
+          <p:nvPr/>
+        </p:nvCxnSpPr>
+        <p:spPr>
+          <a:xfrm flipV="1">
+            <a:off x="8544716" y="2080436"/>
+            <a:ext cx="602922" cy="660020"/>
+          </a:xfrm>
+          <a:prstGeom prst="curvedConnector3">
+            <a:avLst>
+              <a:gd name="adj1" fmla="val 50000"/>
+            </a:avLst>
+          </a:prstGeom>
+          <a:ln>
+            <a:solidFill>
+              <a:schemeClr val="tx1"/>
+            </a:solidFill>
+            <a:tailEnd type="triangle"/>
+          </a:ln>
+        </p:spPr>
+        <p:style>
+          <a:lnRef idx="1">
+            <a:schemeClr val="accent1"/>
+          </a:lnRef>
+          <a:fillRef idx="0">
+            <a:schemeClr val="accent1"/>
+          </a:fillRef>
+          <a:effectRef idx="0">
+            <a:schemeClr val="accent1"/>
+          </a:effectRef>
+          <a:fontRef idx="minor">
+            <a:schemeClr val="tx1"/>
+          </a:fontRef>
+        </p:style>
+      </p:cxnSp>
+      <p:sp>
+        <p:nvSpPr>
+          <p:cNvPr id="54" name="직사각형 53">
+            <a:extLst>
+              <a:ext uri="{FF2B5EF4-FFF2-40B4-BE49-F238E27FC236}">
+                <a16:creationId xmlns:a16="http://schemas.microsoft.com/office/drawing/2014/main" id="{F39C4FFF-A37B-488A-8967-8B97F347DBF3}"/>
+              </a:ext>
+            </a:extLst>
+          </p:cNvPr>
+          <p:cNvSpPr/>
+          <p:nvPr/>
+        </p:nvSpPr>
+        <p:spPr>
+          <a:xfrm>
+            <a:off x="6934089" y="2559386"/>
+            <a:ext cx="1610627" cy="362139"/>
+          </a:xfrm>
+          <a:prstGeom prst="rect">
+            <a:avLst/>
+          </a:prstGeom>
+          <a:noFill/>
+        </p:spPr>
+        <p:style>
+          <a:lnRef idx="2">
+            <a:schemeClr val="dk1"/>
+          </a:lnRef>
+          <a:fillRef idx="1">
+            <a:schemeClr val="lt1"/>
+          </a:fillRef>
+          <a:effectRef idx="0">
+            <a:schemeClr val="dk1"/>
+          </a:effectRef>
+          <a:fontRef idx="minor">
+            <a:schemeClr val="dk1"/>
+          </a:fontRef>
+        </p:style>
+        <p:txBody>
+          <a:bodyPr rtlCol="0" anchor="ctr"/>
+          <a:lstStyle/>
+          <a:p>
+            <a:pPr algn="ctr"/>
+            <a:endParaRPr lang="en-US"/>
+          </a:p>
+        </p:txBody>
+      </p:sp>
+      <p:sp>
+        <p:nvSpPr>
+          <p:cNvPr id="56" name="TextBox 55">
+            <a:extLst>
+              <a:ext uri="{FF2B5EF4-FFF2-40B4-BE49-F238E27FC236}">
+                <a16:creationId xmlns:a16="http://schemas.microsoft.com/office/drawing/2014/main" id="{2B949E91-6E6F-4E15-BEF6-E9B6D7E8930B}"/>
+              </a:ext>
+            </a:extLst>
+          </p:cNvPr>
+          <p:cNvSpPr txBox="1"/>
+          <p:nvPr/>
+        </p:nvSpPr>
+        <p:spPr>
+          <a:xfrm>
+            <a:off x="4146418" y="82379"/>
+            <a:ext cx="3519618" cy="646331"/>
+          </a:xfrm>
+          <a:prstGeom prst="rect">
+            <a:avLst/>
+          </a:prstGeom>
+          <a:noFill/>
+        </p:spPr>
+        <p:txBody>
+          <a:bodyPr wrap="none" rtlCol="0">
+            <a:spAutoFit/>
+          </a:bodyPr>
+          <a:lstStyle/>
+          <a:p>
+            <a:r>
+              <a:rPr lang="en-US" dirty="0" err="1"/>
+              <a:t>glBindBuffer</a:t>
+            </a:r>
+            <a:r>
+              <a:rPr lang="en-US" dirty="0"/>
+              <a:t>(GL_ARRAY_BUFFER, 2)</a:t>
+            </a:r>
+          </a:p>
+          <a:p>
+            <a:r>
+              <a:rPr lang="en-US" dirty="0" err="1"/>
+              <a:t>glUserProgram</a:t>
+            </a:r>
+            <a:r>
+              <a:rPr lang="en-US" dirty="0"/>
+              <a:t>(2)</a:t>
+            </a:r>
+          </a:p>
+        </p:txBody>
+      </p:sp>
+      <p:cxnSp>
+        <p:nvCxnSpPr>
+          <p:cNvPr id="57" name="연결선: 꺾임 56">
+            <a:extLst>
+              <a:ext uri="{FF2B5EF4-FFF2-40B4-BE49-F238E27FC236}">
+                <a16:creationId xmlns:a16="http://schemas.microsoft.com/office/drawing/2014/main" id="{2F9B3CD2-F1CF-4334-A239-C906EEC2DAB6}"/>
+              </a:ext>
+            </a:extLst>
+          </p:cNvPr>
+          <p:cNvCxnSpPr>
+            <a:cxnSpLocks/>
+            <a:stCxn id="5" idx="0"/>
+            <a:endCxn id="56" idx="1"/>
+          </p:cNvCxnSpPr>
+          <p:nvPr/>
+        </p:nvCxnSpPr>
+        <p:spPr>
+          <a:xfrm rot="5400000" flipH="1" flipV="1">
+            <a:off x="3477829" y="191490"/>
+            <a:ext cx="454534" cy="882644"/>
+          </a:xfrm>
+          <a:prstGeom prst="bentConnector2">
+            <a:avLst/>
+          </a:prstGeom>
+          <a:ln>
+            <a:solidFill>
+              <a:schemeClr val="tx1"/>
+            </a:solidFill>
+            <a:tailEnd type="triangle"/>
+          </a:ln>
+        </p:spPr>
+        <p:style>
+          <a:lnRef idx="1">
+            <a:schemeClr val="accent1"/>
+          </a:lnRef>
+          <a:fillRef idx="0">
+            <a:schemeClr val="accent1"/>
+          </a:fillRef>
+          <a:effectRef idx="0">
+            <a:schemeClr val="accent1"/>
+          </a:effectRef>
+          <a:fontRef idx="minor">
+            <a:schemeClr val="tx1"/>
+          </a:fontRef>
+        </p:style>
+      </p:cxnSp>
+      <p:cxnSp>
+        <p:nvCxnSpPr>
+          <p:cNvPr id="58" name="연결선: 꺾임 57">
+            <a:extLst>
+              <a:ext uri="{FF2B5EF4-FFF2-40B4-BE49-F238E27FC236}">
+                <a16:creationId xmlns:a16="http://schemas.microsoft.com/office/drawing/2014/main" id="{20202F1E-A459-4D3F-BFB5-8A54D318CFE5}"/>
+              </a:ext>
+            </a:extLst>
+          </p:cNvPr>
+          <p:cNvCxnSpPr>
+            <a:cxnSpLocks/>
+            <a:stCxn id="56" idx="3"/>
+            <a:endCxn id="41" idx="0"/>
+          </p:cNvCxnSpPr>
+          <p:nvPr/>
+        </p:nvCxnSpPr>
+        <p:spPr>
+          <a:xfrm>
+            <a:off x="7666036" y="405545"/>
+            <a:ext cx="1269863" cy="454534"/>
+          </a:xfrm>
+          <a:prstGeom prst="bentConnector2">
+            <a:avLst/>
+          </a:prstGeom>
+          <a:ln>
+            <a:solidFill>
+              <a:schemeClr val="tx1"/>
+            </a:solidFill>
+            <a:tailEnd type="triangle"/>
+          </a:ln>
+        </p:spPr>
+        <p:style>
+          <a:lnRef idx="1">
+            <a:schemeClr val="accent1"/>
+          </a:lnRef>
+          <a:fillRef idx="0">
+            <a:schemeClr val="accent1"/>
+          </a:fillRef>
+          <a:effectRef idx="0">
+            <a:schemeClr val="accent1"/>
+          </a:effectRef>
+          <a:fontRef idx="minor">
+            <a:schemeClr val="tx1"/>
+          </a:fontRef>
+        </p:style>
+      </p:cxnSp>
+      <p:sp>
+        <p:nvSpPr>
+          <p:cNvPr id="63" name="TextBox 62">
+            <a:extLst>
+              <a:ext uri="{FF2B5EF4-FFF2-40B4-BE49-F238E27FC236}">
+                <a16:creationId xmlns:a16="http://schemas.microsoft.com/office/drawing/2014/main" id="{A3C0711B-C272-4061-AD0A-30D48C458E06}"/>
+              </a:ext>
+            </a:extLst>
+          </p:cNvPr>
+          <p:cNvSpPr txBox="1"/>
+          <p:nvPr/>
+        </p:nvSpPr>
+        <p:spPr>
+          <a:xfrm>
+            <a:off x="8018411" y="4845434"/>
+            <a:ext cx="2081147" cy="369332"/>
+          </a:xfrm>
+          <a:prstGeom prst="rect">
+            <a:avLst/>
+          </a:prstGeom>
+          <a:noFill/>
+        </p:spPr>
+        <p:txBody>
+          <a:bodyPr wrap="none" rtlCol="0">
+            <a:spAutoFit/>
+          </a:bodyPr>
+          <a:lstStyle/>
+          <a:p>
+            <a:r>
+              <a:rPr lang="en-US" dirty="0" err="1"/>
+              <a:t>glDrawArrays</a:t>
+            </a:r>
+            <a:r>
+              <a:rPr lang="en-US" dirty="0"/>
+              <a:t>() </a:t>
+            </a:r>
+            <a:r>
+              <a:rPr lang="ko-KR" altLang="en-US" dirty="0"/>
+              <a:t>호출</a:t>
+            </a:r>
+            <a:endParaRPr lang="en-US" dirty="0"/>
+          </a:p>
+        </p:txBody>
+      </p:sp>
+      <p:sp>
+        <p:nvSpPr>
+          <p:cNvPr id="64" name="화살표: 아래쪽 63">
+            <a:extLst>
+              <a:ext uri="{FF2B5EF4-FFF2-40B4-BE49-F238E27FC236}">
+                <a16:creationId xmlns:a16="http://schemas.microsoft.com/office/drawing/2014/main" id="{A2EAEF80-545D-4213-83F7-D4D34337EEB3}"/>
+              </a:ext>
+            </a:extLst>
+          </p:cNvPr>
+          <p:cNvSpPr/>
+          <p:nvPr/>
+        </p:nvSpPr>
+        <p:spPr>
+          <a:xfrm>
+            <a:off x="8893981" y="4479704"/>
+            <a:ext cx="330006" cy="321348"/>
+          </a:xfrm>
+          <a:prstGeom prst="downArrow">
+            <a:avLst/>
+          </a:prstGeom>
+        </p:spPr>
+        <p:style>
+          <a:lnRef idx="2">
+            <a:schemeClr val="dk1"/>
+          </a:lnRef>
+          <a:fillRef idx="1">
+            <a:schemeClr val="lt1"/>
+          </a:fillRef>
+          <a:effectRef idx="0">
+            <a:schemeClr val="dk1"/>
+          </a:effectRef>
+          <a:fontRef idx="minor">
+            <a:schemeClr val="dk1"/>
+          </a:fontRef>
+        </p:style>
+        <p:txBody>
+          <a:bodyPr rtlCol="0" anchor="ctr"/>
+          <a:lstStyle/>
+          <a:p>
+            <a:pPr algn="ctr"/>
+            <a:endParaRPr lang="en-US"/>
+          </a:p>
+        </p:txBody>
+      </p:sp>
+      <p:sp>
+        <p:nvSpPr>
+          <p:cNvPr id="65" name="화살표: 아래쪽 64">
+            <a:extLst>
+              <a:ext uri="{FF2B5EF4-FFF2-40B4-BE49-F238E27FC236}">
+                <a16:creationId xmlns:a16="http://schemas.microsoft.com/office/drawing/2014/main" id="{EA6D7203-46A5-48C0-A20F-A41A83ABF081}"/>
+              </a:ext>
+            </a:extLst>
+          </p:cNvPr>
+          <p:cNvSpPr/>
+          <p:nvPr/>
+        </p:nvSpPr>
+        <p:spPr>
+          <a:xfrm>
+            <a:off x="8893981" y="5324342"/>
+            <a:ext cx="330006" cy="321348"/>
+          </a:xfrm>
+          <a:prstGeom prst="downArrow">
+            <a:avLst/>
+          </a:prstGeom>
+        </p:spPr>
+        <p:style>
+          <a:lnRef idx="2">
+            <a:schemeClr val="dk1"/>
+          </a:lnRef>
+          <a:fillRef idx="1">
+            <a:schemeClr val="lt1"/>
+          </a:fillRef>
+          <a:effectRef idx="0">
+            <a:schemeClr val="dk1"/>
+          </a:effectRef>
+          <a:fontRef idx="minor">
+            <a:schemeClr val="dk1"/>
+          </a:fontRef>
+        </p:style>
+        <p:txBody>
+          <a:bodyPr rtlCol="0" anchor="ctr"/>
+          <a:lstStyle/>
+          <a:p>
+            <a:pPr algn="ctr"/>
+            <a:endParaRPr lang="en-US"/>
+          </a:p>
+        </p:txBody>
+      </p:sp>
+      <p:sp>
+        <p:nvSpPr>
+          <p:cNvPr id="66" name="직사각형 65">
+            <a:extLst>
+              <a:ext uri="{FF2B5EF4-FFF2-40B4-BE49-F238E27FC236}">
+                <a16:creationId xmlns:a16="http://schemas.microsoft.com/office/drawing/2014/main" id="{C6D355A9-C947-4148-8CAB-C9729DD86BA8}"/>
+              </a:ext>
+            </a:extLst>
+          </p:cNvPr>
+          <p:cNvSpPr/>
+          <p:nvPr/>
+        </p:nvSpPr>
+        <p:spPr>
+          <a:xfrm>
+            <a:off x="8511251" y="5755266"/>
+            <a:ext cx="1018965" cy="803897"/>
+          </a:xfrm>
+          <a:prstGeom prst="rect">
+            <a:avLst/>
+          </a:prstGeom>
+        </p:spPr>
+        <p:style>
+          <a:lnRef idx="2">
+            <a:schemeClr val="dk1"/>
+          </a:lnRef>
+          <a:fillRef idx="1">
+            <a:schemeClr val="lt1"/>
+          </a:fillRef>
+          <a:effectRef idx="0">
+            <a:schemeClr val="dk1"/>
+          </a:effectRef>
+          <a:fontRef idx="minor">
+            <a:schemeClr val="dk1"/>
+          </a:fontRef>
+        </p:style>
+        <p:txBody>
+          <a:bodyPr rtlCol="0" anchor="ctr"/>
+          <a:lstStyle/>
+          <a:p>
+            <a:pPr algn="ctr"/>
+            <a:endParaRPr lang="en-US"/>
+          </a:p>
+        </p:txBody>
+      </p:sp>
+      <p:sp>
+        <p:nvSpPr>
+          <p:cNvPr id="67" name="이등변 삼각형 66">
+            <a:extLst>
+              <a:ext uri="{FF2B5EF4-FFF2-40B4-BE49-F238E27FC236}">
+                <a16:creationId xmlns:a16="http://schemas.microsoft.com/office/drawing/2014/main" id="{E662F47D-CF5B-4C12-A0A1-5EFFB191AD44}"/>
+              </a:ext>
+            </a:extLst>
+          </p:cNvPr>
+          <p:cNvSpPr/>
+          <p:nvPr/>
+        </p:nvSpPr>
+        <p:spPr>
+          <a:xfrm>
+            <a:off x="8737587" y="5896927"/>
+            <a:ext cx="198312" cy="520574"/>
+          </a:xfrm>
+          <a:prstGeom prst="triangle">
+            <a:avLst/>
+          </a:prstGeom>
+          <a:solidFill>
+            <a:schemeClr val="accent2"/>
+          </a:solidFill>
+        </p:spPr>
+        <p:style>
+          <a:lnRef idx="2">
+            <a:schemeClr val="accent1">
+              <a:shade val="50000"/>
+            </a:schemeClr>
+          </a:lnRef>
+          <a:fillRef idx="1">
+            <a:schemeClr val="accent1"/>
+          </a:fillRef>
+          <a:effectRef idx="0">
+            <a:schemeClr val="accent1"/>
+          </a:effectRef>
+          <a:fontRef idx="minor">
+            <a:schemeClr val="lt1"/>
+          </a:fontRef>
+        </p:style>
+        <p:txBody>
+          <a:bodyPr rtlCol="0" anchor="ctr"/>
+          <a:lstStyle/>
+          <a:p>
+            <a:pPr algn="ctr"/>
+            <a:endParaRPr lang="en-US"/>
+          </a:p>
+        </p:txBody>
+      </p:sp>
+      <p:sp>
+        <p:nvSpPr>
+          <p:cNvPr id="68" name="TextBox 67">
+            <a:extLst>
+              <a:ext uri="{FF2B5EF4-FFF2-40B4-BE49-F238E27FC236}">
+                <a16:creationId xmlns:a16="http://schemas.microsoft.com/office/drawing/2014/main" id="{8EE37D2F-A87C-4A9F-B98A-44D51F202644}"/>
+              </a:ext>
+            </a:extLst>
+          </p:cNvPr>
+          <p:cNvSpPr txBox="1"/>
+          <p:nvPr/>
+        </p:nvSpPr>
+        <p:spPr>
+          <a:xfrm>
+            <a:off x="6979953" y="6668739"/>
+            <a:ext cx="4158061" cy="369332"/>
+          </a:xfrm>
+          <a:prstGeom prst="rect">
+            <a:avLst/>
+          </a:prstGeom>
+          <a:noFill/>
+        </p:spPr>
+        <p:txBody>
+          <a:bodyPr wrap="none" rtlCol="0">
+            <a:spAutoFit/>
+          </a:bodyPr>
+          <a:lstStyle/>
+          <a:p>
+            <a:r>
+              <a:rPr lang="en-US" dirty="0"/>
+              <a:t>Program(Id:2), </a:t>
+            </a:r>
+            <a:r>
+              <a:rPr lang="en-US" altLang="ko-KR" dirty="0"/>
+              <a:t>Buffer(Id:2)</a:t>
+            </a:r>
+            <a:r>
+              <a:rPr lang="ko-KR" altLang="en-US" dirty="0"/>
+              <a:t>로 그린 삼각형</a:t>
+            </a:r>
+            <a:endParaRPr lang="en-US" dirty="0"/>
+          </a:p>
+        </p:txBody>
+      </p:sp>
+      <p:sp>
+        <p:nvSpPr>
+          <p:cNvPr id="70" name="TextBox 69">
+            <a:extLst>
+              <a:ext uri="{FF2B5EF4-FFF2-40B4-BE49-F238E27FC236}">
+                <a16:creationId xmlns:a16="http://schemas.microsoft.com/office/drawing/2014/main" id="{EEFB70E7-8228-4C79-93E1-8E47CD906695}"/>
+              </a:ext>
+            </a:extLst>
+          </p:cNvPr>
+          <p:cNvSpPr txBox="1"/>
+          <p:nvPr/>
+        </p:nvSpPr>
+        <p:spPr>
+          <a:xfrm>
+            <a:off x="1319718" y="1692998"/>
+            <a:ext cx="1518044" cy="369332"/>
+          </a:xfrm>
+          <a:prstGeom prst="rect">
+            <a:avLst/>
+          </a:prstGeom>
+          <a:noFill/>
+        </p:spPr>
+        <p:txBody>
+          <a:bodyPr wrap="none" rtlCol="0">
+            <a:spAutoFit/>
+          </a:bodyPr>
+          <a:lstStyle/>
+          <a:p>
+            <a:r>
+              <a:rPr lang="en-US" dirty="0"/>
+              <a:t>Binding Points</a:t>
+            </a:r>
+          </a:p>
+        </p:txBody>
+      </p:sp>
+      <p:sp>
+        <p:nvSpPr>
+          <p:cNvPr id="71" name="TextBox 70">
+            <a:extLst>
+              <a:ext uri="{FF2B5EF4-FFF2-40B4-BE49-F238E27FC236}">
+                <a16:creationId xmlns:a16="http://schemas.microsoft.com/office/drawing/2014/main" id="{4F9A9E32-3A46-4E5B-90A5-62499FBE1291}"/>
+              </a:ext>
+            </a:extLst>
+          </p:cNvPr>
+          <p:cNvSpPr txBox="1"/>
+          <p:nvPr/>
+        </p:nvSpPr>
+        <p:spPr>
+          <a:xfrm>
+            <a:off x="6974590" y="1686912"/>
+            <a:ext cx="1518044" cy="369332"/>
+          </a:xfrm>
+          <a:prstGeom prst="rect">
+            <a:avLst/>
+          </a:prstGeom>
+          <a:noFill/>
+        </p:spPr>
+        <p:txBody>
+          <a:bodyPr wrap="none" rtlCol="0">
+            <a:spAutoFit/>
+          </a:bodyPr>
+          <a:lstStyle/>
+          <a:p>
+            <a:r>
+              <a:rPr lang="en-US" dirty="0"/>
+              <a:t>Binding Points</a:t>
+            </a:r>
+          </a:p>
+        </p:txBody>
+      </p:sp>
+      <p:pic>
+        <p:nvPicPr>
+          <p:cNvPr id="72" name="그림 71">
+            <a:extLst>
+              <a:ext uri="{FF2B5EF4-FFF2-40B4-BE49-F238E27FC236}">
+                <a16:creationId xmlns:a16="http://schemas.microsoft.com/office/drawing/2014/main" id="{B68C6F7B-D88E-4E31-9BD7-083E29557CFB}"/>
+              </a:ext>
+            </a:extLst>
+          </p:cNvPr>
+          <p:cNvPicPr>
+            <a:picLocks noChangeAspect="1"/>
+          </p:cNvPicPr>
+          <p:nvPr/>
+        </p:nvPicPr>
+        <p:blipFill>
+          <a:blip r:embed="rId2"/>
+          <a:stretch>
+            <a:fillRect/>
+          </a:stretch>
+        </p:blipFill>
+        <p:spPr>
+          <a:xfrm>
+            <a:off x="858550" y="7535127"/>
+            <a:ext cx="10095353" cy="6858000"/>
+          </a:xfrm>
+          <a:prstGeom prst="rect">
+            <a:avLst/>
+          </a:prstGeom>
+        </p:spPr>
+      </p:pic>
+    </p:spTree>
+    <p:extLst>
+      <p:ext uri="{BB962C8B-B14F-4D97-AF65-F5344CB8AC3E}">
+        <p14:creationId xmlns:p14="http://schemas.microsoft.com/office/powerpoint/2010/main" val="1988048388"/>
+      </p:ext>
+    </p:extLst>
+  </p:cSld>
+  <p:clrMapOvr>
+    <a:masterClrMapping/>
+  </p:clrMapOvr>
+</p:sld>
+</file>
+
+<file path=ppt/slides/slide3.xml><?xml version="1.0" encoding="utf-8"?>
+<p:sld xmlns:a="http://schemas.openxmlformats.org/drawingml/2006/main" xmlns:r="http://schemas.openxmlformats.org/officeDocument/2006/relationships" xmlns:p="http://schemas.openxmlformats.org/presentationml/2006/main">
+  <p:cSld>
+    <p:spTree>
+      <p:nvGrpSpPr>
+        <p:cNvPr id="1" name=""/>
+        <p:cNvGrpSpPr/>
+        <p:nvPr/>
+      </p:nvGrpSpPr>
+      <p:grpSpPr>
+        <a:xfrm>
+          <a:off x="0" y="0"/>
+          <a:ext cx="0" cy="0"/>
+          <a:chOff x="0" y="0"/>
+          <a:chExt cx="0" cy="0"/>
+        </a:xfrm>
+      </p:grpSpPr>
+      <p:sp>
+        <p:nvSpPr>
+          <p:cNvPr id="23" name="직사각형 22">
+            <a:extLst>
+              <a:ext uri="{FF2B5EF4-FFF2-40B4-BE49-F238E27FC236}">
+                <a16:creationId xmlns:a16="http://schemas.microsoft.com/office/drawing/2014/main" id="{465D986A-9964-4ECA-B78A-9DF90B71F6D5}"/>
+              </a:ext>
+            </a:extLst>
+          </p:cNvPr>
+          <p:cNvSpPr/>
+          <p:nvPr/>
+        </p:nvSpPr>
+        <p:spPr>
+          <a:xfrm>
+            <a:off x="3238501" y="63500"/>
+            <a:ext cx="8829674" cy="6655315"/>
+          </a:xfrm>
+          <a:prstGeom prst="rect">
+            <a:avLst/>
+          </a:prstGeom>
+          <a:noFill/>
+        </p:spPr>
+        <p:style>
+          <a:lnRef idx="2">
+            <a:schemeClr val="dk1"/>
+          </a:lnRef>
+          <a:fillRef idx="1">
+            <a:schemeClr val="lt1"/>
+          </a:fillRef>
+          <a:effectRef idx="0">
+            <a:schemeClr val="dk1"/>
+          </a:effectRef>
+          <a:fontRef idx="minor">
+            <a:schemeClr val="dk1"/>
+          </a:fontRef>
+        </p:style>
+        <p:txBody>
+          <a:bodyPr rtlCol="0" anchor="ctr"/>
+          <a:lstStyle/>
+          <a:p>
+            <a:pPr algn="ctr"/>
+            <a:endParaRPr lang="en-US"/>
+          </a:p>
+        </p:txBody>
+      </p:sp>
+      <p:sp>
+        <p:nvSpPr>
+          <p:cNvPr id="4" name="직사각형 3">
+            <a:extLst>
+              <a:ext uri="{FF2B5EF4-FFF2-40B4-BE49-F238E27FC236}">
+                <a16:creationId xmlns:a16="http://schemas.microsoft.com/office/drawing/2014/main" id="{4B21E1C0-FC81-4D2B-B352-18AE15D7B9D9}"/>
+              </a:ext>
+            </a:extLst>
+          </p:cNvPr>
+          <p:cNvSpPr/>
+          <p:nvPr/>
+        </p:nvSpPr>
+        <p:spPr>
+          <a:xfrm>
+            <a:off x="-2436700" y="221555"/>
+            <a:ext cx="3429000" cy="1200329"/>
+          </a:xfrm>
+          <a:prstGeom prst="rect">
+            <a:avLst/>
+          </a:prstGeom>
+          <a:ln>
+            <a:solidFill>
+              <a:schemeClr val="tx1"/>
+            </a:solidFill>
+          </a:ln>
+        </p:spPr>
+        <p:txBody>
+          <a:bodyPr wrap="square">
+            <a:spAutoFit/>
+          </a:bodyPr>
+          <a:lstStyle/>
+          <a:p>
+            <a:r>
+              <a:rPr lang="fr-FR" sz="1200" dirty="0">
+                <a:latin typeface="Consolas" panose="020B0609020204030204" pitchFamily="49" charset="0"/>
+              </a:rPr>
+              <a:t>#version 330 core</a:t>
+            </a:r>
+          </a:p>
+          <a:p>
+            <a:r>
+              <a:rPr lang="fr-FR" sz="1200" dirty="0">
+                <a:latin typeface="Consolas" panose="020B0609020204030204" pitchFamily="49" charset="0"/>
+              </a:rPr>
+              <a:t>layout(location = 0) in vec4 position;</a:t>
+            </a:r>
+          </a:p>
+          <a:p>
+            <a:r>
+              <a:rPr lang="fr-FR" sz="1200" dirty="0">
+                <a:latin typeface="Consolas" panose="020B0609020204030204" pitchFamily="49" charset="0"/>
+              </a:rPr>
+              <a:t>void main()</a:t>
+            </a:r>
+          </a:p>
+          <a:p>
+            <a:r>
+              <a:rPr lang="fr-FR" sz="1200" dirty="0">
+                <a:latin typeface="Consolas" panose="020B0609020204030204" pitchFamily="49" charset="0"/>
+              </a:rPr>
+              <a:t>{</a:t>
+            </a:r>
+          </a:p>
+          <a:p>
+            <a:r>
+              <a:rPr lang="fr-FR" sz="1200" dirty="0">
+                <a:latin typeface="Consolas" panose="020B0609020204030204" pitchFamily="49" charset="0"/>
+              </a:rPr>
+              <a:t>    gl_Position = position;</a:t>
+            </a:r>
+          </a:p>
+          <a:p>
+            <a:r>
+              <a:rPr lang="fr-FR" sz="1200" dirty="0">
+                <a:latin typeface="Consolas" panose="020B0609020204030204" pitchFamily="49" charset="0"/>
+              </a:rPr>
+              <a:t>}</a:t>
+            </a:r>
+            <a:endParaRPr lang="fr-FR" sz="1200" b="0" dirty="0">
+              <a:effectLst/>
+              <a:latin typeface="Consolas" panose="020B0609020204030204" pitchFamily="49" charset="0"/>
+            </a:endParaRPr>
+          </a:p>
+        </p:txBody>
+      </p:sp>
+      <p:sp>
+        <p:nvSpPr>
+          <p:cNvPr id="5" name="직사각형 4">
+            <a:extLst>
+              <a:ext uri="{FF2B5EF4-FFF2-40B4-BE49-F238E27FC236}">
+                <a16:creationId xmlns:a16="http://schemas.microsoft.com/office/drawing/2014/main" id="{20ECB374-C1B1-453B-A1D6-E7697E95B350}"/>
+              </a:ext>
+            </a:extLst>
+          </p:cNvPr>
+          <p:cNvSpPr/>
+          <p:nvPr/>
+        </p:nvSpPr>
+        <p:spPr>
+          <a:xfrm>
+            <a:off x="5085550" y="139184"/>
+            <a:ext cx="5123518" cy="369332"/>
+          </a:xfrm>
+          <a:prstGeom prst="rect">
+            <a:avLst/>
+          </a:prstGeom>
+        </p:spPr>
+        <p:txBody>
+          <a:bodyPr wrap="none">
+            <a:spAutoFit/>
+          </a:bodyPr>
+          <a:lstStyle/>
+          <a:p>
+            <a:r>
+              <a:rPr lang="en-US" dirty="0">
+                <a:solidFill>
+                  <a:srgbClr val="CE9178"/>
+                </a:solidFill>
+                <a:latin typeface="Consolas" panose="020B0609020204030204" pitchFamily="49" charset="0"/>
+              </a:rPr>
+              <a:t>[-0.5f, -0.5f, 0.0f, 0.5f, 0.5f, -0.5f]</a:t>
+            </a:r>
+            <a:endParaRPr lang="en-US" b="0" dirty="0">
+              <a:solidFill>
+                <a:srgbClr val="CCCCCC"/>
+              </a:solidFill>
+              <a:effectLst/>
+              <a:latin typeface="Consolas" panose="020B0609020204030204" pitchFamily="49" charset="0"/>
+            </a:endParaRPr>
+          </a:p>
+        </p:txBody>
+      </p:sp>
+      <p:cxnSp>
+        <p:nvCxnSpPr>
+          <p:cNvPr id="7" name="직선 화살표 연결선 6">
+            <a:extLst>
+              <a:ext uri="{FF2B5EF4-FFF2-40B4-BE49-F238E27FC236}">
+                <a16:creationId xmlns:a16="http://schemas.microsoft.com/office/drawing/2014/main" id="{C580C426-503A-4FE0-850E-64550886D802}"/>
+              </a:ext>
+            </a:extLst>
+          </p:cNvPr>
+          <p:cNvCxnSpPr>
+            <a:cxnSpLocks/>
+            <a:stCxn id="5" idx="2"/>
+            <a:endCxn id="8" idx="0"/>
+          </p:cNvCxnSpPr>
+          <p:nvPr/>
+        </p:nvCxnSpPr>
+        <p:spPr>
+          <a:xfrm>
+            <a:off x="7647309" y="508516"/>
+            <a:ext cx="0" cy="241721"/>
+          </a:xfrm>
+          <a:prstGeom prst="straightConnector1">
+            <a:avLst/>
+          </a:prstGeom>
+          <a:ln>
+            <a:solidFill>
+              <a:schemeClr val="tx1"/>
+            </a:solidFill>
+            <a:tailEnd type="triangle"/>
+          </a:ln>
+        </p:spPr>
+        <p:style>
+          <a:lnRef idx="1">
+            <a:schemeClr val="accent1"/>
+          </a:lnRef>
+          <a:fillRef idx="0">
+            <a:schemeClr val="accent1"/>
+          </a:fillRef>
+          <a:effectRef idx="0">
+            <a:schemeClr val="accent1"/>
+          </a:effectRef>
+          <a:fontRef idx="minor">
+            <a:schemeClr val="tx1"/>
+          </a:fontRef>
+        </p:style>
+      </p:cxnSp>
+      <p:sp>
+        <p:nvSpPr>
+          <p:cNvPr id="8" name="직사각형 7">
+            <a:extLst>
+              <a:ext uri="{FF2B5EF4-FFF2-40B4-BE49-F238E27FC236}">
+                <a16:creationId xmlns:a16="http://schemas.microsoft.com/office/drawing/2014/main" id="{EF9670DD-78AB-4E2F-822F-88B0D49E65A8}"/>
+              </a:ext>
+            </a:extLst>
+          </p:cNvPr>
+          <p:cNvSpPr/>
+          <p:nvPr/>
+        </p:nvSpPr>
+        <p:spPr>
+          <a:xfrm>
+            <a:off x="6423793" y="750237"/>
+            <a:ext cx="2447032" cy="362139"/>
+          </a:xfrm>
+          <a:prstGeom prst="rect">
+            <a:avLst/>
+          </a:prstGeom>
+          <a:noFill/>
+        </p:spPr>
+        <p:style>
+          <a:lnRef idx="2">
+            <a:schemeClr val="dk1"/>
+          </a:lnRef>
+          <a:fillRef idx="1">
+            <a:schemeClr val="lt1"/>
+          </a:fillRef>
+          <a:effectRef idx="0">
+            <a:schemeClr val="dk1"/>
+          </a:effectRef>
+          <a:fontRef idx="minor">
+            <a:schemeClr val="dk1"/>
+          </a:fontRef>
+        </p:style>
+        <p:txBody>
+          <a:bodyPr rtlCol="0" anchor="ctr"/>
+          <a:lstStyle/>
+          <a:p>
+            <a:pPr algn="ctr"/>
+            <a:r>
+              <a:rPr lang="en-US" dirty="0" err="1"/>
+              <a:t>glVertexAttribPointer</a:t>
+            </a:r>
+            <a:r>
+              <a:rPr lang="en-US" dirty="0"/>
+              <a:t>()</a:t>
+            </a:r>
+          </a:p>
+        </p:txBody>
+      </p:sp>
+      <p:sp>
+        <p:nvSpPr>
+          <p:cNvPr id="11" name="직사각형 10">
+            <a:extLst>
+              <a:ext uri="{FF2B5EF4-FFF2-40B4-BE49-F238E27FC236}">
+                <a16:creationId xmlns:a16="http://schemas.microsoft.com/office/drawing/2014/main" id="{38659F5C-186D-40A0-A63F-ACC421097198}"/>
+              </a:ext>
+            </a:extLst>
+          </p:cNvPr>
+          <p:cNvSpPr/>
+          <p:nvPr/>
+        </p:nvSpPr>
+        <p:spPr>
+          <a:xfrm>
+            <a:off x="3774163" y="1434584"/>
+            <a:ext cx="1957587" cy="369332"/>
+          </a:xfrm>
+          <a:prstGeom prst="rect">
+            <a:avLst/>
+          </a:prstGeom>
+        </p:spPr>
+        <p:txBody>
+          <a:bodyPr wrap="none">
+            <a:spAutoFit/>
+          </a:bodyPr>
+          <a:lstStyle/>
+          <a:p>
+            <a:r>
+              <a:rPr lang="en-US" dirty="0">
+                <a:solidFill>
+                  <a:srgbClr val="CE9178"/>
+                </a:solidFill>
+                <a:latin typeface="Consolas" panose="020B0609020204030204" pitchFamily="49" charset="0"/>
+              </a:rPr>
+              <a:t>(-0.5f, -0.5f)</a:t>
+            </a:r>
+            <a:endParaRPr lang="en-US" b="0" dirty="0">
+              <a:solidFill>
+                <a:srgbClr val="CCCCCC"/>
+              </a:solidFill>
+              <a:effectLst/>
+              <a:latin typeface="Consolas" panose="020B0609020204030204" pitchFamily="49" charset="0"/>
+            </a:endParaRPr>
+          </a:p>
+        </p:txBody>
+      </p:sp>
+      <p:sp>
+        <p:nvSpPr>
+          <p:cNvPr id="12" name="직사각형 11">
+            <a:extLst>
+              <a:ext uri="{FF2B5EF4-FFF2-40B4-BE49-F238E27FC236}">
+                <a16:creationId xmlns:a16="http://schemas.microsoft.com/office/drawing/2014/main" id="{0A08EF3C-FC05-4CD5-8615-45A601304633}"/>
+              </a:ext>
+            </a:extLst>
+          </p:cNvPr>
+          <p:cNvSpPr/>
+          <p:nvPr/>
+        </p:nvSpPr>
+        <p:spPr>
+          <a:xfrm>
+            <a:off x="6795152" y="1434584"/>
+            <a:ext cx="1704313" cy="369332"/>
+          </a:xfrm>
+          <a:prstGeom prst="rect">
+            <a:avLst/>
+          </a:prstGeom>
+        </p:spPr>
+        <p:txBody>
+          <a:bodyPr wrap="none">
+            <a:spAutoFit/>
+          </a:bodyPr>
+          <a:lstStyle/>
+          <a:p>
+            <a:r>
+              <a:rPr lang="en-US" dirty="0">
+                <a:solidFill>
+                  <a:srgbClr val="CE9178"/>
+                </a:solidFill>
+                <a:latin typeface="Consolas" panose="020B0609020204030204" pitchFamily="49" charset="0"/>
+              </a:rPr>
+              <a:t>(0.0f, 0.5f)</a:t>
+            </a:r>
+            <a:endParaRPr lang="en-US" dirty="0">
+              <a:solidFill>
+                <a:srgbClr val="CCCCCC"/>
+              </a:solidFill>
+              <a:latin typeface="Consolas" panose="020B0609020204030204" pitchFamily="49" charset="0"/>
+            </a:endParaRPr>
+          </a:p>
+        </p:txBody>
+      </p:sp>
+      <p:sp>
+        <p:nvSpPr>
+          <p:cNvPr id="13" name="직사각형 12">
+            <a:extLst>
+              <a:ext uri="{FF2B5EF4-FFF2-40B4-BE49-F238E27FC236}">
+                <a16:creationId xmlns:a16="http://schemas.microsoft.com/office/drawing/2014/main" id="{573E79C5-0D30-4BC2-954A-808D057526E6}"/>
+              </a:ext>
+            </a:extLst>
+          </p:cNvPr>
+          <p:cNvSpPr/>
+          <p:nvPr/>
+        </p:nvSpPr>
+        <p:spPr>
+          <a:xfrm>
+            <a:off x="9642167" y="1434584"/>
+            <a:ext cx="1830950" cy="369332"/>
+          </a:xfrm>
+          <a:prstGeom prst="rect">
+            <a:avLst/>
+          </a:prstGeom>
+        </p:spPr>
+        <p:txBody>
+          <a:bodyPr wrap="none">
+            <a:spAutoFit/>
+          </a:bodyPr>
+          <a:lstStyle/>
+          <a:p>
+            <a:r>
+              <a:rPr lang="en-US" dirty="0">
+                <a:solidFill>
+                  <a:srgbClr val="CE9178"/>
+                </a:solidFill>
+                <a:latin typeface="Consolas" panose="020B0609020204030204" pitchFamily="49" charset="0"/>
+              </a:rPr>
+              <a:t>(0.5f, -0.5f)</a:t>
+            </a:r>
+            <a:endParaRPr lang="en-US" dirty="0">
+              <a:solidFill>
+                <a:srgbClr val="CCCCCC"/>
+              </a:solidFill>
+              <a:latin typeface="Consolas" panose="020B0609020204030204" pitchFamily="49" charset="0"/>
+            </a:endParaRPr>
+          </a:p>
+        </p:txBody>
+      </p:sp>
+      <p:cxnSp>
+        <p:nvCxnSpPr>
+          <p:cNvPr id="15" name="연결선: 꺾임 14">
+            <a:extLst>
+              <a:ext uri="{FF2B5EF4-FFF2-40B4-BE49-F238E27FC236}">
+                <a16:creationId xmlns:a16="http://schemas.microsoft.com/office/drawing/2014/main" id="{36E9CA42-F91F-45F1-AF70-35FB3A098C87}"/>
+              </a:ext>
+            </a:extLst>
+          </p:cNvPr>
+          <p:cNvCxnSpPr>
+            <a:stCxn id="8" idx="2"/>
+            <a:endCxn id="11" idx="0"/>
+          </p:cNvCxnSpPr>
+          <p:nvPr/>
+        </p:nvCxnSpPr>
+        <p:spPr>
+          <a:xfrm rot="5400000">
+            <a:off x="6039029" y="-173696"/>
+            <a:ext cx="322208" cy="2894352"/>
+          </a:xfrm>
+          <a:prstGeom prst="bentConnector3">
+            <a:avLst/>
+          </a:prstGeom>
+          <a:ln>
+            <a:solidFill>
+              <a:schemeClr val="tx1"/>
+            </a:solidFill>
+            <a:tailEnd type="triangle"/>
+          </a:ln>
+        </p:spPr>
+        <p:style>
+          <a:lnRef idx="1">
+            <a:schemeClr val="accent1"/>
+          </a:lnRef>
+          <a:fillRef idx="0">
+            <a:schemeClr val="accent1"/>
+          </a:fillRef>
+          <a:effectRef idx="0">
+            <a:schemeClr val="accent1"/>
+          </a:effectRef>
+          <a:fontRef idx="minor">
+            <a:schemeClr val="tx1"/>
+          </a:fontRef>
+        </p:style>
+      </p:cxnSp>
+      <p:cxnSp>
+        <p:nvCxnSpPr>
+          <p:cNvPr id="17" name="연결선: 꺾임 16">
+            <a:extLst>
+              <a:ext uri="{FF2B5EF4-FFF2-40B4-BE49-F238E27FC236}">
+                <a16:creationId xmlns:a16="http://schemas.microsoft.com/office/drawing/2014/main" id="{13ED8C3F-A9D2-4921-B5DC-F60344899EB0}"/>
+              </a:ext>
+            </a:extLst>
+          </p:cNvPr>
+          <p:cNvCxnSpPr>
+            <a:cxnSpLocks/>
+            <a:stCxn id="8" idx="2"/>
+            <a:endCxn id="12" idx="0"/>
+          </p:cNvCxnSpPr>
+          <p:nvPr/>
+        </p:nvCxnSpPr>
+        <p:spPr>
+          <a:xfrm rot="5400000">
+            <a:off x="7486205" y="1273480"/>
+            <a:ext cx="322208" cy="12700"/>
+          </a:xfrm>
+          <a:prstGeom prst="bentConnector3">
+            <a:avLst>
+              <a:gd name="adj1" fmla="val 50000"/>
+            </a:avLst>
+          </a:prstGeom>
+          <a:ln>
+            <a:solidFill>
+              <a:schemeClr val="tx1"/>
+            </a:solidFill>
+            <a:tailEnd type="triangle"/>
+          </a:ln>
+        </p:spPr>
+        <p:style>
+          <a:lnRef idx="1">
+            <a:schemeClr val="accent1"/>
+          </a:lnRef>
+          <a:fillRef idx="0">
+            <a:schemeClr val="accent1"/>
+          </a:fillRef>
+          <a:effectRef idx="0">
+            <a:schemeClr val="accent1"/>
+          </a:effectRef>
+          <a:fontRef idx="minor">
+            <a:schemeClr val="tx1"/>
+          </a:fontRef>
+        </p:style>
+      </p:cxnSp>
+      <p:cxnSp>
+        <p:nvCxnSpPr>
+          <p:cNvPr id="20" name="연결선: 꺾임 19">
+            <a:extLst>
+              <a:ext uri="{FF2B5EF4-FFF2-40B4-BE49-F238E27FC236}">
+                <a16:creationId xmlns:a16="http://schemas.microsoft.com/office/drawing/2014/main" id="{A0D41A04-3C9D-4F9B-8E94-AA81AD275093}"/>
+              </a:ext>
+            </a:extLst>
+          </p:cNvPr>
+          <p:cNvCxnSpPr>
+            <a:cxnSpLocks/>
+            <a:stCxn id="8" idx="2"/>
+            <a:endCxn id="13" idx="0"/>
+          </p:cNvCxnSpPr>
+          <p:nvPr/>
+        </p:nvCxnSpPr>
+        <p:spPr>
+          <a:xfrm rot="16200000" flipH="1">
+            <a:off x="8941371" y="-181687"/>
+            <a:ext cx="322208" cy="2910333"/>
+          </a:xfrm>
+          <a:prstGeom prst="bentConnector3">
+            <a:avLst>
+              <a:gd name="adj1" fmla="val 50000"/>
+            </a:avLst>
+          </a:prstGeom>
+          <a:ln>
+            <a:solidFill>
+              <a:schemeClr val="tx1"/>
+            </a:solidFill>
+            <a:tailEnd type="triangle"/>
+          </a:ln>
+        </p:spPr>
+        <p:style>
+          <a:lnRef idx="1">
+            <a:schemeClr val="accent1"/>
+          </a:lnRef>
+          <a:fillRef idx="0">
+            <a:schemeClr val="accent1"/>
+          </a:fillRef>
+          <a:effectRef idx="0">
+            <a:schemeClr val="accent1"/>
+          </a:effectRef>
+          <a:fontRef idx="minor">
+            <a:schemeClr val="tx1"/>
+          </a:fontRef>
+        </p:style>
+      </p:cxnSp>
+      <p:sp>
+        <p:nvSpPr>
+          <p:cNvPr id="24" name="TextBox 23">
+            <a:extLst>
+              <a:ext uri="{FF2B5EF4-FFF2-40B4-BE49-F238E27FC236}">
+                <a16:creationId xmlns:a16="http://schemas.microsoft.com/office/drawing/2014/main" id="{68224B74-B1A9-4E1C-AFA0-631961D2D6E7}"/>
+              </a:ext>
+            </a:extLst>
+          </p:cNvPr>
+          <p:cNvSpPr txBox="1"/>
+          <p:nvPr/>
+        </p:nvSpPr>
+        <p:spPr>
+          <a:xfrm>
+            <a:off x="-722200" y="1828542"/>
+            <a:ext cx="596638" cy="369332"/>
+          </a:xfrm>
+          <a:prstGeom prst="rect">
+            <a:avLst/>
+          </a:prstGeom>
+          <a:noFill/>
+        </p:spPr>
+        <p:txBody>
+          <a:bodyPr wrap="none" rtlCol="0">
+            <a:spAutoFit/>
+          </a:bodyPr>
+          <a:lstStyle/>
+          <a:p>
+            <a:r>
+              <a:rPr lang="en-US" dirty="0"/>
+              <a:t>GPU</a:t>
+            </a:r>
+          </a:p>
+        </p:txBody>
+      </p:sp>
+      <p:pic>
+        <p:nvPicPr>
+          <p:cNvPr id="1026" name="Picture 2" descr="https://enccs.github.io/gpu-programming/_images/THREAD_CORE.png">
+            <a:extLst>
+              <a:ext uri="{FF2B5EF4-FFF2-40B4-BE49-F238E27FC236}">
+                <a16:creationId xmlns:a16="http://schemas.microsoft.com/office/drawing/2014/main" id="{27227CAF-AF0E-4F8A-95A5-3D451B3FEB54}"/>
+              </a:ext>
+            </a:extLst>
+          </p:cNvPr>
+          <p:cNvPicPr>
+            <a:picLocks noChangeAspect="1" noChangeArrowheads="1"/>
+          </p:cNvPicPr>
+          <p:nvPr/>
+        </p:nvPicPr>
+        <p:blipFill rotWithShape="1">
+          <a:blip r:embed="rId2">
+            <a:extLst>
+              <a:ext uri="{28A0092B-C50C-407E-A947-70E740481C1C}">
+                <a14:useLocalDpi xmlns:a14="http://schemas.microsoft.com/office/drawing/2010/main" val="0"/>
+              </a:ext>
+            </a:extLst>
+          </a:blip>
+          <a:srcRect l="10253" r="80946" b="28562"/>
+          <a:stretch/>
+        </p:blipFill>
+        <p:spPr bwMode="auto">
+          <a:xfrm>
+            <a:off x="4274458" y="2566511"/>
+            <a:ext cx="706104" cy="2382837"/>
+          </a:xfrm>
+          <a:prstGeom prst="rect">
+            <a:avLst/>
+          </a:prstGeom>
+          <a:noFill/>
+          <a:extLst>
+            <a:ext uri="{909E8E84-426E-40DD-AFC4-6F175D3DCCD1}">
+              <a14:hiddenFill xmlns:a14="http://schemas.microsoft.com/office/drawing/2010/main">
+                <a:solidFill>
+                  <a:srgbClr val="FFFFFF"/>
+                </a:solidFill>
+              </a14:hiddenFill>
+            </a:ext>
+          </a:extLst>
+        </p:spPr>
+      </p:pic>
+      <p:pic>
+        <p:nvPicPr>
+          <p:cNvPr id="35" name="Picture 2" descr="https://enccs.github.io/gpu-programming/_images/THREAD_CORE.png">
+            <a:extLst>
+              <a:ext uri="{FF2B5EF4-FFF2-40B4-BE49-F238E27FC236}">
+                <a16:creationId xmlns:a16="http://schemas.microsoft.com/office/drawing/2014/main" id="{C1E0BC9D-232F-4BB7-8A39-80643D453C82}"/>
+              </a:ext>
+            </a:extLst>
+          </p:cNvPr>
+          <p:cNvPicPr>
+            <a:picLocks noChangeAspect="1" noChangeArrowheads="1"/>
+          </p:cNvPicPr>
+          <p:nvPr/>
+        </p:nvPicPr>
+        <p:blipFill rotWithShape="1">
+          <a:blip r:embed="rId2">
+            <a:extLst>
+              <a:ext uri="{28A0092B-C50C-407E-A947-70E740481C1C}">
+                <a14:useLocalDpi xmlns:a14="http://schemas.microsoft.com/office/drawing/2010/main" val="0"/>
+              </a:ext>
+            </a:extLst>
+          </a:blip>
+          <a:srcRect l="10253" r="80946" b="28562"/>
+          <a:stretch/>
+        </p:blipFill>
+        <p:spPr bwMode="auto">
+          <a:xfrm>
+            <a:off x="7294257" y="2566510"/>
+            <a:ext cx="706104" cy="2382837"/>
+          </a:xfrm>
+          <a:prstGeom prst="rect">
+            <a:avLst/>
+          </a:prstGeom>
+          <a:noFill/>
+          <a:extLst>
+            <a:ext uri="{909E8E84-426E-40DD-AFC4-6F175D3DCCD1}">
+              <a14:hiddenFill xmlns:a14="http://schemas.microsoft.com/office/drawing/2010/main">
+                <a:solidFill>
+                  <a:srgbClr val="FFFFFF"/>
+                </a:solidFill>
+              </a14:hiddenFill>
+            </a:ext>
+          </a:extLst>
+        </p:spPr>
+      </p:pic>
+      <p:pic>
+        <p:nvPicPr>
+          <p:cNvPr id="36" name="Picture 2" descr="https://enccs.github.io/gpu-programming/_images/THREAD_CORE.png">
+            <a:extLst>
+              <a:ext uri="{FF2B5EF4-FFF2-40B4-BE49-F238E27FC236}">
+                <a16:creationId xmlns:a16="http://schemas.microsoft.com/office/drawing/2014/main" id="{C79EF2DE-CD95-4494-B75F-3E16A6C0590F}"/>
+              </a:ext>
+            </a:extLst>
+          </p:cNvPr>
+          <p:cNvPicPr>
+            <a:picLocks noChangeAspect="1" noChangeArrowheads="1"/>
+          </p:cNvPicPr>
+          <p:nvPr/>
+        </p:nvPicPr>
+        <p:blipFill rotWithShape="1">
+          <a:blip r:embed="rId2">
+            <a:extLst>
+              <a:ext uri="{28A0092B-C50C-407E-A947-70E740481C1C}">
+                <a14:useLocalDpi xmlns:a14="http://schemas.microsoft.com/office/drawing/2010/main" val="0"/>
+              </a:ext>
+            </a:extLst>
+          </a:blip>
+          <a:srcRect l="10253" r="80946" b="28562"/>
+          <a:stretch/>
+        </p:blipFill>
+        <p:spPr bwMode="auto">
+          <a:xfrm>
+            <a:off x="10314056" y="2566509"/>
+            <a:ext cx="706104" cy="2382837"/>
+          </a:xfrm>
+          <a:prstGeom prst="rect">
+            <a:avLst/>
+          </a:prstGeom>
+          <a:noFill/>
+          <a:extLst>
+            <a:ext uri="{909E8E84-426E-40DD-AFC4-6F175D3DCCD1}">
+              <a14:hiddenFill xmlns:a14="http://schemas.microsoft.com/office/drawing/2010/main">
+                <a:solidFill>
+                  <a:srgbClr val="FFFFFF"/>
+                </a:solidFill>
+              </a14:hiddenFill>
+            </a:ext>
+          </a:extLst>
+        </p:spPr>
+      </p:pic>
+      <p:sp>
+        <p:nvSpPr>
+          <p:cNvPr id="25" name="직사각형 24">
+            <a:extLst>
+              <a:ext uri="{FF2B5EF4-FFF2-40B4-BE49-F238E27FC236}">
+                <a16:creationId xmlns:a16="http://schemas.microsoft.com/office/drawing/2014/main" id="{B8770EB3-691C-4B3B-B695-76DC32F71B09}"/>
+              </a:ext>
+            </a:extLst>
+          </p:cNvPr>
+          <p:cNvSpPr/>
+          <p:nvPr/>
+        </p:nvSpPr>
+        <p:spPr>
+          <a:xfrm>
+            <a:off x="3325118" y="2912168"/>
+            <a:ext cx="2823716" cy="1200329"/>
+          </a:xfrm>
+          <a:prstGeom prst="rect">
+            <a:avLst/>
+          </a:prstGeom>
+          <a:solidFill>
+            <a:schemeClr val="bg1"/>
+          </a:solidFill>
+          <a:ln>
+            <a:solidFill>
+              <a:schemeClr val="tx1"/>
+            </a:solidFill>
+          </a:ln>
+        </p:spPr>
+        <p:txBody>
+          <a:bodyPr wrap="square">
+            <a:spAutoFit/>
+          </a:bodyPr>
+          <a:lstStyle/>
+          <a:p>
+            <a:r>
+              <a:rPr lang="fr-FR" sz="1200" dirty="0">
+                <a:latin typeface="Consolas" panose="020B0609020204030204" pitchFamily="49" charset="0"/>
+              </a:rPr>
+              <a:t>#version 330 core</a:t>
+            </a:r>
+          </a:p>
+          <a:p>
+            <a:r>
+              <a:rPr lang="fr-FR" sz="1200" b="1" dirty="0">
+                <a:solidFill>
+                  <a:srgbClr val="FF0000"/>
+                </a:solidFill>
+                <a:latin typeface="Consolas" panose="020B0609020204030204" pitchFamily="49" charset="0"/>
+              </a:rPr>
+              <a:t>vec4 position = (-0.5,-0.5,0,0)</a:t>
+            </a:r>
+          </a:p>
+          <a:p>
+            <a:r>
+              <a:rPr lang="fr-FR" sz="1200" dirty="0">
+                <a:latin typeface="Consolas" panose="020B0609020204030204" pitchFamily="49" charset="0"/>
+              </a:rPr>
+              <a:t>void main()</a:t>
+            </a:r>
+          </a:p>
+          <a:p>
+            <a:r>
+              <a:rPr lang="fr-FR" sz="1200" dirty="0">
+                <a:latin typeface="Consolas" panose="020B0609020204030204" pitchFamily="49" charset="0"/>
+              </a:rPr>
+              <a:t>{</a:t>
+            </a:r>
+          </a:p>
+          <a:p>
+            <a:r>
+              <a:rPr lang="fr-FR" sz="1200" dirty="0">
+                <a:latin typeface="Consolas" panose="020B0609020204030204" pitchFamily="49" charset="0"/>
+              </a:rPr>
+              <a:t>    gl_Position = position;</a:t>
+            </a:r>
+          </a:p>
+          <a:p>
+            <a:r>
+              <a:rPr lang="fr-FR" sz="1200" dirty="0">
+                <a:latin typeface="Consolas" panose="020B0609020204030204" pitchFamily="49" charset="0"/>
+              </a:rPr>
+              <a:t>}</a:t>
+            </a:r>
+            <a:endParaRPr lang="fr-FR" sz="1200" b="0" dirty="0">
+              <a:effectLst/>
+              <a:latin typeface="Consolas" panose="020B0609020204030204" pitchFamily="49" charset="0"/>
+            </a:endParaRPr>
+          </a:p>
+        </p:txBody>
+      </p:sp>
+      <p:sp>
+        <p:nvSpPr>
+          <p:cNvPr id="26" name="직사각형 25">
+            <a:extLst>
+              <a:ext uri="{FF2B5EF4-FFF2-40B4-BE49-F238E27FC236}">
+                <a16:creationId xmlns:a16="http://schemas.microsoft.com/office/drawing/2014/main" id="{7CA180E0-ECA5-4990-8CDB-61B3113AA797}"/>
+              </a:ext>
+            </a:extLst>
+          </p:cNvPr>
+          <p:cNvSpPr/>
+          <p:nvPr/>
+        </p:nvSpPr>
+        <p:spPr>
+          <a:xfrm>
+            <a:off x="6235451" y="2912167"/>
+            <a:ext cx="2823716" cy="1200329"/>
+          </a:xfrm>
+          <a:prstGeom prst="rect">
+            <a:avLst/>
+          </a:prstGeom>
+          <a:solidFill>
+            <a:schemeClr val="bg1"/>
+          </a:solidFill>
+          <a:ln>
+            <a:solidFill>
+              <a:schemeClr val="tx1"/>
+            </a:solidFill>
+          </a:ln>
+        </p:spPr>
+        <p:txBody>
+          <a:bodyPr wrap="square">
+            <a:spAutoFit/>
+          </a:bodyPr>
+          <a:lstStyle/>
+          <a:p>
+            <a:r>
+              <a:rPr lang="fr-FR" sz="1200" dirty="0">
+                <a:latin typeface="Consolas" panose="020B0609020204030204" pitchFamily="49" charset="0"/>
+              </a:rPr>
+              <a:t>#version 330 core</a:t>
+            </a:r>
+          </a:p>
+          <a:p>
+            <a:r>
+              <a:rPr lang="fr-FR" sz="1200" b="1" dirty="0">
+                <a:solidFill>
+                  <a:srgbClr val="FF0000"/>
+                </a:solidFill>
+                <a:latin typeface="Consolas" panose="020B0609020204030204" pitchFamily="49" charset="0"/>
+              </a:rPr>
+              <a:t>vec4 position = (0.0,0.5,0,0)</a:t>
+            </a:r>
+          </a:p>
+          <a:p>
+            <a:r>
+              <a:rPr lang="fr-FR" sz="1200" dirty="0">
+                <a:latin typeface="Consolas" panose="020B0609020204030204" pitchFamily="49" charset="0"/>
+              </a:rPr>
+              <a:t>void main()</a:t>
+            </a:r>
+          </a:p>
+          <a:p>
+            <a:r>
+              <a:rPr lang="fr-FR" sz="1200" dirty="0">
+                <a:latin typeface="Consolas" panose="020B0609020204030204" pitchFamily="49" charset="0"/>
+              </a:rPr>
+              <a:t>{</a:t>
+            </a:r>
+          </a:p>
+          <a:p>
+            <a:r>
+              <a:rPr lang="fr-FR" sz="1200" dirty="0">
+                <a:latin typeface="Consolas" panose="020B0609020204030204" pitchFamily="49" charset="0"/>
+              </a:rPr>
+              <a:t>    gl_Position = position;</a:t>
+            </a:r>
+          </a:p>
+          <a:p>
+            <a:r>
+              <a:rPr lang="fr-FR" sz="1200" dirty="0">
+                <a:latin typeface="Consolas" panose="020B0609020204030204" pitchFamily="49" charset="0"/>
+              </a:rPr>
+              <a:t>}</a:t>
+            </a:r>
+            <a:endParaRPr lang="fr-FR" sz="1200" b="0" dirty="0">
+              <a:effectLst/>
+              <a:latin typeface="Consolas" panose="020B0609020204030204" pitchFamily="49" charset="0"/>
+            </a:endParaRPr>
+          </a:p>
+        </p:txBody>
+      </p:sp>
+      <p:sp>
+        <p:nvSpPr>
+          <p:cNvPr id="27" name="직사각형 26">
+            <a:extLst>
+              <a:ext uri="{FF2B5EF4-FFF2-40B4-BE49-F238E27FC236}">
+                <a16:creationId xmlns:a16="http://schemas.microsoft.com/office/drawing/2014/main" id="{2F282A19-1CFD-4AD4-854A-219D69AA17B1}"/>
+              </a:ext>
+            </a:extLst>
+          </p:cNvPr>
+          <p:cNvSpPr/>
+          <p:nvPr/>
+        </p:nvSpPr>
+        <p:spPr>
+          <a:xfrm>
+            <a:off x="9145784" y="2912167"/>
+            <a:ext cx="2823716" cy="1200329"/>
+          </a:xfrm>
+          <a:prstGeom prst="rect">
+            <a:avLst/>
+          </a:prstGeom>
+          <a:solidFill>
+            <a:schemeClr val="bg1"/>
+          </a:solidFill>
+          <a:ln>
+            <a:solidFill>
+              <a:schemeClr val="tx1"/>
+            </a:solidFill>
+          </a:ln>
+        </p:spPr>
+        <p:txBody>
+          <a:bodyPr wrap="square">
+            <a:spAutoFit/>
+          </a:bodyPr>
+          <a:lstStyle/>
+          <a:p>
+            <a:r>
+              <a:rPr lang="fr-FR" sz="1200" dirty="0">
+                <a:latin typeface="Consolas" panose="020B0609020204030204" pitchFamily="49" charset="0"/>
+              </a:rPr>
+              <a:t>#version 330 core</a:t>
+            </a:r>
+          </a:p>
+          <a:p>
+            <a:r>
+              <a:rPr lang="fr-FR" sz="1200" b="1" dirty="0">
+                <a:solidFill>
+                  <a:srgbClr val="FF0000"/>
+                </a:solidFill>
+                <a:latin typeface="Consolas" panose="020B0609020204030204" pitchFamily="49" charset="0"/>
+              </a:rPr>
+              <a:t>vec4 position = (0.5,-0.5,0,0)</a:t>
+            </a:r>
+          </a:p>
+          <a:p>
+            <a:r>
+              <a:rPr lang="fr-FR" sz="1200" dirty="0">
+                <a:latin typeface="Consolas" panose="020B0609020204030204" pitchFamily="49" charset="0"/>
+              </a:rPr>
+              <a:t>void main()</a:t>
+            </a:r>
+          </a:p>
+          <a:p>
+            <a:r>
+              <a:rPr lang="fr-FR" sz="1200" dirty="0">
+                <a:latin typeface="Consolas" panose="020B0609020204030204" pitchFamily="49" charset="0"/>
+              </a:rPr>
+              <a:t>{</a:t>
+            </a:r>
+          </a:p>
+          <a:p>
+            <a:r>
+              <a:rPr lang="fr-FR" sz="1200" dirty="0">
+                <a:latin typeface="Consolas" panose="020B0609020204030204" pitchFamily="49" charset="0"/>
+              </a:rPr>
+              <a:t>    gl_Position = position;</a:t>
+            </a:r>
+          </a:p>
+          <a:p>
+            <a:r>
+              <a:rPr lang="fr-FR" sz="1200" dirty="0">
+                <a:latin typeface="Consolas" panose="020B0609020204030204" pitchFamily="49" charset="0"/>
+              </a:rPr>
+              <a:t>}</a:t>
+            </a:r>
+            <a:endParaRPr lang="fr-FR" sz="1200" b="0" dirty="0">
+              <a:effectLst/>
+              <a:latin typeface="Consolas" panose="020B0609020204030204" pitchFamily="49" charset="0"/>
+            </a:endParaRPr>
+          </a:p>
+        </p:txBody>
+      </p:sp>
+      <p:sp>
+        <p:nvSpPr>
+          <p:cNvPr id="34" name="TextBox 33">
+            <a:extLst>
+              <a:ext uri="{FF2B5EF4-FFF2-40B4-BE49-F238E27FC236}">
+                <a16:creationId xmlns:a16="http://schemas.microsoft.com/office/drawing/2014/main" id="{D4A31071-E237-4830-836A-5C5C9565DAFA}"/>
+              </a:ext>
+            </a:extLst>
+          </p:cNvPr>
+          <p:cNvSpPr txBox="1"/>
+          <p:nvPr/>
+        </p:nvSpPr>
+        <p:spPr>
+          <a:xfrm>
+            <a:off x="1657372" y="3327665"/>
+            <a:ext cx="1494512" cy="369332"/>
+          </a:xfrm>
+          <a:prstGeom prst="rect">
+            <a:avLst/>
+          </a:prstGeom>
+          <a:noFill/>
+        </p:spPr>
+        <p:txBody>
+          <a:bodyPr wrap="none" rtlCol="0">
+            <a:spAutoFit/>
+          </a:bodyPr>
+          <a:lstStyle/>
+          <a:p>
+            <a:r>
+              <a:rPr lang="en-US" dirty="0"/>
+              <a:t>Vertex Shader</a:t>
+            </a:r>
+          </a:p>
+        </p:txBody>
+      </p:sp>
+      <p:sp>
+        <p:nvSpPr>
+          <p:cNvPr id="38" name="TextBox 37">
+            <a:extLst>
+              <a:ext uri="{FF2B5EF4-FFF2-40B4-BE49-F238E27FC236}">
+                <a16:creationId xmlns:a16="http://schemas.microsoft.com/office/drawing/2014/main" id="{BF2CA381-55DD-448B-A27C-1DA97CE0A8A4}"/>
+              </a:ext>
+            </a:extLst>
+          </p:cNvPr>
+          <p:cNvSpPr txBox="1"/>
+          <p:nvPr/>
+        </p:nvSpPr>
+        <p:spPr>
+          <a:xfrm>
+            <a:off x="1361457" y="6008060"/>
+            <a:ext cx="1790427" cy="369332"/>
+          </a:xfrm>
+          <a:prstGeom prst="rect">
+            <a:avLst/>
+          </a:prstGeom>
+          <a:noFill/>
+        </p:spPr>
+        <p:txBody>
+          <a:bodyPr wrap="none" rtlCol="0">
+            <a:spAutoFit/>
+          </a:bodyPr>
+          <a:lstStyle/>
+          <a:p>
+            <a:r>
+              <a:rPr lang="en-US" dirty="0"/>
+              <a:t>Fragment Shader</a:t>
+            </a:r>
+          </a:p>
+        </p:txBody>
+      </p:sp>
+      <p:sp>
+        <p:nvSpPr>
+          <p:cNvPr id="37" name="직사각형 36">
+            <a:extLst>
+              <a:ext uri="{FF2B5EF4-FFF2-40B4-BE49-F238E27FC236}">
+                <a16:creationId xmlns:a16="http://schemas.microsoft.com/office/drawing/2014/main" id="{8A40C715-4844-4D28-A08F-746D6545DEC2}"/>
+              </a:ext>
+            </a:extLst>
+          </p:cNvPr>
+          <p:cNvSpPr/>
+          <p:nvPr/>
+        </p:nvSpPr>
+        <p:spPr>
+          <a:xfrm>
+            <a:off x="4105275" y="4949346"/>
+            <a:ext cx="6914885" cy="345657"/>
+          </a:xfrm>
+          <a:prstGeom prst="rect">
+            <a:avLst/>
+          </a:prstGeom>
+        </p:spPr>
+        <p:style>
+          <a:lnRef idx="2">
+            <a:schemeClr val="dk1"/>
+          </a:lnRef>
+          <a:fillRef idx="1">
+            <a:schemeClr val="lt1"/>
+          </a:fillRef>
+          <a:effectRef idx="0">
+            <a:schemeClr val="dk1"/>
+          </a:effectRef>
+          <a:fontRef idx="minor">
+            <a:schemeClr val="dk1"/>
+          </a:fontRef>
+        </p:style>
+        <p:txBody>
+          <a:bodyPr rtlCol="0" anchor="ctr"/>
+          <a:lstStyle/>
+          <a:p>
+            <a:pPr algn="ctr"/>
+            <a:r>
+              <a:rPr lang="en-US" dirty="0"/>
+              <a:t>Rasterize</a:t>
+            </a:r>
+          </a:p>
+        </p:txBody>
+      </p:sp>
+      <p:grpSp>
+        <p:nvGrpSpPr>
+          <p:cNvPr id="60" name="그룹 59">
+            <a:extLst>
+              <a:ext uri="{FF2B5EF4-FFF2-40B4-BE49-F238E27FC236}">
+                <a16:creationId xmlns:a16="http://schemas.microsoft.com/office/drawing/2014/main" id="{355A2FBB-E141-48CE-BAFA-D4A11FB76273}"/>
+              </a:ext>
+            </a:extLst>
+          </p:cNvPr>
+          <p:cNvGrpSpPr/>
+          <p:nvPr/>
+        </p:nvGrpSpPr>
+        <p:grpSpPr>
+          <a:xfrm>
+            <a:off x="4195701" y="5453052"/>
+            <a:ext cx="403225" cy="1009678"/>
+            <a:chOff x="4049033" y="5453052"/>
+            <a:chExt cx="403225" cy="1009678"/>
+          </a:xfrm>
+        </p:grpSpPr>
+        <p:pic>
+          <p:nvPicPr>
+            <p:cNvPr id="40" name="Picture 2" descr="https://enccs.github.io/gpu-programming/_images/THREAD_CORE.png">
+              <a:extLst>
+                <a:ext uri="{FF2B5EF4-FFF2-40B4-BE49-F238E27FC236}">
+                  <a16:creationId xmlns:a16="http://schemas.microsoft.com/office/drawing/2014/main" id="{A52455C9-0AA0-48B1-990C-E51F64CA1B7F}"/>
+                </a:ext>
+              </a:extLst>
+            </p:cNvPr>
+            <p:cNvPicPr>
+              <a:picLocks noChangeAspect="1" noChangeArrowheads="1"/>
+            </p:cNvPicPr>
+            <p:nvPr/>
+          </p:nvPicPr>
+          <p:blipFill rotWithShape="1">
+            <a:blip r:embed="rId2">
+              <a:extLst>
+                <a:ext uri="{28A0092B-C50C-407E-A947-70E740481C1C}">
+                  <a14:useLocalDpi xmlns:a14="http://schemas.microsoft.com/office/drawing/2010/main" val="0"/>
+                </a:ext>
+              </a:extLst>
+            </a:blip>
+            <a:srcRect l="10253" r="80946" b="28562"/>
+            <a:stretch/>
+          </p:blipFill>
+          <p:spPr bwMode="auto">
+            <a:xfrm>
+              <a:off x="4105275" y="5453052"/>
+              <a:ext cx="299197" cy="1009678"/>
+            </a:xfrm>
+            <a:prstGeom prst="rect">
+              <a:avLst/>
+            </a:prstGeom>
+            <a:noFill/>
+            <a:extLst>
+              <a:ext uri="{909E8E84-426E-40DD-AFC4-6F175D3DCCD1}">
+                <a14:hiddenFill xmlns:a14="http://schemas.microsoft.com/office/drawing/2010/main">
+                  <a:solidFill>
+                    <a:srgbClr val="FFFFFF"/>
+                  </a:solidFill>
+                </a14:hiddenFill>
+              </a:ext>
+            </a:extLst>
+          </p:spPr>
+        </p:pic>
+        <p:sp>
+          <p:nvSpPr>
+            <p:cNvPr id="59" name="직사각형 58">
+              <a:extLst>
+                <a:ext uri="{FF2B5EF4-FFF2-40B4-BE49-F238E27FC236}">
+                  <a16:creationId xmlns:a16="http://schemas.microsoft.com/office/drawing/2014/main" id="{F548FDD2-6CA3-4F4A-9062-5782BBDF1058}"/>
+                </a:ext>
+              </a:extLst>
+            </p:cNvPr>
+            <p:cNvSpPr/>
+            <p:nvPr/>
+          </p:nvSpPr>
+          <p:spPr>
+            <a:xfrm>
+              <a:off x="4049033" y="5710316"/>
+              <a:ext cx="403225" cy="366052"/>
+            </a:xfrm>
+            <a:prstGeom prst="rect">
+              <a:avLst/>
+            </a:prstGeom>
+          </p:spPr>
+          <p:style>
+            <a:lnRef idx="2">
+              <a:schemeClr val="dk1"/>
+            </a:lnRef>
+            <a:fillRef idx="1">
+              <a:schemeClr val="lt1"/>
+            </a:fillRef>
+            <a:effectRef idx="0">
+              <a:schemeClr val="dk1"/>
+            </a:effectRef>
+            <a:fontRef idx="minor">
+              <a:schemeClr val="dk1"/>
+            </a:fontRef>
+          </p:style>
+          <p:txBody>
+            <a:bodyPr rtlCol="0" anchor="ctr"/>
+            <a:lstStyle/>
+            <a:p>
+              <a:pPr algn="ctr"/>
+              <a:endParaRPr lang="en-US"/>
+            </a:p>
+          </p:txBody>
+        </p:sp>
+      </p:grpSp>
+      <p:grpSp>
+        <p:nvGrpSpPr>
+          <p:cNvPr id="62" name="그룹 61">
+            <a:extLst>
+              <a:ext uri="{FF2B5EF4-FFF2-40B4-BE49-F238E27FC236}">
+                <a16:creationId xmlns:a16="http://schemas.microsoft.com/office/drawing/2014/main" id="{E17099F6-B2D9-417F-8104-5A32504BFABD}"/>
+              </a:ext>
+            </a:extLst>
+          </p:cNvPr>
+          <p:cNvGrpSpPr/>
+          <p:nvPr/>
+        </p:nvGrpSpPr>
+        <p:grpSpPr>
+          <a:xfrm>
+            <a:off x="4774178" y="5453052"/>
+            <a:ext cx="403225" cy="1009678"/>
+            <a:chOff x="4049033" y="5453052"/>
+            <a:chExt cx="403225" cy="1009678"/>
+          </a:xfrm>
+        </p:grpSpPr>
+        <p:pic>
+          <p:nvPicPr>
+            <p:cNvPr id="63" name="Picture 2" descr="https://enccs.github.io/gpu-programming/_images/THREAD_CORE.png">
+              <a:extLst>
+                <a:ext uri="{FF2B5EF4-FFF2-40B4-BE49-F238E27FC236}">
+                  <a16:creationId xmlns:a16="http://schemas.microsoft.com/office/drawing/2014/main" id="{3AF7B79F-1EDE-438F-AEB1-46CE0DDA1F43}"/>
+                </a:ext>
+              </a:extLst>
+            </p:cNvPr>
+            <p:cNvPicPr>
+              <a:picLocks noChangeAspect="1" noChangeArrowheads="1"/>
+            </p:cNvPicPr>
+            <p:nvPr/>
+          </p:nvPicPr>
+          <p:blipFill rotWithShape="1">
+            <a:blip r:embed="rId2">
+              <a:extLst>
+                <a:ext uri="{28A0092B-C50C-407E-A947-70E740481C1C}">
+                  <a14:useLocalDpi xmlns:a14="http://schemas.microsoft.com/office/drawing/2010/main" val="0"/>
+                </a:ext>
+              </a:extLst>
+            </a:blip>
+            <a:srcRect l="10253" r="80946" b="28562"/>
+            <a:stretch/>
+          </p:blipFill>
+          <p:spPr bwMode="auto">
+            <a:xfrm>
+              <a:off x="4105275" y="5453052"/>
+              <a:ext cx="299197" cy="1009678"/>
+            </a:xfrm>
+            <a:prstGeom prst="rect">
+              <a:avLst/>
+            </a:prstGeom>
+            <a:noFill/>
+            <a:extLst>
+              <a:ext uri="{909E8E84-426E-40DD-AFC4-6F175D3DCCD1}">
+                <a14:hiddenFill xmlns:a14="http://schemas.microsoft.com/office/drawing/2010/main">
+                  <a:solidFill>
+                    <a:srgbClr val="FFFFFF"/>
+                  </a:solidFill>
+                </a14:hiddenFill>
+              </a:ext>
+            </a:extLst>
+          </p:spPr>
+        </p:pic>
+        <p:sp>
+          <p:nvSpPr>
+            <p:cNvPr id="64" name="직사각형 63">
+              <a:extLst>
+                <a:ext uri="{FF2B5EF4-FFF2-40B4-BE49-F238E27FC236}">
+                  <a16:creationId xmlns:a16="http://schemas.microsoft.com/office/drawing/2014/main" id="{8D9AA916-86E2-4D8A-A364-9D053163C1CF}"/>
+                </a:ext>
+              </a:extLst>
+            </p:cNvPr>
+            <p:cNvSpPr/>
+            <p:nvPr/>
+          </p:nvSpPr>
+          <p:spPr>
+            <a:xfrm>
+              <a:off x="4049033" y="5710316"/>
+              <a:ext cx="403225" cy="366052"/>
+            </a:xfrm>
+            <a:prstGeom prst="rect">
+              <a:avLst/>
+            </a:prstGeom>
+          </p:spPr>
+          <p:style>
+            <a:lnRef idx="2">
+              <a:schemeClr val="dk1"/>
+            </a:lnRef>
+            <a:fillRef idx="1">
+              <a:schemeClr val="lt1"/>
+            </a:fillRef>
+            <a:effectRef idx="0">
+              <a:schemeClr val="dk1"/>
+            </a:effectRef>
+            <a:fontRef idx="minor">
+              <a:schemeClr val="dk1"/>
+            </a:fontRef>
+          </p:style>
+          <p:txBody>
+            <a:bodyPr rtlCol="0" anchor="ctr"/>
+            <a:lstStyle/>
+            <a:p>
+              <a:pPr algn="ctr"/>
+              <a:endParaRPr lang="en-US"/>
+            </a:p>
+          </p:txBody>
+        </p:sp>
+      </p:grpSp>
+      <p:grpSp>
+        <p:nvGrpSpPr>
+          <p:cNvPr id="65" name="그룹 64">
+            <a:extLst>
+              <a:ext uri="{FF2B5EF4-FFF2-40B4-BE49-F238E27FC236}">
+                <a16:creationId xmlns:a16="http://schemas.microsoft.com/office/drawing/2014/main" id="{5619F829-2A58-4E7B-A3BB-912DEF6D17EE}"/>
+              </a:ext>
+            </a:extLst>
+          </p:cNvPr>
+          <p:cNvGrpSpPr/>
+          <p:nvPr/>
+        </p:nvGrpSpPr>
+        <p:grpSpPr>
+          <a:xfrm>
+            <a:off x="5352655" y="5453052"/>
+            <a:ext cx="403225" cy="1009678"/>
+            <a:chOff x="4049033" y="5453052"/>
+            <a:chExt cx="403225" cy="1009678"/>
+          </a:xfrm>
+        </p:grpSpPr>
+        <p:pic>
+          <p:nvPicPr>
+            <p:cNvPr id="66" name="Picture 2" descr="https://enccs.github.io/gpu-programming/_images/THREAD_CORE.png">
+              <a:extLst>
+                <a:ext uri="{FF2B5EF4-FFF2-40B4-BE49-F238E27FC236}">
+                  <a16:creationId xmlns:a16="http://schemas.microsoft.com/office/drawing/2014/main" id="{FD6749EA-76A4-4E8B-8DA6-3DF177919B2D}"/>
+                </a:ext>
+              </a:extLst>
+            </p:cNvPr>
+            <p:cNvPicPr>
+              <a:picLocks noChangeAspect="1" noChangeArrowheads="1"/>
+            </p:cNvPicPr>
+            <p:nvPr/>
+          </p:nvPicPr>
+          <p:blipFill rotWithShape="1">
+            <a:blip r:embed="rId2">
+              <a:extLst>
+                <a:ext uri="{28A0092B-C50C-407E-A947-70E740481C1C}">
+                  <a14:useLocalDpi xmlns:a14="http://schemas.microsoft.com/office/drawing/2010/main" val="0"/>
+                </a:ext>
+              </a:extLst>
+            </a:blip>
+            <a:srcRect l="10253" r="80946" b="28562"/>
+            <a:stretch/>
+          </p:blipFill>
+          <p:spPr bwMode="auto">
+            <a:xfrm>
+              <a:off x="4105275" y="5453052"/>
+              <a:ext cx="299197" cy="1009678"/>
+            </a:xfrm>
+            <a:prstGeom prst="rect">
+              <a:avLst/>
+            </a:prstGeom>
+            <a:noFill/>
+            <a:extLst>
+              <a:ext uri="{909E8E84-426E-40DD-AFC4-6F175D3DCCD1}">
+                <a14:hiddenFill xmlns:a14="http://schemas.microsoft.com/office/drawing/2010/main">
+                  <a:solidFill>
+                    <a:srgbClr val="FFFFFF"/>
+                  </a:solidFill>
+                </a14:hiddenFill>
+              </a:ext>
+            </a:extLst>
+          </p:spPr>
+        </p:pic>
+        <p:sp>
+          <p:nvSpPr>
+            <p:cNvPr id="67" name="직사각형 66">
+              <a:extLst>
+                <a:ext uri="{FF2B5EF4-FFF2-40B4-BE49-F238E27FC236}">
+                  <a16:creationId xmlns:a16="http://schemas.microsoft.com/office/drawing/2014/main" id="{011D70C9-8EE1-4D19-AB07-6BEAAF1DA3A8}"/>
+                </a:ext>
+              </a:extLst>
+            </p:cNvPr>
+            <p:cNvSpPr/>
+            <p:nvPr/>
+          </p:nvSpPr>
+          <p:spPr>
+            <a:xfrm>
+              <a:off x="4049033" y="5710316"/>
+              <a:ext cx="403225" cy="366052"/>
+            </a:xfrm>
+            <a:prstGeom prst="rect">
+              <a:avLst/>
+            </a:prstGeom>
+          </p:spPr>
+          <p:style>
+            <a:lnRef idx="2">
+              <a:schemeClr val="dk1"/>
+            </a:lnRef>
+            <a:fillRef idx="1">
+              <a:schemeClr val="lt1"/>
+            </a:fillRef>
+            <a:effectRef idx="0">
+              <a:schemeClr val="dk1"/>
+            </a:effectRef>
+            <a:fontRef idx="minor">
+              <a:schemeClr val="dk1"/>
+            </a:fontRef>
+          </p:style>
+          <p:txBody>
+            <a:bodyPr rtlCol="0" anchor="ctr"/>
+            <a:lstStyle/>
+            <a:p>
+              <a:pPr algn="ctr"/>
+              <a:endParaRPr lang="en-US"/>
+            </a:p>
+          </p:txBody>
+        </p:sp>
+      </p:grpSp>
+      <p:grpSp>
+        <p:nvGrpSpPr>
+          <p:cNvPr id="68" name="그룹 67">
+            <a:extLst>
+              <a:ext uri="{FF2B5EF4-FFF2-40B4-BE49-F238E27FC236}">
+                <a16:creationId xmlns:a16="http://schemas.microsoft.com/office/drawing/2014/main" id="{7D1A55CA-9DF0-412F-80B7-95E818B21E2A}"/>
+              </a:ext>
+            </a:extLst>
+          </p:cNvPr>
+          <p:cNvGrpSpPr/>
+          <p:nvPr/>
+        </p:nvGrpSpPr>
+        <p:grpSpPr>
+          <a:xfrm>
+            <a:off x="5931132" y="5453052"/>
+            <a:ext cx="403225" cy="1009678"/>
+            <a:chOff x="4049033" y="5453052"/>
+            <a:chExt cx="403225" cy="1009678"/>
+          </a:xfrm>
+        </p:grpSpPr>
+        <p:pic>
+          <p:nvPicPr>
+            <p:cNvPr id="69" name="Picture 2" descr="https://enccs.github.io/gpu-programming/_images/THREAD_CORE.png">
+              <a:extLst>
+                <a:ext uri="{FF2B5EF4-FFF2-40B4-BE49-F238E27FC236}">
+                  <a16:creationId xmlns:a16="http://schemas.microsoft.com/office/drawing/2014/main" id="{B728E1E8-AF92-4621-918F-C6DD9B03FECD}"/>
+                </a:ext>
+              </a:extLst>
+            </p:cNvPr>
+            <p:cNvPicPr>
+              <a:picLocks noChangeAspect="1" noChangeArrowheads="1"/>
+            </p:cNvPicPr>
+            <p:nvPr/>
+          </p:nvPicPr>
+          <p:blipFill rotWithShape="1">
+            <a:blip r:embed="rId2">
+              <a:extLst>
+                <a:ext uri="{28A0092B-C50C-407E-A947-70E740481C1C}">
+                  <a14:useLocalDpi xmlns:a14="http://schemas.microsoft.com/office/drawing/2010/main" val="0"/>
+                </a:ext>
+              </a:extLst>
+            </a:blip>
+            <a:srcRect l="10253" r="80946" b="28562"/>
+            <a:stretch/>
+          </p:blipFill>
+          <p:spPr bwMode="auto">
+            <a:xfrm>
+              <a:off x="4105275" y="5453052"/>
+              <a:ext cx="299197" cy="1009678"/>
+            </a:xfrm>
+            <a:prstGeom prst="rect">
+              <a:avLst/>
+            </a:prstGeom>
+            <a:noFill/>
+            <a:extLst>
+              <a:ext uri="{909E8E84-426E-40DD-AFC4-6F175D3DCCD1}">
+                <a14:hiddenFill xmlns:a14="http://schemas.microsoft.com/office/drawing/2010/main">
+                  <a:solidFill>
+                    <a:srgbClr val="FFFFFF"/>
+                  </a:solidFill>
+                </a14:hiddenFill>
+              </a:ext>
+            </a:extLst>
+          </p:spPr>
+        </p:pic>
+        <p:sp>
+          <p:nvSpPr>
+            <p:cNvPr id="70" name="직사각형 69">
+              <a:extLst>
+                <a:ext uri="{FF2B5EF4-FFF2-40B4-BE49-F238E27FC236}">
+                  <a16:creationId xmlns:a16="http://schemas.microsoft.com/office/drawing/2014/main" id="{B36D151D-0A47-49C0-A119-0D4B3E8E1849}"/>
+                </a:ext>
+              </a:extLst>
+            </p:cNvPr>
+            <p:cNvSpPr/>
+            <p:nvPr/>
+          </p:nvSpPr>
+          <p:spPr>
+            <a:xfrm>
+              <a:off x="4049033" y="5710316"/>
+              <a:ext cx="403225" cy="366052"/>
+            </a:xfrm>
+            <a:prstGeom prst="rect">
+              <a:avLst/>
+            </a:prstGeom>
+          </p:spPr>
+          <p:style>
+            <a:lnRef idx="2">
+              <a:schemeClr val="dk1"/>
+            </a:lnRef>
+            <a:fillRef idx="1">
+              <a:schemeClr val="lt1"/>
+            </a:fillRef>
+            <a:effectRef idx="0">
+              <a:schemeClr val="dk1"/>
+            </a:effectRef>
+            <a:fontRef idx="minor">
+              <a:schemeClr val="dk1"/>
+            </a:fontRef>
+          </p:style>
+          <p:txBody>
+            <a:bodyPr rtlCol="0" anchor="ctr"/>
+            <a:lstStyle/>
+            <a:p>
+              <a:pPr algn="ctr"/>
+              <a:endParaRPr lang="en-US"/>
+            </a:p>
+          </p:txBody>
+        </p:sp>
+      </p:grpSp>
+      <p:grpSp>
+        <p:nvGrpSpPr>
+          <p:cNvPr id="71" name="그룹 70">
+            <a:extLst>
+              <a:ext uri="{FF2B5EF4-FFF2-40B4-BE49-F238E27FC236}">
+                <a16:creationId xmlns:a16="http://schemas.microsoft.com/office/drawing/2014/main" id="{EE120472-6508-4396-829B-265907B6A2BE}"/>
+              </a:ext>
+            </a:extLst>
+          </p:cNvPr>
+          <p:cNvGrpSpPr/>
+          <p:nvPr/>
+        </p:nvGrpSpPr>
+        <p:grpSpPr>
+          <a:xfrm>
+            <a:off x="6509609" y="5453052"/>
+            <a:ext cx="403225" cy="1009678"/>
+            <a:chOff x="4049033" y="5453052"/>
+            <a:chExt cx="403225" cy="1009678"/>
+          </a:xfrm>
+        </p:grpSpPr>
+        <p:pic>
+          <p:nvPicPr>
+            <p:cNvPr id="72" name="Picture 2" descr="https://enccs.github.io/gpu-programming/_images/THREAD_CORE.png">
+              <a:extLst>
+                <a:ext uri="{FF2B5EF4-FFF2-40B4-BE49-F238E27FC236}">
+                  <a16:creationId xmlns:a16="http://schemas.microsoft.com/office/drawing/2014/main" id="{A7C83B60-FDCB-4526-87F5-B5FA02E3002E}"/>
+                </a:ext>
+              </a:extLst>
+            </p:cNvPr>
+            <p:cNvPicPr>
+              <a:picLocks noChangeAspect="1" noChangeArrowheads="1"/>
+            </p:cNvPicPr>
+            <p:nvPr/>
+          </p:nvPicPr>
+          <p:blipFill rotWithShape="1">
+            <a:blip r:embed="rId2">
+              <a:extLst>
+                <a:ext uri="{28A0092B-C50C-407E-A947-70E740481C1C}">
+                  <a14:useLocalDpi xmlns:a14="http://schemas.microsoft.com/office/drawing/2010/main" val="0"/>
+                </a:ext>
+              </a:extLst>
+            </a:blip>
+            <a:srcRect l="10253" r="80946" b="28562"/>
+            <a:stretch/>
+          </p:blipFill>
+          <p:spPr bwMode="auto">
+            <a:xfrm>
+              <a:off x="4105275" y="5453052"/>
+              <a:ext cx="299197" cy="1009678"/>
+            </a:xfrm>
+            <a:prstGeom prst="rect">
+              <a:avLst/>
+            </a:prstGeom>
+            <a:noFill/>
+            <a:extLst>
+              <a:ext uri="{909E8E84-426E-40DD-AFC4-6F175D3DCCD1}">
+                <a14:hiddenFill xmlns:a14="http://schemas.microsoft.com/office/drawing/2010/main">
+                  <a:solidFill>
+                    <a:srgbClr val="FFFFFF"/>
+                  </a:solidFill>
+                </a14:hiddenFill>
+              </a:ext>
+            </a:extLst>
+          </p:spPr>
+        </p:pic>
+        <p:sp>
+          <p:nvSpPr>
+            <p:cNvPr id="73" name="직사각형 72">
+              <a:extLst>
+                <a:ext uri="{FF2B5EF4-FFF2-40B4-BE49-F238E27FC236}">
+                  <a16:creationId xmlns:a16="http://schemas.microsoft.com/office/drawing/2014/main" id="{943F3B61-6715-41CB-B238-D5ABFBF1C4D0}"/>
+                </a:ext>
+              </a:extLst>
+            </p:cNvPr>
+            <p:cNvSpPr/>
+            <p:nvPr/>
+          </p:nvSpPr>
+          <p:spPr>
+            <a:xfrm>
+              <a:off x="4049033" y="5710316"/>
+              <a:ext cx="403225" cy="366052"/>
+            </a:xfrm>
+            <a:prstGeom prst="rect">
+              <a:avLst/>
+            </a:prstGeom>
+          </p:spPr>
+          <p:style>
+            <a:lnRef idx="2">
+              <a:schemeClr val="dk1"/>
+            </a:lnRef>
+            <a:fillRef idx="1">
+              <a:schemeClr val="lt1"/>
+            </a:fillRef>
+            <a:effectRef idx="0">
+              <a:schemeClr val="dk1"/>
+            </a:effectRef>
+            <a:fontRef idx="minor">
+              <a:schemeClr val="dk1"/>
+            </a:fontRef>
+          </p:style>
+          <p:txBody>
+            <a:bodyPr rtlCol="0" anchor="ctr"/>
+            <a:lstStyle/>
+            <a:p>
+              <a:pPr algn="ctr"/>
+              <a:endParaRPr lang="en-US"/>
+            </a:p>
+          </p:txBody>
+        </p:sp>
+      </p:grpSp>
+      <p:grpSp>
+        <p:nvGrpSpPr>
+          <p:cNvPr id="74" name="그룹 73">
+            <a:extLst>
+              <a:ext uri="{FF2B5EF4-FFF2-40B4-BE49-F238E27FC236}">
+                <a16:creationId xmlns:a16="http://schemas.microsoft.com/office/drawing/2014/main" id="{73A977D6-4FE7-45FE-A822-CD440F6885AA}"/>
+              </a:ext>
+            </a:extLst>
+          </p:cNvPr>
+          <p:cNvGrpSpPr/>
+          <p:nvPr/>
+        </p:nvGrpSpPr>
+        <p:grpSpPr>
+          <a:xfrm>
+            <a:off x="7088086" y="5453052"/>
+            <a:ext cx="403225" cy="1009678"/>
+            <a:chOff x="4049033" y="5453052"/>
+            <a:chExt cx="403225" cy="1009678"/>
+          </a:xfrm>
+        </p:grpSpPr>
+        <p:pic>
+          <p:nvPicPr>
+            <p:cNvPr id="75" name="Picture 2" descr="https://enccs.github.io/gpu-programming/_images/THREAD_CORE.png">
+              <a:extLst>
+                <a:ext uri="{FF2B5EF4-FFF2-40B4-BE49-F238E27FC236}">
+                  <a16:creationId xmlns:a16="http://schemas.microsoft.com/office/drawing/2014/main" id="{A92F2EE8-FB7C-4C1E-9DB4-546529AF718C}"/>
+                </a:ext>
+              </a:extLst>
+            </p:cNvPr>
+            <p:cNvPicPr>
+              <a:picLocks noChangeAspect="1" noChangeArrowheads="1"/>
+            </p:cNvPicPr>
+            <p:nvPr/>
+          </p:nvPicPr>
+          <p:blipFill rotWithShape="1">
+            <a:blip r:embed="rId2">
+              <a:extLst>
+                <a:ext uri="{28A0092B-C50C-407E-A947-70E740481C1C}">
+                  <a14:useLocalDpi xmlns:a14="http://schemas.microsoft.com/office/drawing/2010/main" val="0"/>
+                </a:ext>
+              </a:extLst>
+            </a:blip>
+            <a:srcRect l="10253" r="80946" b="28562"/>
+            <a:stretch/>
+          </p:blipFill>
+          <p:spPr bwMode="auto">
+            <a:xfrm>
+              <a:off x="4105275" y="5453052"/>
+              <a:ext cx="299197" cy="1009678"/>
+            </a:xfrm>
+            <a:prstGeom prst="rect">
+              <a:avLst/>
+            </a:prstGeom>
+            <a:noFill/>
+            <a:extLst>
+              <a:ext uri="{909E8E84-426E-40DD-AFC4-6F175D3DCCD1}">
+                <a14:hiddenFill xmlns:a14="http://schemas.microsoft.com/office/drawing/2010/main">
+                  <a:solidFill>
+                    <a:srgbClr val="FFFFFF"/>
+                  </a:solidFill>
+                </a14:hiddenFill>
+              </a:ext>
+            </a:extLst>
+          </p:spPr>
+        </p:pic>
+        <p:sp>
+          <p:nvSpPr>
+            <p:cNvPr id="76" name="직사각형 75">
+              <a:extLst>
+                <a:ext uri="{FF2B5EF4-FFF2-40B4-BE49-F238E27FC236}">
+                  <a16:creationId xmlns:a16="http://schemas.microsoft.com/office/drawing/2014/main" id="{595FF333-6F3A-41D1-BAA3-663127327124}"/>
+                </a:ext>
+              </a:extLst>
+            </p:cNvPr>
+            <p:cNvSpPr/>
+            <p:nvPr/>
+          </p:nvSpPr>
+          <p:spPr>
+            <a:xfrm>
+              <a:off x="4049033" y="5710316"/>
+              <a:ext cx="403225" cy="366052"/>
+            </a:xfrm>
+            <a:prstGeom prst="rect">
+              <a:avLst/>
+            </a:prstGeom>
+          </p:spPr>
+          <p:style>
+            <a:lnRef idx="2">
+              <a:schemeClr val="dk1"/>
+            </a:lnRef>
+            <a:fillRef idx="1">
+              <a:schemeClr val="lt1"/>
+            </a:fillRef>
+            <a:effectRef idx="0">
+              <a:schemeClr val="dk1"/>
+            </a:effectRef>
+            <a:fontRef idx="minor">
+              <a:schemeClr val="dk1"/>
+            </a:fontRef>
+          </p:style>
+          <p:txBody>
+            <a:bodyPr rtlCol="0" anchor="ctr"/>
+            <a:lstStyle/>
+            <a:p>
+              <a:pPr algn="ctr"/>
+              <a:endParaRPr lang="en-US"/>
+            </a:p>
+          </p:txBody>
+        </p:sp>
+      </p:grpSp>
+      <p:grpSp>
+        <p:nvGrpSpPr>
+          <p:cNvPr id="77" name="그룹 76">
+            <a:extLst>
+              <a:ext uri="{FF2B5EF4-FFF2-40B4-BE49-F238E27FC236}">
+                <a16:creationId xmlns:a16="http://schemas.microsoft.com/office/drawing/2014/main" id="{94F931C6-87BA-4538-B62C-109EF6EF8922}"/>
+              </a:ext>
+            </a:extLst>
+          </p:cNvPr>
+          <p:cNvGrpSpPr/>
+          <p:nvPr/>
+        </p:nvGrpSpPr>
+        <p:grpSpPr>
+          <a:xfrm>
+            <a:off x="7666563" y="5453052"/>
+            <a:ext cx="403225" cy="1009678"/>
+            <a:chOff x="4049033" y="5453052"/>
+            <a:chExt cx="403225" cy="1009678"/>
+          </a:xfrm>
+        </p:grpSpPr>
+        <p:pic>
+          <p:nvPicPr>
+            <p:cNvPr id="78" name="Picture 2" descr="https://enccs.github.io/gpu-programming/_images/THREAD_CORE.png">
+              <a:extLst>
+                <a:ext uri="{FF2B5EF4-FFF2-40B4-BE49-F238E27FC236}">
+                  <a16:creationId xmlns:a16="http://schemas.microsoft.com/office/drawing/2014/main" id="{A27AB709-4B99-430F-97F1-B17E41758CB5}"/>
+                </a:ext>
+              </a:extLst>
+            </p:cNvPr>
+            <p:cNvPicPr>
+              <a:picLocks noChangeAspect="1" noChangeArrowheads="1"/>
+            </p:cNvPicPr>
+            <p:nvPr/>
+          </p:nvPicPr>
+          <p:blipFill rotWithShape="1">
+            <a:blip r:embed="rId2">
+              <a:extLst>
+                <a:ext uri="{28A0092B-C50C-407E-A947-70E740481C1C}">
+                  <a14:useLocalDpi xmlns:a14="http://schemas.microsoft.com/office/drawing/2010/main" val="0"/>
+                </a:ext>
+              </a:extLst>
+            </a:blip>
+            <a:srcRect l="10253" r="80946" b="28562"/>
+            <a:stretch/>
+          </p:blipFill>
+          <p:spPr bwMode="auto">
+            <a:xfrm>
+              <a:off x="4105275" y="5453052"/>
+              <a:ext cx="299197" cy="1009678"/>
+            </a:xfrm>
+            <a:prstGeom prst="rect">
+              <a:avLst/>
+            </a:prstGeom>
+            <a:noFill/>
+            <a:extLst>
+              <a:ext uri="{909E8E84-426E-40DD-AFC4-6F175D3DCCD1}">
+                <a14:hiddenFill xmlns:a14="http://schemas.microsoft.com/office/drawing/2010/main">
+                  <a:solidFill>
+                    <a:srgbClr val="FFFFFF"/>
+                  </a:solidFill>
+                </a14:hiddenFill>
+              </a:ext>
+            </a:extLst>
+          </p:spPr>
+        </p:pic>
+        <p:sp>
+          <p:nvSpPr>
+            <p:cNvPr id="79" name="직사각형 78">
+              <a:extLst>
+                <a:ext uri="{FF2B5EF4-FFF2-40B4-BE49-F238E27FC236}">
+                  <a16:creationId xmlns:a16="http://schemas.microsoft.com/office/drawing/2014/main" id="{92F56053-16F7-4A4F-A0CE-15CC3306C15E}"/>
+                </a:ext>
+              </a:extLst>
+            </p:cNvPr>
+            <p:cNvSpPr/>
+            <p:nvPr/>
+          </p:nvSpPr>
+          <p:spPr>
+            <a:xfrm>
+              <a:off x="4049033" y="5710316"/>
+              <a:ext cx="403225" cy="366052"/>
+            </a:xfrm>
+            <a:prstGeom prst="rect">
+              <a:avLst/>
+            </a:prstGeom>
+          </p:spPr>
+          <p:style>
+            <a:lnRef idx="2">
+              <a:schemeClr val="dk1"/>
+            </a:lnRef>
+            <a:fillRef idx="1">
+              <a:schemeClr val="lt1"/>
+            </a:fillRef>
+            <a:effectRef idx="0">
+              <a:schemeClr val="dk1"/>
+            </a:effectRef>
+            <a:fontRef idx="minor">
+              <a:schemeClr val="dk1"/>
+            </a:fontRef>
+          </p:style>
+          <p:txBody>
+            <a:bodyPr rtlCol="0" anchor="ctr"/>
+            <a:lstStyle/>
+            <a:p>
+              <a:pPr algn="ctr"/>
+              <a:endParaRPr lang="en-US"/>
+            </a:p>
+          </p:txBody>
+        </p:sp>
+      </p:grpSp>
+      <p:grpSp>
+        <p:nvGrpSpPr>
+          <p:cNvPr id="80" name="그룹 79">
+            <a:extLst>
+              <a:ext uri="{FF2B5EF4-FFF2-40B4-BE49-F238E27FC236}">
+                <a16:creationId xmlns:a16="http://schemas.microsoft.com/office/drawing/2014/main" id="{6E54A520-ACE9-4903-B003-0EA7B2382D67}"/>
+              </a:ext>
+            </a:extLst>
+          </p:cNvPr>
+          <p:cNvGrpSpPr/>
+          <p:nvPr/>
+        </p:nvGrpSpPr>
+        <p:grpSpPr>
+          <a:xfrm>
+            <a:off x="8245040" y="5453052"/>
+            <a:ext cx="403225" cy="1009678"/>
+            <a:chOff x="4049033" y="5453052"/>
+            <a:chExt cx="403225" cy="1009678"/>
+          </a:xfrm>
+        </p:grpSpPr>
+        <p:pic>
+          <p:nvPicPr>
+            <p:cNvPr id="81" name="Picture 2" descr="https://enccs.github.io/gpu-programming/_images/THREAD_CORE.png">
+              <a:extLst>
+                <a:ext uri="{FF2B5EF4-FFF2-40B4-BE49-F238E27FC236}">
+                  <a16:creationId xmlns:a16="http://schemas.microsoft.com/office/drawing/2014/main" id="{48D88F28-6F00-41CF-9E8A-8F9F8946EB39}"/>
+                </a:ext>
+              </a:extLst>
+            </p:cNvPr>
+            <p:cNvPicPr>
+              <a:picLocks noChangeAspect="1" noChangeArrowheads="1"/>
+            </p:cNvPicPr>
+            <p:nvPr/>
+          </p:nvPicPr>
+          <p:blipFill rotWithShape="1">
+            <a:blip r:embed="rId2">
+              <a:extLst>
+                <a:ext uri="{28A0092B-C50C-407E-A947-70E740481C1C}">
+                  <a14:useLocalDpi xmlns:a14="http://schemas.microsoft.com/office/drawing/2010/main" val="0"/>
+                </a:ext>
+              </a:extLst>
+            </a:blip>
+            <a:srcRect l="10253" r="80946" b="28562"/>
+            <a:stretch/>
+          </p:blipFill>
+          <p:spPr bwMode="auto">
+            <a:xfrm>
+              <a:off x="4105275" y="5453052"/>
+              <a:ext cx="299197" cy="1009678"/>
+            </a:xfrm>
+            <a:prstGeom prst="rect">
+              <a:avLst/>
+            </a:prstGeom>
+            <a:noFill/>
+            <a:extLst>
+              <a:ext uri="{909E8E84-426E-40DD-AFC4-6F175D3DCCD1}">
+                <a14:hiddenFill xmlns:a14="http://schemas.microsoft.com/office/drawing/2010/main">
+                  <a:solidFill>
+                    <a:srgbClr val="FFFFFF"/>
+                  </a:solidFill>
+                </a14:hiddenFill>
+              </a:ext>
+            </a:extLst>
+          </p:spPr>
+        </p:pic>
+        <p:sp>
+          <p:nvSpPr>
+            <p:cNvPr id="82" name="직사각형 81">
+              <a:extLst>
+                <a:ext uri="{FF2B5EF4-FFF2-40B4-BE49-F238E27FC236}">
+                  <a16:creationId xmlns:a16="http://schemas.microsoft.com/office/drawing/2014/main" id="{A58A850A-1A79-46B2-BAE3-977F98542511}"/>
+                </a:ext>
+              </a:extLst>
+            </p:cNvPr>
+            <p:cNvSpPr/>
+            <p:nvPr/>
+          </p:nvSpPr>
+          <p:spPr>
+            <a:xfrm>
+              <a:off x="4049033" y="5710316"/>
+              <a:ext cx="403225" cy="366052"/>
+            </a:xfrm>
+            <a:prstGeom prst="rect">
+              <a:avLst/>
+            </a:prstGeom>
+          </p:spPr>
+          <p:style>
+            <a:lnRef idx="2">
+              <a:schemeClr val="dk1"/>
+            </a:lnRef>
+            <a:fillRef idx="1">
+              <a:schemeClr val="lt1"/>
+            </a:fillRef>
+            <a:effectRef idx="0">
+              <a:schemeClr val="dk1"/>
+            </a:effectRef>
+            <a:fontRef idx="minor">
+              <a:schemeClr val="dk1"/>
+            </a:fontRef>
+          </p:style>
+          <p:txBody>
+            <a:bodyPr rtlCol="0" anchor="ctr"/>
+            <a:lstStyle/>
+            <a:p>
+              <a:pPr algn="ctr"/>
+              <a:endParaRPr lang="en-US"/>
+            </a:p>
+          </p:txBody>
+        </p:sp>
+      </p:grpSp>
+      <p:grpSp>
+        <p:nvGrpSpPr>
+          <p:cNvPr id="83" name="그룹 82">
+            <a:extLst>
+              <a:ext uri="{FF2B5EF4-FFF2-40B4-BE49-F238E27FC236}">
+                <a16:creationId xmlns:a16="http://schemas.microsoft.com/office/drawing/2014/main" id="{ED22F540-F768-4B77-9128-86B5A55E99E6}"/>
+              </a:ext>
+            </a:extLst>
+          </p:cNvPr>
+          <p:cNvGrpSpPr/>
+          <p:nvPr/>
+        </p:nvGrpSpPr>
+        <p:grpSpPr>
+          <a:xfrm>
+            <a:off x="8823517" y="5453052"/>
+            <a:ext cx="403225" cy="1009678"/>
+            <a:chOff x="4049033" y="5453052"/>
+            <a:chExt cx="403225" cy="1009678"/>
+          </a:xfrm>
+        </p:grpSpPr>
+        <p:pic>
+          <p:nvPicPr>
+            <p:cNvPr id="84" name="Picture 2" descr="https://enccs.github.io/gpu-programming/_images/THREAD_CORE.png">
+              <a:extLst>
+                <a:ext uri="{FF2B5EF4-FFF2-40B4-BE49-F238E27FC236}">
+                  <a16:creationId xmlns:a16="http://schemas.microsoft.com/office/drawing/2014/main" id="{04B558C3-04C0-4DEF-8B78-0CE72CC9656E}"/>
+                </a:ext>
+              </a:extLst>
+            </p:cNvPr>
+            <p:cNvPicPr>
+              <a:picLocks noChangeAspect="1" noChangeArrowheads="1"/>
+            </p:cNvPicPr>
+            <p:nvPr/>
+          </p:nvPicPr>
+          <p:blipFill rotWithShape="1">
+            <a:blip r:embed="rId2">
+              <a:extLst>
+                <a:ext uri="{28A0092B-C50C-407E-A947-70E740481C1C}">
+                  <a14:useLocalDpi xmlns:a14="http://schemas.microsoft.com/office/drawing/2010/main" val="0"/>
+                </a:ext>
+              </a:extLst>
+            </a:blip>
+            <a:srcRect l="10253" r="80946" b="28562"/>
+            <a:stretch/>
+          </p:blipFill>
+          <p:spPr bwMode="auto">
+            <a:xfrm>
+              <a:off x="4105275" y="5453052"/>
+              <a:ext cx="299197" cy="1009678"/>
+            </a:xfrm>
+            <a:prstGeom prst="rect">
+              <a:avLst/>
+            </a:prstGeom>
+            <a:noFill/>
+            <a:extLst>
+              <a:ext uri="{909E8E84-426E-40DD-AFC4-6F175D3DCCD1}">
+                <a14:hiddenFill xmlns:a14="http://schemas.microsoft.com/office/drawing/2010/main">
+                  <a:solidFill>
+                    <a:srgbClr val="FFFFFF"/>
+                  </a:solidFill>
+                </a14:hiddenFill>
+              </a:ext>
+            </a:extLst>
+          </p:spPr>
+        </p:pic>
+        <p:sp>
+          <p:nvSpPr>
+            <p:cNvPr id="85" name="직사각형 84">
+              <a:extLst>
+                <a:ext uri="{FF2B5EF4-FFF2-40B4-BE49-F238E27FC236}">
+                  <a16:creationId xmlns:a16="http://schemas.microsoft.com/office/drawing/2014/main" id="{E50FC9A8-A786-4C39-9655-DACA7D381D8A}"/>
+                </a:ext>
+              </a:extLst>
+            </p:cNvPr>
+            <p:cNvSpPr/>
+            <p:nvPr/>
+          </p:nvSpPr>
+          <p:spPr>
+            <a:xfrm>
+              <a:off x="4049033" y="5710316"/>
+              <a:ext cx="403225" cy="366052"/>
+            </a:xfrm>
+            <a:prstGeom prst="rect">
+              <a:avLst/>
+            </a:prstGeom>
+          </p:spPr>
+          <p:style>
+            <a:lnRef idx="2">
+              <a:schemeClr val="dk1"/>
+            </a:lnRef>
+            <a:fillRef idx="1">
+              <a:schemeClr val="lt1"/>
+            </a:fillRef>
+            <a:effectRef idx="0">
+              <a:schemeClr val="dk1"/>
+            </a:effectRef>
+            <a:fontRef idx="minor">
+              <a:schemeClr val="dk1"/>
+            </a:fontRef>
+          </p:style>
+          <p:txBody>
+            <a:bodyPr rtlCol="0" anchor="ctr"/>
+            <a:lstStyle/>
+            <a:p>
+              <a:pPr algn="ctr"/>
+              <a:endParaRPr lang="en-US"/>
+            </a:p>
+          </p:txBody>
+        </p:sp>
+      </p:grpSp>
+      <p:grpSp>
+        <p:nvGrpSpPr>
+          <p:cNvPr id="86" name="그룹 85">
+            <a:extLst>
+              <a:ext uri="{FF2B5EF4-FFF2-40B4-BE49-F238E27FC236}">
+                <a16:creationId xmlns:a16="http://schemas.microsoft.com/office/drawing/2014/main" id="{638C8452-AA93-4930-964A-CAAED271C26A}"/>
+              </a:ext>
+            </a:extLst>
+          </p:cNvPr>
+          <p:cNvGrpSpPr/>
+          <p:nvPr/>
+        </p:nvGrpSpPr>
+        <p:grpSpPr>
+          <a:xfrm>
+            <a:off x="9401994" y="5453052"/>
+            <a:ext cx="403225" cy="1009678"/>
+            <a:chOff x="4049033" y="5453052"/>
+            <a:chExt cx="403225" cy="1009678"/>
+          </a:xfrm>
+        </p:grpSpPr>
+        <p:pic>
+          <p:nvPicPr>
+            <p:cNvPr id="87" name="Picture 2" descr="https://enccs.github.io/gpu-programming/_images/THREAD_CORE.png">
+              <a:extLst>
+                <a:ext uri="{FF2B5EF4-FFF2-40B4-BE49-F238E27FC236}">
+                  <a16:creationId xmlns:a16="http://schemas.microsoft.com/office/drawing/2014/main" id="{785FBF39-F690-44BD-9B58-408EC83FAADD}"/>
+                </a:ext>
+              </a:extLst>
+            </p:cNvPr>
+            <p:cNvPicPr>
+              <a:picLocks noChangeAspect="1" noChangeArrowheads="1"/>
+            </p:cNvPicPr>
+            <p:nvPr/>
+          </p:nvPicPr>
+          <p:blipFill rotWithShape="1">
+            <a:blip r:embed="rId2">
+              <a:extLst>
+                <a:ext uri="{28A0092B-C50C-407E-A947-70E740481C1C}">
+                  <a14:useLocalDpi xmlns:a14="http://schemas.microsoft.com/office/drawing/2010/main" val="0"/>
+                </a:ext>
+              </a:extLst>
+            </a:blip>
+            <a:srcRect l="10253" r="80946" b="28562"/>
+            <a:stretch/>
+          </p:blipFill>
+          <p:spPr bwMode="auto">
+            <a:xfrm>
+              <a:off x="4105275" y="5453052"/>
+              <a:ext cx="299197" cy="1009678"/>
+            </a:xfrm>
+            <a:prstGeom prst="rect">
+              <a:avLst/>
+            </a:prstGeom>
+            <a:noFill/>
+            <a:extLst>
+              <a:ext uri="{909E8E84-426E-40DD-AFC4-6F175D3DCCD1}">
+                <a14:hiddenFill xmlns:a14="http://schemas.microsoft.com/office/drawing/2010/main">
+                  <a:solidFill>
+                    <a:srgbClr val="FFFFFF"/>
+                  </a:solidFill>
+                </a14:hiddenFill>
+              </a:ext>
+            </a:extLst>
+          </p:spPr>
+        </p:pic>
+        <p:sp>
+          <p:nvSpPr>
+            <p:cNvPr id="88" name="직사각형 87">
+              <a:extLst>
+                <a:ext uri="{FF2B5EF4-FFF2-40B4-BE49-F238E27FC236}">
+                  <a16:creationId xmlns:a16="http://schemas.microsoft.com/office/drawing/2014/main" id="{C9B52C3C-0A9A-4AD3-9AEB-232AE292E419}"/>
+                </a:ext>
+              </a:extLst>
+            </p:cNvPr>
+            <p:cNvSpPr/>
+            <p:nvPr/>
+          </p:nvSpPr>
+          <p:spPr>
+            <a:xfrm>
+              <a:off x="4049033" y="5710316"/>
+              <a:ext cx="403225" cy="366052"/>
+            </a:xfrm>
+            <a:prstGeom prst="rect">
+              <a:avLst/>
+            </a:prstGeom>
+          </p:spPr>
+          <p:style>
+            <a:lnRef idx="2">
+              <a:schemeClr val="dk1"/>
+            </a:lnRef>
+            <a:fillRef idx="1">
+              <a:schemeClr val="lt1"/>
+            </a:fillRef>
+            <a:effectRef idx="0">
+              <a:schemeClr val="dk1"/>
+            </a:effectRef>
+            <a:fontRef idx="minor">
+              <a:schemeClr val="dk1"/>
+            </a:fontRef>
+          </p:style>
+          <p:txBody>
+            <a:bodyPr rtlCol="0" anchor="ctr"/>
+            <a:lstStyle/>
+            <a:p>
+              <a:pPr algn="ctr"/>
+              <a:endParaRPr lang="en-US"/>
+            </a:p>
+          </p:txBody>
+        </p:sp>
+      </p:grpSp>
+      <p:grpSp>
+        <p:nvGrpSpPr>
+          <p:cNvPr id="89" name="그룹 88">
+            <a:extLst>
+              <a:ext uri="{FF2B5EF4-FFF2-40B4-BE49-F238E27FC236}">
+                <a16:creationId xmlns:a16="http://schemas.microsoft.com/office/drawing/2014/main" id="{900E79F0-8B12-42AF-A2D6-7AF01D38F4FE}"/>
+              </a:ext>
+            </a:extLst>
+          </p:cNvPr>
+          <p:cNvGrpSpPr/>
+          <p:nvPr/>
+        </p:nvGrpSpPr>
+        <p:grpSpPr>
+          <a:xfrm>
+            <a:off x="9980471" y="5453052"/>
+            <a:ext cx="403225" cy="1009678"/>
+            <a:chOff x="4049033" y="5453052"/>
+            <a:chExt cx="403225" cy="1009678"/>
+          </a:xfrm>
+        </p:grpSpPr>
+        <p:pic>
+          <p:nvPicPr>
+            <p:cNvPr id="90" name="Picture 2" descr="https://enccs.github.io/gpu-programming/_images/THREAD_CORE.png">
+              <a:extLst>
+                <a:ext uri="{FF2B5EF4-FFF2-40B4-BE49-F238E27FC236}">
+                  <a16:creationId xmlns:a16="http://schemas.microsoft.com/office/drawing/2014/main" id="{4971E2B1-D735-42C6-9DAA-D00D9C4A07D4}"/>
+                </a:ext>
+              </a:extLst>
+            </p:cNvPr>
+            <p:cNvPicPr>
+              <a:picLocks noChangeAspect="1" noChangeArrowheads="1"/>
+            </p:cNvPicPr>
+            <p:nvPr/>
+          </p:nvPicPr>
+          <p:blipFill rotWithShape="1">
+            <a:blip r:embed="rId2">
+              <a:extLst>
+                <a:ext uri="{28A0092B-C50C-407E-A947-70E740481C1C}">
+                  <a14:useLocalDpi xmlns:a14="http://schemas.microsoft.com/office/drawing/2010/main" val="0"/>
+                </a:ext>
+              </a:extLst>
+            </a:blip>
+            <a:srcRect l="10253" r="80946" b="28562"/>
+            <a:stretch/>
+          </p:blipFill>
+          <p:spPr bwMode="auto">
+            <a:xfrm>
+              <a:off x="4105275" y="5453052"/>
+              <a:ext cx="299197" cy="1009678"/>
+            </a:xfrm>
+            <a:prstGeom prst="rect">
+              <a:avLst/>
+            </a:prstGeom>
+            <a:noFill/>
+            <a:extLst>
+              <a:ext uri="{909E8E84-426E-40DD-AFC4-6F175D3DCCD1}">
+                <a14:hiddenFill xmlns:a14="http://schemas.microsoft.com/office/drawing/2010/main">
+                  <a:solidFill>
+                    <a:srgbClr val="FFFFFF"/>
+                  </a:solidFill>
+                </a14:hiddenFill>
+              </a:ext>
+            </a:extLst>
+          </p:spPr>
+        </p:pic>
+        <p:sp>
+          <p:nvSpPr>
+            <p:cNvPr id="91" name="직사각형 90">
+              <a:extLst>
+                <a:ext uri="{FF2B5EF4-FFF2-40B4-BE49-F238E27FC236}">
+                  <a16:creationId xmlns:a16="http://schemas.microsoft.com/office/drawing/2014/main" id="{6602AC1E-CA16-4E43-BD58-12054914C6C2}"/>
+                </a:ext>
+              </a:extLst>
+            </p:cNvPr>
+            <p:cNvSpPr/>
+            <p:nvPr/>
+          </p:nvSpPr>
+          <p:spPr>
+            <a:xfrm>
+              <a:off x="4049033" y="5710316"/>
+              <a:ext cx="403225" cy="366052"/>
+            </a:xfrm>
+            <a:prstGeom prst="rect">
+              <a:avLst/>
+            </a:prstGeom>
+          </p:spPr>
+          <p:style>
+            <a:lnRef idx="2">
+              <a:schemeClr val="dk1"/>
+            </a:lnRef>
+            <a:fillRef idx="1">
+              <a:schemeClr val="lt1"/>
+            </a:fillRef>
+            <a:effectRef idx="0">
+              <a:schemeClr val="dk1"/>
+            </a:effectRef>
+            <a:fontRef idx="minor">
+              <a:schemeClr val="dk1"/>
+            </a:fontRef>
+          </p:style>
+          <p:txBody>
+            <a:bodyPr rtlCol="0" anchor="ctr"/>
+            <a:lstStyle/>
+            <a:p>
+              <a:pPr algn="ctr"/>
+              <a:endParaRPr lang="en-US"/>
+            </a:p>
+          </p:txBody>
+        </p:sp>
+      </p:grpSp>
+      <p:grpSp>
+        <p:nvGrpSpPr>
+          <p:cNvPr id="92" name="그룹 91">
+            <a:extLst>
+              <a:ext uri="{FF2B5EF4-FFF2-40B4-BE49-F238E27FC236}">
+                <a16:creationId xmlns:a16="http://schemas.microsoft.com/office/drawing/2014/main" id="{88598F21-7F0B-4E0C-A544-FCC61FBC533F}"/>
+              </a:ext>
+            </a:extLst>
+          </p:cNvPr>
+          <p:cNvGrpSpPr/>
+          <p:nvPr/>
+        </p:nvGrpSpPr>
+        <p:grpSpPr>
+          <a:xfrm>
+            <a:off x="10558948" y="5453052"/>
+            <a:ext cx="403225" cy="1009678"/>
+            <a:chOff x="4049033" y="5453052"/>
+            <a:chExt cx="403225" cy="1009678"/>
+          </a:xfrm>
+        </p:grpSpPr>
+        <p:pic>
+          <p:nvPicPr>
+            <p:cNvPr id="93" name="Picture 2" descr="https://enccs.github.io/gpu-programming/_images/THREAD_CORE.png">
+              <a:extLst>
+                <a:ext uri="{FF2B5EF4-FFF2-40B4-BE49-F238E27FC236}">
+                  <a16:creationId xmlns:a16="http://schemas.microsoft.com/office/drawing/2014/main" id="{AB713AFD-065A-4CE4-B087-B26A3F9D659B}"/>
+                </a:ext>
+              </a:extLst>
+            </p:cNvPr>
+            <p:cNvPicPr>
+              <a:picLocks noChangeAspect="1" noChangeArrowheads="1"/>
+            </p:cNvPicPr>
+            <p:nvPr/>
+          </p:nvPicPr>
+          <p:blipFill rotWithShape="1">
+            <a:blip r:embed="rId2">
+              <a:extLst>
+                <a:ext uri="{28A0092B-C50C-407E-A947-70E740481C1C}">
+                  <a14:useLocalDpi xmlns:a14="http://schemas.microsoft.com/office/drawing/2010/main" val="0"/>
+                </a:ext>
+              </a:extLst>
+            </a:blip>
+            <a:srcRect l="10253" r="80946" b="28562"/>
+            <a:stretch/>
+          </p:blipFill>
+          <p:spPr bwMode="auto">
+            <a:xfrm>
+              <a:off x="4105275" y="5453052"/>
+              <a:ext cx="299197" cy="1009678"/>
+            </a:xfrm>
+            <a:prstGeom prst="rect">
+              <a:avLst/>
+            </a:prstGeom>
+            <a:noFill/>
+            <a:extLst>
+              <a:ext uri="{909E8E84-426E-40DD-AFC4-6F175D3DCCD1}">
+                <a14:hiddenFill xmlns:a14="http://schemas.microsoft.com/office/drawing/2010/main">
+                  <a:solidFill>
+                    <a:srgbClr val="FFFFFF"/>
+                  </a:solidFill>
+                </a14:hiddenFill>
+              </a:ext>
+            </a:extLst>
+          </p:spPr>
+        </p:pic>
+        <p:sp>
+          <p:nvSpPr>
+            <p:cNvPr id="94" name="직사각형 93">
+              <a:extLst>
+                <a:ext uri="{FF2B5EF4-FFF2-40B4-BE49-F238E27FC236}">
+                  <a16:creationId xmlns:a16="http://schemas.microsoft.com/office/drawing/2014/main" id="{D0407197-BA12-4928-AA83-C015C13E704C}"/>
+                </a:ext>
+              </a:extLst>
+            </p:cNvPr>
+            <p:cNvSpPr/>
+            <p:nvPr/>
+          </p:nvSpPr>
+          <p:spPr>
+            <a:xfrm>
+              <a:off x="4049033" y="5710316"/>
+              <a:ext cx="403225" cy="366052"/>
+            </a:xfrm>
+            <a:prstGeom prst="rect">
+              <a:avLst/>
+            </a:prstGeom>
+          </p:spPr>
+          <p:style>
+            <a:lnRef idx="2">
+              <a:schemeClr val="dk1"/>
+            </a:lnRef>
+            <a:fillRef idx="1">
+              <a:schemeClr val="lt1"/>
+            </a:fillRef>
+            <a:effectRef idx="0">
+              <a:schemeClr val="dk1"/>
+            </a:effectRef>
+            <a:fontRef idx="minor">
+              <a:schemeClr val="dk1"/>
+            </a:fontRef>
+          </p:style>
+          <p:txBody>
+            <a:bodyPr rtlCol="0" anchor="ctr"/>
+            <a:lstStyle/>
+            <a:p>
+              <a:pPr algn="ctr"/>
+              <a:endParaRPr lang="en-US"/>
+            </a:p>
+          </p:txBody>
+        </p:sp>
+      </p:grpSp>
+      <p:cxnSp>
+        <p:nvCxnSpPr>
+          <p:cNvPr id="95" name="직선 화살표 연결선 94">
+            <a:extLst>
+              <a:ext uri="{FF2B5EF4-FFF2-40B4-BE49-F238E27FC236}">
+                <a16:creationId xmlns:a16="http://schemas.microsoft.com/office/drawing/2014/main" id="{1F9C061E-38AA-4D05-B4FD-F98E36A78176}"/>
+              </a:ext>
+            </a:extLst>
+          </p:cNvPr>
+          <p:cNvCxnSpPr>
+            <a:stCxn id="11" idx="2"/>
+          </p:cNvCxnSpPr>
+          <p:nvPr/>
+        </p:nvCxnSpPr>
+        <p:spPr>
+          <a:xfrm>
+            <a:off x="4752957" y="1803916"/>
+            <a:ext cx="0" cy="418584"/>
+          </a:xfrm>
+          <a:prstGeom prst="straightConnector1">
+            <a:avLst/>
+          </a:prstGeom>
+          <a:ln>
+            <a:solidFill>
+              <a:schemeClr val="tx1"/>
+            </a:solidFill>
+            <a:tailEnd type="triangle"/>
+          </a:ln>
+        </p:spPr>
+        <p:style>
+          <a:lnRef idx="1">
+            <a:schemeClr val="accent1"/>
+          </a:lnRef>
+          <a:fillRef idx="0">
+            <a:schemeClr val="accent1"/>
+          </a:fillRef>
+          <a:effectRef idx="0">
+            <a:schemeClr val="accent1"/>
+          </a:effectRef>
+          <a:fontRef idx="minor">
+            <a:schemeClr val="tx1"/>
+          </a:fontRef>
+        </p:style>
+      </p:cxnSp>
+      <p:cxnSp>
+        <p:nvCxnSpPr>
+          <p:cNvPr id="97" name="직선 화살표 연결선 96">
+            <a:extLst>
+              <a:ext uri="{FF2B5EF4-FFF2-40B4-BE49-F238E27FC236}">
+                <a16:creationId xmlns:a16="http://schemas.microsoft.com/office/drawing/2014/main" id="{768C6538-7286-4B95-9298-F9B59DC76D2A}"/>
+              </a:ext>
+            </a:extLst>
+          </p:cNvPr>
+          <p:cNvCxnSpPr/>
+          <p:nvPr/>
+        </p:nvCxnSpPr>
+        <p:spPr>
+          <a:xfrm>
+            <a:off x="7669516" y="1803916"/>
+            <a:ext cx="0" cy="418584"/>
+          </a:xfrm>
+          <a:prstGeom prst="straightConnector1">
+            <a:avLst/>
+          </a:prstGeom>
+          <a:ln>
+            <a:solidFill>
+              <a:schemeClr val="tx1"/>
+            </a:solidFill>
+            <a:tailEnd type="triangle"/>
+          </a:ln>
+        </p:spPr>
+        <p:style>
+          <a:lnRef idx="1">
+            <a:schemeClr val="accent1"/>
+          </a:lnRef>
+          <a:fillRef idx="0">
+            <a:schemeClr val="accent1"/>
+          </a:fillRef>
+          <a:effectRef idx="0">
+            <a:schemeClr val="accent1"/>
+          </a:effectRef>
+          <a:fontRef idx="minor">
+            <a:schemeClr val="tx1"/>
+          </a:fontRef>
+        </p:style>
+      </p:cxnSp>
+      <p:cxnSp>
+        <p:nvCxnSpPr>
+          <p:cNvPr id="98" name="직선 화살표 연결선 97">
+            <a:extLst>
+              <a:ext uri="{FF2B5EF4-FFF2-40B4-BE49-F238E27FC236}">
+                <a16:creationId xmlns:a16="http://schemas.microsoft.com/office/drawing/2014/main" id="{632EB243-E021-4971-9880-2CE744AB5E83}"/>
+              </a:ext>
+            </a:extLst>
+          </p:cNvPr>
+          <p:cNvCxnSpPr/>
+          <p:nvPr/>
+        </p:nvCxnSpPr>
+        <p:spPr>
+          <a:xfrm>
+            <a:off x="10586075" y="1803916"/>
+            <a:ext cx="0" cy="418584"/>
+          </a:xfrm>
+          <a:prstGeom prst="straightConnector1">
+            <a:avLst/>
+          </a:prstGeom>
+          <a:ln>
+            <a:solidFill>
+              <a:schemeClr val="tx1"/>
+            </a:solidFill>
+            <a:tailEnd type="triangle"/>
+          </a:ln>
+        </p:spPr>
+        <p:style>
+          <a:lnRef idx="1">
+            <a:schemeClr val="accent1"/>
+          </a:lnRef>
+          <a:fillRef idx="0">
+            <a:schemeClr val="accent1"/>
+          </a:fillRef>
+          <a:effectRef idx="0">
+            <a:schemeClr val="accent1"/>
+          </a:effectRef>
+          <a:fontRef idx="minor">
+            <a:schemeClr val="tx1"/>
+          </a:fontRef>
+        </p:style>
+      </p:cxnSp>
+      <p:pic>
+        <p:nvPicPr>
+          <p:cNvPr id="100" name="그림 99">
+            <a:extLst>
+              <a:ext uri="{FF2B5EF4-FFF2-40B4-BE49-F238E27FC236}">
+                <a16:creationId xmlns:a16="http://schemas.microsoft.com/office/drawing/2014/main" id="{C3584953-AB5F-4B2A-BECF-BD302430D689}"/>
+              </a:ext>
+            </a:extLst>
+          </p:cNvPr>
+          <p:cNvPicPr>
+            <a:picLocks noChangeAspect="1"/>
+          </p:cNvPicPr>
+          <p:nvPr/>
+        </p:nvPicPr>
+        <p:blipFill>
+          <a:blip r:embed="rId3"/>
+          <a:stretch>
+            <a:fillRect/>
+          </a:stretch>
+        </p:blipFill>
+        <p:spPr>
+          <a:xfrm>
+            <a:off x="12162862" y="323850"/>
+            <a:ext cx="10766469" cy="6669602"/>
+          </a:xfrm>
+          <a:prstGeom prst="rect">
+            <a:avLst/>
+          </a:prstGeom>
+        </p:spPr>
+      </p:pic>
+    </p:spTree>
+    <p:extLst>
+      <p:ext uri="{BB962C8B-B14F-4D97-AF65-F5344CB8AC3E}">
+        <p14:creationId xmlns:p14="http://schemas.microsoft.com/office/powerpoint/2010/main" val="913134195"/>
       </p:ext>
     </p:extLst>
   </p:cSld>

--- a/docs/tutorial-opengl/assets/figures.pptx
+++ b/docs/tutorial-opengl/assets/figures.pptx
@@ -8,6 +8,7 @@
     <p:sldId id="256" r:id="rId2"/>
     <p:sldId id="257" r:id="rId3"/>
     <p:sldId id="258" r:id="rId4"/>
+    <p:sldId id="259" r:id="rId5"/>
   </p:sldIdLst>
   <p:sldSz cx="12192000" cy="6858000"/>
   <p:notesSz cx="6858000" cy="9144000"/>
@@ -263,7 +264,7 @@
           <a:p>
             <a:fld id="{5ED19601-7AAA-4ADB-9403-46F6CC5497EC}" type="datetimeFigureOut">
               <a:rPr lang="en-US" smtClean="0"/>
-              <a:t>6/26/2024</a:t>
+              <a:t>7/1/2024</a:t>
             </a:fld>
             <a:endParaRPr lang="en-US"/>
           </a:p>
@@ -463,7 +464,7 @@
           <a:p>
             <a:fld id="{5ED19601-7AAA-4ADB-9403-46F6CC5497EC}" type="datetimeFigureOut">
               <a:rPr lang="en-US" smtClean="0"/>
-              <a:t>6/26/2024</a:t>
+              <a:t>7/1/2024</a:t>
             </a:fld>
             <a:endParaRPr lang="en-US"/>
           </a:p>
@@ -673,7 +674,7 @@
           <a:p>
             <a:fld id="{5ED19601-7AAA-4ADB-9403-46F6CC5497EC}" type="datetimeFigureOut">
               <a:rPr lang="en-US" smtClean="0"/>
-              <a:t>6/26/2024</a:t>
+              <a:t>7/1/2024</a:t>
             </a:fld>
             <a:endParaRPr lang="en-US"/>
           </a:p>
@@ -873,7 +874,7 @@
           <a:p>
             <a:fld id="{5ED19601-7AAA-4ADB-9403-46F6CC5497EC}" type="datetimeFigureOut">
               <a:rPr lang="en-US" smtClean="0"/>
-              <a:t>6/26/2024</a:t>
+              <a:t>7/1/2024</a:t>
             </a:fld>
             <a:endParaRPr lang="en-US"/>
           </a:p>
@@ -1149,7 +1150,7 @@
           <a:p>
             <a:fld id="{5ED19601-7AAA-4ADB-9403-46F6CC5497EC}" type="datetimeFigureOut">
               <a:rPr lang="en-US" smtClean="0"/>
-              <a:t>6/26/2024</a:t>
+              <a:t>7/1/2024</a:t>
             </a:fld>
             <a:endParaRPr lang="en-US"/>
           </a:p>
@@ -1417,7 +1418,7 @@
           <a:p>
             <a:fld id="{5ED19601-7AAA-4ADB-9403-46F6CC5497EC}" type="datetimeFigureOut">
               <a:rPr lang="en-US" smtClean="0"/>
-              <a:t>6/26/2024</a:t>
+              <a:t>7/1/2024</a:t>
             </a:fld>
             <a:endParaRPr lang="en-US"/>
           </a:p>
@@ -1832,7 +1833,7 @@
           <a:p>
             <a:fld id="{5ED19601-7AAA-4ADB-9403-46F6CC5497EC}" type="datetimeFigureOut">
               <a:rPr lang="en-US" smtClean="0"/>
-              <a:t>6/26/2024</a:t>
+              <a:t>7/1/2024</a:t>
             </a:fld>
             <a:endParaRPr lang="en-US"/>
           </a:p>
@@ -1974,7 +1975,7 @@
           <a:p>
             <a:fld id="{5ED19601-7AAA-4ADB-9403-46F6CC5497EC}" type="datetimeFigureOut">
               <a:rPr lang="en-US" smtClean="0"/>
-              <a:t>6/26/2024</a:t>
+              <a:t>7/1/2024</a:t>
             </a:fld>
             <a:endParaRPr lang="en-US"/>
           </a:p>
@@ -2087,7 +2088,7 @@
           <a:p>
             <a:fld id="{5ED19601-7AAA-4ADB-9403-46F6CC5497EC}" type="datetimeFigureOut">
               <a:rPr lang="en-US" smtClean="0"/>
-              <a:t>6/26/2024</a:t>
+              <a:t>7/1/2024</a:t>
             </a:fld>
             <a:endParaRPr lang="en-US"/>
           </a:p>
@@ -2400,7 +2401,7 @@
           <a:p>
             <a:fld id="{5ED19601-7AAA-4ADB-9403-46F6CC5497EC}" type="datetimeFigureOut">
               <a:rPr lang="en-US" smtClean="0"/>
-              <a:t>6/26/2024</a:t>
+              <a:t>7/1/2024</a:t>
             </a:fld>
             <a:endParaRPr lang="en-US"/>
           </a:p>
@@ -2689,7 +2690,7 @@
           <a:p>
             <a:fld id="{5ED19601-7AAA-4ADB-9403-46F6CC5497EC}" type="datetimeFigureOut">
               <a:rPr lang="en-US" smtClean="0"/>
-              <a:t>6/26/2024</a:t>
+              <a:t>7/1/2024</a:t>
             </a:fld>
             <a:endParaRPr lang="en-US"/>
           </a:p>
@@ -2932,7 +2933,7 @@
           <a:p>
             <a:fld id="{5ED19601-7AAA-4ADB-9403-46F6CC5497EC}" type="datetimeFigureOut">
               <a:rPr lang="en-US" smtClean="0"/>
-              <a:t>6/26/2024</a:t>
+              <a:t>7/1/2024</a:t>
             </a:fld>
             <a:endParaRPr lang="en-US"/>
           </a:p>
@@ -9465,6 +9466,2943 @@
 </p:sld>
 </file>
 
+<file path=ppt/slides/slide4.xml><?xml version="1.0" encoding="utf-8"?>
+<p:sld xmlns:a="http://schemas.openxmlformats.org/drawingml/2006/main" xmlns:r="http://schemas.openxmlformats.org/officeDocument/2006/relationships" xmlns:p="http://schemas.openxmlformats.org/presentationml/2006/main">
+  <p:cSld>
+    <p:spTree>
+      <p:nvGrpSpPr>
+        <p:cNvPr id="1" name=""/>
+        <p:cNvGrpSpPr/>
+        <p:nvPr/>
+      </p:nvGrpSpPr>
+      <p:grpSpPr>
+        <a:xfrm>
+          <a:off x="0" y="0"/>
+          <a:ext cx="0" cy="0"/>
+          <a:chOff x="0" y="0"/>
+          <a:chExt cx="0" cy="0"/>
+        </a:xfrm>
+      </p:grpSpPr>
+      <p:sp>
+        <p:nvSpPr>
+          <p:cNvPr id="23" name="직사각형 22">
+            <a:extLst>
+              <a:ext uri="{FF2B5EF4-FFF2-40B4-BE49-F238E27FC236}">
+                <a16:creationId xmlns:a16="http://schemas.microsoft.com/office/drawing/2014/main" id="{465D986A-9964-4ECA-B78A-9DF90B71F6D5}"/>
+              </a:ext>
+            </a:extLst>
+          </p:cNvPr>
+          <p:cNvSpPr/>
+          <p:nvPr/>
+        </p:nvSpPr>
+        <p:spPr>
+          <a:xfrm>
+            <a:off x="3238501" y="63500"/>
+            <a:ext cx="8829674" cy="6655315"/>
+          </a:xfrm>
+          <a:prstGeom prst="rect">
+            <a:avLst/>
+          </a:prstGeom>
+          <a:noFill/>
+        </p:spPr>
+        <p:style>
+          <a:lnRef idx="2">
+            <a:schemeClr val="dk1"/>
+          </a:lnRef>
+          <a:fillRef idx="1">
+            <a:schemeClr val="lt1"/>
+          </a:fillRef>
+          <a:effectRef idx="0">
+            <a:schemeClr val="dk1"/>
+          </a:effectRef>
+          <a:fontRef idx="minor">
+            <a:schemeClr val="dk1"/>
+          </a:fontRef>
+        </p:style>
+        <p:txBody>
+          <a:bodyPr rtlCol="0" anchor="ctr"/>
+          <a:lstStyle/>
+          <a:p>
+            <a:pPr algn="ctr"/>
+            <a:endParaRPr lang="en-US"/>
+          </a:p>
+        </p:txBody>
+      </p:sp>
+      <p:sp>
+        <p:nvSpPr>
+          <p:cNvPr id="5" name="직사각형 4">
+            <a:extLst>
+              <a:ext uri="{FF2B5EF4-FFF2-40B4-BE49-F238E27FC236}">
+                <a16:creationId xmlns:a16="http://schemas.microsoft.com/office/drawing/2014/main" id="{20ECB374-C1B1-453B-A1D6-E7697E95B350}"/>
+              </a:ext>
+            </a:extLst>
+          </p:cNvPr>
+          <p:cNvSpPr/>
+          <p:nvPr/>
+        </p:nvSpPr>
+        <p:spPr>
+          <a:xfrm>
+            <a:off x="5085550" y="139184"/>
+            <a:ext cx="5123518" cy="369332"/>
+          </a:xfrm>
+          <a:prstGeom prst="rect">
+            <a:avLst/>
+          </a:prstGeom>
+        </p:spPr>
+        <p:txBody>
+          <a:bodyPr wrap="none">
+            <a:spAutoFit/>
+          </a:bodyPr>
+          <a:lstStyle/>
+          <a:p>
+            <a:r>
+              <a:rPr lang="en-US" dirty="0">
+                <a:solidFill>
+                  <a:srgbClr val="CE9178"/>
+                </a:solidFill>
+                <a:latin typeface="Consolas" panose="020B0609020204030204" pitchFamily="49" charset="0"/>
+              </a:rPr>
+              <a:t>[-0.5f, -0.5f, 0.0f, 0.5f, 0.5f, -0.5f]</a:t>
+            </a:r>
+            <a:endParaRPr lang="en-US" b="0" dirty="0">
+              <a:solidFill>
+                <a:srgbClr val="CCCCCC"/>
+              </a:solidFill>
+              <a:effectLst/>
+              <a:latin typeface="Consolas" panose="020B0609020204030204" pitchFamily="49" charset="0"/>
+            </a:endParaRPr>
+          </a:p>
+        </p:txBody>
+      </p:sp>
+      <p:cxnSp>
+        <p:nvCxnSpPr>
+          <p:cNvPr id="7" name="직선 화살표 연결선 6">
+            <a:extLst>
+              <a:ext uri="{FF2B5EF4-FFF2-40B4-BE49-F238E27FC236}">
+                <a16:creationId xmlns:a16="http://schemas.microsoft.com/office/drawing/2014/main" id="{C580C426-503A-4FE0-850E-64550886D802}"/>
+              </a:ext>
+            </a:extLst>
+          </p:cNvPr>
+          <p:cNvCxnSpPr>
+            <a:cxnSpLocks/>
+            <a:stCxn id="5" idx="2"/>
+            <a:endCxn id="8" idx="0"/>
+          </p:cNvCxnSpPr>
+          <p:nvPr/>
+        </p:nvCxnSpPr>
+        <p:spPr>
+          <a:xfrm>
+            <a:off x="7647309" y="508516"/>
+            <a:ext cx="0" cy="241721"/>
+          </a:xfrm>
+          <a:prstGeom prst="straightConnector1">
+            <a:avLst/>
+          </a:prstGeom>
+          <a:ln>
+            <a:solidFill>
+              <a:schemeClr val="tx1"/>
+            </a:solidFill>
+            <a:tailEnd type="triangle"/>
+          </a:ln>
+        </p:spPr>
+        <p:style>
+          <a:lnRef idx="1">
+            <a:schemeClr val="accent1"/>
+          </a:lnRef>
+          <a:fillRef idx="0">
+            <a:schemeClr val="accent1"/>
+          </a:fillRef>
+          <a:effectRef idx="0">
+            <a:schemeClr val="accent1"/>
+          </a:effectRef>
+          <a:fontRef idx="minor">
+            <a:schemeClr val="tx1"/>
+          </a:fontRef>
+        </p:style>
+      </p:cxnSp>
+      <p:sp>
+        <p:nvSpPr>
+          <p:cNvPr id="8" name="직사각형 7">
+            <a:extLst>
+              <a:ext uri="{FF2B5EF4-FFF2-40B4-BE49-F238E27FC236}">
+                <a16:creationId xmlns:a16="http://schemas.microsoft.com/office/drawing/2014/main" id="{EF9670DD-78AB-4E2F-822F-88B0D49E65A8}"/>
+              </a:ext>
+            </a:extLst>
+          </p:cNvPr>
+          <p:cNvSpPr/>
+          <p:nvPr/>
+        </p:nvSpPr>
+        <p:spPr>
+          <a:xfrm>
+            <a:off x="6423793" y="750237"/>
+            <a:ext cx="2447032" cy="362139"/>
+          </a:xfrm>
+          <a:prstGeom prst="rect">
+            <a:avLst/>
+          </a:prstGeom>
+          <a:noFill/>
+        </p:spPr>
+        <p:style>
+          <a:lnRef idx="2">
+            <a:schemeClr val="dk1"/>
+          </a:lnRef>
+          <a:fillRef idx="1">
+            <a:schemeClr val="lt1"/>
+          </a:fillRef>
+          <a:effectRef idx="0">
+            <a:schemeClr val="dk1"/>
+          </a:effectRef>
+          <a:fontRef idx="minor">
+            <a:schemeClr val="dk1"/>
+          </a:fontRef>
+        </p:style>
+        <p:txBody>
+          <a:bodyPr rtlCol="0" anchor="ctr"/>
+          <a:lstStyle/>
+          <a:p>
+            <a:pPr algn="ctr"/>
+            <a:r>
+              <a:rPr lang="en-US" dirty="0" err="1"/>
+              <a:t>glVertexAttribPointer</a:t>
+            </a:r>
+            <a:r>
+              <a:rPr lang="en-US" dirty="0"/>
+              <a:t>()</a:t>
+            </a:r>
+          </a:p>
+        </p:txBody>
+      </p:sp>
+      <p:sp>
+        <p:nvSpPr>
+          <p:cNvPr id="11" name="직사각형 10">
+            <a:extLst>
+              <a:ext uri="{FF2B5EF4-FFF2-40B4-BE49-F238E27FC236}">
+                <a16:creationId xmlns:a16="http://schemas.microsoft.com/office/drawing/2014/main" id="{38659F5C-186D-40A0-A63F-ACC421097198}"/>
+              </a:ext>
+            </a:extLst>
+          </p:cNvPr>
+          <p:cNvSpPr/>
+          <p:nvPr/>
+        </p:nvSpPr>
+        <p:spPr>
+          <a:xfrm>
+            <a:off x="3774163" y="1434584"/>
+            <a:ext cx="1957587" cy="369332"/>
+          </a:xfrm>
+          <a:prstGeom prst="rect">
+            <a:avLst/>
+          </a:prstGeom>
+        </p:spPr>
+        <p:txBody>
+          <a:bodyPr wrap="none">
+            <a:spAutoFit/>
+          </a:bodyPr>
+          <a:lstStyle/>
+          <a:p>
+            <a:r>
+              <a:rPr lang="en-US" dirty="0">
+                <a:solidFill>
+                  <a:srgbClr val="CE9178"/>
+                </a:solidFill>
+                <a:latin typeface="Consolas" panose="020B0609020204030204" pitchFamily="49" charset="0"/>
+              </a:rPr>
+              <a:t>(-0.5f, -0.5f)</a:t>
+            </a:r>
+            <a:endParaRPr lang="en-US" b="0" dirty="0">
+              <a:solidFill>
+                <a:srgbClr val="CCCCCC"/>
+              </a:solidFill>
+              <a:effectLst/>
+              <a:latin typeface="Consolas" panose="020B0609020204030204" pitchFamily="49" charset="0"/>
+            </a:endParaRPr>
+          </a:p>
+        </p:txBody>
+      </p:sp>
+      <p:sp>
+        <p:nvSpPr>
+          <p:cNvPr id="12" name="직사각형 11">
+            <a:extLst>
+              <a:ext uri="{FF2B5EF4-FFF2-40B4-BE49-F238E27FC236}">
+                <a16:creationId xmlns:a16="http://schemas.microsoft.com/office/drawing/2014/main" id="{0A08EF3C-FC05-4CD5-8615-45A601304633}"/>
+              </a:ext>
+            </a:extLst>
+          </p:cNvPr>
+          <p:cNvSpPr/>
+          <p:nvPr/>
+        </p:nvSpPr>
+        <p:spPr>
+          <a:xfrm>
+            <a:off x="6795152" y="1434584"/>
+            <a:ext cx="1704313" cy="369332"/>
+          </a:xfrm>
+          <a:prstGeom prst="rect">
+            <a:avLst/>
+          </a:prstGeom>
+        </p:spPr>
+        <p:txBody>
+          <a:bodyPr wrap="none">
+            <a:spAutoFit/>
+          </a:bodyPr>
+          <a:lstStyle/>
+          <a:p>
+            <a:r>
+              <a:rPr lang="en-US" dirty="0">
+                <a:solidFill>
+                  <a:srgbClr val="CE9178"/>
+                </a:solidFill>
+                <a:latin typeface="Consolas" panose="020B0609020204030204" pitchFamily="49" charset="0"/>
+              </a:rPr>
+              <a:t>(0.0f, 0.5f)</a:t>
+            </a:r>
+            <a:endParaRPr lang="en-US" dirty="0">
+              <a:solidFill>
+                <a:srgbClr val="CCCCCC"/>
+              </a:solidFill>
+              <a:latin typeface="Consolas" panose="020B0609020204030204" pitchFamily="49" charset="0"/>
+            </a:endParaRPr>
+          </a:p>
+        </p:txBody>
+      </p:sp>
+      <p:sp>
+        <p:nvSpPr>
+          <p:cNvPr id="13" name="직사각형 12">
+            <a:extLst>
+              <a:ext uri="{FF2B5EF4-FFF2-40B4-BE49-F238E27FC236}">
+                <a16:creationId xmlns:a16="http://schemas.microsoft.com/office/drawing/2014/main" id="{573E79C5-0D30-4BC2-954A-808D057526E6}"/>
+              </a:ext>
+            </a:extLst>
+          </p:cNvPr>
+          <p:cNvSpPr/>
+          <p:nvPr/>
+        </p:nvSpPr>
+        <p:spPr>
+          <a:xfrm>
+            <a:off x="9642167" y="1434584"/>
+            <a:ext cx="1830950" cy="369332"/>
+          </a:xfrm>
+          <a:prstGeom prst="rect">
+            <a:avLst/>
+          </a:prstGeom>
+        </p:spPr>
+        <p:txBody>
+          <a:bodyPr wrap="none">
+            <a:spAutoFit/>
+          </a:bodyPr>
+          <a:lstStyle/>
+          <a:p>
+            <a:r>
+              <a:rPr lang="en-US" dirty="0">
+                <a:solidFill>
+                  <a:srgbClr val="CE9178"/>
+                </a:solidFill>
+                <a:latin typeface="Consolas" panose="020B0609020204030204" pitchFamily="49" charset="0"/>
+              </a:rPr>
+              <a:t>(0.5f, -0.5f)</a:t>
+            </a:r>
+            <a:endParaRPr lang="en-US" dirty="0">
+              <a:solidFill>
+                <a:srgbClr val="CCCCCC"/>
+              </a:solidFill>
+              <a:latin typeface="Consolas" panose="020B0609020204030204" pitchFamily="49" charset="0"/>
+            </a:endParaRPr>
+          </a:p>
+        </p:txBody>
+      </p:sp>
+      <p:cxnSp>
+        <p:nvCxnSpPr>
+          <p:cNvPr id="15" name="연결선: 꺾임 14">
+            <a:extLst>
+              <a:ext uri="{FF2B5EF4-FFF2-40B4-BE49-F238E27FC236}">
+                <a16:creationId xmlns:a16="http://schemas.microsoft.com/office/drawing/2014/main" id="{36E9CA42-F91F-45F1-AF70-35FB3A098C87}"/>
+              </a:ext>
+            </a:extLst>
+          </p:cNvPr>
+          <p:cNvCxnSpPr>
+            <a:stCxn id="8" idx="2"/>
+            <a:endCxn id="11" idx="0"/>
+          </p:cNvCxnSpPr>
+          <p:nvPr/>
+        </p:nvCxnSpPr>
+        <p:spPr>
+          <a:xfrm rot="5400000">
+            <a:off x="6039029" y="-173696"/>
+            <a:ext cx="322208" cy="2894352"/>
+          </a:xfrm>
+          <a:prstGeom prst="bentConnector3">
+            <a:avLst/>
+          </a:prstGeom>
+          <a:ln>
+            <a:solidFill>
+              <a:schemeClr val="tx1"/>
+            </a:solidFill>
+            <a:tailEnd type="triangle"/>
+          </a:ln>
+        </p:spPr>
+        <p:style>
+          <a:lnRef idx="1">
+            <a:schemeClr val="accent1"/>
+          </a:lnRef>
+          <a:fillRef idx="0">
+            <a:schemeClr val="accent1"/>
+          </a:fillRef>
+          <a:effectRef idx="0">
+            <a:schemeClr val="accent1"/>
+          </a:effectRef>
+          <a:fontRef idx="minor">
+            <a:schemeClr val="tx1"/>
+          </a:fontRef>
+        </p:style>
+      </p:cxnSp>
+      <p:cxnSp>
+        <p:nvCxnSpPr>
+          <p:cNvPr id="17" name="연결선: 꺾임 16">
+            <a:extLst>
+              <a:ext uri="{FF2B5EF4-FFF2-40B4-BE49-F238E27FC236}">
+                <a16:creationId xmlns:a16="http://schemas.microsoft.com/office/drawing/2014/main" id="{13ED8C3F-A9D2-4921-B5DC-F60344899EB0}"/>
+              </a:ext>
+            </a:extLst>
+          </p:cNvPr>
+          <p:cNvCxnSpPr>
+            <a:cxnSpLocks/>
+            <a:stCxn id="8" idx="2"/>
+            <a:endCxn id="12" idx="0"/>
+          </p:cNvCxnSpPr>
+          <p:nvPr/>
+        </p:nvCxnSpPr>
+        <p:spPr>
+          <a:xfrm rot="5400000">
+            <a:off x="7486205" y="1273480"/>
+            <a:ext cx="322208" cy="12700"/>
+          </a:xfrm>
+          <a:prstGeom prst="bentConnector3">
+            <a:avLst>
+              <a:gd name="adj1" fmla="val 50000"/>
+            </a:avLst>
+          </a:prstGeom>
+          <a:ln>
+            <a:solidFill>
+              <a:schemeClr val="tx1"/>
+            </a:solidFill>
+            <a:tailEnd type="triangle"/>
+          </a:ln>
+        </p:spPr>
+        <p:style>
+          <a:lnRef idx="1">
+            <a:schemeClr val="accent1"/>
+          </a:lnRef>
+          <a:fillRef idx="0">
+            <a:schemeClr val="accent1"/>
+          </a:fillRef>
+          <a:effectRef idx="0">
+            <a:schemeClr val="accent1"/>
+          </a:effectRef>
+          <a:fontRef idx="minor">
+            <a:schemeClr val="tx1"/>
+          </a:fontRef>
+        </p:style>
+      </p:cxnSp>
+      <p:cxnSp>
+        <p:nvCxnSpPr>
+          <p:cNvPr id="20" name="연결선: 꺾임 19">
+            <a:extLst>
+              <a:ext uri="{FF2B5EF4-FFF2-40B4-BE49-F238E27FC236}">
+                <a16:creationId xmlns:a16="http://schemas.microsoft.com/office/drawing/2014/main" id="{A0D41A04-3C9D-4F9B-8E94-AA81AD275093}"/>
+              </a:ext>
+            </a:extLst>
+          </p:cNvPr>
+          <p:cNvCxnSpPr>
+            <a:cxnSpLocks/>
+            <a:stCxn id="8" idx="2"/>
+            <a:endCxn id="13" idx="0"/>
+          </p:cNvCxnSpPr>
+          <p:nvPr/>
+        </p:nvCxnSpPr>
+        <p:spPr>
+          <a:xfrm rot="16200000" flipH="1">
+            <a:off x="8941371" y="-181687"/>
+            <a:ext cx="322208" cy="2910333"/>
+          </a:xfrm>
+          <a:prstGeom prst="bentConnector3">
+            <a:avLst>
+              <a:gd name="adj1" fmla="val 50000"/>
+            </a:avLst>
+          </a:prstGeom>
+          <a:ln>
+            <a:solidFill>
+              <a:schemeClr val="tx1"/>
+            </a:solidFill>
+            <a:tailEnd type="triangle"/>
+          </a:ln>
+        </p:spPr>
+        <p:style>
+          <a:lnRef idx="1">
+            <a:schemeClr val="accent1"/>
+          </a:lnRef>
+          <a:fillRef idx="0">
+            <a:schemeClr val="accent1"/>
+          </a:fillRef>
+          <a:effectRef idx="0">
+            <a:schemeClr val="accent1"/>
+          </a:effectRef>
+          <a:fontRef idx="minor">
+            <a:schemeClr val="tx1"/>
+          </a:fontRef>
+        </p:style>
+      </p:cxnSp>
+      <p:pic>
+        <p:nvPicPr>
+          <p:cNvPr id="1026" name="Picture 2" descr="https://enccs.github.io/gpu-programming/_images/THREAD_CORE.png">
+            <a:extLst>
+              <a:ext uri="{FF2B5EF4-FFF2-40B4-BE49-F238E27FC236}">
+                <a16:creationId xmlns:a16="http://schemas.microsoft.com/office/drawing/2014/main" id="{27227CAF-AF0E-4F8A-95A5-3D451B3FEB54}"/>
+              </a:ext>
+            </a:extLst>
+          </p:cNvPr>
+          <p:cNvPicPr>
+            <a:picLocks noChangeAspect="1" noChangeArrowheads="1"/>
+          </p:cNvPicPr>
+          <p:nvPr/>
+        </p:nvPicPr>
+        <p:blipFill rotWithShape="1">
+          <a:blip r:embed="rId2">
+            <a:extLst>
+              <a:ext uri="{28A0092B-C50C-407E-A947-70E740481C1C}">
+                <a14:useLocalDpi xmlns:a14="http://schemas.microsoft.com/office/drawing/2010/main" val="0"/>
+              </a:ext>
+            </a:extLst>
+          </a:blip>
+          <a:srcRect l="10253" r="80946" b="28562"/>
+          <a:stretch/>
+        </p:blipFill>
+        <p:spPr bwMode="auto">
+          <a:xfrm>
+            <a:off x="3879242" y="2566511"/>
+            <a:ext cx="706104" cy="2382837"/>
+          </a:xfrm>
+          <a:prstGeom prst="rect">
+            <a:avLst/>
+          </a:prstGeom>
+          <a:noFill/>
+          <a:extLst>
+            <a:ext uri="{909E8E84-426E-40DD-AFC4-6F175D3DCCD1}">
+              <a14:hiddenFill xmlns:a14="http://schemas.microsoft.com/office/drawing/2010/main">
+                <a:solidFill>
+                  <a:srgbClr val="FFFFFF"/>
+                </a:solidFill>
+              </a14:hiddenFill>
+            </a:ext>
+          </a:extLst>
+        </p:spPr>
+      </p:pic>
+      <p:pic>
+        <p:nvPicPr>
+          <p:cNvPr id="35" name="Picture 2" descr="https://enccs.github.io/gpu-programming/_images/THREAD_CORE.png">
+            <a:extLst>
+              <a:ext uri="{FF2B5EF4-FFF2-40B4-BE49-F238E27FC236}">
+                <a16:creationId xmlns:a16="http://schemas.microsoft.com/office/drawing/2014/main" id="{C1E0BC9D-232F-4BB7-8A39-80643D453C82}"/>
+              </a:ext>
+            </a:extLst>
+          </p:cNvPr>
+          <p:cNvPicPr>
+            <a:picLocks noChangeAspect="1" noChangeArrowheads="1"/>
+          </p:cNvPicPr>
+          <p:nvPr/>
+        </p:nvPicPr>
+        <p:blipFill rotWithShape="1">
+          <a:blip r:embed="rId2">
+            <a:extLst>
+              <a:ext uri="{28A0092B-C50C-407E-A947-70E740481C1C}">
+                <a14:useLocalDpi xmlns:a14="http://schemas.microsoft.com/office/drawing/2010/main" val="0"/>
+              </a:ext>
+            </a:extLst>
+          </a:blip>
+          <a:srcRect l="10253" r="80946" b="28562"/>
+          <a:stretch/>
+        </p:blipFill>
+        <p:spPr bwMode="auto">
+          <a:xfrm>
+            <a:off x="6899041" y="2566510"/>
+            <a:ext cx="706104" cy="2382837"/>
+          </a:xfrm>
+          <a:prstGeom prst="rect">
+            <a:avLst/>
+          </a:prstGeom>
+          <a:noFill/>
+          <a:extLst>
+            <a:ext uri="{909E8E84-426E-40DD-AFC4-6F175D3DCCD1}">
+              <a14:hiddenFill xmlns:a14="http://schemas.microsoft.com/office/drawing/2010/main">
+                <a:solidFill>
+                  <a:srgbClr val="FFFFFF"/>
+                </a:solidFill>
+              </a14:hiddenFill>
+            </a:ext>
+          </a:extLst>
+        </p:spPr>
+      </p:pic>
+      <p:pic>
+        <p:nvPicPr>
+          <p:cNvPr id="36" name="Picture 2" descr="https://enccs.github.io/gpu-programming/_images/THREAD_CORE.png">
+            <a:extLst>
+              <a:ext uri="{FF2B5EF4-FFF2-40B4-BE49-F238E27FC236}">
+                <a16:creationId xmlns:a16="http://schemas.microsoft.com/office/drawing/2014/main" id="{C79EF2DE-CD95-4494-B75F-3E16A6C0590F}"/>
+              </a:ext>
+            </a:extLst>
+          </p:cNvPr>
+          <p:cNvPicPr>
+            <a:picLocks noChangeAspect="1" noChangeArrowheads="1"/>
+          </p:cNvPicPr>
+          <p:nvPr/>
+        </p:nvPicPr>
+        <p:blipFill rotWithShape="1">
+          <a:blip r:embed="rId2">
+            <a:extLst>
+              <a:ext uri="{28A0092B-C50C-407E-A947-70E740481C1C}">
+                <a14:useLocalDpi xmlns:a14="http://schemas.microsoft.com/office/drawing/2010/main" val="0"/>
+              </a:ext>
+            </a:extLst>
+          </a:blip>
+          <a:srcRect l="10253" r="80946" b="28562"/>
+          <a:stretch/>
+        </p:blipFill>
+        <p:spPr bwMode="auto">
+          <a:xfrm>
+            <a:off x="9918840" y="2566509"/>
+            <a:ext cx="706104" cy="2382837"/>
+          </a:xfrm>
+          <a:prstGeom prst="rect">
+            <a:avLst/>
+          </a:prstGeom>
+          <a:noFill/>
+          <a:extLst>
+            <a:ext uri="{909E8E84-426E-40DD-AFC4-6F175D3DCCD1}">
+              <a14:hiddenFill xmlns:a14="http://schemas.microsoft.com/office/drawing/2010/main">
+                <a:solidFill>
+                  <a:srgbClr val="FFFFFF"/>
+                </a:solidFill>
+              </a14:hiddenFill>
+            </a:ext>
+          </a:extLst>
+        </p:spPr>
+      </p:pic>
+      <p:sp>
+        <p:nvSpPr>
+          <p:cNvPr id="25" name="직사각형 24">
+            <a:extLst>
+              <a:ext uri="{FF2B5EF4-FFF2-40B4-BE49-F238E27FC236}">
+                <a16:creationId xmlns:a16="http://schemas.microsoft.com/office/drawing/2014/main" id="{B8770EB3-691C-4B3B-B695-76DC32F71B09}"/>
+              </a:ext>
+            </a:extLst>
+          </p:cNvPr>
+          <p:cNvSpPr/>
+          <p:nvPr/>
+        </p:nvSpPr>
+        <p:spPr>
+          <a:xfrm>
+            <a:off x="3325118" y="2912168"/>
+            <a:ext cx="2823716" cy="1569660"/>
+          </a:xfrm>
+          <a:prstGeom prst="rect">
+            <a:avLst/>
+          </a:prstGeom>
+          <a:solidFill>
+            <a:schemeClr val="bg1"/>
+          </a:solidFill>
+          <a:ln>
+            <a:solidFill>
+              <a:schemeClr val="tx1"/>
+            </a:solidFill>
+          </a:ln>
+        </p:spPr>
+        <p:txBody>
+          <a:bodyPr wrap="square">
+            <a:spAutoFit/>
+          </a:bodyPr>
+          <a:lstStyle/>
+          <a:p>
+            <a:r>
+              <a:rPr lang="fr-FR" sz="1200" dirty="0">
+                <a:latin typeface="Consolas" panose="020B0609020204030204" pitchFamily="49" charset="0"/>
+              </a:rPr>
+              <a:t>#version 330 core</a:t>
+            </a:r>
+          </a:p>
+          <a:p>
+            <a:r>
+              <a:rPr lang="fr-FR" sz="1200" b="1" dirty="0">
+                <a:solidFill>
+                  <a:srgbClr val="FF0000"/>
+                </a:solidFill>
+                <a:latin typeface="Consolas" panose="020B0609020204030204" pitchFamily="49" charset="0"/>
+              </a:rPr>
+              <a:t>vec4 position = (-0.5,-0.5,0,0)</a:t>
+            </a:r>
+          </a:p>
+          <a:p>
+            <a:r>
+              <a:rPr lang="fr-FR" sz="1200" b="1" dirty="0">
+                <a:solidFill>
+                  <a:srgbClr val="0000FF"/>
+                </a:solidFill>
+                <a:latin typeface="Consolas" panose="020B0609020204030204" pitchFamily="49" charset="0"/>
+              </a:rPr>
+              <a:t>Vec4 u_offset = (0.5, 0.0, ...)</a:t>
+            </a:r>
+          </a:p>
+          <a:p>
+            <a:endParaRPr lang="fr-FR" sz="1200" b="1" dirty="0">
+              <a:solidFill>
+                <a:srgbClr val="FF0000"/>
+              </a:solidFill>
+              <a:latin typeface="Consolas" panose="020B0609020204030204" pitchFamily="49" charset="0"/>
+            </a:endParaRPr>
+          </a:p>
+          <a:p>
+            <a:r>
+              <a:rPr lang="fr-FR" sz="1200" dirty="0">
+                <a:latin typeface="Consolas" panose="020B0609020204030204" pitchFamily="49" charset="0"/>
+              </a:rPr>
+              <a:t>void main()</a:t>
+            </a:r>
+          </a:p>
+          <a:p>
+            <a:r>
+              <a:rPr lang="fr-FR" sz="1200" dirty="0">
+                <a:latin typeface="Consolas" panose="020B0609020204030204" pitchFamily="49" charset="0"/>
+              </a:rPr>
+              <a:t>{</a:t>
+            </a:r>
+          </a:p>
+          <a:p>
+            <a:r>
+              <a:rPr lang="fr-FR" sz="1200" dirty="0">
+                <a:latin typeface="Consolas" panose="020B0609020204030204" pitchFamily="49" charset="0"/>
+              </a:rPr>
+              <a:t>    gl_Position = position;</a:t>
+            </a:r>
+          </a:p>
+          <a:p>
+            <a:r>
+              <a:rPr lang="fr-FR" sz="1200" dirty="0">
+                <a:latin typeface="Consolas" panose="020B0609020204030204" pitchFamily="49" charset="0"/>
+              </a:rPr>
+              <a:t>}</a:t>
+            </a:r>
+            <a:endParaRPr lang="fr-FR" sz="1200" b="0" dirty="0">
+              <a:effectLst/>
+              <a:latin typeface="Consolas" panose="020B0609020204030204" pitchFamily="49" charset="0"/>
+            </a:endParaRPr>
+          </a:p>
+        </p:txBody>
+      </p:sp>
+      <p:sp>
+        <p:nvSpPr>
+          <p:cNvPr id="26" name="직사각형 25">
+            <a:extLst>
+              <a:ext uri="{FF2B5EF4-FFF2-40B4-BE49-F238E27FC236}">
+                <a16:creationId xmlns:a16="http://schemas.microsoft.com/office/drawing/2014/main" id="{7CA180E0-ECA5-4990-8CDB-61B3113AA797}"/>
+              </a:ext>
+            </a:extLst>
+          </p:cNvPr>
+          <p:cNvSpPr/>
+          <p:nvPr/>
+        </p:nvSpPr>
+        <p:spPr>
+          <a:xfrm>
+            <a:off x="6235451" y="2912167"/>
+            <a:ext cx="2823716" cy="1569660"/>
+          </a:xfrm>
+          <a:prstGeom prst="rect">
+            <a:avLst/>
+          </a:prstGeom>
+          <a:solidFill>
+            <a:schemeClr val="bg1"/>
+          </a:solidFill>
+          <a:ln>
+            <a:solidFill>
+              <a:schemeClr val="tx1"/>
+            </a:solidFill>
+          </a:ln>
+        </p:spPr>
+        <p:txBody>
+          <a:bodyPr wrap="square">
+            <a:spAutoFit/>
+          </a:bodyPr>
+          <a:lstStyle/>
+          <a:p>
+            <a:r>
+              <a:rPr lang="fr-FR" sz="1200" dirty="0">
+                <a:latin typeface="Consolas" panose="020B0609020204030204" pitchFamily="49" charset="0"/>
+              </a:rPr>
+              <a:t>#version 330 core</a:t>
+            </a:r>
+          </a:p>
+          <a:p>
+            <a:r>
+              <a:rPr lang="fr-FR" sz="1200" b="1" dirty="0">
+                <a:solidFill>
+                  <a:srgbClr val="FF0000"/>
+                </a:solidFill>
+                <a:latin typeface="Consolas" panose="020B0609020204030204" pitchFamily="49" charset="0"/>
+              </a:rPr>
+              <a:t>vec4 position = (0.0,0.5,0,0)</a:t>
+            </a:r>
+          </a:p>
+          <a:p>
+            <a:r>
+              <a:rPr lang="fr-FR" sz="1200" b="1" dirty="0">
+                <a:solidFill>
+                  <a:srgbClr val="0000FF"/>
+                </a:solidFill>
+                <a:latin typeface="Consolas" panose="020B0609020204030204" pitchFamily="49" charset="0"/>
+              </a:rPr>
+              <a:t>Vec4 u_offset = (0.5, 0.0, ...)</a:t>
+            </a:r>
+          </a:p>
+          <a:p>
+            <a:endParaRPr lang="fr-FR" sz="1200" b="1" dirty="0">
+              <a:solidFill>
+                <a:srgbClr val="FF0000"/>
+              </a:solidFill>
+              <a:latin typeface="Consolas" panose="020B0609020204030204" pitchFamily="49" charset="0"/>
+            </a:endParaRPr>
+          </a:p>
+          <a:p>
+            <a:r>
+              <a:rPr lang="fr-FR" sz="1200" dirty="0">
+                <a:latin typeface="Consolas" panose="020B0609020204030204" pitchFamily="49" charset="0"/>
+              </a:rPr>
+              <a:t>void main()</a:t>
+            </a:r>
+          </a:p>
+          <a:p>
+            <a:r>
+              <a:rPr lang="fr-FR" sz="1200" dirty="0">
+                <a:latin typeface="Consolas" panose="020B0609020204030204" pitchFamily="49" charset="0"/>
+              </a:rPr>
+              <a:t>{</a:t>
+            </a:r>
+          </a:p>
+          <a:p>
+            <a:r>
+              <a:rPr lang="fr-FR" sz="1200" dirty="0">
+                <a:latin typeface="Consolas" panose="020B0609020204030204" pitchFamily="49" charset="0"/>
+              </a:rPr>
+              <a:t>    gl_Position = position;</a:t>
+            </a:r>
+          </a:p>
+          <a:p>
+            <a:r>
+              <a:rPr lang="fr-FR" sz="1200" dirty="0">
+                <a:latin typeface="Consolas" panose="020B0609020204030204" pitchFamily="49" charset="0"/>
+              </a:rPr>
+              <a:t>}</a:t>
+            </a:r>
+            <a:endParaRPr lang="fr-FR" sz="1200" b="0" dirty="0">
+              <a:effectLst/>
+              <a:latin typeface="Consolas" panose="020B0609020204030204" pitchFamily="49" charset="0"/>
+            </a:endParaRPr>
+          </a:p>
+        </p:txBody>
+      </p:sp>
+      <p:sp>
+        <p:nvSpPr>
+          <p:cNvPr id="27" name="직사각형 26">
+            <a:extLst>
+              <a:ext uri="{FF2B5EF4-FFF2-40B4-BE49-F238E27FC236}">
+                <a16:creationId xmlns:a16="http://schemas.microsoft.com/office/drawing/2014/main" id="{2F282A19-1CFD-4AD4-854A-219D69AA17B1}"/>
+              </a:ext>
+            </a:extLst>
+          </p:cNvPr>
+          <p:cNvSpPr/>
+          <p:nvPr/>
+        </p:nvSpPr>
+        <p:spPr>
+          <a:xfrm>
+            <a:off x="9145784" y="2912167"/>
+            <a:ext cx="2823716" cy="1569660"/>
+          </a:xfrm>
+          <a:prstGeom prst="rect">
+            <a:avLst/>
+          </a:prstGeom>
+          <a:solidFill>
+            <a:schemeClr val="bg1"/>
+          </a:solidFill>
+          <a:ln>
+            <a:solidFill>
+              <a:schemeClr val="tx1"/>
+            </a:solidFill>
+          </a:ln>
+        </p:spPr>
+        <p:txBody>
+          <a:bodyPr wrap="square">
+            <a:spAutoFit/>
+          </a:bodyPr>
+          <a:lstStyle/>
+          <a:p>
+            <a:r>
+              <a:rPr lang="fr-FR" sz="1200" dirty="0">
+                <a:latin typeface="Consolas" panose="020B0609020204030204" pitchFamily="49" charset="0"/>
+              </a:rPr>
+              <a:t>#version 330 core</a:t>
+            </a:r>
+          </a:p>
+          <a:p>
+            <a:r>
+              <a:rPr lang="fr-FR" sz="1200" b="1" dirty="0">
+                <a:solidFill>
+                  <a:srgbClr val="FF0000"/>
+                </a:solidFill>
+                <a:latin typeface="Consolas" panose="020B0609020204030204" pitchFamily="49" charset="0"/>
+              </a:rPr>
+              <a:t>vec4 position = (0.5,-0.5,0,0)</a:t>
+            </a:r>
+          </a:p>
+          <a:p>
+            <a:r>
+              <a:rPr lang="fr-FR" sz="1200" b="1" dirty="0">
+                <a:solidFill>
+                  <a:srgbClr val="0000FF"/>
+                </a:solidFill>
+                <a:latin typeface="Consolas" panose="020B0609020204030204" pitchFamily="49" charset="0"/>
+              </a:rPr>
+              <a:t>Vec4 u_offset = (0.5, 0.0, ...)</a:t>
+            </a:r>
+          </a:p>
+          <a:p>
+            <a:endParaRPr lang="fr-FR" sz="1200" b="1" dirty="0">
+              <a:solidFill>
+                <a:srgbClr val="FF0000"/>
+              </a:solidFill>
+              <a:latin typeface="Consolas" panose="020B0609020204030204" pitchFamily="49" charset="0"/>
+            </a:endParaRPr>
+          </a:p>
+          <a:p>
+            <a:r>
+              <a:rPr lang="fr-FR" sz="1200" dirty="0">
+                <a:latin typeface="Consolas" panose="020B0609020204030204" pitchFamily="49" charset="0"/>
+              </a:rPr>
+              <a:t>void main()</a:t>
+            </a:r>
+          </a:p>
+          <a:p>
+            <a:r>
+              <a:rPr lang="fr-FR" sz="1200" dirty="0">
+                <a:latin typeface="Consolas" panose="020B0609020204030204" pitchFamily="49" charset="0"/>
+              </a:rPr>
+              <a:t>{</a:t>
+            </a:r>
+          </a:p>
+          <a:p>
+            <a:r>
+              <a:rPr lang="fr-FR" sz="1200" dirty="0">
+                <a:latin typeface="Consolas" panose="020B0609020204030204" pitchFamily="49" charset="0"/>
+              </a:rPr>
+              <a:t>    gl_Position = position;</a:t>
+            </a:r>
+          </a:p>
+          <a:p>
+            <a:r>
+              <a:rPr lang="fr-FR" sz="1200" dirty="0">
+                <a:latin typeface="Consolas" panose="020B0609020204030204" pitchFamily="49" charset="0"/>
+              </a:rPr>
+              <a:t>}</a:t>
+            </a:r>
+            <a:endParaRPr lang="fr-FR" sz="1200" b="0" dirty="0">
+              <a:effectLst/>
+              <a:latin typeface="Consolas" panose="020B0609020204030204" pitchFamily="49" charset="0"/>
+            </a:endParaRPr>
+          </a:p>
+        </p:txBody>
+      </p:sp>
+      <p:sp>
+        <p:nvSpPr>
+          <p:cNvPr id="34" name="TextBox 33">
+            <a:extLst>
+              <a:ext uri="{FF2B5EF4-FFF2-40B4-BE49-F238E27FC236}">
+                <a16:creationId xmlns:a16="http://schemas.microsoft.com/office/drawing/2014/main" id="{D4A31071-E237-4830-836A-5C5C9565DAFA}"/>
+              </a:ext>
+            </a:extLst>
+          </p:cNvPr>
+          <p:cNvSpPr txBox="1"/>
+          <p:nvPr/>
+        </p:nvSpPr>
+        <p:spPr>
+          <a:xfrm>
+            <a:off x="1657372" y="3327665"/>
+            <a:ext cx="1494512" cy="369332"/>
+          </a:xfrm>
+          <a:prstGeom prst="rect">
+            <a:avLst/>
+          </a:prstGeom>
+          <a:noFill/>
+        </p:spPr>
+        <p:txBody>
+          <a:bodyPr wrap="none" rtlCol="0">
+            <a:spAutoFit/>
+          </a:bodyPr>
+          <a:lstStyle/>
+          <a:p>
+            <a:r>
+              <a:rPr lang="en-US" dirty="0"/>
+              <a:t>Vertex Shader</a:t>
+            </a:r>
+          </a:p>
+        </p:txBody>
+      </p:sp>
+      <p:sp>
+        <p:nvSpPr>
+          <p:cNvPr id="38" name="TextBox 37">
+            <a:extLst>
+              <a:ext uri="{FF2B5EF4-FFF2-40B4-BE49-F238E27FC236}">
+                <a16:creationId xmlns:a16="http://schemas.microsoft.com/office/drawing/2014/main" id="{BF2CA381-55DD-448B-A27C-1DA97CE0A8A4}"/>
+              </a:ext>
+            </a:extLst>
+          </p:cNvPr>
+          <p:cNvSpPr txBox="1"/>
+          <p:nvPr/>
+        </p:nvSpPr>
+        <p:spPr>
+          <a:xfrm>
+            <a:off x="1361457" y="6008060"/>
+            <a:ext cx="1790427" cy="369332"/>
+          </a:xfrm>
+          <a:prstGeom prst="rect">
+            <a:avLst/>
+          </a:prstGeom>
+          <a:noFill/>
+        </p:spPr>
+        <p:txBody>
+          <a:bodyPr wrap="none" rtlCol="0">
+            <a:spAutoFit/>
+          </a:bodyPr>
+          <a:lstStyle/>
+          <a:p>
+            <a:r>
+              <a:rPr lang="en-US" dirty="0"/>
+              <a:t>Fragment Shader</a:t>
+            </a:r>
+          </a:p>
+        </p:txBody>
+      </p:sp>
+      <p:sp>
+        <p:nvSpPr>
+          <p:cNvPr id="37" name="직사각형 36">
+            <a:extLst>
+              <a:ext uri="{FF2B5EF4-FFF2-40B4-BE49-F238E27FC236}">
+                <a16:creationId xmlns:a16="http://schemas.microsoft.com/office/drawing/2014/main" id="{8A40C715-4844-4D28-A08F-746D6545DEC2}"/>
+              </a:ext>
+            </a:extLst>
+          </p:cNvPr>
+          <p:cNvSpPr/>
+          <p:nvPr/>
+        </p:nvSpPr>
+        <p:spPr>
+          <a:xfrm>
+            <a:off x="4105275" y="4949346"/>
+            <a:ext cx="6914885" cy="345657"/>
+          </a:xfrm>
+          <a:prstGeom prst="rect">
+            <a:avLst/>
+          </a:prstGeom>
+        </p:spPr>
+        <p:style>
+          <a:lnRef idx="2">
+            <a:schemeClr val="dk1"/>
+          </a:lnRef>
+          <a:fillRef idx="1">
+            <a:schemeClr val="lt1"/>
+          </a:fillRef>
+          <a:effectRef idx="0">
+            <a:schemeClr val="dk1"/>
+          </a:effectRef>
+          <a:fontRef idx="minor">
+            <a:schemeClr val="dk1"/>
+          </a:fontRef>
+        </p:style>
+        <p:txBody>
+          <a:bodyPr rtlCol="0" anchor="ctr"/>
+          <a:lstStyle/>
+          <a:p>
+            <a:pPr algn="ctr"/>
+            <a:r>
+              <a:rPr lang="en-US" dirty="0"/>
+              <a:t>Rasterize</a:t>
+            </a:r>
+          </a:p>
+        </p:txBody>
+      </p:sp>
+      <p:grpSp>
+        <p:nvGrpSpPr>
+          <p:cNvPr id="60" name="그룹 59">
+            <a:extLst>
+              <a:ext uri="{FF2B5EF4-FFF2-40B4-BE49-F238E27FC236}">
+                <a16:creationId xmlns:a16="http://schemas.microsoft.com/office/drawing/2014/main" id="{355A2FBB-E141-48CE-BAFA-D4A11FB76273}"/>
+              </a:ext>
+            </a:extLst>
+          </p:cNvPr>
+          <p:cNvGrpSpPr/>
+          <p:nvPr/>
+        </p:nvGrpSpPr>
+        <p:grpSpPr>
+          <a:xfrm>
+            <a:off x="4195701" y="5453052"/>
+            <a:ext cx="403225" cy="1009678"/>
+            <a:chOff x="4049033" y="5453052"/>
+            <a:chExt cx="403225" cy="1009678"/>
+          </a:xfrm>
+        </p:grpSpPr>
+        <p:pic>
+          <p:nvPicPr>
+            <p:cNvPr id="40" name="Picture 2" descr="https://enccs.github.io/gpu-programming/_images/THREAD_CORE.png">
+              <a:extLst>
+                <a:ext uri="{FF2B5EF4-FFF2-40B4-BE49-F238E27FC236}">
+                  <a16:creationId xmlns:a16="http://schemas.microsoft.com/office/drawing/2014/main" id="{A52455C9-0AA0-48B1-990C-E51F64CA1B7F}"/>
+                </a:ext>
+              </a:extLst>
+            </p:cNvPr>
+            <p:cNvPicPr>
+              <a:picLocks noChangeAspect="1" noChangeArrowheads="1"/>
+            </p:cNvPicPr>
+            <p:nvPr/>
+          </p:nvPicPr>
+          <p:blipFill rotWithShape="1">
+            <a:blip r:embed="rId2">
+              <a:extLst>
+                <a:ext uri="{28A0092B-C50C-407E-A947-70E740481C1C}">
+                  <a14:useLocalDpi xmlns:a14="http://schemas.microsoft.com/office/drawing/2010/main" val="0"/>
+                </a:ext>
+              </a:extLst>
+            </a:blip>
+            <a:srcRect l="10253" r="80946" b="28562"/>
+            <a:stretch/>
+          </p:blipFill>
+          <p:spPr bwMode="auto">
+            <a:xfrm>
+              <a:off x="4105275" y="5453052"/>
+              <a:ext cx="299197" cy="1009678"/>
+            </a:xfrm>
+            <a:prstGeom prst="rect">
+              <a:avLst/>
+            </a:prstGeom>
+            <a:noFill/>
+            <a:extLst>
+              <a:ext uri="{909E8E84-426E-40DD-AFC4-6F175D3DCCD1}">
+                <a14:hiddenFill xmlns:a14="http://schemas.microsoft.com/office/drawing/2010/main">
+                  <a:solidFill>
+                    <a:srgbClr val="FFFFFF"/>
+                  </a:solidFill>
+                </a14:hiddenFill>
+              </a:ext>
+            </a:extLst>
+          </p:spPr>
+        </p:pic>
+        <p:sp>
+          <p:nvSpPr>
+            <p:cNvPr id="59" name="직사각형 58">
+              <a:extLst>
+                <a:ext uri="{FF2B5EF4-FFF2-40B4-BE49-F238E27FC236}">
+                  <a16:creationId xmlns:a16="http://schemas.microsoft.com/office/drawing/2014/main" id="{F548FDD2-6CA3-4F4A-9062-5782BBDF1058}"/>
+                </a:ext>
+              </a:extLst>
+            </p:cNvPr>
+            <p:cNvSpPr/>
+            <p:nvPr/>
+          </p:nvSpPr>
+          <p:spPr>
+            <a:xfrm>
+              <a:off x="4049033" y="5710316"/>
+              <a:ext cx="403225" cy="366052"/>
+            </a:xfrm>
+            <a:prstGeom prst="rect">
+              <a:avLst/>
+            </a:prstGeom>
+          </p:spPr>
+          <p:style>
+            <a:lnRef idx="2">
+              <a:schemeClr val="dk1"/>
+            </a:lnRef>
+            <a:fillRef idx="1">
+              <a:schemeClr val="lt1"/>
+            </a:fillRef>
+            <a:effectRef idx="0">
+              <a:schemeClr val="dk1"/>
+            </a:effectRef>
+            <a:fontRef idx="minor">
+              <a:schemeClr val="dk1"/>
+            </a:fontRef>
+          </p:style>
+          <p:txBody>
+            <a:bodyPr rtlCol="0" anchor="ctr"/>
+            <a:lstStyle/>
+            <a:p>
+              <a:pPr algn="ctr"/>
+              <a:endParaRPr lang="en-US"/>
+            </a:p>
+          </p:txBody>
+        </p:sp>
+      </p:grpSp>
+      <p:grpSp>
+        <p:nvGrpSpPr>
+          <p:cNvPr id="62" name="그룹 61">
+            <a:extLst>
+              <a:ext uri="{FF2B5EF4-FFF2-40B4-BE49-F238E27FC236}">
+                <a16:creationId xmlns:a16="http://schemas.microsoft.com/office/drawing/2014/main" id="{E17099F6-B2D9-417F-8104-5A32504BFABD}"/>
+              </a:ext>
+            </a:extLst>
+          </p:cNvPr>
+          <p:cNvGrpSpPr/>
+          <p:nvPr/>
+        </p:nvGrpSpPr>
+        <p:grpSpPr>
+          <a:xfrm>
+            <a:off x="4774178" y="5453052"/>
+            <a:ext cx="403225" cy="1009678"/>
+            <a:chOff x="4049033" y="5453052"/>
+            <a:chExt cx="403225" cy="1009678"/>
+          </a:xfrm>
+        </p:grpSpPr>
+        <p:pic>
+          <p:nvPicPr>
+            <p:cNvPr id="63" name="Picture 2" descr="https://enccs.github.io/gpu-programming/_images/THREAD_CORE.png">
+              <a:extLst>
+                <a:ext uri="{FF2B5EF4-FFF2-40B4-BE49-F238E27FC236}">
+                  <a16:creationId xmlns:a16="http://schemas.microsoft.com/office/drawing/2014/main" id="{3AF7B79F-1EDE-438F-AEB1-46CE0DDA1F43}"/>
+                </a:ext>
+              </a:extLst>
+            </p:cNvPr>
+            <p:cNvPicPr>
+              <a:picLocks noChangeAspect="1" noChangeArrowheads="1"/>
+            </p:cNvPicPr>
+            <p:nvPr/>
+          </p:nvPicPr>
+          <p:blipFill rotWithShape="1">
+            <a:blip r:embed="rId2">
+              <a:extLst>
+                <a:ext uri="{28A0092B-C50C-407E-A947-70E740481C1C}">
+                  <a14:useLocalDpi xmlns:a14="http://schemas.microsoft.com/office/drawing/2010/main" val="0"/>
+                </a:ext>
+              </a:extLst>
+            </a:blip>
+            <a:srcRect l="10253" r="80946" b="28562"/>
+            <a:stretch/>
+          </p:blipFill>
+          <p:spPr bwMode="auto">
+            <a:xfrm>
+              <a:off x="4105275" y="5453052"/>
+              <a:ext cx="299197" cy="1009678"/>
+            </a:xfrm>
+            <a:prstGeom prst="rect">
+              <a:avLst/>
+            </a:prstGeom>
+            <a:noFill/>
+            <a:extLst>
+              <a:ext uri="{909E8E84-426E-40DD-AFC4-6F175D3DCCD1}">
+                <a14:hiddenFill xmlns:a14="http://schemas.microsoft.com/office/drawing/2010/main">
+                  <a:solidFill>
+                    <a:srgbClr val="FFFFFF"/>
+                  </a:solidFill>
+                </a14:hiddenFill>
+              </a:ext>
+            </a:extLst>
+          </p:spPr>
+        </p:pic>
+        <p:sp>
+          <p:nvSpPr>
+            <p:cNvPr id="64" name="직사각형 63">
+              <a:extLst>
+                <a:ext uri="{FF2B5EF4-FFF2-40B4-BE49-F238E27FC236}">
+                  <a16:creationId xmlns:a16="http://schemas.microsoft.com/office/drawing/2014/main" id="{8D9AA916-86E2-4D8A-A364-9D053163C1CF}"/>
+                </a:ext>
+              </a:extLst>
+            </p:cNvPr>
+            <p:cNvSpPr/>
+            <p:nvPr/>
+          </p:nvSpPr>
+          <p:spPr>
+            <a:xfrm>
+              <a:off x="4049033" y="5710316"/>
+              <a:ext cx="403225" cy="366052"/>
+            </a:xfrm>
+            <a:prstGeom prst="rect">
+              <a:avLst/>
+            </a:prstGeom>
+          </p:spPr>
+          <p:style>
+            <a:lnRef idx="2">
+              <a:schemeClr val="dk1"/>
+            </a:lnRef>
+            <a:fillRef idx="1">
+              <a:schemeClr val="lt1"/>
+            </a:fillRef>
+            <a:effectRef idx="0">
+              <a:schemeClr val="dk1"/>
+            </a:effectRef>
+            <a:fontRef idx="minor">
+              <a:schemeClr val="dk1"/>
+            </a:fontRef>
+          </p:style>
+          <p:txBody>
+            <a:bodyPr rtlCol="0" anchor="ctr"/>
+            <a:lstStyle/>
+            <a:p>
+              <a:pPr algn="ctr"/>
+              <a:endParaRPr lang="en-US"/>
+            </a:p>
+          </p:txBody>
+        </p:sp>
+      </p:grpSp>
+      <p:grpSp>
+        <p:nvGrpSpPr>
+          <p:cNvPr id="65" name="그룹 64">
+            <a:extLst>
+              <a:ext uri="{FF2B5EF4-FFF2-40B4-BE49-F238E27FC236}">
+                <a16:creationId xmlns:a16="http://schemas.microsoft.com/office/drawing/2014/main" id="{5619F829-2A58-4E7B-A3BB-912DEF6D17EE}"/>
+              </a:ext>
+            </a:extLst>
+          </p:cNvPr>
+          <p:cNvGrpSpPr/>
+          <p:nvPr/>
+        </p:nvGrpSpPr>
+        <p:grpSpPr>
+          <a:xfrm>
+            <a:off x="5352655" y="5453052"/>
+            <a:ext cx="403225" cy="1009678"/>
+            <a:chOff x="4049033" y="5453052"/>
+            <a:chExt cx="403225" cy="1009678"/>
+          </a:xfrm>
+        </p:grpSpPr>
+        <p:pic>
+          <p:nvPicPr>
+            <p:cNvPr id="66" name="Picture 2" descr="https://enccs.github.io/gpu-programming/_images/THREAD_CORE.png">
+              <a:extLst>
+                <a:ext uri="{FF2B5EF4-FFF2-40B4-BE49-F238E27FC236}">
+                  <a16:creationId xmlns:a16="http://schemas.microsoft.com/office/drawing/2014/main" id="{FD6749EA-76A4-4E8B-8DA6-3DF177919B2D}"/>
+                </a:ext>
+              </a:extLst>
+            </p:cNvPr>
+            <p:cNvPicPr>
+              <a:picLocks noChangeAspect="1" noChangeArrowheads="1"/>
+            </p:cNvPicPr>
+            <p:nvPr/>
+          </p:nvPicPr>
+          <p:blipFill rotWithShape="1">
+            <a:blip r:embed="rId2">
+              <a:extLst>
+                <a:ext uri="{28A0092B-C50C-407E-A947-70E740481C1C}">
+                  <a14:useLocalDpi xmlns:a14="http://schemas.microsoft.com/office/drawing/2010/main" val="0"/>
+                </a:ext>
+              </a:extLst>
+            </a:blip>
+            <a:srcRect l="10253" r="80946" b="28562"/>
+            <a:stretch/>
+          </p:blipFill>
+          <p:spPr bwMode="auto">
+            <a:xfrm>
+              <a:off x="4105275" y="5453052"/>
+              <a:ext cx="299197" cy="1009678"/>
+            </a:xfrm>
+            <a:prstGeom prst="rect">
+              <a:avLst/>
+            </a:prstGeom>
+            <a:noFill/>
+            <a:extLst>
+              <a:ext uri="{909E8E84-426E-40DD-AFC4-6F175D3DCCD1}">
+                <a14:hiddenFill xmlns:a14="http://schemas.microsoft.com/office/drawing/2010/main">
+                  <a:solidFill>
+                    <a:srgbClr val="FFFFFF"/>
+                  </a:solidFill>
+                </a14:hiddenFill>
+              </a:ext>
+            </a:extLst>
+          </p:spPr>
+        </p:pic>
+        <p:sp>
+          <p:nvSpPr>
+            <p:cNvPr id="67" name="직사각형 66">
+              <a:extLst>
+                <a:ext uri="{FF2B5EF4-FFF2-40B4-BE49-F238E27FC236}">
+                  <a16:creationId xmlns:a16="http://schemas.microsoft.com/office/drawing/2014/main" id="{011D70C9-8EE1-4D19-AB07-6BEAAF1DA3A8}"/>
+                </a:ext>
+              </a:extLst>
+            </p:cNvPr>
+            <p:cNvSpPr/>
+            <p:nvPr/>
+          </p:nvSpPr>
+          <p:spPr>
+            <a:xfrm>
+              <a:off x="4049033" y="5710316"/>
+              <a:ext cx="403225" cy="366052"/>
+            </a:xfrm>
+            <a:prstGeom prst="rect">
+              <a:avLst/>
+            </a:prstGeom>
+          </p:spPr>
+          <p:style>
+            <a:lnRef idx="2">
+              <a:schemeClr val="dk1"/>
+            </a:lnRef>
+            <a:fillRef idx="1">
+              <a:schemeClr val="lt1"/>
+            </a:fillRef>
+            <a:effectRef idx="0">
+              <a:schemeClr val="dk1"/>
+            </a:effectRef>
+            <a:fontRef idx="minor">
+              <a:schemeClr val="dk1"/>
+            </a:fontRef>
+          </p:style>
+          <p:txBody>
+            <a:bodyPr rtlCol="0" anchor="ctr"/>
+            <a:lstStyle/>
+            <a:p>
+              <a:pPr algn="ctr"/>
+              <a:endParaRPr lang="en-US"/>
+            </a:p>
+          </p:txBody>
+        </p:sp>
+      </p:grpSp>
+      <p:grpSp>
+        <p:nvGrpSpPr>
+          <p:cNvPr id="68" name="그룹 67">
+            <a:extLst>
+              <a:ext uri="{FF2B5EF4-FFF2-40B4-BE49-F238E27FC236}">
+                <a16:creationId xmlns:a16="http://schemas.microsoft.com/office/drawing/2014/main" id="{7D1A55CA-9DF0-412F-80B7-95E818B21E2A}"/>
+              </a:ext>
+            </a:extLst>
+          </p:cNvPr>
+          <p:cNvGrpSpPr/>
+          <p:nvPr/>
+        </p:nvGrpSpPr>
+        <p:grpSpPr>
+          <a:xfrm>
+            <a:off x="5931132" y="5453052"/>
+            <a:ext cx="403225" cy="1009678"/>
+            <a:chOff x="4049033" y="5453052"/>
+            <a:chExt cx="403225" cy="1009678"/>
+          </a:xfrm>
+        </p:grpSpPr>
+        <p:pic>
+          <p:nvPicPr>
+            <p:cNvPr id="69" name="Picture 2" descr="https://enccs.github.io/gpu-programming/_images/THREAD_CORE.png">
+              <a:extLst>
+                <a:ext uri="{FF2B5EF4-FFF2-40B4-BE49-F238E27FC236}">
+                  <a16:creationId xmlns:a16="http://schemas.microsoft.com/office/drawing/2014/main" id="{B728E1E8-AF92-4621-918F-C6DD9B03FECD}"/>
+                </a:ext>
+              </a:extLst>
+            </p:cNvPr>
+            <p:cNvPicPr>
+              <a:picLocks noChangeAspect="1" noChangeArrowheads="1"/>
+            </p:cNvPicPr>
+            <p:nvPr/>
+          </p:nvPicPr>
+          <p:blipFill rotWithShape="1">
+            <a:blip r:embed="rId2">
+              <a:extLst>
+                <a:ext uri="{28A0092B-C50C-407E-A947-70E740481C1C}">
+                  <a14:useLocalDpi xmlns:a14="http://schemas.microsoft.com/office/drawing/2010/main" val="0"/>
+                </a:ext>
+              </a:extLst>
+            </a:blip>
+            <a:srcRect l="10253" r="80946" b="28562"/>
+            <a:stretch/>
+          </p:blipFill>
+          <p:spPr bwMode="auto">
+            <a:xfrm>
+              <a:off x="4105275" y="5453052"/>
+              <a:ext cx="299197" cy="1009678"/>
+            </a:xfrm>
+            <a:prstGeom prst="rect">
+              <a:avLst/>
+            </a:prstGeom>
+            <a:noFill/>
+            <a:extLst>
+              <a:ext uri="{909E8E84-426E-40DD-AFC4-6F175D3DCCD1}">
+                <a14:hiddenFill xmlns:a14="http://schemas.microsoft.com/office/drawing/2010/main">
+                  <a:solidFill>
+                    <a:srgbClr val="FFFFFF"/>
+                  </a:solidFill>
+                </a14:hiddenFill>
+              </a:ext>
+            </a:extLst>
+          </p:spPr>
+        </p:pic>
+        <p:sp>
+          <p:nvSpPr>
+            <p:cNvPr id="70" name="직사각형 69">
+              <a:extLst>
+                <a:ext uri="{FF2B5EF4-FFF2-40B4-BE49-F238E27FC236}">
+                  <a16:creationId xmlns:a16="http://schemas.microsoft.com/office/drawing/2014/main" id="{B36D151D-0A47-49C0-A119-0D4B3E8E1849}"/>
+                </a:ext>
+              </a:extLst>
+            </p:cNvPr>
+            <p:cNvSpPr/>
+            <p:nvPr/>
+          </p:nvSpPr>
+          <p:spPr>
+            <a:xfrm>
+              <a:off x="4049033" y="5710316"/>
+              <a:ext cx="403225" cy="366052"/>
+            </a:xfrm>
+            <a:prstGeom prst="rect">
+              <a:avLst/>
+            </a:prstGeom>
+          </p:spPr>
+          <p:style>
+            <a:lnRef idx="2">
+              <a:schemeClr val="dk1"/>
+            </a:lnRef>
+            <a:fillRef idx="1">
+              <a:schemeClr val="lt1"/>
+            </a:fillRef>
+            <a:effectRef idx="0">
+              <a:schemeClr val="dk1"/>
+            </a:effectRef>
+            <a:fontRef idx="minor">
+              <a:schemeClr val="dk1"/>
+            </a:fontRef>
+          </p:style>
+          <p:txBody>
+            <a:bodyPr rtlCol="0" anchor="ctr"/>
+            <a:lstStyle/>
+            <a:p>
+              <a:pPr algn="ctr"/>
+              <a:endParaRPr lang="en-US"/>
+            </a:p>
+          </p:txBody>
+        </p:sp>
+      </p:grpSp>
+      <p:grpSp>
+        <p:nvGrpSpPr>
+          <p:cNvPr id="71" name="그룹 70">
+            <a:extLst>
+              <a:ext uri="{FF2B5EF4-FFF2-40B4-BE49-F238E27FC236}">
+                <a16:creationId xmlns:a16="http://schemas.microsoft.com/office/drawing/2014/main" id="{EE120472-6508-4396-829B-265907B6A2BE}"/>
+              </a:ext>
+            </a:extLst>
+          </p:cNvPr>
+          <p:cNvGrpSpPr/>
+          <p:nvPr/>
+        </p:nvGrpSpPr>
+        <p:grpSpPr>
+          <a:xfrm>
+            <a:off x="6509609" y="5453052"/>
+            <a:ext cx="403225" cy="1009678"/>
+            <a:chOff x="4049033" y="5453052"/>
+            <a:chExt cx="403225" cy="1009678"/>
+          </a:xfrm>
+        </p:grpSpPr>
+        <p:pic>
+          <p:nvPicPr>
+            <p:cNvPr id="72" name="Picture 2" descr="https://enccs.github.io/gpu-programming/_images/THREAD_CORE.png">
+              <a:extLst>
+                <a:ext uri="{FF2B5EF4-FFF2-40B4-BE49-F238E27FC236}">
+                  <a16:creationId xmlns:a16="http://schemas.microsoft.com/office/drawing/2014/main" id="{A7C83B60-FDCB-4526-87F5-B5FA02E3002E}"/>
+                </a:ext>
+              </a:extLst>
+            </p:cNvPr>
+            <p:cNvPicPr>
+              <a:picLocks noChangeAspect="1" noChangeArrowheads="1"/>
+            </p:cNvPicPr>
+            <p:nvPr/>
+          </p:nvPicPr>
+          <p:blipFill rotWithShape="1">
+            <a:blip r:embed="rId2">
+              <a:extLst>
+                <a:ext uri="{28A0092B-C50C-407E-A947-70E740481C1C}">
+                  <a14:useLocalDpi xmlns:a14="http://schemas.microsoft.com/office/drawing/2010/main" val="0"/>
+                </a:ext>
+              </a:extLst>
+            </a:blip>
+            <a:srcRect l="10253" r="80946" b="28562"/>
+            <a:stretch/>
+          </p:blipFill>
+          <p:spPr bwMode="auto">
+            <a:xfrm>
+              <a:off x="4105275" y="5453052"/>
+              <a:ext cx="299197" cy="1009678"/>
+            </a:xfrm>
+            <a:prstGeom prst="rect">
+              <a:avLst/>
+            </a:prstGeom>
+            <a:noFill/>
+            <a:extLst>
+              <a:ext uri="{909E8E84-426E-40DD-AFC4-6F175D3DCCD1}">
+                <a14:hiddenFill xmlns:a14="http://schemas.microsoft.com/office/drawing/2010/main">
+                  <a:solidFill>
+                    <a:srgbClr val="FFFFFF"/>
+                  </a:solidFill>
+                </a14:hiddenFill>
+              </a:ext>
+            </a:extLst>
+          </p:spPr>
+        </p:pic>
+        <p:sp>
+          <p:nvSpPr>
+            <p:cNvPr id="73" name="직사각형 72">
+              <a:extLst>
+                <a:ext uri="{FF2B5EF4-FFF2-40B4-BE49-F238E27FC236}">
+                  <a16:creationId xmlns:a16="http://schemas.microsoft.com/office/drawing/2014/main" id="{943F3B61-6715-41CB-B238-D5ABFBF1C4D0}"/>
+                </a:ext>
+              </a:extLst>
+            </p:cNvPr>
+            <p:cNvSpPr/>
+            <p:nvPr/>
+          </p:nvSpPr>
+          <p:spPr>
+            <a:xfrm>
+              <a:off x="4049033" y="5710316"/>
+              <a:ext cx="403225" cy="366052"/>
+            </a:xfrm>
+            <a:prstGeom prst="rect">
+              <a:avLst/>
+            </a:prstGeom>
+          </p:spPr>
+          <p:style>
+            <a:lnRef idx="2">
+              <a:schemeClr val="dk1"/>
+            </a:lnRef>
+            <a:fillRef idx="1">
+              <a:schemeClr val="lt1"/>
+            </a:fillRef>
+            <a:effectRef idx="0">
+              <a:schemeClr val="dk1"/>
+            </a:effectRef>
+            <a:fontRef idx="minor">
+              <a:schemeClr val="dk1"/>
+            </a:fontRef>
+          </p:style>
+          <p:txBody>
+            <a:bodyPr rtlCol="0" anchor="ctr"/>
+            <a:lstStyle/>
+            <a:p>
+              <a:pPr algn="ctr"/>
+              <a:endParaRPr lang="en-US"/>
+            </a:p>
+          </p:txBody>
+        </p:sp>
+      </p:grpSp>
+      <p:grpSp>
+        <p:nvGrpSpPr>
+          <p:cNvPr id="74" name="그룹 73">
+            <a:extLst>
+              <a:ext uri="{FF2B5EF4-FFF2-40B4-BE49-F238E27FC236}">
+                <a16:creationId xmlns:a16="http://schemas.microsoft.com/office/drawing/2014/main" id="{73A977D6-4FE7-45FE-A822-CD440F6885AA}"/>
+              </a:ext>
+            </a:extLst>
+          </p:cNvPr>
+          <p:cNvGrpSpPr/>
+          <p:nvPr/>
+        </p:nvGrpSpPr>
+        <p:grpSpPr>
+          <a:xfrm>
+            <a:off x="7088086" y="5453052"/>
+            <a:ext cx="403225" cy="1009678"/>
+            <a:chOff x="4049033" y="5453052"/>
+            <a:chExt cx="403225" cy="1009678"/>
+          </a:xfrm>
+        </p:grpSpPr>
+        <p:pic>
+          <p:nvPicPr>
+            <p:cNvPr id="75" name="Picture 2" descr="https://enccs.github.io/gpu-programming/_images/THREAD_CORE.png">
+              <a:extLst>
+                <a:ext uri="{FF2B5EF4-FFF2-40B4-BE49-F238E27FC236}">
+                  <a16:creationId xmlns:a16="http://schemas.microsoft.com/office/drawing/2014/main" id="{A92F2EE8-FB7C-4C1E-9DB4-546529AF718C}"/>
+                </a:ext>
+              </a:extLst>
+            </p:cNvPr>
+            <p:cNvPicPr>
+              <a:picLocks noChangeAspect="1" noChangeArrowheads="1"/>
+            </p:cNvPicPr>
+            <p:nvPr/>
+          </p:nvPicPr>
+          <p:blipFill rotWithShape="1">
+            <a:blip r:embed="rId2">
+              <a:extLst>
+                <a:ext uri="{28A0092B-C50C-407E-A947-70E740481C1C}">
+                  <a14:useLocalDpi xmlns:a14="http://schemas.microsoft.com/office/drawing/2010/main" val="0"/>
+                </a:ext>
+              </a:extLst>
+            </a:blip>
+            <a:srcRect l="10253" r="80946" b="28562"/>
+            <a:stretch/>
+          </p:blipFill>
+          <p:spPr bwMode="auto">
+            <a:xfrm>
+              <a:off x="4105275" y="5453052"/>
+              <a:ext cx="299197" cy="1009678"/>
+            </a:xfrm>
+            <a:prstGeom prst="rect">
+              <a:avLst/>
+            </a:prstGeom>
+            <a:noFill/>
+            <a:extLst>
+              <a:ext uri="{909E8E84-426E-40DD-AFC4-6F175D3DCCD1}">
+                <a14:hiddenFill xmlns:a14="http://schemas.microsoft.com/office/drawing/2010/main">
+                  <a:solidFill>
+                    <a:srgbClr val="FFFFFF"/>
+                  </a:solidFill>
+                </a14:hiddenFill>
+              </a:ext>
+            </a:extLst>
+          </p:spPr>
+        </p:pic>
+        <p:sp>
+          <p:nvSpPr>
+            <p:cNvPr id="76" name="직사각형 75">
+              <a:extLst>
+                <a:ext uri="{FF2B5EF4-FFF2-40B4-BE49-F238E27FC236}">
+                  <a16:creationId xmlns:a16="http://schemas.microsoft.com/office/drawing/2014/main" id="{595FF333-6F3A-41D1-BAA3-663127327124}"/>
+                </a:ext>
+              </a:extLst>
+            </p:cNvPr>
+            <p:cNvSpPr/>
+            <p:nvPr/>
+          </p:nvSpPr>
+          <p:spPr>
+            <a:xfrm>
+              <a:off x="4049033" y="5710316"/>
+              <a:ext cx="403225" cy="366052"/>
+            </a:xfrm>
+            <a:prstGeom prst="rect">
+              <a:avLst/>
+            </a:prstGeom>
+          </p:spPr>
+          <p:style>
+            <a:lnRef idx="2">
+              <a:schemeClr val="dk1"/>
+            </a:lnRef>
+            <a:fillRef idx="1">
+              <a:schemeClr val="lt1"/>
+            </a:fillRef>
+            <a:effectRef idx="0">
+              <a:schemeClr val="dk1"/>
+            </a:effectRef>
+            <a:fontRef idx="minor">
+              <a:schemeClr val="dk1"/>
+            </a:fontRef>
+          </p:style>
+          <p:txBody>
+            <a:bodyPr rtlCol="0" anchor="ctr"/>
+            <a:lstStyle/>
+            <a:p>
+              <a:pPr algn="ctr"/>
+              <a:endParaRPr lang="en-US"/>
+            </a:p>
+          </p:txBody>
+        </p:sp>
+      </p:grpSp>
+      <p:grpSp>
+        <p:nvGrpSpPr>
+          <p:cNvPr id="77" name="그룹 76">
+            <a:extLst>
+              <a:ext uri="{FF2B5EF4-FFF2-40B4-BE49-F238E27FC236}">
+                <a16:creationId xmlns:a16="http://schemas.microsoft.com/office/drawing/2014/main" id="{94F931C6-87BA-4538-B62C-109EF6EF8922}"/>
+              </a:ext>
+            </a:extLst>
+          </p:cNvPr>
+          <p:cNvGrpSpPr/>
+          <p:nvPr/>
+        </p:nvGrpSpPr>
+        <p:grpSpPr>
+          <a:xfrm>
+            <a:off x="7666563" y="5453052"/>
+            <a:ext cx="403225" cy="1009678"/>
+            <a:chOff x="4049033" y="5453052"/>
+            <a:chExt cx="403225" cy="1009678"/>
+          </a:xfrm>
+        </p:grpSpPr>
+        <p:pic>
+          <p:nvPicPr>
+            <p:cNvPr id="78" name="Picture 2" descr="https://enccs.github.io/gpu-programming/_images/THREAD_CORE.png">
+              <a:extLst>
+                <a:ext uri="{FF2B5EF4-FFF2-40B4-BE49-F238E27FC236}">
+                  <a16:creationId xmlns:a16="http://schemas.microsoft.com/office/drawing/2014/main" id="{A27AB709-4B99-430F-97F1-B17E41758CB5}"/>
+                </a:ext>
+              </a:extLst>
+            </p:cNvPr>
+            <p:cNvPicPr>
+              <a:picLocks noChangeAspect="1" noChangeArrowheads="1"/>
+            </p:cNvPicPr>
+            <p:nvPr/>
+          </p:nvPicPr>
+          <p:blipFill rotWithShape="1">
+            <a:blip r:embed="rId2">
+              <a:extLst>
+                <a:ext uri="{28A0092B-C50C-407E-A947-70E740481C1C}">
+                  <a14:useLocalDpi xmlns:a14="http://schemas.microsoft.com/office/drawing/2010/main" val="0"/>
+                </a:ext>
+              </a:extLst>
+            </a:blip>
+            <a:srcRect l="10253" r="80946" b="28562"/>
+            <a:stretch/>
+          </p:blipFill>
+          <p:spPr bwMode="auto">
+            <a:xfrm>
+              <a:off x="4105275" y="5453052"/>
+              <a:ext cx="299197" cy="1009678"/>
+            </a:xfrm>
+            <a:prstGeom prst="rect">
+              <a:avLst/>
+            </a:prstGeom>
+            <a:noFill/>
+            <a:extLst>
+              <a:ext uri="{909E8E84-426E-40DD-AFC4-6F175D3DCCD1}">
+                <a14:hiddenFill xmlns:a14="http://schemas.microsoft.com/office/drawing/2010/main">
+                  <a:solidFill>
+                    <a:srgbClr val="FFFFFF"/>
+                  </a:solidFill>
+                </a14:hiddenFill>
+              </a:ext>
+            </a:extLst>
+          </p:spPr>
+        </p:pic>
+        <p:sp>
+          <p:nvSpPr>
+            <p:cNvPr id="79" name="직사각형 78">
+              <a:extLst>
+                <a:ext uri="{FF2B5EF4-FFF2-40B4-BE49-F238E27FC236}">
+                  <a16:creationId xmlns:a16="http://schemas.microsoft.com/office/drawing/2014/main" id="{92F56053-16F7-4A4F-A0CE-15CC3306C15E}"/>
+                </a:ext>
+              </a:extLst>
+            </p:cNvPr>
+            <p:cNvSpPr/>
+            <p:nvPr/>
+          </p:nvSpPr>
+          <p:spPr>
+            <a:xfrm>
+              <a:off x="4049033" y="5710316"/>
+              <a:ext cx="403225" cy="366052"/>
+            </a:xfrm>
+            <a:prstGeom prst="rect">
+              <a:avLst/>
+            </a:prstGeom>
+          </p:spPr>
+          <p:style>
+            <a:lnRef idx="2">
+              <a:schemeClr val="dk1"/>
+            </a:lnRef>
+            <a:fillRef idx="1">
+              <a:schemeClr val="lt1"/>
+            </a:fillRef>
+            <a:effectRef idx="0">
+              <a:schemeClr val="dk1"/>
+            </a:effectRef>
+            <a:fontRef idx="minor">
+              <a:schemeClr val="dk1"/>
+            </a:fontRef>
+          </p:style>
+          <p:txBody>
+            <a:bodyPr rtlCol="0" anchor="ctr"/>
+            <a:lstStyle/>
+            <a:p>
+              <a:pPr algn="ctr"/>
+              <a:endParaRPr lang="en-US"/>
+            </a:p>
+          </p:txBody>
+        </p:sp>
+      </p:grpSp>
+      <p:grpSp>
+        <p:nvGrpSpPr>
+          <p:cNvPr id="80" name="그룹 79">
+            <a:extLst>
+              <a:ext uri="{FF2B5EF4-FFF2-40B4-BE49-F238E27FC236}">
+                <a16:creationId xmlns:a16="http://schemas.microsoft.com/office/drawing/2014/main" id="{6E54A520-ACE9-4903-B003-0EA7B2382D67}"/>
+              </a:ext>
+            </a:extLst>
+          </p:cNvPr>
+          <p:cNvGrpSpPr/>
+          <p:nvPr/>
+        </p:nvGrpSpPr>
+        <p:grpSpPr>
+          <a:xfrm>
+            <a:off x="8245040" y="5453052"/>
+            <a:ext cx="403225" cy="1009678"/>
+            <a:chOff x="4049033" y="5453052"/>
+            <a:chExt cx="403225" cy="1009678"/>
+          </a:xfrm>
+        </p:grpSpPr>
+        <p:pic>
+          <p:nvPicPr>
+            <p:cNvPr id="81" name="Picture 2" descr="https://enccs.github.io/gpu-programming/_images/THREAD_CORE.png">
+              <a:extLst>
+                <a:ext uri="{FF2B5EF4-FFF2-40B4-BE49-F238E27FC236}">
+                  <a16:creationId xmlns:a16="http://schemas.microsoft.com/office/drawing/2014/main" id="{48D88F28-6F00-41CF-9E8A-8F9F8946EB39}"/>
+                </a:ext>
+              </a:extLst>
+            </p:cNvPr>
+            <p:cNvPicPr>
+              <a:picLocks noChangeAspect="1" noChangeArrowheads="1"/>
+            </p:cNvPicPr>
+            <p:nvPr/>
+          </p:nvPicPr>
+          <p:blipFill rotWithShape="1">
+            <a:blip r:embed="rId2">
+              <a:extLst>
+                <a:ext uri="{28A0092B-C50C-407E-A947-70E740481C1C}">
+                  <a14:useLocalDpi xmlns:a14="http://schemas.microsoft.com/office/drawing/2010/main" val="0"/>
+                </a:ext>
+              </a:extLst>
+            </a:blip>
+            <a:srcRect l="10253" r="80946" b="28562"/>
+            <a:stretch/>
+          </p:blipFill>
+          <p:spPr bwMode="auto">
+            <a:xfrm>
+              <a:off x="4105275" y="5453052"/>
+              <a:ext cx="299197" cy="1009678"/>
+            </a:xfrm>
+            <a:prstGeom prst="rect">
+              <a:avLst/>
+            </a:prstGeom>
+            <a:noFill/>
+            <a:extLst>
+              <a:ext uri="{909E8E84-426E-40DD-AFC4-6F175D3DCCD1}">
+                <a14:hiddenFill xmlns:a14="http://schemas.microsoft.com/office/drawing/2010/main">
+                  <a:solidFill>
+                    <a:srgbClr val="FFFFFF"/>
+                  </a:solidFill>
+                </a14:hiddenFill>
+              </a:ext>
+            </a:extLst>
+          </p:spPr>
+        </p:pic>
+        <p:sp>
+          <p:nvSpPr>
+            <p:cNvPr id="82" name="직사각형 81">
+              <a:extLst>
+                <a:ext uri="{FF2B5EF4-FFF2-40B4-BE49-F238E27FC236}">
+                  <a16:creationId xmlns:a16="http://schemas.microsoft.com/office/drawing/2014/main" id="{A58A850A-1A79-46B2-BAE3-977F98542511}"/>
+                </a:ext>
+              </a:extLst>
+            </p:cNvPr>
+            <p:cNvSpPr/>
+            <p:nvPr/>
+          </p:nvSpPr>
+          <p:spPr>
+            <a:xfrm>
+              <a:off x="4049033" y="5710316"/>
+              <a:ext cx="403225" cy="366052"/>
+            </a:xfrm>
+            <a:prstGeom prst="rect">
+              <a:avLst/>
+            </a:prstGeom>
+          </p:spPr>
+          <p:style>
+            <a:lnRef idx="2">
+              <a:schemeClr val="dk1"/>
+            </a:lnRef>
+            <a:fillRef idx="1">
+              <a:schemeClr val="lt1"/>
+            </a:fillRef>
+            <a:effectRef idx="0">
+              <a:schemeClr val="dk1"/>
+            </a:effectRef>
+            <a:fontRef idx="minor">
+              <a:schemeClr val="dk1"/>
+            </a:fontRef>
+          </p:style>
+          <p:txBody>
+            <a:bodyPr rtlCol="0" anchor="ctr"/>
+            <a:lstStyle/>
+            <a:p>
+              <a:pPr algn="ctr"/>
+              <a:endParaRPr lang="en-US"/>
+            </a:p>
+          </p:txBody>
+        </p:sp>
+      </p:grpSp>
+      <p:grpSp>
+        <p:nvGrpSpPr>
+          <p:cNvPr id="83" name="그룹 82">
+            <a:extLst>
+              <a:ext uri="{FF2B5EF4-FFF2-40B4-BE49-F238E27FC236}">
+                <a16:creationId xmlns:a16="http://schemas.microsoft.com/office/drawing/2014/main" id="{ED22F540-F768-4B77-9128-86B5A55E99E6}"/>
+              </a:ext>
+            </a:extLst>
+          </p:cNvPr>
+          <p:cNvGrpSpPr/>
+          <p:nvPr/>
+        </p:nvGrpSpPr>
+        <p:grpSpPr>
+          <a:xfrm>
+            <a:off x="8823517" y="5453052"/>
+            <a:ext cx="403225" cy="1009678"/>
+            <a:chOff x="4049033" y="5453052"/>
+            <a:chExt cx="403225" cy="1009678"/>
+          </a:xfrm>
+        </p:grpSpPr>
+        <p:pic>
+          <p:nvPicPr>
+            <p:cNvPr id="84" name="Picture 2" descr="https://enccs.github.io/gpu-programming/_images/THREAD_CORE.png">
+              <a:extLst>
+                <a:ext uri="{FF2B5EF4-FFF2-40B4-BE49-F238E27FC236}">
+                  <a16:creationId xmlns:a16="http://schemas.microsoft.com/office/drawing/2014/main" id="{04B558C3-04C0-4DEF-8B78-0CE72CC9656E}"/>
+                </a:ext>
+              </a:extLst>
+            </p:cNvPr>
+            <p:cNvPicPr>
+              <a:picLocks noChangeAspect="1" noChangeArrowheads="1"/>
+            </p:cNvPicPr>
+            <p:nvPr/>
+          </p:nvPicPr>
+          <p:blipFill rotWithShape="1">
+            <a:blip r:embed="rId2">
+              <a:extLst>
+                <a:ext uri="{28A0092B-C50C-407E-A947-70E740481C1C}">
+                  <a14:useLocalDpi xmlns:a14="http://schemas.microsoft.com/office/drawing/2010/main" val="0"/>
+                </a:ext>
+              </a:extLst>
+            </a:blip>
+            <a:srcRect l="10253" r="80946" b="28562"/>
+            <a:stretch/>
+          </p:blipFill>
+          <p:spPr bwMode="auto">
+            <a:xfrm>
+              <a:off x="4105275" y="5453052"/>
+              <a:ext cx="299197" cy="1009678"/>
+            </a:xfrm>
+            <a:prstGeom prst="rect">
+              <a:avLst/>
+            </a:prstGeom>
+            <a:noFill/>
+            <a:extLst>
+              <a:ext uri="{909E8E84-426E-40DD-AFC4-6F175D3DCCD1}">
+                <a14:hiddenFill xmlns:a14="http://schemas.microsoft.com/office/drawing/2010/main">
+                  <a:solidFill>
+                    <a:srgbClr val="FFFFFF"/>
+                  </a:solidFill>
+                </a14:hiddenFill>
+              </a:ext>
+            </a:extLst>
+          </p:spPr>
+        </p:pic>
+        <p:sp>
+          <p:nvSpPr>
+            <p:cNvPr id="85" name="직사각형 84">
+              <a:extLst>
+                <a:ext uri="{FF2B5EF4-FFF2-40B4-BE49-F238E27FC236}">
+                  <a16:creationId xmlns:a16="http://schemas.microsoft.com/office/drawing/2014/main" id="{E50FC9A8-A786-4C39-9655-DACA7D381D8A}"/>
+                </a:ext>
+              </a:extLst>
+            </p:cNvPr>
+            <p:cNvSpPr/>
+            <p:nvPr/>
+          </p:nvSpPr>
+          <p:spPr>
+            <a:xfrm>
+              <a:off x="4049033" y="5710316"/>
+              <a:ext cx="403225" cy="366052"/>
+            </a:xfrm>
+            <a:prstGeom prst="rect">
+              <a:avLst/>
+            </a:prstGeom>
+          </p:spPr>
+          <p:style>
+            <a:lnRef idx="2">
+              <a:schemeClr val="dk1"/>
+            </a:lnRef>
+            <a:fillRef idx="1">
+              <a:schemeClr val="lt1"/>
+            </a:fillRef>
+            <a:effectRef idx="0">
+              <a:schemeClr val="dk1"/>
+            </a:effectRef>
+            <a:fontRef idx="minor">
+              <a:schemeClr val="dk1"/>
+            </a:fontRef>
+          </p:style>
+          <p:txBody>
+            <a:bodyPr rtlCol="0" anchor="ctr"/>
+            <a:lstStyle/>
+            <a:p>
+              <a:pPr algn="ctr"/>
+              <a:endParaRPr lang="en-US"/>
+            </a:p>
+          </p:txBody>
+        </p:sp>
+      </p:grpSp>
+      <p:grpSp>
+        <p:nvGrpSpPr>
+          <p:cNvPr id="86" name="그룹 85">
+            <a:extLst>
+              <a:ext uri="{FF2B5EF4-FFF2-40B4-BE49-F238E27FC236}">
+                <a16:creationId xmlns:a16="http://schemas.microsoft.com/office/drawing/2014/main" id="{638C8452-AA93-4930-964A-CAAED271C26A}"/>
+              </a:ext>
+            </a:extLst>
+          </p:cNvPr>
+          <p:cNvGrpSpPr/>
+          <p:nvPr/>
+        </p:nvGrpSpPr>
+        <p:grpSpPr>
+          <a:xfrm>
+            <a:off x="9401994" y="5453052"/>
+            <a:ext cx="403225" cy="1009678"/>
+            <a:chOff x="4049033" y="5453052"/>
+            <a:chExt cx="403225" cy="1009678"/>
+          </a:xfrm>
+        </p:grpSpPr>
+        <p:pic>
+          <p:nvPicPr>
+            <p:cNvPr id="87" name="Picture 2" descr="https://enccs.github.io/gpu-programming/_images/THREAD_CORE.png">
+              <a:extLst>
+                <a:ext uri="{FF2B5EF4-FFF2-40B4-BE49-F238E27FC236}">
+                  <a16:creationId xmlns:a16="http://schemas.microsoft.com/office/drawing/2014/main" id="{785FBF39-F690-44BD-9B58-408EC83FAADD}"/>
+                </a:ext>
+              </a:extLst>
+            </p:cNvPr>
+            <p:cNvPicPr>
+              <a:picLocks noChangeAspect="1" noChangeArrowheads="1"/>
+            </p:cNvPicPr>
+            <p:nvPr/>
+          </p:nvPicPr>
+          <p:blipFill rotWithShape="1">
+            <a:blip r:embed="rId2">
+              <a:extLst>
+                <a:ext uri="{28A0092B-C50C-407E-A947-70E740481C1C}">
+                  <a14:useLocalDpi xmlns:a14="http://schemas.microsoft.com/office/drawing/2010/main" val="0"/>
+                </a:ext>
+              </a:extLst>
+            </a:blip>
+            <a:srcRect l="10253" r="80946" b="28562"/>
+            <a:stretch/>
+          </p:blipFill>
+          <p:spPr bwMode="auto">
+            <a:xfrm>
+              <a:off x="4105275" y="5453052"/>
+              <a:ext cx="299197" cy="1009678"/>
+            </a:xfrm>
+            <a:prstGeom prst="rect">
+              <a:avLst/>
+            </a:prstGeom>
+            <a:noFill/>
+            <a:extLst>
+              <a:ext uri="{909E8E84-426E-40DD-AFC4-6F175D3DCCD1}">
+                <a14:hiddenFill xmlns:a14="http://schemas.microsoft.com/office/drawing/2010/main">
+                  <a:solidFill>
+                    <a:srgbClr val="FFFFFF"/>
+                  </a:solidFill>
+                </a14:hiddenFill>
+              </a:ext>
+            </a:extLst>
+          </p:spPr>
+        </p:pic>
+        <p:sp>
+          <p:nvSpPr>
+            <p:cNvPr id="88" name="직사각형 87">
+              <a:extLst>
+                <a:ext uri="{FF2B5EF4-FFF2-40B4-BE49-F238E27FC236}">
+                  <a16:creationId xmlns:a16="http://schemas.microsoft.com/office/drawing/2014/main" id="{C9B52C3C-0A9A-4AD3-9AEB-232AE292E419}"/>
+                </a:ext>
+              </a:extLst>
+            </p:cNvPr>
+            <p:cNvSpPr/>
+            <p:nvPr/>
+          </p:nvSpPr>
+          <p:spPr>
+            <a:xfrm>
+              <a:off x="4049033" y="5710316"/>
+              <a:ext cx="403225" cy="366052"/>
+            </a:xfrm>
+            <a:prstGeom prst="rect">
+              <a:avLst/>
+            </a:prstGeom>
+          </p:spPr>
+          <p:style>
+            <a:lnRef idx="2">
+              <a:schemeClr val="dk1"/>
+            </a:lnRef>
+            <a:fillRef idx="1">
+              <a:schemeClr val="lt1"/>
+            </a:fillRef>
+            <a:effectRef idx="0">
+              <a:schemeClr val="dk1"/>
+            </a:effectRef>
+            <a:fontRef idx="minor">
+              <a:schemeClr val="dk1"/>
+            </a:fontRef>
+          </p:style>
+          <p:txBody>
+            <a:bodyPr rtlCol="0" anchor="ctr"/>
+            <a:lstStyle/>
+            <a:p>
+              <a:pPr algn="ctr"/>
+              <a:endParaRPr lang="en-US"/>
+            </a:p>
+          </p:txBody>
+        </p:sp>
+      </p:grpSp>
+      <p:grpSp>
+        <p:nvGrpSpPr>
+          <p:cNvPr id="89" name="그룹 88">
+            <a:extLst>
+              <a:ext uri="{FF2B5EF4-FFF2-40B4-BE49-F238E27FC236}">
+                <a16:creationId xmlns:a16="http://schemas.microsoft.com/office/drawing/2014/main" id="{900E79F0-8B12-42AF-A2D6-7AF01D38F4FE}"/>
+              </a:ext>
+            </a:extLst>
+          </p:cNvPr>
+          <p:cNvGrpSpPr/>
+          <p:nvPr/>
+        </p:nvGrpSpPr>
+        <p:grpSpPr>
+          <a:xfrm>
+            <a:off x="9980471" y="5453052"/>
+            <a:ext cx="403225" cy="1009678"/>
+            <a:chOff x="4049033" y="5453052"/>
+            <a:chExt cx="403225" cy="1009678"/>
+          </a:xfrm>
+        </p:grpSpPr>
+        <p:pic>
+          <p:nvPicPr>
+            <p:cNvPr id="90" name="Picture 2" descr="https://enccs.github.io/gpu-programming/_images/THREAD_CORE.png">
+              <a:extLst>
+                <a:ext uri="{FF2B5EF4-FFF2-40B4-BE49-F238E27FC236}">
+                  <a16:creationId xmlns:a16="http://schemas.microsoft.com/office/drawing/2014/main" id="{4971E2B1-D735-42C6-9DAA-D00D9C4A07D4}"/>
+                </a:ext>
+              </a:extLst>
+            </p:cNvPr>
+            <p:cNvPicPr>
+              <a:picLocks noChangeAspect="1" noChangeArrowheads="1"/>
+            </p:cNvPicPr>
+            <p:nvPr/>
+          </p:nvPicPr>
+          <p:blipFill rotWithShape="1">
+            <a:blip r:embed="rId2">
+              <a:extLst>
+                <a:ext uri="{28A0092B-C50C-407E-A947-70E740481C1C}">
+                  <a14:useLocalDpi xmlns:a14="http://schemas.microsoft.com/office/drawing/2010/main" val="0"/>
+                </a:ext>
+              </a:extLst>
+            </a:blip>
+            <a:srcRect l="10253" r="80946" b="28562"/>
+            <a:stretch/>
+          </p:blipFill>
+          <p:spPr bwMode="auto">
+            <a:xfrm>
+              <a:off x="4105275" y="5453052"/>
+              <a:ext cx="299197" cy="1009678"/>
+            </a:xfrm>
+            <a:prstGeom prst="rect">
+              <a:avLst/>
+            </a:prstGeom>
+            <a:noFill/>
+            <a:extLst>
+              <a:ext uri="{909E8E84-426E-40DD-AFC4-6F175D3DCCD1}">
+                <a14:hiddenFill xmlns:a14="http://schemas.microsoft.com/office/drawing/2010/main">
+                  <a:solidFill>
+                    <a:srgbClr val="FFFFFF"/>
+                  </a:solidFill>
+                </a14:hiddenFill>
+              </a:ext>
+            </a:extLst>
+          </p:spPr>
+        </p:pic>
+        <p:sp>
+          <p:nvSpPr>
+            <p:cNvPr id="91" name="직사각형 90">
+              <a:extLst>
+                <a:ext uri="{FF2B5EF4-FFF2-40B4-BE49-F238E27FC236}">
+                  <a16:creationId xmlns:a16="http://schemas.microsoft.com/office/drawing/2014/main" id="{6602AC1E-CA16-4E43-BD58-12054914C6C2}"/>
+                </a:ext>
+              </a:extLst>
+            </p:cNvPr>
+            <p:cNvSpPr/>
+            <p:nvPr/>
+          </p:nvSpPr>
+          <p:spPr>
+            <a:xfrm>
+              <a:off x="4049033" y="5710316"/>
+              <a:ext cx="403225" cy="366052"/>
+            </a:xfrm>
+            <a:prstGeom prst="rect">
+              <a:avLst/>
+            </a:prstGeom>
+          </p:spPr>
+          <p:style>
+            <a:lnRef idx="2">
+              <a:schemeClr val="dk1"/>
+            </a:lnRef>
+            <a:fillRef idx="1">
+              <a:schemeClr val="lt1"/>
+            </a:fillRef>
+            <a:effectRef idx="0">
+              <a:schemeClr val="dk1"/>
+            </a:effectRef>
+            <a:fontRef idx="minor">
+              <a:schemeClr val="dk1"/>
+            </a:fontRef>
+          </p:style>
+          <p:txBody>
+            <a:bodyPr rtlCol="0" anchor="ctr"/>
+            <a:lstStyle/>
+            <a:p>
+              <a:pPr algn="ctr"/>
+              <a:endParaRPr lang="en-US"/>
+            </a:p>
+          </p:txBody>
+        </p:sp>
+      </p:grpSp>
+      <p:grpSp>
+        <p:nvGrpSpPr>
+          <p:cNvPr id="92" name="그룹 91">
+            <a:extLst>
+              <a:ext uri="{FF2B5EF4-FFF2-40B4-BE49-F238E27FC236}">
+                <a16:creationId xmlns:a16="http://schemas.microsoft.com/office/drawing/2014/main" id="{88598F21-7F0B-4E0C-A544-FCC61FBC533F}"/>
+              </a:ext>
+            </a:extLst>
+          </p:cNvPr>
+          <p:cNvGrpSpPr/>
+          <p:nvPr/>
+        </p:nvGrpSpPr>
+        <p:grpSpPr>
+          <a:xfrm>
+            <a:off x="10558948" y="5453052"/>
+            <a:ext cx="403225" cy="1009678"/>
+            <a:chOff x="4049033" y="5453052"/>
+            <a:chExt cx="403225" cy="1009678"/>
+          </a:xfrm>
+        </p:grpSpPr>
+        <p:pic>
+          <p:nvPicPr>
+            <p:cNvPr id="93" name="Picture 2" descr="https://enccs.github.io/gpu-programming/_images/THREAD_CORE.png">
+              <a:extLst>
+                <a:ext uri="{FF2B5EF4-FFF2-40B4-BE49-F238E27FC236}">
+                  <a16:creationId xmlns:a16="http://schemas.microsoft.com/office/drawing/2014/main" id="{AB713AFD-065A-4CE4-B087-B26A3F9D659B}"/>
+                </a:ext>
+              </a:extLst>
+            </p:cNvPr>
+            <p:cNvPicPr>
+              <a:picLocks noChangeAspect="1" noChangeArrowheads="1"/>
+            </p:cNvPicPr>
+            <p:nvPr/>
+          </p:nvPicPr>
+          <p:blipFill rotWithShape="1">
+            <a:blip r:embed="rId2">
+              <a:extLst>
+                <a:ext uri="{28A0092B-C50C-407E-A947-70E740481C1C}">
+                  <a14:useLocalDpi xmlns:a14="http://schemas.microsoft.com/office/drawing/2010/main" val="0"/>
+                </a:ext>
+              </a:extLst>
+            </a:blip>
+            <a:srcRect l="10253" r="80946" b="28562"/>
+            <a:stretch/>
+          </p:blipFill>
+          <p:spPr bwMode="auto">
+            <a:xfrm>
+              <a:off x="4105275" y="5453052"/>
+              <a:ext cx="299197" cy="1009678"/>
+            </a:xfrm>
+            <a:prstGeom prst="rect">
+              <a:avLst/>
+            </a:prstGeom>
+            <a:noFill/>
+            <a:extLst>
+              <a:ext uri="{909E8E84-426E-40DD-AFC4-6F175D3DCCD1}">
+                <a14:hiddenFill xmlns:a14="http://schemas.microsoft.com/office/drawing/2010/main">
+                  <a:solidFill>
+                    <a:srgbClr val="FFFFFF"/>
+                  </a:solidFill>
+                </a14:hiddenFill>
+              </a:ext>
+            </a:extLst>
+          </p:spPr>
+        </p:pic>
+        <p:sp>
+          <p:nvSpPr>
+            <p:cNvPr id="94" name="직사각형 93">
+              <a:extLst>
+                <a:ext uri="{FF2B5EF4-FFF2-40B4-BE49-F238E27FC236}">
+                  <a16:creationId xmlns:a16="http://schemas.microsoft.com/office/drawing/2014/main" id="{D0407197-BA12-4928-AA83-C015C13E704C}"/>
+                </a:ext>
+              </a:extLst>
+            </p:cNvPr>
+            <p:cNvSpPr/>
+            <p:nvPr/>
+          </p:nvSpPr>
+          <p:spPr>
+            <a:xfrm>
+              <a:off x="4049033" y="5710316"/>
+              <a:ext cx="403225" cy="366052"/>
+            </a:xfrm>
+            <a:prstGeom prst="rect">
+              <a:avLst/>
+            </a:prstGeom>
+          </p:spPr>
+          <p:style>
+            <a:lnRef idx="2">
+              <a:schemeClr val="dk1"/>
+            </a:lnRef>
+            <a:fillRef idx="1">
+              <a:schemeClr val="lt1"/>
+            </a:fillRef>
+            <a:effectRef idx="0">
+              <a:schemeClr val="dk1"/>
+            </a:effectRef>
+            <a:fontRef idx="minor">
+              <a:schemeClr val="dk1"/>
+            </a:fontRef>
+          </p:style>
+          <p:txBody>
+            <a:bodyPr rtlCol="0" anchor="ctr"/>
+            <a:lstStyle/>
+            <a:p>
+              <a:pPr algn="ctr"/>
+              <a:endParaRPr lang="en-US"/>
+            </a:p>
+          </p:txBody>
+        </p:sp>
+      </p:grpSp>
+      <p:cxnSp>
+        <p:nvCxnSpPr>
+          <p:cNvPr id="95" name="직선 화살표 연결선 94">
+            <a:extLst>
+              <a:ext uri="{FF2B5EF4-FFF2-40B4-BE49-F238E27FC236}">
+                <a16:creationId xmlns:a16="http://schemas.microsoft.com/office/drawing/2014/main" id="{1F9C061E-38AA-4D05-B4FD-F98E36A78176}"/>
+              </a:ext>
+            </a:extLst>
+          </p:cNvPr>
+          <p:cNvCxnSpPr>
+            <a:stCxn id="11" idx="2"/>
+          </p:cNvCxnSpPr>
+          <p:nvPr/>
+        </p:nvCxnSpPr>
+        <p:spPr>
+          <a:xfrm>
+            <a:off x="4752957" y="1803916"/>
+            <a:ext cx="0" cy="418584"/>
+          </a:xfrm>
+          <a:prstGeom prst="straightConnector1">
+            <a:avLst/>
+          </a:prstGeom>
+          <a:ln>
+            <a:solidFill>
+              <a:schemeClr val="tx1"/>
+            </a:solidFill>
+            <a:tailEnd type="triangle"/>
+          </a:ln>
+        </p:spPr>
+        <p:style>
+          <a:lnRef idx="1">
+            <a:schemeClr val="accent1"/>
+          </a:lnRef>
+          <a:fillRef idx="0">
+            <a:schemeClr val="accent1"/>
+          </a:fillRef>
+          <a:effectRef idx="0">
+            <a:schemeClr val="accent1"/>
+          </a:effectRef>
+          <a:fontRef idx="minor">
+            <a:schemeClr val="tx1"/>
+          </a:fontRef>
+        </p:style>
+      </p:cxnSp>
+      <p:cxnSp>
+        <p:nvCxnSpPr>
+          <p:cNvPr id="97" name="직선 화살표 연결선 96">
+            <a:extLst>
+              <a:ext uri="{FF2B5EF4-FFF2-40B4-BE49-F238E27FC236}">
+                <a16:creationId xmlns:a16="http://schemas.microsoft.com/office/drawing/2014/main" id="{768C6538-7286-4B95-9298-F9B59DC76D2A}"/>
+              </a:ext>
+            </a:extLst>
+          </p:cNvPr>
+          <p:cNvCxnSpPr/>
+          <p:nvPr/>
+        </p:nvCxnSpPr>
+        <p:spPr>
+          <a:xfrm>
+            <a:off x="7669516" y="1803916"/>
+            <a:ext cx="0" cy="418584"/>
+          </a:xfrm>
+          <a:prstGeom prst="straightConnector1">
+            <a:avLst/>
+          </a:prstGeom>
+          <a:ln>
+            <a:solidFill>
+              <a:schemeClr val="tx1"/>
+            </a:solidFill>
+            <a:tailEnd type="triangle"/>
+          </a:ln>
+        </p:spPr>
+        <p:style>
+          <a:lnRef idx="1">
+            <a:schemeClr val="accent1"/>
+          </a:lnRef>
+          <a:fillRef idx="0">
+            <a:schemeClr val="accent1"/>
+          </a:fillRef>
+          <a:effectRef idx="0">
+            <a:schemeClr val="accent1"/>
+          </a:effectRef>
+          <a:fontRef idx="minor">
+            <a:schemeClr val="tx1"/>
+          </a:fontRef>
+        </p:style>
+      </p:cxnSp>
+      <p:cxnSp>
+        <p:nvCxnSpPr>
+          <p:cNvPr id="98" name="직선 화살표 연결선 97">
+            <a:extLst>
+              <a:ext uri="{FF2B5EF4-FFF2-40B4-BE49-F238E27FC236}">
+                <a16:creationId xmlns:a16="http://schemas.microsoft.com/office/drawing/2014/main" id="{632EB243-E021-4971-9880-2CE744AB5E83}"/>
+              </a:ext>
+            </a:extLst>
+          </p:cNvPr>
+          <p:cNvCxnSpPr/>
+          <p:nvPr/>
+        </p:nvCxnSpPr>
+        <p:spPr>
+          <a:xfrm>
+            <a:off x="10586075" y="1803916"/>
+            <a:ext cx="0" cy="418584"/>
+          </a:xfrm>
+          <a:prstGeom prst="straightConnector1">
+            <a:avLst/>
+          </a:prstGeom>
+          <a:ln>
+            <a:solidFill>
+              <a:schemeClr val="tx1"/>
+            </a:solidFill>
+            <a:tailEnd type="triangle"/>
+          </a:ln>
+        </p:spPr>
+        <p:style>
+          <a:lnRef idx="1">
+            <a:schemeClr val="accent1"/>
+          </a:lnRef>
+          <a:fillRef idx="0">
+            <a:schemeClr val="accent1"/>
+          </a:fillRef>
+          <a:effectRef idx="0">
+            <a:schemeClr val="accent1"/>
+          </a:effectRef>
+          <a:fontRef idx="minor">
+            <a:schemeClr val="tx1"/>
+          </a:fontRef>
+        </p:style>
+      </p:cxnSp>
+      <p:sp>
+        <p:nvSpPr>
+          <p:cNvPr id="2" name="TextBox 1">
+            <a:extLst>
+              <a:ext uri="{FF2B5EF4-FFF2-40B4-BE49-F238E27FC236}">
+                <a16:creationId xmlns:a16="http://schemas.microsoft.com/office/drawing/2014/main" id="{B4AE119D-C7C1-4B7E-9BEB-7BC6E6C6DA97}"/>
+              </a:ext>
+            </a:extLst>
+          </p:cNvPr>
+          <p:cNvSpPr txBox="1"/>
+          <p:nvPr/>
+        </p:nvSpPr>
+        <p:spPr>
+          <a:xfrm>
+            <a:off x="4774178" y="1828542"/>
+            <a:ext cx="1029064" cy="369332"/>
+          </a:xfrm>
+          <a:prstGeom prst="rect">
+            <a:avLst/>
+          </a:prstGeom>
+          <a:noFill/>
+        </p:spPr>
+        <p:txBody>
+          <a:bodyPr wrap="none" rtlCol="0">
+            <a:spAutoFit/>
+          </a:bodyPr>
+          <a:lstStyle/>
+          <a:p>
+            <a:r>
+              <a:rPr lang="en-US" dirty="0"/>
+              <a:t>Attribute</a:t>
+            </a:r>
+          </a:p>
+        </p:txBody>
+      </p:sp>
+      <p:sp>
+        <p:nvSpPr>
+          <p:cNvPr id="96" name="TextBox 95">
+            <a:extLst>
+              <a:ext uri="{FF2B5EF4-FFF2-40B4-BE49-F238E27FC236}">
+                <a16:creationId xmlns:a16="http://schemas.microsoft.com/office/drawing/2014/main" id="{C293F665-E25D-4AFD-8990-7D692C9E28B1}"/>
+              </a:ext>
+            </a:extLst>
+          </p:cNvPr>
+          <p:cNvSpPr txBox="1"/>
+          <p:nvPr/>
+        </p:nvSpPr>
+        <p:spPr>
+          <a:xfrm>
+            <a:off x="7741763" y="1828542"/>
+            <a:ext cx="1029064" cy="369332"/>
+          </a:xfrm>
+          <a:prstGeom prst="rect">
+            <a:avLst/>
+          </a:prstGeom>
+          <a:noFill/>
+        </p:spPr>
+        <p:txBody>
+          <a:bodyPr wrap="none" rtlCol="0">
+            <a:spAutoFit/>
+          </a:bodyPr>
+          <a:lstStyle/>
+          <a:p>
+            <a:r>
+              <a:rPr lang="en-US" dirty="0"/>
+              <a:t>Attribute</a:t>
+            </a:r>
+          </a:p>
+        </p:txBody>
+      </p:sp>
+      <p:sp>
+        <p:nvSpPr>
+          <p:cNvPr id="99" name="TextBox 98">
+            <a:extLst>
+              <a:ext uri="{FF2B5EF4-FFF2-40B4-BE49-F238E27FC236}">
+                <a16:creationId xmlns:a16="http://schemas.microsoft.com/office/drawing/2014/main" id="{A38B675C-DCDB-485F-A918-B10DF733A809}"/>
+              </a:ext>
+            </a:extLst>
+          </p:cNvPr>
+          <p:cNvSpPr txBox="1"/>
+          <p:nvPr/>
+        </p:nvSpPr>
+        <p:spPr>
+          <a:xfrm>
+            <a:off x="10658321" y="1828542"/>
+            <a:ext cx="1029064" cy="369332"/>
+          </a:xfrm>
+          <a:prstGeom prst="rect">
+            <a:avLst/>
+          </a:prstGeom>
+          <a:noFill/>
+        </p:spPr>
+        <p:txBody>
+          <a:bodyPr wrap="none" rtlCol="0">
+            <a:spAutoFit/>
+          </a:bodyPr>
+          <a:lstStyle/>
+          <a:p>
+            <a:r>
+              <a:rPr lang="en-US" dirty="0"/>
+              <a:t>Attribute</a:t>
+            </a:r>
+          </a:p>
+        </p:txBody>
+      </p:sp>
+      <p:sp>
+        <p:nvSpPr>
+          <p:cNvPr id="101" name="직사각형 100">
+            <a:extLst>
+              <a:ext uri="{FF2B5EF4-FFF2-40B4-BE49-F238E27FC236}">
+                <a16:creationId xmlns:a16="http://schemas.microsoft.com/office/drawing/2014/main" id="{9AD0BA58-8977-4AE3-A53F-3573B5D15739}"/>
+              </a:ext>
+            </a:extLst>
+          </p:cNvPr>
+          <p:cNvSpPr/>
+          <p:nvPr/>
+        </p:nvSpPr>
+        <p:spPr>
+          <a:xfrm>
+            <a:off x="12640942" y="2293943"/>
+            <a:ext cx="2447032" cy="362139"/>
+          </a:xfrm>
+          <a:prstGeom prst="rect">
+            <a:avLst/>
+          </a:prstGeom>
+          <a:noFill/>
+        </p:spPr>
+        <p:style>
+          <a:lnRef idx="2">
+            <a:schemeClr val="dk1"/>
+          </a:lnRef>
+          <a:fillRef idx="1">
+            <a:schemeClr val="lt1"/>
+          </a:fillRef>
+          <a:effectRef idx="0">
+            <a:schemeClr val="dk1"/>
+          </a:effectRef>
+          <a:fontRef idx="minor">
+            <a:schemeClr val="dk1"/>
+          </a:fontRef>
+        </p:style>
+        <p:txBody>
+          <a:bodyPr rtlCol="0" anchor="ctr"/>
+          <a:lstStyle/>
+          <a:p>
+            <a:pPr algn="ctr"/>
+            <a:r>
+              <a:rPr lang="en-US" dirty="0"/>
+              <a:t>glUniform4f()</a:t>
+            </a:r>
+          </a:p>
+        </p:txBody>
+      </p:sp>
+      <p:sp>
+        <p:nvSpPr>
+          <p:cNvPr id="102" name="직사각형 101">
+            <a:extLst>
+              <a:ext uri="{FF2B5EF4-FFF2-40B4-BE49-F238E27FC236}">
+                <a16:creationId xmlns:a16="http://schemas.microsoft.com/office/drawing/2014/main" id="{6962394E-3394-4C51-9044-928015257C23}"/>
+              </a:ext>
+            </a:extLst>
+          </p:cNvPr>
+          <p:cNvSpPr/>
+          <p:nvPr/>
+        </p:nvSpPr>
+        <p:spPr>
+          <a:xfrm>
+            <a:off x="12822345" y="1417636"/>
+            <a:ext cx="2084225" cy="369332"/>
+          </a:xfrm>
+          <a:prstGeom prst="rect">
+            <a:avLst/>
+          </a:prstGeom>
+        </p:spPr>
+        <p:txBody>
+          <a:bodyPr wrap="none">
+            <a:spAutoFit/>
+          </a:bodyPr>
+          <a:lstStyle/>
+          <a:p>
+            <a:r>
+              <a:rPr lang="en-US" b="1" dirty="0">
+                <a:solidFill>
+                  <a:srgbClr val="0000FF"/>
+                </a:solidFill>
+                <a:latin typeface="Consolas" panose="020B0609020204030204" pitchFamily="49" charset="0"/>
+              </a:rPr>
+              <a:t>[-0.5f, 0.0, …]</a:t>
+            </a:r>
+            <a:endParaRPr lang="en-US" b="1" dirty="0">
+              <a:solidFill>
+                <a:srgbClr val="0000FF"/>
+              </a:solidFill>
+              <a:effectLst/>
+              <a:latin typeface="Consolas" panose="020B0609020204030204" pitchFamily="49" charset="0"/>
+            </a:endParaRPr>
+          </a:p>
+        </p:txBody>
+      </p:sp>
+      <p:cxnSp>
+        <p:nvCxnSpPr>
+          <p:cNvPr id="6" name="직선 화살표 연결선 5">
+            <a:extLst>
+              <a:ext uri="{FF2B5EF4-FFF2-40B4-BE49-F238E27FC236}">
+                <a16:creationId xmlns:a16="http://schemas.microsoft.com/office/drawing/2014/main" id="{E2C1AE4E-1AA0-4816-91B5-40507A3BA4F7}"/>
+              </a:ext>
+            </a:extLst>
+          </p:cNvPr>
+          <p:cNvCxnSpPr>
+            <a:stCxn id="102" idx="2"/>
+            <a:endCxn id="101" idx="0"/>
+          </p:cNvCxnSpPr>
+          <p:nvPr/>
+        </p:nvCxnSpPr>
+        <p:spPr>
+          <a:xfrm>
+            <a:off x="13864458" y="1786968"/>
+            <a:ext cx="0" cy="506975"/>
+          </a:xfrm>
+          <a:prstGeom prst="straightConnector1">
+            <a:avLst/>
+          </a:prstGeom>
+          <a:ln>
+            <a:solidFill>
+              <a:schemeClr val="tx1"/>
+            </a:solidFill>
+            <a:tailEnd type="triangle"/>
+          </a:ln>
+        </p:spPr>
+        <p:style>
+          <a:lnRef idx="1">
+            <a:schemeClr val="accent1"/>
+          </a:lnRef>
+          <a:fillRef idx="0">
+            <a:schemeClr val="accent1"/>
+          </a:fillRef>
+          <a:effectRef idx="0">
+            <a:schemeClr val="accent1"/>
+          </a:effectRef>
+          <a:fontRef idx="minor">
+            <a:schemeClr val="tx1"/>
+          </a:fontRef>
+        </p:style>
+      </p:cxnSp>
+      <p:cxnSp>
+        <p:nvCxnSpPr>
+          <p:cNvPr id="29" name="연결선: 꺾임 28">
+            <a:extLst>
+              <a:ext uri="{FF2B5EF4-FFF2-40B4-BE49-F238E27FC236}">
+                <a16:creationId xmlns:a16="http://schemas.microsoft.com/office/drawing/2014/main" id="{B176D505-CFD0-4C98-B408-C262CB010B68}"/>
+              </a:ext>
+            </a:extLst>
+          </p:cNvPr>
+          <p:cNvCxnSpPr>
+            <a:stCxn id="101" idx="1"/>
+            <a:endCxn id="27" idx="0"/>
+          </p:cNvCxnSpPr>
+          <p:nvPr/>
+        </p:nvCxnSpPr>
+        <p:spPr>
+          <a:xfrm rot="10800000" flipV="1">
+            <a:off x="10557642" y="2475013"/>
+            <a:ext cx="2083300" cy="437154"/>
+          </a:xfrm>
+          <a:prstGeom prst="bentConnector2">
+            <a:avLst/>
+          </a:prstGeom>
+          <a:ln>
+            <a:solidFill>
+              <a:srgbClr val="0000FF"/>
+            </a:solidFill>
+            <a:tailEnd type="triangle"/>
+          </a:ln>
+        </p:spPr>
+        <p:style>
+          <a:lnRef idx="1">
+            <a:schemeClr val="accent1"/>
+          </a:lnRef>
+          <a:fillRef idx="0">
+            <a:schemeClr val="accent1"/>
+          </a:fillRef>
+          <a:effectRef idx="0">
+            <a:schemeClr val="accent1"/>
+          </a:effectRef>
+          <a:fontRef idx="minor">
+            <a:schemeClr val="tx1"/>
+          </a:fontRef>
+        </p:style>
+      </p:cxnSp>
+      <p:cxnSp>
+        <p:nvCxnSpPr>
+          <p:cNvPr id="106" name="연결선: 꺾임 105">
+            <a:extLst>
+              <a:ext uri="{FF2B5EF4-FFF2-40B4-BE49-F238E27FC236}">
+                <a16:creationId xmlns:a16="http://schemas.microsoft.com/office/drawing/2014/main" id="{56107D1D-2E08-439B-9EA9-A2DB92B35F35}"/>
+              </a:ext>
+            </a:extLst>
+          </p:cNvPr>
+          <p:cNvCxnSpPr>
+            <a:cxnSpLocks/>
+            <a:stCxn id="101" idx="1"/>
+            <a:endCxn id="26" idx="0"/>
+          </p:cNvCxnSpPr>
+          <p:nvPr/>
+        </p:nvCxnSpPr>
+        <p:spPr>
+          <a:xfrm rot="10800000" flipV="1">
+            <a:off x="7647310" y="2475013"/>
+            <a:ext cx="4993633" cy="437154"/>
+          </a:xfrm>
+          <a:prstGeom prst="bentConnector2">
+            <a:avLst/>
+          </a:prstGeom>
+          <a:ln>
+            <a:solidFill>
+              <a:srgbClr val="0000FF"/>
+            </a:solidFill>
+            <a:tailEnd type="triangle"/>
+          </a:ln>
+        </p:spPr>
+        <p:style>
+          <a:lnRef idx="1">
+            <a:schemeClr val="accent1"/>
+          </a:lnRef>
+          <a:fillRef idx="0">
+            <a:schemeClr val="accent1"/>
+          </a:fillRef>
+          <a:effectRef idx="0">
+            <a:schemeClr val="accent1"/>
+          </a:effectRef>
+          <a:fontRef idx="minor">
+            <a:schemeClr val="tx1"/>
+          </a:fontRef>
+        </p:style>
+      </p:cxnSp>
+      <p:cxnSp>
+        <p:nvCxnSpPr>
+          <p:cNvPr id="107" name="연결선: 꺾임 106">
+            <a:extLst>
+              <a:ext uri="{FF2B5EF4-FFF2-40B4-BE49-F238E27FC236}">
+                <a16:creationId xmlns:a16="http://schemas.microsoft.com/office/drawing/2014/main" id="{3D05C210-C2CD-4024-ADD3-13A8479B1154}"/>
+              </a:ext>
+            </a:extLst>
+          </p:cNvPr>
+          <p:cNvCxnSpPr>
+            <a:cxnSpLocks/>
+            <a:stCxn id="101" idx="1"/>
+            <a:endCxn id="25" idx="0"/>
+          </p:cNvCxnSpPr>
+          <p:nvPr/>
+        </p:nvCxnSpPr>
+        <p:spPr>
+          <a:xfrm rot="10800000" flipV="1">
+            <a:off x="4736976" y="2475012"/>
+            <a:ext cx="7903966" cy="437155"/>
+          </a:xfrm>
+          <a:prstGeom prst="bentConnector2">
+            <a:avLst/>
+          </a:prstGeom>
+          <a:ln>
+            <a:solidFill>
+              <a:srgbClr val="0000FF"/>
+            </a:solidFill>
+            <a:tailEnd type="triangle"/>
+          </a:ln>
+        </p:spPr>
+        <p:style>
+          <a:lnRef idx="1">
+            <a:schemeClr val="accent1"/>
+          </a:lnRef>
+          <a:fillRef idx="0">
+            <a:schemeClr val="accent1"/>
+          </a:fillRef>
+          <a:effectRef idx="0">
+            <a:schemeClr val="accent1"/>
+          </a:effectRef>
+          <a:fontRef idx="minor">
+            <a:schemeClr val="tx1"/>
+          </a:fontRef>
+        </p:style>
+      </p:cxnSp>
+      <p:pic>
+        <p:nvPicPr>
+          <p:cNvPr id="41" name="그림 40">
+            <a:extLst>
+              <a:ext uri="{FF2B5EF4-FFF2-40B4-BE49-F238E27FC236}">
+                <a16:creationId xmlns:a16="http://schemas.microsoft.com/office/drawing/2014/main" id="{533A46BA-0286-4A20-8984-7108FADAA3D8}"/>
+              </a:ext>
+            </a:extLst>
+          </p:cNvPr>
+          <p:cNvPicPr>
+            <a:picLocks noChangeAspect="1"/>
+          </p:cNvPicPr>
+          <p:nvPr/>
+        </p:nvPicPr>
+        <p:blipFill>
+          <a:blip r:embed="rId3"/>
+          <a:stretch>
+            <a:fillRect/>
+          </a:stretch>
+        </p:blipFill>
+        <p:spPr>
+          <a:xfrm>
+            <a:off x="9178956" y="-6084293"/>
+            <a:ext cx="12192000" cy="5899181"/>
+          </a:xfrm>
+          <a:prstGeom prst="rect">
+            <a:avLst/>
+          </a:prstGeom>
+        </p:spPr>
+      </p:pic>
+    </p:spTree>
+    <p:extLst>
+      <p:ext uri="{BB962C8B-B14F-4D97-AF65-F5344CB8AC3E}">
+        <p14:creationId xmlns:p14="http://schemas.microsoft.com/office/powerpoint/2010/main" val="2147422683"/>
+      </p:ext>
+    </p:extLst>
+  </p:cSld>
+  <p:clrMapOvr>
+    <a:masterClrMapping/>
+  </p:clrMapOvr>
+</p:sld>
+</file>
+
 <file path=ppt/theme/theme1.xml><?xml version="1.0" encoding="utf-8"?>
 <a:theme xmlns:a="http://schemas.openxmlformats.org/drawingml/2006/main" name="Office 테마">
   <a:themeElements>

--- a/docs/tutorial-opengl/assets/figures.pptx
+++ b/docs/tutorial-opengl/assets/figures.pptx
@@ -9,6 +9,8 @@
     <p:sldId id="257" r:id="rId3"/>
     <p:sldId id="258" r:id="rId4"/>
     <p:sldId id="259" r:id="rId5"/>
+    <p:sldId id="260" r:id="rId6"/>
+    <p:sldId id="261" r:id="rId7"/>
   </p:sldIdLst>
   <p:sldSz cx="12192000" cy="6858000"/>
   <p:notesSz cx="6858000" cy="9144000"/>
@@ -264,7 +266,7 @@
           <a:p>
             <a:fld id="{5ED19601-7AAA-4ADB-9403-46F6CC5497EC}" type="datetimeFigureOut">
               <a:rPr lang="en-US" smtClean="0"/>
-              <a:t>7/1/2024</a:t>
+              <a:t>7/3/2024</a:t>
             </a:fld>
             <a:endParaRPr lang="en-US"/>
           </a:p>
@@ -464,7 +466,7 @@
           <a:p>
             <a:fld id="{5ED19601-7AAA-4ADB-9403-46F6CC5497EC}" type="datetimeFigureOut">
               <a:rPr lang="en-US" smtClean="0"/>
-              <a:t>7/1/2024</a:t>
+              <a:t>7/3/2024</a:t>
             </a:fld>
             <a:endParaRPr lang="en-US"/>
           </a:p>
@@ -674,7 +676,7 @@
           <a:p>
             <a:fld id="{5ED19601-7AAA-4ADB-9403-46F6CC5497EC}" type="datetimeFigureOut">
               <a:rPr lang="en-US" smtClean="0"/>
-              <a:t>7/1/2024</a:t>
+              <a:t>7/3/2024</a:t>
             </a:fld>
             <a:endParaRPr lang="en-US"/>
           </a:p>
@@ -874,7 +876,7 @@
           <a:p>
             <a:fld id="{5ED19601-7AAA-4ADB-9403-46F6CC5497EC}" type="datetimeFigureOut">
               <a:rPr lang="en-US" smtClean="0"/>
-              <a:t>7/1/2024</a:t>
+              <a:t>7/3/2024</a:t>
             </a:fld>
             <a:endParaRPr lang="en-US"/>
           </a:p>
@@ -1150,7 +1152,7 @@
           <a:p>
             <a:fld id="{5ED19601-7AAA-4ADB-9403-46F6CC5497EC}" type="datetimeFigureOut">
               <a:rPr lang="en-US" smtClean="0"/>
-              <a:t>7/1/2024</a:t>
+              <a:t>7/3/2024</a:t>
             </a:fld>
             <a:endParaRPr lang="en-US"/>
           </a:p>
@@ -1418,7 +1420,7 @@
           <a:p>
             <a:fld id="{5ED19601-7AAA-4ADB-9403-46F6CC5497EC}" type="datetimeFigureOut">
               <a:rPr lang="en-US" smtClean="0"/>
-              <a:t>7/1/2024</a:t>
+              <a:t>7/3/2024</a:t>
             </a:fld>
             <a:endParaRPr lang="en-US"/>
           </a:p>
@@ -1833,7 +1835,7 @@
           <a:p>
             <a:fld id="{5ED19601-7AAA-4ADB-9403-46F6CC5497EC}" type="datetimeFigureOut">
               <a:rPr lang="en-US" smtClean="0"/>
-              <a:t>7/1/2024</a:t>
+              <a:t>7/3/2024</a:t>
             </a:fld>
             <a:endParaRPr lang="en-US"/>
           </a:p>
@@ -1975,7 +1977,7 @@
           <a:p>
             <a:fld id="{5ED19601-7AAA-4ADB-9403-46F6CC5497EC}" type="datetimeFigureOut">
               <a:rPr lang="en-US" smtClean="0"/>
-              <a:t>7/1/2024</a:t>
+              <a:t>7/3/2024</a:t>
             </a:fld>
             <a:endParaRPr lang="en-US"/>
           </a:p>
@@ -2088,7 +2090,7 @@
           <a:p>
             <a:fld id="{5ED19601-7AAA-4ADB-9403-46F6CC5497EC}" type="datetimeFigureOut">
               <a:rPr lang="en-US" smtClean="0"/>
-              <a:t>7/1/2024</a:t>
+              <a:t>7/3/2024</a:t>
             </a:fld>
             <a:endParaRPr lang="en-US"/>
           </a:p>
@@ -2401,7 +2403,7 @@
           <a:p>
             <a:fld id="{5ED19601-7AAA-4ADB-9403-46F6CC5497EC}" type="datetimeFigureOut">
               <a:rPr lang="en-US" smtClean="0"/>
-              <a:t>7/1/2024</a:t>
+              <a:t>7/3/2024</a:t>
             </a:fld>
             <a:endParaRPr lang="en-US"/>
           </a:p>
@@ -2690,7 +2692,7 @@
           <a:p>
             <a:fld id="{5ED19601-7AAA-4ADB-9403-46F6CC5497EC}" type="datetimeFigureOut">
               <a:rPr lang="en-US" smtClean="0"/>
-              <a:t>7/1/2024</a:t>
+              <a:t>7/3/2024</a:t>
             </a:fld>
             <a:endParaRPr lang="en-US"/>
           </a:p>
@@ -2933,7 +2935,7 @@
           <a:p>
             <a:fld id="{5ED19601-7AAA-4ADB-9403-46F6CC5497EC}" type="datetimeFigureOut">
               <a:rPr lang="en-US" smtClean="0"/>
-              <a:t>7/1/2024</a:t>
+              <a:t>7/3/2024</a:t>
             </a:fld>
             <a:endParaRPr lang="en-US"/>
           </a:p>
@@ -12403,6 +12405,2499 @@
 </p:sld>
 </file>
 
+<file path=ppt/slides/slide5.xml><?xml version="1.0" encoding="utf-8"?>
+<p:sld xmlns:a="http://schemas.openxmlformats.org/drawingml/2006/main" xmlns:r="http://schemas.openxmlformats.org/officeDocument/2006/relationships" xmlns:p="http://schemas.openxmlformats.org/presentationml/2006/main">
+  <p:cSld>
+    <p:spTree>
+      <p:nvGrpSpPr>
+        <p:cNvPr id="1" name=""/>
+        <p:cNvGrpSpPr/>
+        <p:nvPr/>
+      </p:nvGrpSpPr>
+      <p:grpSpPr>
+        <a:xfrm>
+          <a:off x="0" y="0"/>
+          <a:ext cx="0" cy="0"/>
+          <a:chOff x="0" y="0"/>
+          <a:chExt cx="0" cy="0"/>
+        </a:xfrm>
+      </p:grpSpPr>
+      <p:sp>
+        <p:nvSpPr>
+          <p:cNvPr id="4" name="타원 3">
+            <a:extLst>
+              <a:ext uri="{FF2B5EF4-FFF2-40B4-BE49-F238E27FC236}">
+                <a16:creationId xmlns:a16="http://schemas.microsoft.com/office/drawing/2014/main" id="{3E9641D9-C384-4F68-824C-3F74BB78B4B2}"/>
+              </a:ext>
+            </a:extLst>
+          </p:cNvPr>
+          <p:cNvSpPr/>
+          <p:nvPr/>
+        </p:nvSpPr>
+        <p:spPr>
+          <a:xfrm>
+            <a:off x="1522870" y="2761917"/>
+            <a:ext cx="138023" cy="138023"/>
+          </a:xfrm>
+          <a:prstGeom prst="ellipse">
+            <a:avLst/>
+          </a:prstGeom>
+          <a:solidFill>
+            <a:srgbClr val="FF0000"/>
+          </a:solidFill>
+          <a:ln>
+            <a:solidFill>
+              <a:schemeClr val="tx1"/>
+            </a:solidFill>
+          </a:ln>
+        </p:spPr>
+        <p:style>
+          <a:lnRef idx="2">
+            <a:schemeClr val="accent1">
+              <a:shade val="50000"/>
+            </a:schemeClr>
+          </a:lnRef>
+          <a:fillRef idx="1">
+            <a:schemeClr val="accent1"/>
+          </a:fillRef>
+          <a:effectRef idx="0">
+            <a:schemeClr val="accent1"/>
+          </a:effectRef>
+          <a:fontRef idx="minor">
+            <a:schemeClr val="lt1"/>
+          </a:fontRef>
+        </p:style>
+        <p:txBody>
+          <a:bodyPr rtlCol="0" anchor="ctr"/>
+          <a:lstStyle/>
+          <a:p>
+            <a:pPr algn="ctr"/>
+            <a:endParaRPr lang="ko-KR" altLang="en-US"/>
+          </a:p>
+        </p:txBody>
+      </p:sp>
+      <p:sp>
+        <p:nvSpPr>
+          <p:cNvPr id="5" name="타원 4">
+            <a:extLst>
+              <a:ext uri="{FF2B5EF4-FFF2-40B4-BE49-F238E27FC236}">
+                <a16:creationId xmlns:a16="http://schemas.microsoft.com/office/drawing/2014/main" id="{404D07C7-588D-4064-9D6F-E0CA321B3412}"/>
+              </a:ext>
+            </a:extLst>
+          </p:cNvPr>
+          <p:cNvSpPr/>
+          <p:nvPr/>
+        </p:nvSpPr>
+        <p:spPr>
+          <a:xfrm>
+            <a:off x="1537247" y="1498471"/>
+            <a:ext cx="138023" cy="138023"/>
+          </a:xfrm>
+          <a:prstGeom prst="ellipse">
+            <a:avLst/>
+          </a:prstGeom>
+          <a:solidFill>
+            <a:srgbClr val="CC334D"/>
+          </a:solidFill>
+          <a:ln>
+            <a:solidFill>
+              <a:schemeClr val="tx1"/>
+            </a:solidFill>
+          </a:ln>
+        </p:spPr>
+        <p:style>
+          <a:lnRef idx="2">
+            <a:schemeClr val="accent1">
+              <a:shade val="50000"/>
+            </a:schemeClr>
+          </a:lnRef>
+          <a:fillRef idx="1">
+            <a:schemeClr val="accent1"/>
+          </a:fillRef>
+          <a:effectRef idx="0">
+            <a:schemeClr val="accent1"/>
+          </a:effectRef>
+          <a:fontRef idx="minor">
+            <a:schemeClr val="lt1"/>
+          </a:fontRef>
+        </p:style>
+        <p:txBody>
+          <a:bodyPr rtlCol="0" anchor="ctr"/>
+          <a:lstStyle/>
+          <a:p>
+            <a:pPr algn="ctr"/>
+            <a:endParaRPr lang="ko-KR" altLang="en-US"/>
+          </a:p>
+        </p:txBody>
+      </p:sp>
+      <p:sp>
+        <p:nvSpPr>
+          <p:cNvPr id="6" name="타원 5">
+            <a:extLst>
+              <a:ext uri="{FF2B5EF4-FFF2-40B4-BE49-F238E27FC236}">
+                <a16:creationId xmlns:a16="http://schemas.microsoft.com/office/drawing/2014/main" id="{30380797-AC9D-4220-81B8-5AF1EF934350}"/>
+              </a:ext>
+            </a:extLst>
+          </p:cNvPr>
+          <p:cNvSpPr/>
+          <p:nvPr/>
+        </p:nvSpPr>
+        <p:spPr>
+          <a:xfrm>
+            <a:off x="2996966" y="1498471"/>
+            <a:ext cx="138023" cy="138023"/>
+          </a:xfrm>
+          <a:prstGeom prst="ellipse">
+            <a:avLst/>
+          </a:prstGeom>
+          <a:solidFill>
+            <a:srgbClr val="0000FF"/>
+          </a:solidFill>
+          <a:ln>
+            <a:solidFill>
+              <a:schemeClr val="tx1"/>
+            </a:solidFill>
+          </a:ln>
+        </p:spPr>
+        <p:style>
+          <a:lnRef idx="2">
+            <a:schemeClr val="accent1">
+              <a:shade val="50000"/>
+            </a:schemeClr>
+          </a:lnRef>
+          <a:fillRef idx="1">
+            <a:schemeClr val="accent1"/>
+          </a:fillRef>
+          <a:effectRef idx="0">
+            <a:schemeClr val="accent1"/>
+          </a:effectRef>
+          <a:fontRef idx="minor">
+            <a:schemeClr val="lt1"/>
+          </a:fontRef>
+        </p:style>
+        <p:txBody>
+          <a:bodyPr rtlCol="0" anchor="ctr"/>
+          <a:lstStyle/>
+          <a:p>
+            <a:pPr algn="ctr"/>
+            <a:endParaRPr lang="ko-KR" altLang="en-US"/>
+          </a:p>
+        </p:txBody>
+      </p:sp>
+      <p:sp>
+        <p:nvSpPr>
+          <p:cNvPr id="7" name="타원 6">
+            <a:extLst>
+              <a:ext uri="{FF2B5EF4-FFF2-40B4-BE49-F238E27FC236}">
+                <a16:creationId xmlns:a16="http://schemas.microsoft.com/office/drawing/2014/main" id="{CDA0A39C-87A3-44E2-B109-7A2DA3A02F63}"/>
+              </a:ext>
+            </a:extLst>
+          </p:cNvPr>
+          <p:cNvSpPr/>
+          <p:nvPr/>
+        </p:nvSpPr>
+        <p:spPr>
+          <a:xfrm>
+            <a:off x="2996965" y="2761916"/>
+            <a:ext cx="138023" cy="138023"/>
+          </a:xfrm>
+          <a:prstGeom prst="ellipse">
+            <a:avLst/>
+          </a:prstGeom>
+          <a:solidFill>
+            <a:srgbClr val="00FF00"/>
+          </a:solidFill>
+          <a:ln>
+            <a:solidFill>
+              <a:schemeClr val="tx1"/>
+            </a:solidFill>
+          </a:ln>
+        </p:spPr>
+        <p:style>
+          <a:lnRef idx="2">
+            <a:schemeClr val="accent1">
+              <a:shade val="50000"/>
+            </a:schemeClr>
+          </a:lnRef>
+          <a:fillRef idx="1">
+            <a:schemeClr val="accent1"/>
+          </a:fillRef>
+          <a:effectRef idx="0">
+            <a:schemeClr val="accent1"/>
+          </a:effectRef>
+          <a:fontRef idx="minor">
+            <a:schemeClr val="lt1"/>
+          </a:fontRef>
+        </p:style>
+        <p:txBody>
+          <a:bodyPr rtlCol="0" anchor="ctr"/>
+          <a:lstStyle/>
+          <a:p>
+            <a:pPr algn="ctr"/>
+            <a:endParaRPr lang="ko-KR" altLang="en-US"/>
+          </a:p>
+        </p:txBody>
+      </p:sp>
+      <p:sp>
+        <p:nvSpPr>
+          <p:cNvPr id="8" name="TextBox 7">
+            <a:extLst>
+              <a:ext uri="{FF2B5EF4-FFF2-40B4-BE49-F238E27FC236}">
+                <a16:creationId xmlns:a16="http://schemas.microsoft.com/office/drawing/2014/main" id="{B312ECBA-71DB-4FCE-A1B0-EEBDDCCC01F1}"/>
+              </a:ext>
+            </a:extLst>
+          </p:cNvPr>
+          <p:cNvSpPr txBox="1"/>
+          <p:nvPr/>
+        </p:nvSpPr>
+        <p:spPr>
+          <a:xfrm>
+            <a:off x="375557" y="3059668"/>
+            <a:ext cx="2018501" cy="738664"/>
+          </a:xfrm>
+          <a:prstGeom prst="rect">
+            <a:avLst/>
+          </a:prstGeom>
+          <a:noFill/>
+        </p:spPr>
+        <p:txBody>
+          <a:bodyPr wrap="none" rtlCol="0">
+            <a:spAutoFit/>
+          </a:bodyPr>
+          <a:lstStyle/>
+          <a:p>
+            <a:r>
+              <a:rPr lang="en-US" altLang="ko-KR" sz="1400" b="1" dirty="0"/>
+              <a:t>[0</a:t>
+            </a:r>
+            <a:r>
+              <a:rPr lang="ko-KR" altLang="en-US" sz="1400" b="1" dirty="0"/>
+              <a:t>번 정점</a:t>
+            </a:r>
+            <a:r>
+              <a:rPr lang="en-US" altLang="ko-KR" sz="1400" b="1" dirty="0"/>
+              <a:t>]</a:t>
+            </a:r>
+          </a:p>
+          <a:p>
+            <a:r>
+              <a:rPr lang="ko-KR" altLang="en-US" sz="1400" dirty="0"/>
+              <a:t>위치</a:t>
+            </a:r>
+            <a:r>
+              <a:rPr lang="en-US" altLang="ko-KR" sz="1400" dirty="0"/>
+              <a:t>: (-0.5, -0.5)</a:t>
+            </a:r>
+          </a:p>
+          <a:p>
+            <a:r>
+              <a:rPr lang="ko-KR" altLang="en-US" sz="1400" dirty="0"/>
+              <a:t>색상</a:t>
+            </a:r>
+            <a:r>
+              <a:rPr lang="en-US" altLang="ko-KR" sz="1400" dirty="0"/>
+              <a:t>: (1.0, 0.0, 0.0, 1.0)</a:t>
+            </a:r>
+            <a:endParaRPr lang="ko-KR" altLang="en-US" sz="1400" dirty="0"/>
+          </a:p>
+        </p:txBody>
+      </p:sp>
+      <p:sp>
+        <p:nvSpPr>
+          <p:cNvPr id="9" name="TextBox 8">
+            <a:extLst>
+              <a:ext uri="{FF2B5EF4-FFF2-40B4-BE49-F238E27FC236}">
+                <a16:creationId xmlns:a16="http://schemas.microsoft.com/office/drawing/2014/main" id="{E9FB04C7-F631-486B-BF8C-1E49BD182CD7}"/>
+              </a:ext>
+            </a:extLst>
+          </p:cNvPr>
+          <p:cNvSpPr txBox="1"/>
+          <p:nvPr/>
+        </p:nvSpPr>
+        <p:spPr>
+          <a:xfrm>
+            <a:off x="2996965" y="3059668"/>
+            <a:ext cx="2018501" cy="738664"/>
+          </a:xfrm>
+          <a:prstGeom prst="rect">
+            <a:avLst/>
+          </a:prstGeom>
+          <a:noFill/>
+        </p:spPr>
+        <p:txBody>
+          <a:bodyPr wrap="none" rtlCol="0">
+            <a:spAutoFit/>
+          </a:bodyPr>
+          <a:lstStyle/>
+          <a:p>
+            <a:r>
+              <a:rPr lang="en-US" altLang="ko-KR" sz="1400" b="1" dirty="0"/>
+              <a:t>[1</a:t>
+            </a:r>
+            <a:r>
+              <a:rPr lang="ko-KR" altLang="en-US" sz="1400" b="1" dirty="0"/>
+              <a:t>번 정점</a:t>
+            </a:r>
+            <a:r>
+              <a:rPr lang="en-US" altLang="ko-KR" sz="1400" b="1" dirty="0"/>
+              <a:t>]</a:t>
+            </a:r>
+          </a:p>
+          <a:p>
+            <a:r>
+              <a:rPr lang="ko-KR" altLang="en-US" sz="1400" dirty="0"/>
+              <a:t>위치</a:t>
+            </a:r>
+            <a:r>
+              <a:rPr lang="en-US" altLang="ko-KR" sz="1400" dirty="0"/>
+              <a:t>: (0.5, -0.5)</a:t>
+            </a:r>
+          </a:p>
+          <a:p>
+            <a:r>
+              <a:rPr lang="ko-KR" altLang="en-US" sz="1400" dirty="0"/>
+              <a:t>색상</a:t>
+            </a:r>
+            <a:r>
+              <a:rPr lang="en-US" altLang="ko-KR" sz="1400" dirty="0"/>
+              <a:t>: (0.0, 1.0, 0.0, 1.0)</a:t>
+            </a:r>
+            <a:endParaRPr lang="ko-KR" altLang="en-US" sz="1400" dirty="0"/>
+          </a:p>
+        </p:txBody>
+      </p:sp>
+      <p:sp>
+        <p:nvSpPr>
+          <p:cNvPr id="10" name="TextBox 9">
+            <a:extLst>
+              <a:ext uri="{FF2B5EF4-FFF2-40B4-BE49-F238E27FC236}">
+                <a16:creationId xmlns:a16="http://schemas.microsoft.com/office/drawing/2014/main" id="{93897959-B8B5-4903-908E-61E296452357}"/>
+              </a:ext>
+            </a:extLst>
+          </p:cNvPr>
+          <p:cNvSpPr txBox="1"/>
+          <p:nvPr/>
+        </p:nvSpPr>
+        <p:spPr>
+          <a:xfrm>
+            <a:off x="375557" y="448635"/>
+            <a:ext cx="2018501" cy="738664"/>
+          </a:xfrm>
+          <a:prstGeom prst="rect">
+            <a:avLst/>
+          </a:prstGeom>
+          <a:noFill/>
+        </p:spPr>
+        <p:txBody>
+          <a:bodyPr wrap="none" rtlCol="0">
+            <a:spAutoFit/>
+          </a:bodyPr>
+          <a:lstStyle/>
+          <a:p>
+            <a:r>
+              <a:rPr lang="en-US" altLang="ko-KR" sz="1400" b="1" dirty="0"/>
+              <a:t>[3</a:t>
+            </a:r>
+            <a:r>
+              <a:rPr lang="ko-KR" altLang="en-US" sz="1400" b="1" dirty="0"/>
+              <a:t>번 정점</a:t>
+            </a:r>
+            <a:r>
+              <a:rPr lang="en-US" altLang="ko-KR" sz="1400" b="1" dirty="0"/>
+              <a:t>]</a:t>
+            </a:r>
+          </a:p>
+          <a:p>
+            <a:r>
+              <a:rPr lang="ko-KR" altLang="en-US" sz="1400" dirty="0"/>
+              <a:t>위치</a:t>
+            </a:r>
+            <a:r>
+              <a:rPr lang="en-US" altLang="ko-KR" sz="1400" dirty="0"/>
+              <a:t>: (-0.5, 0.5)</a:t>
+            </a:r>
+          </a:p>
+          <a:p>
+            <a:r>
+              <a:rPr lang="ko-KR" altLang="en-US" sz="1400" dirty="0"/>
+              <a:t>색상</a:t>
+            </a:r>
+            <a:r>
+              <a:rPr lang="en-US" altLang="ko-KR" sz="1400" dirty="0"/>
+              <a:t>: (0.8, 0.2, 0.3, 1.0)</a:t>
+            </a:r>
+            <a:endParaRPr lang="ko-KR" altLang="en-US" sz="1400" dirty="0"/>
+          </a:p>
+        </p:txBody>
+      </p:sp>
+      <p:sp>
+        <p:nvSpPr>
+          <p:cNvPr id="11" name="TextBox 10">
+            <a:extLst>
+              <a:ext uri="{FF2B5EF4-FFF2-40B4-BE49-F238E27FC236}">
+                <a16:creationId xmlns:a16="http://schemas.microsoft.com/office/drawing/2014/main" id="{695356BA-57A3-4481-B068-2B2E1ACEC6B6}"/>
+              </a:ext>
+            </a:extLst>
+          </p:cNvPr>
+          <p:cNvSpPr txBox="1"/>
+          <p:nvPr/>
+        </p:nvSpPr>
+        <p:spPr>
+          <a:xfrm>
+            <a:off x="2996965" y="448635"/>
+            <a:ext cx="1906291" cy="738664"/>
+          </a:xfrm>
+          <a:prstGeom prst="rect">
+            <a:avLst/>
+          </a:prstGeom>
+          <a:noFill/>
+        </p:spPr>
+        <p:txBody>
+          <a:bodyPr wrap="none" rtlCol="0">
+            <a:spAutoFit/>
+          </a:bodyPr>
+          <a:lstStyle/>
+          <a:p>
+            <a:r>
+              <a:rPr lang="en-US" altLang="ko-KR" sz="1400" b="1" dirty="0"/>
+              <a:t>[2</a:t>
+            </a:r>
+            <a:r>
+              <a:rPr lang="ko-KR" altLang="en-US" sz="1400" b="1" dirty="0"/>
+              <a:t>번 정점</a:t>
+            </a:r>
+            <a:r>
+              <a:rPr lang="en-US" altLang="ko-KR" sz="1400" b="1" dirty="0"/>
+              <a:t>]</a:t>
+            </a:r>
+          </a:p>
+          <a:p>
+            <a:r>
+              <a:rPr lang="ko-KR" altLang="en-US" sz="1400" dirty="0"/>
+              <a:t>위치</a:t>
+            </a:r>
+            <a:r>
+              <a:rPr lang="en-US" altLang="ko-KR" sz="1400" dirty="0"/>
+              <a:t>: (0.5, 0.5)</a:t>
+            </a:r>
+          </a:p>
+          <a:p>
+            <a:r>
+              <a:rPr lang="ko-KR" altLang="en-US" sz="1400" dirty="0"/>
+              <a:t>색상</a:t>
+            </a:r>
+            <a:r>
+              <a:rPr lang="en-US" altLang="ko-KR" sz="1400" dirty="0"/>
+              <a:t>: (0.0, 0.0, 1.0, 1.0)</a:t>
+            </a:r>
+            <a:endParaRPr lang="ko-KR" altLang="en-US" sz="1400" dirty="0"/>
+          </a:p>
+        </p:txBody>
+      </p:sp>
+      <p:cxnSp>
+        <p:nvCxnSpPr>
+          <p:cNvPr id="12" name="연결선: 구부러짐 11">
+            <a:extLst>
+              <a:ext uri="{FF2B5EF4-FFF2-40B4-BE49-F238E27FC236}">
+                <a16:creationId xmlns:a16="http://schemas.microsoft.com/office/drawing/2014/main" id="{2944D970-D74E-4ADA-BCFA-3D7AB794CD3C}"/>
+              </a:ext>
+            </a:extLst>
+          </p:cNvPr>
+          <p:cNvCxnSpPr>
+            <a:stCxn id="5" idx="1"/>
+            <a:endCxn id="10" idx="2"/>
+          </p:cNvCxnSpPr>
+          <p:nvPr/>
+        </p:nvCxnSpPr>
+        <p:spPr>
+          <a:xfrm rot="16200000" flipV="1">
+            <a:off x="1305442" y="1266666"/>
+            <a:ext cx="331385" cy="172652"/>
+          </a:xfrm>
+          <a:prstGeom prst="curvedConnector3">
+            <a:avLst>
+              <a:gd name="adj1" fmla="val 50000"/>
+            </a:avLst>
+          </a:prstGeom>
+          <a:ln>
+            <a:solidFill>
+              <a:schemeClr val="tx1"/>
+            </a:solidFill>
+            <a:tailEnd type="triangle"/>
+          </a:ln>
+        </p:spPr>
+        <p:style>
+          <a:lnRef idx="1">
+            <a:schemeClr val="accent1"/>
+          </a:lnRef>
+          <a:fillRef idx="0">
+            <a:schemeClr val="accent1"/>
+          </a:fillRef>
+          <a:effectRef idx="0">
+            <a:schemeClr val="accent1"/>
+          </a:effectRef>
+          <a:fontRef idx="minor">
+            <a:schemeClr val="tx1"/>
+          </a:fontRef>
+        </p:style>
+      </p:cxnSp>
+      <p:cxnSp>
+        <p:nvCxnSpPr>
+          <p:cNvPr id="13" name="연결선: 구부러짐 12">
+            <a:extLst>
+              <a:ext uri="{FF2B5EF4-FFF2-40B4-BE49-F238E27FC236}">
+                <a16:creationId xmlns:a16="http://schemas.microsoft.com/office/drawing/2014/main" id="{AAAAF0FA-517A-4489-AAB9-43FC2EEDF3BA}"/>
+              </a:ext>
+            </a:extLst>
+          </p:cNvPr>
+          <p:cNvCxnSpPr>
+            <a:cxnSpLocks/>
+            <a:stCxn id="6" idx="7"/>
+            <a:endCxn id="11" idx="2"/>
+          </p:cNvCxnSpPr>
+          <p:nvPr/>
+        </p:nvCxnSpPr>
+        <p:spPr>
+          <a:xfrm rot="5400000" flipH="1" flipV="1">
+            <a:off x="3366751" y="935325"/>
+            <a:ext cx="331385" cy="835335"/>
+          </a:xfrm>
+          <a:prstGeom prst="curvedConnector3">
+            <a:avLst>
+              <a:gd name="adj1" fmla="val 50000"/>
+            </a:avLst>
+          </a:prstGeom>
+          <a:ln>
+            <a:solidFill>
+              <a:schemeClr val="tx1"/>
+            </a:solidFill>
+            <a:tailEnd type="triangle"/>
+          </a:ln>
+        </p:spPr>
+        <p:style>
+          <a:lnRef idx="1">
+            <a:schemeClr val="accent1"/>
+          </a:lnRef>
+          <a:fillRef idx="0">
+            <a:schemeClr val="accent1"/>
+          </a:fillRef>
+          <a:effectRef idx="0">
+            <a:schemeClr val="accent1"/>
+          </a:effectRef>
+          <a:fontRef idx="minor">
+            <a:schemeClr val="tx1"/>
+          </a:fontRef>
+        </p:style>
+      </p:cxnSp>
+      <p:cxnSp>
+        <p:nvCxnSpPr>
+          <p:cNvPr id="14" name="연결선: 구부러짐 13">
+            <a:extLst>
+              <a:ext uri="{FF2B5EF4-FFF2-40B4-BE49-F238E27FC236}">
+                <a16:creationId xmlns:a16="http://schemas.microsoft.com/office/drawing/2014/main" id="{23C63DFC-C1F0-457A-9752-FD6E4AA7B5D5}"/>
+              </a:ext>
+            </a:extLst>
+          </p:cNvPr>
+          <p:cNvCxnSpPr>
+            <a:cxnSpLocks/>
+            <a:stCxn id="4" idx="4"/>
+            <a:endCxn id="8" idx="0"/>
+          </p:cNvCxnSpPr>
+          <p:nvPr/>
+        </p:nvCxnSpPr>
+        <p:spPr>
+          <a:xfrm rot="5400000">
+            <a:off x="1408481" y="2876267"/>
+            <a:ext cx="159728" cy="207074"/>
+          </a:xfrm>
+          <a:prstGeom prst="curvedConnector3">
+            <a:avLst>
+              <a:gd name="adj1" fmla="val 50000"/>
+            </a:avLst>
+          </a:prstGeom>
+          <a:ln>
+            <a:solidFill>
+              <a:schemeClr val="tx1"/>
+            </a:solidFill>
+            <a:tailEnd type="triangle"/>
+          </a:ln>
+        </p:spPr>
+        <p:style>
+          <a:lnRef idx="1">
+            <a:schemeClr val="accent1"/>
+          </a:lnRef>
+          <a:fillRef idx="0">
+            <a:schemeClr val="accent1"/>
+          </a:fillRef>
+          <a:effectRef idx="0">
+            <a:schemeClr val="accent1"/>
+          </a:effectRef>
+          <a:fontRef idx="minor">
+            <a:schemeClr val="tx1"/>
+          </a:fontRef>
+        </p:style>
+      </p:cxnSp>
+      <p:cxnSp>
+        <p:nvCxnSpPr>
+          <p:cNvPr id="15" name="연결선: 구부러짐 14">
+            <a:extLst>
+              <a:ext uri="{FF2B5EF4-FFF2-40B4-BE49-F238E27FC236}">
+                <a16:creationId xmlns:a16="http://schemas.microsoft.com/office/drawing/2014/main" id="{B6031116-956A-45CF-932F-4251FE01D713}"/>
+              </a:ext>
+            </a:extLst>
+          </p:cNvPr>
+          <p:cNvCxnSpPr>
+            <a:cxnSpLocks/>
+            <a:stCxn id="7" idx="5"/>
+            <a:endCxn id="9" idx="0"/>
+          </p:cNvCxnSpPr>
+          <p:nvPr/>
+        </p:nvCxnSpPr>
+        <p:spPr>
+          <a:xfrm rot="16200000" flipH="1">
+            <a:off x="3470524" y="2523976"/>
+            <a:ext cx="179942" cy="891441"/>
+          </a:xfrm>
+          <a:prstGeom prst="curvedConnector3">
+            <a:avLst>
+              <a:gd name="adj1" fmla="val 50000"/>
+            </a:avLst>
+          </a:prstGeom>
+          <a:ln>
+            <a:solidFill>
+              <a:schemeClr val="tx1"/>
+            </a:solidFill>
+            <a:tailEnd type="triangle"/>
+          </a:ln>
+        </p:spPr>
+        <p:style>
+          <a:lnRef idx="1">
+            <a:schemeClr val="accent1"/>
+          </a:lnRef>
+          <a:fillRef idx="0">
+            <a:schemeClr val="accent1"/>
+          </a:fillRef>
+          <a:effectRef idx="0">
+            <a:schemeClr val="accent1"/>
+          </a:effectRef>
+          <a:fontRef idx="minor">
+            <a:schemeClr val="tx1"/>
+          </a:fontRef>
+        </p:style>
+      </p:cxnSp>
+      <p:pic>
+        <p:nvPicPr>
+          <p:cNvPr id="16" name="그림 15">
+            <a:extLst>
+              <a:ext uri="{FF2B5EF4-FFF2-40B4-BE49-F238E27FC236}">
+                <a16:creationId xmlns:a16="http://schemas.microsoft.com/office/drawing/2014/main" id="{1DE7A65C-31FB-496D-9F9F-90ED8401258A}"/>
+              </a:ext>
+            </a:extLst>
+          </p:cNvPr>
+          <p:cNvPicPr>
+            <a:picLocks noChangeAspect="1"/>
+          </p:cNvPicPr>
+          <p:nvPr/>
+        </p:nvPicPr>
+        <p:blipFill>
+          <a:blip r:embed="rId2"/>
+          <a:stretch>
+            <a:fillRect/>
+          </a:stretch>
+        </p:blipFill>
+        <p:spPr>
+          <a:xfrm>
+            <a:off x="5856912" y="448635"/>
+            <a:ext cx="4657748" cy="3426249"/>
+          </a:xfrm>
+          <a:prstGeom prst="rect">
+            <a:avLst/>
+          </a:prstGeom>
+        </p:spPr>
+      </p:pic>
+    </p:spTree>
+    <p:extLst>
+      <p:ext uri="{BB962C8B-B14F-4D97-AF65-F5344CB8AC3E}">
+        <p14:creationId xmlns:p14="http://schemas.microsoft.com/office/powerpoint/2010/main" val="418001676"/>
+      </p:ext>
+    </p:extLst>
+  </p:cSld>
+  <p:clrMapOvr>
+    <a:masterClrMapping/>
+  </p:clrMapOvr>
+</p:sld>
+</file>
+
+<file path=ppt/slides/slide6.xml><?xml version="1.0" encoding="utf-8"?>
+<p:sld xmlns:a="http://schemas.openxmlformats.org/drawingml/2006/main" xmlns:r="http://schemas.openxmlformats.org/officeDocument/2006/relationships" xmlns:p="http://schemas.openxmlformats.org/presentationml/2006/main">
+  <p:cSld>
+    <p:spTree>
+      <p:nvGrpSpPr>
+        <p:cNvPr id="1" name=""/>
+        <p:cNvGrpSpPr/>
+        <p:nvPr/>
+      </p:nvGrpSpPr>
+      <p:grpSpPr>
+        <a:xfrm>
+          <a:off x="0" y="0"/>
+          <a:ext cx="0" cy="0"/>
+          <a:chOff x="0" y="0"/>
+          <a:chExt cx="0" cy="0"/>
+        </a:xfrm>
+      </p:grpSpPr>
+      <p:graphicFrame>
+        <p:nvGraphicFramePr>
+          <p:cNvPr id="34" name="표 33">
+            <a:extLst>
+              <a:ext uri="{FF2B5EF4-FFF2-40B4-BE49-F238E27FC236}">
+                <a16:creationId xmlns:a16="http://schemas.microsoft.com/office/drawing/2014/main" id="{BD306A86-800D-4C91-B78C-1F8E0110E498}"/>
+              </a:ext>
+            </a:extLst>
+          </p:cNvPr>
+          <p:cNvGraphicFramePr>
+            <a:graphicFrameLocks noGrp="1"/>
+          </p:cNvGraphicFramePr>
+          <p:nvPr>
+            <p:extLst>
+              <p:ext uri="{D42A27DB-BD31-4B8C-83A1-F6EECF244321}">
+                <p14:modId xmlns:p14="http://schemas.microsoft.com/office/powerpoint/2010/main" val="413258027"/>
+              </p:ext>
+            </p:extLst>
+          </p:nvPr>
+        </p:nvGraphicFramePr>
+        <p:xfrm>
+          <a:off x="450538" y="2199482"/>
+          <a:ext cx="8640000" cy="540000"/>
+        </p:xfrm>
+        <a:graphic>
+          <a:graphicData uri="http://schemas.openxmlformats.org/drawingml/2006/table">
+            <a:tbl>
+              <a:tblPr firstRow="1" bandRow="1">
+                <a:tableStyleId>{5940675A-B579-460E-94D1-54222C63F5DA}</a:tableStyleId>
+              </a:tblPr>
+              <a:tblGrid>
+                <a:gridCol w="540000">
+                  <a:extLst>
+                    <a:ext uri="{9D8B030D-6E8A-4147-A177-3AD203B41FA5}">
+                      <a16:colId xmlns:a16="http://schemas.microsoft.com/office/drawing/2014/main" val="2824228910"/>
+                    </a:ext>
+                  </a:extLst>
+                </a:gridCol>
+                <a:gridCol w="540000">
+                  <a:extLst>
+                    <a:ext uri="{9D8B030D-6E8A-4147-A177-3AD203B41FA5}">
+                      <a16:colId xmlns:a16="http://schemas.microsoft.com/office/drawing/2014/main" val="4005111096"/>
+                    </a:ext>
+                  </a:extLst>
+                </a:gridCol>
+                <a:gridCol w="540000">
+                  <a:extLst>
+                    <a:ext uri="{9D8B030D-6E8A-4147-A177-3AD203B41FA5}">
+                      <a16:colId xmlns:a16="http://schemas.microsoft.com/office/drawing/2014/main" val="1148602740"/>
+                    </a:ext>
+                  </a:extLst>
+                </a:gridCol>
+                <a:gridCol w="540000">
+                  <a:extLst>
+                    <a:ext uri="{9D8B030D-6E8A-4147-A177-3AD203B41FA5}">
+                      <a16:colId xmlns:a16="http://schemas.microsoft.com/office/drawing/2014/main" val="431688392"/>
+                    </a:ext>
+                  </a:extLst>
+                </a:gridCol>
+                <a:gridCol w="540000">
+                  <a:extLst>
+                    <a:ext uri="{9D8B030D-6E8A-4147-A177-3AD203B41FA5}">
+                      <a16:colId xmlns:a16="http://schemas.microsoft.com/office/drawing/2014/main" val="2759238495"/>
+                    </a:ext>
+                  </a:extLst>
+                </a:gridCol>
+                <a:gridCol w="540000">
+                  <a:extLst>
+                    <a:ext uri="{9D8B030D-6E8A-4147-A177-3AD203B41FA5}">
+                      <a16:colId xmlns:a16="http://schemas.microsoft.com/office/drawing/2014/main" val="4210630380"/>
+                    </a:ext>
+                  </a:extLst>
+                </a:gridCol>
+                <a:gridCol w="540000">
+                  <a:extLst>
+                    <a:ext uri="{9D8B030D-6E8A-4147-A177-3AD203B41FA5}">
+                      <a16:colId xmlns:a16="http://schemas.microsoft.com/office/drawing/2014/main" val="2387660287"/>
+                    </a:ext>
+                  </a:extLst>
+                </a:gridCol>
+                <a:gridCol w="540000">
+                  <a:extLst>
+                    <a:ext uri="{9D8B030D-6E8A-4147-A177-3AD203B41FA5}">
+                      <a16:colId xmlns:a16="http://schemas.microsoft.com/office/drawing/2014/main" val="2246506223"/>
+                    </a:ext>
+                  </a:extLst>
+                </a:gridCol>
+                <a:gridCol w="540000">
+                  <a:extLst>
+                    <a:ext uri="{9D8B030D-6E8A-4147-A177-3AD203B41FA5}">
+                      <a16:colId xmlns:a16="http://schemas.microsoft.com/office/drawing/2014/main" val="3043602203"/>
+                    </a:ext>
+                  </a:extLst>
+                </a:gridCol>
+                <a:gridCol w="540000">
+                  <a:extLst>
+                    <a:ext uri="{9D8B030D-6E8A-4147-A177-3AD203B41FA5}">
+                      <a16:colId xmlns:a16="http://schemas.microsoft.com/office/drawing/2014/main" val="4168829871"/>
+                    </a:ext>
+                  </a:extLst>
+                </a:gridCol>
+                <a:gridCol w="540000">
+                  <a:extLst>
+                    <a:ext uri="{9D8B030D-6E8A-4147-A177-3AD203B41FA5}">
+                      <a16:colId xmlns:a16="http://schemas.microsoft.com/office/drawing/2014/main" val="1189917962"/>
+                    </a:ext>
+                  </a:extLst>
+                </a:gridCol>
+                <a:gridCol w="540000">
+                  <a:extLst>
+                    <a:ext uri="{9D8B030D-6E8A-4147-A177-3AD203B41FA5}">
+                      <a16:colId xmlns:a16="http://schemas.microsoft.com/office/drawing/2014/main" val="2148006373"/>
+                    </a:ext>
+                  </a:extLst>
+                </a:gridCol>
+                <a:gridCol w="540000">
+                  <a:extLst>
+                    <a:ext uri="{9D8B030D-6E8A-4147-A177-3AD203B41FA5}">
+                      <a16:colId xmlns:a16="http://schemas.microsoft.com/office/drawing/2014/main" val="909182628"/>
+                    </a:ext>
+                  </a:extLst>
+                </a:gridCol>
+                <a:gridCol w="540000">
+                  <a:extLst>
+                    <a:ext uri="{9D8B030D-6E8A-4147-A177-3AD203B41FA5}">
+                      <a16:colId xmlns:a16="http://schemas.microsoft.com/office/drawing/2014/main" val="3334884809"/>
+                    </a:ext>
+                  </a:extLst>
+                </a:gridCol>
+                <a:gridCol w="540000">
+                  <a:extLst>
+                    <a:ext uri="{9D8B030D-6E8A-4147-A177-3AD203B41FA5}">
+                      <a16:colId xmlns:a16="http://schemas.microsoft.com/office/drawing/2014/main" val="550965801"/>
+                    </a:ext>
+                  </a:extLst>
+                </a:gridCol>
+                <a:gridCol w="540000">
+                  <a:extLst>
+                    <a:ext uri="{9D8B030D-6E8A-4147-A177-3AD203B41FA5}">
+                      <a16:colId xmlns:a16="http://schemas.microsoft.com/office/drawing/2014/main" val="2135256332"/>
+                    </a:ext>
+                  </a:extLst>
+                </a:gridCol>
+              </a:tblGrid>
+              <a:tr h="540000">
+                <a:tc>
+                  <a:txBody>
+                    <a:bodyPr/>
+                    <a:lstStyle/>
+                    <a:p>
+                      <a:pPr algn="ctr" latinLnBrk="1"/>
+                      <a:r>
+                        <a:rPr lang="en-US" altLang="ko-KR" sz="1600" dirty="0"/>
+                        <a:t>-0.5</a:t>
+                      </a:r>
+                      <a:endParaRPr lang="ko-KR" altLang="en-US" sz="1600" dirty="0"/>
+                    </a:p>
+                  </a:txBody>
+                  <a:tcPr anchor="ctr"/>
+                </a:tc>
+                <a:tc>
+                  <a:txBody>
+                    <a:bodyPr/>
+                    <a:lstStyle/>
+                    <a:p>
+                      <a:pPr algn="ctr" latinLnBrk="1"/>
+                      <a:r>
+                        <a:rPr lang="en-US" altLang="ko-KR" sz="1600" dirty="0"/>
+                        <a:t>-0.5</a:t>
+                      </a:r>
+                      <a:endParaRPr lang="ko-KR" altLang="en-US" sz="1600" dirty="0"/>
+                    </a:p>
+                  </a:txBody>
+                  <a:tcPr anchor="ctr"/>
+                </a:tc>
+                <a:tc>
+                  <a:txBody>
+                    <a:bodyPr/>
+                    <a:lstStyle/>
+                    <a:p>
+                      <a:pPr algn="ctr" latinLnBrk="1"/>
+                      <a:r>
+                        <a:rPr lang="en-US" altLang="ko-KR" sz="1600" dirty="0"/>
+                        <a:t>1.0</a:t>
+                      </a:r>
+                      <a:endParaRPr lang="ko-KR" altLang="en-US" sz="1600" dirty="0"/>
+                    </a:p>
+                  </a:txBody>
+                  <a:tcPr anchor="ctr"/>
+                </a:tc>
+                <a:tc>
+                  <a:txBody>
+                    <a:bodyPr/>
+                    <a:lstStyle/>
+                    <a:p>
+                      <a:pPr algn="ctr" latinLnBrk="1"/>
+                      <a:r>
+                        <a:rPr lang="en-US" altLang="ko-KR" sz="1600" dirty="0"/>
+                        <a:t>0.0</a:t>
+                      </a:r>
+                      <a:endParaRPr lang="ko-KR" altLang="en-US" sz="1600" dirty="0"/>
+                    </a:p>
+                  </a:txBody>
+                  <a:tcPr anchor="ctr"/>
+                </a:tc>
+                <a:tc>
+                  <a:txBody>
+                    <a:bodyPr/>
+                    <a:lstStyle/>
+                    <a:p>
+                      <a:pPr algn="ctr" latinLnBrk="1"/>
+                      <a:r>
+                        <a:rPr lang="en-US" altLang="ko-KR" sz="1600" dirty="0"/>
+                        <a:t>0.0</a:t>
+                      </a:r>
+                      <a:endParaRPr lang="ko-KR" altLang="en-US" sz="1600" dirty="0"/>
+                    </a:p>
+                  </a:txBody>
+                  <a:tcPr anchor="ctr"/>
+                </a:tc>
+                <a:tc>
+                  <a:txBody>
+                    <a:bodyPr/>
+                    <a:lstStyle/>
+                    <a:p>
+                      <a:pPr algn="ctr" latinLnBrk="1"/>
+                      <a:r>
+                        <a:rPr lang="en-US" altLang="ko-KR" sz="1600" dirty="0"/>
+                        <a:t>1.0</a:t>
+                      </a:r>
+                      <a:endParaRPr lang="ko-KR" altLang="en-US" sz="1600" dirty="0"/>
+                    </a:p>
+                  </a:txBody>
+                  <a:tcPr anchor="ctr"/>
+                </a:tc>
+                <a:tc>
+                  <a:txBody>
+                    <a:bodyPr/>
+                    <a:lstStyle/>
+                    <a:p>
+                      <a:pPr algn="ctr" latinLnBrk="1"/>
+                      <a:r>
+                        <a:rPr lang="en-US" altLang="ko-KR" sz="1600" dirty="0"/>
+                        <a:t>0.5</a:t>
+                      </a:r>
+                      <a:endParaRPr lang="ko-KR" altLang="en-US" sz="1600" dirty="0"/>
+                    </a:p>
+                  </a:txBody>
+                  <a:tcPr anchor="ctr"/>
+                </a:tc>
+                <a:tc>
+                  <a:txBody>
+                    <a:bodyPr/>
+                    <a:lstStyle/>
+                    <a:p>
+                      <a:pPr algn="ctr" latinLnBrk="1"/>
+                      <a:r>
+                        <a:rPr lang="en-US" altLang="ko-KR" sz="1600" dirty="0"/>
+                        <a:t>-0.5</a:t>
+                      </a:r>
+                      <a:endParaRPr lang="ko-KR" altLang="en-US" sz="1600" dirty="0"/>
+                    </a:p>
+                  </a:txBody>
+                  <a:tcPr anchor="ctr"/>
+                </a:tc>
+                <a:tc>
+                  <a:txBody>
+                    <a:bodyPr/>
+                    <a:lstStyle/>
+                    <a:p>
+                      <a:pPr algn="ctr" latinLnBrk="1"/>
+                      <a:r>
+                        <a:rPr lang="en-US" altLang="ko-KR" sz="1600" dirty="0"/>
+                        <a:t>0.0</a:t>
+                      </a:r>
+                      <a:endParaRPr lang="ko-KR" altLang="en-US" sz="1600" dirty="0"/>
+                    </a:p>
+                  </a:txBody>
+                  <a:tcPr anchor="ctr"/>
+                </a:tc>
+                <a:tc>
+                  <a:txBody>
+                    <a:bodyPr/>
+                    <a:lstStyle/>
+                    <a:p>
+                      <a:pPr algn="ctr" latinLnBrk="1"/>
+                      <a:r>
+                        <a:rPr lang="en-US" altLang="ko-KR" sz="1600" dirty="0"/>
+                        <a:t>1.0</a:t>
+                      </a:r>
+                      <a:endParaRPr lang="ko-KR" altLang="en-US" sz="1600" dirty="0"/>
+                    </a:p>
+                  </a:txBody>
+                  <a:tcPr anchor="ctr"/>
+                </a:tc>
+                <a:tc>
+                  <a:txBody>
+                    <a:bodyPr/>
+                    <a:lstStyle/>
+                    <a:p>
+                      <a:pPr algn="ctr" latinLnBrk="1"/>
+                      <a:r>
+                        <a:rPr lang="en-US" altLang="ko-KR" sz="1600" dirty="0"/>
+                        <a:t>0.0</a:t>
+                      </a:r>
+                      <a:endParaRPr lang="ko-KR" altLang="en-US" sz="1600" dirty="0"/>
+                    </a:p>
+                  </a:txBody>
+                  <a:tcPr anchor="ctr"/>
+                </a:tc>
+                <a:tc>
+                  <a:txBody>
+                    <a:bodyPr/>
+                    <a:lstStyle/>
+                    <a:p>
+                      <a:pPr algn="ctr" latinLnBrk="1"/>
+                      <a:r>
+                        <a:rPr lang="en-US" altLang="ko-KR" sz="1600" dirty="0"/>
+                        <a:t>1.0</a:t>
+                      </a:r>
+                      <a:endParaRPr lang="ko-KR" altLang="en-US" sz="1600" dirty="0"/>
+                    </a:p>
+                  </a:txBody>
+                  <a:tcPr anchor="ctr"/>
+                </a:tc>
+                <a:tc>
+                  <a:txBody>
+                    <a:bodyPr/>
+                    <a:lstStyle/>
+                    <a:p>
+                      <a:pPr algn="ctr" latinLnBrk="1"/>
+                      <a:r>
+                        <a:rPr lang="en-US" altLang="ko-KR" sz="1600" dirty="0"/>
+                        <a:t>0.5</a:t>
+                      </a:r>
+                      <a:endParaRPr lang="ko-KR" altLang="en-US" sz="1600" dirty="0"/>
+                    </a:p>
+                  </a:txBody>
+                  <a:tcPr anchor="ctr"/>
+                </a:tc>
+                <a:tc>
+                  <a:txBody>
+                    <a:bodyPr/>
+                    <a:lstStyle/>
+                    <a:p>
+                      <a:pPr algn="ctr" latinLnBrk="1"/>
+                      <a:r>
+                        <a:rPr lang="en-US" altLang="ko-KR" sz="1600" dirty="0"/>
+                        <a:t>0.5</a:t>
+                      </a:r>
+                      <a:endParaRPr lang="ko-KR" altLang="en-US" sz="1600" dirty="0"/>
+                    </a:p>
+                  </a:txBody>
+                  <a:tcPr anchor="ctr"/>
+                </a:tc>
+                <a:tc>
+                  <a:txBody>
+                    <a:bodyPr/>
+                    <a:lstStyle/>
+                    <a:p>
+                      <a:pPr algn="ctr" latinLnBrk="1"/>
+                      <a:r>
+                        <a:rPr lang="en-US" altLang="ko-KR" sz="1600" dirty="0"/>
+                        <a:t>0.0</a:t>
+                      </a:r>
+                      <a:endParaRPr lang="ko-KR" altLang="en-US" sz="1600" dirty="0"/>
+                    </a:p>
+                  </a:txBody>
+                  <a:tcPr anchor="ctr"/>
+                </a:tc>
+                <a:tc>
+                  <a:txBody>
+                    <a:bodyPr/>
+                    <a:lstStyle/>
+                    <a:p>
+                      <a:pPr algn="ctr" latinLnBrk="1"/>
+                      <a:r>
+                        <a:rPr lang="en-US" altLang="ko-KR" sz="1600" dirty="0"/>
+                        <a:t>…</a:t>
+                      </a:r>
+                      <a:endParaRPr lang="ko-KR" altLang="en-US" sz="1600" dirty="0"/>
+                    </a:p>
+                  </a:txBody>
+                  <a:tcPr anchor="ctr"/>
+                </a:tc>
+                <a:extLst>
+                  <a:ext uri="{0D108BD9-81ED-4DB2-BD59-A6C34878D82A}">
+                    <a16:rowId xmlns:a16="http://schemas.microsoft.com/office/drawing/2014/main" val="181435893"/>
+                  </a:ext>
+                </a:extLst>
+              </a:tr>
+            </a:tbl>
+          </a:graphicData>
+        </a:graphic>
+      </p:graphicFrame>
+      <p:cxnSp>
+        <p:nvCxnSpPr>
+          <p:cNvPr id="35" name="직선 화살표 연결선 34">
+            <a:extLst>
+              <a:ext uri="{FF2B5EF4-FFF2-40B4-BE49-F238E27FC236}">
+                <a16:creationId xmlns:a16="http://schemas.microsoft.com/office/drawing/2014/main" id="{CF919E72-36D0-4BAD-A4FC-BD537A259365}"/>
+              </a:ext>
+            </a:extLst>
+          </p:cNvPr>
+          <p:cNvCxnSpPr/>
+          <p:nvPr/>
+        </p:nvCxnSpPr>
+        <p:spPr>
+          <a:xfrm>
+            <a:off x="450538" y="3771300"/>
+            <a:ext cx="3210691" cy="0"/>
+          </a:xfrm>
+          <a:prstGeom prst="straightConnector1">
+            <a:avLst/>
+          </a:prstGeom>
+          <a:ln>
+            <a:solidFill>
+              <a:srgbClr val="FF0000"/>
+            </a:solidFill>
+            <a:headEnd type="triangle"/>
+            <a:tailEnd type="triangle"/>
+          </a:ln>
+        </p:spPr>
+        <p:style>
+          <a:lnRef idx="1">
+            <a:schemeClr val="accent1"/>
+          </a:lnRef>
+          <a:fillRef idx="0">
+            <a:schemeClr val="accent1"/>
+          </a:fillRef>
+          <a:effectRef idx="0">
+            <a:schemeClr val="accent1"/>
+          </a:effectRef>
+          <a:fontRef idx="minor">
+            <a:schemeClr val="tx1"/>
+          </a:fontRef>
+        </p:style>
+      </p:cxnSp>
+      <p:cxnSp>
+        <p:nvCxnSpPr>
+          <p:cNvPr id="36" name="직선 화살표 연결선 35">
+            <a:extLst>
+              <a:ext uri="{FF2B5EF4-FFF2-40B4-BE49-F238E27FC236}">
+                <a16:creationId xmlns:a16="http://schemas.microsoft.com/office/drawing/2014/main" id="{FF12585A-DD72-453B-AE24-1E04F0E62794}"/>
+              </a:ext>
+            </a:extLst>
+          </p:cNvPr>
+          <p:cNvCxnSpPr/>
+          <p:nvPr/>
+        </p:nvCxnSpPr>
+        <p:spPr>
+          <a:xfrm>
+            <a:off x="3723187" y="3771300"/>
+            <a:ext cx="3210691" cy="0"/>
+          </a:xfrm>
+          <a:prstGeom prst="straightConnector1">
+            <a:avLst/>
+          </a:prstGeom>
+          <a:ln>
+            <a:solidFill>
+              <a:srgbClr val="00FF00"/>
+            </a:solidFill>
+            <a:headEnd type="triangle"/>
+            <a:tailEnd type="triangle"/>
+          </a:ln>
+        </p:spPr>
+        <p:style>
+          <a:lnRef idx="1">
+            <a:schemeClr val="accent1"/>
+          </a:lnRef>
+          <a:fillRef idx="0">
+            <a:schemeClr val="accent1"/>
+          </a:fillRef>
+          <a:effectRef idx="0">
+            <a:schemeClr val="accent1"/>
+          </a:effectRef>
+          <a:fontRef idx="minor">
+            <a:schemeClr val="tx1"/>
+          </a:fontRef>
+        </p:style>
+      </p:cxnSp>
+      <p:cxnSp>
+        <p:nvCxnSpPr>
+          <p:cNvPr id="37" name="직선 화살표 연결선 36">
+            <a:extLst>
+              <a:ext uri="{FF2B5EF4-FFF2-40B4-BE49-F238E27FC236}">
+                <a16:creationId xmlns:a16="http://schemas.microsoft.com/office/drawing/2014/main" id="{045BF58C-B29B-44FD-963E-85C884FFD79B}"/>
+              </a:ext>
+            </a:extLst>
+          </p:cNvPr>
+          <p:cNvCxnSpPr>
+            <a:cxnSpLocks/>
+          </p:cNvCxnSpPr>
+          <p:nvPr/>
+        </p:nvCxnSpPr>
+        <p:spPr>
+          <a:xfrm>
+            <a:off x="6971978" y="3771300"/>
+            <a:ext cx="2118560" cy="0"/>
+          </a:xfrm>
+          <a:prstGeom prst="straightConnector1">
+            <a:avLst/>
+          </a:prstGeom>
+          <a:ln>
+            <a:solidFill>
+              <a:srgbClr val="0000FF"/>
+            </a:solidFill>
+            <a:headEnd type="triangle"/>
+            <a:tailEnd type="triangle"/>
+          </a:ln>
+        </p:spPr>
+        <p:style>
+          <a:lnRef idx="1">
+            <a:schemeClr val="accent1"/>
+          </a:lnRef>
+          <a:fillRef idx="0">
+            <a:schemeClr val="accent1"/>
+          </a:fillRef>
+          <a:effectRef idx="0">
+            <a:schemeClr val="accent1"/>
+          </a:effectRef>
+          <a:fontRef idx="minor">
+            <a:schemeClr val="tx1"/>
+          </a:fontRef>
+        </p:style>
+      </p:cxnSp>
+      <p:sp>
+        <p:nvSpPr>
+          <p:cNvPr id="38" name="직사각형 37">
+            <a:extLst>
+              <a:ext uri="{FF2B5EF4-FFF2-40B4-BE49-F238E27FC236}">
+                <a16:creationId xmlns:a16="http://schemas.microsoft.com/office/drawing/2014/main" id="{D07F3B64-60D3-4B84-B1D7-F1B3E33FA092}"/>
+              </a:ext>
+            </a:extLst>
+          </p:cNvPr>
+          <p:cNvSpPr/>
+          <p:nvPr/>
+        </p:nvSpPr>
+        <p:spPr>
+          <a:xfrm>
+            <a:off x="1415965" y="3858862"/>
+            <a:ext cx="1258678" cy="369332"/>
+          </a:xfrm>
+          <a:prstGeom prst="rect">
+            <a:avLst/>
+          </a:prstGeom>
+        </p:spPr>
+        <p:txBody>
+          <a:bodyPr wrap="none">
+            <a:spAutoFit/>
+          </a:bodyPr>
+          <a:lstStyle/>
+          <a:p>
+            <a:r>
+              <a:rPr lang="en-US" altLang="ko-KR" b="1" dirty="0"/>
+              <a:t>[0</a:t>
+            </a:r>
+            <a:r>
+              <a:rPr lang="ko-KR" altLang="en-US" b="1" dirty="0"/>
+              <a:t>번 정점</a:t>
+            </a:r>
+            <a:r>
+              <a:rPr lang="en-US" altLang="ko-KR" b="1" dirty="0"/>
+              <a:t>]</a:t>
+            </a:r>
+          </a:p>
+        </p:txBody>
+      </p:sp>
+      <p:sp>
+        <p:nvSpPr>
+          <p:cNvPr id="39" name="직사각형 38">
+            <a:extLst>
+              <a:ext uri="{FF2B5EF4-FFF2-40B4-BE49-F238E27FC236}">
+                <a16:creationId xmlns:a16="http://schemas.microsoft.com/office/drawing/2014/main" id="{0C9037AE-B57B-477A-A719-E732EC29BAF2}"/>
+              </a:ext>
+            </a:extLst>
+          </p:cNvPr>
+          <p:cNvSpPr/>
+          <p:nvPr/>
+        </p:nvSpPr>
+        <p:spPr>
+          <a:xfrm>
+            <a:off x="4770538" y="3858862"/>
+            <a:ext cx="1258678" cy="369332"/>
+          </a:xfrm>
+          <a:prstGeom prst="rect">
+            <a:avLst/>
+          </a:prstGeom>
+        </p:spPr>
+        <p:txBody>
+          <a:bodyPr wrap="none">
+            <a:spAutoFit/>
+          </a:bodyPr>
+          <a:lstStyle/>
+          <a:p>
+            <a:r>
+              <a:rPr lang="en-US" altLang="ko-KR" b="1" dirty="0"/>
+              <a:t>[1</a:t>
+            </a:r>
+            <a:r>
+              <a:rPr lang="ko-KR" altLang="en-US" b="1" dirty="0"/>
+              <a:t>번 정점</a:t>
+            </a:r>
+            <a:r>
+              <a:rPr lang="en-US" altLang="ko-KR" b="1" dirty="0"/>
+              <a:t>]</a:t>
+            </a:r>
+          </a:p>
+        </p:txBody>
+      </p:sp>
+      <p:sp>
+        <p:nvSpPr>
+          <p:cNvPr id="40" name="직사각형 39">
+            <a:extLst>
+              <a:ext uri="{FF2B5EF4-FFF2-40B4-BE49-F238E27FC236}">
+                <a16:creationId xmlns:a16="http://schemas.microsoft.com/office/drawing/2014/main" id="{EA6763C0-900A-4C00-9115-CAE5829B71EE}"/>
+              </a:ext>
+            </a:extLst>
+          </p:cNvPr>
+          <p:cNvSpPr/>
+          <p:nvPr/>
+        </p:nvSpPr>
+        <p:spPr>
+          <a:xfrm>
+            <a:off x="7401919" y="3907441"/>
+            <a:ext cx="1258678" cy="369332"/>
+          </a:xfrm>
+          <a:prstGeom prst="rect">
+            <a:avLst/>
+          </a:prstGeom>
+        </p:spPr>
+        <p:txBody>
+          <a:bodyPr wrap="none">
+            <a:spAutoFit/>
+          </a:bodyPr>
+          <a:lstStyle/>
+          <a:p>
+            <a:r>
+              <a:rPr lang="en-US" altLang="ko-KR" b="1" dirty="0"/>
+              <a:t>[2</a:t>
+            </a:r>
+            <a:r>
+              <a:rPr lang="ko-KR" altLang="en-US" b="1" dirty="0"/>
+              <a:t>번 정점</a:t>
+            </a:r>
+            <a:r>
+              <a:rPr lang="en-US" altLang="ko-KR" b="1" dirty="0"/>
+              <a:t>]</a:t>
+            </a:r>
+          </a:p>
+        </p:txBody>
+      </p:sp>
+      <p:cxnSp>
+        <p:nvCxnSpPr>
+          <p:cNvPr id="41" name="직선 화살표 연결선 40">
+            <a:extLst>
+              <a:ext uri="{FF2B5EF4-FFF2-40B4-BE49-F238E27FC236}">
+                <a16:creationId xmlns:a16="http://schemas.microsoft.com/office/drawing/2014/main" id="{64B26C94-1FE0-4D31-8291-2585955FCA17}"/>
+              </a:ext>
+            </a:extLst>
+          </p:cNvPr>
+          <p:cNvCxnSpPr>
+            <a:cxnSpLocks/>
+          </p:cNvCxnSpPr>
+          <p:nvPr/>
+        </p:nvCxnSpPr>
+        <p:spPr>
+          <a:xfrm>
+            <a:off x="450538" y="4314873"/>
+            <a:ext cx="1077091" cy="0"/>
+          </a:xfrm>
+          <a:prstGeom prst="straightConnector1">
+            <a:avLst/>
+          </a:prstGeom>
+          <a:ln>
+            <a:solidFill>
+              <a:srgbClr val="FF0000"/>
+            </a:solidFill>
+            <a:headEnd type="triangle"/>
+            <a:tailEnd type="triangle"/>
+          </a:ln>
+        </p:spPr>
+        <p:style>
+          <a:lnRef idx="1">
+            <a:schemeClr val="accent1"/>
+          </a:lnRef>
+          <a:fillRef idx="0">
+            <a:schemeClr val="accent1"/>
+          </a:fillRef>
+          <a:effectRef idx="0">
+            <a:schemeClr val="accent1"/>
+          </a:effectRef>
+          <a:fontRef idx="minor">
+            <a:schemeClr val="tx1"/>
+          </a:fontRef>
+        </p:style>
+      </p:cxnSp>
+      <p:cxnSp>
+        <p:nvCxnSpPr>
+          <p:cNvPr id="42" name="직선 화살표 연결선 41">
+            <a:extLst>
+              <a:ext uri="{FF2B5EF4-FFF2-40B4-BE49-F238E27FC236}">
+                <a16:creationId xmlns:a16="http://schemas.microsoft.com/office/drawing/2014/main" id="{4F7611F8-80F1-4E1E-980E-AB3E655E6CA2}"/>
+              </a:ext>
+            </a:extLst>
+          </p:cNvPr>
+          <p:cNvCxnSpPr>
+            <a:cxnSpLocks/>
+          </p:cNvCxnSpPr>
+          <p:nvPr/>
+        </p:nvCxnSpPr>
+        <p:spPr>
+          <a:xfrm>
+            <a:off x="1554639" y="4314873"/>
+            <a:ext cx="2106590" cy="0"/>
+          </a:xfrm>
+          <a:prstGeom prst="straightConnector1">
+            <a:avLst/>
+          </a:prstGeom>
+          <a:ln>
+            <a:solidFill>
+              <a:srgbClr val="FF0000"/>
+            </a:solidFill>
+            <a:headEnd type="triangle"/>
+            <a:tailEnd type="triangle"/>
+          </a:ln>
+        </p:spPr>
+        <p:style>
+          <a:lnRef idx="1">
+            <a:schemeClr val="accent1"/>
+          </a:lnRef>
+          <a:fillRef idx="0">
+            <a:schemeClr val="accent1"/>
+          </a:fillRef>
+          <a:effectRef idx="0">
+            <a:schemeClr val="accent1"/>
+          </a:effectRef>
+          <a:fontRef idx="minor">
+            <a:schemeClr val="tx1"/>
+          </a:fontRef>
+        </p:style>
+      </p:cxnSp>
+      <p:sp>
+        <p:nvSpPr>
+          <p:cNvPr id="43" name="직사각형 42">
+            <a:extLst>
+              <a:ext uri="{FF2B5EF4-FFF2-40B4-BE49-F238E27FC236}">
+                <a16:creationId xmlns:a16="http://schemas.microsoft.com/office/drawing/2014/main" id="{4C8EF953-A8F1-453E-8081-512855C16A31}"/>
+              </a:ext>
+            </a:extLst>
+          </p:cNvPr>
+          <p:cNvSpPr/>
+          <p:nvPr/>
+        </p:nvSpPr>
+        <p:spPr>
+          <a:xfrm>
+            <a:off x="714999" y="4432746"/>
+            <a:ext cx="646331" cy="369332"/>
+          </a:xfrm>
+          <a:prstGeom prst="rect">
+            <a:avLst/>
+          </a:prstGeom>
+        </p:spPr>
+        <p:txBody>
+          <a:bodyPr wrap="none">
+            <a:spAutoFit/>
+          </a:bodyPr>
+          <a:lstStyle/>
+          <a:p>
+            <a:r>
+              <a:rPr lang="ko-KR" altLang="en-US" b="1"/>
+              <a:t>위치</a:t>
+            </a:r>
+            <a:endParaRPr lang="en-US" altLang="ko-KR" b="1" dirty="0"/>
+          </a:p>
+        </p:txBody>
+      </p:sp>
+      <p:sp>
+        <p:nvSpPr>
+          <p:cNvPr id="44" name="직사각형 43">
+            <a:extLst>
+              <a:ext uri="{FF2B5EF4-FFF2-40B4-BE49-F238E27FC236}">
+                <a16:creationId xmlns:a16="http://schemas.microsoft.com/office/drawing/2014/main" id="{C238D064-AD6D-40A8-8A7B-BF647FED3379}"/>
+              </a:ext>
+            </a:extLst>
+          </p:cNvPr>
+          <p:cNvSpPr/>
+          <p:nvPr/>
+        </p:nvSpPr>
+        <p:spPr>
+          <a:xfrm>
+            <a:off x="2351477" y="4432746"/>
+            <a:ext cx="646331" cy="369332"/>
+          </a:xfrm>
+          <a:prstGeom prst="rect">
+            <a:avLst/>
+          </a:prstGeom>
+        </p:spPr>
+        <p:txBody>
+          <a:bodyPr wrap="none">
+            <a:spAutoFit/>
+          </a:bodyPr>
+          <a:lstStyle/>
+          <a:p>
+            <a:r>
+              <a:rPr lang="ko-KR" altLang="en-US" b="1" dirty="0"/>
+              <a:t>색상</a:t>
+            </a:r>
+            <a:endParaRPr lang="en-US" altLang="ko-KR" b="1" dirty="0"/>
+          </a:p>
+        </p:txBody>
+      </p:sp>
+      <p:cxnSp>
+        <p:nvCxnSpPr>
+          <p:cNvPr id="45" name="직선 화살표 연결선 44">
+            <a:extLst>
+              <a:ext uri="{FF2B5EF4-FFF2-40B4-BE49-F238E27FC236}">
+                <a16:creationId xmlns:a16="http://schemas.microsoft.com/office/drawing/2014/main" id="{1900B299-2B2E-46F8-9194-94F5F5217189}"/>
+              </a:ext>
+            </a:extLst>
+          </p:cNvPr>
+          <p:cNvCxnSpPr>
+            <a:cxnSpLocks/>
+          </p:cNvCxnSpPr>
+          <p:nvPr/>
+        </p:nvCxnSpPr>
+        <p:spPr>
+          <a:xfrm>
+            <a:off x="3733173" y="4314873"/>
+            <a:ext cx="1077091" cy="0"/>
+          </a:xfrm>
+          <a:prstGeom prst="straightConnector1">
+            <a:avLst/>
+          </a:prstGeom>
+          <a:ln>
+            <a:solidFill>
+              <a:srgbClr val="00FF00"/>
+            </a:solidFill>
+            <a:headEnd type="triangle"/>
+            <a:tailEnd type="triangle"/>
+          </a:ln>
+        </p:spPr>
+        <p:style>
+          <a:lnRef idx="1">
+            <a:schemeClr val="accent1"/>
+          </a:lnRef>
+          <a:fillRef idx="0">
+            <a:schemeClr val="accent1"/>
+          </a:fillRef>
+          <a:effectRef idx="0">
+            <a:schemeClr val="accent1"/>
+          </a:effectRef>
+          <a:fontRef idx="minor">
+            <a:schemeClr val="tx1"/>
+          </a:fontRef>
+        </p:style>
+      </p:cxnSp>
+      <p:cxnSp>
+        <p:nvCxnSpPr>
+          <p:cNvPr id="46" name="직선 화살표 연결선 45">
+            <a:extLst>
+              <a:ext uri="{FF2B5EF4-FFF2-40B4-BE49-F238E27FC236}">
+                <a16:creationId xmlns:a16="http://schemas.microsoft.com/office/drawing/2014/main" id="{D98B7A5F-56A8-47FA-AFD7-EE6A345CEA1C}"/>
+              </a:ext>
+            </a:extLst>
+          </p:cNvPr>
+          <p:cNvCxnSpPr>
+            <a:cxnSpLocks/>
+          </p:cNvCxnSpPr>
+          <p:nvPr/>
+        </p:nvCxnSpPr>
+        <p:spPr>
+          <a:xfrm>
+            <a:off x="4837274" y="4314873"/>
+            <a:ext cx="2106590" cy="0"/>
+          </a:xfrm>
+          <a:prstGeom prst="straightConnector1">
+            <a:avLst/>
+          </a:prstGeom>
+          <a:ln>
+            <a:solidFill>
+              <a:srgbClr val="00FF00"/>
+            </a:solidFill>
+            <a:headEnd type="triangle"/>
+            <a:tailEnd type="triangle"/>
+          </a:ln>
+        </p:spPr>
+        <p:style>
+          <a:lnRef idx="1">
+            <a:schemeClr val="accent1"/>
+          </a:lnRef>
+          <a:fillRef idx="0">
+            <a:schemeClr val="accent1"/>
+          </a:fillRef>
+          <a:effectRef idx="0">
+            <a:schemeClr val="accent1"/>
+          </a:effectRef>
+          <a:fontRef idx="minor">
+            <a:schemeClr val="tx1"/>
+          </a:fontRef>
+        </p:style>
+      </p:cxnSp>
+      <p:sp>
+        <p:nvSpPr>
+          <p:cNvPr id="47" name="직사각형 46">
+            <a:extLst>
+              <a:ext uri="{FF2B5EF4-FFF2-40B4-BE49-F238E27FC236}">
+                <a16:creationId xmlns:a16="http://schemas.microsoft.com/office/drawing/2014/main" id="{11A4BEC0-2AFA-4DE5-AA20-F32A3525F312}"/>
+              </a:ext>
+            </a:extLst>
+          </p:cNvPr>
+          <p:cNvSpPr/>
+          <p:nvPr/>
+        </p:nvSpPr>
+        <p:spPr>
+          <a:xfrm>
+            <a:off x="3997634" y="4432746"/>
+            <a:ext cx="646331" cy="369332"/>
+          </a:xfrm>
+          <a:prstGeom prst="rect">
+            <a:avLst/>
+          </a:prstGeom>
+        </p:spPr>
+        <p:txBody>
+          <a:bodyPr wrap="none">
+            <a:spAutoFit/>
+          </a:bodyPr>
+          <a:lstStyle/>
+          <a:p>
+            <a:r>
+              <a:rPr lang="ko-KR" altLang="en-US" b="1"/>
+              <a:t>위치</a:t>
+            </a:r>
+            <a:endParaRPr lang="en-US" altLang="ko-KR" b="1" dirty="0"/>
+          </a:p>
+        </p:txBody>
+      </p:sp>
+      <p:sp>
+        <p:nvSpPr>
+          <p:cNvPr id="48" name="직사각형 47">
+            <a:extLst>
+              <a:ext uri="{FF2B5EF4-FFF2-40B4-BE49-F238E27FC236}">
+                <a16:creationId xmlns:a16="http://schemas.microsoft.com/office/drawing/2014/main" id="{F20C78D3-817B-4B3D-9285-DBFA5A9C197F}"/>
+              </a:ext>
+            </a:extLst>
+          </p:cNvPr>
+          <p:cNvSpPr/>
+          <p:nvPr/>
+        </p:nvSpPr>
+        <p:spPr>
+          <a:xfrm>
+            <a:off x="5634112" y="4432746"/>
+            <a:ext cx="646331" cy="369332"/>
+          </a:xfrm>
+          <a:prstGeom prst="rect">
+            <a:avLst/>
+          </a:prstGeom>
+        </p:spPr>
+        <p:txBody>
+          <a:bodyPr wrap="none">
+            <a:spAutoFit/>
+          </a:bodyPr>
+          <a:lstStyle/>
+          <a:p>
+            <a:r>
+              <a:rPr lang="ko-KR" altLang="en-US" b="1" dirty="0"/>
+              <a:t>색상</a:t>
+            </a:r>
+            <a:endParaRPr lang="en-US" altLang="ko-KR" b="1" dirty="0"/>
+          </a:p>
+        </p:txBody>
+      </p:sp>
+      <p:cxnSp>
+        <p:nvCxnSpPr>
+          <p:cNvPr id="49" name="직선 화살표 연결선 48">
+            <a:extLst>
+              <a:ext uri="{FF2B5EF4-FFF2-40B4-BE49-F238E27FC236}">
+                <a16:creationId xmlns:a16="http://schemas.microsoft.com/office/drawing/2014/main" id="{206881D3-F09B-4D33-83D1-056B0263F2E5}"/>
+              </a:ext>
+            </a:extLst>
+          </p:cNvPr>
+          <p:cNvCxnSpPr>
+            <a:cxnSpLocks/>
+          </p:cNvCxnSpPr>
+          <p:nvPr/>
+        </p:nvCxnSpPr>
+        <p:spPr>
+          <a:xfrm>
+            <a:off x="7015808" y="4314873"/>
+            <a:ext cx="1077091" cy="0"/>
+          </a:xfrm>
+          <a:prstGeom prst="straightConnector1">
+            <a:avLst/>
+          </a:prstGeom>
+          <a:ln>
+            <a:solidFill>
+              <a:srgbClr val="0000FF"/>
+            </a:solidFill>
+            <a:headEnd type="triangle"/>
+            <a:tailEnd type="triangle"/>
+          </a:ln>
+        </p:spPr>
+        <p:style>
+          <a:lnRef idx="1">
+            <a:schemeClr val="accent1"/>
+          </a:lnRef>
+          <a:fillRef idx="0">
+            <a:schemeClr val="accent1"/>
+          </a:fillRef>
+          <a:effectRef idx="0">
+            <a:schemeClr val="accent1"/>
+          </a:effectRef>
+          <a:fontRef idx="minor">
+            <a:schemeClr val="tx1"/>
+          </a:fontRef>
+        </p:style>
+      </p:cxnSp>
+      <p:cxnSp>
+        <p:nvCxnSpPr>
+          <p:cNvPr id="50" name="직선 화살표 연결선 49">
+            <a:extLst>
+              <a:ext uri="{FF2B5EF4-FFF2-40B4-BE49-F238E27FC236}">
+                <a16:creationId xmlns:a16="http://schemas.microsoft.com/office/drawing/2014/main" id="{33AE7462-D50D-4B12-99F2-8F155F6C1BDA}"/>
+              </a:ext>
+            </a:extLst>
+          </p:cNvPr>
+          <p:cNvCxnSpPr>
+            <a:cxnSpLocks/>
+          </p:cNvCxnSpPr>
+          <p:nvPr/>
+        </p:nvCxnSpPr>
+        <p:spPr>
+          <a:xfrm>
+            <a:off x="8119909" y="4314873"/>
+            <a:ext cx="970629" cy="0"/>
+          </a:xfrm>
+          <a:prstGeom prst="straightConnector1">
+            <a:avLst/>
+          </a:prstGeom>
+          <a:ln>
+            <a:solidFill>
+              <a:srgbClr val="0000FF"/>
+            </a:solidFill>
+            <a:headEnd type="triangle"/>
+            <a:tailEnd type="triangle"/>
+          </a:ln>
+        </p:spPr>
+        <p:style>
+          <a:lnRef idx="1">
+            <a:schemeClr val="accent1"/>
+          </a:lnRef>
+          <a:fillRef idx="0">
+            <a:schemeClr val="accent1"/>
+          </a:fillRef>
+          <a:effectRef idx="0">
+            <a:schemeClr val="accent1"/>
+          </a:effectRef>
+          <a:fontRef idx="minor">
+            <a:schemeClr val="tx1"/>
+          </a:fontRef>
+        </p:style>
+      </p:cxnSp>
+      <p:sp>
+        <p:nvSpPr>
+          <p:cNvPr id="51" name="직사각형 50">
+            <a:extLst>
+              <a:ext uri="{FF2B5EF4-FFF2-40B4-BE49-F238E27FC236}">
+                <a16:creationId xmlns:a16="http://schemas.microsoft.com/office/drawing/2014/main" id="{686BD24E-1E91-4C88-A53A-539F4526B899}"/>
+              </a:ext>
+            </a:extLst>
+          </p:cNvPr>
+          <p:cNvSpPr/>
+          <p:nvPr/>
+        </p:nvSpPr>
+        <p:spPr>
+          <a:xfrm>
+            <a:off x="7280269" y="4432746"/>
+            <a:ext cx="646331" cy="369332"/>
+          </a:xfrm>
+          <a:prstGeom prst="rect">
+            <a:avLst/>
+          </a:prstGeom>
+        </p:spPr>
+        <p:txBody>
+          <a:bodyPr wrap="none">
+            <a:spAutoFit/>
+          </a:bodyPr>
+          <a:lstStyle/>
+          <a:p>
+            <a:r>
+              <a:rPr lang="ko-KR" altLang="en-US" b="1"/>
+              <a:t>위치</a:t>
+            </a:r>
+            <a:endParaRPr lang="en-US" altLang="ko-KR" b="1" dirty="0"/>
+          </a:p>
+        </p:txBody>
+      </p:sp>
+      <p:sp>
+        <p:nvSpPr>
+          <p:cNvPr id="52" name="직사각형 51">
+            <a:extLst>
+              <a:ext uri="{FF2B5EF4-FFF2-40B4-BE49-F238E27FC236}">
+                <a16:creationId xmlns:a16="http://schemas.microsoft.com/office/drawing/2014/main" id="{19612276-EC8D-451B-A13F-83D05750584A}"/>
+              </a:ext>
+            </a:extLst>
+          </p:cNvPr>
+          <p:cNvSpPr/>
+          <p:nvPr/>
+        </p:nvSpPr>
+        <p:spPr>
+          <a:xfrm>
+            <a:off x="8280095" y="4432746"/>
+            <a:ext cx="646331" cy="369332"/>
+          </a:xfrm>
+          <a:prstGeom prst="rect">
+            <a:avLst/>
+          </a:prstGeom>
+        </p:spPr>
+        <p:txBody>
+          <a:bodyPr wrap="none">
+            <a:spAutoFit/>
+          </a:bodyPr>
+          <a:lstStyle/>
+          <a:p>
+            <a:r>
+              <a:rPr lang="ko-KR" altLang="en-US" b="1" dirty="0"/>
+              <a:t>색상</a:t>
+            </a:r>
+            <a:endParaRPr lang="en-US" altLang="ko-KR" b="1" dirty="0"/>
+          </a:p>
+        </p:txBody>
+      </p:sp>
+      <p:cxnSp>
+        <p:nvCxnSpPr>
+          <p:cNvPr id="53" name="직선 화살표 연결선 52">
+            <a:extLst>
+              <a:ext uri="{FF2B5EF4-FFF2-40B4-BE49-F238E27FC236}">
+                <a16:creationId xmlns:a16="http://schemas.microsoft.com/office/drawing/2014/main" id="{941BFEEA-7863-45F5-8476-644F246B4119}"/>
+              </a:ext>
+            </a:extLst>
+          </p:cNvPr>
+          <p:cNvCxnSpPr/>
+          <p:nvPr/>
+        </p:nvCxnSpPr>
+        <p:spPr>
+          <a:xfrm>
+            <a:off x="8020950" y="1979386"/>
+            <a:ext cx="518291" cy="0"/>
+          </a:xfrm>
+          <a:prstGeom prst="straightConnector1">
+            <a:avLst/>
+          </a:prstGeom>
+          <a:ln>
+            <a:solidFill>
+              <a:schemeClr val="tx1"/>
+            </a:solidFill>
+            <a:headEnd type="triangle"/>
+            <a:tailEnd type="triangle"/>
+          </a:ln>
+        </p:spPr>
+        <p:style>
+          <a:lnRef idx="1">
+            <a:schemeClr val="accent1"/>
+          </a:lnRef>
+          <a:fillRef idx="0">
+            <a:schemeClr val="accent1"/>
+          </a:fillRef>
+          <a:effectRef idx="0">
+            <a:schemeClr val="accent1"/>
+          </a:effectRef>
+          <a:fontRef idx="minor">
+            <a:schemeClr val="tx1"/>
+          </a:fontRef>
+        </p:style>
+      </p:cxnSp>
+      <p:sp>
+        <p:nvSpPr>
+          <p:cNvPr id="54" name="직사각형 53">
+            <a:extLst>
+              <a:ext uri="{FF2B5EF4-FFF2-40B4-BE49-F238E27FC236}">
+                <a16:creationId xmlns:a16="http://schemas.microsoft.com/office/drawing/2014/main" id="{5CD6241A-E49D-470D-B935-FE3F9FDDAAE7}"/>
+              </a:ext>
+            </a:extLst>
+          </p:cNvPr>
+          <p:cNvSpPr/>
+          <p:nvPr/>
+        </p:nvSpPr>
+        <p:spPr>
+          <a:xfrm>
+            <a:off x="7470518" y="1498384"/>
+            <a:ext cx="2137445" cy="369332"/>
+          </a:xfrm>
+          <a:prstGeom prst="rect">
+            <a:avLst/>
+          </a:prstGeom>
+        </p:spPr>
+        <p:txBody>
+          <a:bodyPr wrap="none">
+            <a:spAutoFit/>
+          </a:bodyPr>
+          <a:lstStyle/>
+          <a:p>
+            <a:r>
+              <a:rPr lang="en-US" altLang="ko-KR" b="1" dirty="0"/>
+              <a:t>4 byte = </a:t>
+            </a:r>
+            <a:r>
+              <a:rPr lang="en-US" altLang="ko-KR" b="1" dirty="0" err="1"/>
+              <a:t>sizeof</a:t>
+            </a:r>
+            <a:r>
+              <a:rPr lang="en-US" altLang="ko-KR" b="1" dirty="0"/>
+              <a:t>(float)</a:t>
+            </a:r>
+          </a:p>
+        </p:txBody>
+      </p:sp>
+      <p:sp>
+        <p:nvSpPr>
+          <p:cNvPr id="55" name="타원 54">
+            <a:extLst>
+              <a:ext uri="{FF2B5EF4-FFF2-40B4-BE49-F238E27FC236}">
+                <a16:creationId xmlns:a16="http://schemas.microsoft.com/office/drawing/2014/main" id="{FE38019A-E5C5-488C-8A1A-2763EB503AF9}"/>
+              </a:ext>
+            </a:extLst>
+          </p:cNvPr>
+          <p:cNvSpPr/>
+          <p:nvPr/>
+        </p:nvSpPr>
+        <p:spPr>
+          <a:xfrm>
+            <a:off x="359229" y="2080986"/>
+            <a:ext cx="190500" cy="192516"/>
+          </a:xfrm>
+          <a:prstGeom prst="ellipse">
+            <a:avLst/>
+          </a:prstGeom>
+          <a:noFill/>
+          <a:ln>
+            <a:solidFill>
+              <a:schemeClr val="bg1"/>
+            </a:solidFill>
+          </a:ln>
+        </p:spPr>
+        <p:style>
+          <a:lnRef idx="2">
+            <a:schemeClr val="accent1">
+              <a:shade val="50000"/>
+            </a:schemeClr>
+          </a:lnRef>
+          <a:fillRef idx="1">
+            <a:schemeClr val="accent1"/>
+          </a:fillRef>
+          <a:effectRef idx="0">
+            <a:schemeClr val="accent1"/>
+          </a:effectRef>
+          <a:fontRef idx="minor">
+            <a:schemeClr val="lt1"/>
+          </a:fontRef>
+        </p:style>
+        <p:txBody>
+          <a:bodyPr rtlCol="0" anchor="ctr"/>
+          <a:lstStyle/>
+          <a:p>
+            <a:pPr algn="ctr"/>
+            <a:endParaRPr lang="ko-KR" altLang="en-US"/>
+          </a:p>
+        </p:txBody>
+      </p:sp>
+      <p:sp>
+        <p:nvSpPr>
+          <p:cNvPr id="56" name="타원 55">
+            <a:extLst>
+              <a:ext uri="{FF2B5EF4-FFF2-40B4-BE49-F238E27FC236}">
+                <a16:creationId xmlns:a16="http://schemas.microsoft.com/office/drawing/2014/main" id="{A39B4892-A6E6-4261-A483-5066F93080B7}"/>
+              </a:ext>
+            </a:extLst>
+          </p:cNvPr>
+          <p:cNvSpPr/>
+          <p:nvPr/>
+        </p:nvSpPr>
+        <p:spPr>
+          <a:xfrm>
+            <a:off x="3585029" y="2093686"/>
+            <a:ext cx="190500" cy="192516"/>
+          </a:xfrm>
+          <a:prstGeom prst="ellipse">
+            <a:avLst/>
+          </a:prstGeom>
+          <a:noFill/>
+          <a:ln>
+            <a:solidFill>
+              <a:schemeClr val="bg1"/>
+            </a:solidFill>
+          </a:ln>
+        </p:spPr>
+        <p:style>
+          <a:lnRef idx="2">
+            <a:schemeClr val="accent1">
+              <a:shade val="50000"/>
+            </a:schemeClr>
+          </a:lnRef>
+          <a:fillRef idx="1">
+            <a:schemeClr val="accent1"/>
+          </a:fillRef>
+          <a:effectRef idx="0">
+            <a:schemeClr val="accent1"/>
+          </a:effectRef>
+          <a:fontRef idx="minor">
+            <a:schemeClr val="lt1"/>
+          </a:fontRef>
+        </p:style>
+        <p:txBody>
+          <a:bodyPr rtlCol="0" anchor="ctr"/>
+          <a:lstStyle/>
+          <a:p>
+            <a:pPr algn="ctr"/>
+            <a:endParaRPr lang="ko-KR" altLang="en-US"/>
+          </a:p>
+        </p:txBody>
+      </p:sp>
+      <p:cxnSp>
+        <p:nvCxnSpPr>
+          <p:cNvPr id="57" name="연결선: 구부러짐 56">
+            <a:extLst>
+              <a:ext uri="{FF2B5EF4-FFF2-40B4-BE49-F238E27FC236}">
+                <a16:creationId xmlns:a16="http://schemas.microsoft.com/office/drawing/2014/main" id="{B8C3D14B-42D9-43AC-946F-228C829B1E27}"/>
+              </a:ext>
+            </a:extLst>
+          </p:cNvPr>
+          <p:cNvCxnSpPr>
+            <a:cxnSpLocks/>
+            <a:stCxn id="55" idx="7"/>
+            <a:endCxn id="56" idx="1"/>
+          </p:cNvCxnSpPr>
+          <p:nvPr/>
+        </p:nvCxnSpPr>
+        <p:spPr>
+          <a:xfrm rot="16200000" flipH="1">
+            <a:off x="2061029" y="569981"/>
+            <a:ext cx="12700" cy="3091096"/>
+          </a:xfrm>
+          <a:prstGeom prst="curvedConnector3">
+            <a:avLst>
+              <a:gd name="adj1" fmla="val -3221992"/>
+            </a:avLst>
+          </a:prstGeom>
+          <a:ln>
+            <a:solidFill>
+              <a:schemeClr val="tx1"/>
+            </a:solidFill>
+            <a:tailEnd type="triangle"/>
+          </a:ln>
+        </p:spPr>
+        <p:style>
+          <a:lnRef idx="1">
+            <a:schemeClr val="accent1"/>
+          </a:lnRef>
+          <a:fillRef idx="0">
+            <a:schemeClr val="accent1"/>
+          </a:fillRef>
+          <a:effectRef idx="0">
+            <a:schemeClr val="accent1"/>
+          </a:effectRef>
+          <a:fontRef idx="minor">
+            <a:schemeClr val="tx1"/>
+          </a:fontRef>
+        </p:style>
+      </p:cxnSp>
+      <p:sp>
+        <p:nvSpPr>
+          <p:cNvPr id="58" name="직사각형 57">
+            <a:extLst>
+              <a:ext uri="{FF2B5EF4-FFF2-40B4-BE49-F238E27FC236}">
+                <a16:creationId xmlns:a16="http://schemas.microsoft.com/office/drawing/2014/main" id="{917839D0-EBF8-4318-A0CB-3B174C77DE22}"/>
+              </a:ext>
+            </a:extLst>
+          </p:cNvPr>
+          <p:cNvSpPr/>
+          <p:nvPr/>
+        </p:nvSpPr>
+        <p:spPr>
+          <a:xfrm>
+            <a:off x="324534" y="879476"/>
+            <a:ext cx="6654386" cy="646331"/>
+          </a:xfrm>
+          <a:prstGeom prst="rect">
+            <a:avLst/>
+          </a:prstGeom>
+        </p:spPr>
+        <p:txBody>
+          <a:bodyPr wrap="none">
+            <a:spAutoFit/>
+          </a:bodyPr>
+          <a:lstStyle/>
+          <a:p>
+            <a:r>
+              <a:rPr lang="en-US" altLang="ko-KR" b="1" dirty="0"/>
+              <a:t>Stride: </a:t>
+            </a:r>
+            <a:r>
+              <a:rPr lang="ko-KR" altLang="en-US" b="1" dirty="0"/>
+              <a:t>다음 정점 정보를 </a:t>
+            </a:r>
+            <a:r>
+              <a:rPr lang="ko-KR" altLang="en-US" b="1" dirty="0" err="1"/>
+              <a:t>얻어오기</a:t>
+            </a:r>
+            <a:r>
+              <a:rPr lang="ko-KR" altLang="en-US" b="1" dirty="0"/>
+              <a:t> 위해 얼마나 이동해야 하는지</a:t>
+            </a:r>
+            <a:r>
+              <a:rPr lang="en-US" altLang="ko-KR" b="1" dirty="0"/>
+              <a:t>?</a:t>
+            </a:r>
+          </a:p>
+          <a:p>
+            <a:r>
+              <a:rPr lang="en-US" altLang="ko-KR" b="1" dirty="0"/>
+              <a:t>(</a:t>
+            </a:r>
+            <a:r>
+              <a:rPr lang="ko-KR" altLang="en-US" b="1" dirty="0"/>
+              <a:t>위치</a:t>
+            </a:r>
+            <a:r>
+              <a:rPr lang="en-US" altLang="ko-KR" b="1" dirty="0"/>
+              <a:t>, </a:t>
+            </a:r>
+            <a:r>
+              <a:rPr lang="ko-KR" altLang="en-US" b="1" dirty="0"/>
+              <a:t>색상 모두 </a:t>
+            </a:r>
+            <a:r>
+              <a:rPr lang="en-US" altLang="ko-KR" b="1" dirty="0"/>
+              <a:t>24 byte</a:t>
+            </a:r>
+            <a:r>
+              <a:rPr lang="ko-KR" altLang="en-US" b="1" dirty="0"/>
+              <a:t>로 동일</a:t>
+            </a:r>
+            <a:r>
+              <a:rPr lang="en-US" altLang="ko-KR" b="1" dirty="0"/>
+              <a:t>)</a:t>
+            </a:r>
+          </a:p>
+        </p:txBody>
+      </p:sp>
+      <p:cxnSp>
+        <p:nvCxnSpPr>
+          <p:cNvPr id="59" name="직선 화살표 연결선 58">
+            <a:extLst>
+              <a:ext uri="{FF2B5EF4-FFF2-40B4-BE49-F238E27FC236}">
+                <a16:creationId xmlns:a16="http://schemas.microsoft.com/office/drawing/2014/main" id="{F38DEC03-1291-4949-9D7F-B4192AB3811B}"/>
+              </a:ext>
+            </a:extLst>
+          </p:cNvPr>
+          <p:cNvCxnSpPr>
+            <a:cxnSpLocks/>
+          </p:cNvCxnSpPr>
+          <p:nvPr/>
+        </p:nvCxnSpPr>
+        <p:spPr>
+          <a:xfrm>
+            <a:off x="439220" y="2931886"/>
+            <a:ext cx="1088409" cy="0"/>
+          </a:xfrm>
+          <a:prstGeom prst="straightConnector1">
+            <a:avLst/>
+          </a:prstGeom>
+          <a:ln>
+            <a:solidFill>
+              <a:schemeClr val="tx1"/>
+            </a:solidFill>
+            <a:headEnd type="triangle"/>
+            <a:tailEnd type="triangle"/>
+          </a:ln>
+        </p:spPr>
+        <p:style>
+          <a:lnRef idx="1">
+            <a:schemeClr val="accent1"/>
+          </a:lnRef>
+          <a:fillRef idx="0">
+            <a:schemeClr val="accent1"/>
+          </a:fillRef>
+          <a:effectRef idx="0">
+            <a:schemeClr val="accent1"/>
+          </a:effectRef>
+          <a:fontRef idx="minor">
+            <a:schemeClr val="tx1"/>
+          </a:fontRef>
+        </p:style>
+      </p:cxnSp>
+      <p:sp>
+        <p:nvSpPr>
+          <p:cNvPr id="60" name="직사각형 59">
+            <a:extLst>
+              <a:ext uri="{FF2B5EF4-FFF2-40B4-BE49-F238E27FC236}">
+                <a16:creationId xmlns:a16="http://schemas.microsoft.com/office/drawing/2014/main" id="{5F72D503-D7A8-471B-9B59-578FE459B42D}"/>
+              </a:ext>
+            </a:extLst>
+          </p:cNvPr>
+          <p:cNvSpPr/>
+          <p:nvPr/>
+        </p:nvSpPr>
+        <p:spPr>
+          <a:xfrm>
+            <a:off x="411619" y="2974522"/>
+            <a:ext cx="7419980" cy="646331"/>
+          </a:xfrm>
+          <a:prstGeom prst="rect">
+            <a:avLst/>
+          </a:prstGeom>
+        </p:spPr>
+        <p:txBody>
+          <a:bodyPr wrap="none">
+            <a:spAutoFit/>
+          </a:bodyPr>
+          <a:lstStyle/>
+          <a:p>
+            <a:r>
+              <a:rPr lang="en-US" altLang="ko-KR" b="1" dirty="0"/>
+              <a:t>Offset: </a:t>
+            </a:r>
+            <a:r>
+              <a:rPr lang="ko-KR" altLang="en-US" b="1" dirty="0"/>
+              <a:t>데이터의 시작 위치가 배열의 첫 위치부터 얼마나 떨어져 있는지</a:t>
+            </a:r>
+            <a:r>
+              <a:rPr lang="en-US" altLang="ko-KR" b="1" dirty="0"/>
+              <a:t>?</a:t>
+            </a:r>
+          </a:p>
+          <a:p>
+            <a:r>
+              <a:rPr lang="en-US" altLang="ko-KR" b="1" dirty="0"/>
+              <a:t>(</a:t>
+            </a:r>
+            <a:r>
+              <a:rPr lang="ko-KR" altLang="en-US" b="1" dirty="0"/>
+              <a:t>위치의 경우 </a:t>
+            </a:r>
+            <a:r>
+              <a:rPr lang="en-US" altLang="ko-KR" b="1" dirty="0"/>
+              <a:t>0 byte,</a:t>
+            </a:r>
+            <a:r>
+              <a:rPr lang="ko-KR" altLang="en-US" b="1" dirty="0"/>
+              <a:t> 색상의 경우 </a:t>
+            </a:r>
+            <a:r>
+              <a:rPr lang="en-US" altLang="ko-KR" b="1" dirty="0"/>
+              <a:t>8 byte)</a:t>
+            </a:r>
+          </a:p>
+        </p:txBody>
+      </p:sp>
+      <p:sp>
+        <p:nvSpPr>
+          <p:cNvPr id="61" name="타원 60">
+            <a:extLst>
+              <a:ext uri="{FF2B5EF4-FFF2-40B4-BE49-F238E27FC236}">
+                <a16:creationId xmlns:a16="http://schemas.microsoft.com/office/drawing/2014/main" id="{9D31842F-379A-4417-9D92-325A5F1FDAFB}"/>
+              </a:ext>
+            </a:extLst>
+          </p:cNvPr>
+          <p:cNvSpPr/>
+          <p:nvPr/>
+        </p:nvSpPr>
+        <p:spPr>
+          <a:xfrm>
+            <a:off x="1430342" y="2080986"/>
+            <a:ext cx="190500" cy="192516"/>
+          </a:xfrm>
+          <a:prstGeom prst="ellipse">
+            <a:avLst/>
+          </a:prstGeom>
+          <a:noFill/>
+          <a:ln>
+            <a:solidFill>
+              <a:schemeClr val="bg1"/>
+            </a:solidFill>
+          </a:ln>
+        </p:spPr>
+        <p:style>
+          <a:lnRef idx="2">
+            <a:schemeClr val="accent1">
+              <a:shade val="50000"/>
+            </a:schemeClr>
+          </a:lnRef>
+          <a:fillRef idx="1">
+            <a:schemeClr val="accent1"/>
+          </a:fillRef>
+          <a:effectRef idx="0">
+            <a:schemeClr val="accent1"/>
+          </a:effectRef>
+          <a:fontRef idx="minor">
+            <a:schemeClr val="lt1"/>
+          </a:fontRef>
+        </p:style>
+        <p:txBody>
+          <a:bodyPr rtlCol="0" anchor="ctr"/>
+          <a:lstStyle/>
+          <a:p>
+            <a:pPr algn="ctr"/>
+            <a:endParaRPr lang="ko-KR" altLang="en-US"/>
+          </a:p>
+        </p:txBody>
+      </p:sp>
+      <p:sp>
+        <p:nvSpPr>
+          <p:cNvPr id="62" name="타원 61">
+            <a:extLst>
+              <a:ext uri="{FF2B5EF4-FFF2-40B4-BE49-F238E27FC236}">
+                <a16:creationId xmlns:a16="http://schemas.microsoft.com/office/drawing/2014/main" id="{4269CA55-0EB2-4E01-B5D5-C86A5B025F3F}"/>
+              </a:ext>
+            </a:extLst>
+          </p:cNvPr>
+          <p:cNvSpPr/>
+          <p:nvPr/>
+        </p:nvSpPr>
+        <p:spPr>
+          <a:xfrm>
+            <a:off x="4656142" y="2093686"/>
+            <a:ext cx="190500" cy="192516"/>
+          </a:xfrm>
+          <a:prstGeom prst="ellipse">
+            <a:avLst/>
+          </a:prstGeom>
+          <a:noFill/>
+          <a:ln>
+            <a:solidFill>
+              <a:schemeClr val="bg1"/>
+            </a:solidFill>
+          </a:ln>
+        </p:spPr>
+        <p:style>
+          <a:lnRef idx="2">
+            <a:schemeClr val="accent1">
+              <a:shade val="50000"/>
+            </a:schemeClr>
+          </a:lnRef>
+          <a:fillRef idx="1">
+            <a:schemeClr val="accent1"/>
+          </a:fillRef>
+          <a:effectRef idx="0">
+            <a:schemeClr val="accent1"/>
+          </a:effectRef>
+          <a:fontRef idx="minor">
+            <a:schemeClr val="lt1"/>
+          </a:fontRef>
+        </p:style>
+        <p:txBody>
+          <a:bodyPr rtlCol="0" anchor="ctr"/>
+          <a:lstStyle/>
+          <a:p>
+            <a:pPr algn="ctr"/>
+            <a:endParaRPr lang="ko-KR" altLang="en-US"/>
+          </a:p>
+        </p:txBody>
+      </p:sp>
+      <p:cxnSp>
+        <p:nvCxnSpPr>
+          <p:cNvPr id="63" name="연결선: 구부러짐 62">
+            <a:extLst>
+              <a:ext uri="{FF2B5EF4-FFF2-40B4-BE49-F238E27FC236}">
+                <a16:creationId xmlns:a16="http://schemas.microsoft.com/office/drawing/2014/main" id="{92BBAD29-A595-408B-9460-1001F468BD93}"/>
+              </a:ext>
+            </a:extLst>
+          </p:cNvPr>
+          <p:cNvCxnSpPr>
+            <a:cxnSpLocks/>
+            <a:stCxn id="61" idx="7"/>
+            <a:endCxn id="62" idx="1"/>
+          </p:cNvCxnSpPr>
+          <p:nvPr/>
+        </p:nvCxnSpPr>
+        <p:spPr>
+          <a:xfrm rot="16200000" flipH="1">
+            <a:off x="3132142" y="569981"/>
+            <a:ext cx="12700" cy="3091096"/>
+          </a:xfrm>
+          <a:prstGeom prst="curvedConnector3">
+            <a:avLst>
+              <a:gd name="adj1" fmla="val -3221992"/>
+            </a:avLst>
+          </a:prstGeom>
+          <a:ln>
+            <a:solidFill>
+              <a:schemeClr val="tx1"/>
+            </a:solidFill>
+            <a:tailEnd type="triangle"/>
+          </a:ln>
+        </p:spPr>
+        <p:style>
+          <a:lnRef idx="1">
+            <a:schemeClr val="accent1"/>
+          </a:lnRef>
+          <a:fillRef idx="0">
+            <a:schemeClr val="accent1"/>
+          </a:fillRef>
+          <a:effectRef idx="0">
+            <a:schemeClr val="accent1"/>
+          </a:effectRef>
+          <a:fontRef idx="minor">
+            <a:schemeClr val="tx1"/>
+          </a:fontRef>
+        </p:style>
+      </p:cxnSp>
+      <p:pic>
+        <p:nvPicPr>
+          <p:cNvPr id="64" name="그림 63">
+            <a:extLst>
+              <a:ext uri="{FF2B5EF4-FFF2-40B4-BE49-F238E27FC236}">
+                <a16:creationId xmlns:a16="http://schemas.microsoft.com/office/drawing/2014/main" id="{083B3963-9C4D-47CA-B549-C6DEB978B192}"/>
+              </a:ext>
+            </a:extLst>
+          </p:cNvPr>
+          <p:cNvPicPr>
+            <a:picLocks noChangeAspect="1"/>
+          </p:cNvPicPr>
+          <p:nvPr/>
+        </p:nvPicPr>
+        <p:blipFill>
+          <a:blip r:embed="rId2"/>
+          <a:stretch>
+            <a:fillRect/>
+          </a:stretch>
+        </p:blipFill>
+        <p:spPr>
+          <a:xfrm>
+            <a:off x="10648" y="5342381"/>
+            <a:ext cx="9376461" cy="4048095"/>
+          </a:xfrm>
+          <a:prstGeom prst="rect">
+            <a:avLst/>
+          </a:prstGeom>
+        </p:spPr>
+      </p:pic>
+    </p:spTree>
+    <p:extLst>
+      <p:ext uri="{BB962C8B-B14F-4D97-AF65-F5344CB8AC3E}">
+        <p14:creationId xmlns:p14="http://schemas.microsoft.com/office/powerpoint/2010/main" val="1887085015"/>
+      </p:ext>
+    </p:extLst>
+  </p:cSld>
+  <p:clrMapOvr>
+    <a:masterClrMapping/>
+  </p:clrMapOvr>
+</p:sld>
+</file>
+
 <file path=ppt/theme/theme1.xml><?xml version="1.0" encoding="utf-8"?>
 <a:theme xmlns:a="http://schemas.openxmlformats.org/drawingml/2006/main" name="Office 테마">
   <a:themeElements>

--- a/docs/tutorial-opengl/assets/figures.pptx
+++ b/docs/tutorial-opengl/assets/figures.pptx
@@ -11,6 +11,7 @@
     <p:sldId id="259" r:id="rId5"/>
     <p:sldId id="260" r:id="rId6"/>
     <p:sldId id="261" r:id="rId7"/>
+    <p:sldId id="262" r:id="rId8"/>
   </p:sldIdLst>
   <p:sldSz cx="12192000" cy="6858000"/>
   <p:notesSz cx="6858000" cy="9144000"/>
@@ -266,7 +267,7 @@
           <a:p>
             <a:fld id="{5ED19601-7AAA-4ADB-9403-46F6CC5497EC}" type="datetimeFigureOut">
               <a:rPr lang="en-US" smtClean="0"/>
-              <a:t>7/3/2024</a:t>
+              <a:t>7/8/2024</a:t>
             </a:fld>
             <a:endParaRPr lang="en-US"/>
           </a:p>
@@ -466,7 +467,7 @@
           <a:p>
             <a:fld id="{5ED19601-7AAA-4ADB-9403-46F6CC5497EC}" type="datetimeFigureOut">
               <a:rPr lang="en-US" smtClean="0"/>
-              <a:t>7/3/2024</a:t>
+              <a:t>7/8/2024</a:t>
             </a:fld>
             <a:endParaRPr lang="en-US"/>
           </a:p>
@@ -676,7 +677,7 @@
           <a:p>
             <a:fld id="{5ED19601-7AAA-4ADB-9403-46F6CC5497EC}" type="datetimeFigureOut">
               <a:rPr lang="en-US" smtClean="0"/>
-              <a:t>7/3/2024</a:t>
+              <a:t>7/8/2024</a:t>
             </a:fld>
             <a:endParaRPr lang="en-US"/>
           </a:p>
@@ -876,7 +877,7 @@
           <a:p>
             <a:fld id="{5ED19601-7AAA-4ADB-9403-46F6CC5497EC}" type="datetimeFigureOut">
               <a:rPr lang="en-US" smtClean="0"/>
-              <a:t>7/3/2024</a:t>
+              <a:t>7/8/2024</a:t>
             </a:fld>
             <a:endParaRPr lang="en-US"/>
           </a:p>
@@ -1152,7 +1153,7 @@
           <a:p>
             <a:fld id="{5ED19601-7AAA-4ADB-9403-46F6CC5497EC}" type="datetimeFigureOut">
               <a:rPr lang="en-US" smtClean="0"/>
-              <a:t>7/3/2024</a:t>
+              <a:t>7/8/2024</a:t>
             </a:fld>
             <a:endParaRPr lang="en-US"/>
           </a:p>
@@ -1420,7 +1421,7 @@
           <a:p>
             <a:fld id="{5ED19601-7AAA-4ADB-9403-46F6CC5497EC}" type="datetimeFigureOut">
               <a:rPr lang="en-US" smtClean="0"/>
-              <a:t>7/3/2024</a:t>
+              <a:t>7/8/2024</a:t>
             </a:fld>
             <a:endParaRPr lang="en-US"/>
           </a:p>
@@ -1835,7 +1836,7 @@
           <a:p>
             <a:fld id="{5ED19601-7AAA-4ADB-9403-46F6CC5497EC}" type="datetimeFigureOut">
               <a:rPr lang="en-US" smtClean="0"/>
-              <a:t>7/3/2024</a:t>
+              <a:t>7/8/2024</a:t>
             </a:fld>
             <a:endParaRPr lang="en-US"/>
           </a:p>
@@ -1977,7 +1978,7 @@
           <a:p>
             <a:fld id="{5ED19601-7AAA-4ADB-9403-46F6CC5497EC}" type="datetimeFigureOut">
               <a:rPr lang="en-US" smtClean="0"/>
-              <a:t>7/3/2024</a:t>
+              <a:t>7/8/2024</a:t>
             </a:fld>
             <a:endParaRPr lang="en-US"/>
           </a:p>
@@ -2090,7 +2091,7 @@
           <a:p>
             <a:fld id="{5ED19601-7AAA-4ADB-9403-46F6CC5497EC}" type="datetimeFigureOut">
               <a:rPr lang="en-US" smtClean="0"/>
-              <a:t>7/3/2024</a:t>
+              <a:t>7/8/2024</a:t>
             </a:fld>
             <a:endParaRPr lang="en-US"/>
           </a:p>
@@ -2403,7 +2404,7 @@
           <a:p>
             <a:fld id="{5ED19601-7AAA-4ADB-9403-46F6CC5497EC}" type="datetimeFigureOut">
               <a:rPr lang="en-US" smtClean="0"/>
-              <a:t>7/3/2024</a:t>
+              <a:t>7/8/2024</a:t>
             </a:fld>
             <a:endParaRPr lang="en-US"/>
           </a:p>
@@ -2692,7 +2693,7 @@
           <a:p>
             <a:fld id="{5ED19601-7AAA-4ADB-9403-46F6CC5497EC}" type="datetimeFigureOut">
               <a:rPr lang="en-US" smtClean="0"/>
-              <a:t>7/3/2024</a:t>
+              <a:t>7/8/2024</a:t>
             </a:fld>
             <a:endParaRPr lang="en-US"/>
           </a:p>
@@ -2935,7 +2936,7 @@
           <a:p>
             <a:fld id="{5ED19601-7AAA-4ADB-9403-46F6CC5497EC}" type="datetimeFigureOut">
               <a:rPr lang="en-US" smtClean="0"/>
-              <a:t>7/3/2024</a:t>
+              <a:t>7/8/2024</a:t>
             </a:fld>
             <a:endParaRPr lang="en-US"/>
           </a:p>
@@ -14898,6 +14899,864 @@
 </p:sld>
 </file>
 
+<file path=ppt/slides/slide7.xml><?xml version="1.0" encoding="utf-8"?>
+<p:sld xmlns:a="http://schemas.openxmlformats.org/drawingml/2006/main" xmlns:r="http://schemas.openxmlformats.org/officeDocument/2006/relationships" xmlns:p="http://schemas.openxmlformats.org/presentationml/2006/main">
+  <p:cSld>
+    <p:spTree>
+      <p:nvGrpSpPr>
+        <p:cNvPr id="1" name=""/>
+        <p:cNvGrpSpPr/>
+        <p:nvPr/>
+      </p:nvGrpSpPr>
+      <p:grpSpPr>
+        <a:xfrm>
+          <a:off x="0" y="0"/>
+          <a:ext cx="0" cy="0"/>
+          <a:chOff x="0" y="0"/>
+          <a:chExt cx="0" cy="0"/>
+        </a:xfrm>
+      </p:grpSpPr>
+      <p:sp>
+        <p:nvSpPr>
+          <p:cNvPr id="7" name="순서도: 수동 연산 6">
+            <a:extLst>
+              <a:ext uri="{FF2B5EF4-FFF2-40B4-BE49-F238E27FC236}">
+                <a16:creationId xmlns:a16="http://schemas.microsoft.com/office/drawing/2014/main" id="{236EBB28-BF13-4EEF-AEC0-433ACEFA4140}"/>
+              </a:ext>
+            </a:extLst>
+          </p:cNvPr>
+          <p:cNvSpPr/>
+          <p:nvPr/>
+        </p:nvSpPr>
+        <p:spPr>
+          <a:xfrm rot="5400000">
+            <a:off x="4929051" y="2884714"/>
+            <a:ext cx="1454332" cy="1088572"/>
+          </a:xfrm>
+          <a:prstGeom prst="flowChartManualOperation">
+            <a:avLst/>
+          </a:prstGeom>
+        </p:spPr>
+        <p:style>
+          <a:lnRef idx="2">
+            <a:schemeClr val="dk1"/>
+          </a:lnRef>
+          <a:fillRef idx="1">
+            <a:schemeClr val="lt1"/>
+          </a:fillRef>
+          <a:effectRef idx="0">
+            <a:schemeClr val="dk1"/>
+          </a:effectRef>
+          <a:fontRef idx="minor">
+            <a:schemeClr val="dk1"/>
+          </a:fontRef>
+        </p:style>
+        <p:txBody>
+          <a:bodyPr rtlCol="0" anchor="ctr"/>
+          <a:lstStyle/>
+          <a:p>
+            <a:pPr algn="ctr"/>
+            <a:endParaRPr lang="en-US"/>
+          </a:p>
+        </p:txBody>
+      </p:sp>
+      <p:sp>
+        <p:nvSpPr>
+          <p:cNvPr id="8" name="순서도: 수동 연산 7">
+            <a:extLst>
+              <a:ext uri="{FF2B5EF4-FFF2-40B4-BE49-F238E27FC236}">
+                <a16:creationId xmlns:a16="http://schemas.microsoft.com/office/drawing/2014/main" id="{BA20B8C4-756D-4348-9949-95A09848E55F}"/>
+              </a:ext>
+            </a:extLst>
+          </p:cNvPr>
+          <p:cNvSpPr/>
+          <p:nvPr/>
+        </p:nvSpPr>
+        <p:spPr>
+          <a:xfrm rot="5400000">
+            <a:off x="6419305" y="2246811"/>
+            <a:ext cx="4008121" cy="2364378"/>
+          </a:xfrm>
+          <a:prstGeom prst="flowChartManualOperation">
+            <a:avLst/>
+          </a:prstGeom>
+        </p:spPr>
+        <p:style>
+          <a:lnRef idx="2">
+            <a:schemeClr val="dk1"/>
+          </a:lnRef>
+          <a:fillRef idx="1">
+            <a:schemeClr val="lt1"/>
+          </a:fillRef>
+          <a:effectRef idx="0">
+            <a:schemeClr val="dk1"/>
+          </a:effectRef>
+          <a:fontRef idx="minor">
+            <a:schemeClr val="dk1"/>
+          </a:fontRef>
+        </p:style>
+        <p:txBody>
+          <a:bodyPr rtlCol="0" anchor="ctr"/>
+          <a:lstStyle/>
+          <a:p>
+            <a:pPr algn="ctr"/>
+            <a:endParaRPr lang="en-US"/>
+          </a:p>
+        </p:txBody>
+      </p:sp>
+      <p:cxnSp>
+        <p:nvCxnSpPr>
+          <p:cNvPr id="10" name="직선 연결선 9">
+            <a:extLst>
+              <a:ext uri="{FF2B5EF4-FFF2-40B4-BE49-F238E27FC236}">
+                <a16:creationId xmlns:a16="http://schemas.microsoft.com/office/drawing/2014/main" id="{ADAC9A12-9C8D-4A3A-AAF7-CF41434D519E}"/>
+              </a:ext>
+            </a:extLst>
+          </p:cNvPr>
+          <p:cNvCxnSpPr/>
+          <p:nvPr/>
+        </p:nvCxnSpPr>
+        <p:spPr>
+          <a:xfrm flipV="1">
+            <a:off x="5111931" y="2238103"/>
+            <a:ext cx="2107475" cy="748937"/>
+          </a:xfrm>
+          <a:prstGeom prst="line">
+            <a:avLst/>
+          </a:prstGeom>
+          <a:ln>
+            <a:solidFill>
+              <a:schemeClr val="tx1"/>
+            </a:solidFill>
+            <a:prstDash val="dash"/>
+          </a:ln>
+        </p:spPr>
+        <p:style>
+          <a:lnRef idx="1">
+            <a:schemeClr val="accent1"/>
+          </a:lnRef>
+          <a:fillRef idx="0">
+            <a:schemeClr val="accent1"/>
+          </a:fillRef>
+          <a:effectRef idx="0">
+            <a:schemeClr val="accent1"/>
+          </a:effectRef>
+          <a:fontRef idx="minor">
+            <a:schemeClr val="tx1"/>
+          </a:fontRef>
+        </p:style>
+      </p:cxnSp>
+      <p:cxnSp>
+        <p:nvCxnSpPr>
+          <p:cNvPr id="11" name="직선 연결선 10">
+            <a:extLst>
+              <a:ext uri="{FF2B5EF4-FFF2-40B4-BE49-F238E27FC236}">
+                <a16:creationId xmlns:a16="http://schemas.microsoft.com/office/drawing/2014/main" id="{2501A204-7D4A-4212-9472-167C93C2CCC4}"/>
+              </a:ext>
+            </a:extLst>
+          </p:cNvPr>
+          <p:cNvCxnSpPr>
+            <a:cxnSpLocks/>
+          </p:cNvCxnSpPr>
+          <p:nvPr/>
+        </p:nvCxnSpPr>
+        <p:spPr>
+          <a:xfrm flipV="1">
+            <a:off x="6165667" y="1424939"/>
+            <a:ext cx="3439888" cy="1276896"/>
+          </a:xfrm>
+          <a:prstGeom prst="line">
+            <a:avLst/>
+          </a:prstGeom>
+          <a:ln>
+            <a:solidFill>
+              <a:schemeClr val="tx1"/>
+            </a:solidFill>
+            <a:prstDash val="dash"/>
+          </a:ln>
+        </p:spPr>
+        <p:style>
+          <a:lnRef idx="1">
+            <a:schemeClr val="accent1"/>
+          </a:lnRef>
+          <a:fillRef idx="0">
+            <a:schemeClr val="accent1"/>
+          </a:fillRef>
+          <a:effectRef idx="0">
+            <a:schemeClr val="accent1"/>
+          </a:effectRef>
+          <a:fontRef idx="minor">
+            <a:schemeClr val="tx1"/>
+          </a:fontRef>
+        </p:style>
+      </p:cxnSp>
+      <p:cxnSp>
+        <p:nvCxnSpPr>
+          <p:cNvPr id="13" name="직선 연결선 12">
+            <a:extLst>
+              <a:ext uri="{FF2B5EF4-FFF2-40B4-BE49-F238E27FC236}">
+                <a16:creationId xmlns:a16="http://schemas.microsoft.com/office/drawing/2014/main" id="{FDFC339E-6AC2-4B5D-BCBD-63AD730FF36B}"/>
+              </a:ext>
+            </a:extLst>
+          </p:cNvPr>
+          <p:cNvCxnSpPr>
+            <a:cxnSpLocks/>
+          </p:cNvCxnSpPr>
+          <p:nvPr/>
+        </p:nvCxnSpPr>
+        <p:spPr>
+          <a:xfrm>
+            <a:off x="5111931" y="3870961"/>
+            <a:ext cx="2107475" cy="748936"/>
+          </a:xfrm>
+          <a:prstGeom prst="line">
+            <a:avLst/>
+          </a:prstGeom>
+          <a:ln>
+            <a:solidFill>
+              <a:schemeClr val="tx1"/>
+            </a:solidFill>
+            <a:prstDash val="dash"/>
+          </a:ln>
+        </p:spPr>
+        <p:style>
+          <a:lnRef idx="1">
+            <a:schemeClr val="accent1"/>
+          </a:lnRef>
+          <a:fillRef idx="0">
+            <a:schemeClr val="accent1"/>
+          </a:fillRef>
+          <a:effectRef idx="0">
+            <a:schemeClr val="accent1"/>
+          </a:effectRef>
+          <a:fontRef idx="minor">
+            <a:schemeClr val="tx1"/>
+          </a:fontRef>
+        </p:style>
+      </p:cxnSp>
+      <p:cxnSp>
+        <p:nvCxnSpPr>
+          <p:cNvPr id="16" name="직선 연결선 15">
+            <a:extLst>
+              <a:ext uri="{FF2B5EF4-FFF2-40B4-BE49-F238E27FC236}">
+                <a16:creationId xmlns:a16="http://schemas.microsoft.com/office/drawing/2014/main" id="{25E0F5C2-87B2-48EE-8485-6AADA364827A}"/>
+              </a:ext>
+            </a:extLst>
+          </p:cNvPr>
+          <p:cNvCxnSpPr>
+            <a:cxnSpLocks/>
+          </p:cNvCxnSpPr>
+          <p:nvPr/>
+        </p:nvCxnSpPr>
+        <p:spPr>
+          <a:xfrm>
+            <a:off x="6200504" y="4156166"/>
+            <a:ext cx="3405051" cy="1276895"/>
+          </a:xfrm>
+          <a:prstGeom prst="line">
+            <a:avLst/>
+          </a:prstGeom>
+          <a:ln>
+            <a:solidFill>
+              <a:schemeClr val="tx1"/>
+            </a:solidFill>
+            <a:prstDash val="dash"/>
+          </a:ln>
+        </p:spPr>
+        <p:style>
+          <a:lnRef idx="1">
+            <a:schemeClr val="accent1"/>
+          </a:lnRef>
+          <a:fillRef idx="0">
+            <a:schemeClr val="accent1"/>
+          </a:fillRef>
+          <a:effectRef idx="0">
+            <a:schemeClr val="accent1"/>
+          </a:effectRef>
+          <a:fontRef idx="minor">
+            <a:schemeClr val="tx1"/>
+          </a:fontRef>
+        </p:style>
+      </p:cxnSp>
+      <p:sp>
+        <p:nvSpPr>
+          <p:cNvPr id="23" name="순서도: 수동 연산 22">
+            <a:extLst>
+              <a:ext uri="{FF2B5EF4-FFF2-40B4-BE49-F238E27FC236}">
+                <a16:creationId xmlns:a16="http://schemas.microsoft.com/office/drawing/2014/main" id="{1328D246-D5AB-4576-86B7-8244F41D3394}"/>
+              </a:ext>
+            </a:extLst>
+          </p:cNvPr>
+          <p:cNvSpPr/>
+          <p:nvPr/>
+        </p:nvSpPr>
+        <p:spPr>
+          <a:xfrm rot="5400000">
+            <a:off x="4852578" y="3468019"/>
+            <a:ext cx="679813" cy="707573"/>
+          </a:xfrm>
+          <a:prstGeom prst="flowChartManualOperation">
+            <a:avLst/>
+          </a:prstGeom>
+          <a:gradFill flip="none" rotWithShape="1">
+            <a:gsLst>
+              <a:gs pos="0">
+                <a:srgbClr val="FF0000"/>
+              </a:gs>
+              <a:gs pos="50000">
+                <a:schemeClr val="lt1">
+                  <a:shade val="67500"/>
+                  <a:satMod val="115000"/>
+                </a:schemeClr>
+              </a:gs>
+              <a:gs pos="100000">
+                <a:srgbClr val="0000FF"/>
+              </a:gs>
+            </a:gsLst>
+            <a:lin ang="5400000" scaled="1"/>
+            <a:tileRect/>
+          </a:gradFill>
+        </p:spPr>
+        <p:style>
+          <a:lnRef idx="2">
+            <a:schemeClr val="dk1"/>
+          </a:lnRef>
+          <a:fillRef idx="1">
+            <a:schemeClr val="lt1"/>
+          </a:fillRef>
+          <a:effectRef idx="0">
+            <a:schemeClr val="dk1"/>
+          </a:effectRef>
+          <a:fontRef idx="minor">
+            <a:schemeClr val="dk1"/>
+          </a:fontRef>
+        </p:style>
+        <p:txBody>
+          <a:bodyPr rtlCol="0" anchor="ctr"/>
+          <a:lstStyle/>
+          <a:p>
+            <a:pPr algn="ctr"/>
+            <a:endParaRPr lang="en-US"/>
+          </a:p>
+        </p:txBody>
+      </p:sp>
+      <p:grpSp>
+        <p:nvGrpSpPr>
+          <p:cNvPr id="21" name="그룹 20">
+            <a:extLst>
+              <a:ext uri="{FF2B5EF4-FFF2-40B4-BE49-F238E27FC236}">
+                <a16:creationId xmlns:a16="http://schemas.microsoft.com/office/drawing/2014/main" id="{BD96698F-0591-4218-9305-E2C6F259615E}"/>
+              </a:ext>
+            </a:extLst>
+          </p:cNvPr>
+          <p:cNvGrpSpPr/>
+          <p:nvPr/>
+        </p:nvGrpSpPr>
+        <p:grpSpPr>
+          <a:xfrm>
+            <a:off x="4417423" y="3320142"/>
+            <a:ext cx="740228" cy="261257"/>
+            <a:chOff x="4075611" y="3283131"/>
+            <a:chExt cx="740228" cy="261257"/>
+          </a:xfrm>
+        </p:grpSpPr>
+        <p:sp>
+          <p:nvSpPr>
+            <p:cNvPr id="19" name="직사각형 18">
+              <a:extLst>
+                <a:ext uri="{FF2B5EF4-FFF2-40B4-BE49-F238E27FC236}">
+                  <a16:creationId xmlns:a16="http://schemas.microsoft.com/office/drawing/2014/main" id="{1E027385-9B57-4FAF-9FFA-DCA31D4D650F}"/>
+                </a:ext>
+              </a:extLst>
+            </p:cNvPr>
+            <p:cNvSpPr/>
+            <p:nvPr/>
+          </p:nvSpPr>
+          <p:spPr>
+            <a:xfrm>
+              <a:off x="4075611" y="3291840"/>
+              <a:ext cx="444138" cy="243840"/>
+            </a:xfrm>
+            <a:prstGeom prst="rect">
+              <a:avLst/>
+            </a:prstGeom>
+          </p:spPr>
+          <p:style>
+            <a:lnRef idx="2">
+              <a:schemeClr val="dk1"/>
+            </a:lnRef>
+            <a:fillRef idx="1">
+              <a:schemeClr val="lt1"/>
+            </a:fillRef>
+            <a:effectRef idx="0">
+              <a:schemeClr val="dk1"/>
+            </a:effectRef>
+            <a:fontRef idx="minor">
+              <a:schemeClr val="dk1"/>
+            </a:fontRef>
+          </p:style>
+          <p:txBody>
+            <a:bodyPr rtlCol="0" anchor="ctr"/>
+            <a:lstStyle/>
+            <a:p>
+              <a:pPr algn="ctr"/>
+              <a:endParaRPr lang="en-US"/>
+            </a:p>
+          </p:txBody>
+        </p:sp>
+        <p:sp>
+          <p:nvSpPr>
+            <p:cNvPr id="20" name="이등변 삼각형 19">
+              <a:extLst>
+                <a:ext uri="{FF2B5EF4-FFF2-40B4-BE49-F238E27FC236}">
+                  <a16:creationId xmlns:a16="http://schemas.microsoft.com/office/drawing/2014/main" id="{95271D0C-299E-471E-BD83-A08B51DAF8E5}"/>
+                </a:ext>
+              </a:extLst>
+            </p:cNvPr>
+            <p:cNvSpPr/>
+            <p:nvPr/>
+          </p:nvSpPr>
+          <p:spPr>
+            <a:xfrm rot="16200000">
+              <a:off x="4545873" y="3274422"/>
+              <a:ext cx="261257" cy="278675"/>
+            </a:xfrm>
+            <a:prstGeom prst="triangle">
+              <a:avLst/>
+            </a:prstGeom>
+          </p:spPr>
+          <p:style>
+            <a:lnRef idx="2">
+              <a:schemeClr val="dk1"/>
+            </a:lnRef>
+            <a:fillRef idx="1">
+              <a:schemeClr val="lt1"/>
+            </a:fillRef>
+            <a:effectRef idx="0">
+              <a:schemeClr val="dk1"/>
+            </a:effectRef>
+            <a:fontRef idx="minor">
+              <a:schemeClr val="dk1"/>
+            </a:fontRef>
+          </p:style>
+          <p:txBody>
+            <a:bodyPr rtlCol="0" anchor="ctr"/>
+            <a:lstStyle/>
+            <a:p>
+              <a:pPr algn="ctr"/>
+              <a:endParaRPr lang="en-US"/>
+            </a:p>
+          </p:txBody>
+        </p:sp>
+      </p:grpSp>
+      <p:sp>
+        <p:nvSpPr>
+          <p:cNvPr id="24" name="타원 23">
+            <a:extLst>
+              <a:ext uri="{FF2B5EF4-FFF2-40B4-BE49-F238E27FC236}">
+                <a16:creationId xmlns:a16="http://schemas.microsoft.com/office/drawing/2014/main" id="{57E1FB1E-2D35-4C61-821D-27D85B56C004}"/>
+              </a:ext>
+            </a:extLst>
+          </p:cNvPr>
+          <p:cNvSpPr/>
+          <p:nvPr/>
+        </p:nvSpPr>
+        <p:spPr>
+          <a:xfrm>
+            <a:off x="4576354" y="3384592"/>
+            <a:ext cx="143691" cy="143691"/>
+          </a:xfrm>
+          <a:prstGeom prst="ellipse">
+            <a:avLst/>
+          </a:prstGeom>
+        </p:spPr>
+        <p:style>
+          <a:lnRef idx="2">
+            <a:schemeClr val="dk1">
+              <a:shade val="50000"/>
+            </a:schemeClr>
+          </a:lnRef>
+          <a:fillRef idx="1">
+            <a:schemeClr val="dk1"/>
+          </a:fillRef>
+          <a:effectRef idx="0">
+            <a:schemeClr val="dk1"/>
+          </a:effectRef>
+          <a:fontRef idx="minor">
+            <a:schemeClr val="lt1"/>
+          </a:fontRef>
+        </p:style>
+        <p:txBody>
+          <a:bodyPr rtlCol="0" anchor="ctr"/>
+          <a:lstStyle/>
+          <a:p>
+            <a:pPr algn="ctr"/>
+            <a:endParaRPr lang="en-US"/>
+          </a:p>
+        </p:txBody>
+      </p:sp>
+      <p:sp>
+        <p:nvSpPr>
+          <p:cNvPr id="25" name="TextBox 24">
+            <a:extLst>
+              <a:ext uri="{FF2B5EF4-FFF2-40B4-BE49-F238E27FC236}">
+                <a16:creationId xmlns:a16="http://schemas.microsoft.com/office/drawing/2014/main" id="{566D0C40-8C12-4B47-A907-390FF66F7B4B}"/>
+              </a:ext>
+            </a:extLst>
+          </p:cNvPr>
+          <p:cNvSpPr txBox="1"/>
+          <p:nvPr/>
+        </p:nvSpPr>
+        <p:spPr>
+          <a:xfrm>
+            <a:off x="3587386" y="2668701"/>
+            <a:ext cx="925286" cy="646331"/>
+          </a:xfrm>
+          <a:prstGeom prst="rect">
+            <a:avLst/>
+          </a:prstGeom>
+          <a:noFill/>
+        </p:spPr>
+        <p:txBody>
+          <a:bodyPr wrap="square" rtlCol="0">
+            <a:spAutoFit/>
+          </a:bodyPr>
+          <a:lstStyle/>
+          <a:p>
+            <a:pPr algn="ctr"/>
+            <a:r>
+              <a:rPr lang="en-US" dirty="0"/>
+              <a:t>Camera</a:t>
+            </a:r>
+          </a:p>
+          <a:p>
+            <a:pPr algn="ctr"/>
+            <a:r>
+              <a:rPr lang="en-US" dirty="0"/>
+              <a:t>(0,1,0)</a:t>
+            </a:r>
+          </a:p>
+        </p:txBody>
+      </p:sp>
+      <p:sp>
+        <p:nvSpPr>
+          <p:cNvPr id="26" name="TextBox 25">
+            <a:extLst>
+              <a:ext uri="{FF2B5EF4-FFF2-40B4-BE49-F238E27FC236}">
+                <a16:creationId xmlns:a16="http://schemas.microsoft.com/office/drawing/2014/main" id="{9FAE4C38-9839-4C42-B70E-CE006EAFF23E}"/>
+              </a:ext>
+            </a:extLst>
+          </p:cNvPr>
+          <p:cNvSpPr txBox="1"/>
+          <p:nvPr/>
+        </p:nvSpPr>
+        <p:spPr>
+          <a:xfrm>
+            <a:off x="5448843" y="4327859"/>
+            <a:ext cx="925286" cy="646331"/>
+          </a:xfrm>
+          <a:prstGeom prst="rect">
+            <a:avLst/>
+          </a:prstGeom>
+          <a:noFill/>
+        </p:spPr>
+        <p:txBody>
+          <a:bodyPr wrap="square" rtlCol="0">
+            <a:spAutoFit/>
+          </a:bodyPr>
+          <a:lstStyle/>
+          <a:p>
+            <a:pPr algn="ctr"/>
+            <a:r>
+              <a:rPr lang="en-US" dirty="0"/>
+              <a:t>Near</a:t>
+            </a:r>
+          </a:p>
+          <a:p>
+            <a:pPr algn="ctr"/>
+            <a:r>
+              <a:rPr lang="en-US" dirty="0"/>
+              <a:t>Z=0.1</a:t>
+            </a:r>
+          </a:p>
+        </p:txBody>
+      </p:sp>
+      <p:sp>
+        <p:nvSpPr>
+          <p:cNvPr id="27" name="TextBox 26">
+            <a:extLst>
+              <a:ext uri="{FF2B5EF4-FFF2-40B4-BE49-F238E27FC236}">
+                <a16:creationId xmlns:a16="http://schemas.microsoft.com/office/drawing/2014/main" id="{C3ABFBBB-E361-446A-87D7-0B6712E1040A}"/>
+              </a:ext>
+            </a:extLst>
+          </p:cNvPr>
+          <p:cNvSpPr txBox="1"/>
+          <p:nvPr/>
+        </p:nvSpPr>
+        <p:spPr>
+          <a:xfrm>
+            <a:off x="9142912" y="5513895"/>
+            <a:ext cx="925286" cy="646331"/>
+          </a:xfrm>
+          <a:prstGeom prst="rect">
+            <a:avLst/>
+          </a:prstGeom>
+          <a:noFill/>
+        </p:spPr>
+        <p:txBody>
+          <a:bodyPr wrap="square" rtlCol="0">
+            <a:spAutoFit/>
+          </a:bodyPr>
+          <a:lstStyle/>
+          <a:p>
+            <a:pPr algn="ctr"/>
+            <a:r>
+              <a:rPr lang="en-US" dirty="0"/>
+              <a:t>Near</a:t>
+            </a:r>
+          </a:p>
+          <a:p>
+            <a:pPr algn="ctr"/>
+            <a:r>
+              <a:rPr lang="en-US" dirty="0"/>
+              <a:t>Z=100</a:t>
+            </a:r>
+          </a:p>
+        </p:txBody>
+      </p:sp>
+      <p:cxnSp>
+        <p:nvCxnSpPr>
+          <p:cNvPr id="29" name="연결선: 구부러짐 28">
+            <a:extLst>
+              <a:ext uri="{FF2B5EF4-FFF2-40B4-BE49-F238E27FC236}">
+                <a16:creationId xmlns:a16="http://schemas.microsoft.com/office/drawing/2014/main" id="{D8D8CC53-3117-4690-9122-883F412FEDA7}"/>
+              </a:ext>
+            </a:extLst>
+          </p:cNvPr>
+          <p:cNvCxnSpPr>
+            <a:stCxn id="24" idx="0"/>
+            <a:endCxn id="25" idx="3"/>
+          </p:cNvCxnSpPr>
+          <p:nvPr/>
+        </p:nvCxnSpPr>
+        <p:spPr>
+          <a:xfrm rot="16200000" flipV="1">
+            <a:off x="4384074" y="3120466"/>
+            <a:ext cx="392725" cy="135528"/>
+          </a:xfrm>
+          <a:prstGeom prst="curvedConnector2">
+            <a:avLst/>
+          </a:prstGeom>
+          <a:ln>
+            <a:solidFill>
+              <a:schemeClr val="tx1"/>
+            </a:solidFill>
+            <a:tailEnd type="triangle"/>
+          </a:ln>
+        </p:spPr>
+        <p:style>
+          <a:lnRef idx="1">
+            <a:schemeClr val="accent1"/>
+          </a:lnRef>
+          <a:fillRef idx="0">
+            <a:schemeClr val="accent1"/>
+          </a:fillRef>
+          <a:effectRef idx="0">
+            <a:schemeClr val="accent1"/>
+          </a:effectRef>
+          <a:fontRef idx="minor">
+            <a:schemeClr val="tx1"/>
+          </a:fontRef>
+        </p:style>
+      </p:cxnSp>
+      <p:sp>
+        <p:nvSpPr>
+          <p:cNvPr id="30" name="TextBox 29">
+            <a:extLst>
+              <a:ext uri="{FF2B5EF4-FFF2-40B4-BE49-F238E27FC236}">
+                <a16:creationId xmlns:a16="http://schemas.microsoft.com/office/drawing/2014/main" id="{9B665267-6982-468D-BDCF-F3BD20FF3F06}"/>
+              </a:ext>
+            </a:extLst>
+          </p:cNvPr>
+          <p:cNvSpPr txBox="1"/>
+          <p:nvPr/>
+        </p:nvSpPr>
+        <p:spPr>
+          <a:xfrm>
+            <a:off x="3587386" y="4239582"/>
+            <a:ext cx="1544472" cy="646331"/>
+          </a:xfrm>
+          <a:prstGeom prst="rect">
+            <a:avLst/>
+          </a:prstGeom>
+          <a:noFill/>
+        </p:spPr>
+        <p:txBody>
+          <a:bodyPr wrap="square" rtlCol="0">
+            <a:spAutoFit/>
+          </a:bodyPr>
+          <a:lstStyle/>
+          <a:p>
+            <a:pPr algn="ctr"/>
+            <a:r>
+              <a:rPr lang="en-US" dirty="0"/>
+              <a:t>Square</a:t>
+            </a:r>
+          </a:p>
+          <a:p>
+            <a:pPr algn="ctr"/>
+            <a:r>
+              <a:rPr lang="en-US" dirty="0"/>
+              <a:t>(-0.5,-0.5,</a:t>
+            </a:r>
+            <a:r>
+              <a:rPr lang="en-US" b="1" u="sng" dirty="0"/>
+              <a:t>0.0</a:t>
+            </a:r>
+            <a:r>
+              <a:rPr lang="en-US" dirty="0"/>
+              <a:t>)</a:t>
+            </a:r>
+          </a:p>
+        </p:txBody>
+      </p:sp>
+      <p:sp>
+        <p:nvSpPr>
+          <p:cNvPr id="31" name="타원 30">
+            <a:extLst>
+              <a:ext uri="{FF2B5EF4-FFF2-40B4-BE49-F238E27FC236}">
+                <a16:creationId xmlns:a16="http://schemas.microsoft.com/office/drawing/2014/main" id="{E61F638E-BA18-4653-94BE-81D7DB9539A4}"/>
+              </a:ext>
+            </a:extLst>
+          </p:cNvPr>
+          <p:cNvSpPr/>
+          <p:nvPr/>
+        </p:nvSpPr>
+        <p:spPr>
+          <a:xfrm>
+            <a:off x="4766852" y="3958606"/>
+            <a:ext cx="143691" cy="143691"/>
+          </a:xfrm>
+          <a:prstGeom prst="ellipse">
+            <a:avLst/>
+          </a:prstGeom>
+        </p:spPr>
+        <p:style>
+          <a:lnRef idx="2">
+            <a:schemeClr val="dk1">
+              <a:shade val="50000"/>
+            </a:schemeClr>
+          </a:lnRef>
+          <a:fillRef idx="1">
+            <a:schemeClr val="dk1"/>
+          </a:fillRef>
+          <a:effectRef idx="0">
+            <a:schemeClr val="dk1"/>
+          </a:effectRef>
+          <a:fontRef idx="minor">
+            <a:schemeClr val="lt1"/>
+          </a:fontRef>
+        </p:style>
+        <p:txBody>
+          <a:bodyPr rtlCol="0" anchor="ctr"/>
+          <a:lstStyle/>
+          <a:p>
+            <a:pPr algn="ctr"/>
+            <a:endParaRPr lang="en-US"/>
+          </a:p>
+        </p:txBody>
+      </p:sp>
+      <p:cxnSp>
+        <p:nvCxnSpPr>
+          <p:cNvPr id="32" name="연결선: 구부러짐 31">
+            <a:extLst>
+              <a:ext uri="{FF2B5EF4-FFF2-40B4-BE49-F238E27FC236}">
+                <a16:creationId xmlns:a16="http://schemas.microsoft.com/office/drawing/2014/main" id="{0CF9D7E6-9E9B-4135-8875-64014845537A}"/>
+              </a:ext>
+            </a:extLst>
+          </p:cNvPr>
+          <p:cNvCxnSpPr>
+            <a:cxnSpLocks/>
+            <a:stCxn id="31" idx="4"/>
+            <a:endCxn id="30" idx="0"/>
+          </p:cNvCxnSpPr>
+          <p:nvPr/>
+        </p:nvCxnSpPr>
+        <p:spPr>
+          <a:xfrm rot="5400000">
+            <a:off x="4530518" y="3931401"/>
+            <a:ext cx="137285" cy="479076"/>
+          </a:xfrm>
+          <a:prstGeom prst="curvedConnector3">
+            <a:avLst>
+              <a:gd name="adj1" fmla="val 50000"/>
+            </a:avLst>
+          </a:prstGeom>
+          <a:ln>
+            <a:solidFill>
+              <a:schemeClr val="tx1"/>
+            </a:solidFill>
+            <a:tailEnd type="triangle"/>
+          </a:ln>
+        </p:spPr>
+        <p:style>
+          <a:lnRef idx="1">
+            <a:schemeClr val="accent1"/>
+          </a:lnRef>
+          <a:fillRef idx="0">
+            <a:schemeClr val="accent1"/>
+          </a:fillRef>
+          <a:effectRef idx="0">
+            <a:schemeClr val="accent1"/>
+          </a:effectRef>
+          <a:fontRef idx="minor">
+            <a:schemeClr val="tx1"/>
+          </a:fontRef>
+        </p:style>
+      </p:cxnSp>
+      <p:pic>
+        <p:nvPicPr>
+          <p:cNvPr id="35" name="그림 34">
+            <a:extLst>
+              <a:ext uri="{FF2B5EF4-FFF2-40B4-BE49-F238E27FC236}">
+                <a16:creationId xmlns:a16="http://schemas.microsoft.com/office/drawing/2014/main" id="{FA20A89C-747E-4A3C-B8D6-0E095AAD0807}"/>
+              </a:ext>
+            </a:extLst>
+          </p:cNvPr>
+          <p:cNvPicPr>
+            <a:picLocks noChangeAspect="1"/>
+          </p:cNvPicPr>
+          <p:nvPr/>
+        </p:nvPicPr>
+        <p:blipFill>
+          <a:blip r:embed="rId2"/>
+          <a:stretch>
+            <a:fillRect/>
+          </a:stretch>
+        </p:blipFill>
+        <p:spPr>
+          <a:xfrm>
+            <a:off x="10068198" y="1750617"/>
+            <a:ext cx="6523285" cy="4840644"/>
+          </a:xfrm>
+          <a:prstGeom prst="rect">
+            <a:avLst/>
+          </a:prstGeom>
+        </p:spPr>
+      </p:pic>
+    </p:spTree>
+    <p:extLst>
+      <p:ext uri="{BB962C8B-B14F-4D97-AF65-F5344CB8AC3E}">
+        <p14:creationId xmlns:p14="http://schemas.microsoft.com/office/powerpoint/2010/main" val="3238106369"/>
+      </p:ext>
+    </p:extLst>
+  </p:cSld>
+  <p:clrMapOvr>
+    <a:masterClrMapping/>
+  </p:clrMapOvr>
+</p:sld>
+</file>
+
 <file path=ppt/theme/theme1.xml><?xml version="1.0" encoding="utf-8"?>
 <a:theme xmlns:a="http://schemas.openxmlformats.org/drawingml/2006/main" name="Office 테마">
   <a:themeElements>

--- a/docs/tutorial-opengl/assets/figures.pptx
+++ b/docs/tutorial-opengl/assets/figures.pptx
@@ -12,6 +12,7 @@
     <p:sldId id="260" r:id="rId6"/>
     <p:sldId id="261" r:id="rId7"/>
     <p:sldId id="262" r:id="rId8"/>
+    <p:sldId id="263" r:id="rId9"/>
   </p:sldIdLst>
   <p:sldSz cx="12192000" cy="6858000"/>
   <p:notesSz cx="6858000" cy="9144000"/>
@@ -267,7 +268,7 @@
           <a:p>
             <a:fld id="{5ED19601-7AAA-4ADB-9403-46F6CC5497EC}" type="datetimeFigureOut">
               <a:rPr lang="en-US" smtClean="0"/>
-              <a:t>7/8/2024</a:t>
+              <a:t>7/15/2024</a:t>
             </a:fld>
             <a:endParaRPr lang="en-US"/>
           </a:p>
@@ -467,7 +468,7 @@
           <a:p>
             <a:fld id="{5ED19601-7AAA-4ADB-9403-46F6CC5497EC}" type="datetimeFigureOut">
               <a:rPr lang="en-US" smtClean="0"/>
-              <a:t>7/8/2024</a:t>
+              <a:t>7/15/2024</a:t>
             </a:fld>
             <a:endParaRPr lang="en-US"/>
           </a:p>
@@ -677,7 +678,7 @@
           <a:p>
             <a:fld id="{5ED19601-7AAA-4ADB-9403-46F6CC5497EC}" type="datetimeFigureOut">
               <a:rPr lang="en-US" smtClean="0"/>
-              <a:t>7/8/2024</a:t>
+              <a:t>7/15/2024</a:t>
             </a:fld>
             <a:endParaRPr lang="en-US"/>
           </a:p>
@@ -877,7 +878,7 @@
           <a:p>
             <a:fld id="{5ED19601-7AAA-4ADB-9403-46F6CC5497EC}" type="datetimeFigureOut">
               <a:rPr lang="en-US" smtClean="0"/>
-              <a:t>7/8/2024</a:t>
+              <a:t>7/15/2024</a:t>
             </a:fld>
             <a:endParaRPr lang="en-US"/>
           </a:p>
@@ -1153,7 +1154,7 @@
           <a:p>
             <a:fld id="{5ED19601-7AAA-4ADB-9403-46F6CC5497EC}" type="datetimeFigureOut">
               <a:rPr lang="en-US" smtClean="0"/>
-              <a:t>7/8/2024</a:t>
+              <a:t>7/15/2024</a:t>
             </a:fld>
             <a:endParaRPr lang="en-US"/>
           </a:p>
@@ -1421,7 +1422,7 @@
           <a:p>
             <a:fld id="{5ED19601-7AAA-4ADB-9403-46F6CC5497EC}" type="datetimeFigureOut">
               <a:rPr lang="en-US" smtClean="0"/>
-              <a:t>7/8/2024</a:t>
+              <a:t>7/15/2024</a:t>
             </a:fld>
             <a:endParaRPr lang="en-US"/>
           </a:p>
@@ -1836,7 +1837,7 @@
           <a:p>
             <a:fld id="{5ED19601-7AAA-4ADB-9403-46F6CC5497EC}" type="datetimeFigureOut">
               <a:rPr lang="en-US" smtClean="0"/>
-              <a:t>7/8/2024</a:t>
+              <a:t>7/15/2024</a:t>
             </a:fld>
             <a:endParaRPr lang="en-US"/>
           </a:p>
@@ -1978,7 +1979,7 @@
           <a:p>
             <a:fld id="{5ED19601-7AAA-4ADB-9403-46F6CC5497EC}" type="datetimeFigureOut">
               <a:rPr lang="en-US" smtClean="0"/>
-              <a:t>7/8/2024</a:t>
+              <a:t>7/15/2024</a:t>
             </a:fld>
             <a:endParaRPr lang="en-US"/>
           </a:p>
@@ -2091,7 +2092,7 @@
           <a:p>
             <a:fld id="{5ED19601-7AAA-4ADB-9403-46F6CC5497EC}" type="datetimeFigureOut">
               <a:rPr lang="en-US" smtClean="0"/>
-              <a:t>7/8/2024</a:t>
+              <a:t>7/15/2024</a:t>
             </a:fld>
             <a:endParaRPr lang="en-US"/>
           </a:p>
@@ -2404,7 +2405,7 @@
           <a:p>
             <a:fld id="{5ED19601-7AAA-4ADB-9403-46F6CC5497EC}" type="datetimeFigureOut">
               <a:rPr lang="en-US" smtClean="0"/>
-              <a:t>7/8/2024</a:t>
+              <a:t>7/15/2024</a:t>
             </a:fld>
             <a:endParaRPr lang="en-US"/>
           </a:p>
@@ -2693,7 +2694,7 @@
           <a:p>
             <a:fld id="{5ED19601-7AAA-4ADB-9403-46F6CC5497EC}" type="datetimeFigureOut">
               <a:rPr lang="en-US" smtClean="0"/>
-              <a:t>7/8/2024</a:t>
+              <a:t>7/15/2024</a:t>
             </a:fld>
             <a:endParaRPr lang="en-US"/>
           </a:p>
@@ -2936,7 +2937,7 @@
           <a:p>
             <a:fld id="{5ED19601-7AAA-4ADB-9403-46F6CC5497EC}" type="datetimeFigureOut">
               <a:rPr lang="en-US" smtClean="0"/>
-              <a:t>7/8/2024</a:t>
+              <a:t>7/15/2024</a:t>
             </a:fld>
             <a:endParaRPr lang="en-US"/>
           </a:p>
@@ -15757,6 +15758,9872 @@
 </p:sld>
 </file>
 
+<file path=ppt/slides/slide8.xml><?xml version="1.0" encoding="utf-8"?>
+<p:sld xmlns:a="http://schemas.openxmlformats.org/drawingml/2006/main" xmlns:r="http://schemas.openxmlformats.org/officeDocument/2006/relationships" xmlns:p="http://schemas.openxmlformats.org/presentationml/2006/main">
+  <p:cSld>
+    <p:spTree>
+      <p:nvGrpSpPr>
+        <p:cNvPr id="1" name=""/>
+        <p:cNvGrpSpPr/>
+        <p:nvPr/>
+      </p:nvGrpSpPr>
+      <p:grpSpPr>
+        <a:xfrm>
+          <a:off x="0" y="0"/>
+          <a:ext cx="0" cy="0"/>
+          <a:chOff x="0" y="0"/>
+          <a:chExt cx="0" cy="0"/>
+        </a:xfrm>
+      </p:grpSpPr>
+      <p:sp>
+        <p:nvSpPr>
+          <p:cNvPr id="4" name="직사각형 3">
+            <a:extLst>
+              <a:ext uri="{FF2B5EF4-FFF2-40B4-BE49-F238E27FC236}">
+                <a16:creationId xmlns:a16="http://schemas.microsoft.com/office/drawing/2014/main" id="{BB61E62D-8B9B-43A1-A17A-7FB5A620B477}"/>
+              </a:ext>
+            </a:extLst>
+          </p:cNvPr>
+          <p:cNvSpPr/>
+          <p:nvPr/>
+        </p:nvSpPr>
+        <p:spPr>
+          <a:xfrm>
+            <a:off x="2057401" y="63500"/>
+            <a:ext cx="8829674" cy="6655315"/>
+          </a:xfrm>
+          <a:prstGeom prst="rect">
+            <a:avLst/>
+          </a:prstGeom>
+          <a:noFill/>
+        </p:spPr>
+        <p:style>
+          <a:lnRef idx="2">
+            <a:schemeClr val="dk1"/>
+          </a:lnRef>
+          <a:fillRef idx="1">
+            <a:schemeClr val="lt1"/>
+          </a:fillRef>
+          <a:effectRef idx="0">
+            <a:schemeClr val="dk1"/>
+          </a:effectRef>
+          <a:fontRef idx="minor">
+            <a:schemeClr val="dk1"/>
+          </a:fontRef>
+        </p:style>
+        <p:txBody>
+          <a:bodyPr rtlCol="0" anchor="ctr"/>
+          <a:lstStyle/>
+          <a:p>
+            <a:pPr algn="ctr"/>
+            <a:endParaRPr lang="en-US"/>
+          </a:p>
+        </p:txBody>
+      </p:sp>
+      <p:sp>
+        <p:nvSpPr>
+          <p:cNvPr id="5" name="직사각형 4">
+            <a:extLst>
+              <a:ext uri="{FF2B5EF4-FFF2-40B4-BE49-F238E27FC236}">
+                <a16:creationId xmlns:a16="http://schemas.microsoft.com/office/drawing/2014/main" id="{47470684-ADE5-4E12-8899-F753A71B2F6B}"/>
+              </a:ext>
+            </a:extLst>
+          </p:cNvPr>
+          <p:cNvSpPr/>
+          <p:nvPr/>
+        </p:nvSpPr>
+        <p:spPr>
+          <a:xfrm>
+            <a:off x="3904450" y="139184"/>
+            <a:ext cx="5123518" cy="369332"/>
+          </a:xfrm>
+          <a:prstGeom prst="rect">
+            <a:avLst/>
+          </a:prstGeom>
+        </p:spPr>
+        <p:txBody>
+          <a:bodyPr wrap="none">
+            <a:spAutoFit/>
+          </a:bodyPr>
+          <a:lstStyle/>
+          <a:p>
+            <a:r>
+              <a:rPr lang="en-US" dirty="0">
+                <a:solidFill>
+                  <a:srgbClr val="CE9178"/>
+                </a:solidFill>
+                <a:latin typeface="Consolas" panose="020B0609020204030204" pitchFamily="49" charset="0"/>
+              </a:rPr>
+              <a:t>[-0.5f, -0.5f, 0.0f, 0.5f, 0.5f, -0.5f]</a:t>
+            </a:r>
+            <a:endParaRPr lang="en-US" b="0" dirty="0">
+              <a:solidFill>
+                <a:srgbClr val="CCCCCC"/>
+              </a:solidFill>
+              <a:effectLst/>
+              <a:latin typeface="Consolas" panose="020B0609020204030204" pitchFamily="49" charset="0"/>
+            </a:endParaRPr>
+          </a:p>
+        </p:txBody>
+      </p:sp>
+      <p:cxnSp>
+        <p:nvCxnSpPr>
+          <p:cNvPr id="6" name="직선 화살표 연결선 5">
+            <a:extLst>
+              <a:ext uri="{FF2B5EF4-FFF2-40B4-BE49-F238E27FC236}">
+                <a16:creationId xmlns:a16="http://schemas.microsoft.com/office/drawing/2014/main" id="{4E859DC5-E5BC-4490-8954-09AEF2564214}"/>
+              </a:ext>
+            </a:extLst>
+          </p:cNvPr>
+          <p:cNvCxnSpPr>
+            <a:cxnSpLocks/>
+            <a:stCxn id="5" idx="2"/>
+            <a:endCxn id="7" idx="0"/>
+          </p:cNvCxnSpPr>
+          <p:nvPr/>
+        </p:nvCxnSpPr>
+        <p:spPr>
+          <a:xfrm>
+            <a:off x="6466209" y="508516"/>
+            <a:ext cx="0" cy="241721"/>
+          </a:xfrm>
+          <a:prstGeom prst="straightConnector1">
+            <a:avLst/>
+          </a:prstGeom>
+          <a:ln>
+            <a:solidFill>
+              <a:schemeClr val="tx1"/>
+            </a:solidFill>
+            <a:tailEnd type="triangle"/>
+          </a:ln>
+        </p:spPr>
+        <p:style>
+          <a:lnRef idx="1">
+            <a:schemeClr val="accent1"/>
+          </a:lnRef>
+          <a:fillRef idx="0">
+            <a:schemeClr val="accent1"/>
+          </a:fillRef>
+          <a:effectRef idx="0">
+            <a:schemeClr val="accent1"/>
+          </a:effectRef>
+          <a:fontRef idx="minor">
+            <a:schemeClr val="tx1"/>
+          </a:fontRef>
+        </p:style>
+      </p:cxnSp>
+      <p:sp>
+        <p:nvSpPr>
+          <p:cNvPr id="7" name="직사각형 6">
+            <a:extLst>
+              <a:ext uri="{FF2B5EF4-FFF2-40B4-BE49-F238E27FC236}">
+                <a16:creationId xmlns:a16="http://schemas.microsoft.com/office/drawing/2014/main" id="{C6F193AE-7849-40E3-B6D2-11545DF35FFA}"/>
+              </a:ext>
+            </a:extLst>
+          </p:cNvPr>
+          <p:cNvSpPr/>
+          <p:nvPr/>
+        </p:nvSpPr>
+        <p:spPr>
+          <a:xfrm>
+            <a:off x="5242693" y="750237"/>
+            <a:ext cx="2447032" cy="362139"/>
+          </a:xfrm>
+          <a:prstGeom prst="rect">
+            <a:avLst/>
+          </a:prstGeom>
+          <a:noFill/>
+        </p:spPr>
+        <p:style>
+          <a:lnRef idx="2">
+            <a:schemeClr val="dk1"/>
+          </a:lnRef>
+          <a:fillRef idx="1">
+            <a:schemeClr val="lt1"/>
+          </a:fillRef>
+          <a:effectRef idx="0">
+            <a:schemeClr val="dk1"/>
+          </a:effectRef>
+          <a:fontRef idx="minor">
+            <a:schemeClr val="dk1"/>
+          </a:fontRef>
+        </p:style>
+        <p:txBody>
+          <a:bodyPr rtlCol="0" anchor="ctr"/>
+          <a:lstStyle/>
+          <a:p>
+            <a:pPr algn="ctr"/>
+            <a:r>
+              <a:rPr lang="en-US" dirty="0" err="1"/>
+              <a:t>glVertexAttribPointer</a:t>
+            </a:r>
+            <a:r>
+              <a:rPr lang="en-US" dirty="0"/>
+              <a:t>()</a:t>
+            </a:r>
+          </a:p>
+        </p:txBody>
+      </p:sp>
+      <p:sp>
+        <p:nvSpPr>
+          <p:cNvPr id="8" name="직사각형 7">
+            <a:extLst>
+              <a:ext uri="{FF2B5EF4-FFF2-40B4-BE49-F238E27FC236}">
+                <a16:creationId xmlns:a16="http://schemas.microsoft.com/office/drawing/2014/main" id="{592EFEC1-6F94-4C80-8A8A-761D89501333}"/>
+              </a:ext>
+            </a:extLst>
+          </p:cNvPr>
+          <p:cNvSpPr/>
+          <p:nvPr/>
+        </p:nvSpPr>
+        <p:spPr>
+          <a:xfrm>
+            <a:off x="2593063" y="1434584"/>
+            <a:ext cx="1957587" cy="369332"/>
+          </a:xfrm>
+          <a:prstGeom prst="rect">
+            <a:avLst/>
+          </a:prstGeom>
+        </p:spPr>
+        <p:txBody>
+          <a:bodyPr wrap="none">
+            <a:spAutoFit/>
+          </a:bodyPr>
+          <a:lstStyle/>
+          <a:p>
+            <a:r>
+              <a:rPr lang="en-US" dirty="0">
+                <a:solidFill>
+                  <a:srgbClr val="CE9178"/>
+                </a:solidFill>
+                <a:latin typeface="Consolas" panose="020B0609020204030204" pitchFamily="49" charset="0"/>
+              </a:rPr>
+              <a:t>(-0.5f, -0.5f)</a:t>
+            </a:r>
+            <a:endParaRPr lang="en-US" b="0" dirty="0">
+              <a:solidFill>
+                <a:srgbClr val="CCCCCC"/>
+              </a:solidFill>
+              <a:effectLst/>
+              <a:latin typeface="Consolas" panose="020B0609020204030204" pitchFamily="49" charset="0"/>
+            </a:endParaRPr>
+          </a:p>
+        </p:txBody>
+      </p:sp>
+      <p:sp>
+        <p:nvSpPr>
+          <p:cNvPr id="9" name="직사각형 8">
+            <a:extLst>
+              <a:ext uri="{FF2B5EF4-FFF2-40B4-BE49-F238E27FC236}">
+                <a16:creationId xmlns:a16="http://schemas.microsoft.com/office/drawing/2014/main" id="{2F4ECAB2-1B3B-4168-8F34-FD856CE36D74}"/>
+              </a:ext>
+            </a:extLst>
+          </p:cNvPr>
+          <p:cNvSpPr/>
+          <p:nvPr/>
+        </p:nvSpPr>
+        <p:spPr>
+          <a:xfrm>
+            <a:off x="5614052" y="1434584"/>
+            <a:ext cx="1704313" cy="369332"/>
+          </a:xfrm>
+          <a:prstGeom prst="rect">
+            <a:avLst/>
+          </a:prstGeom>
+        </p:spPr>
+        <p:txBody>
+          <a:bodyPr wrap="none">
+            <a:spAutoFit/>
+          </a:bodyPr>
+          <a:lstStyle/>
+          <a:p>
+            <a:r>
+              <a:rPr lang="en-US" dirty="0">
+                <a:solidFill>
+                  <a:srgbClr val="CE9178"/>
+                </a:solidFill>
+                <a:latin typeface="Consolas" panose="020B0609020204030204" pitchFamily="49" charset="0"/>
+              </a:rPr>
+              <a:t>(0.0f, 0.5f)</a:t>
+            </a:r>
+            <a:endParaRPr lang="en-US" dirty="0">
+              <a:solidFill>
+                <a:srgbClr val="CCCCCC"/>
+              </a:solidFill>
+              <a:latin typeface="Consolas" panose="020B0609020204030204" pitchFamily="49" charset="0"/>
+            </a:endParaRPr>
+          </a:p>
+        </p:txBody>
+      </p:sp>
+      <p:sp>
+        <p:nvSpPr>
+          <p:cNvPr id="10" name="직사각형 9">
+            <a:extLst>
+              <a:ext uri="{FF2B5EF4-FFF2-40B4-BE49-F238E27FC236}">
+                <a16:creationId xmlns:a16="http://schemas.microsoft.com/office/drawing/2014/main" id="{8A2A27D4-49B9-45CF-9B64-6049CBF4329A}"/>
+              </a:ext>
+            </a:extLst>
+          </p:cNvPr>
+          <p:cNvSpPr/>
+          <p:nvPr/>
+        </p:nvSpPr>
+        <p:spPr>
+          <a:xfrm>
+            <a:off x="8461067" y="1434584"/>
+            <a:ext cx="1830950" cy="369332"/>
+          </a:xfrm>
+          <a:prstGeom prst="rect">
+            <a:avLst/>
+          </a:prstGeom>
+        </p:spPr>
+        <p:txBody>
+          <a:bodyPr wrap="none">
+            <a:spAutoFit/>
+          </a:bodyPr>
+          <a:lstStyle/>
+          <a:p>
+            <a:r>
+              <a:rPr lang="en-US" dirty="0">
+                <a:solidFill>
+                  <a:srgbClr val="CE9178"/>
+                </a:solidFill>
+                <a:latin typeface="Consolas" panose="020B0609020204030204" pitchFamily="49" charset="0"/>
+              </a:rPr>
+              <a:t>(0.5f, -0.5f)</a:t>
+            </a:r>
+            <a:endParaRPr lang="en-US" dirty="0">
+              <a:solidFill>
+                <a:srgbClr val="CCCCCC"/>
+              </a:solidFill>
+              <a:latin typeface="Consolas" panose="020B0609020204030204" pitchFamily="49" charset="0"/>
+            </a:endParaRPr>
+          </a:p>
+        </p:txBody>
+      </p:sp>
+      <p:cxnSp>
+        <p:nvCxnSpPr>
+          <p:cNvPr id="11" name="연결선: 꺾임 10">
+            <a:extLst>
+              <a:ext uri="{FF2B5EF4-FFF2-40B4-BE49-F238E27FC236}">
+                <a16:creationId xmlns:a16="http://schemas.microsoft.com/office/drawing/2014/main" id="{1A375B70-2E8D-44A1-9865-1AB3CCC24F25}"/>
+              </a:ext>
+            </a:extLst>
+          </p:cNvPr>
+          <p:cNvCxnSpPr>
+            <a:stCxn id="7" idx="2"/>
+            <a:endCxn id="8" idx="0"/>
+          </p:cNvCxnSpPr>
+          <p:nvPr/>
+        </p:nvCxnSpPr>
+        <p:spPr>
+          <a:xfrm rot="5400000">
+            <a:off x="4857929" y="-173696"/>
+            <a:ext cx="322208" cy="2894352"/>
+          </a:xfrm>
+          <a:prstGeom prst="bentConnector3">
+            <a:avLst/>
+          </a:prstGeom>
+          <a:ln>
+            <a:solidFill>
+              <a:schemeClr val="tx1"/>
+            </a:solidFill>
+            <a:tailEnd type="triangle"/>
+          </a:ln>
+        </p:spPr>
+        <p:style>
+          <a:lnRef idx="1">
+            <a:schemeClr val="accent1"/>
+          </a:lnRef>
+          <a:fillRef idx="0">
+            <a:schemeClr val="accent1"/>
+          </a:fillRef>
+          <a:effectRef idx="0">
+            <a:schemeClr val="accent1"/>
+          </a:effectRef>
+          <a:fontRef idx="minor">
+            <a:schemeClr val="tx1"/>
+          </a:fontRef>
+        </p:style>
+      </p:cxnSp>
+      <p:cxnSp>
+        <p:nvCxnSpPr>
+          <p:cNvPr id="12" name="연결선: 꺾임 11">
+            <a:extLst>
+              <a:ext uri="{FF2B5EF4-FFF2-40B4-BE49-F238E27FC236}">
+                <a16:creationId xmlns:a16="http://schemas.microsoft.com/office/drawing/2014/main" id="{F3CA82BA-BADC-4785-A129-0969BAAB16B4}"/>
+              </a:ext>
+            </a:extLst>
+          </p:cNvPr>
+          <p:cNvCxnSpPr>
+            <a:cxnSpLocks/>
+            <a:stCxn id="7" idx="2"/>
+            <a:endCxn id="9" idx="0"/>
+          </p:cNvCxnSpPr>
+          <p:nvPr/>
+        </p:nvCxnSpPr>
+        <p:spPr>
+          <a:xfrm rot="5400000">
+            <a:off x="6305105" y="1273480"/>
+            <a:ext cx="322208" cy="12700"/>
+          </a:xfrm>
+          <a:prstGeom prst="bentConnector3">
+            <a:avLst>
+              <a:gd name="adj1" fmla="val 50000"/>
+            </a:avLst>
+          </a:prstGeom>
+          <a:ln>
+            <a:solidFill>
+              <a:schemeClr val="tx1"/>
+            </a:solidFill>
+            <a:tailEnd type="triangle"/>
+          </a:ln>
+        </p:spPr>
+        <p:style>
+          <a:lnRef idx="1">
+            <a:schemeClr val="accent1"/>
+          </a:lnRef>
+          <a:fillRef idx="0">
+            <a:schemeClr val="accent1"/>
+          </a:fillRef>
+          <a:effectRef idx="0">
+            <a:schemeClr val="accent1"/>
+          </a:effectRef>
+          <a:fontRef idx="minor">
+            <a:schemeClr val="tx1"/>
+          </a:fontRef>
+        </p:style>
+      </p:cxnSp>
+      <p:cxnSp>
+        <p:nvCxnSpPr>
+          <p:cNvPr id="13" name="연결선: 꺾임 12">
+            <a:extLst>
+              <a:ext uri="{FF2B5EF4-FFF2-40B4-BE49-F238E27FC236}">
+                <a16:creationId xmlns:a16="http://schemas.microsoft.com/office/drawing/2014/main" id="{AFA3779B-8D6D-4A99-9DDC-D032A7EB87BB}"/>
+              </a:ext>
+            </a:extLst>
+          </p:cNvPr>
+          <p:cNvCxnSpPr>
+            <a:cxnSpLocks/>
+            <a:stCxn id="7" idx="2"/>
+            <a:endCxn id="10" idx="0"/>
+          </p:cNvCxnSpPr>
+          <p:nvPr/>
+        </p:nvCxnSpPr>
+        <p:spPr>
+          <a:xfrm rot="16200000" flipH="1">
+            <a:off x="7760271" y="-181687"/>
+            <a:ext cx="322208" cy="2910333"/>
+          </a:xfrm>
+          <a:prstGeom prst="bentConnector3">
+            <a:avLst>
+              <a:gd name="adj1" fmla="val 50000"/>
+            </a:avLst>
+          </a:prstGeom>
+          <a:ln>
+            <a:solidFill>
+              <a:schemeClr val="tx1"/>
+            </a:solidFill>
+            <a:tailEnd type="triangle"/>
+          </a:ln>
+        </p:spPr>
+        <p:style>
+          <a:lnRef idx="1">
+            <a:schemeClr val="accent1"/>
+          </a:lnRef>
+          <a:fillRef idx="0">
+            <a:schemeClr val="accent1"/>
+          </a:fillRef>
+          <a:effectRef idx="0">
+            <a:schemeClr val="accent1"/>
+          </a:effectRef>
+          <a:fontRef idx="minor">
+            <a:schemeClr val="tx1"/>
+          </a:fontRef>
+        </p:style>
+      </p:cxnSp>
+      <p:pic>
+        <p:nvPicPr>
+          <p:cNvPr id="14" name="Picture 2" descr="https://enccs.github.io/gpu-programming/_images/THREAD_CORE.png">
+            <a:extLst>
+              <a:ext uri="{FF2B5EF4-FFF2-40B4-BE49-F238E27FC236}">
+                <a16:creationId xmlns:a16="http://schemas.microsoft.com/office/drawing/2014/main" id="{84ACBE0B-E340-4770-A5D7-1CEA5FDACA85}"/>
+              </a:ext>
+            </a:extLst>
+          </p:cNvPr>
+          <p:cNvPicPr>
+            <a:picLocks noChangeAspect="1" noChangeArrowheads="1"/>
+          </p:cNvPicPr>
+          <p:nvPr/>
+        </p:nvPicPr>
+        <p:blipFill rotWithShape="1">
+          <a:blip r:embed="rId2">
+            <a:extLst>
+              <a:ext uri="{28A0092B-C50C-407E-A947-70E740481C1C}">
+                <a14:useLocalDpi xmlns:a14="http://schemas.microsoft.com/office/drawing/2010/main" val="0"/>
+              </a:ext>
+            </a:extLst>
+          </a:blip>
+          <a:srcRect l="10253" r="80946" b="28562"/>
+          <a:stretch/>
+        </p:blipFill>
+        <p:spPr bwMode="auto">
+          <a:xfrm>
+            <a:off x="2698142" y="2566511"/>
+            <a:ext cx="706104" cy="2382837"/>
+          </a:xfrm>
+          <a:prstGeom prst="rect">
+            <a:avLst/>
+          </a:prstGeom>
+          <a:noFill/>
+          <a:extLst>
+            <a:ext uri="{909E8E84-426E-40DD-AFC4-6F175D3DCCD1}">
+              <a14:hiddenFill xmlns:a14="http://schemas.microsoft.com/office/drawing/2010/main">
+                <a:solidFill>
+                  <a:srgbClr val="FFFFFF"/>
+                </a:solidFill>
+              </a14:hiddenFill>
+            </a:ext>
+          </a:extLst>
+        </p:spPr>
+      </p:pic>
+      <p:pic>
+        <p:nvPicPr>
+          <p:cNvPr id="15" name="Picture 2" descr="https://enccs.github.io/gpu-programming/_images/THREAD_CORE.png">
+            <a:extLst>
+              <a:ext uri="{FF2B5EF4-FFF2-40B4-BE49-F238E27FC236}">
+                <a16:creationId xmlns:a16="http://schemas.microsoft.com/office/drawing/2014/main" id="{6D70AEC4-39E2-470F-8EC2-9868739E3813}"/>
+              </a:ext>
+            </a:extLst>
+          </p:cNvPr>
+          <p:cNvPicPr>
+            <a:picLocks noChangeAspect="1" noChangeArrowheads="1"/>
+          </p:cNvPicPr>
+          <p:nvPr/>
+        </p:nvPicPr>
+        <p:blipFill rotWithShape="1">
+          <a:blip r:embed="rId2">
+            <a:extLst>
+              <a:ext uri="{28A0092B-C50C-407E-A947-70E740481C1C}">
+                <a14:useLocalDpi xmlns:a14="http://schemas.microsoft.com/office/drawing/2010/main" val="0"/>
+              </a:ext>
+            </a:extLst>
+          </a:blip>
+          <a:srcRect l="10253" r="80946" b="28562"/>
+          <a:stretch/>
+        </p:blipFill>
+        <p:spPr bwMode="auto">
+          <a:xfrm>
+            <a:off x="5717941" y="2566510"/>
+            <a:ext cx="706104" cy="2382837"/>
+          </a:xfrm>
+          <a:prstGeom prst="rect">
+            <a:avLst/>
+          </a:prstGeom>
+          <a:noFill/>
+          <a:extLst>
+            <a:ext uri="{909E8E84-426E-40DD-AFC4-6F175D3DCCD1}">
+              <a14:hiddenFill xmlns:a14="http://schemas.microsoft.com/office/drawing/2010/main">
+                <a:solidFill>
+                  <a:srgbClr val="FFFFFF"/>
+                </a:solidFill>
+              </a14:hiddenFill>
+            </a:ext>
+          </a:extLst>
+        </p:spPr>
+      </p:pic>
+      <p:pic>
+        <p:nvPicPr>
+          <p:cNvPr id="16" name="Picture 2" descr="https://enccs.github.io/gpu-programming/_images/THREAD_CORE.png">
+            <a:extLst>
+              <a:ext uri="{FF2B5EF4-FFF2-40B4-BE49-F238E27FC236}">
+                <a16:creationId xmlns:a16="http://schemas.microsoft.com/office/drawing/2014/main" id="{0408A06E-5160-4BE8-914A-1CE165E85358}"/>
+              </a:ext>
+            </a:extLst>
+          </p:cNvPr>
+          <p:cNvPicPr>
+            <a:picLocks noChangeAspect="1" noChangeArrowheads="1"/>
+          </p:cNvPicPr>
+          <p:nvPr/>
+        </p:nvPicPr>
+        <p:blipFill rotWithShape="1">
+          <a:blip r:embed="rId2">
+            <a:extLst>
+              <a:ext uri="{28A0092B-C50C-407E-A947-70E740481C1C}">
+                <a14:useLocalDpi xmlns:a14="http://schemas.microsoft.com/office/drawing/2010/main" val="0"/>
+              </a:ext>
+            </a:extLst>
+          </a:blip>
+          <a:srcRect l="10253" r="80946" b="28562"/>
+          <a:stretch/>
+        </p:blipFill>
+        <p:spPr bwMode="auto">
+          <a:xfrm>
+            <a:off x="8737740" y="2566509"/>
+            <a:ext cx="706104" cy="2382837"/>
+          </a:xfrm>
+          <a:prstGeom prst="rect">
+            <a:avLst/>
+          </a:prstGeom>
+          <a:noFill/>
+          <a:extLst>
+            <a:ext uri="{909E8E84-426E-40DD-AFC4-6F175D3DCCD1}">
+              <a14:hiddenFill xmlns:a14="http://schemas.microsoft.com/office/drawing/2010/main">
+                <a:solidFill>
+                  <a:srgbClr val="FFFFFF"/>
+                </a:solidFill>
+              </a14:hiddenFill>
+            </a:ext>
+          </a:extLst>
+        </p:spPr>
+      </p:pic>
+      <p:sp>
+        <p:nvSpPr>
+          <p:cNvPr id="17" name="직사각형 16">
+            <a:extLst>
+              <a:ext uri="{FF2B5EF4-FFF2-40B4-BE49-F238E27FC236}">
+                <a16:creationId xmlns:a16="http://schemas.microsoft.com/office/drawing/2014/main" id="{F7426A6D-6ED4-4B3F-BC89-056BE97DA118}"/>
+              </a:ext>
+            </a:extLst>
+          </p:cNvPr>
+          <p:cNvSpPr/>
+          <p:nvPr/>
+        </p:nvSpPr>
+        <p:spPr>
+          <a:xfrm>
+            <a:off x="2144018" y="2912168"/>
+            <a:ext cx="2823716" cy="1754326"/>
+          </a:xfrm>
+          <a:prstGeom prst="rect">
+            <a:avLst/>
+          </a:prstGeom>
+          <a:solidFill>
+            <a:schemeClr val="bg1"/>
+          </a:solidFill>
+          <a:ln>
+            <a:solidFill>
+              <a:schemeClr val="tx1"/>
+            </a:solidFill>
+          </a:ln>
+        </p:spPr>
+        <p:txBody>
+          <a:bodyPr wrap="square">
+            <a:spAutoFit/>
+          </a:bodyPr>
+          <a:lstStyle/>
+          <a:p>
+            <a:r>
+              <a:rPr lang="fr-FR" sz="1200" dirty="0">
+                <a:latin typeface="Consolas" panose="020B0609020204030204" pitchFamily="49" charset="0"/>
+              </a:rPr>
+              <a:t>#version 330 core</a:t>
+            </a:r>
+          </a:p>
+          <a:p>
+            <a:r>
+              <a:rPr lang="fr-FR" sz="1200" b="1" dirty="0">
+                <a:solidFill>
+                  <a:srgbClr val="FF0000"/>
+                </a:solidFill>
+                <a:latin typeface="Consolas" panose="020B0609020204030204" pitchFamily="49" charset="0"/>
+              </a:rPr>
+              <a:t>vec4 position = (-0.5,-0.5,0,0)</a:t>
+            </a:r>
+          </a:p>
+          <a:p>
+            <a:r>
+              <a:rPr lang="fr-FR" sz="1200" b="1" dirty="0">
+                <a:solidFill>
+                  <a:srgbClr val="0000FF"/>
+                </a:solidFill>
+                <a:latin typeface="Consolas" panose="020B0609020204030204" pitchFamily="49" charset="0"/>
+              </a:rPr>
+              <a:t>out vec4 normal = (-0.1, 0.9, 0.0)</a:t>
+            </a:r>
+          </a:p>
+          <a:p>
+            <a:endParaRPr lang="fr-FR" sz="1200" b="1" dirty="0">
+              <a:solidFill>
+                <a:srgbClr val="FF0000"/>
+              </a:solidFill>
+              <a:latin typeface="Consolas" panose="020B0609020204030204" pitchFamily="49" charset="0"/>
+            </a:endParaRPr>
+          </a:p>
+          <a:p>
+            <a:r>
+              <a:rPr lang="fr-FR" sz="1200" dirty="0">
+                <a:latin typeface="Consolas" panose="020B0609020204030204" pitchFamily="49" charset="0"/>
+              </a:rPr>
+              <a:t>void main()</a:t>
+            </a:r>
+          </a:p>
+          <a:p>
+            <a:r>
+              <a:rPr lang="fr-FR" sz="1200" dirty="0">
+                <a:latin typeface="Consolas" panose="020B0609020204030204" pitchFamily="49" charset="0"/>
+              </a:rPr>
+              <a:t>{</a:t>
+            </a:r>
+          </a:p>
+          <a:p>
+            <a:r>
+              <a:rPr lang="fr-FR" sz="1200" dirty="0">
+                <a:latin typeface="Consolas" panose="020B0609020204030204" pitchFamily="49" charset="0"/>
+              </a:rPr>
+              <a:t>    ...</a:t>
+            </a:r>
+          </a:p>
+          <a:p>
+            <a:r>
+              <a:rPr lang="fr-FR" sz="1200" dirty="0">
+                <a:latin typeface="Consolas" panose="020B0609020204030204" pitchFamily="49" charset="0"/>
+              </a:rPr>
+              <a:t>}</a:t>
+            </a:r>
+            <a:endParaRPr lang="fr-FR" sz="1200" b="0" dirty="0">
+              <a:effectLst/>
+              <a:latin typeface="Consolas" panose="020B0609020204030204" pitchFamily="49" charset="0"/>
+            </a:endParaRPr>
+          </a:p>
+        </p:txBody>
+      </p:sp>
+      <p:sp>
+        <p:nvSpPr>
+          <p:cNvPr id="18" name="직사각형 17">
+            <a:extLst>
+              <a:ext uri="{FF2B5EF4-FFF2-40B4-BE49-F238E27FC236}">
+                <a16:creationId xmlns:a16="http://schemas.microsoft.com/office/drawing/2014/main" id="{DA4CA1CF-5621-48F7-9555-7D15AA0CCAC4}"/>
+              </a:ext>
+            </a:extLst>
+          </p:cNvPr>
+          <p:cNvSpPr/>
+          <p:nvPr/>
+        </p:nvSpPr>
+        <p:spPr>
+          <a:xfrm>
+            <a:off x="5054351" y="2912167"/>
+            <a:ext cx="2823716" cy="1754326"/>
+          </a:xfrm>
+          <a:prstGeom prst="rect">
+            <a:avLst/>
+          </a:prstGeom>
+          <a:solidFill>
+            <a:schemeClr val="bg1"/>
+          </a:solidFill>
+          <a:ln>
+            <a:solidFill>
+              <a:schemeClr val="tx1"/>
+            </a:solidFill>
+          </a:ln>
+        </p:spPr>
+        <p:txBody>
+          <a:bodyPr wrap="square">
+            <a:spAutoFit/>
+          </a:bodyPr>
+          <a:lstStyle/>
+          <a:p>
+            <a:r>
+              <a:rPr lang="fr-FR" sz="1200" dirty="0">
+                <a:latin typeface="Consolas" panose="020B0609020204030204" pitchFamily="49" charset="0"/>
+              </a:rPr>
+              <a:t>#version 330 core</a:t>
+            </a:r>
+          </a:p>
+          <a:p>
+            <a:r>
+              <a:rPr lang="fr-FR" sz="1200" b="1" dirty="0">
+                <a:solidFill>
+                  <a:srgbClr val="FF0000"/>
+                </a:solidFill>
+                <a:latin typeface="Consolas" panose="020B0609020204030204" pitchFamily="49" charset="0"/>
+              </a:rPr>
+              <a:t>vec4 position = (0.0,0.5,0,0)</a:t>
+            </a:r>
+          </a:p>
+          <a:p>
+            <a:r>
+              <a:rPr lang="fr-FR" sz="1200" b="1" dirty="0">
+                <a:solidFill>
+                  <a:srgbClr val="0000FF"/>
+                </a:solidFill>
+                <a:latin typeface="Consolas" panose="020B0609020204030204" pitchFamily="49" charset="0"/>
+              </a:rPr>
+              <a:t>out vec4 normal = (0.0, 1.0, 0.0)</a:t>
+            </a:r>
+          </a:p>
+          <a:p>
+            <a:endParaRPr lang="fr-FR" sz="1200" b="1" dirty="0">
+              <a:solidFill>
+                <a:srgbClr val="FF0000"/>
+              </a:solidFill>
+              <a:latin typeface="Consolas" panose="020B0609020204030204" pitchFamily="49" charset="0"/>
+            </a:endParaRPr>
+          </a:p>
+          <a:p>
+            <a:r>
+              <a:rPr lang="fr-FR" sz="1200" dirty="0">
+                <a:latin typeface="Consolas" panose="020B0609020204030204" pitchFamily="49" charset="0"/>
+              </a:rPr>
+              <a:t>void main()</a:t>
+            </a:r>
+          </a:p>
+          <a:p>
+            <a:r>
+              <a:rPr lang="fr-FR" sz="1200" dirty="0">
+                <a:latin typeface="Consolas" panose="020B0609020204030204" pitchFamily="49" charset="0"/>
+              </a:rPr>
+              <a:t>{</a:t>
+            </a:r>
+          </a:p>
+          <a:p>
+            <a:r>
+              <a:rPr lang="fr-FR" sz="1200" dirty="0">
+                <a:latin typeface="Consolas" panose="020B0609020204030204" pitchFamily="49" charset="0"/>
+              </a:rPr>
+              <a:t>    ...</a:t>
+            </a:r>
+          </a:p>
+          <a:p>
+            <a:r>
+              <a:rPr lang="fr-FR" sz="1200" dirty="0">
+                <a:latin typeface="Consolas" panose="020B0609020204030204" pitchFamily="49" charset="0"/>
+              </a:rPr>
+              <a:t>}</a:t>
+            </a:r>
+            <a:endParaRPr lang="fr-FR" sz="1200" b="0" dirty="0">
+              <a:effectLst/>
+              <a:latin typeface="Consolas" panose="020B0609020204030204" pitchFamily="49" charset="0"/>
+            </a:endParaRPr>
+          </a:p>
+        </p:txBody>
+      </p:sp>
+      <p:sp>
+        <p:nvSpPr>
+          <p:cNvPr id="19" name="직사각형 18">
+            <a:extLst>
+              <a:ext uri="{FF2B5EF4-FFF2-40B4-BE49-F238E27FC236}">
+                <a16:creationId xmlns:a16="http://schemas.microsoft.com/office/drawing/2014/main" id="{52867886-D1B6-4A5E-A002-1B683DFE1C2C}"/>
+              </a:ext>
+            </a:extLst>
+          </p:cNvPr>
+          <p:cNvSpPr/>
+          <p:nvPr/>
+        </p:nvSpPr>
+        <p:spPr>
+          <a:xfrm>
+            <a:off x="7964684" y="2912167"/>
+            <a:ext cx="2823716" cy="1754326"/>
+          </a:xfrm>
+          <a:prstGeom prst="rect">
+            <a:avLst/>
+          </a:prstGeom>
+          <a:solidFill>
+            <a:schemeClr val="bg1"/>
+          </a:solidFill>
+          <a:ln>
+            <a:solidFill>
+              <a:schemeClr val="tx1"/>
+            </a:solidFill>
+          </a:ln>
+        </p:spPr>
+        <p:txBody>
+          <a:bodyPr wrap="square">
+            <a:spAutoFit/>
+          </a:bodyPr>
+          <a:lstStyle/>
+          <a:p>
+            <a:r>
+              <a:rPr lang="fr-FR" sz="1200" dirty="0">
+                <a:latin typeface="Consolas" panose="020B0609020204030204" pitchFamily="49" charset="0"/>
+              </a:rPr>
+              <a:t>#version 330 core</a:t>
+            </a:r>
+          </a:p>
+          <a:p>
+            <a:r>
+              <a:rPr lang="fr-FR" sz="1200" b="1" dirty="0">
+                <a:solidFill>
+                  <a:srgbClr val="FF0000"/>
+                </a:solidFill>
+                <a:latin typeface="Consolas" panose="020B0609020204030204" pitchFamily="49" charset="0"/>
+              </a:rPr>
+              <a:t>vec4 position = (0.5,-0.5,0,0)</a:t>
+            </a:r>
+          </a:p>
+          <a:p>
+            <a:r>
+              <a:rPr lang="fr-FR" sz="1200" b="1" dirty="0">
+                <a:solidFill>
+                  <a:srgbClr val="0000FF"/>
+                </a:solidFill>
+                <a:latin typeface="Consolas" panose="020B0609020204030204" pitchFamily="49" charset="0"/>
+              </a:rPr>
+              <a:t>out vec4 normal = (0.1, 0.9, 0,0)</a:t>
+            </a:r>
+          </a:p>
+          <a:p>
+            <a:endParaRPr lang="fr-FR" sz="1200" b="1" dirty="0">
+              <a:solidFill>
+                <a:srgbClr val="FF0000"/>
+              </a:solidFill>
+              <a:latin typeface="Consolas" panose="020B0609020204030204" pitchFamily="49" charset="0"/>
+            </a:endParaRPr>
+          </a:p>
+          <a:p>
+            <a:r>
+              <a:rPr lang="fr-FR" sz="1200" dirty="0">
+                <a:latin typeface="Consolas" panose="020B0609020204030204" pitchFamily="49" charset="0"/>
+              </a:rPr>
+              <a:t>void main()</a:t>
+            </a:r>
+          </a:p>
+          <a:p>
+            <a:r>
+              <a:rPr lang="fr-FR" sz="1200" dirty="0">
+                <a:latin typeface="Consolas" panose="020B0609020204030204" pitchFamily="49" charset="0"/>
+              </a:rPr>
+              <a:t>{</a:t>
+            </a:r>
+          </a:p>
+          <a:p>
+            <a:r>
+              <a:rPr lang="fr-FR" sz="1200" dirty="0">
+                <a:latin typeface="Consolas" panose="020B0609020204030204" pitchFamily="49" charset="0"/>
+              </a:rPr>
+              <a:t>    ...</a:t>
+            </a:r>
+          </a:p>
+          <a:p>
+            <a:r>
+              <a:rPr lang="fr-FR" sz="1200" dirty="0">
+                <a:latin typeface="Consolas" panose="020B0609020204030204" pitchFamily="49" charset="0"/>
+              </a:rPr>
+              <a:t>}</a:t>
+            </a:r>
+            <a:endParaRPr lang="fr-FR" sz="1200" b="0" dirty="0">
+              <a:effectLst/>
+              <a:latin typeface="Consolas" panose="020B0609020204030204" pitchFamily="49" charset="0"/>
+            </a:endParaRPr>
+          </a:p>
+        </p:txBody>
+      </p:sp>
+      <p:sp>
+        <p:nvSpPr>
+          <p:cNvPr id="20" name="TextBox 19">
+            <a:extLst>
+              <a:ext uri="{FF2B5EF4-FFF2-40B4-BE49-F238E27FC236}">
+                <a16:creationId xmlns:a16="http://schemas.microsoft.com/office/drawing/2014/main" id="{DBB88122-998B-485D-BB6B-D20474CB2465}"/>
+              </a:ext>
+            </a:extLst>
+          </p:cNvPr>
+          <p:cNvSpPr txBox="1"/>
+          <p:nvPr/>
+        </p:nvSpPr>
+        <p:spPr>
+          <a:xfrm>
+            <a:off x="476272" y="3327665"/>
+            <a:ext cx="1494512" cy="369332"/>
+          </a:xfrm>
+          <a:prstGeom prst="rect">
+            <a:avLst/>
+          </a:prstGeom>
+          <a:noFill/>
+        </p:spPr>
+        <p:txBody>
+          <a:bodyPr wrap="none" rtlCol="0">
+            <a:spAutoFit/>
+          </a:bodyPr>
+          <a:lstStyle/>
+          <a:p>
+            <a:r>
+              <a:rPr lang="en-US" dirty="0"/>
+              <a:t>Vertex Shader</a:t>
+            </a:r>
+          </a:p>
+        </p:txBody>
+      </p:sp>
+      <p:sp>
+        <p:nvSpPr>
+          <p:cNvPr id="21" name="TextBox 20">
+            <a:extLst>
+              <a:ext uri="{FF2B5EF4-FFF2-40B4-BE49-F238E27FC236}">
+                <a16:creationId xmlns:a16="http://schemas.microsoft.com/office/drawing/2014/main" id="{09E8A787-651A-4A43-ADF8-0D7313CC471F}"/>
+              </a:ext>
+            </a:extLst>
+          </p:cNvPr>
+          <p:cNvSpPr txBox="1"/>
+          <p:nvPr/>
+        </p:nvSpPr>
+        <p:spPr>
+          <a:xfrm>
+            <a:off x="180357" y="6008060"/>
+            <a:ext cx="1790427" cy="369332"/>
+          </a:xfrm>
+          <a:prstGeom prst="rect">
+            <a:avLst/>
+          </a:prstGeom>
+          <a:noFill/>
+        </p:spPr>
+        <p:txBody>
+          <a:bodyPr wrap="none" rtlCol="0">
+            <a:spAutoFit/>
+          </a:bodyPr>
+          <a:lstStyle/>
+          <a:p>
+            <a:r>
+              <a:rPr lang="en-US" dirty="0"/>
+              <a:t>Fragment Shader</a:t>
+            </a:r>
+          </a:p>
+        </p:txBody>
+      </p:sp>
+      <p:sp>
+        <p:nvSpPr>
+          <p:cNvPr id="22" name="직사각형 21">
+            <a:extLst>
+              <a:ext uri="{FF2B5EF4-FFF2-40B4-BE49-F238E27FC236}">
+                <a16:creationId xmlns:a16="http://schemas.microsoft.com/office/drawing/2014/main" id="{C3EED6CE-D6CC-40B0-963D-56E245C51F9F}"/>
+              </a:ext>
+            </a:extLst>
+          </p:cNvPr>
+          <p:cNvSpPr/>
+          <p:nvPr/>
+        </p:nvSpPr>
+        <p:spPr>
+          <a:xfrm>
+            <a:off x="2924175" y="4949346"/>
+            <a:ext cx="6914885" cy="345657"/>
+          </a:xfrm>
+          <a:prstGeom prst="rect">
+            <a:avLst/>
+          </a:prstGeom>
+        </p:spPr>
+        <p:style>
+          <a:lnRef idx="2">
+            <a:schemeClr val="dk1"/>
+          </a:lnRef>
+          <a:fillRef idx="1">
+            <a:schemeClr val="lt1"/>
+          </a:fillRef>
+          <a:effectRef idx="0">
+            <a:schemeClr val="dk1"/>
+          </a:effectRef>
+          <a:fontRef idx="minor">
+            <a:schemeClr val="dk1"/>
+          </a:fontRef>
+        </p:style>
+        <p:txBody>
+          <a:bodyPr rtlCol="0" anchor="ctr"/>
+          <a:lstStyle/>
+          <a:p>
+            <a:pPr algn="ctr"/>
+            <a:r>
+              <a:rPr lang="en-US" dirty="0"/>
+              <a:t>Rasterize</a:t>
+            </a:r>
+          </a:p>
+        </p:txBody>
+      </p:sp>
+      <p:grpSp>
+        <p:nvGrpSpPr>
+          <p:cNvPr id="23" name="그룹 22">
+            <a:extLst>
+              <a:ext uri="{FF2B5EF4-FFF2-40B4-BE49-F238E27FC236}">
+                <a16:creationId xmlns:a16="http://schemas.microsoft.com/office/drawing/2014/main" id="{3BCA32F2-F193-4B71-AD8A-59CD3A69DD92}"/>
+              </a:ext>
+            </a:extLst>
+          </p:cNvPr>
+          <p:cNvGrpSpPr/>
+          <p:nvPr/>
+        </p:nvGrpSpPr>
+        <p:grpSpPr>
+          <a:xfrm>
+            <a:off x="3014601" y="5453052"/>
+            <a:ext cx="403225" cy="1009678"/>
+            <a:chOff x="4049033" y="5453052"/>
+            <a:chExt cx="403225" cy="1009678"/>
+          </a:xfrm>
+        </p:grpSpPr>
+        <p:pic>
+          <p:nvPicPr>
+            <p:cNvPr id="24" name="Picture 2" descr="https://enccs.github.io/gpu-programming/_images/THREAD_CORE.png">
+              <a:extLst>
+                <a:ext uri="{FF2B5EF4-FFF2-40B4-BE49-F238E27FC236}">
+                  <a16:creationId xmlns:a16="http://schemas.microsoft.com/office/drawing/2014/main" id="{35AEC678-B3BD-4A3E-9ADD-AFCDBBBF5526}"/>
+                </a:ext>
+              </a:extLst>
+            </p:cNvPr>
+            <p:cNvPicPr>
+              <a:picLocks noChangeAspect="1" noChangeArrowheads="1"/>
+            </p:cNvPicPr>
+            <p:nvPr/>
+          </p:nvPicPr>
+          <p:blipFill rotWithShape="1">
+            <a:blip r:embed="rId2">
+              <a:extLst>
+                <a:ext uri="{28A0092B-C50C-407E-A947-70E740481C1C}">
+                  <a14:useLocalDpi xmlns:a14="http://schemas.microsoft.com/office/drawing/2010/main" val="0"/>
+                </a:ext>
+              </a:extLst>
+            </a:blip>
+            <a:srcRect l="10253" r="80946" b="28562"/>
+            <a:stretch/>
+          </p:blipFill>
+          <p:spPr bwMode="auto">
+            <a:xfrm>
+              <a:off x="4105275" y="5453052"/>
+              <a:ext cx="299197" cy="1009678"/>
+            </a:xfrm>
+            <a:prstGeom prst="rect">
+              <a:avLst/>
+            </a:prstGeom>
+            <a:noFill/>
+            <a:extLst>
+              <a:ext uri="{909E8E84-426E-40DD-AFC4-6F175D3DCCD1}">
+                <a14:hiddenFill xmlns:a14="http://schemas.microsoft.com/office/drawing/2010/main">
+                  <a:solidFill>
+                    <a:srgbClr val="FFFFFF"/>
+                  </a:solidFill>
+                </a14:hiddenFill>
+              </a:ext>
+            </a:extLst>
+          </p:spPr>
+        </p:pic>
+        <p:sp>
+          <p:nvSpPr>
+            <p:cNvPr id="25" name="직사각형 24">
+              <a:extLst>
+                <a:ext uri="{FF2B5EF4-FFF2-40B4-BE49-F238E27FC236}">
+                  <a16:creationId xmlns:a16="http://schemas.microsoft.com/office/drawing/2014/main" id="{CED190C3-BF73-4784-B80B-136FA4276A88}"/>
+                </a:ext>
+              </a:extLst>
+            </p:cNvPr>
+            <p:cNvSpPr/>
+            <p:nvPr/>
+          </p:nvSpPr>
+          <p:spPr>
+            <a:xfrm>
+              <a:off x="4049033" y="5710316"/>
+              <a:ext cx="403225" cy="366052"/>
+            </a:xfrm>
+            <a:prstGeom prst="rect">
+              <a:avLst/>
+            </a:prstGeom>
+          </p:spPr>
+          <p:style>
+            <a:lnRef idx="2">
+              <a:schemeClr val="dk1"/>
+            </a:lnRef>
+            <a:fillRef idx="1">
+              <a:schemeClr val="lt1"/>
+            </a:fillRef>
+            <a:effectRef idx="0">
+              <a:schemeClr val="dk1"/>
+            </a:effectRef>
+            <a:fontRef idx="minor">
+              <a:schemeClr val="dk1"/>
+            </a:fontRef>
+          </p:style>
+          <p:txBody>
+            <a:bodyPr rtlCol="0" anchor="ctr"/>
+            <a:lstStyle/>
+            <a:p>
+              <a:pPr algn="ctr"/>
+              <a:endParaRPr lang="en-US"/>
+            </a:p>
+          </p:txBody>
+        </p:sp>
+      </p:grpSp>
+      <p:grpSp>
+        <p:nvGrpSpPr>
+          <p:cNvPr id="26" name="그룹 25">
+            <a:extLst>
+              <a:ext uri="{FF2B5EF4-FFF2-40B4-BE49-F238E27FC236}">
+                <a16:creationId xmlns:a16="http://schemas.microsoft.com/office/drawing/2014/main" id="{9B48B183-B721-438E-B941-9A94982780B1}"/>
+              </a:ext>
+            </a:extLst>
+          </p:cNvPr>
+          <p:cNvGrpSpPr/>
+          <p:nvPr/>
+        </p:nvGrpSpPr>
+        <p:grpSpPr>
+          <a:xfrm>
+            <a:off x="3593078" y="5453052"/>
+            <a:ext cx="403225" cy="1009678"/>
+            <a:chOff x="4049033" y="5453052"/>
+            <a:chExt cx="403225" cy="1009678"/>
+          </a:xfrm>
+        </p:grpSpPr>
+        <p:pic>
+          <p:nvPicPr>
+            <p:cNvPr id="27" name="Picture 2" descr="https://enccs.github.io/gpu-programming/_images/THREAD_CORE.png">
+              <a:extLst>
+                <a:ext uri="{FF2B5EF4-FFF2-40B4-BE49-F238E27FC236}">
+                  <a16:creationId xmlns:a16="http://schemas.microsoft.com/office/drawing/2014/main" id="{B02B54DF-774A-4530-AC5F-32597C904106}"/>
+                </a:ext>
+              </a:extLst>
+            </p:cNvPr>
+            <p:cNvPicPr>
+              <a:picLocks noChangeAspect="1" noChangeArrowheads="1"/>
+            </p:cNvPicPr>
+            <p:nvPr/>
+          </p:nvPicPr>
+          <p:blipFill rotWithShape="1">
+            <a:blip r:embed="rId2">
+              <a:extLst>
+                <a:ext uri="{28A0092B-C50C-407E-A947-70E740481C1C}">
+                  <a14:useLocalDpi xmlns:a14="http://schemas.microsoft.com/office/drawing/2010/main" val="0"/>
+                </a:ext>
+              </a:extLst>
+            </a:blip>
+            <a:srcRect l="10253" r="80946" b="28562"/>
+            <a:stretch/>
+          </p:blipFill>
+          <p:spPr bwMode="auto">
+            <a:xfrm>
+              <a:off x="4105275" y="5453052"/>
+              <a:ext cx="299197" cy="1009678"/>
+            </a:xfrm>
+            <a:prstGeom prst="rect">
+              <a:avLst/>
+            </a:prstGeom>
+            <a:noFill/>
+            <a:extLst>
+              <a:ext uri="{909E8E84-426E-40DD-AFC4-6F175D3DCCD1}">
+                <a14:hiddenFill xmlns:a14="http://schemas.microsoft.com/office/drawing/2010/main">
+                  <a:solidFill>
+                    <a:srgbClr val="FFFFFF"/>
+                  </a:solidFill>
+                </a14:hiddenFill>
+              </a:ext>
+            </a:extLst>
+          </p:spPr>
+        </p:pic>
+        <p:sp>
+          <p:nvSpPr>
+            <p:cNvPr id="28" name="직사각형 27">
+              <a:extLst>
+                <a:ext uri="{FF2B5EF4-FFF2-40B4-BE49-F238E27FC236}">
+                  <a16:creationId xmlns:a16="http://schemas.microsoft.com/office/drawing/2014/main" id="{C78FF99A-2198-4F60-A9AD-65704E6013B6}"/>
+                </a:ext>
+              </a:extLst>
+            </p:cNvPr>
+            <p:cNvSpPr/>
+            <p:nvPr/>
+          </p:nvSpPr>
+          <p:spPr>
+            <a:xfrm>
+              <a:off x="4049033" y="5710316"/>
+              <a:ext cx="403225" cy="366052"/>
+            </a:xfrm>
+            <a:prstGeom prst="rect">
+              <a:avLst/>
+            </a:prstGeom>
+          </p:spPr>
+          <p:style>
+            <a:lnRef idx="2">
+              <a:schemeClr val="dk1"/>
+            </a:lnRef>
+            <a:fillRef idx="1">
+              <a:schemeClr val="lt1"/>
+            </a:fillRef>
+            <a:effectRef idx="0">
+              <a:schemeClr val="dk1"/>
+            </a:effectRef>
+            <a:fontRef idx="minor">
+              <a:schemeClr val="dk1"/>
+            </a:fontRef>
+          </p:style>
+          <p:txBody>
+            <a:bodyPr rtlCol="0" anchor="ctr"/>
+            <a:lstStyle/>
+            <a:p>
+              <a:pPr algn="ctr"/>
+              <a:endParaRPr lang="en-US"/>
+            </a:p>
+          </p:txBody>
+        </p:sp>
+      </p:grpSp>
+      <p:grpSp>
+        <p:nvGrpSpPr>
+          <p:cNvPr id="29" name="그룹 28">
+            <a:extLst>
+              <a:ext uri="{FF2B5EF4-FFF2-40B4-BE49-F238E27FC236}">
+                <a16:creationId xmlns:a16="http://schemas.microsoft.com/office/drawing/2014/main" id="{950D7281-A49A-4936-9F05-7B486CFCBD65}"/>
+              </a:ext>
+            </a:extLst>
+          </p:cNvPr>
+          <p:cNvGrpSpPr/>
+          <p:nvPr/>
+        </p:nvGrpSpPr>
+        <p:grpSpPr>
+          <a:xfrm>
+            <a:off x="4171555" y="5453052"/>
+            <a:ext cx="403225" cy="1009678"/>
+            <a:chOff x="4049033" y="5453052"/>
+            <a:chExt cx="403225" cy="1009678"/>
+          </a:xfrm>
+        </p:grpSpPr>
+        <p:pic>
+          <p:nvPicPr>
+            <p:cNvPr id="30" name="Picture 2" descr="https://enccs.github.io/gpu-programming/_images/THREAD_CORE.png">
+              <a:extLst>
+                <a:ext uri="{FF2B5EF4-FFF2-40B4-BE49-F238E27FC236}">
+                  <a16:creationId xmlns:a16="http://schemas.microsoft.com/office/drawing/2014/main" id="{C3F8B1FC-38C4-4116-9B2A-CEA041482E30}"/>
+                </a:ext>
+              </a:extLst>
+            </p:cNvPr>
+            <p:cNvPicPr>
+              <a:picLocks noChangeAspect="1" noChangeArrowheads="1"/>
+            </p:cNvPicPr>
+            <p:nvPr/>
+          </p:nvPicPr>
+          <p:blipFill rotWithShape="1">
+            <a:blip r:embed="rId2">
+              <a:extLst>
+                <a:ext uri="{28A0092B-C50C-407E-A947-70E740481C1C}">
+                  <a14:useLocalDpi xmlns:a14="http://schemas.microsoft.com/office/drawing/2010/main" val="0"/>
+                </a:ext>
+              </a:extLst>
+            </a:blip>
+            <a:srcRect l="10253" r="80946" b="28562"/>
+            <a:stretch/>
+          </p:blipFill>
+          <p:spPr bwMode="auto">
+            <a:xfrm>
+              <a:off x="4105275" y="5453052"/>
+              <a:ext cx="299197" cy="1009678"/>
+            </a:xfrm>
+            <a:prstGeom prst="rect">
+              <a:avLst/>
+            </a:prstGeom>
+            <a:noFill/>
+            <a:extLst>
+              <a:ext uri="{909E8E84-426E-40DD-AFC4-6F175D3DCCD1}">
+                <a14:hiddenFill xmlns:a14="http://schemas.microsoft.com/office/drawing/2010/main">
+                  <a:solidFill>
+                    <a:srgbClr val="FFFFFF"/>
+                  </a:solidFill>
+                </a14:hiddenFill>
+              </a:ext>
+            </a:extLst>
+          </p:spPr>
+        </p:pic>
+        <p:sp>
+          <p:nvSpPr>
+            <p:cNvPr id="31" name="직사각형 30">
+              <a:extLst>
+                <a:ext uri="{FF2B5EF4-FFF2-40B4-BE49-F238E27FC236}">
+                  <a16:creationId xmlns:a16="http://schemas.microsoft.com/office/drawing/2014/main" id="{75D20BE5-D78B-40CC-BCCD-E94C55147B66}"/>
+                </a:ext>
+              </a:extLst>
+            </p:cNvPr>
+            <p:cNvSpPr/>
+            <p:nvPr/>
+          </p:nvSpPr>
+          <p:spPr>
+            <a:xfrm>
+              <a:off x="4049033" y="5710316"/>
+              <a:ext cx="403225" cy="366052"/>
+            </a:xfrm>
+            <a:prstGeom prst="rect">
+              <a:avLst/>
+            </a:prstGeom>
+          </p:spPr>
+          <p:style>
+            <a:lnRef idx="2">
+              <a:schemeClr val="dk1"/>
+            </a:lnRef>
+            <a:fillRef idx="1">
+              <a:schemeClr val="lt1"/>
+            </a:fillRef>
+            <a:effectRef idx="0">
+              <a:schemeClr val="dk1"/>
+            </a:effectRef>
+            <a:fontRef idx="minor">
+              <a:schemeClr val="dk1"/>
+            </a:fontRef>
+          </p:style>
+          <p:txBody>
+            <a:bodyPr rtlCol="0" anchor="ctr"/>
+            <a:lstStyle/>
+            <a:p>
+              <a:pPr algn="ctr"/>
+              <a:endParaRPr lang="en-US"/>
+            </a:p>
+          </p:txBody>
+        </p:sp>
+      </p:grpSp>
+      <p:grpSp>
+        <p:nvGrpSpPr>
+          <p:cNvPr id="32" name="그룹 31">
+            <a:extLst>
+              <a:ext uri="{FF2B5EF4-FFF2-40B4-BE49-F238E27FC236}">
+                <a16:creationId xmlns:a16="http://schemas.microsoft.com/office/drawing/2014/main" id="{5A5C4F2E-1C8B-4BD1-9EBA-6BE3B900BBE4}"/>
+              </a:ext>
+            </a:extLst>
+          </p:cNvPr>
+          <p:cNvGrpSpPr/>
+          <p:nvPr/>
+        </p:nvGrpSpPr>
+        <p:grpSpPr>
+          <a:xfrm>
+            <a:off x="4750032" y="5453052"/>
+            <a:ext cx="403225" cy="1009678"/>
+            <a:chOff x="4049033" y="5453052"/>
+            <a:chExt cx="403225" cy="1009678"/>
+          </a:xfrm>
+        </p:grpSpPr>
+        <p:pic>
+          <p:nvPicPr>
+            <p:cNvPr id="33" name="Picture 2" descr="https://enccs.github.io/gpu-programming/_images/THREAD_CORE.png">
+              <a:extLst>
+                <a:ext uri="{FF2B5EF4-FFF2-40B4-BE49-F238E27FC236}">
+                  <a16:creationId xmlns:a16="http://schemas.microsoft.com/office/drawing/2014/main" id="{FEAE967A-82EA-4F13-B787-FCB9E9E53BA3}"/>
+                </a:ext>
+              </a:extLst>
+            </p:cNvPr>
+            <p:cNvPicPr>
+              <a:picLocks noChangeAspect="1" noChangeArrowheads="1"/>
+            </p:cNvPicPr>
+            <p:nvPr/>
+          </p:nvPicPr>
+          <p:blipFill rotWithShape="1">
+            <a:blip r:embed="rId2">
+              <a:extLst>
+                <a:ext uri="{28A0092B-C50C-407E-A947-70E740481C1C}">
+                  <a14:useLocalDpi xmlns:a14="http://schemas.microsoft.com/office/drawing/2010/main" val="0"/>
+                </a:ext>
+              </a:extLst>
+            </a:blip>
+            <a:srcRect l="10253" r="80946" b="28562"/>
+            <a:stretch/>
+          </p:blipFill>
+          <p:spPr bwMode="auto">
+            <a:xfrm>
+              <a:off x="4105275" y="5453052"/>
+              <a:ext cx="299197" cy="1009678"/>
+            </a:xfrm>
+            <a:prstGeom prst="rect">
+              <a:avLst/>
+            </a:prstGeom>
+            <a:noFill/>
+            <a:extLst>
+              <a:ext uri="{909E8E84-426E-40DD-AFC4-6F175D3DCCD1}">
+                <a14:hiddenFill xmlns:a14="http://schemas.microsoft.com/office/drawing/2010/main">
+                  <a:solidFill>
+                    <a:srgbClr val="FFFFFF"/>
+                  </a:solidFill>
+                </a14:hiddenFill>
+              </a:ext>
+            </a:extLst>
+          </p:spPr>
+        </p:pic>
+        <p:sp>
+          <p:nvSpPr>
+            <p:cNvPr id="34" name="직사각형 33">
+              <a:extLst>
+                <a:ext uri="{FF2B5EF4-FFF2-40B4-BE49-F238E27FC236}">
+                  <a16:creationId xmlns:a16="http://schemas.microsoft.com/office/drawing/2014/main" id="{9264B10E-023F-4ABC-A1E2-B3839DC2B78A}"/>
+                </a:ext>
+              </a:extLst>
+            </p:cNvPr>
+            <p:cNvSpPr/>
+            <p:nvPr/>
+          </p:nvSpPr>
+          <p:spPr>
+            <a:xfrm>
+              <a:off x="4049033" y="5710316"/>
+              <a:ext cx="403225" cy="366052"/>
+            </a:xfrm>
+            <a:prstGeom prst="rect">
+              <a:avLst/>
+            </a:prstGeom>
+          </p:spPr>
+          <p:style>
+            <a:lnRef idx="2">
+              <a:schemeClr val="dk1"/>
+            </a:lnRef>
+            <a:fillRef idx="1">
+              <a:schemeClr val="lt1"/>
+            </a:fillRef>
+            <a:effectRef idx="0">
+              <a:schemeClr val="dk1"/>
+            </a:effectRef>
+            <a:fontRef idx="minor">
+              <a:schemeClr val="dk1"/>
+            </a:fontRef>
+          </p:style>
+          <p:txBody>
+            <a:bodyPr rtlCol="0" anchor="ctr"/>
+            <a:lstStyle/>
+            <a:p>
+              <a:pPr algn="ctr"/>
+              <a:endParaRPr lang="en-US"/>
+            </a:p>
+          </p:txBody>
+        </p:sp>
+      </p:grpSp>
+      <p:grpSp>
+        <p:nvGrpSpPr>
+          <p:cNvPr id="35" name="그룹 34">
+            <a:extLst>
+              <a:ext uri="{FF2B5EF4-FFF2-40B4-BE49-F238E27FC236}">
+                <a16:creationId xmlns:a16="http://schemas.microsoft.com/office/drawing/2014/main" id="{E5D094E6-3120-4904-9DC1-8BCB89EA4516}"/>
+              </a:ext>
+            </a:extLst>
+          </p:cNvPr>
+          <p:cNvGrpSpPr/>
+          <p:nvPr/>
+        </p:nvGrpSpPr>
+        <p:grpSpPr>
+          <a:xfrm>
+            <a:off x="5328509" y="5453052"/>
+            <a:ext cx="403225" cy="1009678"/>
+            <a:chOff x="4049033" y="5453052"/>
+            <a:chExt cx="403225" cy="1009678"/>
+          </a:xfrm>
+        </p:grpSpPr>
+        <p:pic>
+          <p:nvPicPr>
+            <p:cNvPr id="36" name="Picture 2" descr="https://enccs.github.io/gpu-programming/_images/THREAD_CORE.png">
+              <a:extLst>
+                <a:ext uri="{FF2B5EF4-FFF2-40B4-BE49-F238E27FC236}">
+                  <a16:creationId xmlns:a16="http://schemas.microsoft.com/office/drawing/2014/main" id="{36C22EEE-69E5-4DBD-B606-02C7ADE24FEF}"/>
+                </a:ext>
+              </a:extLst>
+            </p:cNvPr>
+            <p:cNvPicPr>
+              <a:picLocks noChangeAspect="1" noChangeArrowheads="1"/>
+            </p:cNvPicPr>
+            <p:nvPr/>
+          </p:nvPicPr>
+          <p:blipFill rotWithShape="1">
+            <a:blip r:embed="rId2">
+              <a:extLst>
+                <a:ext uri="{28A0092B-C50C-407E-A947-70E740481C1C}">
+                  <a14:useLocalDpi xmlns:a14="http://schemas.microsoft.com/office/drawing/2010/main" val="0"/>
+                </a:ext>
+              </a:extLst>
+            </a:blip>
+            <a:srcRect l="10253" r="80946" b="28562"/>
+            <a:stretch/>
+          </p:blipFill>
+          <p:spPr bwMode="auto">
+            <a:xfrm>
+              <a:off x="4105275" y="5453052"/>
+              <a:ext cx="299197" cy="1009678"/>
+            </a:xfrm>
+            <a:prstGeom prst="rect">
+              <a:avLst/>
+            </a:prstGeom>
+            <a:noFill/>
+            <a:extLst>
+              <a:ext uri="{909E8E84-426E-40DD-AFC4-6F175D3DCCD1}">
+                <a14:hiddenFill xmlns:a14="http://schemas.microsoft.com/office/drawing/2010/main">
+                  <a:solidFill>
+                    <a:srgbClr val="FFFFFF"/>
+                  </a:solidFill>
+                </a14:hiddenFill>
+              </a:ext>
+            </a:extLst>
+          </p:spPr>
+        </p:pic>
+        <p:sp>
+          <p:nvSpPr>
+            <p:cNvPr id="37" name="직사각형 36">
+              <a:extLst>
+                <a:ext uri="{FF2B5EF4-FFF2-40B4-BE49-F238E27FC236}">
+                  <a16:creationId xmlns:a16="http://schemas.microsoft.com/office/drawing/2014/main" id="{5D9E2165-E5D5-4EC1-B019-6EB65A05BDC2}"/>
+                </a:ext>
+              </a:extLst>
+            </p:cNvPr>
+            <p:cNvSpPr/>
+            <p:nvPr/>
+          </p:nvSpPr>
+          <p:spPr>
+            <a:xfrm>
+              <a:off x="4049033" y="5710316"/>
+              <a:ext cx="403225" cy="366052"/>
+            </a:xfrm>
+            <a:prstGeom prst="rect">
+              <a:avLst/>
+            </a:prstGeom>
+          </p:spPr>
+          <p:style>
+            <a:lnRef idx="2">
+              <a:schemeClr val="dk1"/>
+            </a:lnRef>
+            <a:fillRef idx="1">
+              <a:schemeClr val="lt1"/>
+            </a:fillRef>
+            <a:effectRef idx="0">
+              <a:schemeClr val="dk1"/>
+            </a:effectRef>
+            <a:fontRef idx="minor">
+              <a:schemeClr val="dk1"/>
+            </a:fontRef>
+          </p:style>
+          <p:txBody>
+            <a:bodyPr rtlCol="0" anchor="ctr"/>
+            <a:lstStyle/>
+            <a:p>
+              <a:pPr algn="ctr"/>
+              <a:endParaRPr lang="en-US"/>
+            </a:p>
+          </p:txBody>
+        </p:sp>
+      </p:grpSp>
+      <p:grpSp>
+        <p:nvGrpSpPr>
+          <p:cNvPr id="38" name="그룹 37">
+            <a:extLst>
+              <a:ext uri="{FF2B5EF4-FFF2-40B4-BE49-F238E27FC236}">
+                <a16:creationId xmlns:a16="http://schemas.microsoft.com/office/drawing/2014/main" id="{7ADE128A-3590-45AA-AE33-0D5CB1EBEC2A}"/>
+              </a:ext>
+            </a:extLst>
+          </p:cNvPr>
+          <p:cNvGrpSpPr/>
+          <p:nvPr/>
+        </p:nvGrpSpPr>
+        <p:grpSpPr>
+          <a:xfrm>
+            <a:off x="5906986" y="5453052"/>
+            <a:ext cx="403225" cy="1009678"/>
+            <a:chOff x="4049033" y="5453052"/>
+            <a:chExt cx="403225" cy="1009678"/>
+          </a:xfrm>
+        </p:grpSpPr>
+        <p:pic>
+          <p:nvPicPr>
+            <p:cNvPr id="39" name="Picture 2" descr="https://enccs.github.io/gpu-programming/_images/THREAD_CORE.png">
+              <a:extLst>
+                <a:ext uri="{FF2B5EF4-FFF2-40B4-BE49-F238E27FC236}">
+                  <a16:creationId xmlns:a16="http://schemas.microsoft.com/office/drawing/2014/main" id="{480AD2BA-0161-4008-B5EB-1B16CB3D2054}"/>
+                </a:ext>
+              </a:extLst>
+            </p:cNvPr>
+            <p:cNvPicPr>
+              <a:picLocks noChangeAspect="1" noChangeArrowheads="1"/>
+            </p:cNvPicPr>
+            <p:nvPr/>
+          </p:nvPicPr>
+          <p:blipFill rotWithShape="1">
+            <a:blip r:embed="rId2">
+              <a:extLst>
+                <a:ext uri="{28A0092B-C50C-407E-A947-70E740481C1C}">
+                  <a14:useLocalDpi xmlns:a14="http://schemas.microsoft.com/office/drawing/2010/main" val="0"/>
+                </a:ext>
+              </a:extLst>
+            </a:blip>
+            <a:srcRect l="10253" r="80946" b="28562"/>
+            <a:stretch/>
+          </p:blipFill>
+          <p:spPr bwMode="auto">
+            <a:xfrm>
+              <a:off x="4105275" y="5453052"/>
+              <a:ext cx="299197" cy="1009678"/>
+            </a:xfrm>
+            <a:prstGeom prst="rect">
+              <a:avLst/>
+            </a:prstGeom>
+            <a:noFill/>
+            <a:extLst>
+              <a:ext uri="{909E8E84-426E-40DD-AFC4-6F175D3DCCD1}">
+                <a14:hiddenFill xmlns:a14="http://schemas.microsoft.com/office/drawing/2010/main">
+                  <a:solidFill>
+                    <a:srgbClr val="FFFFFF"/>
+                  </a:solidFill>
+                </a14:hiddenFill>
+              </a:ext>
+            </a:extLst>
+          </p:spPr>
+        </p:pic>
+        <p:sp>
+          <p:nvSpPr>
+            <p:cNvPr id="40" name="직사각형 39">
+              <a:extLst>
+                <a:ext uri="{FF2B5EF4-FFF2-40B4-BE49-F238E27FC236}">
+                  <a16:creationId xmlns:a16="http://schemas.microsoft.com/office/drawing/2014/main" id="{8737A2D6-F31B-4AC5-B2A1-CC953C211810}"/>
+                </a:ext>
+              </a:extLst>
+            </p:cNvPr>
+            <p:cNvSpPr/>
+            <p:nvPr/>
+          </p:nvSpPr>
+          <p:spPr>
+            <a:xfrm>
+              <a:off x="4049033" y="5710316"/>
+              <a:ext cx="403225" cy="366052"/>
+            </a:xfrm>
+            <a:prstGeom prst="rect">
+              <a:avLst/>
+            </a:prstGeom>
+          </p:spPr>
+          <p:style>
+            <a:lnRef idx="2">
+              <a:schemeClr val="dk1"/>
+            </a:lnRef>
+            <a:fillRef idx="1">
+              <a:schemeClr val="lt1"/>
+            </a:fillRef>
+            <a:effectRef idx="0">
+              <a:schemeClr val="dk1"/>
+            </a:effectRef>
+            <a:fontRef idx="minor">
+              <a:schemeClr val="dk1"/>
+            </a:fontRef>
+          </p:style>
+          <p:txBody>
+            <a:bodyPr rtlCol="0" anchor="ctr"/>
+            <a:lstStyle/>
+            <a:p>
+              <a:pPr algn="ctr"/>
+              <a:endParaRPr lang="en-US"/>
+            </a:p>
+          </p:txBody>
+        </p:sp>
+      </p:grpSp>
+      <p:grpSp>
+        <p:nvGrpSpPr>
+          <p:cNvPr id="41" name="그룹 40">
+            <a:extLst>
+              <a:ext uri="{FF2B5EF4-FFF2-40B4-BE49-F238E27FC236}">
+                <a16:creationId xmlns:a16="http://schemas.microsoft.com/office/drawing/2014/main" id="{E9CB3B85-A06B-4F77-A623-12E062D14610}"/>
+              </a:ext>
+            </a:extLst>
+          </p:cNvPr>
+          <p:cNvGrpSpPr/>
+          <p:nvPr/>
+        </p:nvGrpSpPr>
+        <p:grpSpPr>
+          <a:xfrm>
+            <a:off x="6485463" y="5453052"/>
+            <a:ext cx="403225" cy="1009678"/>
+            <a:chOff x="4049033" y="5453052"/>
+            <a:chExt cx="403225" cy="1009678"/>
+          </a:xfrm>
+        </p:grpSpPr>
+        <p:pic>
+          <p:nvPicPr>
+            <p:cNvPr id="42" name="Picture 2" descr="https://enccs.github.io/gpu-programming/_images/THREAD_CORE.png">
+              <a:extLst>
+                <a:ext uri="{FF2B5EF4-FFF2-40B4-BE49-F238E27FC236}">
+                  <a16:creationId xmlns:a16="http://schemas.microsoft.com/office/drawing/2014/main" id="{F9D7A7D2-2402-495C-9D0C-4A7E4BD2BEFB}"/>
+                </a:ext>
+              </a:extLst>
+            </p:cNvPr>
+            <p:cNvPicPr>
+              <a:picLocks noChangeAspect="1" noChangeArrowheads="1"/>
+            </p:cNvPicPr>
+            <p:nvPr/>
+          </p:nvPicPr>
+          <p:blipFill rotWithShape="1">
+            <a:blip r:embed="rId2">
+              <a:extLst>
+                <a:ext uri="{28A0092B-C50C-407E-A947-70E740481C1C}">
+                  <a14:useLocalDpi xmlns:a14="http://schemas.microsoft.com/office/drawing/2010/main" val="0"/>
+                </a:ext>
+              </a:extLst>
+            </a:blip>
+            <a:srcRect l="10253" r="80946" b="28562"/>
+            <a:stretch/>
+          </p:blipFill>
+          <p:spPr bwMode="auto">
+            <a:xfrm>
+              <a:off x="4105275" y="5453052"/>
+              <a:ext cx="299197" cy="1009678"/>
+            </a:xfrm>
+            <a:prstGeom prst="rect">
+              <a:avLst/>
+            </a:prstGeom>
+            <a:noFill/>
+            <a:extLst>
+              <a:ext uri="{909E8E84-426E-40DD-AFC4-6F175D3DCCD1}">
+                <a14:hiddenFill xmlns:a14="http://schemas.microsoft.com/office/drawing/2010/main">
+                  <a:solidFill>
+                    <a:srgbClr val="FFFFFF"/>
+                  </a:solidFill>
+                </a14:hiddenFill>
+              </a:ext>
+            </a:extLst>
+          </p:spPr>
+        </p:pic>
+        <p:sp>
+          <p:nvSpPr>
+            <p:cNvPr id="43" name="직사각형 42">
+              <a:extLst>
+                <a:ext uri="{FF2B5EF4-FFF2-40B4-BE49-F238E27FC236}">
+                  <a16:creationId xmlns:a16="http://schemas.microsoft.com/office/drawing/2014/main" id="{73BC9CA2-CC0D-4446-B5CB-0CBF8ECFCB05}"/>
+                </a:ext>
+              </a:extLst>
+            </p:cNvPr>
+            <p:cNvSpPr/>
+            <p:nvPr/>
+          </p:nvSpPr>
+          <p:spPr>
+            <a:xfrm>
+              <a:off x="4049033" y="5710316"/>
+              <a:ext cx="403225" cy="366052"/>
+            </a:xfrm>
+            <a:prstGeom prst="rect">
+              <a:avLst/>
+            </a:prstGeom>
+          </p:spPr>
+          <p:style>
+            <a:lnRef idx="2">
+              <a:schemeClr val="dk1"/>
+            </a:lnRef>
+            <a:fillRef idx="1">
+              <a:schemeClr val="lt1"/>
+            </a:fillRef>
+            <a:effectRef idx="0">
+              <a:schemeClr val="dk1"/>
+            </a:effectRef>
+            <a:fontRef idx="minor">
+              <a:schemeClr val="dk1"/>
+            </a:fontRef>
+          </p:style>
+          <p:txBody>
+            <a:bodyPr rtlCol="0" anchor="ctr"/>
+            <a:lstStyle/>
+            <a:p>
+              <a:pPr algn="ctr"/>
+              <a:endParaRPr lang="en-US"/>
+            </a:p>
+          </p:txBody>
+        </p:sp>
+      </p:grpSp>
+      <p:grpSp>
+        <p:nvGrpSpPr>
+          <p:cNvPr id="44" name="그룹 43">
+            <a:extLst>
+              <a:ext uri="{FF2B5EF4-FFF2-40B4-BE49-F238E27FC236}">
+                <a16:creationId xmlns:a16="http://schemas.microsoft.com/office/drawing/2014/main" id="{66B884CA-3D22-4419-8423-93984F96274A}"/>
+              </a:ext>
+            </a:extLst>
+          </p:cNvPr>
+          <p:cNvGrpSpPr/>
+          <p:nvPr/>
+        </p:nvGrpSpPr>
+        <p:grpSpPr>
+          <a:xfrm>
+            <a:off x="7063940" y="5453052"/>
+            <a:ext cx="403225" cy="1009678"/>
+            <a:chOff x="4049033" y="5453052"/>
+            <a:chExt cx="403225" cy="1009678"/>
+          </a:xfrm>
+        </p:grpSpPr>
+        <p:pic>
+          <p:nvPicPr>
+            <p:cNvPr id="45" name="Picture 2" descr="https://enccs.github.io/gpu-programming/_images/THREAD_CORE.png">
+              <a:extLst>
+                <a:ext uri="{FF2B5EF4-FFF2-40B4-BE49-F238E27FC236}">
+                  <a16:creationId xmlns:a16="http://schemas.microsoft.com/office/drawing/2014/main" id="{AF09E660-840E-4787-B5D0-688AC024FA6D}"/>
+                </a:ext>
+              </a:extLst>
+            </p:cNvPr>
+            <p:cNvPicPr>
+              <a:picLocks noChangeAspect="1" noChangeArrowheads="1"/>
+            </p:cNvPicPr>
+            <p:nvPr/>
+          </p:nvPicPr>
+          <p:blipFill rotWithShape="1">
+            <a:blip r:embed="rId2">
+              <a:extLst>
+                <a:ext uri="{28A0092B-C50C-407E-A947-70E740481C1C}">
+                  <a14:useLocalDpi xmlns:a14="http://schemas.microsoft.com/office/drawing/2010/main" val="0"/>
+                </a:ext>
+              </a:extLst>
+            </a:blip>
+            <a:srcRect l="10253" r="80946" b="28562"/>
+            <a:stretch/>
+          </p:blipFill>
+          <p:spPr bwMode="auto">
+            <a:xfrm>
+              <a:off x="4105275" y="5453052"/>
+              <a:ext cx="299197" cy="1009678"/>
+            </a:xfrm>
+            <a:prstGeom prst="rect">
+              <a:avLst/>
+            </a:prstGeom>
+            <a:noFill/>
+            <a:extLst>
+              <a:ext uri="{909E8E84-426E-40DD-AFC4-6F175D3DCCD1}">
+                <a14:hiddenFill xmlns:a14="http://schemas.microsoft.com/office/drawing/2010/main">
+                  <a:solidFill>
+                    <a:srgbClr val="FFFFFF"/>
+                  </a:solidFill>
+                </a14:hiddenFill>
+              </a:ext>
+            </a:extLst>
+          </p:spPr>
+        </p:pic>
+        <p:sp>
+          <p:nvSpPr>
+            <p:cNvPr id="46" name="직사각형 45">
+              <a:extLst>
+                <a:ext uri="{FF2B5EF4-FFF2-40B4-BE49-F238E27FC236}">
+                  <a16:creationId xmlns:a16="http://schemas.microsoft.com/office/drawing/2014/main" id="{D1B9B26A-92D4-46E5-AE5D-1710F1886DBE}"/>
+                </a:ext>
+              </a:extLst>
+            </p:cNvPr>
+            <p:cNvSpPr/>
+            <p:nvPr/>
+          </p:nvSpPr>
+          <p:spPr>
+            <a:xfrm>
+              <a:off x="4049033" y="5710316"/>
+              <a:ext cx="403225" cy="366052"/>
+            </a:xfrm>
+            <a:prstGeom prst="rect">
+              <a:avLst/>
+            </a:prstGeom>
+          </p:spPr>
+          <p:style>
+            <a:lnRef idx="2">
+              <a:schemeClr val="dk1"/>
+            </a:lnRef>
+            <a:fillRef idx="1">
+              <a:schemeClr val="lt1"/>
+            </a:fillRef>
+            <a:effectRef idx="0">
+              <a:schemeClr val="dk1"/>
+            </a:effectRef>
+            <a:fontRef idx="minor">
+              <a:schemeClr val="dk1"/>
+            </a:fontRef>
+          </p:style>
+          <p:txBody>
+            <a:bodyPr rtlCol="0" anchor="ctr"/>
+            <a:lstStyle/>
+            <a:p>
+              <a:pPr algn="ctr"/>
+              <a:endParaRPr lang="en-US"/>
+            </a:p>
+          </p:txBody>
+        </p:sp>
+      </p:grpSp>
+      <p:grpSp>
+        <p:nvGrpSpPr>
+          <p:cNvPr id="47" name="그룹 46">
+            <a:extLst>
+              <a:ext uri="{FF2B5EF4-FFF2-40B4-BE49-F238E27FC236}">
+                <a16:creationId xmlns:a16="http://schemas.microsoft.com/office/drawing/2014/main" id="{78FEBB9E-7D36-4943-9753-CA675089ADAC}"/>
+              </a:ext>
+            </a:extLst>
+          </p:cNvPr>
+          <p:cNvGrpSpPr/>
+          <p:nvPr/>
+        </p:nvGrpSpPr>
+        <p:grpSpPr>
+          <a:xfrm>
+            <a:off x="7642417" y="5453052"/>
+            <a:ext cx="403225" cy="1009678"/>
+            <a:chOff x="4049033" y="5453052"/>
+            <a:chExt cx="403225" cy="1009678"/>
+          </a:xfrm>
+        </p:grpSpPr>
+        <p:pic>
+          <p:nvPicPr>
+            <p:cNvPr id="48" name="Picture 2" descr="https://enccs.github.io/gpu-programming/_images/THREAD_CORE.png">
+              <a:extLst>
+                <a:ext uri="{FF2B5EF4-FFF2-40B4-BE49-F238E27FC236}">
+                  <a16:creationId xmlns:a16="http://schemas.microsoft.com/office/drawing/2014/main" id="{558E5F49-9D79-4677-8041-1DD3D79A5A41}"/>
+                </a:ext>
+              </a:extLst>
+            </p:cNvPr>
+            <p:cNvPicPr>
+              <a:picLocks noChangeAspect="1" noChangeArrowheads="1"/>
+            </p:cNvPicPr>
+            <p:nvPr/>
+          </p:nvPicPr>
+          <p:blipFill rotWithShape="1">
+            <a:blip r:embed="rId2">
+              <a:extLst>
+                <a:ext uri="{28A0092B-C50C-407E-A947-70E740481C1C}">
+                  <a14:useLocalDpi xmlns:a14="http://schemas.microsoft.com/office/drawing/2010/main" val="0"/>
+                </a:ext>
+              </a:extLst>
+            </a:blip>
+            <a:srcRect l="10253" r="80946" b="28562"/>
+            <a:stretch/>
+          </p:blipFill>
+          <p:spPr bwMode="auto">
+            <a:xfrm>
+              <a:off x="4105275" y="5453052"/>
+              <a:ext cx="299197" cy="1009678"/>
+            </a:xfrm>
+            <a:prstGeom prst="rect">
+              <a:avLst/>
+            </a:prstGeom>
+            <a:noFill/>
+            <a:extLst>
+              <a:ext uri="{909E8E84-426E-40DD-AFC4-6F175D3DCCD1}">
+                <a14:hiddenFill xmlns:a14="http://schemas.microsoft.com/office/drawing/2010/main">
+                  <a:solidFill>
+                    <a:srgbClr val="FFFFFF"/>
+                  </a:solidFill>
+                </a14:hiddenFill>
+              </a:ext>
+            </a:extLst>
+          </p:spPr>
+        </p:pic>
+        <p:sp>
+          <p:nvSpPr>
+            <p:cNvPr id="49" name="직사각형 48">
+              <a:extLst>
+                <a:ext uri="{FF2B5EF4-FFF2-40B4-BE49-F238E27FC236}">
+                  <a16:creationId xmlns:a16="http://schemas.microsoft.com/office/drawing/2014/main" id="{825ED331-237D-49C1-BF80-CCABAB029443}"/>
+                </a:ext>
+              </a:extLst>
+            </p:cNvPr>
+            <p:cNvSpPr/>
+            <p:nvPr/>
+          </p:nvSpPr>
+          <p:spPr>
+            <a:xfrm>
+              <a:off x="4049033" y="5710316"/>
+              <a:ext cx="403225" cy="366052"/>
+            </a:xfrm>
+            <a:prstGeom prst="rect">
+              <a:avLst/>
+            </a:prstGeom>
+          </p:spPr>
+          <p:style>
+            <a:lnRef idx="2">
+              <a:schemeClr val="dk1"/>
+            </a:lnRef>
+            <a:fillRef idx="1">
+              <a:schemeClr val="lt1"/>
+            </a:fillRef>
+            <a:effectRef idx="0">
+              <a:schemeClr val="dk1"/>
+            </a:effectRef>
+            <a:fontRef idx="minor">
+              <a:schemeClr val="dk1"/>
+            </a:fontRef>
+          </p:style>
+          <p:txBody>
+            <a:bodyPr rtlCol="0" anchor="ctr"/>
+            <a:lstStyle/>
+            <a:p>
+              <a:pPr algn="ctr"/>
+              <a:endParaRPr lang="en-US"/>
+            </a:p>
+          </p:txBody>
+        </p:sp>
+      </p:grpSp>
+      <p:grpSp>
+        <p:nvGrpSpPr>
+          <p:cNvPr id="50" name="그룹 49">
+            <a:extLst>
+              <a:ext uri="{FF2B5EF4-FFF2-40B4-BE49-F238E27FC236}">
+                <a16:creationId xmlns:a16="http://schemas.microsoft.com/office/drawing/2014/main" id="{5C2964B0-8FFA-460D-85BC-BE71244C9BAA}"/>
+              </a:ext>
+            </a:extLst>
+          </p:cNvPr>
+          <p:cNvGrpSpPr/>
+          <p:nvPr/>
+        </p:nvGrpSpPr>
+        <p:grpSpPr>
+          <a:xfrm>
+            <a:off x="8220894" y="5453052"/>
+            <a:ext cx="403225" cy="1009678"/>
+            <a:chOff x="4049033" y="5453052"/>
+            <a:chExt cx="403225" cy="1009678"/>
+          </a:xfrm>
+        </p:grpSpPr>
+        <p:pic>
+          <p:nvPicPr>
+            <p:cNvPr id="51" name="Picture 2" descr="https://enccs.github.io/gpu-programming/_images/THREAD_CORE.png">
+              <a:extLst>
+                <a:ext uri="{FF2B5EF4-FFF2-40B4-BE49-F238E27FC236}">
+                  <a16:creationId xmlns:a16="http://schemas.microsoft.com/office/drawing/2014/main" id="{487F1B0F-169E-4E9A-BB53-522F3BD3EEE5}"/>
+                </a:ext>
+              </a:extLst>
+            </p:cNvPr>
+            <p:cNvPicPr>
+              <a:picLocks noChangeAspect="1" noChangeArrowheads="1"/>
+            </p:cNvPicPr>
+            <p:nvPr/>
+          </p:nvPicPr>
+          <p:blipFill rotWithShape="1">
+            <a:blip r:embed="rId2">
+              <a:extLst>
+                <a:ext uri="{28A0092B-C50C-407E-A947-70E740481C1C}">
+                  <a14:useLocalDpi xmlns:a14="http://schemas.microsoft.com/office/drawing/2010/main" val="0"/>
+                </a:ext>
+              </a:extLst>
+            </a:blip>
+            <a:srcRect l="10253" r="80946" b="28562"/>
+            <a:stretch/>
+          </p:blipFill>
+          <p:spPr bwMode="auto">
+            <a:xfrm>
+              <a:off x="4105275" y="5453052"/>
+              <a:ext cx="299197" cy="1009678"/>
+            </a:xfrm>
+            <a:prstGeom prst="rect">
+              <a:avLst/>
+            </a:prstGeom>
+            <a:noFill/>
+            <a:extLst>
+              <a:ext uri="{909E8E84-426E-40DD-AFC4-6F175D3DCCD1}">
+                <a14:hiddenFill xmlns:a14="http://schemas.microsoft.com/office/drawing/2010/main">
+                  <a:solidFill>
+                    <a:srgbClr val="FFFFFF"/>
+                  </a:solidFill>
+                </a14:hiddenFill>
+              </a:ext>
+            </a:extLst>
+          </p:spPr>
+        </p:pic>
+        <p:sp>
+          <p:nvSpPr>
+            <p:cNvPr id="52" name="직사각형 51">
+              <a:extLst>
+                <a:ext uri="{FF2B5EF4-FFF2-40B4-BE49-F238E27FC236}">
+                  <a16:creationId xmlns:a16="http://schemas.microsoft.com/office/drawing/2014/main" id="{A3D7D6F9-90A7-4994-8F3E-5001FB88F871}"/>
+                </a:ext>
+              </a:extLst>
+            </p:cNvPr>
+            <p:cNvSpPr/>
+            <p:nvPr/>
+          </p:nvSpPr>
+          <p:spPr>
+            <a:xfrm>
+              <a:off x="4049033" y="5710316"/>
+              <a:ext cx="403225" cy="366052"/>
+            </a:xfrm>
+            <a:prstGeom prst="rect">
+              <a:avLst/>
+            </a:prstGeom>
+          </p:spPr>
+          <p:style>
+            <a:lnRef idx="2">
+              <a:schemeClr val="dk1"/>
+            </a:lnRef>
+            <a:fillRef idx="1">
+              <a:schemeClr val="lt1"/>
+            </a:fillRef>
+            <a:effectRef idx="0">
+              <a:schemeClr val="dk1"/>
+            </a:effectRef>
+            <a:fontRef idx="minor">
+              <a:schemeClr val="dk1"/>
+            </a:fontRef>
+          </p:style>
+          <p:txBody>
+            <a:bodyPr rtlCol="0" anchor="ctr"/>
+            <a:lstStyle/>
+            <a:p>
+              <a:pPr algn="ctr"/>
+              <a:endParaRPr lang="en-US"/>
+            </a:p>
+          </p:txBody>
+        </p:sp>
+      </p:grpSp>
+      <p:grpSp>
+        <p:nvGrpSpPr>
+          <p:cNvPr id="53" name="그룹 52">
+            <a:extLst>
+              <a:ext uri="{FF2B5EF4-FFF2-40B4-BE49-F238E27FC236}">
+                <a16:creationId xmlns:a16="http://schemas.microsoft.com/office/drawing/2014/main" id="{B7B4C668-35BF-488A-AA9B-16C06D21150D}"/>
+              </a:ext>
+            </a:extLst>
+          </p:cNvPr>
+          <p:cNvGrpSpPr/>
+          <p:nvPr/>
+        </p:nvGrpSpPr>
+        <p:grpSpPr>
+          <a:xfrm>
+            <a:off x="8799371" y="5453052"/>
+            <a:ext cx="403225" cy="1009678"/>
+            <a:chOff x="4049033" y="5453052"/>
+            <a:chExt cx="403225" cy="1009678"/>
+          </a:xfrm>
+        </p:grpSpPr>
+        <p:pic>
+          <p:nvPicPr>
+            <p:cNvPr id="54" name="Picture 2" descr="https://enccs.github.io/gpu-programming/_images/THREAD_CORE.png">
+              <a:extLst>
+                <a:ext uri="{FF2B5EF4-FFF2-40B4-BE49-F238E27FC236}">
+                  <a16:creationId xmlns:a16="http://schemas.microsoft.com/office/drawing/2014/main" id="{4CEA0F09-DEE1-46B7-9D96-7FC3AE2D9F78}"/>
+                </a:ext>
+              </a:extLst>
+            </p:cNvPr>
+            <p:cNvPicPr>
+              <a:picLocks noChangeAspect="1" noChangeArrowheads="1"/>
+            </p:cNvPicPr>
+            <p:nvPr/>
+          </p:nvPicPr>
+          <p:blipFill rotWithShape="1">
+            <a:blip r:embed="rId2">
+              <a:extLst>
+                <a:ext uri="{28A0092B-C50C-407E-A947-70E740481C1C}">
+                  <a14:useLocalDpi xmlns:a14="http://schemas.microsoft.com/office/drawing/2010/main" val="0"/>
+                </a:ext>
+              </a:extLst>
+            </a:blip>
+            <a:srcRect l="10253" r="80946" b="28562"/>
+            <a:stretch/>
+          </p:blipFill>
+          <p:spPr bwMode="auto">
+            <a:xfrm>
+              <a:off x="4105275" y="5453052"/>
+              <a:ext cx="299197" cy="1009678"/>
+            </a:xfrm>
+            <a:prstGeom prst="rect">
+              <a:avLst/>
+            </a:prstGeom>
+            <a:noFill/>
+            <a:extLst>
+              <a:ext uri="{909E8E84-426E-40DD-AFC4-6F175D3DCCD1}">
+                <a14:hiddenFill xmlns:a14="http://schemas.microsoft.com/office/drawing/2010/main">
+                  <a:solidFill>
+                    <a:srgbClr val="FFFFFF"/>
+                  </a:solidFill>
+                </a14:hiddenFill>
+              </a:ext>
+            </a:extLst>
+          </p:spPr>
+        </p:pic>
+        <p:sp>
+          <p:nvSpPr>
+            <p:cNvPr id="55" name="직사각형 54">
+              <a:extLst>
+                <a:ext uri="{FF2B5EF4-FFF2-40B4-BE49-F238E27FC236}">
+                  <a16:creationId xmlns:a16="http://schemas.microsoft.com/office/drawing/2014/main" id="{649D1130-393C-4FDF-9528-70717520D443}"/>
+                </a:ext>
+              </a:extLst>
+            </p:cNvPr>
+            <p:cNvSpPr/>
+            <p:nvPr/>
+          </p:nvSpPr>
+          <p:spPr>
+            <a:xfrm>
+              <a:off x="4049033" y="5710316"/>
+              <a:ext cx="403225" cy="366052"/>
+            </a:xfrm>
+            <a:prstGeom prst="rect">
+              <a:avLst/>
+            </a:prstGeom>
+          </p:spPr>
+          <p:style>
+            <a:lnRef idx="2">
+              <a:schemeClr val="dk1"/>
+            </a:lnRef>
+            <a:fillRef idx="1">
+              <a:schemeClr val="lt1"/>
+            </a:fillRef>
+            <a:effectRef idx="0">
+              <a:schemeClr val="dk1"/>
+            </a:effectRef>
+            <a:fontRef idx="minor">
+              <a:schemeClr val="dk1"/>
+            </a:fontRef>
+          </p:style>
+          <p:txBody>
+            <a:bodyPr rtlCol="0" anchor="ctr"/>
+            <a:lstStyle/>
+            <a:p>
+              <a:pPr algn="ctr"/>
+              <a:endParaRPr lang="en-US"/>
+            </a:p>
+          </p:txBody>
+        </p:sp>
+      </p:grpSp>
+      <p:grpSp>
+        <p:nvGrpSpPr>
+          <p:cNvPr id="56" name="그룹 55">
+            <a:extLst>
+              <a:ext uri="{FF2B5EF4-FFF2-40B4-BE49-F238E27FC236}">
+                <a16:creationId xmlns:a16="http://schemas.microsoft.com/office/drawing/2014/main" id="{BEEEFAC1-4724-46F0-B511-5A87AAEBFB67}"/>
+              </a:ext>
+            </a:extLst>
+          </p:cNvPr>
+          <p:cNvGrpSpPr/>
+          <p:nvPr/>
+        </p:nvGrpSpPr>
+        <p:grpSpPr>
+          <a:xfrm>
+            <a:off x="9377848" y="5453052"/>
+            <a:ext cx="403225" cy="1009678"/>
+            <a:chOff x="4049033" y="5453052"/>
+            <a:chExt cx="403225" cy="1009678"/>
+          </a:xfrm>
+        </p:grpSpPr>
+        <p:pic>
+          <p:nvPicPr>
+            <p:cNvPr id="57" name="Picture 2" descr="https://enccs.github.io/gpu-programming/_images/THREAD_CORE.png">
+              <a:extLst>
+                <a:ext uri="{FF2B5EF4-FFF2-40B4-BE49-F238E27FC236}">
+                  <a16:creationId xmlns:a16="http://schemas.microsoft.com/office/drawing/2014/main" id="{F30D6F31-AF70-4B84-8D2C-8238C66F62CA}"/>
+                </a:ext>
+              </a:extLst>
+            </p:cNvPr>
+            <p:cNvPicPr>
+              <a:picLocks noChangeAspect="1" noChangeArrowheads="1"/>
+            </p:cNvPicPr>
+            <p:nvPr/>
+          </p:nvPicPr>
+          <p:blipFill rotWithShape="1">
+            <a:blip r:embed="rId2">
+              <a:extLst>
+                <a:ext uri="{28A0092B-C50C-407E-A947-70E740481C1C}">
+                  <a14:useLocalDpi xmlns:a14="http://schemas.microsoft.com/office/drawing/2010/main" val="0"/>
+                </a:ext>
+              </a:extLst>
+            </a:blip>
+            <a:srcRect l="10253" r="80946" b="28562"/>
+            <a:stretch/>
+          </p:blipFill>
+          <p:spPr bwMode="auto">
+            <a:xfrm>
+              <a:off x="4105275" y="5453052"/>
+              <a:ext cx="299197" cy="1009678"/>
+            </a:xfrm>
+            <a:prstGeom prst="rect">
+              <a:avLst/>
+            </a:prstGeom>
+            <a:noFill/>
+            <a:extLst>
+              <a:ext uri="{909E8E84-426E-40DD-AFC4-6F175D3DCCD1}">
+                <a14:hiddenFill xmlns:a14="http://schemas.microsoft.com/office/drawing/2010/main">
+                  <a:solidFill>
+                    <a:srgbClr val="FFFFFF"/>
+                  </a:solidFill>
+                </a14:hiddenFill>
+              </a:ext>
+            </a:extLst>
+          </p:spPr>
+        </p:pic>
+        <p:sp>
+          <p:nvSpPr>
+            <p:cNvPr id="58" name="직사각형 57">
+              <a:extLst>
+                <a:ext uri="{FF2B5EF4-FFF2-40B4-BE49-F238E27FC236}">
+                  <a16:creationId xmlns:a16="http://schemas.microsoft.com/office/drawing/2014/main" id="{014ED34F-5ED8-446A-9B7A-032117E51DF3}"/>
+                </a:ext>
+              </a:extLst>
+            </p:cNvPr>
+            <p:cNvSpPr/>
+            <p:nvPr/>
+          </p:nvSpPr>
+          <p:spPr>
+            <a:xfrm>
+              <a:off x="4049033" y="5710316"/>
+              <a:ext cx="403225" cy="366052"/>
+            </a:xfrm>
+            <a:prstGeom prst="rect">
+              <a:avLst/>
+            </a:prstGeom>
+          </p:spPr>
+          <p:style>
+            <a:lnRef idx="2">
+              <a:schemeClr val="dk1"/>
+            </a:lnRef>
+            <a:fillRef idx="1">
+              <a:schemeClr val="lt1"/>
+            </a:fillRef>
+            <a:effectRef idx="0">
+              <a:schemeClr val="dk1"/>
+            </a:effectRef>
+            <a:fontRef idx="minor">
+              <a:schemeClr val="dk1"/>
+            </a:fontRef>
+          </p:style>
+          <p:txBody>
+            <a:bodyPr rtlCol="0" anchor="ctr"/>
+            <a:lstStyle/>
+            <a:p>
+              <a:pPr algn="ctr"/>
+              <a:endParaRPr lang="en-US"/>
+            </a:p>
+          </p:txBody>
+        </p:sp>
+      </p:grpSp>
+      <p:cxnSp>
+        <p:nvCxnSpPr>
+          <p:cNvPr id="59" name="직선 화살표 연결선 58">
+            <a:extLst>
+              <a:ext uri="{FF2B5EF4-FFF2-40B4-BE49-F238E27FC236}">
+                <a16:creationId xmlns:a16="http://schemas.microsoft.com/office/drawing/2014/main" id="{6E60568F-2275-40E5-936B-B3757B4D16B5}"/>
+              </a:ext>
+            </a:extLst>
+          </p:cNvPr>
+          <p:cNvCxnSpPr>
+            <a:stCxn id="8" idx="2"/>
+          </p:cNvCxnSpPr>
+          <p:nvPr/>
+        </p:nvCxnSpPr>
+        <p:spPr>
+          <a:xfrm>
+            <a:off x="3571857" y="1803916"/>
+            <a:ext cx="0" cy="418584"/>
+          </a:xfrm>
+          <a:prstGeom prst="straightConnector1">
+            <a:avLst/>
+          </a:prstGeom>
+          <a:ln>
+            <a:solidFill>
+              <a:schemeClr val="tx1"/>
+            </a:solidFill>
+            <a:tailEnd type="triangle"/>
+          </a:ln>
+        </p:spPr>
+        <p:style>
+          <a:lnRef idx="1">
+            <a:schemeClr val="accent1"/>
+          </a:lnRef>
+          <a:fillRef idx="0">
+            <a:schemeClr val="accent1"/>
+          </a:fillRef>
+          <a:effectRef idx="0">
+            <a:schemeClr val="accent1"/>
+          </a:effectRef>
+          <a:fontRef idx="minor">
+            <a:schemeClr val="tx1"/>
+          </a:fontRef>
+        </p:style>
+      </p:cxnSp>
+      <p:cxnSp>
+        <p:nvCxnSpPr>
+          <p:cNvPr id="60" name="직선 화살표 연결선 59">
+            <a:extLst>
+              <a:ext uri="{FF2B5EF4-FFF2-40B4-BE49-F238E27FC236}">
+                <a16:creationId xmlns:a16="http://schemas.microsoft.com/office/drawing/2014/main" id="{E3CDD444-30E3-4485-AADF-75882AF63B07}"/>
+              </a:ext>
+            </a:extLst>
+          </p:cNvPr>
+          <p:cNvCxnSpPr/>
+          <p:nvPr/>
+        </p:nvCxnSpPr>
+        <p:spPr>
+          <a:xfrm>
+            <a:off x="6488416" y="1803916"/>
+            <a:ext cx="0" cy="418584"/>
+          </a:xfrm>
+          <a:prstGeom prst="straightConnector1">
+            <a:avLst/>
+          </a:prstGeom>
+          <a:ln>
+            <a:solidFill>
+              <a:schemeClr val="tx1"/>
+            </a:solidFill>
+            <a:tailEnd type="triangle"/>
+          </a:ln>
+        </p:spPr>
+        <p:style>
+          <a:lnRef idx="1">
+            <a:schemeClr val="accent1"/>
+          </a:lnRef>
+          <a:fillRef idx="0">
+            <a:schemeClr val="accent1"/>
+          </a:fillRef>
+          <a:effectRef idx="0">
+            <a:schemeClr val="accent1"/>
+          </a:effectRef>
+          <a:fontRef idx="minor">
+            <a:schemeClr val="tx1"/>
+          </a:fontRef>
+        </p:style>
+      </p:cxnSp>
+      <p:cxnSp>
+        <p:nvCxnSpPr>
+          <p:cNvPr id="61" name="직선 화살표 연결선 60">
+            <a:extLst>
+              <a:ext uri="{FF2B5EF4-FFF2-40B4-BE49-F238E27FC236}">
+                <a16:creationId xmlns:a16="http://schemas.microsoft.com/office/drawing/2014/main" id="{CD8A7C8A-57CC-43A4-BB01-2F8141A6414B}"/>
+              </a:ext>
+            </a:extLst>
+          </p:cNvPr>
+          <p:cNvCxnSpPr/>
+          <p:nvPr/>
+        </p:nvCxnSpPr>
+        <p:spPr>
+          <a:xfrm>
+            <a:off x="9404975" y="1803916"/>
+            <a:ext cx="0" cy="418584"/>
+          </a:xfrm>
+          <a:prstGeom prst="straightConnector1">
+            <a:avLst/>
+          </a:prstGeom>
+          <a:ln>
+            <a:solidFill>
+              <a:schemeClr val="tx1"/>
+            </a:solidFill>
+            <a:tailEnd type="triangle"/>
+          </a:ln>
+        </p:spPr>
+        <p:style>
+          <a:lnRef idx="1">
+            <a:schemeClr val="accent1"/>
+          </a:lnRef>
+          <a:fillRef idx="0">
+            <a:schemeClr val="accent1"/>
+          </a:fillRef>
+          <a:effectRef idx="0">
+            <a:schemeClr val="accent1"/>
+          </a:effectRef>
+          <a:fontRef idx="minor">
+            <a:schemeClr val="tx1"/>
+          </a:fontRef>
+        </p:style>
+      </p:cxnSp>
+      <p:sp>
+        <p:nvSpPr>
+          <p:cNvPr id="62" name="TextBox 61">
+            <a:extLst>
+              <a:ext uri="{FF2B5EF4-FFF2-40B4-BE49-F238E27FC236}">
+                <a16:creationId xmlns:a16="http://schemas.microsoft.com/office/drawing/2014/main" id="{5A925E3F-9114-44B5-A70D-F71C5875EBCF}"/>
+              </a:ext>
+            </a:extLst>
+          </p:cNvPr>
+          <p:cNvSpPr txBox="1"/>
+          <p:nvPr/>
+        </p:nvSpPr>
+        <p:spPr>
+          <a:xfrm>
+            <a:off x="3593078" y="1828542"/>
+            <a:ext cx="1029064" cy="369332"/>
+          </a:xfrm>
+          <a:prstGeom prst="rect">
+            <a:avLst/>
+          </a:prstGeom>
+          <a:noFill/>
+        </p:spPr>
+        <p:txBody>
+          <a:bodyPr wrap="none" rtlCol="0">
+            <a:spAutoFit/>
+          </a:bodyPr>
+          <a:lstStyle/>
+          <a:p>
+            <a:r>
+              <a:rPr lang="en-US" dirty="0"/>
+              <a:t>Attribute</a:t>
+            </a:r>
+          </a:p>
+        </p:txBody>
+      </p:sp>
+      <p:sp>
+        <p:nvSpPr>
+          <p:cNvPr id="63" name="TextBox 62">
+            <a:extLst>
+              <a:ext uri="{FF2B5EF4-FFF2-40B4-BE49-F238E27FC236}">
+                <a16:creationId xmlns:a16="http://schemas.microsoft.com/office/drawing/2014/main" id="{0E717618-CAA9-4B10-9093-FBB71C0C1194}"/>
+              </a:ext>
+            </a:extLst>
+          </p:cNvPr>
+          <p:cNvSpPr txBox="1"/>
+          <p:nvPr/>
+        </p:nvSpPr>
+        <p:spPr>
+          <a:xfrm>
+            <a:off x="6560663" y="1828542"/>
+            <a:ext cx="1029064" cy="369332"/>
+          </a:xfrm>
+          <a:prstGeom prst="rect">
+            <a:avLst/>
+          </a:prstGeom>
+          <a:noFill/>
+        </p:spPr>
+        <p:txBody>
+          <a:bodyPr wrap="none" rtlCol="0">
+            <a:spAutoFit/>
+          </a:bodyPr>
+          <a:lstStyle/>
+          <a:p>
+            <a:r>
+              <a:rPr lang="en-US" dirty="0"/>
+              <a:t>Attribute</a:t>
+            </a:r>
+          </a:p>
+        </p:txBody>
+      </p:sp>
+      <p:sp>
+        <p:nvSpPr>
+          <p:cNvPr id="64" name="TextBox 63">
+            <a:extLst>
+              <a:ext uri="{FF2B5EF4-FFF2-40B4-BE49-F238E27FC236}">
+                <a16:creationId xmlns:a16="http://schemas.microsoft.com/office/drawing/2014/main" id="{E11311AC-CDE1-4103-8F35-9C876E914913}"/>
+              </a:ext>
+            </a:extLst>
+          </p:cNvPr>
+          <p:cNvSpPr txBox="1"/>
+          <p:nvPr/>
+        </p:nvSpPr>
+        <p:spPr>
+          <a:xfrm>
+            <a:off x="9477221" y="1828542"/>
+            <a:ext cx="1029064" cy="369332"/>
+          </a:xfrm>
+          <a:prstGeom prst="rect">
+            <a:avLst/>
+          </a:prstGeom>
+          <a:noFill/>
+        </p:spPr>
+        <p:txBody>
+          <a:bodyPr wrap="none" rtlCol="0">
+            <a:spAutoFit/>
+          </a:bodyPr>
+          <a:lstStyle/>
+          <a:p>
+            <a:r>
+              <a:rPr lang="en-US" dirty="0"/>
+              <a:t>Attribute</a:t>
+            </a:r>
+          </a:p>
+        </p:txBody>
+      </p:sp>
+      <p:sp>
+        <p:nvSpPr>
+          <p:cNvPr id="65" name="직사각형 64">
+            <a:extLst>
+              <a:ext uri="{FF2B5EF4-FFF2-40B4-BE49-F238E27FC236}">
+                <a16:creationId xmlns:a16="http://schemas.microsoft.com/office/drawing/2014/main" id="{CDB0DF24-FABE-4726-BB35-69C6898CEBDD}"/>
+              </a:ext>
+            </a:extLst>
+          </p:cNvPr>
+          <p:cNvSpPr/>
+          <p:nvPr/>
+        </p:nvSpPr>
+        <p:spPr>
+          <a:xfrm>
+            <a:off x="11459842" y="2293943"/>
+            <a:ext cx="2447032" cy="362139"/>
+          </a:xfrm>
+          <a:prstGeom prst="rect">
+            <a:avLst/>
+          </a:prstGeom>
+          <a:noFill/>
+        </p:spPr>
+        <p:style>
+          <a:lnRef idx="2">
+            <a:schemeClr val="dk1"/>
+          </a:lnRef>
+          <a:fillRef idx="1">
+            <a:schemeClr val="lt1"/>
+          </a:fillRef>
+          <a:effectRef idx="0">
+            <a:schemeClr val="dk1"/>
+          </a:effectRef>
+          <a:fontRef idx="minor">
+            <a:schemeClr val="dk1"/>
+          </a:fontRef>
+        </p:style>
+        <p:txBody>
+          <a:bodyPr rtlCol="0" anchor="ctr"/>
+          <a:lstStyle/>
+          <a:p>
+            <a:pPr algn="ctr"/>
+            <a:r>
+              <a:rPr lang="en-US" dirty="0"/>
+              <a:t>glUniform4f()</a:t>
+            </a:r>
+          </a:p>
+        </p:txBody>
+      </p:sp>
+      <p:sp>
+        <p:nvSpPr>
+          <p:cNvPr id="66" name="직사각형 65">
+            <a:extLst>
+              <a:ext uri="{FF2B5EF4-FFF2-40B4-BE49-F238E27FC236}">
+                <a16:creationId xmlns:a16="http://schemas.microsoft.com/office/drawing/2014/main" id="{5A184726-989F-446D-BF11-28217C945DA9}"/>
+              </a:ext>
+            </a:extLst>
+          </p:cNvPr>
+          <p:cNvSpPr/>
+          <p:nvPr/>
+        </p:nvSpPr>
+        <p:spPr>
+          <a:xfrm>
+            <a:off x="11641245" y="1417636"/>
+            <a:ext cx="2084225" cy="369332"/>
+          </a:xfrm>
+          <a:prstGeom prst="rect">
+            <a:avLst/>
+          </a:prstGeom>
+        </p:spPr>
+        <p:txBody>
+          <a:bodyPr wrap="none">
+            <a:spAutoFit/>
+          </a:bodyPr>
+          <a:lstStyle/>
+          <a:p>
+            <a:r>
+              <a:rPr lang="en-US" b="1" dirty="0">
+                <a:solidFill>
+                  <a:srgbClr val="0000FF"/>
+                </a:solidFill>
+                <a:latin typeface="Consolas" panose="020B0609020204030204" pitchFamily="49" charset="0"/>
+              </a:rPr>
+              <a:t>[-0.5f, 0.0, …]</a:t>
+            </a:r>
+            <a:endParaRPr lang="en-US" b="1" dirty="0">
+              <a:solidFill>
+                <a:srgbClr val="0000FF"/>
+              </a:solidFill>
+              <a:effectLst/>
+              <a:latin typeface="Consolas" panose="020B0609020204030204" pitchFamily="49" charset="0"/>
+            </a:endParaRPr>
+          </a:p>
+        </p:txBody>
+      </p:sp>
+      <p:cxnSp>
+        <p:nvCxnSpPr>
+          <p:cNvPr id="67" name="직선 화살표 연결선 66">
+            <a:extLst>
+              <a:ext uri="{FF2B5EF4-FFF2-40B4-BE49-F238E27FC236}">
+                <a16:creationId xmlns:a16="http://schemas.microsoft.com/office/drawing/2014/main" id="{FADD37F2-2257-490A-B5B9-85F3EF6DB5E8}"/>
+              </a:ext>
+            </a:extLst>
+          </p:cNvPr>
+          <p:cNvCxnSpPr>
+            <a:stCxn id="66" idx="2"/>
+            <a:endCxn id="65" idx="0"/>
+          </p:cNvCxnSpPr>
+          <p:nvPr/>
+        </p:nvCxnSpPr>
+        <p:spPr>
+          <a:xfrm>
+            <a:off x="12683358" y="1786968"/>
+            <a:ext cx="0" cy="506975"/>
+          </a:xfrm>
+          <a:prstGeom prst="straightConnector1">
+            <a:avLst/>
+          </a:prstGeom>
+          <a:ln>
+            <a:solidFill>
+              <a:schemeClr val="tx1"/>
+            </a:solidFill>
+            <a:tailEnd type="triangle"/>
+          </a:ln>
+        </p:spPr>
+        <p:style>
+          <a:lnRef idx="1">
+            <a:schemeClr val="accent1"/>
+          </a:lnRef>
+          <a:fillRef idx="0">
+            <a:schemeClr val="accent1"/>
+          </a:fillRef>
+          <a:effectRef idx="0">
+            <a:schemeClr val="accent1"/>
+          </a:effectRef>
+          <a:fontRef idx="minor">
+            <a:schemeClr val="tx1"/>
+          </a:fontRef>
+        </p:style>
+      </p:cxnSp>
+      <p:cxnSp>
+        <p:nvCxnSpPr>
+          <p:cNvPr id="68" name="연결선: 꺾임 67">
+            <a:extLst>
+              <a:ext uri="{FF2B5EF4-FFF2-40B4-BE49-F238E27FC236}">
+                <a16:creationId xmlns:a16="http://schemas.microsoft.com/office/drawing/2014/main" id="{5CA3CA8F-518F-40DF-80E0-316DDE95D07E}"/>
+              </a:ext>
+            </a:extLst>
+          </p:cNvPr>
+          <p:cNvCxnSpPr>
+            <a:stCxn id="65" idx="1"/>
+            <a:endCxn id="19" idx="0"/>
+          </p:cNvCxnSpPr>
+          <p:nvPr/>
+        </p:nvCxnSpPr>
+        <p:spPr>
+          <a:xfrm rot="10800000" flipV="1">
+            <a:off x="9376542" y="2475013"/>
+            <a:ext cx="2083300" cy="437154"/>
+          </a:xfrm>
+          <a:prstGeom prst="bentConnector2">
+            <a:avLst/>
+          </a:prstGeom>
+          <a:ln>
+            <a:solidFill>
+              <a:srgbClr val="0000FF"/>
+            </a:solidFill>
+            <a:tailEnd type="triangle"/>
+          </a:ln>
+        </p:spPr>
+        <p:style>
+          <a:lnRef idx="1">
+            <a:schemeClr val="accent1"/>
+          </a:lnRef>
+          <a:fillRef idx="0">
+            <a:schemeClr val="accent1"/>
+          </a:fillRef>
+          <a:effectRef idx="0">
+            <a:schemeClr val="accent1"/>
+          </a:effectRef>
+          <a:fontRef idx="minor">
+            <a:schemeClr val="tx1"/>
+          </a:fontRef>
+        </p:style>
+      </p:cxnSp>
+      <p:cxnSp>
+        <p:nvCxnSpPr>
+          <p:cNvPr id="69" name="연결선: 꺾임 68">
+            <a:extLst>
+              <a:ext uri="{FF2B5EF4-FFF2-40B4-BE49-F238E27FC236}">
+                <a16:creationId xmlns:a16="http://schemas.microsoft.com/office/drawing/2014/main" id="{A8AA77B8-0939-4870-A149-785EEB46CB00}"/>
+              </a:ext>
+            </a:extLst>
+          </p:cNvPr>
+          <p:cNvCxnSpPr>
+            <a:cxnSpLocks/>
+            <a:stCxn id="65" idx="1"/>
+            <a:endCxn id="18" idx="0"/>
+          </p:cNvCxnSpPr>
+          <p:nvPr/>
+        </p:nvCxnSpPr>
+        <p:spPr>
+          <a:xfrm rot="10800000" flipV="1">
+            <a:off x="6466210" y="2475013"/>
+            <a:ext cx="4993633" cy="437154"/>
+          </a:xfrm>
+          <a:prstGeom prst="bentConnector2">
+            <a:avLst/>
+          </a:prstGeom>
+          <a:ln>
+            <a:solidFill>
+              <a:srgbClr val="0000FF"/>
+            </a:solidFill>
+            <a:tailEnd type="triangle"/>
+          </a:ln>
+        </p:spPr>
+        <p:style>
+          <a:lnRef idx="1">
+            <a:schemeClr val="accent1"/>
+          </a:lnRef>
+          <a:fillRef idx="0">
+            <a:schemeClr val="accent1"/>
+          </a:fillRef>
+          <a:effectRef idx="0">
+            <a:schemeClr val="accent1"/>
+          </a:effectRef>
+          <a:fontRef idx="minor">
+            <a:schemeClr val="tx1"/>
+          </a:fontRef>
+        </p:style>
+      </p:cxnSp>
+      <p:cxnSp>
+        <p:nvCxnSpPr>
+          <p:cNvPr id="70" name="연결선: 꺾임 69">
+            <a:extLst>
+              <a:ext uri="{FF2B5EF4-FFF2-40B4-BE49-F238E27FC236}">
+                <a16:creationId xmlns:a16="http://schemas.microsoft.com/office/drawing/2014/main" id="{4BC733D1-F166-48BA-BA89-3125ACB71F76}"/>
+              </a:ext>
+            </a:extLst>
+          </p:cNvPr>
+          <p:cNvCxnSpPr>
+            <a:cxnSpLocks/>
+            <a:stCxn id="65" idx="1"/>
+            <a:endCxn id="17" idx="0"/>
+          </p:cNvCxnSpPr>
+          <p:nvPr/>
+        </p:nvCxnSpPr>
+        <p:spPr>
+          <a:xfrm rot="10800000" flipV="1">
+            <a:off x="3555876" y="2475012"/>
+            <a:ext cx="7903966" cy="437155"/>
+          </a:xfrm>
+          <a:prstGeom prst="bentConnector2">
+            <a:avLst/>
+          </a:prstGeom>
+          <a:ln>
+            <a:solidFill>
+              <a:srgbClr val="0000FF"/>
+            </a:solidFill>
+            <a:tailEnd type="triangle"/>
+          </a:ln>
+        </p:spPr>
+        <p:style>
+          <a:lnRef idx="1">
+            <a:schemeClr val="accent1"/>
+          </a:lnRef>
+          <a:fillRef idx="0">
+            <a:schemeClr val="accent1"/>
+          </a:fillRef>
+          <a:effectRef idx="0">
+            <a:schemeClr val="accent1"/>
+          </a:effectRef>
+          <a:fontRef idx="minor">
+            <a:schemeClr val="tx1"/>
+          </a:fontRef>
+        </p:style>
+      </p:cxnSp>
+      <p:grpSp>
+        <p:nvGrpSpPr>
+          <p:cNvPr id="88" name="그룹 87">
+            <a:extLst>
+              <a:ext uri="{FF2B5EF4-FFF2-40B4-BE49-F238E27FC236}">
+                <a16:creationId xmlns:a16="http://schemas.microsoft.com/office/drawing/2014/main" id="{EA844F24-78F6-41A0-8B3B-20D96BD93ABD}"/>
+              </a:ext>
+            </a:extLst>
+          </p:cNvPr>
+          <p:cNvGrpSpPr/>
+          <p:nvPr/>
+        </p:nvGrpSpPr>
+        <p:grpSpPr>
+          <a:xfrm>
+            <a:off x="316794" y="4547895"/>
+            <a:ext cx="927326" cy="821521"/>
+            <a:chOff x="14078757" y="1118624"/>
+            <a:chExt cx="3198610" cy="2833658"/>
+          </a:xfrm>
+        </p:grpSpPr>
+        <p:sp>
+          <p:nvSpPr>
+            <p:cNvPr id="71" name="이등변 삼각형 70">
+              <a:extLst>
+                <a:ext uri="{FF2B5EF4-FFF2-40B4-BE49-F238E27FC236}">
+                  <a16:creationId xmlns:a16="http://schemas.microsoft.com/office/drawing/2014/main" id="{935DC789-9944-49A8-A8BE-57C01B09ACB2}"/>
+                </a:ext>
+              </a:extLst>
+            </p:cNvPr>
+            <p:cNvSpPr/>
+            <p:nvPr/>
+          </p:nvSpPr>
+          <p:spPr>
+            <a:xfrm>
+              <a:off x="14221279" y="1964384"/>
+              <a:ext cx="2963755" cy="1895565"/>
+            </a:xfrm>
+            <a:prstGeom prst="triangle">
+              <a:avLst/>
+            </a:prstGeom>
+          </p:spPr>
+          <p:style>
+            <a:lnRef idx="2">
+              <a:schemeClr val="dk1"/>
+            </a:lnRef>
+            <a:fillRef idx="1">
+              <a:schemeClr val="lt1"/>
+            </a:fillRef>
+            <a:effectRef idx="0">
+              <a:schemeClr val="dk1"/>
+            </a:effectRef>
+            <a:fontRef idx="minor">
+              <a:schemeClr val="dk1"/>
+            </a:fontRef>
+          </p:style>
+          <p:txBody>
+            <a:bodyPr rtlCol="0" anchor="ctr"/>
+            <a:lstStyle/>
+            <a:p>
+              <a:pPr algn="ctr"/>
+              <a:endParaRPr lang="en-US"/>
+            </a:p>
+          </p:txBody>
+        </p:sp>
+        <p:sp>
+          <p:nvSpPr>
+            <p:cNvPr id="72" name="타원 71">
+              <a:extLst>
+                <a:ext uri="{FF2B5EF4-FFF2-40B4-BE49-F238E27FC236}">
+                  <a16:creationId xmlns:a16="http://schemas.microsoft.com/office/drawing/2014/main" id="{DA90358F-AE14-4921-95DF-3112269BD094}"/>
+                </a:ext>
+              </a:extLst>
+            </p:cNvPr>
+            <p:cNvSpPr/>
+            <p:nvPr/>
+          </p:nvSpPr>
+          <p:spPr>
+            <a:xfrm>
+              <a:off x="15597732" y="1896588"/>
+              <a:ext cx="184666" cy="184666"/>
+            </a:xfrm>
+            <a:prstGeom prst="ellipse">
+              <a:avLst/>
+            </a:prstGeom>
+            <a:solidFill>
+              <a:schemeClr val="bg1"/>
+            </a:solidFill>
+            <a:ln w="28575">
+              <a:solidFill>
+                <a:srgbClr val="FF0000"/>
+              </a:solidFill>
+            </a:ln>
+          </p:spPr>
+          <p:style>
+            <a:lnRef idx="2">
+              <a:schemeClr val="accent1">
+                <a:shade val="50000"/>
+              </a:schemeClr>
+            </a:lnRef>
+            <a:fillRef idx="1">
+              <a:schemeClr val="accent1"/>
+            </a:fillRef>
+            <a:effectRef idx="0">
+              <a:schemeClr val="accent1"/>
+            </a:effectRef>
+            <a:fontRef idx="minor">
+              <a:schemeClr val="lt1"/>
+            </a:fontRef>
+          </p:style>
+          <p:txBody>
+            <a:bodyPr rtlCol="0" anchor="ctr"/>
+            <a:lstStyle/>
+            <a:p>
+              <a:pPr algn="ctr"/>
+              <a:endParaRPr lang="en-US"/>
+            </a:p>
+          </p:txBody>
+        </p:sp>
+        <p:sp>
+          <p:nvSpPr>
+            <p:cNvPr id="73" name="타원 72">
+              <a:extLst>
+                <a:ext uri="{FF2B5EF4-FFF2-40B4-BE49-F238E27FC236}">
+                  <a16:creationId xmlns:a16="http://schemas.microsoft.com/office/drawing/2014/main" id="{480633C1-1041-4D01-B2AF-33C27FA1992C}"/>
+                </a:ext>
+              </a:extLst>
+            </p:cNvPr>
+            <p:cNvSpPr/>
+            <p:nvPr/>
+          </p:nvSpPr>
+          <p:spPr>
+            <a:xfrm>
+              <a:off x="14128946" y="3767616"/>
+              <a:ext cx="184666" cy="184666"/>
+            </a:xfrm>
+            <a:prstGeom prst="ellipse">
+              <a:avLst/>
+            </a:prstGeom>
+            <a:solidFill>
+              <a:schemeClr val="bg1"/>
+            </a:solidFill>
+            <a:ln w="28575">
+              <a:solidFill>
+                <a:srgbClr val="FF0000"/>
+              </a:solidFill>
+            </a:ln>
+          </p:spPr>
+          <p:style>
+            <a:lnRef idx="2">
+              <a:schemeClr val="accent1">
+                <a:shade val="50000"/>
+              </a:schemeClr>
+            </a:lnRef>
+            <a:fillRef idx="1">
+              <a:schemeClr val="accent1"/>
+            </a:fillRef>
+            <a:effectRef idx="0">
+              <a:schemeClr val="accent1"/>
+            </a:effectRef>
+            <a:fontRef idx="minor">
+              <a:schemeClr val="lt1"/>
+            </a:fontRef>
+          </p:style>
+          <p:txBody>
+            <a:bodyPr rtlCol="0" anchor="ctr"/>
+            <a:lstStyle/>
+            <a:p>
+              <a:pPr algn="ctr"/>
+              <a:endParaRPr lang="en-US"/>
+            </a:p>
+          </p:txBody>
+        </p:sp>
+        <p:sp>
+          <p:nvSpPr>
+            <p:cNvPr id="74" name="타원 73">
+              <a:extLst>
+                <a:ext uri="{FF2B5EF4-FFF2-40B4-BE49-F238E27FC236}">
+                  <a16:creationId xmlns:a16="http://schemas.microsoft.com/office/drawing/2014/main" id="{A04F9A7C-E971-4BBA-9B8B-0D41F27023FB}"/>
+                </a:ext>
+              </a:extLst>
+            </p:cNvPr>
+            <p:cNvSpPr/>
+            <p:nvPr/>
+          </p:nvSpPr>
+          <p:spPr>
+            <a:xfrm>
+              <a:off x="17092701" y="3767616"/>
+              <a:ext cx="184666" cy="184666"/>
+            </a:xfrm>
+            <a:prstGeom prst="ellipse">
+              <a:avLst/>
+            </a:prstGeom>
+            <a:solidFill>
+              <a:schemeClr val="bg1"/>
+            </a:solidFill>
+            <a:ln w="28575">
+              <a:solidFill>
+                <a:srgbClr val="FF0000"/>
+              </a:solidFill>
+            </a:ln>
+          </p:spPr>
+          <p:style>
+            <a:lnRef idx="2">
+              <a:schemeClr val="accent1">
+                <a:shade val="50000"/>
+              </a:schemeClr>
+            </a:lnRef>
+            <a:fillRef idx="1">
+              <a:schemeClr val="accent1"/>
+            </a:fillRef>
+            <a:effectRef idx="0">
+              <a:schemeClr val="accent1"/>
+            </a:effectRef>
+            <a:fontRef idx="minor">
+              <a:schemeClr val="lt1"/>
+            </a:fontRef>
+          </p:style>
+          <p:txBody>
+            <a:bodyPr rtlCol="0" anchor="ctr"/>
+            <a:lstStyle/>
+            <a:p>
+              <a:pPr algn="ctr"/>
+              <a:endParaRPr lang="en-US"/>
+            </a:p>
+          </p:txBody>
+        </p:sp>
+        <p:cxnSp>
+          <p:nvCxnSpPr>
+            <p:cNvPr id="76" name="직선 화살표 연결선 75">
+              <a:extLst>
+                <a:ext uri="{FF2B5EF4-FFF2-40B4-BE49-F238E27FC236}">
+                  <a16:creationId xmlns:a16="http://schemas.microsoft.com/office/drawing/2014/main" id="{606BF61E-DE26-4587-B724-CDCC899884EB}"/>
+                </a:ext>
+              </a:extLst>
+            </p:cNvPr>
+            <p:cNvCxnSpPr>
+              <a:cxnSpLocks/>
+            </p:cNvCxnSpPr>
+            <p:nvPr/>
+          </p:nvCxnSpPr>
+          <p:spPr>
+            <a:xfrm flipV="1">
+              <a:off x="15690065" y="1118624"/>
+              <a:ext cx="0" cy="881494"/>
+            </a:xfrm>
+            <a:prstGeom prst="straightConnector1">
+              <a:avLst/>
+            </a:prstGeom>
+            <a:ln w="28575">
+              <a:solidFill>
+                <a:schemeClr val="tx1"/>
+              </a:solidFill>
+              <a:tailEnd type="triangle"/>
+            </a:ln>
+          </p:spPr>
+          <p:style>
+            <a:lnRef idx="1">
+              <a:schemeClr val="accent1"/>
+            </a:lnRef>
+            <a:fillRef idx="0">
+              <a:schemeClr val="accent1"/>
+            </a:fillRef>
+            <a:effectRef idx="0">
+              <a:schemeClr val="accent1"/>
+            </a:effectRef>
+            <a:fontRef idx="minor">
+              <a:schemeClr val="tx1"/>
+            </a:fontRef>
+          </p:style>
+        </p:cxnSp>
+        <p:cxnSp>
+          <p:nvCxnSpPr>
+            <p:cNvPr id="77" name="직선 화살표 연결선 76">
+              <a:extLst>
+                <a:ext uri="{FF2B5EF4-FFF2-40B4-BE49-F238E27FC236}">
+                  <a16:creationId xmlns:a16="http://schemas.microsoft.com/office/drawing/2014/main" id="{1BB6F501-B8E2-449C-AA92-E2AC78A1D935}"/>
+                </a:ext>
+              </a:extLst>
+            </p:cNvPr>
+            <p:cNvCxnSpPr/>
+            <p:nvPr/>
+          </p:nvCxnSpPr>
+          <p:spPr>
+            <a:xfrm flipH="1" flipV="1">
+              <a:off x="14078757" y="3054941"/>
+              <a:ext cx="134114" cy="805008"/>
+            </a:xfrm>
+            <a:prstGeom prst="straightConnector1">
+              <a:avLst/>
+            </a:prstGeom>
+            <a:ln w="28575">
+              <a:solidFill>
+                <a:schemeClr val="tx1"/>
+              </a:solidFill>
+              <a:tailEnd type="triangle"/>
+            </a:ln>
+          </p:spPr>
+          <p:style>
+            <a:lnRef idx="1">
+              <a:schemeClr val="accent1"/>
+            </a:lnRef>
+            <a:fillRef idx="0">
+              <a:schemeClr val="accent1"/>
+            </a:fillRef>
+            <a:effectRef idx="0">
+              <a:schemeClr val="accent1"/>
+            </a:effectRef>
+            <a:fontRef idx="minor">
+              <a:schemeClr val="tx1"/>
+            </a:fontRef>
+          </p:style>
+        </p:cxnSp>
+        <p:cxnSp>
+          <p:nvCxnSpPr>
+            <p:cNvPr id="78" name="직선 화살표 연결선 77">
+              <a:extLst>
+                <a:ext uri="{FF2B5EF4-FFF2-40B4-BE49-F238E27FC236}">
+                  <a16:creationId xmlns:a16="http://schemas.microsoft.com/office/drawing/2014/main" id="{32B96994-88C3-4C5B-B562-833A1386BBF8}"/>
+                </a:ext>
+              </a:extLst>
+            </p:cNvPr>
+            <p:cNvCxnSpPr>
+              <a:cxnSpLocks/>
+            </p:cNvCxnSpPr>
+            <p:nvPr/>
+          </p:nvCxnSpPr>
+          <p:spPr>
+            <a:xfrm flipV="1">
+              <a:off x="17193442" y="3054941"/>
+              <a:ext cx="83925" cy="805008"/>
+            </a:xfrm>
+            <a:prstGeom prst="straightConnector1">
+              <a:avLst/>
+            </a:prstGeom>
+            <a:ln w="28575">
+              <a:solidFill>
+                <a:schemeClr val="tx1"/>
+              </a:solidFill>
+              <a:tailEnd type="triangle"/>
+            </a:ln>
+          </p:spPr>
+          <p:style>
+            <a:lnRef idx="1">
+              <a:schemeClr val="accent1"/>
+            </a:lnRef>
+            <a:fillRef idx="0">
+              <a:schemeClr val="accent1"/>
+            </a:fillRef>
+            <a:effectRef idx="0">
+              <a:schemeClr val="accent1"/>
+            </a:effectRef>
+            <a:fontRef idx="minor">
+              <a:schemeClr val="tx1"/>
+            </a:fontRef>
+          </p:style>
+        </p:cxnSp>
+      </p:grpSp>
+      <p:grpSp>
+        <p:nvGrpSpPr>
+          <p:cNvPr id="262" name="그룹 261">
+            <a:extLst>
+              <a:ext uri="{FF2B5EF4-FFF2-40B4-BE49-F238E27FC236}">
+                <a16:creationId xmlns:a16="http://schemas.microsoft.com/office/drawing/2014/main" id="{4A7C5F7F-B741-43E7-9F56-50E05E08AEA4}"/>
+              </a:ext>
+            </a:extLst>
+          </p:cNvPr>
+          <p:cNvGrpSpPr/>
+          <p:nvPr/>
+        </p:nvGrpSpPr>
+        <p:grpSpPr>
+          <a:xfrm>
+            <a:off x="11702944" y="4108328"/>
+            <a:ext cx="1866066" cy="1653153"/>
+            <a:chOff x="11702317" y="5093967"/>
+            <a:chExt cx="1866066" cy="1653153"/>
+          </a:xfrm>
+        </p:grpSpPr>
+        <p:sp>
+          <p:nvSpPr>
+            <p:cNvPr id="90" name="이등변 삼각형 89">
+              <a:extLst>
+                <a:ext uri="{FF2B5EF4-FFF2-40B4-BE49-F238E27FC236}">
+                  <a16:creationId xmlns:a16="http://schemas.microsoft.com/office/drawing/2014/main" id="{6B50A6B7-A807-4602-836A-1BC44C6697E6}"/>
+                </a:ext>
+              </a:extLst>
+            </p:cNvPr>
+            <p:cNvSpPr/>
+            <p:nvPr/>
+          </p:nvSpPr>
+          <p:spPr>
+            <a:xfrm>
+              <a:off x="11785464" y="5587382"/>
+              <a:ext cx="1729052" cy="1105871"/>
+            </a:xfrm>
+            <a:prstGeom prst="triangle">
+              <a:avLst/>
+            </a:prstGeom>
+          </p:spPr>
+          <p:style>
+            <a:lnRef idx="2">
+              <a:schemeClr val="dk1"/>
+            </a:lnRef>
+            <a:fillRef idx="1">
+              <a:schemeClr val="lt1"/>
+            </a:fillRef>
+            <a:effectRef idx="0">
+              <a:schemeClr val="dk1"/>
+            </a:effectRef>
+            <a:fontRef idx="minor">
+              <a:schemeClr val="dk1"/>
+            </a:fontRef>
+          </p:style>
+          <p:txBody>
+            <a:bodyPr rtlCol="0" anchor="ctr"/>
+            <a:lstStyle/>
+            <a:p>
+              <a:pPr algn="ctr"/>
+              <a:endParaRPr lang="en-US"/>
+            </a:p>
+          </p:txBody>
+        </p:sp>
+        <p:sp>
+          <p:nvSpPr>
+            <p:cNvPr id="92" name="타원 91">
+              <a:extLst>
+                <a:ext uri="{FF2B5EF4-FFF2-40B4-BE49-F238E27FC236}">
+                  <a16:creationId xmlns:a16="http://schemas.microsoft.com/office/drawing/2014/main" id="{37B65D61-458B-4663-8215-D95F8AEC0832}"/>
+                </a:ext>
+              </a:extLst>
+            </p:cNvPr>
+            <p:cNvSpPr/>
+            <p:nvPr/>
+          </p:nvSpPr>
+          <p:spPr>
+            <a:xfrm>
+              <a:off x="11731597" y="6639386"/>
+              <a:ext cx="107734" cy="107734"/>
+            </a:xfrm>
+            <a:prstGeom prst="ellipse">
+              <a:avLst/>
+            </a:prstGeom>
+            <a:solidFill>
+              <a:schemeClr val="bg1"/>
+            </a:solidFill>
+            <a:ln w="28575">
+              <a:solidFill>
+                <a:srgbClr val="FF0000"/>
+              </a:solidFill>
+            </a:ln>
+          </p:spPr>
+          <p:style>
+            <a:lnRef idx="2">
+              <a:schemeClr val="accent1">
+                <a:shade val="50000"/>
+              </a:schemeClr>
+            </a:lnRef>
+            <a:fillRef idx="1">
+              <a:schemeClr val="accent1"/>
+            </a:fillRef>
+            <a:effectRef idx="0">
+              <a:schemeClr val="accent1"/>
+            </a:effectRef>
+            <a:fontRef idx="minor">
+              <a:schemeClr val="lt1"/>
+            </a:fontRef>
+          </p:style>
+          <p:txBody>
+            <a:bodyPr rtlCol="0" anchor="ctr"/>
+            <a:lstStyle/>
+            <a:p>
+              <a:pPr algn="ctr"/>
+              <a:endParaRPr lang="en-US"/>
+            </a:p>
+          </p:txBody>
+        </p:sp>
+        <p:sp>
+          <p:nvSpPr>
+            <p:cNvPr id="93" name="타원 92">
+              <a:extLst>
+                <a:ext uri="{FF2B5EF4-FFF2-40B4-BE49-F238E27FC236}">
+                  <a16:creationId xmlns:a16="http://schemas.microsoft.com/office/drawing/2014/main" id="{375B2787-2129-40EB-AEBC-3704A3040F32}"/>
+                </a:ext>
+              </a:extLst>
+            </p:cNvPr>
+            <p:cNvSpPr/>
+            <p:nvPr/>
+          </p:nvSpPr>
+          <p:spPr>
+            <a:xfrm>
+              <a:off x="13460649" y="6639386"/>
+              <a:ext cx="107734" cy="107734"/>
+            </a:xfrm>
+            <a:prstGeom prst="ellipse">
+              <a:avLst/>
+            </a:prstGeom>
+            <a:solidFill>
+              <a:schemeClr val="bg1"/>
+            </a:solidFill>
+            <a:ln w="28575">
+              <a:solidFill>
+                <a:srgbClr val="FF0000"/>
+              </a:solidFill>
+            </a:ln>
+          </p:spPr>
+          <p:style>
+            <a:lnRef idx="2">
+              <a:schemeClr val="accent1">
+                <a:shade val="50000"/>
+              </a:schemeClr>
+            </a:lnRef>
+            <a:fillRef idx="1">
+              <a:schemeClr val="accent1"/>
+            </a:fillRef>
+            <a:effectRef idx="0">
+              <a:schemeClr val="accent1"/>
+            </a:effectRef>
+            <a:fontRef idx="minor">
+              <a:schemeClr val="lt1"/>
+            </a:fontRef>
+          </p:style>
+          <p:txBody>
+            <a:bodyPr rtlCol="0" anchor="ctr"/>
+            <a:lstStyle/>
+            <a:p>
+              <a:pPr algn="ctr"/>
+              <a:endParaRPr lang="en-US"/>
+            </a:p>
+          </p:txBody>
+        </p:sp>
+        <p:grpSp>
+          <p:nvGrpSpPr>
+            <p:cNvPr id="99" name="그룹 98">
+              <a:extLst>
+                <a:ext uri="{FF2B5EF4-FFF2-40B4-BE49-F238E27FC236}">
+                  <a16:creationId xmlns:a16="http://schemas.microsoft.com/office/drawing/2014/main" id="{570BDCC4-3F59-4A27-9740-46FA0A1CCEB6}"/>
+                </a:ext>
+              </a:extLst>
+            </p:cNvPr>
+            <p:cNvGrpSpPr/>
+            <p:nvPr/>
+          </p:nvGrpSpPr>
+          <p:grpSpPr>
+            <a:xfrm>
+              <a:off x="12588486" y="5093967"/>
+              <a:ext cx="107734" cy="561597"/>
+              <a:chOff x="12588486" y="5093967"/>
+              <a:chExt cx="107734" cy="561597"/>
+            </a:xfrm>
+          </p:grpSpPr>
+          <p:sp>
+            <p:nvSpPr>
+              <p:cNvPr id="91" name="타원 90">
+                <a:extLst>
+                  <a:ext uri="{FF2B5EF4-FFF2-40B4-BE49-F238E27FC236}">
+                    <a16:creationId xmlns:a16="http://schemas.microsoft.com/office/drawing/2014/main" id="{080D76FE-235D-4EE9-9DF9-1328BA102A94}"/>
+                  </a:ext>
+                </a:extLst>
+              </p:cNvPr>
+              <p:cNvSpPr/>
+              <p:nvPr/>
+            </p:nvSpPr>
+            <p:spPr>
+              <a:xfrm>
+                <a:off x="12588486" y="5547830"/>
+                <a:ext cx="107734" cy="107734"/>
+              </a:xfrm>
+              <a:prstGeom prst="ellipse">
+                <a:avLst/>
+              </a:prstGeom>
+              <a:solidFill>
+                <a:schemeClr val="bg1"/>
+              </a:solidFill>
+              <a:ln w="28575">
+                <a:solidFill>
+                  <a:srgbClr val="FF0000"/>
+                </a:solidFill>
+              </a:ln>
+            </p:spPr>
+            <p:style>
+              <a:lnRef idx="2">
+                <a:schemeClr val="accent1">
+                  <a:shade val="50000"/>
+                </a:schemeClr>
+              </a:lnRef>
+              <a:fillRef idx="1">
+                <a:schemeClr val="accent1"/>
+              </a:fillRef>
+              <a:effectRef idx="0">
+                <a:schemeClr val="accent1"/>
+              </a:effectRef>
+              <a:fontRef idx="minor">
+                <a:schemeClr val="lt1"/>
+              </a:fontRef>
+            </p:style>
+            <p:txBody>
+              <a:bodyPr rtlCol="0" anchor="ctr"/>
+              <a:lstStyle/>
+              <a:p>
+                <a:pPr algn="ctr"/>
+                <a:endParaRPr lang="en-US"/>
+              </a:p>
+            </p:txBody>
+          </p:sp>
+          <p:cxnSp>
+            <p:nvCxnSpPr>
+              <p:cNvPr id="94" name="직선 화살표 연결선 93">
+                <a:extLst>
+                  <a:ext uri="{FF2B5EF4-FFF2-40B4-BE49-F238E27FC236}">
+                    <a16:creationId xmlns:a16="http://schemas.microsoft.com/office/drawing/2014/main" id="{7DA159C9-47FB-446D-AD25-77B084B6FF24}"/>
+                  </a:ext>
+                </a:extLst>
+              </p:cNvPr>
+              <p:cNvCxnSpPr>
+                <a:cxnSpLocks/>
+              </p:cNvCxnSpPr>
+              <p:nvPr/>
+            </p:nvCxnSpPr>
+            <p:spPr>
+              <a:xfrm flipV="1">
+                <a:off x="12642353" y="5093967"/>
+                <a:ext cx="0" cy="514263"/>
+              </a:xfrm>
+              <a:prstGeom prst="straightConnector1">
+                <a:avLst/>
+              </a:prstGeom>
+              <a:ln w="28575">
+                <a:solidFill>
+                  <a:schemeClr val="tx1"/>
+                </a:solidFill>
+                <a:tailEnd type="triangle"/>
+              </a:ln>
+            </p:spPr>
+            <p:style>
+              <a:lnRef idx="1">
+                <a:schemeClr val="accent1"/>
+              </a:lnRef>
+              <a:fillRef idx="0">
+                <a:schemeClr val="accent1"/>
+              </a:fillRef>
+              <a:effectRef idx="0">
+                <a:schemeClr val="accent1"/>
+              </a:effectRef>
+              <a:fontRef idx="minor">
+                <a:schemeClr val="tx1"/>
+              </a:fontRef>
+            </p:style>
+          </p:cxnSp>
+        </p:grpSp>
+        <p:cxnSp>
+          <p:nvCxnSpPr>
+            <p:cNvPr id="95" name="직선 화살표 연결선 94">
+              <a:extLst>
+                <a:ext uri="{FF2B5EF4-FFF2-40B4-BE49-F238E27FC236}">
+                  <a16:creationId xmlns:a16="http://schemas.microsoft.com/office/drawing/2014/main" id="{B6E0B615-B47A-464D-8A04-05C7716E5B03}"/>
+                </a:ext>
+              </a:extLst>
+            </p:cNvPr>
+            <p:cNvCxnSpPr/>
+            <p:nvPr/>
+          </p:nvCxnSpPr>
+          <p:spPr>
+            <a:xfrm flipH="1" flipV="1">
+              <a:off x="11702317" y="6223612"/>
+              <a:ext cx="78242" cy="469641"/>
+            </a:xfrm>
+            <a:prstGeom prst="straightConnector1">
+              <a:avLst/>
+            </a:prstGeom>
+            <a:ln w="28575">
+              <a:solidFill>
+                <a:schemeClr val="tx1"/>
+              </a:solidFill>
+              <a:tailEnd type="triangle"/>
+            </a:ln>
+          </p:spPr>
+          <p:style>
+            <a:lnRef idx="1">
+              <a:schemeClr val="accent1"/>
+            </a:lnRef>
+            <a:fillRef idx="0">
+              <a:schemeClr val="accent1"/>
+            </a:fillRef>
+            <a:effectRef idx="0">
+              <a:schemeClr val="accent1"/>
+            </a:effectRef>
+            <a:fontRef idx="minor">
+              <a:schemeClr val="tx1"/>
+            </a:fontRef>
+          </p:style>
+        </p:cxnSp>
+        <p:cxnSp>
+          <p:nvCxnSpPr>
+            <p:cNvPr id="96" name="직선 화살표 연결선 95">
+              <a:extLst>
+                <a:ext uri="{FF2B5EF4-FFF2-40B4-BE49-F238E27FC236}">
+                  <a16:creationId xmlns:a16="http://schemas.microsoft.com/office/drawing/2014/main" id="{B40EB629-CFFD-4201-B1B1-439F7D211CF4}"/>
+                </a:ext>
+              </a:extLst>
+            </p:cNvPr>
+            <p:cNvCxnSpPr>
+              <a:cxnSpLocks/>
+            </p:cNvCxnSpPr>
+            <p:nvPr/>
+          </p:nvCxnSpPr>
+          <p:spPr>
+            <a:xfrm flipV="1">
+              <a:off x="13519421" y="6223612"/>
+              <a:ext cx="48962" cy="469641"/>
+            </a:xfrm>
+            <a:prstGeom prst="straightConnector1">
+              <a:avLst/>
+            </a:prstGeom>
+            <a:ln w="28575">
+              <a:solidFill>
+                <a:schemeClr val="tx1"/>
+              </a:solidFill>
+              <a:tailEnd type="triangle"/>
+            </a:ln>
+          </p:spPr>
+          <p:style>
+            <a:lnRef idx="1">
+              <a:schemeClr val="accent1"/>
+            </a:lnRef>
+            <a:fillRef idx="0">
+              <a:schemeClr val="accent1"/>
+            </a:fillRef>
+            <a:effectRef idx="0">
+              <a:schemeClr val="accent1"/>
+            </a:effectRef>
+            <a:fontRef idx="minor">
+              <a:schemeClr val="tx1"/>
+            </a:fontRef>
+          </p:style>
+        </p:cxnSp>
+        <p:grpSp>
+          <p:nvGrpSpPr>
+            <p:cNvPr id="100" name="그룹 99">
+              <a:extLst>
+                <a:ext uri="{FF2B5EF4-FFF2-40B4-BE49-F238E27FC236}">
+                  <a16:creationId xmlns:a16="http://schemas.microsoft.com/office/drawing/2014/main" id="{1E51BBEB-7BAD-40DB-A26B-979B7C79B1A5}"/>
+                </a:ext>
+              </a:extLst>
+            </p:cNvPr>
+            <p:cNvGrpSpPr/>
+            <p:nvPr/>
+          </p:nvGrpSpPr>
+          <p:grpSpPr>
+            <a:xfrm>
+              <a:off x="12588486" y="5295003"/>
+              <a:ext cx="107734" cy="540761"/>
+              <a:chOff x="12588486" y="5114803"/>
+              <a:chExt cx="107734" cy="540761"/>
+            </a:xfrm>
+          </p:grpSpPr>
+          <p:sp>
+            <p:nvSpPr>
+              <p:cNvPr id="101" name="타원 100">
+                <a:extLst>
+                  <a:ext uri="{FF2B5EF4-FFF2-40B4-BE49-F238E27FC236}">
+                    <a16:creationId xmlns:a16="http://schemas.microsoft.com/office/drawing/2014/main" id="{152E4D46-F030-4831-8AB9-21CB2A3A3ACB}"/>
+                  </a:ext>
+                </a:extLst>
+              </p:cNvPr>
+              <p:cNvSpPr/>
+              <p:nvPr/>
+            </p:nvSpPr>
+            <p:spPr>
+              <a:xfrm>
+                <a:off x="12588486" y="5547830"/>
+                <a:ext cx="107734" cy="107734"/>
+              </a:xfrm>
+              <a:prstGeom prst="ellipse">
+                <a:avLst/>
+              </a:prstGeom>
+              <a:solidFill>
+                <a:schemeClr val="bg1"/>
+              </a:solidFill>
+              <a:ln w="28575">
+                <a:solidFill>
+                  <a:srgbClr val="FF0000"/>
+                </a:solidFill>
+              </a:ln>
+            </p:spPr>
+            <p:style>
+              <a:lnRef idx="2">
+                <a:schemeClr val="accent1">
+                  <a:shade val="50000"/>
+                </a:schemeClr>
+              </a:lnRef>
+              <a:fillRef idx="1">
+                <a:schemeClr val="accent1"/>
+              </a:fillRef>
+              <a:effectRef idx="0">
+                <a:schemeClr val="accent1"/>
+              </a:effectRef>
+              <a:fontRef idx="minor">
+                <a:schemeClr val="lt1"/>
+              </a:fontRef>
+            </p:style>
+            <p:txBody>
+              <a:bodyPr rtlCol="0" anchor="ctr"/>
+              <a:lstStyle/>
+              <a:p>
+                <a:pPr algn="ctr"/>
+                <a:endParaRPr lang="en-US"/>
+              </a:p>
+            </p:txBody>
+          </p:sp>
+          <p:cxnSp>
+            <p:nvCxnSpPr>
+              <p:cNvPr id="102" name="직선 화살표 연결선 101">
+                <a:extLst>
+                  <a:ext uri="{FF2B5EF4-FFF2-40B4-BE49-F238E27FC236}">
+                    <a16:creationId xmlns:a16="http://schemas.microsoft.com/office/drawing/2014/main" id="{4A2668FD-A20C-4CF4-9D87-7E4A2E741E91}"/>
+                  </a:ext>
+                </a:extLst>
+              </p:cNvPr>
+              <p:cNvCxnSpPr>
+                <a:cxnSpLocks/>
+              </p:cNvCxnSpPr>
+              <p:nvPr/>
+            </p:nvCxnSpPr>
+            <p:spPr>
+              <a:xfrm flipH="1" flipV="1">
+                <a:off x="12620130" y="5114803"/>
+                <a:ext cx="22223" cy="493428"/>
+              </a:xfrm>
+              <a:prstGeom prst="straightConnector1">
+                <a:avLst/>
+              </a:prstGeom>
+              <a:ln w="28575">
+                <a:solidFill>
+                  <a:schemeClr val="tx1"/>
+                </a:solidFill>
+                <a:tailEnd type="triangle"/>
+              </a:ln>
+            </p:spPr>
+            <p:style>
+              <a:lnRef idx="1">
+                <a:schemeClr val="accent1"/>
+              </a:lnRef>
+              <a:fillRef idx="0">
+                <a:schemeClr val="accent1"/>
+              </a:fillRef>
+              <a:effectRef idx="0">
+                <a:schemeClr val="accent1"/>
+              </a:effectRef>
+              <a:fontRef idx="minor">
+                <a:schemeClr val="tx1"/>
+              </a:fontRef>
+            </p:style>
+          </p:cxnSp>
+        </p:grpSp>
+        <p:grpSp>
+          <p:nvGrpSpPr>
+            <p:cNvPr id="103" name="그룹 102">
+              <a:extLst>
+                <a:ext uri="{FF2B5EF4-FFF2-40B4-BE49-F238E27FC236}">
+                  <a16:creationId xmlns:a16="http://schemas.microsoft.com/office/drawing/2014/main" id="{0409F3F3-21B1-4C1F-88F6-786D5157E8A2}"/>
+                </a:ext>
+              </a:extLst>
+            </p:cNvPr>
+            <p:cNvGrpSpPr/>
+            <p:nvPr/>
+          </p:nvGrpSpPr>
+          <p:grpSpPr>
+            <a:xfrm>
+              <a:off x="12588486" y="5453052"/>
+              <a:ext cx="107734" cy="562912"/>
+              <a:chOff x="12588486" y="5092652"/>
+              <a:chExt cx="107734" cy="562912"/>
+            </a:xfrm>
+          </p:grpSpPr>
+          <p:sp>
+            <p:nvSpPr>
+              <p:cNvPr id="104" name="타원 103">
+                <a:extLst>
+                  <a:ext uri="{FF2B5EF4-FFF2-40B4-BE49-F238E27FC236}">
+                    <a16:creationId xmlns:a16="http://schemas.microsoft.com/office/drawing/2014/main" id="{E4E80675-4256-41D0-8EA7-C1AA61107161}"/>
+                  </a:ext>
+                </a:extLst>
+              </p:cNvPr>
+              <p:cNvSpPr/>
+              <p:nvPr/>
+            </p:nvSpPr>
+            <p:spPr>
+              <a:xfrm>
+                <a:off x="12588486" y="5547830"/>
+                <a:ext cx="107734" cy="107734"/>
+              </a:xfrm>
+              <a:prstGeom prst="ellipse">
+                <a:avLst/>
+              </a:prstGeom>
+              <a:solidFill>
+                <a:schemeClr val="bg1"/>
+              </a:solidFill>
+              <a:ln w="28575">
+                <a:solidFill>
+                  <a:srgbClr val="FF0000"/>
+                </a:solidFill>
+              </a:ln>
+            </p:spPr>
+            <p:style>
+              <a:lnRef idx="2">
+                <a:schemeClr val="accent1">
+                  <a:shade val="50000"/>
+                </a:schemeClr>
+              </a:lnRef>
+              <a:fillRef idx="1">
+                <a:schemeClr val="accent1"/>
+              </a:fillRef>
+              <a:effectRef idx="0">
+                <a:schemeClr val="accent1"/>
+              </a:effectRef>
+              <a:fontRef idx="minor">
+                <a:schemeClr val="lt1"/>
+              </a:fontRef>
+            </p:style>
+            <p:txBody>
+              <a:bodyPr rtlCol="0" anchor="ctr"/>
+              <a:lstStyle/>
+              <a:p>
+                <a:pPr algn="ctr"/>
+                <a:endParaRPr lang="en-US"/>
+              </a:p>
+            </p:txBody>
+          </p:sp>
+          <p:cxnSp>
+            <p:nvCxnSpPr>
+              <p:cNvPr id="105" name="직선 화살표 연결선 104">
+                <a:extLst>
+                  <a:ext uri="{FF2B5EF4-FFF2-40B4-BE49-F238E27FC236}">
+                    <a16:creationId xmlns:a16="http://schemas.microsoft.com/office/drawing/2014/main" id="{A364A5FB-8F01-4A49-B01C-3BCE5A9039B7}"/>
+                  </a:ext>
+                </a:extLst>
+              </p:cNvPr>
+              <p:cNvCxnSpPr>
+                <a:cxnSpLocks/>
+              </p:cNvCxnSpPr>
+              <p:nvPr/>
+            </p:nvCxnSpPr>
+            <p:spPr>
+              <a:xfrm flipH="1" flipV="1">
+                <a:off x="12620130" y="5092652"/>
+                <a:ext cx="22223" cy="515579"/>
+              </a:xfrm>
+              <a:prstGeom prst="straightConnector1">
+                <a:avLst/>
+              </a:prstGeom>
+              <a:ln w="28575">
+                <a:solidFill>
+                  <a:schemeClr val="tx1"/>
+                </a:solidFill>
+                <a:tailEnd type="triangle"/>
+              </a:ln>
+            </p:spPr>
+            <p:style>
+              <a:lnRef idx="1">
+                <a:schemeClr val="accent1"/>
+              </a:lnRef>
+              <a:fillRef idx="0">
+                <a:schemeClr val="accent1"/>
+              </a:fillRef>
+              <a:effectRef idx="0">
+                <a:schemeClr val="accent1"/>
+              </a:effectRef>
+              <a:fontRef idx="minor">
+                <a:schemeClr val="tx1"/>
+              </a:fontRef>
+            </p:style>
+          </p:cxnSp>
+        </p:grpSp>
+        <p:grpSp>
+          <p:nvGrpSpPr>
+            <p:cNvPr id="106" name="그룹 105">
+              <a:extLst>
+                <a:ext uri="{FF2B5EF4-FFF2-40B4-BE49-F238E27FC236}">
+                  <a16:creationId xmlns:a16="http://schemas.microsoft.com/office/drawing/2014/main" id="{057F1BAE-104A-4F3E-AFF0-254A763468E2}"/>
+                </a:ext>
+              </a:extLst>
+            </p:cNvPr>
+            <p:cNvGrpSpPr/>
+            <p:nvPr/>
+          </p:nvGrpSpPr>
+          <p:grpSpPr>
+            <a:xfrm>
+              <a:off x="12588486" y="5634567"/>
+              <a:ext cx="107734" cy="561597"/>
+              <a:chOff x="12588486" y="5093967"/>
+              <a:chExt cx="107734" cy="561597"/>
+            </a:xfrm>
+          </p:grpSpPr>
+          <p:sp>
+            <p:nvSpPr>
+              <p:cNvPr id="107" name="타원 106">
+                <a:extLst>
+                  <a:ext uri="{FF2B5EF4-FFF2-40B4-BE49-F238E27FC236}">
+                    <a16:creationId xmlns:a16="http://schemas.microsoft.com/office/drawing/2014/main" id="{1DF14BF3-FC34-489D-AA54-9EED3CF0B117}"/>
+                  </a:ext>
+                </a:extLst>
+              </p:cNvPr>
+              <p:cNvSpPr/>
+              <p:nvPr/>
+            </p:nvSpPr>
+            <p:spPr>
+              <a:xfrm>
+                <a:off x="12588486" y="5547830"/>
+                <a:ext cx="107734" cy="107734"/>
+              </a:xfrm>
+              <a:prstGeom prst="ellipse">
+                <a:avLst/>
+              </a:prstGeom>
+              <a:solidFill>
+                <a:schemeClr val="bg1"/>
+              </a:solidFill>
+              <a:ln w="28575">
+                <a:solidFill>
+                  <a:srgbClr val="FF0000"/>
+                </a:solidFill>
+              </a:ln>
+            </p:spPr>
+            <p:style>
+              <a:lnRef idx="2">
+                <a:schemeClr val="accent1">
+                  <a:shade val="50000"/>
+                </a:schemeClr>
+              </a:lnRef>
+              <a:fillRef idx="1">
+                <a:schemeClr val="accent1"/>
+              </a:fillRef>
+              <a:effectRef idx="0">
+                <a:schemeClr val="accent1"/>
+              </a:effectRef>
+              <a:fontRef idx="minor">
+                <a:schemeClr val="lt1"/>
+              </a:fontRef>
+            </p:style>
+            <p:txBody>
+              <a:bodyPr rtlCol="0" anchor="ctr"/>
+              <a:lstStyle/>
+              <a:p>
+                <a:pPr algn="ctr"/>
+                <a:endParaRPr lang="en-US"/>
+              </a:p>
+            </p:txBody>
+          </p:sp>
+          <p:cxnSp>
+            <p:nvCxnSpPr>
+              <p:cNvPr id="108" name="직선 화살표 연결선 107">
+                <a:extLst>
+                  <a:ext uri="{FF2B5EF4-FFF2-40B4-BE49-F238E27FC236}">
+                    <a16:creationId xmlns:a16="http://schemas.microsoft.com/office/drawing/2014/main" id="{5834B673-2EA2-4F35-AA4E-818BCB876BB0}"/>
+                  </a:ext>
+                </a:extLst>
+              </p:cNvPr>
+              <p:cNvCxnSpPr>
+                <a:cxnSpLocks/>
+              </p:cNvCxnSpPr>
+              <p:nvPr/>
+            </p:nvCxnSpPr>
+            <p:spPr>
+              <a:xfrm flipV="1">
+                <a:off x="12642353" y="5093967"/>
+                <a:ext cx="0" cy="514263"/>
+              </a:xfrm>
+              <a:prstGeom prst="straightConnector1">
+                <a:avLst/>
+              </a:prstGeom>
+              <a:ln w="28575">
+                <a:solidFill>
+                  <a:schemeClr val="tx1"/>
+                </a:solidFill>
+                <a:tailEnd type="triangle"/>
+              </a:ln>
+            </p:spPr>
+            <p:style>
+              <a:lnRef idx="1">
+                <a:schemeClr val="accent1"/>
+              </a:lnRef>
+              <a:fillRef idx="0">
+                <a:schemeClr val="accent1"/>
+              </a:fillRef>
+              <a:effectRef idx="0">
+                <a:schemeClr val="accent1"/>
+              </a:effectRef>
+              <a:fontRef idx="minor">
+                <a:schemeClr val="tx1"/>
+              </a:fontRef>
+            </p:style>
+          </p:cxnSp>
+        </p:grpSp>
+        <p:grpSp>
+          <p:nvGrpSpPr>
+            <p:cNvPr id="109" name="그룹 108">
+              <a:extLst>
+                <a:ext uri="{FF2B5EF4-FFF2-40B4-BE49-F238E27FC236}">
+                  <a16:creationId xmlns:a16="http://schemas.microsoft.com/office/drawing/2014/main" id="{A8A71B8B-9754-4F91-A10A-CE1BE7068E67}"/>
+                </a:ext>
+              </a:extLst>
+            </p:cNvPr>
+            <p:cNvGrpSpPr/>
+            <p:nvPr/>
+          </p:nvGrpSpPr>
+          <p:grpSpPr>
+            <a:xfrm>
+              <a:off x="12588486" y="5814767"/>
+              <a:ext cx="107734" cy="561597"/>
+              <a:chOff x="12588486" y="5093967"/>
+              <a:chExt cx="107734" cy="561597"/>
+            </a:xfrm>
+          </p:grpSpPr>
+          <p:sp>
+            <p:nvSpPr>
+              <p:cNvPr id="110" name="타원 109">
+                <a:extLst>
+                  <a:ext uri="{FF2B5EF4-FFF2-40B4-BE49-F238E27FC236}">
+                    <a16:creationId xmlns:a16="http://schemas.microsoft.com/office/drawing/2014/main" id="{47F29F3C-DE4D-4C8C-9A32-550D58AF0191}"/>
+                  </a:ext>
+                </a:extLst>
+              </p:cNvPr>
+              <p:cNvSpPr/>
+              <p:nvPr/>
+            </p:nvSpPr>
+            <p:spPr>
+              <a:xfrm>
+                <a:off x="12588486" y="5547830"/>
+                <a:ext cx="107734" cy="107734"/>
+              </a:xfrm>
+              <a:prstGeom prst="ellipse">
+                <a:avLst/>
+              </a:prstGeom>
+              <a:solidFill>
+                <a:schemeClr val="bg1"/>
+              </a:solidFill>
+              <a:ln w="28575">
+                <a:solidFill>
+                  <a:srgbClr val="FF0000"/>
+                </a:solidFill>
+              </a:ln>
+            </p:spPr>
+            <p:style>
+              <a:lnRef idx="2">
+                <a:schemeClr val="accent1">
+                  <a:shade val="50000"/>
+                </a:schemeClr>
+              </a:lnRef>
+              <a:fillRef idx="1">
+                <a:schemeClr val="accent1"/>
+              </a:fillRef>
+              <a:effectRef idx="0">
+                <a:schemeClr val="accent1"/>
+              </a:effectRef>
+              <a:fontRef idx="minor">
+                <a:schemeClr val="lt1"/>
+              </a:fontRef>
+            </p:style>
+            <p:txBody>
+              <a:bodyPr rtlCol="0" anchor="ctr"/>
+              <a:lstStyle/>
+              <a:p>
+                <a:pPr algn="ctr"/>
+                <a:endParaRPr lang="en-US"/>
+              </a:p>
+            </p:txBody>
+          </p:sp>
+          <p:cxnSp>
+            <p:nvCxnSpPr>
+              <p:cNvPr id="111" name="직선 화살표 연결선 110">
+                <a:extLst>
+                  <a:ext uri="{FF2B5EF4-FFF2-40B4-BE49-F238E27FC236}">
+                    <a16:creationId xmlns:a16="http://schemas.microsoft.com/office/drawing/2014/main" id="{F077CAC8-6695-4683-B891-2E2F9E82394C}"/>
+                  </a:ext>
+                </a:extLst>
+              </p:cNvPr>
+              <p:cNvCxnSpPr>
+                <a:cxnSpLocks/>
+              </p:cNvCxnSpPr>
+              <p:nvPr/>
+            </p:nvCxnSpPr>
+            <p:spPr>
+              <a:xfrm flipV="1">
+                <a:off x="12642353" y="5093967"/>
+                <a:ext cx="0" cy="514263"/>
+              </a:xfrm>
+              <a:prstGeom prst="straightConnector1">
+                <a:avLst/>
+              </a:prstGeom>
+              <a:ln w="28575">
+                <a:solidFill>
+                  <a:schemeClr val="tx1"/>
+                </a:solidFill>
+                <a:tailEnd type="triangle"/>
+              </a:ln>
+            </p:spPr>
+            <p:style>
+              <a:lnRef idx="1">
+                <a:schemeClr val="accent1"/>
+              </a:lnRef>
+              <a:fillRef idx="0">
+                <a:schemeClr val="accent1"/>
+              </a:fillRef>
+              <a:effectRef idx="0">
+                <a:schemeClr val="accent1"/>
+              </a:effectRef>
+              <a:fontRef idx="minor">
+                <a:schemeClr val="tx1"/>
+              </a:fontRef>
+            </p:style>
+          </p:cxnSp>
+        </p:grpSp>
+        <p:grpSp>
+          <p:nvGrpSpPr>
+            <p:cNvPr id="112" name="그룹 111">
+              <a:extLst>
+                <a:ext uri="{FF2B5EF4-FFF2-40B4-BE49-F238E27FC236}">
+                  <a16:creationId xmlns:a16="http://schemas.microsoft.com/office/drawing/2014/main" id="{9964BC70-F283-4157-9F27-B37D22FC4455}"/>
+                </a:ext>
+              </a:extLst>
+            </p:cNvPr>
+            <p:cNvGrpSpPr/>
+            <p:nvPr/>
+          </p:nvGrpSpPr>
+          <p:grpSpPr>
+            <a:xfrm>
+              <a:off x="12588486" y="5994967"/>
+              <a:ext cx="107734" cy="561597"/>
+              <a:chOff x="12588486" y="5093967"/>
+              <a:chExt cx="107734" cy="561597"/>
+            </a:xfrm>
+          </p:grpSpPr>
+          <p:sp>
+            <p:nvSpPr>
+              <p:cNvPr id="113" name="타원 112">
+                <a:extLst>
+                  <a:ext uri="{FF2B5EF4-FFF2-40B4-BE49-F238E27FC236}">
+                    <a16:creationId xmlns:a16="http://schemas.microsoft.com/office/drawing/2014/main" id="{A7BC4723-BA5B-4212-BE05-DC082892BB68}"/>
+                  </a:ext>
+                </a:extLst>
+              </p:cNvPr>
+              <p:cNvSpPr/>
+              <p:nvPr/>
+            </p:nvSpPr>
+            <p:spPr>
+              <a:xfrm>
+                <a:off x="12588486" y="5547830"/>
+                <a:ext cx="107734" cy="107734"/>
+              </a:xfrm>
+              <a:prstGeom prst="ellipse">
+                <a:avLst/>
+              </a:prstGeom>
+              <a:solidFill>
+                <a:schemeClr val="bg1"/>
+              </a:solidFill>
+              <a:ln w="28575">
+                <a:solidFill>
+                  <a:srgbClr val="FF0000"/>
+                </a:solidFill>
+              </a:ln>
+            </p:spPr>
+            <p:style>
+              <a:lnRef idx="2">
+                <a:schemeClr val="accent1">
+                  <a:shade val="50000"/>
+                </a:schemeClr>
+              </a:lnRef>
+              <a:fillRef idx="1">
+                <a:schemeClr val="accent1"/>
+              </a:fillRef>
+              <a:effectRef idx="0">
+                <a:schemeClr val="accent1"/>
+              </a:effectRef>
+              <a:fontRef idx="minor">
+                <a:schemeClr val="lt1"/>
+              </a:fontRef>
+            </p:style>
+            <p:txBody>
+              <a:bodyPr rtlCol="0" anchor="ctr"/>
+              <a:lstStyle/>
+              <a:p>
+                <a:pPr algn="ctr"/>
+                <a:endParaRPr lang="en-US"/>
+              </a:p>
+            </p:txBody>
+          </p:sp>
+          <p:cxnSp>
+            <p:nvCxnSpPr>
+              <p:cNvPr id="114" name="직선 화살표 연결선 113">
+                <a:extLst>
+                  <a:ext uri="{FF2B5EF4-FFF2-40B4-BE49-F238E27FC236}">
+                    <a16:creationId xmlns:a16="http://schemas.microsoft.com/office/drawing/2014/main" id="{01D2C97D-25B8-4AA0-A7D7-43B526C9B014}"/>
+                  </a:ext>
+                </a:extLst>
+              </p:cNvPr>
+              <p:cNvCxnSpPr>
+                <a:cxnSpLocks/>
+              </p:cNvCxnSpPr>
+              <p:nvPr/>
+            </p:nvCxnSpPr>
+            <p:spPr>
+              <a:xfrm flipV="1">
+                <a:off x="12642353" y="5093967"/>
+                <a:ext cx="0" cy="514263"/>
+              </a:xfrm>
+              <a:prstGeom prst="straightConnector1">
+                <a:avLst/>
+              </a:prstGeom>
+              <a:ln w="28575">
+                <a:solidFill>
+                  <a:schemeClr val="tx1"/>
+                </a:solidFill>
+                <a:tailEnd type="triangle"/>
+              </a:ln>
+            </p:spPr>
+            <p:style>
+              <a:lnRef idx="1">
+                <a:schemeClr val="accent1"/>
+              </a:lnRef>
+              <a:fillRef idx="0">
+                <a:schemeClr val="accent1"/>
+              </a:fillRef>
+              <a:effectRef idx="0">
+                <a:schemeClr val="accent1"/>
+              </a:effectRef>
+              <a:fontRef idx="minor">
+                <a:schemeClr val="tx1"/>
+              </a:fontRef>
+            </p:style>
+          </p:cxnSp>
+        </p:grpSp>
+        <p:grpSp>
+          <p:nvGrpSpPr>
+            <p:cNvPr id="115" name="그룹 114">
+              <a:extLst>
+                <a:ext uri="{FF2B5EF4-FFF2-40B4-BE49-F238E27FC236}">
+                  <a16:creationId xmlns:a16="http://schemas.microsoft.com/office/drawing/2014/main" id="{6B73CA43-209C-44F4-A105-E18616B076B0}"/>
+                </a:ext>
+              </a:extLst>
+            </p:cNvPr>
+            <p:cNvGrpSpPr/>
+            <p:nvPr/>
+          </p:nvGrpSpPr>
+          <p:grpSpPr>
+            <a:xfrm>
+              <a:off x="12588486" y="6175167"/>
+              <a:ext cx="107734" cy="561597"/>
+              <a:chOff x="12588486" y="5093967"/>
+              <a:chExt cx="107734" cy="561597"/>
+            </a:xfrm>
+          </p:grpSpPr>
+          <p:sp>
+            <p:nvSpPr>
+              <p:cNvPr id="116" name="타원 115">
+                <a:extLst>
+                  <a:ext uri="{FF2B5EF4-FFF2-40B4-BE49-F238E27FC236}">
+                    <a16:creationId xmlns:a16="http://schemas.microsoft.com/office/drawing/2014/main" id="{0BE2167B-2867-4CCC-965E-6353620255FC}"/>
+                  </a:ext>
+                </a:extLst>
+              </p:cNvPr>
+              <p:cNvSpPr/>
+              <p:nvPr/>
+            </p:nvSpPr>
+            <p:spPr>
+              <a:xfrm>
+                <a:off x="12588486" y="5547830"/>
+                <a:ext cx="107734" cy="107734"/>
+              </a:xfrm>
+              <a:prstGeom prst="ellipse">
+                <a:avLst/>
+              </a:prstGeom>
+              <a:solidFill>
+                <a:schemeClr val="bg1"/>
+              </a:solidFill>
+              <a:ln w="28575">
+                <a:solidFill>
+                  <a:srgbClr val="FF0000"/>
+                </a:solidFill>
+              </a:ln>
+            </p:spPr>
+            <p:style>
+              <a:lnRef idx="2">
+                <a:schemeClr val="accent1">
+                  <a:shade val="50000"/>
+                </a:schemeClr>
+              </a:lnRef>
+              <a:fillRef idx="1">
+                <a:schemeClr val="accent1"/>
+              </a:fillRef>
+              <a:effectRef idx="0">
+                <a:schemeClr val="accent1"/>
+              </a:effectRef>
+              <a:fontRef idx="minor">
+                <a:schemeClr val="lt1"/>
+              </a:fontRef>
+            </p:style>
+            <p:txBody>
+              <a:bodyPr rtlCol="0" anchor="ctr"/>
+              <a:lstStyle/>
+              <a:p>
+                <a:pPr algn="ctr"/>
+                <a:endParaRPr lang="en-US"/>
+              </a:p>
+            </p:txBody>
+          </p:sp>
+          <p:cxnSp>
+            <p:nvCxnSpPr>
+              <p:cNvPr id="117" name="직선 화살표 연결선 116">
+                <a:extLst>
+                  <a:ext uri="{FF2B5EF4-FFF2-40B4-BE49-F238E27FC236}">
+                    <a16:creationId xmlns:a16="http://schemas.microsoft.com/office/drawing/2014/main" id="{EEF54174-DDC6-4A7C-BD94-5942EEB1C10F}"/>
+                  </a:ext>
+                </a:extLst>
+              </p:cNvPr>
+              <p:cNvCxnSpPr>
+                <a:cxnSpLocks/>
+              </p:cNvCxnSpPr>
+              <p:nvPr/>
+            </p:nvCxnSpPr>
+            <p:spPr>
+              <a:xfrm flipV="1">
+                <a:off x="12642353" y="5093967"/>
+                <a:ext cx="0" cy="514263"/>
+              </a:xfrm>
+              <a:prstGeom prst="straightConnector1">
+                <a:avLst/>
+              </a:prstGeom>
+              <a:ln w="28575">
+                <a:solidFill>
+                  <a:schemeClr val="tx1"/>
+                </a:solidFill>
+                <a:tailEnd type="triangle"/>
+              </a:ln>
+            </p:spPr>
+            <p:style>
+              <a:lnRef idx="1">
+                <a:schemeClr val="accent1"/>
+              </a:lnRef>
+              <a:fillRef idx="0">
+                <a:schemeClr val="accent1"/>
+              </a:fillRef>
+              <a:effectRef idx="0">
+                <a:schemeClr val="accent1"/>
+              </a:effectRef>
+              <a:fontRef idx="minor">
+                <a:schemeClr val="tx1"/>
+              </a:fontRef>
+            </p:style>
+          </p:cxnSp>
+        </p:grpSp>
+        <p:grpSp>
+          <p:nvGrpSpPr>
+            <p:cNvPr id="124" name="그룹 123">
+              <a:extLst>
+                <a:ext uri="{FF2B5EF4-FFF2-40B4-BE49-F238E27FC236}">
+                  <a16:creationId xmlns:a16="http://schemas.microsoft.com/office/drawing/2014/main" id="{CB397330-EE59-4DB3-9C39-130457C00030}"/>
+                </a:ext>
+              </a:extLst>
+            </p:cNvPr>
+            <p:cNvGrpSpPr/>
+            <p:nvPr/>
+          </p:nvGrpSpPr>
+          <p:grpSpPr>
+            <a:xfrm>
+              <a:off x="12759237" y="5469731"/>
+              <a:ext cx="107734" cy="546233"/>
+              <a:chOff x="12588486" y="5109331"/>
+              <a:chExt cx="107734" cy="546233"/>
+            </a:xfrm>
+          </p:grpSpPr>
+          <p:sp>
+            <p:nvSpPr>
+              <p:cNvPr id="125" name="타원 124">
+                <a:extLst>
+                  <a:ext uri="{FF2B5EF4-FFF2-40B4-BE49-F238E27FC236}">
+                    <a16:creationId xmlns:a16="http://schemas.microsoft.com/office/drawing/2014/main" id="{64F90C02-2DD8-451B-965E-37BFE5659EA4}"/>
+                  </a:ext>
+                </a:extLst>
+              </p:cNvPr>
+              <p:cNvSpPr/>
+              <p:nvPr/>
+            </p:nvSpPr>
+            <p:spPr>
+              <a:xfrm>
+                <a:off x="12588486" y="5547830"/>
+                <a:ext cx="107734" cy="107734"/>
+              </a:xfrm>
+              <a:prstGeom prst="ellipse">
+                <a:avLst/>
+              </a:prstGeom>
+              <a:solidFill>
+                <a:schemeClr val="bg1"/>
+              </a:solidFill>
+              <a:ln w="28575">
+                <a:solidFill>
+                  <a:srgbClr val="FF0000"/>
+                </a:solidFill>
+              </a:ln>
+            </p:spPr>
+            <p:style>
+              <a:lnRef idx="2">
+                <a:schemeClr val="accent1">
+                  <a:shade val="50000"/>
+                </a:schemeClr>
+              </a:lnRef>
+              <a:fillRef idx="1">
+                <a:schemeClr val="accent1"/>
+              </a:fillRef>
+              <a:effectRef idx="0">
+                <a:schemeClr val="accent1"/>
+              </a:effectRef>
+              <a:fontRef idx="minor">
+                <a:schemeClr val="lt1"/>
+              </a:fontRef>
+            </p:style>
+            <p:txBody>
+              <a:bodyPr rtlCol="0" anchor="ctr"/>
+              <a:lstStyle/>
+              <a:p>
+                <a:pPr algn="ctr"/>
+                <a:endParaRPr lang="en-US"/>
+              </a:p>
+            </p:txBody>
+          </p:sp>
+          <p:cxnSp>
+            <p:nvCxnSpPr>
+              <p:cNvPr id="126" name="직선 화살표 연결선 125">
+                <a:extLst>
+                  <a:ext uri="{FF2B5EF4-FFF2-40B4-BE49-F238E27FC236}">
+                    <a16:creationId xmlns:a16="http://schemas.microsoft.com/office/drawing/2014/main" id="{10660678-55D7-4C26-9850-388F5EEECBE8}"/>
+                  </a:ext>
+                </a:extLst>
+              </p:cNvPr>
+              <p:cNvCxnSpPr>
+                <a:cxnSpLocks/>
+              </p:cNvCxnSpPr>
+              <p:nvPr/>
+            </p:nvCxnSpPr>
+            <p:spPr>
+              <a:xfrm flipV="1">
+                <a:off x="12642353" y="5109331"/>
+                <a:ext cx="21834" cy="498900"/>
+              </a:xfrm>
+              <a:prstGeom prst="straightConnector1">
+                <a:avLst/>
+              </a:prstGeom>
+              <a:ln w="28575">
+                <a:solidFill>
+                  <a:schemeClr val="tx1"/>
+                </a:solidFill>
+                <a:tailEnd type="triangle"/>
+              </a:ln>
+            </p:spPr>
+            <p:style>
+              <a:lnRef idx="1">
+                <a:schemeClr val="accent1"/>
+              </a:lnRef>
+              <a:fillRef idx="0">
+                <a:schemeClr val="accent1"/>
+              </a:fillRef>
+              <a:effectRef idx="0">
+                <a:schemeClr val="accent1"/>
+              </a:effectRef>
+              <a:fontRef idx="minor">
+                <a:schemeClr val="tx1"/>
+              </a:fontRef>
+            </p:style>
+          </p:cxnSp>
+        </p:grpSp>
+        <p:grpSp>
+          <p:nvGrpSpPr>
+            <p:cNvPr id="127" name="그룹 126">
+              <a:extLst>
+                <a:ext uri="{FF2B5EF4-FFF2-40B4-BE49-F238E27FC236}">
+                  <a16:creationId xmlns:a16="http://schemas.microsoft.com/office/drawing/2014/main" id="{ED533192-EB89-4743-AC2B-F487589E4680}"/>
+                </a:ext>
+              </a:extLst>
+            </p:cNvPr>
+            <p:cNvGrpSpPr/>
+            <p:nvPr/>
+          </p:nvGrpSpPr>
+          <p:grpSpPr>
+            <a:xfrm>
+              <a:off x="12759237" y="5634567"/>
+              <a:ext cx="107734" cy="561597"/>
+              <a:chOff x="12588486" y="5093967"/>
+              <a:chExt cx="107734" cy="561597"/>
+            </a:xfrm>
+          </p:grpSpPr>
+          <p:sp>
+            <p:nvSpPr>
+              <p:cNvPr id="128" name="타원 127">
+                <a:extLst>
+                  <a:ext uri="{FF2B5EF4-FFF2-40B4-BE49-F238E27FC236}">
+                    <a16:creationId xmlns:a16="http://schemas.microsoft.com/office/drawing/2014/main" id="{ADB3F297-D409-4D61-A910-306B2C1DCEC4}"/>
+                  </a:ext>
+                </a:extLst>
+              </p:cNvPr>
+              <p:cNvSpPr/>
+              <p:nvPr/>
+            </p:nvSpPr>
+            <p:spPr>
+              <a:xfrm>
+                <a:off x="12588486" y="5547830"/>
+                <a:ext cx="107734" cy="107734"/>
+              </a:xfrm>
+              <a:prstGeom prst="ellipse">
+                <a:avLst/>
+              </a:prstGeom>
+              <a:solidFill>
+                <a:schemeClr val="bg1"/>
+              </a:solidFill>
+              <a:ln w="28575">
+                <a:solidFill>
+                  <a:srgbClr val="FF0000"/>
+                </a:solidFill>
+              </a:ln>
+            </p:spPr>
+            <p:style>
+              <a:lnRef idx="2">
+                <a:schemeClr val="accent1">
+                  <a:shade val="50000"/>
+                </a:schemeClr>
+              </a:lnRef>
+              <a:fillRef idx="1">
+                <a:schemeClr val="accent1"/>
+              </a:fillRef>
+              <a:effectRef idx="0">
+                <a:schemeClr val="accent1"/>
+              </a:effectRef>
+              <a:fontRef idx="minor">
+                <a:schemeClr val="lt1"/>
+              </a:fontRef>
+            </p:style>
+            <p:txBody>
+              <a:bodyPr rtlCol="0" anchor="ctr"/>
+              <a:lstStyle/>
+              <a:p>
+                <a:pPr algn="ctr"/>
+                <a:endParaRPr lang="en-US"/>
+              </a:p>
+            </p:txBody>
+          </p:sp>
+          <p:cxnSp>
+            <p:nvCxnSpPr>
+              <p:cNvPr id="129" name="직선 화살표 연결선 128">
+                <a:extLst>
+                  <a:ext uri="{FF2B5EF4-FFF2-40B4-BE49-F238E27FC236}">
+                    <a16:creationId xmlns:a16="http://schemas.microsoft.com/office/drawing/2014/main" id="{56D90D66-8CAF-4480-87DE-98D5E0F4474C}"/>
+                  </a:ext>
+                </a:extLst>
+              </p:cNvPr>
+              <p:cNvCxnSpPr>
+                <a:cxnSpLocks/>
+              </p:cNvCxnSpPr>
+              <p:nvPr/>
+            </p:nvCxnSpPr>
+            <p:spPr>
+              <a:xfrm flipV="1">
+                <a:off x="12642353" y="5093967"/>
+                <a:ext cx="0" cy="514263"/>
+              </a:xfrm>
+              <a:prstGeom prst="straightConnector1">
+                <a:avLst/>
+              </a:prstGeom>
+              <a:ln w="28575">
+                <a:solidFill>
+                  <a:schemeClr val="tx1"/>
+                </a:solidFill>
+                <a:tailEnd type="triangle"/>
+              </a:ln>
+            </p:spPr>
+            <p:style>
+              <a:lnRef idx="1">
+                <a:schemeClr val="accent1"/>
+              </a:lnRef>
+              <a:fillRef idx="0">
+                <a:schemeClr val="accent1"/>
+              </a:fillRef>
+              <a:effectRef idx="0">
+                <a:schemeClr val="accent1"/>
+              </a:effectRef>
+              <a:fontRef idx="minor">
+                <a:schemeClr val="tx1"/>
+              </a:fontRef>
+            </p:style>
+          </p:cxnSp>
+        </p:grpSp>
+        <p:grpSp>
+          <p:nvGrpSpPr>
+            <p:cNvPr id="130" name="그룹 129">
+              <a:extLst>
+                <a:ext uri="{FF2B5EF4-FFF2-40B4-BE49-F238E27FC236}">
+                  <a16:creationId xmlns:a16="http://schemas.microsoft.com/office/drawing/2014/main" id="{23C04CAE-7C48-4C9F-B09E-BA5A82B44F3E}"/>
+                </a:ext>
+              </a:extLst>
+            </p:cNvPr>
+            <p:cNvGrpSpPr/>
+            <p:nvPr/>
+          </p:nvGrpSpPr>
+          <p:grpSpPr>
+            <a:xfrm>
+              <a:off x="12759237" y="5814767"/>
+              <a:ext cx="107734" cy="561597"/>
+              <a:chOff x="12588486" y="5093967"/>
+              <a:chExt cx="107734" cy="561597"/>
+            </a:xfrm>
+          </p:grpSpPr>
+          <p:sp>
+            <p:nvSpPr>
+              <p:cNvPr id="131" name="타원 130">
+                <a:extLst>
+                  <a:ext uri="{FF2B5EF4-FFF2-40B4-BE49-F238E27FC236}">
+                    <a16:creationId xmlns:a16="http://schemas.microsoft.com/office/drawing/2014/main" id="{6BABCB00-0E59-4134-9E1A-89F8907C2529}"/>
+                  </a:ext>
+                </a:extLst>
+              </p:cNvPr>
+              <p:cNvSpPr/>
+              <p:nvPr/>
+            </p:nvSpPr>
+            <p:spPr>
+              <a:xfrm>
+                <a:off x="12588486" y="5547830"/>
+                <a:ext cx="107734" cy="107734"/>
+              </a:xfrm>
+              <a:prstGeom prst="ellipse">
+                <a:avLst/>
+              </a:prstGeom>
+              <a:solidFill>
+                <a:schemeClr val="bg1"/>
+              </a:solidFill>
+              <a:ln w="28575">
+                <a:solidFill>
+                  <a:srgbClr val="FF0000"/>
+                </a:solidFill>
+              </a:ln>
+            </p:spPr>
+            <p:style>
+              <a:lnRef idx="2">
+                <a:schemeClr val="accent1">
+                  <a:shade val="50000"/>
+                </a:schemeClr>
+              </a:lnRef>
+              <a:fillRef idx="1">
+                <a:schemeClr val="accent1"/>
+              </a:fillRef>
+              <a:effectRef idx="0">
+                <a:schemeClr val="accent1"/>
+              </a:effectRef>
+              <a:fontRef idx="minor">
+                <a:schemeClr val="lt1"/>
+              </a:fontRef>
+            </p:style>
+            <p:txBody>
+              <a:bodyPr rtlCol="0" anchor="ctr"/>
+              <a:lstStyle/>
+              <a:p>
+                <a:pPr algn="ctr"/>
+                <a:endParaRPr lang="en-US"/>
+              </a:p>
+            </p:txBody>
+          </p:sp>
+          <p:cxnSp>
+            <p:nvCxnSpPr>
+              <p:cNvPr id="132" name="직선 화살표 연결선 131">
+                <a:extLst>
+                  <a:ext uri="{FF2B5EF4-FFF2-40B4-BE49-F238E27FC236}">
+                    <a16:creationId xmlns:a16="http://schemas.microsoft.com/office/drawing/2014/main" id="{E9AE8A92-061E-4F80-B448-5D7B028EF809}"/>
+                  </a:ext>
+                </a:extLst>
+              </p:cNvPr>
+              <p:cNvCxnSpPr>
+                <a:cxnSpLocks/>
+              </p:cNvCxnSpPr>
+              <p:nvPr/>
+            </p:nvCxnSpPr>
+            <p:spPr>
+              <a:xfrm flipV="1">
+                <a:off x="12642353" y="5093967"/>
+                <a:ext cx="0" cy="514263"/>
+              </a:xfrm>
+              <a:prstGeom prst="straightConnector1">
+                <a:avLst/>
+              </a:prstGeom>
+              <a:ln w="28575">
+                <a:solidFill>
+                  <a:schemeClr val="tx1"/>
+                </a:solidFill>
+                <a:tailEnd type="triangle"/>
+              </a:ln>
+            </p:spPr>
+            <p:style>
+              <a:lnRef idx="1">
+                <a:schemeClr val="accent1"/>
+              </a:lnRef>
+              <a:fillRef idx="0">
+                <a:schemeClr val="accent1"/>
+              </a:fillRef>
+              <a:effectRef idx="0">
+                <a:schemeClr val="accent1"/>
+              </a:effectRef>
+              <a:fontRef idx="minor">
+                <a:schemeClr val="tx1"/>
+              </a:fontRef>
+            </p:style>
+          </p:cxnSp>
+        </p:grpSp>
+        <p:grpSp>
+          <p:nvGrpSpPr>
+            <p:cNvPr id="133" name="그룹 132">
+              <a:extLst>
+                <a:ext uri="{FF2B5EF4-FFF2-40B4-BE49-F238E27FC236}">
+                  <a16:creationId xmlns:a16="http://schemas.microsoft.com/office/drawing/2014/main" id="{325B9C90-D813-43CD-9A2B-D9E8F6FBB5A1}"/>
+                </a:ext>
+              </a:extLst>
+            </p:cNvPr>
+            <p:cNvGrpSpPr/>
+            <p:nvPr/>
+          </p:nvGrpSpPr>
+          <p:grpSpPr>
+            <a:xfrm>
+              <a:off x="12759237" y="5994967"/>
+              <a:ext cx="107734" cy="561597"/>
+              <a:chOff x="12588486" y="5093967"/>
+              <a:chExt cx="107734" cy="561597"/>
+            </a:xfrm>
+          </p:grpSpPr>
+          <p:sp>
+            <p:nvSpPr>
+              <p:cNvPr id="134" name="타원 133">
+                <a:extLst>
+                  <a:ext uri="{FF2B5EF4-FFF2-40B4-BE49-F238E27FC236}">
+                    <a16:creationId xmlns:a16="http://schemas.microsoft.com/office/drawing/2014/main" id="{4E9567C7-6234-4A59-99E6-17802C71188A}"/>
+                  </a:ext>
+                </a:extLst>
+              </p:cNvPr>
+              <p:cNvSpPr/>
+              <p:nvPr/>
+            </p:nvSpPr>
+            <p:spPr>
+              <a:xfrm>
+                <a:off x="12588486" y="5547830"/>
+                <a:ext cx="107734" cy="107734"/>
+              </a:xfrm>
+              <a:prstGeom prst="ellipse">
+                <a:avLst/>
+              </a:prstGeom>
+              <a:solidFill>
+                <a:schemeClr val="bg1"/>
+              </a:solidFill>
+              <a:ln w="28575">
+                <a:solidFill>
+                  <a:srgbClr val="FF0000"/>
+                </a:solidFill>
+              </a:ln>
+            </p:spPr>
+            <p:style>
+              <a:lnRef idx="2">
+                <a:schemeClr val="accent1">
+                  <a:shade val="50000"/>
+                </a:schemeClr>
+              </a:lnRef>
+              <a:fillRef idx="1">
+                <a:schemeClr val="accent1"/>
+              </a:fillRef>
+              <a:effectRef idx="0">
+                <a:schemeClr val="accent1"/>
+              </a:effectRef>
+              <a:fontRef idx="minor">
+                <a:schemeClr val="lt1"/>
+              </a:fontRef>
+            </p:style>
+            <p:txBody>
+              <a:bodyPr rtlCol="0" anchor="ctr"/>
+              <a:lstStyle/>
+              <a:p>
+                <a:pPr algn="ctr"/>
+                <a:endParaRPr lang="en-US"/>
+              </a:p>
+            </p:txBody>
+          </p:sp>
+          <p:cxnSp>
+            <p:nvCxnSpPr>
+              <p:cNvPr id="135" name="직선 화살표 연결선 134">
+                <a:extLst>
+                  <a:ext uri="{FF2B5EF4-FFF2-40B4-BE49-F238E27FC236}">
+                    <a16:creationId xmlns:a16="http://schemas.microsoft.com/office/drawing/2014/main" id="{50F27769-FCC6-411C-A385-0A702862B65A}"/>
+                  </a:ext>
+                </a:extLst>
+              </p:cNvPr>
+              <p:cNvCxnSpPr>
+                <a:cxnSpLocks/>
+              </p:cNvCxnSpPr>
+              <p:nvPr/>
+            </p:nvCxnSpPr>
+            <p:spPr>
+              <a:xfrm flipV="1">
+                <a:off x="12642353" y="5093967"/>
+                <a:ext cx="0" cy="514263"/>
+              </a:xfrm>
+              <a:prstGeom prst="straightConnector1">
+                <a:avLst/>
+              </a:prstGeom>
+              <a:ln w="28575">
+                <a:solidFill>
+                  <a:schemeClr val="tx1"/>
+                </a:solidFill>
+                <a:tailEnd type="triangle"/>
+              </a:ln>
+            </p:spPr>
+            <p:style>
+              <a:lnRef idx="1">
+                <a:schemeClr val="accent1"/>
+              </a:lnRef>
+              <a:fillRef idx="0">
+                <a:schemeClr val="accent1"/>
+              </a:fillRef>
+              <a:effectRef idx="0">
+                <a:schemeClr val="accent1"/>
+              </a:effectRef>
+              <a:fontRef idx="minor">
+                <a:schemeClr val="tx1"/>
+              </a:fontRef>
+            </p:style>
+          </p:cxnSp>
+        </p:grpSp>
+        <p:grpSp>
+          <p:nvGrpSpPr>
+            <p:cNvPr id="136" name="그룹 135">
+              <a:extLst>
+                <a:ext uri="{FF2B5EF4-FFF2-40B4-BE49-F238E27FC236}">
+                  <a16:creationId xmlns:a16="http://schemas.microsoft.com/office/drawing/2014/main" id="{3B04521A-7874-4B60-B3B1-97106AFE213A}"/>
+                </a:ext>
+              </a:extLst>
+            </p:cNvPr>
+            <p:cNvGrpSpPr/>
+            <p:nvPr/>
+          </p:nvGrpSpPr>
+          <p:grpSpPr>
+            <a:xfrm>
+              <a:off x="12759237" y="6175167"/>
+              <a:ext cx="107734" cy="561597"/>
+              <a:chOff x="12588486" y="5093967"/>
+              <a:chExt cx="107734" cy="561597"/>
+            </a:xfrm>
+          </p:grpSpPr>
+          <p:sp>
+            <p:nvSpPr>
+              <p:cNvPr id="137" name="타원 136">
+                <a:extLst>
+                  <a:ext uri="{FF2B5EF4-FFF2-40B4-BE49-F238E27FC236}">
+                    <a16:creationId xmlns:a16="http://schemas.microsoft.com/office/drawing/2014/main" id="{72EA0AC0-0F92-4415-ADC4-38395B3DFD74}"/>
+                  </a:ext>
+                </a:extLst>
+              </p:cNvPr>
+              <p:cNvSpPr/>
+              <p:nvPr/>
+            </p:nvSpPr>
+            <p:spPr>
+              <a:xfrm>
+                <a:off x="12588486" y="5547830"/>
+                <a:ext cx="107734" cy="107734"/>
+              </a:xfrm>
+              <a:prstGeom prst="ellipse">
+                <a:avLst/>
+              </a:prstGeom>
+              <a:solidFill>
+                <a:schemeClr val="bg1"/>
+              </a:solidFill>
+              <a:ln w="28575">
+                <a:solidFill>
+                  <a:srgbClr val="FF0000"/>
+                </a:solidFill>
+              </a:ln>
+            </p:spPr>
+            <p:style>
+              <a:lnRef idx="2">
+                <a:schemeClr val="accent1">
+                  <a:shade val="50000"/>
+                </a:schemeClr>
+              </a:lnRef>
+              <a:fillRef idx="1">
+                <a:schemeClr val="accent1"/>
+              </a:fillRef>
+              <a:effectRef idx="0">
+                <a:schemeClr val="accent1"/>
+              </a:effectRef>
+              <a:fontRef idx="minor">
+                <a:schemeClr val="lt1"/>
+              </a:fontRef>
+            </p:style>
+            <p:txBody>
+              <a:bodyPr rtlCol="0" anchor="ctr"/>
+              <a:lstStyle/>
+              <a:p>
+                <a:pPr algn="ctr"/>
+                <a:endParaRPr lang="en-US"/>
+              </a:p>
+            </p:txBody>
+          </p:sp>
+          <p:cxnSp>
+            <p:nvCxnSpPr>
+              <p:cNvPr id="138" name="직선 화살표 연결선 137">
+                <a:extLst>
+                  <a:ext uri="{FF2B5EF4-FFF2-40B4-BE49-F238E27FC236}">
+                    <a16:creationId xmlns:a16="http://schemas.microsoft.com/office/drawing/2014/main" id="{01DB7C80-AE43-4AE7-ACDE-190EECED8BBF}"/>
+                  </a:ext>
+                </a:extLst>
+              </p:cNvPr>
+              <p:cNvCxnSpPr>
+                <a:cxnSpLocks/>
+              </p:cNvCxnSpPr>
+              <p:nvPr/>
+            </p:nvCxnSpPr>
+            <p:spPr>
+              <a:xfrm flipV="1">
+                <a:off x="12642353" y="5093967"/>
+                <a:ext cx="0" cy="514263"/>
+              </a:xfrm>
+              <a:prstGeom prst="straightConnector1">
+                <a:avLst/>
+              </a:prstGeom>
+              <a:ln w="28575">
+                <a:solidFill>
+                  <a:schemeClr val="tx1"/>
+                </a:solidFill>
+                <a:tailEnd type="triangle"/>
+              </a:ln>
+            </p:spPr>
+            <p:style>
+              <a:lnRef idx="1">
+                <a:schemeClr val="accent1"/>
+              </a:lnRef>
+              <a:fillRef idx="0">
+                <a:schemeClr val="accent1"/>
+              </a:fillRef>
+              <a:effectRef idx="0">
+                <a:schemeClr val="accent1"/>
+              </a:effectRef>
+              <a:fontRef idx="minor">
+                <a:schemeClr val="tx1"/>
+              </a:fontRef>
+            </p:style>
+          </p:cxnSp>
+        </p:grpSp>
+        <p:grpSp>
+          <p:nvGrpSpPr>
+            <p:cNvPr id="142" name="그룹 141">
+              <a:extLst>
+                <a:ext uri="{FF2B5EF4-FFF2-40B4-BE49-F238E27FC236}">
+                  <a16:creationId xmlns:a16="http://schemas.microsoft.com/office/drawing/2014/main" id="{C31ECD96-AAE0-4080-806F-214343599470}"/>
+                </a:ext>
+              </a:extLst>
+            </p:cNvPr>
+            <p:cNvGrpSpPr/>
+            <p:nvPr/>
+          </p:nvGrpSpPr>
+          <p:grpSpPr>
+            <a:xfrm>
+              <a:off x="12929988" y="5634567"/>
+              <a:ext cx="107734" cy="561597"/>
+              <a:chOff x="12588486" y="5093967"/>
+              <a:chExt cx="107734" cy="561597"/>
+            </a:xfrm>
+          </p:grpSpPr>
+          <p:sp>
+            <p:nvSpPr>
+              <p:cNvPr id="143" name="타원 142">
+                <a:extLst>
+                  <a:ext uri="{FF2B5EF4-FFF2-40B4-BE49-F238E27FC236}">
+                    <a16:creationId xmlns:a16="http://schemas.microsoft.com/office/drawing/2014/main" id="{2F151231-0C6A-47F9-A906-0D77AC270BC6}"/>
+                  </a:ext>
+                </a:extLst>
+              </p:cNvPr>
+              <p:cNvSpPr/>
+              <p:nvPr/>
+            </p:nvSpPr>
+            <p:spPr>
+              <a:xfrm>
+                <a:off x="12588486" y="5547830"/>
+                <a:ext cx="107734" cy="107734"/>
+              </a:xfrm>
+              <a:prstGeom prst="ellipse">
+                <a:avLst/>
+              </a:prstGeom>
+              <a:solidFill>
+                <a:schemeClr val="bg1"/>
+              </a:solidFill>
+              <a:ln w="28575">
+                <a:solidFill>
+                  <a:srgbClr val="FF0000"/>
+                </a:solidFill>
+              </a:ln>
+            </p:spPr>
+            <p:style>
+              <a:lnRef idx="2">
+                <a:schemeClr val="accent1">
+                  <a:shade val="50000"/>
+                </a:schemeClr>
+              </a:lnRef>
+              <a:fillRef idx="1">
+                <a:schemeClr val="accent1"/>
+              </a:fillRef>
+              <a:effectRef idx="0">
+                <a:schemeClr val="accent1"/>
+              </a:effectRef>
+              <a:fontRef idx="minor">
+                <a:schemeClr val="lt1"/>
+              </a:fontRef>
+            </p:style>
+            <p:txBody>
+              <a:bodyPr rtlCol="0" anchor="ctr"/>
+              <a:lstStyle/>
+              <a:p>
+                <a:pPr algn="ctr"/>
+                <a:endParaRPr lang="en-US"/>
+              </a:p>
+            </p:txBody>
+          </p:sp>
+          <p:cxnSp>
+            <p:nvCxnSpPr>
+              <p:cNvPr id="144" name="직선 화살표 연결선 143">
+                <a:extLst>
+                  <a:ext uri="{FF2B5EF4-FFF2-40B4-BE49-F238E27FC236}">
+                    <a16:creationId xmlns:a16="http://schemas.microsoft.com/office/drawing/2014/main" id="{49DBB314-8A95-4765-AED4-C05F5E09B78E}"/>
+                  </a:ext>
+                </a:extLst>
+              </p:cNvPr>
+              <p:cNvCxnSpPr>
+                <a:cxnSpLocks/>
+              </p:cNvCxnSpPr>
+              <p:nvPr/>
+            </p:nvCxnSpPr>
+            <p:spPr>
+              <a:xfrm flipV="1">
+                <a:off x="12642353" y="5093967"/>
+                <a:ext cx="36820" cy="514264"/>
+              </a:xfrm>
+              <a:prstGeom prst="straightConnector1">
+                <a:avLst/>
+              </a:prstGeom>
+              <a:ln w="28575">
+                <a:solidFill>
+                  <a:schemeClr val="tx1"/>
+                </a:solidFill>
+                <a:tailEnd type="triangle"/>
+              </a:ln>
+            </p:spPr>
+            <p:style>
+              <a:lnRef idx="1">
+                <a:schemeClr val="accent1"/>
+              </a:lnRef>
+              <a:fillRef idx="0">
+                <a:schemeClr val="accent1"/>
+              </a:fillRef>
+              <a:effectRef idx="0">
+                <a:schemeClr val="accent1"/>
+              </a:effectRef>
+              <a:fontRef idx="minor">
+                <a:schemeClr val="tx1"/>
+              </a:fontRef>
+            </p:style>
+          </p:cxnSp>
+        </p:grpSp>
+        <p:grpSp>
+          <p:nvGrpSpPr>
+            <p:cNvPr id="145" name="그룹 144">
+              <a:extLst>
+                <a:ext uri="{FF2B5EF4-FFF2-40B4-BE49-F238E27FC236}">
+                  <a16:creationId xmlns:a16="http://schemas.microsoft.com/office/drawing/2014/main" id="{7E11CE59-A640-4D9A-958D-96DAE7567CE0}"/>
+                </a:ext>
+              </a:extLst>
+            </p:cNvPr>
+            <p:cNvGrpSpPr/>
+            <p:nvPr/>
+          </p:nvGrpSpPr>
+          <p:grpSpPr>
+            <a:xfrm>
+              <a:off x="12929988" y="5814767"/>
+              <a:ext cx="107734" cy="561597"/>
+              <a:chOff x="12588486" y="5093967"/>
+              <a:chExt cx="107734" cy="561597"/>
+            </a:xfrm>
+          </p:grpSpPr>
+          <p:sp>
+            <p:nvSpPr>
+              <p:cNvPr id="146" name="타원 145">
+                <a:extLst>
+                  <a:ext uri="{FF2B5EF4-FFF2-40B4-BE49-F238E27FC236}">
+                    <a16:creationId xmlns:a16="http://schemas.microsoft.com/office/drawing/2014/main" id="{B3DCE375-8226-4DB1-8A92-6B54E7535CD2}"/>
+                  </a:ext>
+                </a:extLst>
+              </p:cNvPr>
+              <p:cNvSpPr/>
+              <p:nvPr/>
+            </p:nvSpPr>
+            <p:spPr>
+              <a:xfrm>
+                <a:off x="12588486" y="5547830"/>
+                <a:ext cx="107734" cy="107734"/>
+              </a:xfrm>
+              <a:prstGeom prst="ellipse">
+                <a:avLst/>
+              </a:prstGeom>
+              <a:solidFill>
+                <a:schemeClr val="bg1"/>
+              </a:solidFill>
+              <a:ln w="28575">
+                <a:solidFill>
+                  <a:srgbClr val="FF0000"/>
+                </a:solidFill>
+              </a:ln>
+            </p:spPr>
+            <p:style>
+              <a:lnRef idx="2">
+                <a:schemeClr val="accent1">
+                  <a:shade val="50000"/>
+                </a:schemeClr>
+              </a:lnRef>
+              <a:fillRef idx="1">
+                <a:schemeClr val="accent1"/>
+              </a:fillRef>
+              <a:effectRef idx="0">
+                <a:schemeClr val="accent1"/>
+              </a:effectRef>
+              <a:fontRef idx="minor">
+                <a:schemeClr val="lt1"/>
+              </a:fontRef>
+            </p:style>
+            <p:txBody>
+              <a:bodyPr rtlCol="0" anchor="ctr"/>
+              <a:lstStyle/>
+              <a:p>
+                <a:pPr algn="ctr"/>
+                <a:endParaRPr lang="en-US"/>
+              </a:p>
+            </p:txBody>
+          </p:sp>
+          <p:cxnSp>
+            <p:nvCxnSpPr>
+              <p:cNvPr id="147" name="직선 화살표 연결선 146">
+                <a:extLst>
+                  <a:ext uri="{FF2B5EF4-FFF2-40B4-BE49-F238E27FC236}">
+                    <a16:creationId xmlns:a16="http://schemas.microsoft.com/office/drawing/2014/main" id="{9F7A9405-3B1E-4CC9-A41E-8A51C60AD99A}"/>
+                  </a:ext>
+                </a:extLst>
+              </p:cNvPr>
+              <p:cNvCxnSpPr>
+                <a:cxnSpLocks/>
+              </p:cNvCxnSpPr>
+              <p:nvPr/>
+            </p:nvCxnSpPr>
+            <p:spPr>
+              <a:xfrm flipV="1">
+                <a:off x="12642353" y="5093967"/>
+                <a:ext cx="0" cy="514263"/>
+              </a:xfrm>
+              <a:prstGeom prst="straightConnector1">
+                <a:avLst/>
+              </a:prstGeom>
+              <a:ln w="28575">
+                <a:solidFill>
+                  <a:schemeClr val="tx1"/>
+                </a:solidFill>
+                <a:tailEnd type="triangle"/>
+              </a:ln>
+            </p:spPr>
+            <p:style>
+              <a:lnRef idx="1">
+                <a:schemeClr val="accent1"/>
+              </a:lnRef>
+              <a:fillRef idx="0">
+                <a:schemeClr val="accent1"/>
+              </a:fillRef>
+              <a:effectRef idx="0">
+                <a:schemeClr val="accent1"/>
+              </a:effectRef>
+              <a:fontRef idx="minor">
+                <a:schemeClr val="tx1"/>
+              </a:fontRef>
+            </p:style>
+          </p:cxnSp>
+        </p:grpSp>
+        <p:grpSp>
+          <p:nvGrpSpPr>
+            <p:cNvPr id="148" name="그룹 147">
+              <a:extLst>
+                <a:ext uri="{FF2B5EF4-FFF2-40B4-BE49-F238E27FC236}">
+                  <a16:creationId xmlns:a16="http://schemas.microsoft.com/office/drawing/2014/main" id="{C903FB93-2BF9-4A29-9C44-8BB89C9E4D8C}"/>
+                </a:ext>
+              </a:extLst>
+            </p:cNvPr>
+            <p:cNvGrpSpPr/>
+            <p:nvPr/>
+          </p:nvGrpSpPr>
+          <p:grpSpPr>
+            <a:xfrm>
+              <a:off x="12929988" y="5994967"/>
+              <a:ext cx="107734" cy="561597"/>
+              <a:chOff x="12588486" y="5093967"/>
+              <a:chExt cx="107734" cy="561597"/>
+            </a:xfrm>
+          </p:grpSpPr>
+          <p:sp>
+            <p:nvSpPr>
+              <p:cNvPr id="149" name="타원 148">
+                <a:extLst>
+                  <a:ext uri="{FF2B5EF4-FFF2-40B4-BE49-F238E27FC236}">
+                    <a16:creationId xmlns:a16="http://schemas.microsoft.com/office/drawing/2014/main" id="{D7C2444E-1079-444A-A722-BCB932C442D7}"/>
+                  </a:ext>
+                </a:extLst>
+              </p:cNvPr>
+              <p:cNvSpPr/>
+              <p:nvPr/>
+            </p:nvSpPr>
+            <p:spPr>
+              <a:xfrm>
+                <a:off x="12588486" y="5547830"/>
+                <a:ext cx="107734" cy="107734"/>
+              </a:xfrm>
+              <a:prstGeom prst="ellipse">
+                <a:avLst/>
+              </a:prstGeom>
+              <a:solidFill>
+                <a:schemeClr val="bg1"/>
+              </a:solidFill>
+              <a:ln w="28575">
+                <a:solidFill>
+                  <a:srgbClr val="FF0000"/>
+                </a:solidFill>
+              </a:ln>
+            </p:spPr>
+            <p:style>
+              <a:lnRef idx="2">
+                <a:schemeClr val="accent1">
+                  <a:shade val="50000"/>
+                </a:schemeClr>
+              </a:lnRef>
+              <a:fillRef idx="1">
+                <a:schemeClr val="accent1"/>
+              </a:fillRef>
+              <a:effectRef idx="0">
+                <a:schemeClr val="accent1"/>
+              </a:effectRef>
+              <a:fontRef idx="minor">
+                <a:schemeClr val="lt1"/>
+              </a:fontRef>
+            </p:style>
+            <p:txBody>
+              <a:bodyPr rtlCol="0" anchor="ctr"/>
+              <a:lstStyle/>
+              <a:p>
+                <a:pPr algn="ctr"/>
+                <a:endParaRPr lang="en-US"/>
+              </a:p>
+            </p:txBody>
+          </p:sp>
+          <p:cxnSp>
+            <p:nvCxnSpPr>
+              <p:cNvPr id="150" name="직선 화살표 연결선 149">
+                <a:extLst>
+                  <a:ext uri="{FF2B5EF4-FFF2-40B4-BE49-F238E27FC236}">
+                    <a16:creationId xmlns:a16="http://schemas.microsoft.com/office/drawing/2014/main" id="{E94C14FD-8A2D-4651-B61E-CBD684B75E5C}"/>
+                  </a:ext>
+                </a:extLst>
+              </p:cNvPr>
+              <p:cNvCxnSpPr>
+                <a:cxnSpLocks/>
+              </p:cNvCxnSpPr>
+              <p:nvPr/>
+            </p:nvCxnSpPr>
+            <p:spPr>
+              <a:xfrm flipV="1">
+                <a:off x="12642353" y="5093967"/>
+                <a:ext cx="0" cy="514263"/>
+              </a:xfrm>
+              <a:prstGeom prst="straightConnector1">
+                <a:avLst/>
+              </a:prstGeom>
+              <a:ln w="28575">
+                <a:solidFill>
+                  <a:schemeClr val="tx1"/>
+                </a:solidFill>
+                <a:tailEnd type="triangle"/>
+              </a:ln>
+            </p:spPr>
+            <p:style>
+              <a:lnRef idx="1">
+                <a:schemeClr val="accent1"/>
+              </a:lnRef>
+              <a:fillRef idx="0">
+                <a:schemeClr val="accent1"/>
+              </a:fillRef>
+              <a:effectRef idx="0">
+                <a:schemeClr val="accent1"/>
+              </a:effectRef>
+              <a:fontRef idx="minor">
+                <a:schemeClr val="tx1"/>
+              </a:fontRef>
+            </p:style>
+          </p:cxnSp>
+        </p:grpSp>
+        <p:grpSp>
+          <p:nvGrpSpPr>
+            <p:cNvPr id="151" name="그룹 150">
+              <a:extLst>
+                <a:ext uri="{FF2B5EF4-FFF2-40B4-BE49-F238E27FC236}">
+                  <a16:creationId xmlns:a16="http://schemas.microsoft.com/office/drawing/2014/main" id="{9A085616-CA95-4410-A9AC-F911CC4203E7}"/>
+                </a:ext>
+              </a:extLst>
+            </p:cNvPr>
+            <p:cNvGrpSpPr/>
+            <p:nvPr/>
+          </p:nvGrpSpPr>
+          <p:grpSpPr>
+            <a:xfrm>
+              <a:off x="12929988" y="6180387"/>
+              <a:ext cx="107734" cy="556377"/>
+              <a:chOff x="12588486" y="5099187"/>
+              <a:chExt cx="107734" cy="556377"/>
+            </a:xfrm>
+          </p:grpSpPr>
+          <p:sp>
+            <p:nvSpPr>
+              <p:cNvPr id="152" name="타원 151">
+                <a:extLst>
+                  <a:ext uri="{FF2B5EF4-FFF2-40B4-BE49-F238E27FC236}">
+                    <a16:creationId xmlns:a16="http://schemas.microsoft.com/office/drawing/2014/main" id="{E9244D54-D9F6-4925-9A67-CF520ACB81A5}"/>
+                  </a:ext>
+                </a:extLst>
+              </p:cNvPr>
+              <p:cNvSpPr/>
+              <p:nvPr/>
+            </p:nvSpPr>
+            <p:spPr>
+              <a:xfrm>
+                <a:off x="12588486" y="5547830"/>
+                <a:ext cx="107734" cy="107734"/>
+              </a:xfrm>
+              <a:prstGeom prst="ellipse">
+                <a:avLst/>
+              </a:prstGeom>
+              <a:solidFill>
+                <a:schemeClr val="bg1"/>
+              </a:solidFill>
+              <a:ln w="28575">
+                <a:solidFill>
+                  <a:srgbClr val="FF0000"/>
+                </a:solidFill>
+              </a:ln>
+            </p:spPr>
+            <p:style>
+              <a:lnRef idx="2">
+                <a:schemeClr val="accent1">
+                  <a:shade val="50000"/>
+                </a:schemeClr>
+              </a:lnRef>
+              <a:fillRef idx="1">
+                <a:schemeClr val="accent1"/>
+              </a:fillRef>
+              <a:effectRef idx="0">
+                <a:schemeClr val="accent1"/>
+              </a:effectRef>
+              <a:fontRef idx="minor">
+                <a:schemeClr val="lt1"/>
+              </a:fontRef>
+            </p:style>
+            <p:txBody>
+              <a:bodyPr rtlCol="0" anchor="ctr"/>
+              <a:lstStyle/>
+              <a:p>
+                <a:pPr algn="ctr"/>
+                <a:endParaRPr lang="en-US"/>
+              </a:p>
+            </p:txBody>
+          </p:sp>
+          <p:cxnSp>
+            <p:nvCxnSpPr>
+              <p:cNvPr id="153" name="직선 화살표 연결선 152">
+                <a:extLst>
+                  <a:ext uri="{FF2B5EF4-FFF2-40B4-BE49-F238E27FC236}">
+                    <a16:creationId xmlns:a16="http://schemas.microsoft.com/office/drawing/2014/main" id="{D342515F-EC5F-4533-AF64-6D97D87D70BA}"/>
+                  </a:ext>
+                </a:extLst>
+              </p:cNvPr>
+              <p:cNvCxnSpPr>
+                <a:cxnSpLocks/>
+                <a:endCxn id="143" idx="5"/>
+              </p:cNvCxnSpPr>
+              <p:nvPr/>
+            </p:nvCxnSpPr>
+            <p:spPr>
+              <a:xfrm flipV="1">
+                <a:off x="12642353" y="5099187"/>
+                <a:ext cx="38090" cy="509044"/>
+              </a:xfrm>
+              <a:prstGeom prst="straightConnector1">
+                <a:avLst/>
+              </a:prstGeom>
+              <a:ln w="28575">
+                <a:solidFill>
+                  <a:schemeClr val="tx1"/>
+                </a:solidFill>
+                <a:tailEnd type="triangle"/>
+              </a:ln>
+            </p:spPr>
+            <p:style>
+              <a:lnRef idx="1">
+                <a:schemeClr val="accent1"/>
+              </a:lnRef>
+              <a:fillRef idx="0">
+                <a:schemeClr val="accent1"/>
+              </a:fillRef>
+              <a:effectRef idx="0">
+                <a:schemeClr val="accent1"/>
+              </a:effectRef>
+              <a:fontRef idx="minor">
+                <a:schemeClr val="tx1"/>
+              </a:fontRef>
+            </p:style>
+          </p:cxnSp>
+        </p:grpSp>
+        <p:grpSp>
+          <p:nvGrpSpPr>
+            <p:cNvPr id="160" name="그룹 159">
+              <a:extLst>
+                <a:ext uri="{FF2B5EF4-FFF2-40B4-BE49-F238E27FC236}">
+                  <a16:creationId xmlns:a16="http://schemas.microsoft.com/office/drawing/2014/main" id="{8F651A56-35CB-4554-B2A3-D0C256919F54}"/>
+                </a:ext>
+              </a:extLst>
+            </p:cNvPr>
+            <p:cNvGrpSpPr/>
+            <p:nvPr/>
+          </p:nvGrpSpPr>
+          <p:grpSpPr>
+            <a:xfrm>
+              <a:off x="13100739" y="5814767"/>
+              <a:ext cx="107734" cy="561597"/>
+              <a:chOff x="12588486" y="5093967"/>
+              <a:chExt cx="107734" cy="561597"/>
+            </a:xfrm>
+          </p:grpSpPr>
+          <p:sp>
+            <p:nvSpPr>
+              <p:cNvPr id="161" name="타원 160">
+                <a:extLst>
+                  <a:ext uri="{FF2B5EF4-FFF2-40B4-BE49-F238E27FC236}">
+                    <a16:creationId xmlns:a16="http://schemas.microsoft.com/office/drawing/2014/main" id="{E0E4A0C5-2CDA-4779-8B39-D0AC372193CB}"/>
+                  </a:ext>
+                </a:extLst>
+              </p:cNvPr>
+              <p:cNvSpPr/>
+              <p:nvPr/>
+            </p:nvSpPr>
+            <p:spPr>
+              <a:xfrm>
+                <a:off x="12588486" y="5547830"/>
+                <a:ext cx="107734" cy="107734"/>
+              </a:xfrm>
+              <a:prstGeom prst="ellipse">
+                <a:avLst/>
+              </a:prstGeom>
+              <a:solidFill>
+                <a:schemeClr val="bg1"/>
+              </a:solidFill>
+              <a:ln w="28575">
+                <a:solidFill>
+                  <a:srgbClr val="FF0000"/>
+                </a:solidFill>
+              </a:ln>
+            </p:spPr>
+            <p:style>
+              <a:lnRef idx="2">
+                <a:schemeClr val="accent1">
+                  <a:shade val="50000"/>
+                </a:schemeClr>
+              </a:lnRef>
+              <a:fillRef idx="1">
+                <a:schemeClr val="accent1"/>
+              </a:fillRef>
+              <a:effectRef idx="0">
+                <a:schemeClr val="accent1"/>
+              </a:effectRef>
+              <a:fontRef idx="minor">
+                <a:schemeClr val="lt1"/>
+              </a:fontRef>
+            </p:style>
+            <p:txBody>
+              <a:bodyPr rtlCol="0" anchor="ctr"/>
+              <a:lstStyle/>
+              <a:p>
+                <a:pPr algn="ctr"/>
+                <a:endParaRPr lang="en-US"/>
+              </a:p>
+            </p:txBody>
+          </p:sp>
+          <p:cxnSp>
+            <p:nvCxnSpPr>
+              <p:cNvPr id="162" name="직선 화살표 연결선 161">
+                <a:extLst>
+                  <a:ext uri="{FF2B5EF4-FFF2-40B4-BE49-F238E27FC236}">
+                    <a16:creationId xmlns:a16="http://schemas.microsoft.com/office/drawing/2014/main" id="{1C1104E7-C8C9-4388-9DD1-1504FD4D67B9}"/>
+                  </a:ext>
+                </a:extLst>
+              </p:cNvPr>
+              <p:cNvCxnSpPr>
+                <a:cxnSpLocks/>
+              </p:cNvCxnSpPr>
+              <p:nvPr/>
+            </p:nvCxnSpPr>
+            <p:spPr>
+              <a:xfrm flipV="1">
+                <a:off x="12642353" y="5093967"/>
+                <a:ext cx="30375" cy="514264"/>
+              </a:xfrm>
+              <a:prstGeom prst="straightConnector1">
+                <a:avLst/>
+              </a:prstGeom>
+              <a:ln w="28575">
+                <a:solidFill>
+                  <a:schemeClr val="tx1"/>
+                </a:solidFill>
+                <a:tailEnd type="triangle"/>
+              </a:ln>
+            </p:spPr>
+            <p:style>
+              <a:lnRef idx="1">
+                <a:schemeClr val="accent1"/>
+              </a:lnRef>
+              <a:fillRef idx="0">
+                <a:schemeClr val="accent1"/>
+              </a:fillRef>
+              <a:effectRef idx="0">
+                <a:schemeClr val="accent1"/>
+              </a:effectRef>
+              <a:fontRef idx="minor">
+                <a:schemeClr val="tx1"/>
+              </a:fontRef>
+            </p:style>
+          </p:cxnSp>
+        </p:grpSp>
+        <p:grpSp>
+          <p:nvGrpSpPr>
+            <p:cNvPr id="163" name="그룹 162">
+              <a:extLst>
+                <a:ext uri="{FF2B5EF4-FFF2-40B4-BE49-F238E27FC236}">
+                  <a16:creationId xmlns:a16="http://schemas.microsoft.com/office/drawing/2014/main" id="{65D42553-CD30-4008-B3C8-549879892ACC}"/>
+                </a:ext>
+              </a:extLst>
+            </p:cNvPr>
+            <p:cNvGrpSpPr/>
+            <p:nvPr/>
+          </p:nvGrpSpPr>
+          <p:grpSpPr>
+            <a:xfrm>
+              <a:off x="13100739" y="5994967"/>
+              <a:ext cx="107734" cy="561597"/>
+              <a:chOff x="12588486" y="5093967"/>
+              <a:chExt cx="107734" cy="561597"/>
+            </a:xfrm>
+          </p:grpSpPr>
+          <p:sp>
+            <p:nvSpPr>
+              <p:cNvPr id="164" name="타원 163">
+                <a:extLst>
+                  <a:ext uri="{FF2B5EF4-FFF2-40B4-BE49-F238E27FC236}">
+                    <a16:creationId xmlns:a16="http://schemas.microsoft.com/office/drawing/2014/main" id="{8E893A7C-C24F-417B-8CFC-5C3C2CB87B35}"/>
+                  </a:ext>
+                </a:extLst>
+              </p:cNvPr>
+              <p:cNvSpPr/>
+              <p:nvPr/>
+            </p:nvSpPr>
+            <p:spPr>
+              <a:xfrm>
+                <a:off x="12588486" y="5547830"/>
+                <a:ext cx="107734" cy="107734"/>
+              </a:xfrm>
+              <a:prstGeom prst="ellipse">
+                <a:avLst/>
+              </a:prstGeom>
+              <a:solidFill>
+                <a:schemeClr val="bg1"/>
+              </a:solidFill>
+              <a:ln w="28575">
+                <a:solidFill>
+                  <a:srgbClr val="FF0000"/>
+                </a:solidFill>
+              </a:ln>
+            </p:spPr>
+            <p:style>
+              <a:lnRef idx="2">
+                <a:schemeClr val="accent1">
+                  <a:shade val="50000"/>
+                </a:schemeClr>
+              </a:lnRef>
+              <a:fillRef idx="1">
+                <a:schemeClr val="accent1"/>
+              </a:fillRef>
+              <a:effectRef idx="0">
+                <a:schemeClr val="accent1"/>
+              </a:effectRef>
+              <a:fontRef idx="minor">
+                <a:schemeClr val="lt1"/>
+              </a:fontRef>
+            </p:style>
+            <p:txBody>
+              <a:bodyPr rtlCol="0" anchor="ctr"/>
+              <a:lstStyle/>
+              <a:p>
+                <a:pPr algn="ctr"/>
+                <a:endParaRPr lang="en-US"/>
+              </a:p>
+            </p:txBody>
+          </p:sp>
+          <p:cxnSp>
+            <p:nvCxnSpPr>
+              <p:cNvPr id="165" name="직선 화살표 연결선 164">
+                <a:extLst>
+                  <a:ext uri="{FF2B5EF4-FFF2-40B4-BE49-F238E27FC236}">
+                    <a16:creationId xmlns:a16="http://schemas.microsoft.com/office/drawing/2014/main" id="{B55ACE2F-207F-45F9-AA19-6432FF41C434}"/>
+                  </a:ext>
+                </a:extLst>
+              </p:cNvPr>
+              <p:cNvCxnSpPr>
+                <a:cxnSpLocks/>
+              </p:cNvCxnSpPr>
+              <p:nvPr/>
+            </p:nvCxnSpPr>
+            <p:spPr>
+              <a:xfrm flipV="1">
+                <a:off x="12642353" y="5093967"/>
+                <a:ext cx="0" cy="514263"/>
+              </a:xfrm>
+              <a:prstGeom prst="straightConnector1">
+                <a:avLst/>
+              </a:prstGeom>
+              <a:ln w="28575">
+                <a:solidFill>
+                  <a:schemeClr val="tx1"/>
+                </a:solidFill>
+                <a:tailEnd type="triangle"/>
+              </a:ln>
+            </p:spPr>
+            <p:style>
+              <a:lnRef idx="1">
+                <a:schemeClr val="accent1"/>
+              </a:lnRef>
+              <a:fillRef idx="0">
+                <a:schemeClr val="accent1"/>
+              </a:fillRef>
+              <a:effectRef idx="0">
+                <a:schemeClr val="accent1"/>
+              </a:effectRef>
+              <a:fontRef idx="minor">
+                <a:schemeClr val="tx1"/>
+              </a:fontRef>
+            </p:style>
+          </p:cxnSp>
+        </p:grpSp>
+        <p:grpSp>
+          <p:nvGrpSpPr>
+            <p:cNvPr id="166" name="그룹 165">
+              <a:extLst>
+                <a:ext uri="{FF2B5EF4-FFF2-40B4-BE49-F238E27FC236}">
+                  <a16:creationId xmlns:a16="http://schemas.microsoft.com/office/drawing/2014/main" id="{CDA3F6B7-0C95-48AE-A7A5-E7E53EBE99CD}"/>
+                </a:ext>
+              </a:extLst>
+            </p:cNvPr>
+            <p:cNvGrpSpPr/>
+            <p:nvPr/>
+          </p:nvGrpSpPr>
+          <p:grpSpPr>
+            <a:xfrm>
+              <a:off x="13100739" y="6175167"/>
+              <a:ext cx="107734" cy="561597"/>
+              <a:chOff x="12588486" y="5093967"/>
+              <a:chExt cx="107734" cy="561597"/>
+            </a:xfrm>
+          </p:grpSpPr>
+          <p:sp>
+            <p:nvSpPr>
+              <p:cNvPr id="167" name="타원 166">
+                <a:extLst>
+                  <a:ext uri="{FF2B5EF4-FFF2-40B4-BE49-F238E27FC236}">
+                    <a16:creationId xmlns:a16="http://schemas.microsoft.com/office/drawing/2014/main" id="{D2874EE0-BE9D-457C-86A4-3407C20F31D4}"/>
+                  </a:ext>
+                </a:extLst>
+              </p:cNvPr>
+              <p:cNvSpPr/>
+              <p:nvPr/>
+            </p:nvSpPr>
+            <p:spPr>
+              <a:xfrm>
+                <a:off x="12588486" y="5547830"/>
+                <a:ext cx="107734" cy="107734"/>
+              </a:xfrm>
+              <a:prstGeom prst="ellipse">
+                <a:avLst/>
+              </a:prstGeom>
+              <a:solidFill>
+                <a:schemeClr val="bg1"/>
+              </a:solidFill>
+              <a:ln w="28575">
+                <a:solidFill>
+                  <a:srgbClr val="FF0000"/>
+                </a:solidFill>
+              </a:ln>
+            </p:spPr>
+            <p:style>
+              <a:lnRef idx="2">
+                <a:schemeClr val="accent1">
+                  <a:shade val="50000"/>
+                </a:schemeClr>
+              </a:lnRef>
+              <a:fillRef idx="1">
+                <a:schemeClr val="accent1"/>
+              </a:fillRef>
+              <a:effectRef idx="0">
+                <a:schemeClr val="accent1"/>
+              </a:effectRef>
+              <a:fontRef idx="minor">
+                <a:schemeClr val="lt1"/>
+              </a:fontRef>
+            </p:style>
+            <p:txBody>
+              <a:bodyPr rtlCol="0" anchor="ctr"/>
+              <a:lstStyle/>
+              <a:p>
+                <a:pPr algn="ctr"/>
+                <a:endParaRPr lang="en-US"/>
+              </a:p>
+            </p:txBody>
+          </p:sp>
+          <p:cxnSp>
+            <p:nvCxnSpPr>
+              <p:cNvPr id="168" name="직선 화살표 연결선 167">
+                <a:extLst>
+                  <a:ext uri="{FF2B5EF4-FFF2-40B4-BE49-F238E27FC236}">
+                    <a16:creationId xmlns:a16="http://schemas.microsoft.com/office/drawing/2014/main" id="{716AF507-EC25-4C58-A6A1-ED80763926AD}"/>
+                  </a:ext>
+                </a:extLst>
+              </p:cNvPr>
+              <p:cNvCxnSpPr>
+                <a:cxnSpLocks/>
+              </p:cNvCxnSpPr>
+              <p:nvPr/>
+            </p:nvCxnSpPr>
+            <p:spPr>
+              <a:xfrm flipV="1">
+                <a:off x="12642353" y="5093967"/>
+                <a:ext cx="30375" cy="514264"/>
+              </a:xfrm>
+              <a:prstGeom prst="straightConnector1">
+                <a:avLst/>
+              </a:prstGeom>
+              <a:ln w="28575">
+                <a:solidFill>
+                  <a:schemeClr val="tx1"/>
+                </a:solidFill>
+                <a:tailEnd type="triangle"/>
+              </a:ln>
+            </p:spPr>
+            <p:style>
+              <a:lnRef idx="1">
+                <a:schemeClr val="accent1"/>
+              </a:lnRef>
+              <a:fillRef idx="0">
+                <a:schemeClr val="accent1"/>
+              </a:fillRef>
+              <a:effectRef idx="0">
+                <a:schemeClr val="accent1"/>
+              </a:effectRef>
+              <a:fontRef idx="minor">
+                <a:schemeClr val="tx1"/>
+              </a:fontRef>
+            </p:style>
+          </p:cxnSp>
+        </p:grpSp>
+        <p:grpSp>
+          <p:nvGrpSpPr>
+            <p:cNvPr id="178" name="그룹 177">
+              <a:extLst>
+                <a:ext uri="{FF2B5EF4-FFF2-40B4-BE49-F238E27FC236}">
+                  <a16:creationId xmlns:a16="http://schemas.microsoft.com/office/drawing/2014/main" id="{A2F134C4-EC4C-4C1F-A7D1-DC899AD1E91F}"/>
+                </a:ext>
+              </a:extLst>
+            </p:cNvPr>
+            <p:cNvGrpSpPr/>
+            <p:nvPr/>
+          </p:nvGrpSpPr>
+          <p:grpSpPr>
+            <a:xfrm>
+              <a:off x="13271490" y="6001506"/>
+              <a:ext cx="107734" cy="555058"/>
+              <a:chOff x="12588486" y="5100506"/>
+              <a:chExt cx="107734" cy="555058"/>
+            </a:xfrm>
+          </p:grpSpPr>
+          <p:sp>
+            <p:nvSpPr>
+              <p:cNvPr id="179" name="타원 178">
+                <a:extLst>
+                  <a:ext uri="{FF2B5EF4-FFF2-40B4-BE49-F238E27FC236}">
+                    <a16:creationId xmlns:a16="http://schemas.microsoft.com/office/drawing/2014/main" id="{98308E20-C2D3-426D-B0B2-2DE6A1583FB7}"/>
+                  </a:ext>
+                </a:extLst>
+              </p:cNvPr>
+              <p:cNvSpPr/>
+              <p:nvPr/>
+            </p:nvSpPr>
+            <p:spPr>
+              <a:xfrm>
+                <a:off x="12588486" y="5547830"/>
+                <a:ext cx="107734" cy="107734"/>
+              </a:xfrm>
+              <a:prstGeom prst="ellipse">
+                <a:avLst/>
+              </a:prstGeom>
+              <a:solidFill>
+                <a:schemeClr val="bg1"/>
+              </a:solidFill>
+              <a:ln w="28575">
+                <a:solidFill>
+                  <a:srgbClr val="FF0000"/>
+                </a:solidFill>
+              </a:ln>
+            </p:spPr>
+            <p:style>
+              <a:lnRef idx="2">
+                <a:schemeClr val="accent1">
+                  <a:shade val="50000"/>
+                </a:schemeClr>
+              </a:lnRef>
+              <a:fillRef idx="1">
+                <a:schemeClr val="accent1"/>
+              </a:fillRef>
+              <a:effectRef idx="0">
+                <a:schemeClr val="accent1"/>
+              </a:effectRef>
+              <a:fontRef idx="minor">
+                <a:schemeClr val="lt1"/>
+              </a:fontRef>
+            </p:style>
+            <p:txBody>
+              <a:bodyPr rtlCol="0" anchor="ctr"/>
+              <a:lstStyle/>
+              <a:p>
+                <a:pPr algn="ctr"/>
+                <a:endParaRPr lang="en-US"/>
+              </a:p>
+            </p:txBody>
+          </p:sp>
+          <p:cxnSp>
+            <p:nvCxnSpPr>
+              <p:cNvPr id="180" name="직선 화살표 연결선 179">
+                <a:extLst>
+                  <a:ext uri="{FF2B5EF4-FFF2-40B4-BE49-F238E27FC236}">
+                    <a16:creationId xmlns:a16="http://schemas.microsoft.com/office/drawing/2014/main" id="{F07F0748-4472-4C55-8C62-B1199A276493}"/>
+                  </a:ext>
+                </a:extLst>
+              </p:cNvPr>
+              <p:cNvCxnSpPr>
+                <a:cxnSpLocks/>
+              </p:cNvCxnSpPr>
+              <p:nvPr/>
+            </p:nvCxnSpPr>
+            <p:spPr>
+              <a:xfrm flipV="1">
+                <a:off x="12642353" y="5100506"/>
+                <a:ext cx="31074" cy="507725"/>
+              </a:xfrm>
+              <a:prstGeom prst="straightConnector1">
+                <a:avLst/>
+              </a:prstGeom>
+              <a:ln w="28575">
+                <a:solidFill>
+                  <a:schemeClr val="tx1"/>
+                </a:solidFill>
+                <a:tailEnd type="triangle"/>
+              </a:ln>
+            </p:spPr>
+            <p:style>
+              <a:lnRef idx="1">
+                <a:schemeClr val="accent1"/>
+              </a:lnRef>
+              <a:fillRef idx="0">
+                <a:schemeClr val="accent1"/>
+              </a:fillRef>
+              <a:effectRef idx="0">
+                <a:schemeClr val="accent1"/>
+              </a:effectRef>
+              <a:fontRef idx="minor">
+                <a:schemeClr val="tx1"/>
+              </a:fontRef>
+            </p:style>
+          </p:cxnSp>
+        </p:grpSp>
+        <p:grpSp>
+          <p:nvGrpSpPr>
+            <p:cNvPr id="181" name="그룹 180">
+              <a:extLst>
+                <a:ext uri="{FF2B5EF4-FFF2-40B4-BE49-F238E27FC236}">
+                  <a16:creationId xmlns:a16="http://schemas.microsoft.com/office/drawing/2014/main" id="{0218F150-2099-43D0-BC4D-486D8DEF3DFB}"/>
+                </a:ext>
+              </a:extLst>
+            </p:cNvPr>
+            <p:cNvGrpSpPr/>
+            <p:nvPr/>
+          </p:nvGrpSpPr>
+          <p:grpSpPr>
+            <a:xfrm>
+              <a:off x="13271490" y="6148830"/>
+              <a:ext cx="107734" cy="587934"/>
+              <a:chOff x="12588486" y="5067630"/>
+              <a:chExt cx="107734" cy="587934"/>
+            </a:xfrm>
+          </p:grpSpPr>
+          <p:sp>
+            <p:nvSpPr>
+              <p:cNvPr id="182" name="타원 181">
+                <a:extLst>
+                  <a:ext uri="{FF2B5EF4-FFF2-40B4-BE49-F238E27FC236}">
+                    <a16:creationId xmlns:a16="http://schemas.microsoft.com/office/drawing/2014/main" id="{379A310F-291D-4DB3-9607-91AFC0CA1270}"/>
+                  </a:ext>
+                </a:extLst>
+              </p:cNvPr>
+              <p:cNvSpPr/>
+              <p:nvPr/>
+            </p:nvSpPr>
+            <p:spPr>
+              <a:xfrm>
+                <a:off x="12588486" y="5547830"/>
+                <a:ext cx="107734" cy="107734"/>
+              </a:xfrm>
+              <a:prstGeom prst="ellipse">
+                <a:avLst/>
+              </a:prstGeom>
+              <a:solidFill>
+                <a:schemeClr val="bg1"/>
+              </a:solidFill>
+              <a:ln w="28575">
+                <a:solidFill>
+                  <a:srgbClr val="FF0000"/>
+                </a:solidFill>
+              </a:ln>
+            </p:spPr>
+            <p:style>
+              <a:lnRef idx="2">
+                <a:schemeClr val="accent1">
+                  <a:shade val="50000"/>
+                </a:schemeClr>
+              </a:lnRef>
+              <a:fillRef idx="1">
+                <a:schemeClr val="accent1"/>
+              </a:fillRef>
+              <a:effectRef idx="0">
+                <a:schemeClr val="accent1"/>
+              </a:effectRef>
+              <a:fontRef idx="minor">
+                <a:schemeClr val="lt1"/>
+              </a:fontRef>
+            </p:style>
+            <p:txBody>
+              <a:bodyPr rtlCol="0" anchor="ctr"/>
+              <a:lstStyle/>
+              <a:p>
+                <a:pPr algn="ctr"/>
+                <a:endParaRPr lang="en-US"/>
+              </a:p>
+            </p:txBody>
+          </p:sp>
+          <p:cxnSp>
+            <p:nvCxnSpPr>
+              <p:cNvPr id="183" name="직선 화살표 연결선 182">
+                <a:extLst>
+                  <a:ext uri="{FF2B5EF4-FFF2-40B4-BE49-F238E27FC236}">
+                    <a16:creationId xmlns:a16="http://schemas.microsoft.com/office/drawing/2014/main" id="{4B21B193-6E8E-4159-ACF0-8F14D2E1EE0A}"/>
+                  </a:ext>
+                </a:extLst>
+              </p:cNvPr>
+              <p:cNvCxnSpPr>
+                <a:cxnSpLocks/>
+              </p:cNvCxnSpPr>
+              <p:nvPr/>
+            </p:nvCxnSpPr>
+            <p:spPr>
+              <a:xfrm flipV="1">
+                <a:off x="12642353" y="5067630"/>
+                <a:ext cx="53867" cy="540601"/>
+              </a:xfrm>
+              <a:prstGeom prst="straightConnector1">
+                <a:avLst/>
+              </a:prstGeom>
+              <a:ln w="28575">
+                <a:solidFill>
+                  <a:schemeClr val="tx1"/>
+                </a:solidFill>
+                <a:tailEnd type="triangle"/>
+              </a:ln>
+            </p:spPr>
+            <p:style>
+              <a:lnRef idx="1">
+                <a:schemeClr val="accent1"/>
+              </a:lnRef>
+              <a:fillRef idx="0">
+                <a:schemeClr val="accent1"/>
+              </a:fillRef>
+              <a:effectRef idx="0">
+                <a:schemeClr val="accent1"/>
+              </a:effectRef>
+              <a:fontRef idx="minor">
+                <a:schemeClr val="tx1"/>
+              </a:fontRef>
+            </p:style>
+          </p:cxnSp>
+        </p:grpSp>
+        <p:grpSp>
+          <p:nvGrpSpPr>
+            <p:cNvPr id="193" name="그룹 192">
+              <a:extLst>
+                <a:ext uri="{FF2B5EF4-FFF2-40B4-BE49-F238E27FC236}">
+                  <a16:creationId xmlns:a16="http://schemas.microsoft.com/office/drawing/2014/main" id="{E22AC06B-25D8-400D-8C36-AE7841E4345C}"/>
+                </a:ext>
+              </a:extLst>
+            </p:cNvPr>
+            <p:cNvGrpSpPr/>
+            <p:nvPr/>
+          </p:nvGrpSpPr>
+          <p:grpSpPr>
+            <a:xfrm>
+              <a:off x="11914686" y="6001506"/>
+              <a:ext cx="107734" cy="561597"/>
+              <a:chOff x="12588486" y="5093967"/>
+              <a:chExt cx="107734" cy="561597"/>
+            </a:xfrm>
+          </p:grpSpPr>
+          <p:sp>
+            <p:nvSpPr>
+              <p:cNvPr id="194" name="타원 193">
+                <a:extLst>
+                  <a:ext uri="{FF2B5EF4-FFF2-40B4-BE49-F238E27FC236}">
+                    <a16:creationId xmlns:a16="http://schemas.microsoft.com/office/drawing/2014/main" id="{8F35E20E-9774-4B5F-973A-5B651D14B4EC}"/>
+                  </a:ext>
+                </a:extLst>
+              </p:cNvPr>
+              <p:cNvSpPr/>
+              <p:nvPr/>
+            </p:nvSpPr>
+            <p:spPr>
+              <a:xfrm>
+                <a:off x="12588486" y="5547830"/>
+                <a:ext cx="107734" cy="107734"/>
+              </a:xfrm>
+              <a:prstGeom prst="ellipse">
+                <a:avLst/>
+              </a:prstGeom>
+              <a:solidFill>
+                <a:schemeClr val="bg1"/>
+              </a:solidFill>
+              <a:ln w="28575">
+                <a:solidFill>
+                  <a:srgbClr val="FF0000"/>
+                </a:solidFill>
+              </a:ln>
+            </p:spPr>
+            <p:style>
+              <a:lnRef idx="2">
+                <a:schemeClr val="accent1">
+                  <a:shade val="50000"/>
+                </a:schemeClr>
+              </a:lnRef>
+              <a:fillRef idx="1">
+                <a:schemeClr val="accent1"/>
+              </a:fillRef>
+              <a:effectRef idx="0">
+                <a:schemeClr val="accent1"/>
+              </a:effectRef>
+              <a:fontRef idx="minor">
+                <a:schemeClr val="lt1"/>
+              </a:fontRef>
+            </p:style>
+            <p:txBody>
+              <a:bodyPr rtlCol="0" anchor="ctr"/>
+              <a:lstStyle/>
+              <a:p>
+                <a:pPr algn="ctr"/>
+                <a:endParaRPr lang="en-US"/>
+              </a:p>
+            </p:txBody>
+          </p:sp>
+          <p:cxnSp>
+            <p:nvCxnSpPr>
+              <p:cNvPr id="195" name="직선 화살표 연결선 194">
+                <a:extLst>
+                  <a:ext uri="{FF2B5EF4-FFF2-40B4-BE49-F238E27FC236}">
+                    <a16:creationId xmlns:a16="http://schemas.microsoft.com/office/drawing/2014/main" id="{C9D6FE1C-2405-4C6F-9A60-D297EB616D58}"/>
+                  </a:ext>
+                </a:extLst>
+              </p:cNvPr>
+              <p:cNvCxnSpPr>
+                <a:cxnSpLocks/>
+              </p:cNvCxnSpPr>
+              <p:nvPr/>
+            </p:nvCxnSpPr>
+            <p:spPr>
+              <a:xfrm flipH="1" flipV="1">
+                <a:off x="12588486" y="5093967"/>
+                <a:ext cx="53867" cy="514264"/>
+              </a:xfrm>
+              <a:prstGeom prst="straightConnector1">
+                <a:avLst/>
+              </a:prstGeom>
+              <a:ln w="28575">
+                <a:solidFill>
+                  <a:schemeClr val="tx1"/>
+                </a:solidFill>
+                <a:tailEnd type="triangle"/>
+              </a:ln>
+            </p:spPr>
+            <p:style>
+              <a:lnRef idx="1">
+                <a:schemeClr val="accent1"/>
+              </a:lnRef>
+              <a:fillRef idx="0">
+                <a:schemeClr val="accent1"/>
+              </a:fillRef>
+              <a:effectRef idx="0">
+                <a:schemeClr val="accent1"/>
+              </a:effectRef>
+              <a:fontRef idx="minor">
+                <a:schemeClr val="tx1"/>
+              </a:fontRef>
+            </p:style>
+          </p:cxnSp>
+        </p:grpSp>
+        <p:grpSp>
+          <p:nvGrpSpPr>
+            <p:cNvPr id="196" name="그룹 195">
+              <a:extLst>
+                <a:ext uri="{FF2B5EF4-FFF2-40B4-BE49-F238E27FC236}">
+                  <a16:creationId xmlns:a16="http://schemas.microsoft.com/office/drawing/2014/main" id="{CCC935B6-6CFA-4E6B-B49C-5665911A7CFC}"/>
+                </a:ext>
+              </a:extLst>
+            </p:cNvPr>
+            <p:cNvGrpSpPr/>
+            <p:nvPr/>
+          </p:nvGrpSpPr>
+          <p:grpSpPr>
+            <a:xfrm>
+              <a:off x="11914686" y="6181706"/>
+              <a:ext cx="107734" cy="561597"/>
+              <a:chOff x="12588486" y="5093967"/>
+              <a:chExt cx="107734" cy="561597"/>
+            </a:xfrm>
+          </p:grpSpPr>
+          <p:sp>
+            <p:nvSpPr>
+              <p:cNvPr id="197" name="타원 196">
+                <a:extLst>
+                  <a:ext uri="{FF2B5EF4-FFF2-40B4-BE49-F238E27FC236}">
+                    <a16:creationId xmlns:a16="http://schemas.microsoft.com/office/drawing/2014/main" id="{C07D6CC5-0FBF-46DE-A9BF-866A0E60DA7D}"/>
+                  </a:ext>
+                </a:extLst>
+              </p:cNvPr>
+              <p:cNvSpPr/>
+              <p:nvPr/>
+            </p:nvSpPr>
+            <p:spPr>
+              <a:xfrm>
+                <a:off x="12588486" y="5547830"/>
+                <a:ext cx="107734" cy="107734"/>
+              </a:xfrm>
+              <a:prstGeom prst="ellipse">
+                <a:avLst/>
+              </a:prstGeom>
+              <a:solidFill>
+                <a:schemeClr val="bg1"/>
+              </a:solidFill>
+              <a:ln w="28575">
+                <a:solidFill>
+                  <a:srgbClr val="FF0000"/>
+                </a:solidFill>
+              </a:ln>
+            </p:spPr>
+            <p:style>
+              <a:lnRef idx="2">
+                <a:schemeClr val="accent1">
+                  <a:shade val="50000"/>
+                </a:schemeClr>
+              </a:lnRef>
+              <a:fillRef idx="1">
+                <a:schemeClr val="accent1"/>
+              </a:fillRef>
+              <a:effectRef idx="0">
+                <a:schemeClr val="accent1"/>
+              </a:effectRef>
+              <a:fontRef idx="minor">
+                <a:schemeClr val="lt1"/>
+              </a:fontRef>
+            </p:style>
+            <p:txBody>
+              <a:bodyPr rtlCol="0" anchor="ctr"/>
+              <a:lstStyle/>
+              <a:p>
+                <a:pPr algn="ctr"/>
+                <a:endParaRPr lang="en-US"/>
+              </a:p>
+            </p:txBody>
+          </p:sp>
+          <p:cxnSp>
+            <p:nvCxnSpPr>
+              <p:cNvPr id="198" name="직선 화살표 연결선 197">
+                <a:extLst>
+                  <a:ext uri="{FF2B5EF4-FFF2-40B4-BE49-F238E27FC236}">
+                    <a16:creationId xmlns:a16="http://schemas.microsoft.com/office/drawing/2014/main" id="{326A69C0-CB6A-45E1-B8F1-211EBA234BE7}"/>
+                  </a:ext>
+                </a:extLst>
+              </p:cNvPr>
+              <p:cNvCxnSpPr>
+                <a:cxnSpLocks/>
+              </p:cNvCxnSpPr>
+              <p:nvPr/>
+            </p:nvCxnSpPr>
+            <p:spPr>
+              <a:xfrm flipH="1" flipV="1">
+                <a:off x="12620531" y="5093967"/>
+                <a:ext cx="21822" cy="514264"/>
+              </a:xfrm>
+              <a:prstGeom prst="straightConnector1">
+                <a:avLst/>
+              </a:prstGeom>
+              <a:ln w="28575">
+                <a:solidFill>
+                  <a:schemeClr val="tx1"/>
+                </a:solidFill>
+                <a:tailEnd type="triangle"/>
+              </a:ln>
+            </p:spPr>
+            <p:style>
+              <a:lnRef idx="1">
+                <a:schemeClr val="accent1"/>
+              </a:lnRef>
+              <a:fillRef idx="0">
+                <a:schemeClr val="accent1"/>
+              </a:fillRef>
+              <a:effectRef idx="0">
+                <a:schemeClr val="accent1"/>
+              </a:effectRef>
+              <a:fontRef idx="minor">
+                <a:schemeClr val="tx1"/>
+              </a:fontRef>
+            </p:style>
+          </p:cxnSp>
+        </p:grpSp>
+        <p:grpSp>
+          <p:nvGrpSpPr>
+            <p:cNvPr id="205" name="그룹 204">
+              <a:extLst>
+                <a:ext uri="{FF2B5EF4-FFF2-40B4-BE49-F238E27FC236}">
+                  <a16:creationId xmlns:a16="http://schemas.microsoft.com/office/drawing/2014/main" id="{B5EDEEB4-273A-46A6-BEBF-29BD6DD63107}"/>
+                </a:ext>
+              </a:extLst>
+            </p:cNvPr>
+            <p:cNvGrpSpPr/>
+            <p:nvPr/>
+          </p:nvGrpSpPr>
+          <p:grpSpPr>
+            <a:xfrm>
+              <a:off x="12085437" y="5835764"/>
+              <a:ext cx="107734" cy="547139"/>
+              <a:chOff x="12588486" y="5108425"/>
+              <a:chExt cx="107734" cy="547139"/>
+            </a:xfrm>
+          </p:grpSpPr>
+          <p:sp>
+            <p:nvSpPr>
+              <p:cNvPr id="206" name="타원 205">
+                <a:extLst>
+                  <a:ext uri="{FF2B5EF4-FFF2-40B4-BE49-F238E27FC236}">
+                    <a16:creationId xmlns:a16="http://schemas.microsoft.com/office/drawing/2014/main" id="{4E092E7A-25B2-4FFF-8281-39EBD0FD3A3A}"/>
+                  </a:ext>
+                </a:extLst>
+              </p:cNvPr>
+              <p:cNvSpPr/>
+              <p:nvPr/>
+            </p:nvSpPr>
+            <p:spPr>
+              <a:xfrm>
+                <a:off x="12588486" y="5547830"/>
+                <a:ext cx="107734" cy="107734"/>
+              </a:xfrm>
+              <a:prstGeom prst="ellipse">
+                <a:avLst/>
+              </a:prstGeom>
+              <a:solidFill>
+                <a:schemeClr val="bg1"/>
+              </a:solidFill>
+              <a:ln w="28575">
+                <a:solidFill>
+                  <a:srgbClr val="FF0000"/>
+                </a:solidFill>
+              </a:ln>
+            </p:spPr>
+            <p:style>
+              <a:lnRef idx="2">
+                <a:schemeClr val="accent1">
+                  <a:shade val="50000"/>
+                </a:schemeClr>
+              </a:lnRef>
+              <a:fillRef idx="1">
+                <a:schemeClr val="accent1"/>
+              </a:fillRef>
+              <a:effectRef idx="0">
+                <a:schemeClr val="accent1"/>
+              </a:effectRef>
+              <a:fontRef idx="minor">
+                <a:schemeClr val="lt1"/>
+              </a:fontRef>
+            </p:style>
+            <p:txBody>
+              <a:bodyPr rtlCol="0" anchor="ctr"/>
+              <a:lstStyle/>
+              <a:p>
+                <a:pPr algn="ctr"/>
+                <a:endParaRPr lang="en-US"/>
+              </a:p>
+            </p:txBody>
+          </p:sp>
+          <p:cxnSp>
+            <p:nvCxnSpPr>
+              <p:cNvPr id="207" name="직선 화살표 연결선 206">
+                <a:extLst>
+                  <a:ext uri="{FF2B5EF4-FFF2-40B4-BE49-F238E27FC236}">
+                    <a16:creationId xmlns:a16="http://schemas.microsoft.com/office/drawing/2014/main" id="{D53CBB8B-D19C-4D14-BF64-2B0E62C4A927}"/>
+                  </a:ext>
+                </a:extLst>
+              </p:cNvPr>
+              <p:cNvCxnSpPr>
+                <a:cxnSpLocks/>
+              </p:cNvCxnSpPr>
+              <p:nvPr/>
+            </p:nvCxnSpPr>
+            <p:spPr>
+              <a:xfrm flipH="1" flipV="1">
+                <a:off x="12588486" y="5108425"/>
+                <a:ext cx="53867" cy="499806"/>
+              </a:xfrm>
+              <a:prstGeom prst="straightConnector1">
+                <a:avLst/>
+              </a:prstGeom>
+              <a:ln w="28575">
+                <a:solidFill>
+                  <a:schemeClr val="tx1"/>
+                </a:solidFill>
+                <a:tailEnd type="triangle"/>
+              </a:ln>
+            </p:spPr>
+            <p:style>
+              <a:lnRef idx="1">
+                <a:schemeClr val="accent1"/>
+              </a:lnRef>
+              <a:fillRef idx="0">
+                <a:schemeClr val="accent1"/>
+              </a:fillRef>
+              <a:effectRef idx="0">
+                <a:schemeClr val="accent1"/>
+              </a:effectRef>
+              <a:fontRef idx="minor">
+                <a:schemeClr val="tx1"/>
+              </a:fontRef>
+            </p:style>
+          </p:cxnSp>
+        </p:grpSp>
+        <p:grpSp>
+          <p:nvGrpSpPr>
+            <p:cNvPr id="208" name="그룹 207">
+              <a:extLst>
+                <a:ext uri="{FF2B5EF4-FFF2-40B4-BE49-F238E27FC236}">
+                  <a16:creationId xmlns:a16="http://schemas.microsoft.com/office/drawing/2014/main" id="{887DEDAD-121D-4097-BE0E-10B6D985560B}"/>
+                </a:ext>
+              </a:extLst>
+            </p:cNvPr>
+            <p:cNvGrpSpPr/>
+            <p:nvPr/>
+          </p:nvGrpSpPr>
+          <p:grpSpPr>
+            <a:xfrm>
+              <a:off x="12085437" y="6001506"/>
+              <a:ext cx="107734" cy="561597"/>
+              <a:chOff x="12588486" y="5093967"/>
+              <a:chExt cx="107734" cy="561597"/>
+            </a:xfrm>
+          </p:grpSpPr>
+          <p:sp>
+            <p:nvSpPr>
+              <p:cNvPr id="209" name="타원 208">
+                <a:extLst>
+                  <a:ext uri="{FF2B5EF4-FFF2-40B4-BE49-F238E27FC236}">
+                    <a16:creationId xmlns:a16="http://schemas.microsoft.com/office/drawing/2014/main" id="{41036078-395A-4125-B411-9F579B22E24E}"/>
+                  </a:ext>
+                </a:extLst>
+              </p:cNvPr>
+              <p:cNvSpPr/>
+              <p:nvPr/>
+            </p:nvSpPr>
+            <p:spPr>
+              <a:xfrm>
+                <a:off x="12588486" y="5547830"/>
+                <a:ext cx="107734" cy="107734"/>
+              </a:xfrm>
+              <a:prstGeom prst="ellipse">
+                <a:avLst/>
+              </a:prstGeom>
+              <a:solidFill>
+                <a:schemeClr val="bg1"/>
+              </a:solidFill>
+              <a:ln w="28575">
+                <a:solidFill>
+                  <a:srgbClr val="FF0000"/>
+                </a:solidFill>
+              </a:ln>
+            </p:spPr>
+            <p:style>
+              <a:lnRef idx="2">
+                <a:schemeClr val="accent1">
+                  <a:shade val="50000"/>
+                </a:schemeClr>
+              </a:lnRef>
+              <a:fillRef idx="1">
+                <a:schemeClr val="accent1"/>
+              </a:fillRef>
+              <a:effectRef idx="0">
+                <a:schemeClr val="accent1"/>
+              </a:effectRef>
+              <a:fontRef idx="minor">
+                <a:schemeClr val="lt1"/>
+              </a:fontRef>
+            </p:style>
+            <p:txBody>
+              <a:bodyPr rtlCol="0" anchor="ctr"/>
+              <a:lstStyle/>
+              <a:p>
+                <a:pPr algn="ctr"/>
+                <a:endParaRPr lang="en-US"/>
+              </a:p>
+            </p:txBody>
+          </p:sp>
+          <p:cxnSp>
+            <p:nvCxnSpPr>
+              <p:cNvPr id="210" name="직선 화살표 연결선 209">
+                <a:extLst>
+                  <a:ext uri="{FF2B5EF4-FFF2-40B4-BE49-F238E27FC236}">
+                    <a16:creationId xmlns:a16="http://schemas.microsoft.com/office/drawing/2014/main" id="{3AE4CDA9-255D-44C0-9D72-68ADB5679822}"/>
+                  </a:ext>
+                </a:extLst>
+              </p:cNvPr>
+              <p:cNvCxnSpPr>
+                <a:cxnSpLocks/>
+              </p:cNvCxnSpPr>
+              <p:nvPr/>
+            </p:nvCxnSpPr>
+            <p:spPr>
+              <a:xfrm flipH="1" flipV="1">
+                <a:off x="12614087" y="5093967"/>
+                <a:ext cx="28266" cy="514264"/>
+              </a:xfrm>
+              <a:prstGeom prst="straightConnector1">
+                <a:avLst/>
+              </a:prstGeom>
+              <a:ln w="28575">
+                <a:solidFill>
+                  <a:schemeClr val="tx1"/>
+                </a:solidFill>
+                <a:tailEnd type="triangle"/>
+              </a:ln>
+            </p:spPr>
+            <p:style>
+              <a:lnRef idx="1">
+                <a:schemeClr val="accent1"/>
+              </a:lnRef>
+              <a:fillRef idx="0">
+                <a:schemeClr val="accent1"/>
+              </a:fillRef>
+              <a:effectRef idx="0">
+                <a:schemeClr val="accent1"/>
+              </a:effectRef>
+              <a:fontRef idx="minor">
+                <a:schemeClr val="tx1"/>
+              </a:fontRef>
+            </p:style>
+          </p:cxnSp>
+        </p:grpSp>
+        <p:grpSp>
+          <p:nvGrpSpPr>
+            <p:cNvPr id="211" name="그룹 210">
+              <a:extLst>
+                <a:ext uri="{FF2B5EF4-FFF2-40B4-BE49-F238E27FC236}">
+                  <a16:creationId xmlns:a16="http://schemas.microsoft.com/office/drawing/2014/main" id="{5BCB0EE2-8C90-49D8-8235-304AD6B997AB}"/>
+                </a:ext>
+              </a:extLst>
+            </p:cNvPr>
+            <p:cNvGrpSpPr/>
+            <p:nvPr/>
+          </p:nvGrpSpPr>
+          <p:grpSpPr>
+            <a:xfrm>
+              <a:off x="12085437" y="6181706"/>
+              <a:ext cx="107734" cy="561597"/>
+              <a:chOff x="12588486" y="5093967"/>
+              <a:chExt cx="107734" cy="561597"/>
+            </a:xfrm>
+          </p:grpSpPr>
+          <p:sp>
+            <p:nvSpPr>
+              <p:cNvPr id="212" name="타원 211">
+                <a:extLst>
+                  <a:ext uri="{FF2B5EF4-FFF2-40B4-BE49-F238E27FC236}">
+                    <a16:creationId xmlns:a16="http://schemas.microsoft.com/office/drawing/2014/main" id="{EDD10755-4A39-4245-9CE6-742188C0DAC9}"/>
+                  </a:ext>
+                </a:extLst>
+              </p:cNvPr>
+              <p:cNvSpPr/>
+              <p:nvPr/>
+            </p:nvSpPr>
+            <p:spPr>
+              <a:xfrm>
+                <a:off x="12588486" y="5547830"/>
+                <a:ext cx="107734" cy="107734"/>
+              </a:xfrm>
+              <a:prstGeom prst="ellipse">
+                <a:avLst/>
+              </a:prstGeom>
+              <a:solidFill>
+                <a:schemeClr val="bg1"/>
+              </a:solidFill>
+              <a:ln w="28575">
+                <a:solidFill>
+                  <a:srgbClr val="FF0000"/>
+                </a:solidFill>
+              </a:ln>
+            </p:spPr>
+            <p:style>
+              <a:lnRef idx="2">
+                <a:schemeClr val="accent1">
+                  <a:shade val="50000"/>
+                </a:schemeClr>
+              </a:lnRef>
+              <a:fillRef idx="1">
+                <a:schemeClr val="accent1"/>
+              </a:fillRef>
+              <a:effectRef idx="0">
+                <a:schemeClr val="accent1"/>
+              </a:effectRef>
+              <a:fontRef idx="minor">
+                <a:schemeClr val="lt1"/>
+              </a:fontRef>
+            </p:style>
+            <p:txBody>
+              <a:bodyPr rtlCol="0" anchor="ctr"/>
+              <a:lstStyle/>
+              <a:p>
+                <a:pPr algn="ctr"/>
+                <a:endParaRPr lang="en-US"/>
+              </a:p>
+            </p:txBody>
+          </p:sp>
+          <p:cxnSp>
+            <p:nvCxnSpPr>
+              <p:cNvPr id="213" name="직선 화살표 연결선 212">
+                <a:extLst>
+                  <a:ext uri="{FF2B5EF4-FFF2-40B4-BE49-F238E27FC236}">
+                    <a16:creationId xmlns:a16="http://schemas.microsoft.com/office/drawing/2014/main" id="{7F6A7D95-6279-41C3-BCDA-544932A7F4C7}"/>
+                  </a:ext>
+                </a:extLst>
+              </p:cNvPr>
+              <p:cNvCxnSpPr>
+                <a:cxnSpLocks/>
+              </p:cNvCxnSpPr>
+              <p:nvPr/>
+            </p:nvCxnSpPr>
+            <p:spPr>
+              <a:xfrm flipH="1" flipV="1">
+                <a:off x="12614087" y="5093967"/>
+                <a:ext cx="28266" cy="514264"/>
+              </a:xfrm>
+              <a:prstGeom prst="straightConnector1">
+                <a:avLst/>
+              </a:prstGeom>
+              <a:ln w="28575">
+                <a:solidFill>
+                  <a:schemeClr val="tx1"/>
+                </a:solidFill>
+                <a:tailEnd type="triangle"/>
+              </a:ln>
+            </p:spPr>
+            <p:style>
+              <a:lnRef idx="1">
+                <a:schemeClr val="accent1"/>
+              </a:lnRef>
+              <a:fillRef idx="0">
+                <a:schemeClr val="accent1"/>
+              </a:fillRef>
+              <a:effectRef idx="0">
+                <a:schemeClr val="accent1"/>
+              </a:effectRef>
+              <a:fontRef idx="minor">
+                <a:schemeClr val="tx1"/>
+              </a:fontRef>
+            </p:style>
+          </p:cxnSp>
+        </p:grpSp>
+        <p:grpSp>
+          <p:nvGrpSpPr>
+            <p:cNvPr id="217" name="그룹 216">
+              <a:extLst>
+                <a:ext uri="{FF2B5EF4-FFF2-40B4-BE49-F238E27FC236}">
+                  <a16:creationId xmlns:a16="http://schemas.microsoft.com/office/drawing/2014/main" id="{63D88F38-995D-4E30-8A5C-AA2281A7C041}"/>
+                </a:ext>
+              </a:extLst>
+            </p:cNvPr>
+            <p:cNvGrpSpPr/>
+            <p:nvPr/>
+          </p:nvGrpSpPr>
+          <p:grpSpPr>
+            <a:xfrm>
+              <a:off x="12256188" y="5641106"/>
+              <a:ext cx="107734" cy="561597"/>
+              <a:chOff x="12588486" y="5093967"/>
+              <a:chExt cx="107734" cy="561597"/>
+            </a:xfrm>
+          </p:grpSpPr>
+          <p:sp>
+            <p:nvSpPr>
+              <p:cNvPr id="218" name="타원 217">
+                <a:extLst>
+                  <a:ext uri="{FF2B5EF4-FFF2-40B4-BE49-F238E27FC236}">
+                    <a16:creationId xmlns:a16="http://schemas.microsoft.com/office/drawing/2014/main" id="{FC0897D0-E140-4ECB-ABDA-5C3C87588F64}"/>
+                  </a:ext>
+                </a:extLst>
+              </p:cNvPr>
+              <p:cNvSpPr/>
+              <p:nvPr/>
+            </p:nvSpPr>
+            <p:spPr>
+              <a:xfrm>
+                <a:off x="12588486" y="5547830"/>
+                <a:ext cx="107734" cy="107734"/>
+              </a:xfrm>
+              <a:prstGeom prst="ellipse">
+                <a:avLst/>
+              </a:prstGeom>
+              <a:solidFill>
+                <a:schemeClr val="bg1"/>
+              </a:solidFill>
+              <a:ln w="28575">
+                <a:solidFill>
+                  <a:srgbClr val="FF0000"/>
+                </a:solidFill>
+              </a:ln>
+            </p:spPr>
+            <p:style>
+              <a:lnRef idx="2">
+                <a:schemeClr val="accent1">
+                  <a:shade val="50000"/>
+                </a:schemeClr>
+              </a:lnRef>
+              <a:fillRef idx="1">
+                <a:schemeClr val="accent1"/>
+              </a:fillRef>
+              <a:effectRef idx="0">
+                <a:schemeClr val="accent1"/>
+              </a:effectRef>
+              <a:fontRef idx="minor">
+                <a:schemeClr val="lt1"/>
+              </a:fontRef>
+            </p:style>
+            <p:txBody>
+              <a:bodyPr rtlCol="0" anchor="ctr"/>
+              <a:lstStyle/>
+              <a:p>
+                <a:pPr algn="ctr"/>
+                <a:endParaRPr lang="en-US"/>
+              </a:p>
+            </p:txBody>
+          </p:sp>
+          <p:cxnSp>
+            <p:nvCxnSpPr>
+              <p:cNvPr id="219" name="직선 화살표 연결선 218">
+                <a:extLst>
+                  <a:ext uri="{FF2B5EF4-FFF2-40B4-BE49-F238E27FC236}">
+                    <a16:creationId xmlns:a16="http://schemas.microsoft.com/office/drawing/2014/main" id="{7C9F0B71-2A2F-4B3B-A8DF-89FE4D05CF58}"/>
+                  </a:ext>
+                </a:extLst>
+              </p:cNvPr>
+              <p:cNvCxnSpPr>
+                <a:cxnSpLocks/>
+              </p:cNvCxnSpPr>
+              <p:nvPr/>
+            </p:nvCxnSpPr>
+            <p:spPr>
+              <a:xfrm flipH="1" flipV="1">
+                <a:off x="12612404" y="5093967"/>
+                <a:ext cx="29949" cy="514264"/>
+              </a:xfrm>
+              <a:prstGeom prst="straightConnector1">
+                <a:avLst/>
+              </a:prstGeom>
+              <a:ln w="28575">
+                <a:solidFill>
+                  <a:schemeClr val="tx1"/>
+                </a:solidFill>
+                <a:tailEnd type="triangle"/>
+              </a:ln>
+            </p:spPr>
+            <p:style>
+              <a:lnRef idx="1">
+                <a:schemeClr val="accent1"/>
+              </a:lnRef>
+              <a:fillRef idx="0">
+                <a:schemeClr val="accent1"/>
+              </a:fillRef>
+              <a:effectRef idx="0">
+                <a:schemeClr val="accent1"/>
+              </a:effectRef>
+              <a:fontRef idx="minor">
+                <a:schemeClr val="tx1"/>
+              </a:fontRef>
+            </p:style>
+          </p:cxnSp>
+        </p:grpSp>
+        <p:grpSp>
+          <p:nvGrpSpPr>
+            <p:cNvPr id="220" name="그룹 219">
+              <a:extLst>
+                <a:ext uri="{FF2B5EF4-FFF2-40B4-BE49-F238E27FC236}">
+                  <a16:creationId xmlns:a16="http://schemas.microsoft.com/office/drawing/2014/main" id="{F8788EC4-AB43-4F9E-953F-6FF3D6CDEEB3}"/>
+                </a:ext>
+              </a:extLst>
+            </p:cNvPr>
+            <p:cNvGrpSpPr/>
+            <p:nvPr/>
+          </p:nvGrpSpPr>
+          <p:grpSpPr>
+            <a:xfrm>
+              <a:off x="12256188" y="5821306"/>
+              <a:ext cx="107734" cy="561597"/>
+              <a:chOff x="12588486" y="5093967"/>
+              <a:chExt cx="107734" cy="561597"/>
+            </a:xfrm>
+          </p:grpSpPr>
+          <p:sp>
+            <p:nvSpPr>
+              <p:cNvPr id="221" name="타원 220">
+                <a:extLst>
+                  <a:ext uri="{FF2B5EF4-FFF2-40B4-BE49-F238E27FC236}">
+                    <a16:creationId xmlns:a16="http://schemas.microsoft.com/office/drawing/2014/main" id="{53A78C88-2D70-4B17-9FCC-7EEB95DAD7BB}"/>
+                  </a:ext>
+                </a:extLst>
+              </p:cNvPr>
+              <p:cNvSpPr/>
+              <p:nvPr/>
+            </p:nvSpPr>
+            <p:spPr>
+              <a:xfrm>
+                <a:off x="12588486" y="5547830"/>
+                <a:ext cx="107734" cy="107734"/>
+              </a:xfrm>
+              <a:prstGeom prst="ellipse">
+                <a:avLst/>
+              </a:prstGeom>
+              <a:solidFill>
+                <a:schemeClr val="bg1"/>
+              </a:solidFill>
+              <a:ln w="28575">
+                <a:solidFill>
+                  <a:srgbClr val="FF0000"/>
+                </a:solidFill>
+              </a:ln>
+            </p:spPr>
+            <p:style>
+              <a:lnRef idx="2">
+                <a:schemeClr val="accent1">
+                  <a:shade val="50000"/>
+                </a:schemeClr>
+              </a:lnRef>
+              <a:fillRef idx="1">
+                <a:schemeClr val="accent1"/>
+              </a:fillRef>
+              <a:effectRef idx="0">
+                <a:schemeClr val="accent1"/>
+              </a:effectRef>
+              <a:fontRef idx="minor">
+                <a:schemeClr val="lt1"/>
+              </a:fontRef>
+            </p:style>
+            <p:txBody>
+              <a:bodyPr rtlCol="0" anchor="ctr"/>
+              <a:lstStyle/>
+              <a:p>
+                <a:pPr algn="ctr"/>
+                <a:endParaRPr lang="en-US"/>
+              </a:p>
+            </p:txBody>
+          </p:sp>
+          <p:cxnSp>
+            <p:nvCxnSpPr>
+              <p:cNvPr id="222" name="직선 화살표 연결선 221">
+                <a:extLst>
+                  <a:ext uri="{FF2B5EF4-FFF2-40B4-BE49-F238E27FC236}">
+                    <a16:creationId xmlns:a16="http://schemas.microsoft.com/office/drawing/2014/main" id="{84F8A9FA-64D5-4238-8B4C-0F56109FB09A}"/>
+                  </a:ext>
+                </a:extLst>
+              </p:cNvPr>
+              <p:cNvCxnSpPr>
+                <a:cxnSpLocks/>
+              </p:cNvCxnSpPr>
+              <p:nvPr/>
+            </p:nvCxnSpPr>
+            <p:spPr>
+              <a:xfrm flipV="1">
+                <a:off x="12642353" y="5093967"/>
+                <a:ext cx="0" cy="514263"/>
+              </a:xfrm>
+              <a:prstGeom prst="straightConnector1">
+                <a:avLst/>
+              </a:prstGeom>
+              <a:ln w="28575">
+                <a:solidFill>
+                  <a:schemeClr val="tx1"/>
+                </a:solidFill>
+                <a:tailEnd type="triangle"/>
+              </a:ln>
+            </p:spPr>
+            <p:style>
+              <a:lnRef idx="1">
+                <a:schemeClr val="accent1"/>
+              </a:lnRef>
+              <a:fillRef idx="0">
+                <a:schemeClr val="accent1"/>
+              </a:fillRef>
+              <a:effectRef idx="0">
+                <a:schemeClr val="accent1"/>
+              </a:effectRef>
+              <a:fontRef idx="minor">
+                <a:schemeClr val="tx1"/>
+              </a:fontRef>
+            </p:style>
+          </p:cxnSp>
+        </p:grpSp>
+        <p:grpSp>
+          <p:nvGrpSpPr>
+            <p:cNvPr id="223" name="그룹 222">
+              <a:extLst>
+                <a:ext uri="{FF2B5EF4-FFF2-40B4-BE49-F238E27FC236}">
+                  <a16:creationId xmlns:a16="http://schemas.microsoft.com/office/drawing/2014/main" id="{E8319DCE-2105-4627-8E28-4DD8B154CC66}"/>
+                </a:ext>
+              </a:extLst>
+            </p:cNvPr>
+            <p:cNvGrpSpPr/>
+            <p:nvPr/>
+          </p:nvGrpSpPr>
+          <p:grpSpPr>
+            <a:xfrm>
+              <a:off x="12256188" y="6001506"/>
+              <a:ext cx="107734" cy="561597"/>
+              <a:chOff x="12588486" y="5093967"/>
+              <a:chExt cx="107734" cy="561597"/>
+            </a:xfrm>
+          </p:grpSpPr>
+          <p:sp>
+            <p:nvSpPr>
+              <p:cNvPr id="224" name="타원 223">
+                <a:extLst>
+                  <a:ext uri="{FF2B5EF4-FFF2-40B4-BE49-F238E27FC236}">
+                    <a16:creationId xmlns:a16="http://schemas.microsoft.com/office/drawing/2014/main" id="{35AEDEC1-CB0D-4090-A53A-05F46DF3C9BE}"/>
+                  </a:ext>
+                </a:extLst>
+              </p:cNvPr>
+              <p:cNvSpPr/>
+              <p:nvPr/>
+            </p:nvSpPr>
+            <p:spPr>
+              <a:xfrm>
+                <a:off x="12588486" y="5547830"/>
+                <a:ext cx="107734" cy="107734"/>
+              </a:xfrm>
+              <a:prstGeom prst="ellipse">
+                <a:avLst/>
+              </a:prstGeom>
+              <a:solidFill>
+                <a:schemeClr val="bg1"/>
+              </a:solidFill>
+              <a:ln w="28575">
+                <a:solidFill>
+                  <a:srgbClr val="FF0000"/>
+                </a:solidFill>
+              </a:ln>
+            </p:spPr>
+            <p:style>
+              <a:lnRef idx="2">
+                <a:schemeClr val="accent1">
+                  <a:shade val="50000"/>
+                </a:schemeClr>
+              </a:lnRef>
+              <a:fillRef idx="1">
+                <a:schemeClr val="accent1"/>
+              </a:fillRef>
+              <a:effectRef idx="0">
+                <a:schemeClr val="accent1"/>
+              </a:effectRef>
+              <a:fontRef idx="minor">
+                <a:schemeClr val="lt1"/>
+              </a:fontRef>
+            </p:style>
+            <p:txBody>
+              <a:bodyPr rtlCol="0" anchor="ctr"/>
+              <a:lstStyle/>
+              <a:p>
+                <a:pPr algn="ctr"/>
+                <a:endParaRPr lang="en-US"/>
+              </a:p>
+            </p:txBody>
+          </p:sp>
+          <p:cxnSp>
+            <p:nvCxnSpPr>
+              <p:cNvPr id="225" name="직선 화살표 연결선 224">
+                <a:extLst>
+                  <a:ext uri="{FF2B5EF4-FFF2-40B4-BE49-F238E27FC236}">
+                    <a16:creationId xmlns:a16="http://schemas.microsoft.com/office/drawing/2014/main" id="{C557B6D6-75C0-42F2-B8A6-191768342B33}"/>
+                  </a:ext>
+                </a:extLst>
+              </p:cNvPr>
+              <p:cNvCxnSpPr>
+                <a:cxnSpLocks/>
+              </p:cNvCxnSpPr>
+              <p:nvPr/>
+            </p:nvCxnSpPr>
+            <p:spPr>
+              <a:xfrm flipV="1">
+                <a:off x="12642353" y="5093967"/>
+                <a:ext cx="0" cy="514263"/>
+              </a:xfrm>
+              <a:prstGeom prst="straightConnector1">
+                <a:avLst/>
+              </a:prstGeom>
+              <a:ln w="28575">
+                <a:solidFill>
+                  <a:schemeClr val="tx1"/>
+                </a:solidFill>
+                <a:tailEnd type="triangle"/>
+              </a:ln>
+            </p:spPr>
+            <p:style>
+              <a:lnRef idx="1">
+                <a:schemeClr val="accent1"/>
+              </a:lnRef>
+              <a:fillRef idx="0">
+                <a:schemeClr val="accent1"/>
+              </a:fillRef>
+              <a:effectRef idx="0">
+                <a:schemeClr val="accent1"/>
+              </a:effectRef>
+              <a:fontRef idx="minor">
+                <a:schemeClr val="tx1"/>
+              </a:fontRef>
+            </p:style>
+          </p:cxnSp>
+        </p:grpSp>
+        <p:grpSp>
+          <p:nvGrpSpPr>
+            <p:cNvPr id="226" name="그룹 225">
+              <a:extLst>
+                <a:ext uri="{FF2B5EF4-FFF2-40B4-BE49-F238E27FC236}">
+                  <a16:creationId xmlns:a16="http://schemas.microsoft.com/office/drawing/2014/main" id="{6BBF4B81-7F98-4A1A-8CFB-9E2656FA7E9D}"/>
+                </a:ext>
+              </a:extLst>
+            </p:cNvPr>
+            <p:cNvGrpSpPr/>
+            <p:nvPr/>
+          </p:nvGrpSpPr>
+          <p:grpSpPr>
+            <a:xfrm>
+              <a:off x="12256188" y="6186926"/>
+              <a:ext cx="107734" cy="556377"/>
+              <a:chOff x="12588486" y="5099187"/>
+              <a:chExt cx="107734" cy="556377"/>
+            </a:xfrm>
+          </p:grpSpPr>
+          <p:sp>
+            <p:nvSpPr>
+              <p:cNvPr id="227" name="타원 226">
+                <a:extLst>
+                  <a:ext uri="{FF2B5EF4-FFF2-40B4-BE49-F238E27FC236}">
+                    <a16:creationId xmlns:a16="http://schemas.microsoft.com/office/drawing/2014/main" id="{A51CFFBF-2D56-427F-8A59-CF3095152804}"/>
+                  </a:ext>
+                </a:extLst>
+              </p:cNvPr>
+              <p:cNvSpPr/>
+              <p:nvPr/>
+            </p:nvSpPr>
+            <p:spPr>
+              <a:xfrm>
+                <a:off x="12588486" y="5547830"/>
+                <a:ext cx="107734" cy="107734"/>
+              </a:xfrm>
+              <a:prstGeom prst="ellipse">
+                <a:avLst/>
+              </a:prstGeom>
+              <a:solidFill>
+                <a:schemeClr val="bg1"/>
+              </a:solidFill>
+              <a:ln w="28575">
+                <a:solidFill>
+                  <a:srgbClr val="FF0000"/>
+                </a:solidFill>
+              </a:ln>
+            </p:spPr>
+            <p:style>
+              <a:lnRef idx="2">
+                <a:schemeClr val="accent1">
+                  <a:shade val="50000"/>
+                </a:schemeClr>
+              </a:lnRef>
+              <a:fillRef idx="1">
+                <a:schemeClr val="accent1"/>
+              </a:fillRef>
+              <a:effectRef idx="0">
+                <a:schemeClr val="accent1"/>
+              </a:effectRef>
+              <a:fontRef idx="minor">
+                <a:schemeClr val="lt1"/>
+              </a:fontRef>
+            </p:style>
+            <p:txBody>
+              <a:bodyPr rtlCol="0" anchor="ctr"/>
+              <a:lstStyle/>
+              <a:p>
+                <a:pPr algn="ctr"/>
+                <a:endParaRPr lang="en-US"/>
+              </a:p>
+            </p:txBody>
+          </p:sp>
+          <p:cxnSp>
+            <p:nvCxnSpPr>
+              <p:cNvPr id="228" name="직선 화살표 연결선 227">
+                <a:extLst>
+                  <a:ext uri="{FF2B5EF4-FFF2-40B4-BE49-F238E27FC236}">
+                    <a16:creationId xmlns:a16="http://schemas.microsoft.com/office/drawing/2014/main" id="{EA918C4D-9AC5-4E9F-AEAD-FFC3BE901EC8}"/>
+                  </a:ext>
+                </a:extLst>
+              </p:cNvPr>
+              <p:cNvCxnSpPr>
+                <a:cxnSpLocks/>
+                <a:endCxn id="218" idx="3"/>
+              </p:cNvCxnSpPr>
+              <p:nvPr/>
+            </p:nvCxnSpPr>
+            <p:spPr>
+              <a:xfrm flipH="1" flipV="1">
+                <a:off x="12604263" y="5099187"/>
+                <a:ext cx="38090" cy="509044"/>
+              </a:xfrm>
+              <a:prstGeom prst="straightConnector1">
+                <a:avLst/>
+              </a:prstGeom>
+              <a:ln w="28575">
+                <a:solidFill>
+                  <a:schemeClr val="tx1"/>
+                </a:solidFill>
+                <a:tailEnd type="triangle"/>
+              </a:ln>
+            </p:spPr>
+            <p:style>
+              <a:lnRef idx="1">
+                <a:schemeClr val="accent1"/>
+              </a:lnRef>
+              <a:fillRef idx="0">
+                <a:schemeClr val="accent1"/>
+              </a:fillRef>
+              <a:effectRef idx="0">
+                <a:schemeClr val="accent1"/>
+              </a:effectRef>
+              <a:fontRef idx="minor">
+                <a:schemeClr val="tx1"/>
+              </a:fontRef>
+            </p:style>
+          </p:cxnSp>
+        </p:grpSp>
+        <p:grpSp>
+          <p:nvGrpSpPr>
+            <p:cNvPr id="229" name="그룹 228">
+              <a:extLst>
+                <a:ext uri="{FF2B5EF4-FFF2-40B4-BE49-F238E27FC236}">
+                  <a16:creationId xmlns:a16="http://schemas.microsoft.com/office/drawing/2014/main" id="{C0D9AE2E-1B6D-446A-BF95-85D45D691A33}"/>
+                </a:ext>
+              </a:extLst>
+            </p:cNvPr>
+            <p:cNvGrpSpPr/>
+            <p:nvPr/>
+          </p:nvGrpSpPr>
+          <p:grpSpPr>
+            <a:xfrm>
+              <a:off x="12426939" y="5469731"/>
+              <a:ext cx="107734" cy="552772"/>
+              <a:chOff x="12588486" y="5102792"/>
+              <a:chExt cx="107734" cy="552772"/>
+            </a:xfrm>
+          </p:grpSpPr>
+          <p:sp>
+            <p:nvSpPr>
+              <p:cNvPr id="230" name="타원 229">
+                <a:extLst>
+                  <a:ext uri="{FF2B5EF4-FFF2-40B4-BE49-F238E27FC236}">
+                    <a16:creationId xmlns:a16="http://schemas.microsoft.com/office/drawing/2014/main" id="{1EB9DADB-437B-435C-A70C-E4189D645275}"/>
+                  </a:ext>
+                </a:extLst>
+              </p:cNvPr>
+              <p:cNvSpPr/>
+              <p:nvPr/>
+            </p:nvSpPr>
+            <p:spPr>
+              <a:xfrm>
+                <a:off x="12588486" y="5547830"/>
+                <a:ext cx="107734" cy="107734"/>
+              </a:xfrm>
+              <a:prstGeom prst="ellipse">
+                <a:avLst/>
+              </a:prstGeom>
+              <a:solidFill>
+                <a:schemeClr val="bg1"/>
+              </a:solidFill>
+              <a:ln w="28575">
+                <a:solidFill>
+                  <a:srgbClr val="FF0000"/>
+                </a:solidFill>
+              </a:ln>
+            </p:spPr>
+            <p:style>
+              <a:lnRef idx="2">
+                <a:schemeClr val="accent1">
+                  <a:shade val="50000"/>
+                </a:schemeClr>
+              </a:lnRef>
+              <a:fillRef idx="1">
+                <a:schemeClr val="accent1"/>
+              </a:fillRef>
+              <a:effectRef idx="0">
+                <a:schemeClr val="accent1"/>
+              </a:effectRef>
+              <a:fontRef idx="minor">
+                <a:schemeClr val="lt1"/>
+              </a:fontRef>
+            </p:style>
+            <p:txBody>
+              <a:bodyPr rtlCol="0" anchor="ctr"/>
+              <a:lstStyle/>
+              <a:p>
+                <a:pPr algn="ctr"/>
+                <a:endParaRPr lang="en-US"/>
+              </a:p>
+            </p:txBody>
+          </p:sp>
+          <p:cxnSp>
+            <p:nvCxnSpPr>
+              <p:cNvPr id="231" name="직선 화살표 연결선 230">
+                <a:extLst>
+                  <a:ext uri="{FF2B5EF4-FFF2-40B4-BE49-F238E27FC236}">
+                    <a16:creationId xmlns:a16="http://schemas.microsoft.com/office/drawing/2014/main" id="{BFF3C960-BA10-4F00-B224-FADDDE54C41C}"/>
+                  </a:ext>
+                </a:extLst>
+              </p:cNvPr>
+              <p:cNvCxnSpPr>
+                <a:cxnSpLocks/>
+              </p:cNvCxnSpPr>
+              <p:nvPr/>
+            </p:nvCxnSpPr>
+            <p:spPr>
+              <a:xfrm flipH="1" flipV="1">
+                <a:off x="12625010" y="5102792"/>
+                <a:ext cx="17343" cy="505439"/>
+              </a:xfrm>
+              <a:prstGeom prst="straightConnector1">
+                <a:avLst/>
+              </a:prstGeom>
+              <a:ln w="28575">
+                <a:solidFill>
+                  <a:schemeClr val="tx1"/>
+                </a:solidFill>
+                <a:tailEnd type="triangle"/>
+              </a:ln>
+            </p:spPr>
+            <p:style>
+              <a:lnRef idx="1">
+                <a:schemeClr val="accent1"/>
+              </a:lnRef>
+              <a:fillRef idx="0">
+                <a:schemeClr val="accent1"/>
+              </a:fillRef>
+              <a:effectRef idx="0">
+                <a:schemeClr val="accent1"/>
+              </a:effectRef>
+              <a:fontRef idx="minor">
+                <a:schemeClr val="tx1"/>
+              </a:fontRef>
+            </p:style>
+          </p:cxnSp>
+        </p:grpSp>
+        <p:grpSp>
+          <p:nvGrpSpPr>
+            <p:cNvPr id="232" name="그룹 231">
+              <a:extLst>
+                <a:ext uri="{FF2B5EF4-FFF2-40B4-BE49-F238E27FC236}">
+                  <a16:creationId xmlns:a16="http://schemas.microsoft.com/office/drawing/2014/main" id="{B65EDF2E-69DB-4E1E-AAD4-65E673837D66}"/>
+                </a:ext>
+              </a:extLst>
+            </p:cNvPr>
+            <p:cNvGrpSpPr/>
+            <p:nvPr/>
+          </p:nvGrpSpPr>
+          <p:grpSpPr>
+            <a:xfrm>
+              <a:off x="12426939" y="5641106"/>
+              <a:ext cx="107734" cy="561597"/>
+              <a:chOff x="12588486" y="5093967"/>
+              <a:chExt cx="107734" cy="561597"/>
+            </a:xfrm>
+          </p:grpSpPr>
+          <p:sp>
+            <p:nvSpPr>
+              <p:cNvPr id="233" name="타원 232">
+                <a:extLst>
+                  <a:ext uri="{FF2B5EF4-FFF2-40B4-BE49-F238E27FC236}">
+                    <a16:creationId xmlns:a16="http://schemas.microsoft.com/office/drawing/2014/main" id="{44B9611D-50F3-46D9-8167-7739942A1B4B}"/>
+                  </a:ext>
+                </a:extLst>
+              </p:cNvPr>
+              <p:cNvSpPr/>
+              <p:nvPr/>
+            </p:nvSpPr>
+            <p:spPr>
+              <a:xfrm>
+                <a:off x="12588486" y="5547830"/>
+                <a:ext cx="107734" cy="107734"/>
+              </a:xfrm>
+              <a:prstGeom prst="ellipse">
+                <a:avLst/>
+              </a:prstGeom>
+              <a:solidFill>
+                <a:schemeClr val="bg1"/>
+              </a:solidFill>
+              <a:ln w="28575">
+                <a:solidFill>
+                  <a:srgbClr val="FF0000"/>
+                </a:solidFill>
+              </a:ln>
+            </p:spPr>
+            <p:style>
+              <a:lnRef idx="2">
+                <a:schemeClr val="accent1">
+                  <a:shade val="50000"/>
+                </a:schemeClr>
+              </a:lnRef>
+              <a:fillRef idx="1">
+                <a:schemeClr val="accent1"/>
+              </a:fillRef>
+              <a:effectRef idx="0">
+                <a:schemeClr val="accent1"/>
+              </a:effectRef>
+              <a:fontRef idx="minor">
+                <a:schemeClr val="lt1"/>
+              </a:fontRef>
+            </p:style>
+            <p:txBody>
+              <a:bodyPr rtlCol="0" anchor="ctr"/>
+              <a:lstStyle/>
+              <a:p>
+                <a:pPr algn="ctr"/>
+                <a:endParaRPr lang="en-US"/>
+              </a:p>
+            </p:txBody>
+          </p:sp>
+          <p:cxnSp>
+            <p:nvCxnSpPr>
+              <p:cNvPr id="234" name="직선 화살표 연결선 233">
+                <a:extLst>
+                  <a:ext uri="{FF2B5EF4-FFF2-40B4-BE49-F238E27FC236}">
+                    <a16:creationId xmlns:a16="http://schemas.microsoft.com/office/drawing/2014/main" id="{2F289996-2159-46E0-8642-7F6065000C46}"/>
+                  </a:ext>
+                </a:extLst>
+              </p:cNvPr>
+              <p:cNvCxnSpPr>
+                <a:cxnSpLocks/>
+              </p:cNvCxnSpPr>
+              <p:nvPr/>
+            </p:nvCxnSpPr>
+            <p:spPr>
+              <a:xfrm flipV="1">
+                <a:off x="12642353" y="5093967"/>
+                <a:ext cx="0" cy="514263"/>
+              </a:xfrm>
+              <a:prstGeom prst="straightConnector1">
+                <a:avLst/>
+              </a:prstGeom>
+              <a:ln w="28575">
+                <a:solidFill>
+                  <a:schemeClr val="tx1"/>
+                </a:solidFill>
+                <a:tailEnd type="triangle"/>
+              </a:ln>
+            </p:spPr>
+            <p:style>
+              <a:lnRef idx="1">
+                <a:schemeClr val="accent1"/>
+              </a:lnRef>
+              <a:fillRef idx="0">
+                <a:schemeClr val="accent1"/>
+              </a:fillRef>
+              <a:effectRef idx="0">
+                <a:schemeClr val="accent1"/>
+              </a:effectRef>
+              <a:fontRef idx="minor">
+                <a:schemeClr val="tx1"/>
+              </a:fontRef>
+            </p:style>
+          </p:cxnSp>
+        </p:grpSp>
+        <p:grpSp>
+          <p:nvGrpSpPr>
+            <p:cNvPr id="235" name="그룹 234">
+              <a:extLst>
+                <a:ext uri="{FF2B5EF4-FFF2-40B4-BE49-F238E27FC236}">
+                  <a16:creationId xmlns:a16="http://schemas.microsoft.com/office/drawing/2014/main" id="{8BFBECA1-C1B8-4CD6-854F-C11324F2445D}"/>
+                </a:ext>
+              </a:extLst>
+            </p:cNvPr>
+            <p:cNvGrpSpPr/>
+            <p:nvPr/>
+          </p:nvGrpSpPr>
+          <p:grpSpPr>
+            <a:xfrm>
+              <a:off x="12426939" y="5821306"/>
+              <a:ext cx="107734" cy="561597"/>
+              <a:chOff x="12588486" y="5093967"/>
+              <a:chExt cx="107734" cy="561597"/>
+            </a:xfrm>
+          </p:grpSpPr>
+          <p:sp>
+            <p:nvSpPr>
+              <p:cNvPr id="236" name="타원 235">
+                <a:extLst>
+                  <a:ext uri="{FF2B5EF4-FFF2-40B4-BE49-F238E27FC236}">
+                    <a16:creationId xmlns:a16="http://schemas.microsoft.com/office/drawing/2014/main" id="{8F40AE95-39CA-4868-9D38-67C3097A7470}"/>
+                  </a:ext>
+                </a:extLst>
+              </p:cNvPr>
+              <p:cNvSpPr/>
+              <p:nvPr/>
+            </p:nvSpPr>
+            <p:spPr>
+              <a:xfrm>
+                <a:off x="12588486" y="5547830"/>
+                <a:ext cx="107734" cy="107734"/>
+              </a:xfrm>
+              <a:prstGeom prst="ellipse">
+                <a:avLst/>
+              </a:prstGeom>
+              <a:solidFill>
+                <a:schemeClr val="bg1"/>
+              </a:solidFill>
+              <a:ln w="28575">
+                <a:solidFill>
+                  <a:srgbClr val="FF0000"/>
+                </a:solidFill>
+              </a:ln>
+            </p:spPr>
+            <p:style>
+              <a:lnRef idx="2">
+                <a:schemeClr val="accent1">
+                  <a:shade val="50000"/>
+                </a:schemeClr>
+              </a:lnRef>
+              <a:fillRef idx="1">
+                <a:schemeClr val="accent1"/>
+              </a:fillRef>
+              <a:effectRef idx="0">
+                <a:schemeClr val="accent1"/>
+              </a:effectRef>
+              <a:fontRef idx="minor">
+                <a:schemeClr val="lt1"/>
+              </a:fontRef>
+            </p:style>
+            <p:txBody>
+              <a:bodyPr rtlCol="0" anchor="ctr"/>
+              <a:lstStyle/>
+              <a:p>
+                <a:pPr algn="ctr"/>
+                <a:endParaRPr lang="en-US"/>
+              </a:p>
+            </p:txBody>
+          </p:sp>
+          <p:cxnSp>
+            <p:nvCxnSpPr>
+              <p:cNvPr id="237" name="직선 화살표 연결선 236">
+                <a:extLst>
+                  <a:ext uri="{FF2B5EF4-FFF2-40B4-BE49-F238E27FC236}">
+                    <a16:creationId xmlns:a16="http://schemas.microsoft.com/office/drawing/2014/main" id="{8386A169-F896-49B5-B411-9C171DA8E073}"/>
+                  </a:ext>
+                </a:extLst>
+              </p:cNvPr>
+              <p:cNvCxnSpPr>
+                <a:cxnSpLocks/>
+              </p:cNvCxnSpPr>
+              <p:nvPr/>
+            </p:nvCxnSpPr>
+            <p:spPr>
+              <a:xfrm flipV="1">
+                <a:off x="12642353" y="5093967"/>
+                <a:ext cx="0" cy="514263"/>
+              </a:xfrm>
+              <a:prstGeom prst="straightConnector1">
+                <a:avLst/>
+              </a:prstGeom>
+              <a:ln w="28575">
+                <a:solidFill>
+                  <a:schemeClr val="tx1"/>
+                </a:solidFill>
+                <a:tailEnd type="triangle"/>
+              </a:ln>
+            </p:spPr>
+            <p:style>
+              <a:lnRef idx="1">
+                <a:schemeClr val="accent1"/>
+              </a:lnRef>
+              <a:fillRef idx="0">
+                <a:schemeClr val="accent1"/>
+              </a:fillRef>
+              <a:effectRef idx="0">
+                <a:schemeClr val="accent1"/>
+              </a:effectRef>
+              <a:fontRef idx="minor">
+                <a:schemeClr val="tx1"/>
+              </a:fontRef>
+            </p:style>
+          </p:cxnSp>
+        </p:grpSp>
+        <p:grpSp>
+          <p:nvGrpSpPr>
+            <p:cNvPr id="238" name="그룹 237">
+              <a:extLst>
+                <a:ext uri="{FF2B5EF4-FFF2-40B4-BE49-F238E27FC236}">
+                  <a16:creationId xmlns:a16="http://schemas.microsoft.com/office/drawing/2014/main" id="{993E5082-5B81-46AF-890E-A2747592E17F}"/>
+                </a:ext>
+              </a:extLst>
+            </p:cNvPr>
+            <p:cNvGrpSpPr/>
+            <p:nvPr/>
+          </p:nvGrpSpPr>
+          <p:grpSpPr>
+            <a:xfrm>
+              <a:off x="12426939" y="6001506"/>
+              <a:ext cx="107734" cy="561597"/>
+              <a:chOff x="12588486" y="5093967"/>
+              <a:chExt cx="107734" cy="561597"/>
+            </a:xfrm>
+          </p:grpSpPr>
+          <p:sp>
+            <p:nvSpPr>
+              <p:cNvPr id="239" name="타원 238">
+                <a:extLst>
+                  <a:ext uri="{FF2B5EF4-FFF2-40B4-BE49-F238E27FC236}">
+                    <a16:creationId xmlns:a16="http://schemas.microsoft.com/office/drawing/2014/main" id="{424E2408-F2D6-4FC2-9E3C-3CB793055545}"/>
+                  </a:ext>
+                </a:extLst>
+              </p:cNvPr>
+              <p:cNvSpPr/>
+              <p:nvPr/>
+            </p:nvSpPr>
+            <p:spPr>
+              <a:xfrm>
+                <a:off x="12588486" y="5547830"/>
+                <a:ext cx="107734" cy="107734"/>
+              </a:xfrm>
+              <a:prstGeom prst="ellipse">
+                <a:avLst/>
+              </a:prstGeom>
+              <a:solidFill>
+                <a:schemeClr val="bg1"/>
+              </a:solidFill>
+              <a:ln w="28575">
+                <a:solidFill>
+                  <a:srgbClr val="FF0000"/>
+                </a:solidFill>
+              </a:ln>
+            </p:spPr>
+            <p:style>
+              <a:lnRef idx="2">
+                <a:schemeClr val="accent1">
+                  <a:shade val="50000"/>
+                </a:schemeClr>
+              </a:lnRef>
+              <a:fillRef idx="1">
+                <a:schemeClr val="accent1"/>
+              </a:fillRef>
+              <a:effectRef idx="0">
+                <a:schemeClr val="accent1"/>
+              </a:effectRef>
+              <a:fontRef idx="minor">
+                <a:schemeClr val="lt1"/>
+              </a:fontRef>
+            </p:style>
+            <p:txBody>
+              <a:bodyPr rtlCol="0" anchor="ctr"/>
+              <a:lstStyle/>
+              <a:p>
+                <a:pPr algn="ctr"/>
+                <a:endParaRPr lang="en-US"/>
+              </a:p>
+            </p:txBody>
+          </p:sp>
+          <p:cxnSp>
+            <p:nvCxnSpPr>
+              <p:cNvPr id="240" name="직선 화살표 연결선 239">
+                <a:extLst>
+                  <a:ext uri="{FF2B5EF4-FFF2-40B4-BE49-F238E27FC236}">
+                    <a16:creationId xmlns:a16="http://schemas.microsoft.com/office/drawing/2014/main" id="{D70F1520-F386-4AE4-B940-890364C1E11E}"/>
+                  </a:ext>
+                </a:extLst>
+              </p:cNvPr>
+              <p:cNvCxnSpPr>
+                <a:cxnSpLocks/>
+              </p:cNvCxnSpPr>
+              <p:nvPr/>
+            </p:nvCxnSpPr>
+            <p:spPr>
+              <a:xfrm flipV="1">
+                <a:off x="12642353" y="5093967"/>
+                <a:ext cx="0" cy="514263"/>
+              </a:xfrm>
+              <a:prstGeom prst="straightConnector1">
+                <a:avLst/>
+              </a:prstGeom>
+              <a:ln w="28575">
+                <a:solidFill>
+                  <a:schemeClr val="tx1"/>
+                </a:solidFill>
+                <a:tailEnd type="triangle"/>
+              </a:ln>
+            </p:spPr>
+            <p:style>
+              <a:lnRef idx="1">
+                <a:schemeClr val="accent1"/>
+              </a:lnRef>
+              <a:fillRef idx="0">
+                <a:schemeClr val="accent1"/>
+              </a:fillRef>
+              <a:effectRef idx="0">
+                <a:schemeClr val="accent1"/>
+              </a:effectRef>
+              <a:fontRef idx="minor">
+                <a:schemeClr val="tx1"/>
+              </a:fontRef>
+            </p:style>
+          </p:cxnSp>
+        </p:grpSp>
+        <p:grpSp>
+          <p:nvGrpSpPr>
+            <p:cNvPr id="241" name="그룹 240">
+              <a:extLst>
+                <a:ext uri="{FF2B5EF4-FFF2-40B4-BE49-F238E27FC236}">
+                  <a16:creationId xmlns:a16="http://schemas.microsoft.com/office/drawing/2014/main" id="{BEEC712A-EDD6-478B-847E-CC1835AAD613}"/>
+                </a:ext>
+              </a:extLst>
+            </p:cNvPr>
+            <p:cNvGrpSpPr/>
+            <p:nvPr/>
+          </p:nvGrpSpPr>
+          <p:grpSpPr>
+            <a:xfrm>
+              <a:off x="12426939" y="6186926"/>
+              <a:ext cx="107734" cy="556377"/>
+              <a:chOff x="12588486" y="5099187"/>
+              <a:chExt cx="107734" cy="556377"/>
+            </a:xfrm>
+          </p:grpSpPr>
+          <p:sp>
+            <p:nvSpPr>
+              <p:cNvPr id="242" name="타원 241">
+                <a:extLst>
+                  <a:ext uri="{FF2B5EF4-FFF2-40B4-BE49-F238E27FC236}">
+                    <a16:creationId xmlns:a16="http://schemas.microsoft.com/office/drawing/2014/main" id="{B07F9D5E-7B58-46DA-AD90-BDDDE5B70166}"/>
+                  </a:ext>
+                </a:extLst>
+              </p:cNvPr>
+              <p:cNvSpPr/>
+              <p:nvPr/>
+            </p:nvSpPr>
+            <p:spPr>
+              <a:xfrm>
+                <a:off x="12588486" y="5547830"/>
+                <a:ext cx="107734" cy="107734"/>
+              </a:xfrm>
+              <a:prstGeom prst="ellipse">
+                <a:avLst/>
+              </a:prstGeom>
+              <a:solidFill>
+                <a:schemeClr val="bg1"/>
+              </a:solidFill>
+              <a:ln w="28575">
+                <a:solidFill>
+                  <a:srgbClr val="FF0000"/>
+                </a:solidFill>
+              </a:ln>
+            </p:spPr>
+            <p:style>
+              <a:lnRef idx="2">
+                <a:schemeClr val="accent1">
+                  <a:shade val="50000"/>
+                </a:schemeClr>
+              </a:lnRef>
+              <a:fillRef idx="1">
+                <a:schemeClr val="accent1"/>
+              </a:fillRef>
+              <a:effectRef idx="0">
+                <a:schemeClr val="accent1"/>
+              </a:effectRef>
+              <a:fontRef idx="minor">
+                <a:schemeClr val="lt1"/>
+              </a:fontRef>
+            </p:style>
+            <p:txBody>
+              <a:bodyPr rtlCol="0" anchor="ctr"/>
+              <a:lstStyle/>
+              <a:p>
+                <a:pPr algn="ctr"/>
+                <a:endParaRPr lang="en-US"/>
+              </a:p>
+            </p:txBody>
+          </p:sp>
+          <p:cxnSp>
+            <p:nvCxnSpPr>
+              <p:cNvPr id="243" name="직선 화살표 연결선 242">
+                <a:extLst>
+                  <a:ext uri="{FF2B5EF4-FFF2-40B4-BE49-F238E27FC236}">
+                    <a16:creationId xmlns:a16="http://schemas.microsoft.com/office/drawing/2014/main" id="{2F5D102F-9D4C-47E9-9DF3-DF8C0686EB9A}"/>
+                  </a:ext>
+                </a:extLst>
+              </p:cNvPr>
+              <p:cNvCxnSpPr>
+                <a:cxnSpLocks/>
+                <a:endCxn id="233" idx="3"/>
+              </p:cNvCxnSpPr>
+              <p:nvPr/>
+            </p:nvCxnSpPr>
+            <p:spPr>
+              <a:xfrm flipH="1" flipV="1">
+                <a:off x="12604263" y="5099187"/>
+                <a:ext cx="38090" cy="509044"/>
+              </a:xfrm>
+              <a:prstGeom prst="straightConnector1">
+                <a:avLst/>
+              </a:prstGeom>
+              <a:ln w="28575">
+                <a:solidFill>
+                  <a:schemeClr val="tx1"/>
+                </a:solidFill>
+                <a:tailEnd type="triangle"/>
+              </a:ln>
+            </p:spPr>
+            <p:style>
+              <a:lnRef idx="1">
+                <a:schemeClr val="accent1"/>
+              </a:lnRef>
+              <a:fillRef idx="0">
+                <a:schemeClr val="accent1"/>
+              </a:fillRef>
+              <a:effectRef idx="0">
+                <a:schemeClr val="accent1"/>
+              </a:effectRef>
+              <a:fontRef idx="minor">
+                <a:schemeClr val="tx1"/>
+              </a:fontRef>
+            </p:style>
+          </p:cxnSp>
+        </p:grpSp>
+      </p:grpSp>
+      <p:sp>
+        <p:nvSpPr>
+          <p:cNvPr id="263" name="직사각형 262">
+            <a:extLst>
+              <a:ext uri="{FF2B5EF4-FFF2-40B4-BE49-F238E27FC236}">
+                <a16:creationId xmlns:a16="http://schemas.microsoft.com/office/drawing/2014/main" id="{C29F9F35-48BF-4772-A1F8-DCEF9C20C396}"/>
+              </a:ext>
+            </a:extLst>
+          </p:cNvPr>
+          <p:cNvSpPr/>
+          <p:nvPr/>
+        </p:nvSpPr>
+        <p:spPr>
+          <a:xfrm>
+            <a:off x="2144018" y="7057970"/>
+            <a:ext cx="2823716" cy="1569660"/>
+          </a:xfrm>
+          <a:prstGeom prst="rect">
+            <a:avLst/>
+          </a:prstGeom>
+          <a:solidFill>
+            <a:schemeClr val="bg1"/>
+          </a:solidFill>
+          <a:ln>
+            <a:solidFill>
+              <a:schemeClr val="tx1"/>
+            </a:solidFill>
+          </a:ln>
+        </p:spPr>
+        <p:txBody>
+          <a:bodyPr wrap="square">
+            <a:spAutoFit/>
+          </a:bodyPr>
+          <a:lstStyle/>
+          <a:p>
+            <a:r>
+              <a:rPr lang="fr-FR" sz="1200" dirty="0">
+                <a:latin typeface="Consolas" panose="020B0609020204030204" pitchFamily="49" charset="0"/>
+              </a:rPr>
+              <a:t>#version 330 core</a:t>
+            </a:r>
+          </a:p>
+          <a:p>
+            <a:r>
+              <a:rPr lang="fr-FR" sz="1200" b="1" dirty="0">
+                <a:solidFill>
+                  <a:srgbClr val="0000FF"/>
+                </a:solidFill>
+                <a:latin typeface="Consolas" panose="020B0609020204030204" pitchFamily="49" charset="0"/>
+              </a:rPr>
+              <a:t>in vec4 normal = (-0.1, 0.9, 0.0)</a:t>
+            </a:r>
+          </a:p>
+          <a:p>
+            <a:endParaRPr lang="fr-FR" sz="1200" b="1" dirty="0">
+              <a:solidFill>
+                <a:srgbClr val="FF0000"/>
+              </a:solidFill>
+              <a:latin typeface="Consolas" panose="020B0609020204030204" pitchFamily="49" charset="0"/>
+            </a:endParaRPr>
+          </a:p>
+          <a:p>
+            <a:r>
+              <a:rPr lang="fr-FR" sz="1200" dirty="0">
+                <a:latin typeface="Consolas" panose="020B0609020204030204" pitchFamily="49" charset="0"/>
+              </a:rPr>
+              <a:t>void main()</a:t>
+            </a:r>
+          </a:p>
+          <a:p>
+            <a:r>
+              <a:rPr lang="fr-FR" sz="1200" dirty="0">
+                <a:latin typeface="Consolas" panose="020B0609020204030204" pitchFamily="49" charset="0"/>
+              </a:rPr>
+              <a:t>{</a:t>
+            </a:r>
+          </a:p>
+          <a:p>
+            <a:r>
+              <a:rPr lang="fr-FR" sz="1200" dirty="0">
+                <a:latin typeface="Consolas" panose="020B0609020204030204" pitchFamily="49" charset="0"/>
+              </a:rPr>
+              <a:t>    ...</a:t>
+            </a:r>
+          </a:p>
+          <a:p>
+            <a:r>
+              <a:rPr lang="fr-FR" sz="1200" dirty="0">
+                <a:latin typeface="Consolas" panose="020B0609020204030204" pitchFamily="49" charset="0"/>
+              </a:rPr>
+              <a:t>}</a:t>
+            </a:r>
+            <a:endParaRPr lang="fr-FR" sz="1200" b="0" dirty="0">
+              <a:effectLst/>
+              <a:latin typeface="Consolas" panose="020B0609020204030204" pitchFamily="49" charset="0"/>
+            </a:endParaRPr>
+          </a:p>
+        </p:txBody>
+      </p:sp>
+      <p:sp>
+        <p:nvSpPr>
+          <p:cNvPr id="264" name="직사각형 263">
+            <a:extLst>
+              <a:ext uri="{FF2B5EF4-FFF2-40B4-BE49-F238E27FC236}">
+                <a16:creationId xmlns:a16="http://schemas.microsoft.com/office/drawing/2014/main" id="{DF7EA77F-0DF1-4C0B-A16C-C3212096A9A7}"/>
+              </a:ext>
+            </a:extLst>
+          </p:cNvPr>
+          <p:cNvSpPr/>
+          <p:nvPr/>
+        </p:nvSpPr>
+        <p:spPr>
+          <a:xfrm>
+            <a:off x="5174140" y="7052478"/>
+            <a:ext cx="2823716" cy="1569660"/>
+          </a:xfrm>
+          <a:prstGeom prst="rect">
+            <a:avLst/>
+          </a:prstGeom>
+          <a:solidFill>
+            <a:schemeClr val="bg1"/>
+          </a:solidFill>
+          <a:ln>
+            <a:solidFill>
+              <a:schemeClr val="tx1"/>
+            </a:solidFill>
+          </a:ln>
+        </p:spPr>
+        <p:txBody>
+          <a:bodyPr wrap="square">
+            <a:spAutoFit/>
+          </a:bodyPr>
+          <a:lstStyle/>
+          <a:p>
+            <a:r>
+              <a:rPr lang="fr-FR" sz="1200" dirty="0">
+                <a:latin typeface="Consolas" panose="020B0609020204030204" pitchFamily="49" charset="0"/>
+              </a:rPr>
+              <a:t>#version 330 core</a:t>
+            </a:r>
+          </a:p>
+          <a:p>
+            <a:r>
+              <a:rPr lang="fr-FR" sz="1200" b="1" dirty="0">
+                <a:solidFill>
+                  <a:srgbClr val="0000FF"/>
+                </a:solidFill>
+                <a:latin typeface="Consolas" panose="020B0609020204030204" pitchFamily="49" charset="0"/>
+              </a:rPr>
+              <a:t>in vec4 normal = (-0.09, 0.89, 0.0)</a:t>
+            </a:r>
+          </a:p>
+          <a:p>
+            <a:endParaRPr lang="fr-FR" sz="1200" b="1" dirty="0">
+              <a:solidFill>
+                <a:srgbClr val="FF0000"/>
+              </a:solidFill>
+              <a:latin typeface="Consolas" panose="020B0609020204030204" pitchFamily="49" charset="0"/>
+            </a:endParaRPr>
+          </a:p>
+          <a:p>
+            <a:r>
+              <a:rPr lang="fr-FR" sz="1200" dirty="0">
+                <a:latin typeface="Consolas" panose="020B0609020204030204" pitchFamily="49" charset="0"/>
+              </a:rPr>
+              <a:t>void main()</a:t>
+            </a:r>
+          </a:p>
+          <a:p>
+            <a:r>
+              <a:rPr lang="fr-FR" sz="1200" dirty="0">
+                <a:latin typeface="Consolas" panose="020B0609020204030204" pitchFamily="49" charset="0"/>
+              </a:rPr>
+              <a:t>{</a:t>
+            </a:r>
+          </a:p>
+          <a:p>
+            <a:r>
+              <a:rPr lang="fr-FR" sz="1200" dirty="0">
+                <a:latin typeface="Consolas" panose="020B0609020204030204" pitchFamily="49" charset="0"/>
+              </a:rPr>
+              <a:t>    ...</a:t>
+            </a:r>
+          </a:p>
+          <a:p>
+            <a:r>
+              <a:rPr lang="fr-FR" sz="1200" dirty="0">
+                <a:latin typeface="Consolas" panose="020B0609020204030204" pitchFamily="49" charset="0"/>
+              </a:rPr>
+              <a:t>}</a:t>
+            </a:r>
+            <a:endParaRPr lang="fr-FR" sz="1200" b="0" dirty="0">
+              <a:effectLst/>
+              <a:latin typeface="Consolas" panose="020B0609020204030204" pitchFamily="49" charset="0"/>
+            </a:endParaRPr>
+          </a:p>
+        </p:txBody>
+      </p:sp>
+      <p:sp>
+        <p:nvSpPr>
+          <p:cNvPr id="265" name="직사각형 264">
+            <a:extLst>
+              <a:ext uri="{FF2B5EF4-FFF2-40B4-BE49-F238E27FC236}">
+                <a16:creationId xmlns:a16="http://schemas.microsoft.com/office/drawing/2014/main" id="{433F9018-4D28-4541-B2B3-CAA0CF91C1D9}"/>
+              </a:ext>
+            </a:extLst>
+          </p:cNvPr>
+          <p:cNvSpPr/>
+          <p:nvPr/>
+        </p:nvSpPr>
+        <p:spPr>
+          <a:xfrm>
+            <a:off x="8204262" y="7046986"/>
+            <a:ext cx="2823716" cy="1569660"/>
+          </a:xfrm>
+          <a:prstGeom prst="rect">
+            <a:avLst/>
+          </a:prstGeom>
+          <a:solidFill>
+            <a:schemeClr val="bg1"/>
+          </a:solidFill>
+          <a:ln>
+            <a:solidFill>
+              <a:schemeClr val="tx1"/>
+            </a:solidFill>
+          </a:ln>
+        </p:spPr>
+        <p:txBody>
+          <a:bodyPr wrap="square">
+            <a:spAutoFit/>
+          </a:bodyPr>
+          <a:lstStyle/>
+          <a:p>
+            <a:r>
+              <a:rPr lang="fr-FR" sz="1200" dirty="0">
+                <a:latin typeface="Consolas" panose="020B0609020204030204" pitchFamily="49" charset="0"/>
+              </a:rPr>
+              <a:t>#version 330 core</a:t>
+            </a:r>
+          </a:p>
+          <a:p>
+            <a:r>
+              <a:rPr lang="fr-FR" sz="1200" b="1" dirty="0">
+                <a:solidFill>
+                  <a:srgbClr val="0000FF"/>
+                </a:solidFill>
+                <a:latin typeface="Consolas" panose="020B0609020204030204" pitchFamily="49" charset="0"/>
+              </a:rPr>
+              <a:t>in vec4 normal = (-0.08, 0.87, 0.0)</a:t>
+            </a:r>
+          </a:p>
+          <a:p>
+            <a:endParaRPr lang="fr-FR" sz="1200" b="1" dirty="0">
+              <a:solidFill>
+                <a:srgbClr val="FF0000"/>
+              </a:solidFill>
+              <a:latin typeface="Consolas" panose="020B0609020204030204" pitchFamily="49" charset="0"/>
+            </a:endParaRPr>
+          </a:p>
+          <a:p>
+            <a:r>
+              <a:rPr lang="fr-FR" sz="1200" dirty="0">
+                <a:latin typeface="Consolas" panose="020B0609020204030204" pitchFamily="49" charset="0"/>
+              </a:rPr>
+              <a:t>void main()</a:t>
+            </a:r>
+          </a:p>
+          <a:p>
+            <a:r>
+              <a:rPr lang="fr-FR" sz="1200" dirty="0">
+                <a:latin typeface="Consolas" panose="020B0609020204030204" pitchFamily="49" charset="0"/>
+              </a:rPr>
+              <a:t>{</a:t>
+            </a:r>
+          </a:p>
+          <a:p>
+            <a:r>
+              <a:rPr lang="fr-FR" sz="1200" dirty="0">
+                <a:latin typeface="Consolas" panose="020B0609020204030204" pitchFamily="49" charset="0"/>
+              </a:rPr>
+              <a:t>    ...</a:t>
+            </a:r>
+          </a:p>
+          <a:p>
+            <a:r>
+              <a:rPr lang="fr-FR" sz="1200" dirty="0">
+                <a:latin typeface="Consolas" panose="020B0609020204030204" pitchFamily="49" charset="0"/>
+              </a:rPr>
+              <a:t>}</a:t>
+            </a:r>
+            <a:endParaRPr lang="fr-FR" sz="1200" b="0" dirty="0">
+              <a:effectLst/>
+              <a:latin typeface="Consolas" panose="020B0609020204030204" pitchFamily="49" charset="0"/>
+            </a:endParaRPr>
+          </a:p>
+        </p:txBody>
+      </p:sp>
+      <p:sp>
+        <p:nvSpPr>
+          <p:cNvPr id="266" name="TextBox 265">
+            <a:extLst>
+              <a:ext uri="{FF2B5EF4-FFF2-40B4-BE49-F238E27FC236}">
+                <a16:creationId xmlns:a16="http://schemas.microsoft.com/office/drawing/2014/main" id="{32934F17-82E5-43A4-8215-A7A66E789409}"/>
+              </a:ext>
+            </a:extLst>
+          </p:cNvPr>
+          <p:cNvSpPr txBox="1"/>
+          <p:nvPr/>
+        </p:nvSpPr>
+        <p:spPr>
+          <a:xfrm>
+            <a:off x="11149487" y="7842800"/>
+            <a:ext cx="343364" cy="369332"/>
+          </a:xfrm>
+          <a:prstGeom prst="rect">
+            <a:avLst/>
+          </a:prstGeom>
+          <a:noFill/>
+        </p:spPr>
+        <p:txBody>
+          <a:bodyPr wrap="none" rtlCol="0">
+            <a:spAutoFit/>
+          </a:bodyPr>
+          <a:lstStyle/>
+          <a:p>
+            <a:r>
+              <a:rPr lang="en-US" dirty="0"/>
+              <a:t>…</a:t>
+            </a:r>
+          </a:p>
+        </p:txBody>
+      </p:sp>
+      <p:grpSp>
+        <p:nvGrpSpPr>
+          <p:cNvPr id="271" name="그룹 270">
+            <a:extLst>
+              <a:ext uri="{FF2B5EF4-FFF2-40B4-BE49-F238E27FC236}">
+                <a16:creationId xmlns:a16="http://schemas.microsoft.com/office/drawing/2014/main" id="{F02CDA10-781F-4B30-972D-4D1B07986021}"/>
+              </a:ext>
+            </a:extLst>
+          </p:cNvPr>
+          <p:cNvGrpSpPr/>
+          <p:nvPr/>
+        </p:nvGrpSpPr>
+        <p:grpSpPr>
+          <a:xfrm>
+            <a:off x="3185500" y="5766801"/>
+            <a:ext cx="45719" cy="222161"/>
+            <a:chOff x="3178418" y="5503384"/>
+            <a:chExt cx="107734" cy="523508"/>
+          </a:xfrm>
+        </p:grpSpPr>
+        <p:sp>
+          <p:nvSpPr>
+            <p:cNvPr id="269" name="타원 268">
+              <a:extLst>
+                <a:ext uri="{FF2B5EF4-FFF2-40B4-BE49-F238E27FC236}">
+                  <a16:creationId xmlns:a16="http://schemas.microsoft.com/office/drawing/2014/main" id="{D10E33E1-D978-4FBB-BB0E-20424100C4D4}"/>
+                </a:ext>
+              </a:extLst>
+            </p:cNvPr>
+            <p:cNvSpPr/>
+            <p:nvPr/>
+          </p:nvSpPr>
+          <p:spPr>
+            <a:xfrm>
+              <a:off x="3178418" y="5919158"/>
+              <a:ext cx="107734" cy="107734"/>
+            </a:xfrm>
+            <a:prstGeom prst="ellipse">
+              <a:avLst/>
+            </a:prstGeom>
+            <a:solidFill>
+              <a:schemeClr val="bg1"/>
+            </a:solidFill>
+            <a:ln w="28575">
+              <a:solidFill>
+                <a:srgbClr val="FF0000"/>
+              </a:solidFill>
+            </a:ln>
+          </p:spPr>
+          <p:style>
+            <a:lnRef idx="2">
+              <a:schemeClr val="accent1">
+                <a:shade val="50000"/>
+              </a:schemeClr>
+            </a:lnRef>
+            <a:fillRef idx="1">
+              <a:schemeClr val="accent1"/>
+            </a:fillRef>
+            <a:effectRef idx="0">
+              <a:schemeClr val="accent1"/>
+            </a:effectRef>
+            <a:fontRef idx="minor">
+              <a:schemeClr val="lt1"/>
+            </a:fontRef>
+          </p:style>
+          <p:txBody>
+            <a:bodyPr rtlCol="0" anchor="ctr"/>
+            <a:lstStyle/>
+            <a:p>
+              <a:pPr algn="ctr"/>
+              <a:endParaRPr lang="en-US"/>
+            </a:p>
+          </p:txBody>
+        </p:sp>
+        <p:cxnSp>
+          <p:nvCxnSpPr>
+            <p:cNvPr id="270" name="직선 화살표 연결선 269">
+              <a:extLst>
+                <a:ext uri="{FF2B5EF4-FFF2-40B4-BE49-F238E27FC236}">
+                  <a16:creationId xmlns:a16="http://schemas.microsoft.com/office/drawing/2014/main" id="{791FB6E1-D760-4F6C-820E-85A228E51DB1}"/>
+                </a:ext>
+              </a:extLst>
+            </p:cNvPr>
+            <p:cNvCxnSpPr>
+              <a:cxnSpLocks/>
+            </p:cNvCxnSpPr>
+            <p:nvPr/>
+          </p:nvCxnSpPr>
+          <p:spPr>
+            <a:xfrm flipV="1">
+              <a:off x="3237190" y="5503384"/>
+              <a:ext cx="48962" cy="469641"/>
+            </a:xfrm>
+            <a:prstGeom prst="straightConnector1">
+              <a:avLst/>
+            </a:prstGeom>
+            <a:ln w="28575">
+              <a:solidFill>
+                <a:schemeClr val="tx1"/>
+              </a:solidFill>
+              <a:tailEnd type="triangle"/>
+            </a:ln>
+          </p:spPr>
+          <p:style>
+            <a:lnRef idx="1">
+              <a:schemeClr val="accent1"/>
+            </a:lnRef>
+            <a:fillRef idx="0">
+              <a:schemeClr val="accent1"/>
+            </a:fillRef>
+            <a:effectRef idx="0">
+              <a:schemeClr val="accent1"/>
+            </a:effectRef>
+            <a:fontRef idx="minor">
+              <a:schemeClr val="tx1"/>
+            </a:fontRef>
+          </p:style>
+        </p:cxnSp>
+      </p:grpSp>
+      <p:grpSp>
+        <p:nvGrpSpPr>
+          <p:cNvPr id="278" name="그룹 277">
+            <a:extLst>
+              <a:ext uri="{FF2B5EF4-FFF2-40B4-BE49-F238E27FC236}">
+                <a16:creationId xmlns:a16="http://schemas.microsoft.com/office/drawing/2014/main" id="{1B32304F-59C9-4046-AC12-2AE54327B631}"/>
+              </a:ext>
+            </a:extLst>
+          </p:cNvPr>
+          <p:cNvGrpSpPr/>
+          <p:nvPr/>
+        </p:nvGrpSpPr>
+        <p:grpSpPr>
+          <a:xfrm>
+            <a:off x="3781511" y="5766801"/>
+            <a:ext cx="45719" cy="222161"/>
+            <a:chOff x="3178418" y="5503384"/>
+            <a:chExt cx="107734" cy="523508"/>
+          </a:xfrm>
+        </p:grpSpPr>
+        <p:sp>
+          <p:nvSpPr>
+            <p:cNvPr id="279" name="타원 278">
+              <a:extLst>
+                <a:ext uri="{FF2B5EF4-FFF2-40B4-BE49-F238E27FC236}">
+                  <a16:creationId xmlns:a16="http://schemas.microsoft.com/office/drawing/2014/main" id="{B97AE15A-73D3-427A-B446-AB5A4C4296DA}"/>
+                </a:ext>
+              </a:extLst>
+            </p:cNvPr>
+            <p:cNvSpPr/>
+            <p:nvPr/>
+          </p:nvSpPr>
+          <p:spPr>
+            <a:xfrm>
+              <a:off x="3178418" y="5919158"/>
+              <a:ext cx="107734" cy="107734"/>
+            </a:xfrm>
+            <a:prstGeom prst="ellipse">
+              <a:avLst/>
+            </a:prstGeom>
+            <a:solidFill>
+              <a:schemeClr val="bg1"/>
+            </a:solidFill>
+            <a:ln w="28575">
+              <a:solidFill>
+                <a:srgbClr val="FF0000"/>
+              </a:solidFill>
+            </a:ln>
+          </p:spPr>
+          <p:style>
+            <a:lnRef idx="2">
+              <a:schemeClr val="accent1">
+                <a:shade val="50000"/>
+              </a:schemeClr>
+            </a:lnRef>
+            <a:fillRef idx="1">
+              <a:schemeClr val="accent1"/>
+            </a:fillRef>
+            <a:effectRef idx="0">
+              <a:schemeClr val="accent1"/>
+            </a:effectRef>
+            <a:fontRef idx="minor">
+              <a:schemeClr val="lt1"/>
+            </a:fontRef>
+          </p:style>
+          <p:txBody>
+            <a:bodyPr rtlCol="0" anchor="ctr"/>
+            <a:lstStyle/>
+            <a:p>
+              <a:pPr algn="ctr"/>
+              <a:endParaRPr lang="en-US"/>
+            </a:p>
+          </p:txBody>
+        </p:sp>
+        <p:cxnSp>
+          <p:nvCxnSpPr>
+            <p:cNvPr id="280" name="직선 화살표 연결선 279">
+              <a:extLst>
+                <a:ext uri="{FF2B5EF4-FFF2-40B4-BE49-F238E27FC236}">
+                  <a16:creationId xmlns:a16="http://schemas.microsoft.com/office/drawing/2014/main" id="{B5B578E5-1C9A-42DC-86E3-0F4FB00C939B}"/>
+                </a:ext>
+              </a:extLst>
+            </p:cNvPr>
+            <p:cNvCxnSpPr>
+              <a:cxnSpLocks/>
+            </p:cNvCxnSpPr>
+            <p:nvPr/>
+          </p:nvCxnSpPr>
+          <p:spPr>
+            <a:xfrm flipV="1">
+              <a:off x="3237190" y="5503384"/>
+              <a:ext cx="48962" cy="469641"/>
+            </a:xfrm>
+            <a:prstGeom prst="straightConnector1">
+              <a:avLst/>
+            </a:prstGeom>
+            <a:ln w="28575">
+              <a:solidFill>
+                <a:schemeClr val="tx1"/>
+              </a:solidFill>
+              <a:tailEnd type="triangle"/>
+            </a:ln>
+          </p:spPr>
+          <p:style>
+            <a:lnRef idx="1">
+              <a:schemeClr val="accent1"/>
+            </a:lnRef>
+            <a:fillRef idx="0">
+              <a:schemeClr val="accent1"/>
+            </a:fillRef>
+            <a:effectRef idx="0">
+              <a:schemeClr val="accent1"/>
+            </a:effectRef>
+            <a:fontRef idx="minor">
+              <a:schemeClr val="tx1"/>
+            </a:fontRef>
+          </p:style>
+        </p:cxnSp>
+      </p:grpSp>
+      <p:grpSp>
+        <p:nvGrpSpPr>
+          <p:cNvPr id="281" name="그룹 280">
+            <a:extLst>
+              <a:ext uri="{FF2B5EF4-FFF2-40B4-BE49-F238E27FC236}">
+                <a16:creationId xmlns:a16="http://schemas.microsoft.com/office/drawing/2014/main" id="{84F68CB5-2F15-41A2-A0FD-1492B28FAC17}"/>
+              </a:ext>
+            </a:extLst>
+          </p:cNvPr>
+          <p:cNvGrpSpPr/>
+          <p:nvPr/>
+        </p:nvGrpSpPr>
+        <p:grpSpPr>
+          <a:xfrm>
+            <a:off x="4377522" y="5766801"/>
+            <a:ext cx="45719" cy="222161"/>
+            <a:chOff x="3178418" y="5503384"/>
+            <a:chExt cx="107734" cy="523508"/>
+          </a:xfrm>
+        </p:grpSpPr>
+        <p:sp>
+          <p:nvSpPr>
+            <p:cNvPr id="282" name="타원 281">
+              <a:extLst>
+                <a:ext uri="{FF2B5EF4-FFF2-40B4-BE49-F238E27FC236}">
+                  <a16:creationId xmlns:a16="http://schemas.microsoft.com/office/drawing/2014/main" id="{A9C2079E-9DD0-4F65-8ACA-81B2141A6FAA}"/>
+                </a:ext>
+              </a:extLst>
+            </p:cNvPr>
+            <p:cNvSpPr/>
+            <p:nvPr/>
+          </p:nvSpPr>
+          <p:spPr>
+            <a:xfrm>
+              <a:off x="3178418" y="5919158"/>
+              <a:ext cx="107734" cy="107734"/>
+            </a:xfrm>
+            <a:prstGeom prst="ellipse">
+              <a:avLst/>
+            </a:prstGeom>
+            <a:solidFill>
+              <a:schemeClr val="bg1"/>
+            </a:solidFill>
+            <a:ln w="28575">
+              <a:solidFill>
+                <a:srgbClr val="FF0000"/>
+              </a:solidFill>
+            </a:ln>
+          </p:spPr>
+          <p:style>
+            <a:lnRef idx="2">
+              <a:schemeClr val="accent1">
+                <a:shade val="50000"/>
+              </a:schemeClr>
+            </a:lnRef>
+            <a:fillRef idx="1">
+              <a:schemeClr val="accent1"/>
+            </a:fillRef>
+            <a:effectRef idx="0">
+              <a:schemeClr val="accent1"/>
+            </a:effectRef>
+            <a:fontRef idx="minor">
+              <a:schemeClr val="lt1"/>
+            </a:fontRef>
+          </p:style>
+          <p:txBody>
+            <a:bodyPr rtlCol="0" anchor="ctr"/>
+            <a:lstStyle/>
+            <a:p>
+              <a:pPr algn="ctr"/>
+              <a:endParaRPr lang="en-US"/>
+            </a:p>
+          </p:txBody>
+        </p:sp>
+        <p:cxnSp>
+          <p:nvCxnSpPr>
+            <p:cNvPr id="283" name="직선 화살표 연결선 282">
+              <a:extLst>
+                <a:ext uri="{FF2B5EF4-FFF2-40B4-BE49-F238E27FC236}">
+                  <a16:creationId xmlns:a16="http://schemas.microsoft.com/office/drawing/2014/main" id="{1544D497-9995-48A6-8C05-61EE5D741699}"/>
+                </a:ext>
+              </a:extLst>
+            </p:cNvPr>
+            <p:cNvCxnSpPr>
+              <a:cxnSpLocks/>
+            </p:cNvCxnSpPr>
+            <p:nvPr/>
+          </p:nvCxnSpPr>
+          <p:spPr>
+            <a:xfrm flipV="1">
+              <a:off x="3237190" y="5503384"/>
+              <a:ext cx="48962" cy="469641"/>
+            </a:xfrm>
+            <a:prstGeom prst="straightConnector1">
+              <a:avLst/>
+            </a:prstGeom>
+            <a:ln w="28575">
+              <a:solidFill>
+                <a:schemeClr val="tx1"/>
+              </a:solidFill>
+              <a:tailEnd type="triangle"/>
+            </a:ln>
+          </p:spPr>
+          <p:style>
+            <a:lnRef idx="1">
+              <a:schemeClr val="accent1"/>
+            </a:lnRef>
+            <a:fillRef idx="0">
+              <a:schemeClr val="accent1"/>
+            </a:fillRef>
+            <a:effectRef idx="0">
+              <a:schemeClr val="accent1"/>
+            </a:effectRef>
+            <a:fontRef idx="minor">
+              <a:schemeClr val="tx1"/>
+            </a:fontRef>
+          </p:style>
+        </p:cxnSp>
+      </p:grpSp>
+      <p:grpSp>
+        <p:nvGrpSpPr>
+          <p:cNvPr id="284" name="그룹 283">
+            <a:extLst>
+              <a:ext uri="{FF2B5EF4-FFF2-40B4-BE49-F238E27FC236}">
+                <a16:creationId xmlns:a16="http://schemas.microsoft.com/office/drawing/2014/main" id="{0799E792-A861-4C64-9A78-36C3A28C6EA2}"/>
+              </a:ext>
+            </a:extLst>
+          </p:cNvPr>
+          <p:cNvGrpSpPr/>
+          <p:nvPr/>
+        </p:nvGrpSpPr>
+        <p:grpSpPr>
+          <a:xfrm>
+            <a:off x="4928708" y="5766801"/>
+            <a:ext cx="45719" cy="222161"/>
+            <a:chOff x="3178418" y="5503384"/>
+            <a:chExt cx="107734" cy="523508"/>
+          </a:xfrm>
+        </p:grpSpPr>
+        <p:sp>
+          <p:nvSpPr>
+            <p:cNvPr id="285" name="타원 284">
+              <a:extLst>
+                <a:ext uri="{FF2B5EF4-FFF2-40B4-BE49-F238E27FC236}">
+                  <a16:creationId xmlns:a16="http://schemas.microsoft.com/office/drawing/2014/main" id="{A041976C-979F-40B4-8461-2A17E3D88BD4}"/>
+                </a:ext>
+              </a:extLst>
+            </p:cNvPr>
+            <p:cNvSpPr/>
+            <p:nvPr/>
+          </p:nvSpPr>
+          <p:spPr>
+            <a:xfrm>
+              <a:off x="3178418" y="5919158"/>
+              <a:ext cx="107734" cy="107734"/>
+            </a:xfrm>
+            <a:prstGeom prst="ellipse">
+              <a:avLst/>
+            </a:prstGeom>
+            <a:solidFill>
+              <a:schemeClr val="bg1"/>
+            </a:solidFill>
+            <a:ln w="28575">
+              <a:solidFill>
+                <a:srgbClr val="FF0000"/>
+              </a:solidFill>
+            </a:ln>
+          </p:spPr>
+          <p:style>
+            <a:lnRef idx="2">
+              <a:schemeClr val="accent1">
+                <a:shade val="50000"/>
+              </a:schemeClr>
+            </a:lnRef>
+            <a:fillRef idx="1">
+              <a:schemeClr val="accent1"/>
+            </a:fillRef>
+            <a:effectRef idx="0">
+              <a:schemeClr val="accent1"/>
+            </a:effectRef>
+            <a:fontRef idx="minor">
+              <a:schemeClr val="lt1"/>
+            </a:fontRef>
+          </p:style>
+          <p:txBody>
+            <a:bodyPr rtlCol="0" anchor="ctr"/>
+            <a:lstStyle/>
+            <a:p>
+              <a:pPr algn="ctr"/>
+              <a:endParaRPr lang="en-US"/>
+            </a:p>
+          </p:txBody>
+        </p:sp>
+        <p:cxnSp>
+          <p:nvCxnSpPr>
+            <p:cNvPr id="286" name="직선 화살표 연결선 285">
+              <a:extLst>
+                <a:ext uri="{FF2B5EF4-FFF2-40B4-BE49-F238E27FC236}">
+                  <a16:creationId xmlns:a16="http://schemas.microsoft.com/office/drawing/2014/main" id="{C213586C-1F36-453C-B087-1332CDCC60EC}"/>
+                </a:ext>
+              </a:extLst>
+            </p:cNvPr>
+            <p:cNvCxnSpPr>
+              <a:cxnSpLocks/>
+            </p:cNvCxnSpPr>
+            <p:nvPr/>
+          </p:nvCxnSpPr>
+          <p:spPr>
+            <a:xfrm flipV="1">
+              <a:off x="3237190" y="5503384"/>
+              <a:ext cx="48962" cy="469641"/>
+            </a:xfrm>
+            <a:prstGeom prst="straightConnector1">
+              <a:avLst/>
+            </a:prstGeom>
+            <a:ln w="28575">
+              <a:solidFill>
+                <a:schemeClr val="tx1"/>
+              </a:solidFill>
+              <a:tailEnd type="triangle"/>
+            </a:ln>
+          </p:spPr>
+          <p:style>
+            <a:lnRef idx="1">
+              <a:schemeClr val="accent1"/>
+            </a:lnRef>
+            <a:fillRef idx="0">
+              <a:schemeClr val="accent1"/>
+            </a:fillRef>
+            <a:effectRef idx="0">
+              <a:schemeClr val="accent1"/>
+            </a:effectRef>
+            <a:fontRef idx="minor">
+              <a:schemeClr val="tx1"/>
+            </a:fontRef>
+          </p:style>
+        </p:cxnSp>
+      </p:grpSp>
+      <p:grpSp>
+        <p:nvGrpSpPr>
+          <p:cNvPr id="287" name="그룹 286">
+            <a:extLst>
+              <a:ext uri="{FF2B5EF4-FFF2-40B4-BE49-F238E27FC236}">
+                <a16:creationId xmlns:a16="http://schemas.microsoft.com/office/drawing/2014/main" id="{18B94E88-2C0A-4786-96D9-AD06694AAF2A}"/>
+              </a:ext>
+            </a:extLst>
+          </p:cNvPr>
+          <p:cNvGrpSpPr/>
+          <p:nvPr/>
+        </p:nvGrpSpPr>
+        <p:grpSpPr>
+          <a:xfrm>
+            <a:off x="5506789" y="5766801"/>
+            <a:ext cx="45719" cy="222161"/>
+            <a:chOff x="3178418" y="5503384"/>
+            <a:chExt cx="107734" cy="523508"/>
+          </a:xfrm>
+        </p:grpSpPr>
+        <p:sp>
+          <p:nvSpPr>
+            <p:cNvPr id="288" name="타원 287">
+              <a:extLst>
+                <a:ext uri="{FF2B5EF4-FFF2-40B4-BE49-F238E27FC236}">
+                  <a16:creationId xmlns:a16="http://schemas.microsoft.com/office/drawing/2014/main" id="{93FD7557-3F11-4DCD-976C-FF2F020D76CA}"/>
+                </a:ext>
+              </a:extLst>
+            </p:cNvPr>
+            <p:cNvSpPr/>
+            <p:nvPr/>
+          </p:nvSpPr>
+          <p:spPr>
+            <a:xfrm>
+              <a:off x="3178418" y="5919158"/>
+              <a:ext cx="107734" cy="107734"/>
+            </a:xfrm>
+            <a:prstGeom prst="ellipse">
+              <a:avLst/>
+            </a:prstGeom>
+            <a:solidFill>
+              <a:schemeClr val="bg1"/>
+            </a:solidFill>
+            <a:ln w="28575">
+              <a:solidFill>
+                <a:srgbClr val="FF0000"/>
+              </a:solidFill>
+            </a:ln>
+          </p:spPr>
+          <p:style>
+            <a:lnRef idx="2">
+              <a:schemeClr val="accent1">
+                <a:shade val="50000"/>
+              </a:schemeClr>
+            </a:lnRef>
+            <a:fillRef idx="1">
+              <a:schemeClr val="accent1"/>
+            </a:fillRef>
+            <a:effectRef idx="0">
+              <a:schemeClr val="accent1"/>
+            </a:effectRef>
+            <a:fontRef idx="minor">
+              <a:schemeClr val="lt1"/>
+            </a:fontRef>
+          </p:style>
+          <p:txBody>
+            <a:bodyPr rtlCol="0" anchor="ctr"/>
+            <a:lstStyle/>
+            <a:p>
+              <a:pPr algn="ctr"/>
+              <a:endParaRPr lang="en-US"/>
+            </a:p>
+          </p:txBody>
+        </p:sp>
+        <p:cxnSp>
+          <p:nvCxnSpPr>
+            <p:cNvPr id="289" name="직선 화살표 연결선 288">
+              <a:extLst>
+                <a:ext uri="{FF2B5EF4-FFF2-40B4-BE49-F238E27FC236}">
+                  <a16:creationId xmlns:a16="http://schemas.microsoft.com/office/drawing/2014/main" id="{E046FC33-1472-467C-A017-367B3419502C}"/>
+                </a:ext>
+              </a:extLst>
+            </p:cNvPr>
+            <p:cNvCxnSpPr>
+              <a:cxnSpLocks/>
+            </p:cNvCxnSpPr>
+            <p:nvPr/>
+          </p:nvCxnSpPr>
+          <p:spPr>
+            <a:xfrm flipV="1">
+              <a:off x="3237190" y="5503384"/>
+              <a:ext cx="48962" cy="469641"/>
+            </a:xfrm>
+            <a:prstGeom prst="straightConnector1">
+              <a:avLst/>
+            </a:prstGeom>
+            <a:ln w="28575">
+              <a:solidFill>
+                <a:schemeClr val="tx1"/>
+              </a:solidFill>
+              <a:tailEnd type="triangle"/>
+            </a:ln>
+          </p:spPr>
+          <p:style>
+            <a:lnRef idx="1">
+              <a:schemeClr val="accent1"/>
+            </a:lnRef>
+            <a:fillRef idx="0">
+              <a:schemeClr val="accent1"/>
+            </a:fillRef>
+            <a:effectRef idx="0">
+              <a:schemeClr val="accent1"/>
+            </a:effectRef>
+            <a:fontRef idx="minor">
+              <a:schemeClr val="tx1"/>
+            </a:fontRef>
+          </p:style>
+        </p:cxnSp>
+      </p:grpSp>
+      <p:grpSp>
+        <p:nvGrpSpPr>
+          <p:cNvPr id="290" name="그룹 289">
+            <a:extLst>
+              <a:ext uri="{FF2B5EF4-FFF2-40B4-BE49-F238E27FC236}">
+                <a16:creationId xmlns:a16="http://schemas.microsoft.com/office/drawing/2014/main" id="{A408227D-D047-4F3A-90A1-3A2BF24451B5}"/>
+              </a:ext>
+            </a:extLst>
+          </p:cNvPr>
+          <p:cNvGrpSpPr/>
+          <p:nvPr/>
+        </p:nvGrpSpPr>
+        <p:grpSpPr>
+          <a:xfrm>
+            <a:off x="6057980" y="5766801"/>
+            <a:ext cx="45719" cy="222161"/>
+            <a:chOff x="3178418" y="5503384"/>
+            <a:chExt cx="107734" cy="523508"/>
+          </a:xfrm>
+        </p:grpSpPr>
+        <p:sp>
+          <p:nvSpPr>
+            <p:cNvPr id="291" name="타원 290">
+              <a:extLst>
+                <a:ext uri="{FF2B5EF4-FFF2-40B4-BE49-F238E27FC236}">
+                  <a16:creationId xmlns:a16="http://schemas.microsoft.com/office/drawing/2014/main" id="{DA7D36CA-1D15-431C-B099-96CA254A27E7}"/>
+                </a:ext>
+              </a:extLst>
+            </p:cNvPr>
+            <p:cNvSpPr/>
+            <p:nvPr/>
+          </p:nvSpPr>
+          <p:spPr>
+            <a:xfrm>
+              <a:off x="3178418" y="5919158"/>
+              <a:ext cx="107734" cy="107734"/>
+            </a:xfrm>
+            <a:prstGeom prst="ellipse">
+              <a:avLst/>
+            </a:prstGeom>
+            <a:solidFill>
+              <a:schemeClr val="bg1"/>
+            </a:solidFill>
+            <a:ln w="28575">
+              <a:solidFill>
+                <a:srgbClr val="FF0000"/>
+              </a:solidFill>
+            </a:ln>
+          </p:spPr>
+          <p:style>
+            <a:lnRef idx="2">
+              <a:schemeClr val="accent1">
+                <a:shade val="50000"/>
+              </a:schemeClr>
+            </a:lnRef>
+            <a:fillRef idx="1">
+              <a:schemeClr val="accent1"/>
+            </a:fillRef>
+            <a:effectRef idx="0">
+              <a:schemeClr val="accent1"/>
+            </a:effectRef>
+            <a:fontRef idx="minor">
+              <a:schemeClr val="lt1"/>
+            </a:fontRef>
+          </p:style>
+          <p:txBody>
+            <a:bodyPr rtlCol="0" anchor="ctr"/>
+            <a:lstStyle/>
+            <a:p>
+              <a:pPr algn="ctr"/>
+              <a:endParaRPr lang="en-US"/>
+            </a:p>
+          </p:txBody>
+        </p:sp>
+        <p:cxnSp>
+          <p:nvCxnSpPr>
+            <p:cNvPr id="292" name="직선 화살표 연결선 291">
+              <a:extLst>
+                <a:ext uri="{FF2B5EF4-FFF2-40B4-BE49-F238E27FC236}">
+                  <a16:creationId xmlns:a16="http://schemas.microsoft.com/office/drawing/2014/main" id="{BDB024C2-7B0E-4251-B534-F0159E8905D7}"/>
+                </a:ext>
+              </a:extLst>
+            </p:cNvPr>
+            <p:cNvCxnSpPr>
+              <a:cxnSpLocks/>
+            </p:cNvCxnSpPr>
+            <p:nvPr/>
+          </p:nvCxnSpPr>
+          <p:spPr>
+            <a:xfrm flipV="1">
+              <a:off x="3237190" y="5503384"/>
+              <a:ext cx="48962" cy="469641"/>
+            </a:xfrm>
+            <a:prstGeom prst="straightConnector1">
+              <a:avLst/>
+            </a:prstGeom>
+            <a:ln w="28575">
+              <a:solidFill>
+                <a:schemeClr val="tx1"/>
+              </a:solidFill>
+              <a:tailEnd type="triangle"/>
+            </a:ln>
+          </p:spPr>
+          <p:style>
+            <a:lnRef idx="1">
+              <a:schemeClr val="accent1"/>
+            </a:lnRef>
+            <a:fillRef idx="0">
+              <a:schemeClr val="accent1"/>
+            </a:fillRef>
+            <a:effectRef idx="0">
+              <a:schemeClr val="accent1"/>
+            </a:effectRef>
+            <a:fontRef idx="minor">
+              <a:schemeClr val="tx1"/>
+            </a:fontRef>
+          </p:style>
+        </p:cxnSp>
+      </p:grpSp>
+      <p:grpSp>
+        <p:nvGrpSpPr>
+          <p:cNvPr id="293" name="그룹 292">
+            <a:extLst>
+              <a:ext uri="{FF2B5EF4-FFF2-40B4-BE49-F238E27FC236}">
+                <a16:creationId xmlns:a16="http://schemas.microsoft.com/office/drawing/2014/main" id="{5258B0D8-742F-4428-AB72-5A39A898ECEB}"/>
+              </a:ext>
+            </a:extLst>
+          </p:cNvPr>
+          <p:cNvGrpSpPr/>
+          <p:nvPr/>
+        </p:nvGrpSpPr>
+        <p:grpSpPr>
+          <a:xfrm>
+            <a:off x="6645026" y="5766801"/>
+            <a:ext cx="45719" cy="222161"/>
+            <a:chOff x="3178418" y="5503384"/>
+            <a:chExt cx="107734" cy="523508"/>
+          </a:xfrm>
+        </p:grpSpPr>
+        <p:sp>
+          <p:nvSpPr>
+            <p:cNvPr id="294" name="타원 293">
+              <a:extLst>
+                <a:ext uri="{FF2B5EF4-FFF2-40B4-BE49-F238E27FC236}">
+                  <a16:creationId xmlns:a16="http://schemas.microsoft.com/office/drawing/2014/main" id="{D5BBC92C-F4A4-4DC2-8857-C0A76440D93C}"/>
+                </a:ext>
+              </a:extLst>
+            </p:cNvPr>
+            <p:cNvSpPr/>
+            <p:nvPr/>
+          </p:nvSpPr>
+          <p:spPr>
+            <a:xfrm>
+              <a:off x="3178418" y="5919158"/>
+              <a:ext cx="107734" cy="107734"/>
+            </a:xfrm>
+            <a:prstGeom prst="ellipse">
+              <a:avLst/>
+            </a:prstGeom>
+            <a:solidFill>
+              <a:schemeClr val="bg1"/>
+            </a:solidFill>
+            <a:ln w="28575">
+              <a:solidFill>
+                <a:srgbClr val="FF0000"/>
+              </a:solidFill>
+            </a:ln>
+          </p:spPr>
+          <p:style>
+            <a:lnRef idx="2">
+              <a:schemeClr val="accent1">
+                <a:shade val="50000"/>
+              </a:schemeClr>
+            </a:lnRef>
+            <a:fillRef idx="1">
+              <a:schemeClr val="accent1"/>
+            </a:fillRef>
+            <a:effectRef idx="0">
+              <a:schemeClr val="accent1"/>
+            </a:effectRef>
+            <a:fontRef idx="minor">
+              <a:schemeClr val="lt1"/>
+            </a:fontRef>
+          </p:style>
+          <p:txBody>
+            <a:bodyPr rtlCol="0" anchor="ctr"/>
+            <a:lstStyle/>
+            <a:p>
+              <a:pPr algn="ctr"/>
+              <a:endParaRPr lang="en-US"/>
+            </a:p>
+          </p:txBody>
+        </p:sp>
+        <p:cxnSp>
+          <p:nvCxnSpPr>
+            <p:cNvPr id="295" name="직선 화살표 연결선 294">
+              <a:extLst>
+                <a:ext uri="{FF2B5EF4-FFF2-40B4-BE49-F238E27FC236}">
+                  <a16:creationId xmlns:a16="http://schemas.microsoft.com/office/drawing/2014/main" id="{5A79901C-184A-487B-9652-B4A7E3E40676}"/>
+                </a:ext>
+              </a:extLst>
+            </p:cNvPr>
+            <p:cNvCxnSpPr>
+              <a:cxnSpLocks/>
+            </p:cNvCxnSpPr>
+            <p:nvPr/>
+          </p:nvCxnSpPr>
+          <p:spPr>
+            <a:xfrm flipV="1">
+              <a:off x="3237190" y="5503384"/>
+              <a:ext cx="48962" cy="469641"/>
+            </a:xfrm>
+            <a:prstGeom prst="straightConnector1">
+              <a:avLst/>
+            </a:prstGeom>
+            <a:ln w="28575">
+              <a:solidFill>
+                <a:schemeClr val="tx1"/>
+              </a:solidFill>
+              <a:tailEnd type="triangle"/>
+            </a:ln>
+          </p:spPr>
+          <p:style>
+            <a:lnRef idx="1">
+              <a:schemeClr val="accent1"/>
+            </a:lnRef>
+            <a:fillRef idx="0">
+              <a:schemeClr val="accent1"/>
+            </a:fillRef>
+            <a:effectRef idx="0">
+              <a:schemeClr val="accent1"/>
+            </a:effectRef>
+            <a:fontRef idx="minor">
+              <a:schemeClr val="tx1"/>
+            </a:fontRef>
+          </p:style>
+        </p:cxnSp>
+      </p:grpSp>
+      <p:grpSp>
+        <p:nvGrpSpPr>
+          <p:cNvPr id="296" name="그룹 295">
+            <a:extLst>
+              <a:ext uri="{FF2B5EF4-FFF2-40B4-BE49-F238E27FC236}">
+                <a16:creationId xmlns:a16="http://schemas.microsoft.com/office/drawing/2014/main" id="{4CBE772A-F923-4C32-8898-3296058AB5FE}"/>
+              </a:ext>
+            </a:extLst>
+          </p:cNvPr>
+          <p:cNvGrpSpPr/>
+          <p:nvPr/>
+        </p:nvGrpSpPr>
+        <p:grpSpPr>
+          <a:xfrm>
+            <a:off x="7214142" y="5766801"/>
+            <a:ext cx="45719" cy="222161"/>
+            <a:chOff x="3178418" y="5503384"/>
+            <a:chExt cx="107734" cy="523508"/>
+          </a:xfrm>
+        </p:grpSpPr>
+        <p:sp>
+          <p:nvSpPr>
+            <p:cNvPr id="297" name="타원 296">
+              <a:extLst>
+                <a:ext uri="{FF2B5EF4-FFF2-40B4-BE49-F238E27FC236}">
+                  <a16:creationId xmlns:a16="http://schemas.microsoft.com/office/drawing/2014/main" id="{8DE1B1EC-234D-49F0-8421-F118842F3BD0}"/>
+                </a:ext>
+              </a:extLst>
+            </p:cNvPr>
+            <p:cNvSpPr/>
+            <p:nvPr/>
+          </p:nvSpPr>
+          <p:spPr>
+            <a:xfrm>
+              <a:off x="3178418" y="5919158"/>
+              <a:ext cx="107734" cy="107734"/>
+            </a:xfrm>
+            <a:prstGeom prst="ellipse">
+              <a:avLst/>
+            </a:prstGeom>
+            <a:solidFill>
+              <a:schemeClr val="bg1"/>
+            </a:solidFill>
+            <a:ln w="28575">
+              <a:solidFill>
+                <a:srgbClr val="FF0000"/>
+              </a:solidFill>
+            </a:ln>
+          </p:spPr>
+          <p:style>
+            <a:lnRef idx="2">
+              <a:schemeClr val="accent1">
+                <a:shade val="50000"/>
+              </a:schemeClr>
+            </a:lnRef>
+            <a:fillRef idx="1">
+              <a:schemeClr val="accent1"/>
+            </a:fillRef>
+            <a:effectRef idx="0">
+              <a:schemeClr val="accent1"/>
+            </a:effectRef>
+            <a:fontRef idx="minor">
+              <a:schemeClr val="lt1"/>
+            </a:fontRef>
+          </p:style>
+          <p:txBody>
+            <a:bodyPr rtlCol="0" anchor="ctr"/>
+            <a:lstStyle/>
+            <a:p>
+              <a:pPr algn="ctr"/>
+              <a:endParaRPr lang="en-US"/>
+            </a:p>
+          </p:txBody>
+        </p:sp>
+        <p:cxnSp>
+          <p:nvCxnSpPr>
+            <p:cNvPr id="298" name="직선 화살표 연결선 297">
+              <a:extLst>
+                <a:ext uri="{FF2B5EF4-FFF2-40B4-BE49-F238E27FC236}">
+                  <a16:creationId xmlns:a16="http://schemas.microsoft.com/office/drawing/2014/main" id="{5D90A85B-9CEF-4E54-B805-229641FFB70B}"/>
+                </a:ext>
+              </a:extLst>
+            </p:cNvPr>
+            <p:cNvCxnSpPr>
+              <a:cxnSpLocks/>
+            </p:cNvCxnSpPr>
+            <p:nvPr/>
+          </p:nvCxnSpPr>
+          <p:spPr>
+            <a:xfrm flipV="1">
+              <a:off x="3237190" y="5503384"/>
+              <a:ext cx="48962" cy="469641"/>
+            </a:xfrm>
+            <a:prstGeom prst="straightConnector1">
+              <a:avLst/>
+            </a:prstGeom>
+            <a:ln w="28575">
+              <a:solidFill>
+                <a:schemeClr val="tx1"/>
+              </a:solidFill>
+              <a:tailEnd type="triangle"/>
+            </a:ln>
+          </p:spPr>
+          <p:style>
+            <a:lnRef idx="1">
+              <a:schemeClr val="accent1"/>
+            </a:lnRef>
+            <a:fillRef idx="0">
+              <a:schemeClr val="accent1"/>
+            </a:fillRef>
+            <a:effectRef idx="0">
+              <a:schemeClr val="accent1"/>
+            </a:effectRef>
+            <a:fontRef idx="minor">
+              <a:schemeClr val="tx1"/>
+            </a:fontRef>
+          </p:style>
+        </p:cxnSp>
+      </p:grpSp>
+      <p:grpSp>
+        <p:nvGrpSpPr>
+          <p:cNvPr id="299" name="그룹 298">
+            <a:extLst>
+              <a:ext uri="{FF2B5EF4-FFF2-40B4-BE49-F238E27FC236}">
+                <a16:creationId xmlns:a16="http://schemas.microsoft.com/office/drawing/2014/main" id="{83C2724E-744B-470B-B7A3-751C1C4119EB}"/>
+              </a:ext>
+            </a:extLst>
+          </p:cNvPr>
+          <p:cNvGrpSpPr/>
+          <p:nvPr/>
+        </p:nvGrpSpPr>
+        <p:grpSpPr>
+          <a:xfrm>
+            <a:off x="7837047" y="5766801"/>
+            <a:ext cx="45719" cy="222161"/>
+            <a:chOff x="3178418" y="5503384"/>
+            <a:chExt cx="107734" cy="523508"/>
+          </a:xfrm>
+        </p:grpSpPr>
+        <p:sp>
+          <p:nvSpPr>
+            <p:cNvPr id="300" name="타원 299">
+              <a:extLst>
+                <a:ext uri="{FF2B5EF4-FFF2-40B4-BE49-F238E27FC236}">
+                  <a16:creationId xmlns:a16="http://schemas.microsoft.com/office/drawing/2014/main" id="{EFAC7869-0E1B-4AC5-B1AA-7BC950D46DD1}"/>
+                </a:ext>
+              </a:extLst>
+            </p:cNvPr>
+            <p:cNvSpPr/>
+            <p:nvPr/>
+          </p:nvSpPr>
+          <p:spPr>
+            <a:xfrm>
+              <a:off x="3178418" y="5919158"/>
+              <a:ext cx="107734" cy="107734"/>
+            </a:xfrm>
+            <a:prstGeom prst="ellipse">
+              <a:avLst/>
+            </a:prstGeom>
+            <a:solidFill>
+              <a:schemeClr val="bg1"/>
+            </a:solidFill>
+            <a:ln w="28575">
+              <a:solidFill>
+                <a:srgbClr val="FF0000"/>
+              </a:solidFill>
+            </a:ln>
+          </p:spPr>
+          <p:style>
+            <a:lnRef idx="2">
+              <a:schemeClr val="accent1">
+                <a:shade val="50000"/>
+              </a:schemeClr>
+            </a:lnRef>
+            <a:fillRef idx="1">
+              <a:schemeClr val="accent1"/>
+            </a:fillRef>
+            <a:effectRef idx="0">
+              <a:schemeClr val="accent1"/>
+            </a:effectRef>
+            <a:fontRef idx="minor">
+              <a:schemeClr val="lt1"/>
+            </a:fontRef>
+          </p:style>
+          <p:txBody>
+            <a:bodyPr rtlCol="0" anchor="ctr"/>
+            <a:lstStyle/>
+            <a:p>
+              <a:pPr algn="ctr"/>
+              <a:endParaRPr lang="en-US"/>
+            </a:p>
+          </p:txBody>
+        </p:sp>
+        <p:cxnSp>
+          <p:nvCxnSpPr>
+            <p:cNvPr id="301" name="직선 화살표 연결선 300">
+              <a:extLst>
+                <a:ext uri="{FF2B5EF4-FFF2-40B4-BE49-F238E27FC236}">
+                  <a16:creationId xmlns:a16="http://schemas.microsoft.com/office/drawing/2014/main" id="{52F44891-9485-4196-99A5-BED1C853C323}"/>
+                </a:ext>
+              </a:extLst>
+            </p:cNvPr>
+            <p:cNvCxnSpPr>
+              <a:cxnSpLocks/>
+            </p:cNvCxnSpPr>
+            <p:nvPr/>
+          </p:nvCxnSpPr>
+          <p:spPr>
+            <a:xfrm flipV="1">
+              <a:off x="3237190" y="5503384"/>
+              <a:ext cx="48962" cy="469641"/>
+            </a:xfrm>
+            <a:prstGeom prst="straightConnector1">
+              <a:avLst/>
+            </a:prstGeom>
+            <a:ln w="28575">
+              <a:solidFill>
+                <a:schemeClr val="tx1"/>
+              </a:solidFill>
+              <a:tailEnd type="triangle"/>
+            </a:ln>
+          </p:spPr>
+          <p:style>
+            <a:lnRef idx="1">
+              <a:schemeClr val="accent1"/>
+            </a:lnRef>
+            <a:fillRef idx="0">
+              <a:schemeClr val="accent1"/>
+            </a:fillRef>
+            <a:effectRef idx="0">
+              <a:schemeClr val="accent1"/>
+            </a:effectRef>
+            <a:fontRef idx="minor">
+              <a:schemeClr val="tx1"/>
+            </a:fontRef>
+          </p:style>
+        </p:cxnSp>
+      </p:grpSp>
+      <p:grpSp>
+        <p:nvGrpSpPr>
+          <p:cNvPr id="302" name="그룹 301">
+            <a:extLst>
+              <a:ext uri="{FF2B5EF4-FFF2-40B4-BE49-F238E27FC236}">
+                <a16:creationId xmlns:a16="http://schemas.microsoft.com/office/drawing/2014/main" id="{02E8AF02-3CAE-4E81-88F9-43B15DB6A8EC}"/>
+              </a:ext>
+            </a:extLst>
+          </p:cNvPr>
+          <p:cNvGrpSpPr/>
+          <p:nvPr/>
+        </p:nvGrpSpPr>
+        <p:grpSpPr>
+          <a:xfrm>
+            <a:off x="8424091" y="5766801"/>
+            <a:ext cx="45719" cy="222161"/>
+            <a:chOff x="3178418" y="5503384"/>
+            <a:chExt cx="107734" cy="523508"/>
+          </a:xfrm>
+        </p:grpSpPr>
+        <p:sp>
+          <p:nvSpPr>
+            <p:cNvPr id="303" name="타원 302">
+              <a:extLst>
+                <a:ext uri="{FF2B5EF4-FFF2-40B4-BE49-F238E27FC236}">
+                  <a16:creationId xmlns:a16="http://schemas.microsoft.com/office/drawing/2014/main" id="{EBE6EEA7-9471-498D-BC13-9477D4447342}"/>
+                </a:ext>
+              </a:extLst>
+            </p:cNvPr>
+            <p:cNvSpPr/>
+            <p:nvPr/>
+          </p:nvSpPr>
+          <p:spPr>
+            <a:xfrm>
+              <a:off x="3178418" y="5919158"/>
+              <a:ext cx="107734" cy="107734"/>
+            </a:xfrm>
+            <a:prstGeom prst="ellipse">
+              <a:avLst/>
+            </a:prstGeom>
+            <a:solidFill>
+              <a:schemeClr val="bg1"/>
+            </a:solidFill>
+            <a:ln w="28575">
+              <a:solidFill>
+                <a:srgbClr val="FF0000"/>
+              </a:solidFill>
+            </a:ln>
+          </p:spPr>
+          <p:style>
+            <a:lnRef idx="2">
+              <a:schemeClr val="accent1">
+                <a:shade val="50000"/>
+              </a:schemeClr>
+            </a:lnRef>
+            <a:fillRef idx="1">
+              <a:schemeClr val="accent1"/>
+            </a:fillRef>
+            <a:effectRef idx="0">
+              <a:schemeClr val="accent1"/>
+            </a:effectRef>
+            <a:fontRef idx="minor">
+              <a:schemeClr val="lt1"/>
+            </a:fontRef>
+          </p:style>
+          <p:txBody>
+            <a:bodyPr rtlCol="0" anchor="ctr"/>
+            <a:lstStyle/>
+            <a:p>
+              <a:pPr algn="ctr"/>
+              <a:endParaRPr lang="en-US"/>
+            </a:p>
+          </p:txBody>
+        </p:sp>
+        <p:cxnSp>
+          <p:nvCxnSpPr>
+            <p:cNvPr id="304" name="직선 화살표 연결선 303">
+              <a:extLst>
+                <a:ext uri="{FF2B5EF4-FFF2-40B4-BE49-F238E27FC236}">
+                  <a16:creationId xmlns:a16="http://schemas.microsoft.com/office/drawing/2014/main" id="{F37E6903-450C-420F-AA1B-4C9B3313C921}"/>
+                </a:ext>
+              </a:extLst>
+            </p:cNvPr>
+            <p:cNvCxnSpPr>
+              <a:cxnSpLocks/>
+            </p:cNvCxnSpPr>
+            <p:nvPr/>
+          </p:nvCxnSpPr>
+          <p:spPr>
+            <a:xfrm flipV="1">
+              <a:off x="3237190" y="5503384"/>
+              <a:ext cx="48962" cy="469641"/>
+            </a:xfrm>
+            <a:prstGeom prst="straightConnector1">
+              <a:avLst/>
+            </a:prstGeom>
+            <a:ln w="28575">
+              <a:solidFill>
+                <a:schemeClr val="tx1"/>
+              </a:solidFill>
+              <a:tailEnd type="triangle"/>
+            </a:ln>
+          </p:spPr>
+          <p:style>
+            <a:lnRef idx="1">
+              <a:schemeClr val="accent1"/>
+            </a:lnRef>
+            <a:fillRef idx="0">
+              <a:schemeClr val="accent1"/>
+            </a:fillRef>
+            <a:effectRef idx="0">
+              <a:schemeClr val="accent1"/>
+            </a:effectRef>
+            <a:fontRef idx="minor">
+              <a:schemeClr val="tx1"/>
+            </a:fontRef>
+          </p:style>
+        </p:cxnSp>
+      </p:grpSp>
+      <p:grpSp>
+        <p:nvGrpSpPr>
+          <p:cNvPr id="305" name="그룹 304">
+            <a:extLst>
+              <a:ext uri="{FF2B5EF4-FFF2-40B4-BE49-F238E27FC236}">
+                <a16:creationId xmlns:a16="http://schemas.microsoft.com/office/drawing/2014/main" id="{EFD4901C-8AE5-493F-9C03-BDB83D1B1FEF}"/>
+              </a:ext>
+            </a:extLst>
+          </p:cNvPr>
+          <p:cNvGrpSpPr/>
+          <p:nvPr/>
+        </p:nvGrpSpPr>
+        <p:grpSpPr>
+          <a:xfrm>
+            <a:off x="9002177" y="5766801"/>
+            <a:ext cx="45719" cy="222161"/>
+            <a:chOff x="3178418" y="5503384"/>
+            <a:chExt cx="107734" cy="523508"/>
+          </a:xfrm>
+        </p:grpSpPr>
+        <p:sp>
+          <p:nvSpPr>
+            <p:cNvPr id="306" name="타원 305">
+              <a:extLst>
+                <a:ext uri="{FF2B5EF4-FFF2-40B4-BE49-F238E27FC236}">
+                  <a16:creationId xmlns:a16="http://schemas.microsoft.com/office/drawing/2014/main" id="{4C4EDD14-A28D-465C-A032-DD41966BE661}"/>
+                </a:ext>
+              </a:extLst>
+            </p:cNvPr>
+            <p:cNvSpPr/>
+            <p:nvPr/>
+          </p:nvSpPr>
+          <p:spPr>
+            <a:xfrm>
+              <a:off x="3178418" y="5919158"/>
+              <a:ext cx="107734" cy="107734"/>
+            </a:xfrm>
+            <a:prstGeom prst="ellipse">
+              <a:avLst/>
+            </a:prstGeom>
+            <a:solidFill>
+              <a:schemeClr val="bg1"/>
+            </a:solidFill>
+            <a:ln w="28575">
+              <a:solidFill>
+                <a:srgbClr val="FF0000"/>
+              </a:solidFill>
+            </a:ln>
+          </p:spPr>
+          <p:style>
+            <a:lnRef idx="2">
+              <a:schemeClr val="accent1">
+                <a:shade val="50000"/>
+              </a:schemeClr>
+            </a:lnRef>
+            <a:fillRef idx="1">
+              <a:schemeClr val="accent1"/>
+            </a:fillRef>
+            <a:effectRef idx="0">
+              <a:schemeClr val="accent1"/>
+            </a:effectRef>
+            <a:fontRef idx="minor">
+              <a:schemeClr val="lt1"/>
+            </a:fontRef>
+          </p:style>
+          <p:txBody>
+            <a:bodyPr rtlCol="0" anchor="ctr"/>
+            <a:lstStyle/>
+            <a:p>
+              <a:pPr algn="ctr"/>
+              <a:endParaRPr lang="en-US"/>
+            </a:p>
+          </p:txBody>
+        </p:sp>
+        <p:cxnSp>
+          <p:nvCxnSpPr>
+            <p:cNvPr id="307" name="직선 화살표 연결선 306">
+              <a:extLst>
+                <a:ext uri="{FF2B5EF4-FFF2-40B4-BE49-F238E27FC236}">
+                  <a16:creationId xmlns:a16="http://schemas.microsoft.com/office/drawing/2014/main" id="{41AACBCF-BD39-4FC9-A36D-433056DBE9B8}"/>
+                </a:ext>
+              </a:extLst>
+            </p:cNvPr>
+            <p:cNvCxnSpPr>
+              <a:cxnSpLocks/>
+            </p:cNvCxnSpPr>
+            <p:nvPr/>
+          </p:nvCxnSpPr>
+          <p:spPr>
+            <a:xfrm flipV="1">
+              <a:off x="3237190" y="5503384"/>
+              <a:ext cx="48962" cy="469641"/>
+            </a:xfrm>
+            <a:prstGeom prst="straightConnector1">
+              <a:avLst/>
+            </a:prstGeom>
+            <a:ln w="28575">
+              <a:solidFill>
+                <a:schemeClr val="tx1"/>
+              </a:solidFill>
+              <a:tailEnd type="triangle"/>
+            </a:ln>
+          </p:spPr>
+          <p:style>
+            <a:lnRef idx="1">
+              <a:schemeClr val="accent1"/>
+            </a:lnRef>
+            <a:fillRef idx="0">
+              <a:schemeClr val="accent1"/>
+            </a:fillRef>
+            <a:effectRef idx="0">
+              <a:schemeClr val="accent1"/>
+            </a:effectRef>
+            <a:fontRef idx="minor">
+              <a:schemeClr val="tx1"/>
+            </a:fontRef>
+          </p:style>
+        </p:cxnSp>
+      </p:grpSp>
+      <p:grpSp>
+        <p:nvGrpSpPr>
+          <p:cNvPr id="308" name="그룹 307">
+            <a:extLst>
+              <a:ext uri="{FF2B5EF4-FFF2-40B4-BE49-F238E27FC236}">
+                <a16:creationId xmlns:a16="http://schemas.microsoft.com/office/drawing/2014/main" id="{EC009BA6-441D-4DD4-8445-EC159F82BD9A}"/>
+              </a:ext>
+            </a:extLst>
+          </p:cNvPr>
+          <p:cNvGrpSpPr/>
+          <p:nvPr/>
+        </p:nvGrpSpPr>
+        <p:grpSpPr>
+          <a:xfrm>
+            <a:off x="9554839" y="5766801"/>
+            <a:ext cx="45719" cy="222161"/>
+            <a:chOff x="3178418" y="5503384"/>
+            <a:chExt cx="107734" cy="523508"/>
+          </a:xfrm>
+        </p:grpSpPr>
+        <p:sp>
+          <p:nvSpPr>
+            <p:cNvPr id="309" name="타원 308">
+              <a:extLst>
+                <a:ext uri="{FF2B5EF4-FFF2-40B4-BE49-F238E27FC236}">
+                  <a16:creationId xmlns:a16="http://schemas.microsoft.com/office/drawing/2014/main" id="{BE4CA097-27DA-4CA4-B7F7-92A8064C823D}"/>
+                </a:ext>
+              </a:extLst>
+            </p:cNvPr>
+            <p:cNvSpPr/>
+            <p:nvPr/>
+          </p:nvSpPr>
+          <p:spPr>
+            <a:xfrm>
+              <a:off x="3178418" y="5919158"/>
+              <a:ext cx="107734" cy="107734"/>
+            </a:xfrm>
+            <a:prstGeom prst="ellipse">
+              <a:avLst/>
+            </a:prstGeom>
+            <a:solidFill>
+              <a:schemeClr val="bg1"/>
+            </a:solidFill>
+            <a:ln w="28575">
+              <a:solidFill>
+                <a:srgbClr val="FF0000"/>
+              </a:solidFill>
+            </a:ln>
+          </p:spPr>
+          <p:style>
+            <a:lnRef idx="2">
+              <a:schemeClr val="accent1">
+                <a:shade val="50000"/>
+              </a:schemeClr>
+            </a:lnRef>
+            <a:fillRef idx="1">
+              <a:schemeClr val="accent1"/>
+            </a:fillRef>
+            <a:effectRef idx="0">
+              <a:schemeClr val="accent1"/>
+            </a:effectRef>
+            <a:fontRef idx="minor">
+              <a:schemeClr val="lt1"/>
+            </a:fontRef>
+          </p:style>
+          <p:txBody>
+            <a:bodyPr rtlCol="0" anchor="ctr"/>
+            <a:lstStyle/>
+            <a:p>
+              <a:pPr algn="ctr"/>
+              <a:endParaRPr lang="en-US"/>
+            </a:p>
+          </p:txBody>
+        </p:sp>
+        <p:cxnSp>
+          <p:nvCxnSpPr>
+            <p:cNvPr id="310" name="직선 화살표 연결선 309">
+              <a:extLst>
+                <a:ext uri="{FF2B5EF4-FFF2-40B4-BE49-F238E27FC236}">
+                  <a16:creationId xmlns:a16="http://schemas.microsoft.com/office/drawing/2014/main" id="{CAE6F84F-734D-4EF7-ABDC-FEE5C18A54E6}"/>
+                </a:ext>
+              </a:extLst>
+            </p:cNvPr>
+            <p:cNvCxnSpPr>
+              <a:cxnSpLocks/>
+            </p:cNvCxnSpPr>
+            <p:nvPr/>
+          </p:nvCxnSpPr>
+          <p:spPr>
+            <a:xfrm flipV="1">
+              <a:off x="3237190" y="5503384"/>
+              <a:ext cx="48962" cy="469641"/>
+            </a:xfrm>
+            <a:prstGeom prst="straightConnector1">
+              <a:avLst/>
+            </a:prstGeom>
+            <a:ln w="28575">
+              <a:solidFill>
+                <a:schemeClr val="tx1"/>
+              </a:solidFill>
+              <a:tailEnd type="triangle"/>
+            </a:ln>
+          </p:spPr>
+          <p:style>
+            <a:lnRef idx="1">
+              <a:schemeClr val="accent1"/>
+            </a:lnRef>
+            <a:fillRef idx="0">
+              <a:schemeClr val="accent1"/>
+            </a:fillRef>
+            <a:effectRef idx="0">
+              <a:schemeClr val="accent1"/>
+            </a:effectRef>
+            <a:fontRef idx="minor">
+              <a:schemeClr val="tx1"/>
+            </a:fontRef>
+          </p:style>
+        </p:cxnSp>
+      </p:grpSp>
+      <p:cxnSp>
+        <p:nvCxnSpPr>
+          <p:cNvPr id="312" name="직선 연결선 311">
+            <a:extLst>
+              <a:ext uri="{FF2B5EF4-FFF2-40B4-BE49-F238E27FC236}">
+                <a16:creationId xmlns:a16="http://schemas.microsoft.com/office/drawing/2014/main" id="{5190C984-D45F-498E-8233-DB921806A094}"/>
+              </a:ext>
+            </a:extLst>
+          </p:cNvPr>
+          <p:cNvCxnSpPr/>
+          <p:nvPr/>
+        </p:nvCxnSpPr>
+        <p:spPr>
+          <a:xfrm flipH="1">
+            <a:off x="2144018" y="5710316"/>
+            <a:ext cx="870583" cy="1347654"/>
+          </a:xfrm>
+          <a:prstGeom prst="line">
+            <a:avLst/>
+          </a:prstGeom>
+          <a:ln>
+            <a:solidFill>
+              <a:schemeClr val="tx1"/>
+            </a:solidFill>
+            <a:prstDash val="dash"/>
+          </a:ln>
+        </p:spPr>
+        <p:style>
+          <a:lnRef idx="1">
+            <a:schemeClr val="accent1"/>
+          </a:lnRef>
+          <a:fillRef idx="0">
+            <a:schemeClr val="accent1"/>
+          </a:fillRef>
+          <a:effectRef idx="0">
+            <a:schemeClr val="accent1"/>
+          </a:effectRef>
+          <a:fontRef idx="minor">
+            <a:schemeClr val="tx1"/>
+          </a:fontRef>
+        </p:style>
+      </p:cxnSp>
+      <p:cxnSp>
+        <p:nvCxnSpPr>
+          <p:cNvPr id="313" name="직선 연결선 312">
+            <a:extLst>
+              <a:ext uri="{FF2B5EF4-FFF2-40B4-BE49-F238E27FC236}">
+                <a16:creationId xmlns:a16="http://schemas.microsoft.com/office/drawing/2014/main" id="{6BC3B0D9-F89B-43B2-8884-B15077CE8C0A}"/>
+              </a:ext>
+            </a:extLst>
+          </p:cNvPr>
+          <p:cNvCxnSpPr>
+            <a:cxnSpLocks/>
+          </p:cNvCxnSpPr>
+          <p:nvPr/>
+        </p:nvCxnSpPr>
+        <p:spPr>
+          <a:xfrm>
+            <a:off x="3413647" y="5723765"/>
+            <a:ext cx="1560780" cy="1334205"/>
+          </a:xfrm>
+          <a:prstGeom prst="line">
+            <a:avLst/>
+          </a:prstGeom>
+          <a:ln>
+            <a:solidFill>
+              <a:schemeClr val="tx1"/>
+            </a:solidFill>
+            <a:prstDash val="dash"/>
+          </a:ln>
+        </p:spPr>
+        <p:style>
+          <a:lnRef idx="1">
+            <a:schemeClr val="accent1"/>
+          </a:lnRef>
+          <a:fillRef idx="0">
+            <a:schemeClr val="accent1"/>
+          </a:fillRef>
+          <a:effectRef idx="0">
+            <a:schemeClr val="accent1"/>
+          </a:effectRef>
+          <a:fontRef idx="minor">
+            <a:schemeClr val="tx1"/>
+          </a:fontRef>
+        </p:style>
+      </p:cxnSp>
+      <p:cxnSp>
+        <p:nvCxnSpPr>
+          <p:cNvPr id="316" name="직선 연결선 315">
+            <a:extLst>
+              <a:ext uri="{FF2B5EF4-FFF2-40B4-BE49-F238E27FC236}">
+                <a16:creationId xmlns:a16="http://schemas.microsoft.com/office/drawing/2014/main" id="{BE583314-E0AB-4CE4-B4BA-BBB457F98C19}"/>
+              </a:ext>
+            </a:extLst>
+          </p:cNvPr>
+          <p:cNvCxnSpPr>
+            <a:cxnSpLocks/>
+          </p:cNvCxnSpPr>
+          <p:nvPr/>
+        </p:nvCxnSpPr>
+        <p:spPr>
+          <a:xfrm>
+            <a:off x="3632254" y="5745624"/>
+            <a:ext cx="1533626" cy="1323272"/>
+          </a:xfrm>
+          <a:prstGeom prst="line">
+            <a:avLst/>
+          </a:prstGeom>
+          <a:ln>
+            <a:solidFill>
+              <a:schemeClr val="tx1"/>
+            </a:solidFill>
+            <a:prstDash val="dash"/>
+          </a:ln>
+        </p:spPr>
+        <p:style>
+          <a:lnRef idx="1">
+            <a:schemeClr val="accent1"/>
+          </a:lnRef>
+          <a:fillRef idx="0">
+            <a:schemeClr val="accent1"/>
+          </a:fillRef>
+          <a:effectRef idx="0">
+            <a:schemeClr val="accent1"/>
+          </a:effectRef>
+          <a:fontRef idx="minor">
+            <a:schemeClr val="tx1"/>
+          </a:fontRef>
+        </p:style>
+      </p:cxnSp>
+      <p:cxnSp>
+        <p:nvCxnSpPr>
+          <p:cNvPr id="317" name="직선 연결선 316">
+            <a:extLst>
+              <a:ext uri="{FF2B5EF4-FFF2-40B4-BE49-F238E27FC236}">
+                <a16:creationId xmlns:a16="http://schemas.microsoft.com/office/drawing/2014/main" id="{0990E2CD-9B73-42B2-8C1E-FB785A3DA679}"/>
+              </a:ext>
+            </a:extLst>
+          </p:cNvPr>
+          <p:cNvCxnSpPr>
+            <a:cxnSpLocks/>
+          </p:cNvCxnSpPr>
+          <p:nvPr/>
+        </p:nvCxnSpPr>
+        <p:spPr>
+          <a:xfrm>
+            <a:off x="3985041" y="5730489"/>
+            <a:ext cx="4011247" cy="1338407"/>
+          </a:xfrm>
+          <a:prstGeom prst="line">
+            <a:avLst/>
+          </a:prstGeom>
+          <a:ln>
+            <a:solidFill>
+              <a:schemeClr val="tx1"/>
+            </a:solidFill>
+            <a:prstDash val="dash"/>
+          </a:ln>
+        </p:spPr>
+        <p:style>
+          <a:lnRef idx="1">
+            <a:schemeClr val="accent1"/>
+          </a:lnRef>
+          <a:fillRef idx="0">
+            <a:schemeClr val="accent1"/>
+          </a:fillRef>
+          <a:effectRef idx="0">
+            <a:schemeClr val="accent1"/>
+          </a:effectRef>
+          <a:fontRef idx="minor">
+            <a:schemeClr val="tx1"/>
+          </a:fontRef>
+        </p:style>
+      </p:cxnSp>
+      <p:cxnSp>
+        <p:nvCxnSpPr>
+          <p:cNvPr id="320" name="직선 연결선 319">
+            <a:extLst>
+              <a:ext uri="{FF2B5EF4-FFF2-40B4-BE49-F238E27FC236}">
+                <a16:creationId xmlns:a16="http://schemas.microsoft.com/office/drawing/2014/main" id="{32F20B3D-8473-4C37-A79A-7393C186EB9E}"/>
+              </a:ext>
+            </a:extLst>
+          </p:cNvPr>
+          <p:cNvCxnSpPr>
+            <a:cxnSpLocks/>
+          </p:cNvCxnSpPr>
+          <p:nvPr/>
+        </p:nvCxnSpPr>
+        <p:spPr>
+          <a:xfrm>
+            <a:off x="4200693" y="5730489"/>
+            <a:ext cx="3992928" cy="1333983"/>
+          </a:xfrm>
+          <a:prstGeom prst="line">
+            <a:avLst/>
+          </a:prstGeom>
+          <a:ln>
+            <a:solidFill>
+              <a:schemeClr val="tx1"/>
+            </a:solidFill>
+            <a:prstDash val="dash"/>
+          </a:ln>
+        </p:spPr>
+        <p:style>
+          <a:lnRef idx="1">
+            <a:schemeClr val="accent1"/>
+          </a:lnRef>
+          <a:fillRef idx="0">
+            <a:schemeClr val="accent1"/>
+          </a:fillRef>
+          <a:effectRef idx="0">
+            <a:schemeClr val="accent1"/>
+          </a:effectRef>
+          <a:fontRef idx="minor">
+            <a:schemeClr val="tx1"/>
+          </a:fontRef>
+        </p:style>
+      </p:cxnSp>
+      <p:cxnSp>
+        <p:nvCxnSpPr>
+          <p:cNvPr id="323" name="직선 연결선 322">
+            <a:extLst>
+              <a:ext uri="{FF2B5EF4-FFF2-40B4-BE49-F238E27FC236}">
+                <a16:creationId xmlns:a16="http://schemas.microsoft.com/office/drawing/2014/main" id="{67C4DA37-3C83-4238-A9D7-3F6FA82666EE}"/>
+              </a:ext>
+            </a:extLst>
+          </p:cNvPr>
+          <p:cNvCxnSpPr>
+            <a:cxnSpLocks/>
+          </p:cNvCxnSpPr>
+          <p:nvPr/>
+        </p:nvCxnSpPr>
+        <p:spPr>
+          <a:xfrm>
+            <a:off x="4570196" y="5699390"/>
+            <a:ext cx="6462569" cy="1353088"/>
+          </a:xfrm>
+          <a:prstGeom prst="line">
+            <a:avLst/>
+          </a:prstGeom>
+          <a:ln>
+            <a:solidFill>
+              <a:schemeClr val="tx1"/>
+            </a:solidFill>
+            <a:prstDash val="dash"/>
+          </a:ln>
+        </p:spPr>
+        <p:style>
+          <a:lnRef idx="1">
+            <a:schemeClr val="accent1"/>
+          </a:lnRef>
+          <a:fillRef idx="0">
+            <a:schemeClr val="accent1"/>
+          </a:fillRef>
+          <a:effectRef idx="0">
+            <a:schemeClr val="accent1"/>
+          </a:effectRef>
+          <a:fontRef idx="minor">
+            <a:schemeClr val="tx1"/>
+          </a:fontRef>
+        </p:style>
+      </p:cxnSp>
+      <p:sp>
+        <p:nvSpPr>
+          <p:cNvPr id="326" name="TextBox 325">
+            <a:extLst>
+              <a:ext uri="{FF2B5EF4-FFF2-40B4-BE49-F238E27FC236}">
+                <a16:creationId xmlns:a16="http://schemas.microsoft.com/office/drawing/2014/main" id="{F02A7470-22D6-4DD5-BB68-C221006E1D3D}"/>
+              </a:ext>
+            </a:extLst>
+          </p:cNvPr>
+          <p:cNvSpPr txBox="1"/>
+          <p:nvPr/>
+        </p:nvSpPr>
+        <p:spPr>
+          <a:xfrm>
+            <a:off x="11450859" y="7923741"/>
+            <a:ext cx="1781578" cy="369332"/>
+          </a:xfrm>
+          <a:prstGeom prst="rect">
+            <a:avLst/>
+          </a:prstGeom>
+          <a:noFill/>
+        </p:spPr>
+        <p:txBody>
+          <a:bodyPr wrap="none" rtlCol="0">
+            <a:spAutoFit/>
+          </a:bodyPr>
+          <a:lstStyle/>
+          <a:p>
+            <a:r>
+              <a:rPr lang="en-US" dirty="0"/>
+              <a:t>Number of pixels</a:t>
+            </a:r>
+          </a:p>
+        </p:txBody>
+      </p:sp>
+      <p:cxnSp>
+        <p:nvCxnSpPr>
+          <p:cNvPr id="330" name="직선 화살표 연결선 329">
+            <a:extLst>
+              <a:ext uri="{FF2B5EF4-FFF2-40B4-BE49-F238E27FC236}">
+                <a16:creationId xmlns:a16="http://schemas.microsoft.com/office/drawing/2014/main" id="{B54BCA5F-81CE-4D0E-8061-706983D37350}"/>
+              </a:ext>
+            </a:extLst>
+          </p:cNvPr>
+          <p:cNvCxnSpPr>
+            <a:endCxn id="22" idx="1"/>
+          </p:cNvCxnSpPr>
+          <p:nvPr/>
+        </p:nvCxnSpPr>
+        <p:spPr>
+          <a:xfrm>
+            <a:off x="1538514" y="5122174"/>
+            <a:ext cx="1385661" cy="1"/>
+          </a:xfrm>
+          <a:prstGeom prst="straightConnector1">
+            <a:avLst/>
+          </a:prstGeom>
+          <a:ln>
+            <a:solidFill>
+              <a:schemeClr val="tx1"/>
+            </a:solidFill>
+            <a:tailEnd type="triangle"/>
+          </a:ln>
+        </p:spPr>
+        <p:style>
+          <a:lnRef idx="1">
+            <a:schemeClr val="accent1"/>
+          </a:lnRef>
+          <a:fillRef idx="0">
+            <a:schemeClr val="accent1"/>
+          </a:fillRef>
+          <a:effectRef idx="0">
+            <a:schemeClr val="accent1"/>
+          </a:effectRef>
+          <a:fontRef idx="minor">
+            <a:schemeClr val="tx1"/>
+          </a:fontRef>
+        </p:style>
+      </p:cxnSp>
+      <p:cxnSp>
+        <p:nvCxnSpPr>
+          <p:cNvPr id="331" name="직선 화살표 연결선 330">
+            <a:extLst>
+              <a:ext uri="{FF2B5EF4-FFF2-40B4-BE49-F238E27FC236}">
+                <a16:creationId xmlns:a16="http://schemas.microsoft.com/office/drawing/2014/main" id="{5F0A1D43-9E0E-4467-BC95-8B5DBCF8CBE2}"/>
+              </a:ext>
+            </a:extLst>
+          </p:cNvPr>
+          <p:cNvCxnSpPr>
+            <a:cxnSpLocks/>
+          </p:cNvCxnSpPr>
+          <p:nvPr/>
+        </p:nvCxnSpPr>
+        <p:spPr>
+          <a:xfrm>
+            <a:off x="9862978" y="5119460"/>
+            <a:ext cx="1680415" cy="0"/>
+          </a:xfrm>
+          <a:prstGeom prst="straightConnector1">
+            <a:avLst/>
+          </a:prstGeom>
+          <a:ln>
+            <a:solidFill>
+              <a:schemeClr val="tx1"/>
+            </a:solidFill>
+            <a:tailEnd type="triangle"/>
+          </a:ln>
+        </p:spPr>
+        <p:style>
+          <a:lnRef idx="1">
+            <a:schemeClr val="accent1"/>
+          </a:lnRef>
+          <a:fillRef idx="0">
+            <a:schemeClr val="accent1"/>
+          </a:fillRef>
+          <a:effectRef idx="0">
+            <a:schemeClr val="accent1"/>
+          </a:effectRef>
+          <a:fontRef idx="minor">
+            <a:schemeClr val="tx1"/>
+          </a:fontRef>
+        </p:style>
+      </p:cxnSp>
+      <p:pic>
+        <p:nvPicPr>
+          <p:cNvPr id="333" name="그림 332">
+            <a:extLst>
+              <a:ext uri="{FF2B5EF4-FFF2-40B4-BE49-F238E27FC236}">
+                <a16:creationId xmlns:a16="http://schemas.microsoft.com/office/drawing/2014/main" id="{38EA436F-3C90-482E-96BA-3696CFEE2553}"/>
+              </a:ext>
+            </a:extLst>
+          </p:cNvPr>
+          <p:cNvPicPr>
+            <a:picLocks noChangeAspect="1"/>
+          </p:cNvPicPr>
+          <p:nvPr/>
+        </p:nvPicPr>
+        <p:blipFill>
+          <a:blip r:embed="rId3"/>
+          <a:stretch>
+            <a:fillRect/>
+          </a:stretch>
+        </p:blipFill>
+        <p:spPr>
+          <a:xfrm>
+            <a:off x="15345103" y="-967480"/>
+            <a:ext cx="10981543" cy="6858000"/>
+          </a:xfrm>
+          <a:prstGeom prst="rect">
+            <a:avLst/>
+          </a:prstGeom>
+        </p:spPr>
+      </p:pic>
+    </p:spTree>
+    <p:extLst>
+      <p:ext uri="{BB962C8B-B14F-4D97-AF65-F5344CB8AC3E}">
+        <p14:creationId xmlns:p14="http://schemas.microsoft.com/office/powerpoint/2010/main" val="4136872696"/>
+      </p:ext>
+    </p:extLst>
+  </p:cSld>
+  <p:clrMapOvr>
+    <a:masterClrMapping/>
+  </p:clrMapOvr>
+</p:sld>
+</file>
+
 <file path=ppt/theme/theme1.xml><?xml version="1.0" encoding="utf-8"?>
 <a:theme xmlns:a="http://schemas.openxmlformats.org/drawingml/2006/main" name="Office 테마">
   <a:themeElements>

--- a/docs/tutorial-opengl/assets/figures.pptx
+++ b/docs/tutorial-opengl/assets/figures.pptx
@@ -13,6 +13,7 @@
     <p:sldId id="261" r:id="rId7"/>
     <p:sldId id="262" r:id="rId8"/>
     <p:sldId id="263" r:id="rId9"/>
+    <p:sldId id="264" r:id="rId10"/>
   </p:sldIdLst>
   <p:sldSz cx="12192000" cy="6858000"/>
   <p:notesSz cx="6858000" cy="9144000"/>
@@ -268,7 +269,7 @@
           <a:p>
             <a:fld id="{5ED19601-7AAA-4ADB-9403-46F6CC5497EC}" type="datetimeFigureOut">
               <a:rPr lang="en-US" smtClean="0"/>
-              <a:t>7/15/2024</a:t>
+              <a:t>7/18/2024</a:t>
             </a:fld>
             <a:endParaRPr lang="en-US"/>
           </a:p>
@@ -468,7 +469,7 @@
           <a:p>
             <a:fld id="{5ED19601-7AAA-4ADB-9403-46F6CC5497EC}" type="datetimeFigureOut">
               <a:rPr lang="en-US" smtClean="0"/>
-              <a:t>7/15/2024</a:t>
+              <a:t>7/18/2024</a:t>
             </a:fld>
             <a:endParaRPr lang="en-US"/>
           </a:p>
@@ -678,7 +679,7 @@
           <a:p>
             <a:fld id="{5ED19601-7AAA-4ADB-9403-46F6CC5497EC}" type="datetimeFigureOut">
               <a:rPr lang="en-US" smtClean="0"/>
-              <a:t>7/15/2024</a:t>
+              <a:t>7/18/2024</a:t>
             </a:fld>
             <a:endParaRPr lang="en-US"/>
           </a:p>
@@ -878,7 +879,7 @@
           <a:p>
             <a:fld id="{5ED19601-7AAA-4ADB-9403-46F6CC5497EC}" type="datetimeFigureOut">
               <a:rPr lang="en-US" smtClean="0"/>
-              <a:t>7/15/2024</a:t>
+              <a:t>7/18/2024</a:t>
             </a:fld>
             <a:endParaRPr lang="en-US"/>
           </a:p>
@@ -1154,7 +1155,7 @@
           <a:p>
             <a:fld id="{5ED19601-7AAA-4ADB-9403-46F6CC5497EC}" type="datetimeFigureOut">
               <a:rPr lang="en-US" smtClean="0"/>
-              <a:t>7/15/2024</a:t>
+              <a:t>7/18/2024</a:t>
             </a:fld>
             <a:endParaRPr lang="en-US"/>
           </a:p>
@@ -1422,7 +1423,7 @@
           <a:p>
             <a:fld id="{5ED19601-7AAA-4ADB-9403-46F6CC5497EC}" type="datetimeFigureOut">
               <a:rPr lang="en-US" smtClean="0"/>
-              <a:t>7/15/2024</a:t>
+              <a:t>7/18/2024</a:t>
             </a:fld>
             <a:endParaRPr lang="en-US"/>
           </a:p>
@@ -1837,7 +1838,7 @@
           <a:p>
             <a:fld id="{5ED19601-7AAA-4ADB-9403-46F6CC5497EC}" type="datetimeFigureOut">
               <a:rPr lang="en-US" smtClean="0"/>
-              <a:t>7/15/2024</a:t>
+              <a:t>7/18/2024</a:t>
             </a:fld>
             <a:endParaRPr lang="en-US"/>
           </a:p>
@@ -1979,7 +1980,7 @@
           <a:p>
             <a:fld id="{5ED19601-7AAA-4ADB-9403-46F6CC5497EC}" type="datetimeFigureOut">
               <a:rPr lang="en-US" smtClean="0"/>
-              <a:t>7/15/2024</a:t>
+              <a:t>7/18/2024</a:t>
             </a:fld>
             <a:endParaRPr lang="en-US"/>
           </a:p>
@@ -2092,7 +2093,7 @@
           <a:p>
             <a:fld id="{5ED19601-7AAA-4ADB-9403-46F6CC5497EC}" type="datetimeFigureOut">
               <a:rPr lang="en-US" smtClean="0"/>
-              <a:t>7/15/2024</a:t>
+              <a:t>7/18/2024</a:t>
             </a:fld>
             <a:endParaRPr lang="en-US"/>
           </a:p>
@@ -2405,7 +2406,7 @@
           <a:p>
             <a:fld id="{5ED19601-7AAA-4ADB-9403-46F6CC5497EC}" type="datetimeFigureOut">
               <a:rPr lang="en-US" smtClean="0"/>
-              <a:t>7/15/2024</a:t>
+              <a:t>7/18/2024</a:t>
             </a:fld>
             <a:endParaRPr lang="en-US"/>
           </a:p>
@@ -2694,7 +2695,7 @@
           <a:p>
             <a:fld id="{5ED19601-7AAA-4ADB-9403-46F6CC5497EC}" type="datetimeFigureOut">
               <a:rPr lang="en-US" smtClean="0"/>
-              <a:t>7/15/2024</a:t>
+              <a:t>7/18/2024</a:t>
             </a:fld>
             <a:endParaRPr lang="en-US"/>
           </a:p>
@@ -2937,7 +2938,7 @@
           <a:p>
             <a:fld id="{5ED19601-7AAA-4ADB-9403-46F6CC5497EC}" type="datetimeFigureOut">
               <a:rPr lang="en-US" smtClean="0"/>
-              <a:t>7/15/2024</a:t>
+              <a:t>7/18/2024</a:t>
             </a:fld>
             <a:endParaRPr lang="en-US"/>
           </a:p>
@@ -25624,6 +25625,1249 @@
 </p:sld>
 </file>
 
+<file path=ppt/slides/slide9.xml><?xml version="1.0" encoding="utf-8"?>
+<p:sld xmlns:a="http://schemas.openxmlformats.org/drawingml/2006/main" xmlns:r="http://schemas.openxmlformats.org/officeDocument/2006/relationships" xmlns:p="http://schemas.openxmlformats.org/presentationml/2006/main">
+  <p:cSld>
+    <p:spTree>
+      <p:nvGrpSpPr>
+        <p:cNvPr id="1" name=""/>
+        <p:cNvGrpSpPr/>
+        <p:nvPr/>
+      </p:nvGrpSpPr>
+      <p:grpSpPr>
+        <a:xfrm>
+          <a:off x="0" y="0"/>
+          <a:ext cx="0" cy="0"/>
+          <a:chOff x="0" y="0"/>
+          <a:chExt cx="0" cy="0"/>
+        </a:xfrm>
+      </p:grpSpPr>
+      <p:grpSp>
+        <p:nvGrpSpPr>
+          <p:cNvPr id="16" name="그룹 15">
+            <a:extLst>
+              <a:ext uri="{FF2B5EF4-FFF2-40B4-BE49-F238E27FC236}">
+                <a16:creationId xmlns:a16="http://schemas.microsoft.com/office/drawing/2014/main" id="{9C0DD542-FB17-4907-A697-822A23AA9D48}"/>
+              </a:ext>
+            </a:extLst>
+          </p:cNvPr>
+          <p:cNvGrpSpPr/>
+          <p:nvPr/>
+        </p:nvGrpSpPr>
+        <p:grpSpPr>
+          <a:xfrm>
+            <a:off x="0" y="599536"/>
+            <a:ext cx="6626457" cy="2550486"/>
+            <a:chOff x="0" y="599536"/>
+            <a:chExt cx="6626457" cy="2550486"/>
+          </a:xfrm>
+        </p:grpSpPr>
+        <mc:AlternateContent xmlns:mc="http://schemas.openxmlformats.org/markup-compatibility/2006">
+          <mc:Choice xmlns:a14="http://schemas.microsoft.com/office/drawing/2010/main" Requires="a14">
+            <p:sp>
+              <p:nvSpPr>
+                <p:cNvPr id="4" name="TextBox 3">
+                  <a:extLst>
+                    <a:ext uri="{FF2B5EF4-FFF2-40B4-BE49-F238E27FC236}">
+                      <a16:creationId xmlns:a16="http://schemas.microsoft.com/office/drawing/2014/main" id="{B89B87D4-63B9-42F7-8510-5A583CA56D42}"/>
+                    </a:ext>
+                  </a:extLst>
+                </p:cNvPr>
+                <p:cNvSpPr txBox="1"/>
+                <p:nvPr/>
+              </p:nvSpPr>
+              <p:spPr>
+                <a:xfrm>
+                  <a:off x="504645" y="599536"/>
+                  <a:ext cx="3133614" cy="276999"/>
+                </a:xfrm>
+                <a:prstGeom prst="rect">
+                  <a:avLst/>
+                </a:prstGeom>
+                <a:noFill/>
+              </p:spPr>
+              <p:txBody>
+                <a:bodyPr wrap="none" lIns="0" tIns="0" rIns="0" bIns="0" rtlCol="0">
+                  <a:spAutoFit/>
+                </a:bodyPr>
+                <a:lstStyle/>
+                <a:p>
+                  <a:pPr/>
+                  <a14:m>
+                    <m:oMathPara xmlns:m="http://schemas.openxmlformats.org/officeDocument/2006/math">
+                      <m:oMathParaPr>
+                        <m:jc m:val="centerGroup"/>
+                      </m:oMathParaPr>
+                      <m:oMath xmlns:m="http://schemas.openxmlformats.org/officeDocument/2006/math">
+                        <m:func>
+                          <m:funcPr>
+                            <m:ctrlPr>
+                              <a:rPr lang="en-US" altLang="ko-KR" b="0" i="1" smtClean="0">
+                                <a:latin typeface="Cambria Math" panose="02040503050406030204" pitchFamily="18" charset="0"/>
+                              </a:rPr>
+                            </m:ctrlPr>
+                          </m:funcPr>
+                          <m:fName>
+                            <m:r>
+                              <m:rPr>
+                                <m:sty m:val="p"/>
+                              </m:rPr>
+                              <a:rPr lang="en-US" altLang="ko-KR" b="0" i="0" smtClean="0">
+                                <a:latin typeface="Cambria Math" panose="02040503050406030204" pitchFamily="18" charset="0"/>
+                              </a:rPr>
+                              <m:t>max</m:t>
+                            </m:r>
+                          </m:fName>
+                          <m:e>
+                            <m:d>
+                              <m:dPr>
+                                <m:ctrlPr>
+                                  <a:rPr lang="en-US" altLang="ko-KR" b="0" i="1" smtClean="0">
+                                    <a:latin typeface="Cambria Math" panose="02040503050406030204" pitchFamily="18" charset="0"/>
+                                  </a:rPr>
+                                </m:ctrlPr>
+                              </m:dPr>
+                              <m:e>
+                                <m:r>
+                                  <a:rPr lang="en-US" altLang="ko-KR" b="0" i="1" smtClean="0">
+                                    <a:latin typeface="Cambria Math" panose="02040503050406030204" pitchFamily="18" charset="0"/>
+                                  </a:rPr>
+                                  <m:t>𝑛</m:t>
+                                </m:r>
+                                <m:r>
+                                  <a:rPr lang="en-US" altLang="ko-KR" b="0" i="1" smtClean="0">
+                                    <a:latin typeface="Cambria Math" panose="02040503050406030204" pitchFamily="18" charset="0"/>
+                                    <a:ea typeface="Cambria Math" panose="02040503050406030204" pitchFamily="18" charset="0"/>
+                                  </a:rPr>
+                                  <m:t>∙</m:t>
+                                </m:r>
+                                <m:r>
+                                  <a:rPr lang="en-US" altLang="ko-KR" b="0" i="1" smtClean="0">
+                                    <a:latin typeface="Cambria Math" panose="02040503050406030204" pitchFamily="18" charset="0"/>
+                                    <a:ea typeface="Cambria Math" panose="02040503050406030204" pitchFamily="18" charset="0"/>
+                                  </a:rPr>
+                                  <m:t>𝑙</m:t>
+                                </m:r>
+                                <m:r>
+                                  <a:rPr lang="en-US" altLang="ko-KR" b="0" i="1" smtClean="0">
+                                    <a:latin typeface="Cambria Math" panose="02040503050406030204" pitchFamily="18" charset="0"/>
+                                    <a:ea typeface="Cambria Math" panose="02040503050406030204" pitchFamily="18" charset="0"/>
+                                  </a:rPr>
+                                  <m:t>,0</m:t>
+                                </m:r>
+                              </m:e>
+                            </m:d>
+                          </m:e>
+                        </m:func>
+                        <m:sSub>
+                          <m:sSubPr>
+                            <m:ctrlPr>
+                              <a:rPr lang="en-US" altLang="ko-KR" b="0" i="1" smtClean="0">
+                                <a:latin typeface="Cambria Math" panose="02040503050406030204" pitchFamily="18" charset="0"/>
+                                <a:ea typeface="Cambria Math" panose="02040503050406030204" pitchFamily="18" charset="0"/>
+                              </a:rPr>
+                            </m:ctrlPr>
+                          </m:sSubPr>
+                          <m:e>
+                            <m:r>
+                              <a:rPr lang="en-US" altLang="ko-KR" b="0" i="1" smtClean="0">
+                                <a:latin typeface="Cambria Math" panose="02040503050406030204" pitchFamily="18" charset="0"/>
+                                <a:ea typeface="Cambria Math" panose="02040503050406030204" pitchFamily="18" charset="0"/>
+                              </a:rPr>
+                              <m:t>𝑠</m:t>
+                            </m:r>
+                          </m:e>
+                          <m:sub>
+                            <m:r>
+                              <a:rPr lang="en-US" altLang="ko-KR" b="0" i="1" smtClean="0">
+                                <a:latin typeface="Cambria Math" panose="02040503050406030204" pitchFamily="18" charset="0"/>
+                                <a:ea typeface="Cambria Math" panose="02040503050406030204" pitchFamily="18" charset="0"/>
+                              </a:rPr>
+                              <m:t>𝑑</m:t>
+                            </m:r>
+                          </m:sub>
+                        </m:sSub>
+                        <m:r>
+                          <a:rPr lang="en-US" altLang="ko-KR" b="0" i="1" smtClean="0">
+                            <a:latin typeface="Cambria Math" panose="02040503050406030204" pitchFamily="18" charset="0"/>
+                            <a:ea typeface="Cambria Math" panose="02040503050406030204" pitchFamily="18" charset="0"/>
+                          </a:rPr>
+                          <m:t>⨂</m:t>
+                        </m:r>
+                        <m:sSub>
+                          <m:sSubPr>
+                            <m:ctrlPr>
+                              <a:rPr lang="en-US" altLang="ko-KR" b="0" i="1" smtClean="0">
+                                <a:latin typeface="Cambria Math" panose="02040503050406030204" pitchFamily="18" charset="0"/>
+                                <a:ea typeface="Cambria Math" panose="02040503050406030204" pitchFamily="18" charset="0"/>
+                              </a:rPr>
+                            </m:ctrlPr>
+                          </m:sSubPr>
+                          <m:e>
+                            <m:r>
+                              <a:rPr lang="en-US" altLang="ko-KR" b="0" i="1" smtClean="0">
+                                <a:latin typeface="Cambria Math" panose="02040503050406030204" pitchFamily="18" charset="0"/>
+                                <a:ea typeface="Cambria Math" panose="02040503050406030204" pitchFamily="18" charset="0"/>
+                              </a:rPr>
+                              <m:t>𝑚</m:t>
+                            </m:r>
+                          </m:e>
+                          <m:sub>
+                            <m:r>
+                              <a:rPr lang="en-US" altLang="ko-KR" b="0" i="1" smtClean="0">
+                                <a:latin typeface="Cambria Math" panose="02040503050406030204" pitchFamily="18" charset="0"/>
+                                <a:ea typeface="Cambria Math" panose="02040503050406030204" pitchFamily="18" charset="0"/>
+                              </a:rPr>
+                              <m:t>𝑑</m:t>
+                            </m:r>
+                          </m:sub>
+                        </m:sSub>
+                        <m:r>
+                          <a:rPr lang="en-US" altLang="ko-KR" b="0" i="1" smtClean="0">
+                            <a:latin typeface="Cambria Math" panose="02040503050406030204" pitchFamily="18" charset="0"/>
+                            <a:ea typeface="Cambria Math" panose="02040503050406030204" pitchFamily="18" charset="0"/>
+                          </a:rPr>
+                          <m:t>+</m:t>
+                        </m:r>
+                        <m:sSub>
+                          <m:sSubPr>
+                            <m:ctrlPr>
+                              <a:rPr lang="en-US" altLang="ko-KR" i="1">
+                                <a:latin typeface="Cambria Math" panose="02040503050406030204" pitchFamily="18" charset="0"/>
+                                <a:ea typeface="Cambria Math" panose="02040503050406030204" pitchFamily="18" charset="0"/>
+                              </a:rPr>
+                            </m:ctrlPr>
+                          </m:sSubPr>
+                          <m:e>
+                            <m:r>
+                              <a:rPr lang="en-US" altLang="ko-KR" i="1">
+                                <a:latin typeface="Cambria Math" panose="02040503050406030204" pitchFamily="18" charset="0"/>
+                                <a:ea typeface="Cambria Math" panose="02040503050406030204" pitchFamily="18" charset="0"/>
+                              </a:rPr>
+                              <m:t>𝑠</m:t>
+                            </m:r>
+                          </m:e>
+                          <m:sub>
+                            <m:r>
+                              <a:rPr lang="en-US" altLang="ko-KR" b="0" i="1" smtClean="0">
+                                <a:latin typeface="Cambria Math" panose="02040503050406030204" pitchFamily="18" charset="0"/>
+                                <a:ea typeface="Cambria Math" panose="02040503050406030204" pitchFamily="18" charset="0"/>
+                              </a:rPr>
+                              <m:t>𝑎</m:t>
+                            </m:r>
+                          </m:sub>
+                        </m:sSub>
+                        <m:r>
+                          <a:rPr lang="en-US" altLang="ko-KR" i="1">
+                            <a:latin typeface="Cambria Math" panose="02040503050406030204" pitchFamily="18" charset="0"/>
+                            <a:ea typeface="Cambria Math" panose="02040503050406030204" pitchFamily="18" charset="0"/>
+                          </a:rPr>
+                          <m:t>⨂</m:t>
+                        </m:r>
+                        <m:sSub>
+                          <m:sSubPr>
+                            <m:ctrlPr>
+                              <a:rPr lang="en-US" altLang="ko-KR" i="1">
+                                <a:latin typeface="Cambria Math" panose="02040503050406030204" pitchFamily="18" charset="0"/>
+                                <a:ea typeface="Cambria Math" panose="02040503050406030204" pitchFamily="18" charset="0"/>
+                              </a:rPr>
+                            </m:ctrlPr>
+                          </m:sSubPr>
+                          <m:e>
+                            <m:r>
+                              <a:rPr lang="en-US" altLang="ko-KR" i="1">
+                                <a:latin typeface="Cambria Math" panose="02040503050406030204" pitchFamily="18" charset="0"/>
+                                <a:ea typeface="Cambria Math" panose="02040503050406030204" pitchFamily="18" charset="0"/>
+                              </a:rPr>
+                              <m:t>𝑚</m:t>
+                            </m:r>
+                          </m:e>
+                          <m:sub>
+                            <m:r>
+                              <a:rPr lang="en-US" altLang="ko-KR" b="0" i="1" smtClean="0">
+                                <a:latin typeface="Cambria Math" panose="02040503050406030204" pitchFamily="18" charset="0"/>
+                                <a:ea typeface="Cambria Math" panose="02040503050406030204" pitchFamily="18" charset="0"/>
+                              </a:rPr>
+                              <m:t>𝑎</m:t>
+                            </m:r>
+                          </m:sub>
+                        </m:sSub>
+                      </m:oMath>
+                    </m:oMathPara>
+                  </a14:m>
+                  <a:endParaRPr lang="ko-KR" altLang="en-US" dirty="0"/>
+                </a:p>
+              </p:txBody>
+            </p:sp>
+          </mc:Choice>
+          <mc:Fallback>
+            <p:sp>
+              <p:nvSpPr>
+                <p:cNvPr id="4" name="TextBox 3">
+                  <a:extLst>
+                    <a:ext uri="{FF2B5EF4-FFF2-40B4-BE49-F238E27FC236}">
+                      <a16:creationId xmlns:a16="http://schemas.microsoft.com/office/drawing/2014/main" id="{B89B87D4-63B9-42F7-8510-5A583CA56D42}"/>
+                    </a:ext>
+                  </a:extLst>
+                </p:cNvPr>
+                <p:cNvSpPr txBox="1">
+                  <a:spLocks noRot="1" noChangeAspect="1" noMove="1" noResize="1" noEditPoints="1" noAdjustHandles="1" noChangeArrowheads="1" noChangeShapeType="1" noTextEdit="1"/>
+                </p:cNvSpPr>
+                <p:nvPr/>
+              </p:nvSpPr>
+              <p:spPr>
+                <a:xfrm>
+                  <a:off x="504645" y="599536"/>
+                  <a:ext cx="3133614" cy="276999"/>
+                </a:xfrm>
+                <a:prstGeom prst="rect">
+                  <a:avLst/>
+                </a:prstGeom>
+                <a:blipFill>
+                  <a:blip r:embed="rId2"/>
+                  <a:stretch>
+                    <a:fillRect b="-17391"/>
+                  </a:stretch>
+                </a:blipFill>
+              </p:spPr>
+              <p:txBody>
+                <a:bodyPr/>
+                <a:lstStyle/>
+                <a:p>
+                  <a:r>
+                    <a:rPr lang="en-US">
+                      <a:noFill/>
+                    </a:rPr>
+                    <a:t> </a:t>
+                  </a:r>
+                </a:p>
+              </p:txBody>
+            </p:sp>
+          </mc:Fallback>
+        </mc:AlternateContent>
+        <mc:AlternateContent xmlns:mc="http://schemas.openxmlformats.org/markup-compatibility/2006">
+          <mc:Choice xmlns:a14="http://schemas.microsoft.com/office/drawing/2010/main" Requires="a14">
+            <p:sp>
+              <p:nvSpPr>
+                <p:cNvPr id="5" name="직사각형 4">
+                  <a:extLst>
+                    <a:ext uri="{FF2B5EF4-FFF2-40B4-BE49-F238E27FC236}">
+                      <a16:creationId xmlns:a16="http://schemas.microsoft.com/office/drawing/2014/main" id="{95188EB3-E13C-4900-A8AA-F87BE932441E}"/>
+                    </a:ext>
+                  </a:extLst>
+                </p:cNvPr>
+                <p:cNvSpPr/>
+                <p:nvPr/>
+              </p:nvSpPr>
+              <p:spPr>
+                <a:xfrm>
+                  <a:off x="3942774" y="1044598"/>
+                  <a:ext cx="2683683" cy="369332"/>
+                </a:xfrm>
+                <a:prstGeom prst="rect">
+                  <a:avLst/>
+                </a:prstGeom>
+              </p:spPr>
+              <p:txBody>
+                <a:bodyPr wrap="none">
+                  <a:spAutoFit/>
+                </a:bodyPr>
+                <a:lstStyle/>
+                <a:p>
+                  <a:pPr/>
+                  <a14:m>
+                    <m:oMathPara xmlns:m="http://schemas.openxmlformats.org/officeDocument/2006/math">
+                      <m:oMathParaPr>
+                        <m:jc m:val="centerGroup"/>
+                      </m:oMathParaPr>
+                      <m:oMath xmlns:m="http://schemas.openxmlformats.org/officeDocument/2006/math">
+                        <m:sSub>
+                          <m:sSubPr>
+                            <m:ctrlPr>
+                              <a:rPr lang="en-US" altLang="ko-KR" i="1" smtClean="0">
+                                <a:latin typeface="Cambria Math" panose="02040503050406030204" pitchFamily="18" charset="0"/>
+                                <a:ea typeface="Cambria Math" panose="02040503050406030204" pitchFamily="18" charset="0"/>
+                              </a:rPr>
+                            </m:ctrlPr>
+                          </m:sSubPr>
+                          <m:e>
+                            <m:r>
+                              <a:rPr lang="en-US" altLang="ko-KR" i="1">
+                                <a:latin typeface="Cambria Math" panose="02040503050406030204" pitchFamily="18" charset="0"/>
+                                <a:ea typeface="Cambria Math" panose="02040503050406030204" pitchFamily="18" charset="0"/>
+                              </a:rPr>
+                              <m:t>𝑚</m:t>
+                            </m:r>
+                          </m:e>
+                          <m:sub>
+                            <m:r>
+                              <a:rPr lang="en-US" altLang="ko-KR" i="1">
+                                <a:latin typeface="Cambria Math" panose="02040503050406030204" pitchFamily="18" charset="0"/>
+                                <a:ea typeface="Cambria Math" panose="02040503050406030204" pitchFamily="18" charset="0"/>
+                              </a:rPr>
+                              <m:t>𝑎</m:t>
+                            </m:r>
+                          </m:sub>
+                        </m:sSub>
+                        <m:r>
+                          <a:rPr lang="en-US" altLang="ko-KR" b="0" i="1" smtClean="0">
+                            <a:latin typeface="Cambria Math" panose="02040503050406030204" pitchFamily="18" charset="0"/>
+                            <a:ea typeface="Cambria Math" panose="02040503050406030204" pitchFamily="18" charset="0"/>
+                          </a:rPr>
+                          <m:t>=</m:t>
+                        </m:r>
+                        <m:sSub>
+                          <m:sSubPr>
+                            <m:ctrlPr>
+                              <a:rPr lang="en-US" altLang="ko-KR" i="1">
+                                <a:latin typeface="Cambria Math" panose="02040503050406030204" pitchFamily="18" charset="0"/>
+                                <a:ea typeface="Cambria Math" panose="02040503050406030204" pitchFamily="18" charset="0"/>
+                              </a:rPr>
+                            </m:ctrlPr>
+                          </m:sSubPr>
+                          <m:e>
+                            <m:r>
+                              <a:rPr lang="en-US" altLang="ko-KR" i="1">
+                                <a:latin typeface="Cambria Math" panose="02040503050406030204" pitchFamily="18" charset="0"/>
+                                <a:ea typeface="Cambria Math" panose="02040503050406030204" pitchFamily="18" charset="0"/>
+                              </a:rPr>
+                              <m:t>𝑚</m:t>
+                            </m:r>
+                          </m:e>
+                          <m:sub>
+                            <m:r>
+                              <a:rPr lang="en-US" altLang="ko-KR" b="0" i="1" smtClean="0">
+                                <a:latin typeface="Cambria Math" panose="02040503050406030204" pitchFamily="18" charset="0"/>
+                                <a:ea typeface="Cambria Math" panose="02040503050406030204" pitchFamily="18" charset="0"/>
+                              </a:rPr>
+                              <m:t>𝑑</m:t>
+                            </m:r>
+                          </m:sub>
+                        </m:sSub>
+                        <m:r>
+                          <a:rPr lang="en-US" altLang="ko-KR" b="0" i="1" smtClean="0">
+                            <a:latin typeface="Cambria Math" panose="02040503050406030204" pitchFamily="18" charset="0"/>
+                            <a:ea typeface="Cambria Math" panose="02040503050406030204" pitchFamily="18" charset="0"/>
+                          </a:rPr>
+                          <m:t>=</m:t>
+                        </m:r>
+                        <m:r>
+                          <a:rPr lang="en-US" altLang="ko-KR" b="0" i="1" smtClean="0">
+                            <a:latin typeface="Cambria Math" panose="02040503050406030204" pitchFamily="18" charset="0"/>
+                            <a:ea typeface="Cambria Math" panose="02040503050406030204" pitchFamily="18" charset="0"/>
+                          </a:rPr>
+                          <m:t>𝑡𝑒𝑥𝑡𝑢𝑟𝑒</m:t>
+                        </m:r>
+                        <m:r>
+                          <a:rPr lang="en-US" altLang="ko-KR" b="0" i="1" smtClean="0">
+                            <a:latin typeface="Cambria Math" panose="02040503050406030204" pitchFamily="18" charset="0"/>
+                            <a:ea typeface="Cambria Math" panose="02040503050406030204" pitchFamily="18" charset="0"/>
+                          </a:rPr>
+                          <m:t>(…)</m:t>
+                        </m:r>
+                      </m:oMath>
+                    </m:oMathPara>
+                  </a14:m>
+                  <a:endParaRPr lang="ko-KR" altLang="en-US" dirty="0"/>
+                </a:p>
+              </p:txBody>
+            </p:sp>
+          </mc:Choice>
+          <mc:Fallback>
+            <p:sp>
+              <p:nvSpPr>
+                <p:cNvPr id="5" name="직사각형 4">
+                  <a:extLst>
+                    <a:ext uri="{FF2B5EF4-FFF2-40B4-BE49-F238E27FC236}">
+                      <a16:creationId xmlns:a16="http://schemas.microsoft.com/office/drawing/2014/main" id="{95188EB3-E13C-4900-A8AA-F87BE932441E}"/>
+                    </a:ext>
+                  </a:extLst>
+                </p:cNvPr>
+                <p:cNvSpPr>
+                  <a:spLocks noRot="1" noChangeAspect="1" noMove="1" noResize="1" noEditPoints="1" noAdjustHandles="1" noChangeArrowheads="1" noChangeShapeType="1" noTextEdit="1"/>
+                </p:cNvSpPr>
+                <p:nvPr/>
+              </p:nvSpPr>
+              <p:spPr>
+                <a:xfrm>
+                  <a:off x="3942774" y="1044598"/>
+                  <a:ext cx="2683683" cy="369332"/>
+                </a:xfrm>
+                <a:prstGeom prst="rect">
+                  <a:avLst/>
+                </a:prstGeom>
+                <a:blipFill>
+                  <a:blip r:embed="rId3"/>
+                  <a:stretch>
+                    <a:fillRect b="-13115"/>
+                  </a:stretch>
+                </a:blipFill>
+              </p:spPr>
+              <p:txBody>
+                <a:bodyPr/>
+                <a:lstStyle/>
+                <a:p>
+                  <a:r>
+                    <a:rPr lang="en-US">
+                      <a:noFill/>
+                    </a:rPr>
+                    <a:t> </a:t>
+                  </a:r>
+                </a:p>
+              </p:txBody>
+            </p:sp>
+          </mc:Fallback>
+        </mc:AlternateContent>
+        <mc:AlternateContent xmlns:mc="http://schemas.openxmlformats.org/markup-compatibility/2006">
+          <mc:Choice xmlns:a14="http://schemas.microsoft.com/office/drawing/2010/main" Requires="a14">
+            <p:sp>
+              <p:nvSpPr>
+                <p:cNvPr id="6" name="TextBox 5">
+                  <a:extLst>
+                    <a:ext uri="{FF2B5EF4-FFF2-40B4-BE49-F238E27FC236}">
+                      <a16:creationId xmlns:a16="http://schemas.microsoft.com/office/drawing/2014/main" id="{D8929BE1-0C11-42AD-A211-BCF8C003A535}"/>
+                    </a:ext>
+                  </a:extLst>
+                </p:cNvPr>
+                <p:cNvSpPr txBox="1"/>
+                <p:nvPr/>
+              </p:nvSpPr>
+              <p:spPr>
+                <a:xfrm>
+                  <a:off x="504645" y="1743974"/>
+                  <a:ext cx="3622274" cy="276999"/>
+                </a:xfrm>
+                <a:prstGeom prst="rect">
+                  <a:avLst/>
+                </a:prstGeom>
+                <a:noFill/>
+              </p:spPr>
+              <p:txBody>
+                <a:bodyPr wrap="none" lIns="0" tIns="0" rIns="0" bIns="0" rtlCol="0">
+                  <a:spAutoFit/>
+                </a:bodyPr>
+                <a:lstStyle/>
+                <a:p>
+                  <a:pPr/>
+                  <a14:m>
+                    <m:oMathPara xmlns:m="http://schemas.openxmlformats.org/officeDocument/2006/math">
+                      <m:oMathParaPr>
+                        <m:jc m:val="centerGroup"/>
+                      </m:oMathParaPr>
+                      <m:oMath xmlns:m="http://schemas.openxmlformats.org/officeDocument/2006/math">
+                        <m:r>
+                          <a:rPr lang="en-US" altLang="ko-KR" b="0" i="1" smtClean="0">
+                            <a:latin typeface="Cambria Math" panose="02040503050406030204" pitchFamily="18" charset="0"/>
+                          </a:rPr>
+                          <m:t>(</m:t>
+                        </m:r>
+                        <m:func>
+                          <m:funcPr>
+                            <m:ctrlPr>
+                              <a:rPr lang="en-US" altLang="ko-KR" b="0" i="1" smtClean="0">
+                                <a:latin typeface="Cambria Math" panose="02040503050406030204" pitchFamily="18" charset="0"/>
+                              </a:rPr>
+                            </m:ctrlPr>
+                          </m:funcPr>
+                          <m:fName>
+                            <m:r>
+                              <m:rPr>
+                                <m:sty m:val="p"/>
+                              </m:rPr>
+                              <a:rPr lang="en-US" altLang="ko-KR" b="0" i="0" smtClean="0">
+                                <a:latin typeface="Cambria Math" panose="02040503050406030204" pitchFamily="18" charset="0"/>
+                              </a:rPr>
+                              <m:t>max</m:t>
+                            </m:r>
+                          </m:fName>
+                          <m:e>
+                            <m:d>
+                              <m:dPr>
+                                <m:ctrlPr>
+                                  <a:rPr lang="en-US" altLang="ko-KR" b="0" i="1" smtClean="0">
+                                    <a:latin typeface="Cambria Math" panose="02040503050406030204" pitchFamily="18" charset="0"/>
+                                  </a:rPr>
+                                </m:ctrlPr>
+                              </m:dPr>
+                              <m:e>
+                                <m:r>
+                                  <a:rPr lang="en-US" altLang="ko-KR" b="0" i="1" smtClean="0">
+                                    <a:latin typeface="Cambria Math" panose="02040503050406030204" pitchFamily="18" charset="0"/>
+                                  </a:rPr>
+                                  <m:t>𝑛</m:t>
+                                </m:r>
+                                <m:r>
+                                  <a:rPr lang="en-US" altLang="ko-KR" b="0" i="1" smtClean="0">
+                                    <a:latin typeface="Cambria Math" panose="02040503050406030204" pitchFamily="18" charset="0"/>
+                                    <a:ea typeface="Cambria Math" panose="02040503050406030204" pitchFamily="18" charset="0"/>
+                                  </a:rPr>
+                                  <m:t>∙</m:t>
+                                </m:r>
+                                <m:r>
+                                  <a:rPr lang="en-US" altLang="ko-KR" b="0" i="1" smtClean="0">
+                                    <a:latin typeface="Cambria Math" panose="02040503050406030204" pitchFamily="18" charset="0"/>
+                                    <a:ea typeface="Cambria Math" panose="02040503050406030204" pitchFamily="18" charset="0"/>
+                                  </a:rPr>
+                                  <m:t>𝑙</m:t>
+                                </m:r>
+                                <m:r>
+                                  <a:rPr lang="en-US" altLang="ko-KR" b="0" i="1" smtClean="0">
+                                    <a:latin typeface="Cambria Math" panose="02040503050406030204" pitchFamily="18" charset="0"/>
+                                    <a:ea typeface="Cambria Math" panose="02040503050406030204" pitchFamily="18" charset="0"/>
+                                  </a:rPr>
+                                  <m:t>,0</m:t>
+                                </m:r>
+                              </m:e>
+                            </m:d>
+                          </m:e>
+                        </m:func>
+                        <m:sSub>
+                          <m:sSubPr>
+                            <m:ctrlPr>
+                              <a:rPr lang="en-US" altLang="ko-KR" b="0" i="1" smtClean="0">
+                                <a:latin typeface="Cambria Math" panose="02040503050406030204" pitchFamily="18" charset="0"/>
+                                <a:ea typeface="Cambria Math" panose="02040503050406030204" pitchFamily="18" charset="0"/>
+                              </a:rPr>
+                            </m:ctrlPr>
+                          </m:sSubPr>
+                          <m:e>
+                            <m:r>
+                              <a:rPr lang="en-US" altLang="ko-KR" b="0" i="1" smtClean="0">
+                                <a:latin typeface="Cambria Math" panose="02040503050406030204" pitchFamily="18" charset="0"/>
+                                <a:ea typeface="Cambria Math" panose="02040503050406030204" pitchFamily="18" charset="0"/>
+                              </a:rPr>
+                              <m:t>𝑠</m:t>
+                            </m:r>
+                          </m:e>
+                          <m:sub>
+                            <m:r>
+                              <a:rPr lang="en-US" altLang="ko-KR" b="0" i="1" smtClean="0">
+                                <a:latin typeface="Cambria Math" panose="02040503050406030204" pitchFamily="18" charset="0"/>
+                                <a:ea typeface="Cambria Math" panose="02040503050406030204" pitchFamily="18" charset="0"/>
+                              </a:rPr>
+                              <m:t>𝑑</m:t>
+                            </m:r>
+                          </m:sub>
+                        </m:sSub>
+                        <m:r>
+                          <a:rPr lang="en-US" altLang="ko-KR" b="0" i="1" smtClean="0">
+                            <a:latin typeface="Cambria Math" panose="02040503050406030204" pitchFamily="18" charset="0"/>
+                            <a:ea typeface="Cambria Math" panose="02040503050406030204" pitchFamily="18" charset="0"/>
+                          </a:rPr>
+                          <m:t>+</m:t>
+                        </m:r>
+                        <m:sSub>
+                          <m:sSubPr>
+                            <m:ctrlPr>
+                              <a:rPr lang="en-US" altLang="ko-KR" i="1">
+                                <a:latin typeface="Cambria Math" panose="02040503050406030204" pitchFamily="18" charset="0"/>
+                                <a:ea typeface="Cambria Math" panose="02040503050406030204" pitchFamily="18" charset="0"/>
+                              </a:rPr>
+                            </m:ctrlPr>
+                          </m:sSubPr>
+                          <m:e>
+                            <m:r>
+                              <a:rPr lang="en-US" altLang="ko-KR" i="1">
+                                <a:latin typeface="Cambria Math" panose="02040503050406030204" pitchFamily="18" charset="0"/>
+                                <a:ea typeface="Cambria Math" panose="02040503050406030204" pitchFamily="18" charset="0"/>
+                              </a:rPr>
+                              <m:t>𝑠</m:t>
+                            </m:r>
+                          </m:e>
+                          <m:sub>
+                            <m:r>
+                              <a:rPr lang="en-US" altLang="ko-KR" b="0" i="1" smtClean="0">
+                                <a:latin typeface="Cambria Math" panose="02040503050406030204" pitchFamily="18" charset="0"/>
+                                <a:ea typeface="Cambria Math" panose="02040503050406030204" pitchFamily="18" charset="0"/>
+                              </a:rPr>
+                              <m:t>𝑎</m:t>
+                            </m:r>
+                          </m:sub>
+                        </m:sSub>
+                        <m:r>
+                          <a:rPr lang="en-US" altLang="ko-KR" b="0" i="1" smtClean="0">
+                            <a:latin typeface="Cambria Math" panose="02040503050406030204" pitchFamily="18" charset="0"/>
+                            <a:ea typeface="Cambria Math" panose="02040503050406030204" pitchFamily="18" charset="0"/>
+                          </a:rPr>
+                          <m:t>)</m:t>
+                        </m:r>
+                        <m:r>
+                          <a:rPr lang="en-US" altLang="ko-KR" i="1">
+                            <a:latin typeface="Cambria Math" panose="02040503050406030204" pitchFamily="18" charset="0"/>
+                            <a:ea typeface="Cambria Math" panose="02040503050406030204" pitchFamily="18" charset="0"/>
+                          </a:rPr>
+                          <m:t>⨂</m:t>
+                        </m:r>
+                        <m:r>
+                          <a:rPr lang="en-US" altLang="ko-KR" b="0" i="1" smtClean="0">
+                            <a:latin typeface="Cambria Math" panose="02040503050406030204" pitchFamily="18" charset="0"/>
+                            <a:ea typeface="Cambria Math" panose="02040503050406030204" pitchFamily="18" charset="0"/>
+                          </a:rPr>
+                          <m:t>𝑡𝑒𝑥𝑡𝑢𝑟𝑒</m:t>
+                        </m:r>
+                        <m:r>
+                          <a:rPr lang="en-US" altLang="ko-KR" b="0" i="1" smtClean="0">
+                            <a:latin typeface="Cambria Math" panose="02040503050406030204" pitchFamily="18" charset="0"/>
+                            <a:ea typeface="Cambria Math" panose="02040503050406030204" pitchFamily="18" charset="0"/>
+                          </a:rPr>
+                          <m:t>(…)</m:t>
+                        </m:r>
+                      </m:oMath>
+                    </m:oMathPara>
+                  </a14:m>
+                  <a:endParaRPr lang="ko-KR" altLang="en-US" dirty="0"/>
+                </a:p>
+              </p:txBody>
+            </p:sp>
+          </mc:Choice>
+          <mc:Fallback>
+            <p:sp>
+              <p:nvSpPr>
+                <p:cNvPr id="6" name="TextBox 5">
+                  <a:extLst>
+                    <a:ext uri="{FF2B5EF4-FFF2-40B4-BE49-F238E27FC236}">
+                      <a16:creationId xmlns:a16="http://schemas.microsoft.com/office/drawing/2014/main" id="{D8929BE1-0C11-42AD-A211-BCF8C003A535}"/>
+                    </a:ext>
+                  </a:extLst>
+                </p:cNvPr>
+                <p:cNvSpPr txBox="1">
+                  <a:spLocks noRot="1" noChangeAspect="1" noMove="1" noResize="1" noEditPoints="1" noAdjustHandles="1" noChangeArrowheads="1" noChangeShapeType="1" noTextEdit="1"/>
+                </p:cNvSpPr>
+                <p:nvPr/>
+              </p:nvSpPr>
+              <p:spPr>
+                <a:xfrm>
+                  <a:off x="504645" y="1743974"/>
+                  <a:ext cx="3622274" cy="276999"/>
+                </a:xfrm>
+                <a:prstGeom prst="rect">
+                  <a:avLst/>
+                </a:prstGeom>
+                <a:blipFill>
+                  <a:blip r:embed="rId4"/>
+                  <a:stretch>
+                    <a:fillRect l="-1515" t="-2174" r="-1515" b="-32609"/>
+                  </a:stretch>
+                </a:blipFill>
+              </p:spPr>
+              <p:txBody>
+                <a:bodyPr/>
+                <a:lstStyle/>
+                <a:p>
+                  <a:r>
+                    <a:rPr lang="en-US">
+                      <a:noFill/>
+                    </a:rPr>
+                    <a:t> </a:t>
+                  </a:r>
+                </a:p>
+              </p:txBody>
+            </p:sp>
+          </mc:Fallback>
+        </mc:AlternateContent>
+        <p:cxnSp>
+          <p:nvCxnSpPr>
+            <p:cNvPr id="7" name="연결선: 구부러짐 6">
+              <a:extLst>
+                <a:ext uri="{FF2B5EF4-FFF2-40B4-BE49-F238E27FC236}">
+                  <a16:creationId xmlns:a16="http://schemas.microsoft.com/office/drawing/2014/main" id="{667486F2-7F7C-4177-8FF4-3B2D8F0594FF}"/>
+                </a:ext>
+              </a:extLst>
+            </p:cNvPr>
+            <p:cNvCxnSpPr>
+              <a:stCxn id="4" idx="3"/>
+              <a:endCxn id="5" idx="0"/>
+            </p:cNvCxnSpPr>
+            <p:nvPr/>
+          </p:nvCxnSpPr>
+          <p:spPr>
+            <a:xfrm>
+              <a:off x="3638259" y="738036"/>
+              <a:ext cx="1646357" cy="306562"/>
+            </a:xfrm>
+            <a:prstGeom prst="curvedConnector2">
+              <a:avLst/>
+            </a:prstGeom>
+            <a:ln>
+              <a:solidFill>
+                <a:schemeClr val="tx1"/>
+              </a:solidFill>
+              <a:tailEnd type="triangle"/>
+            </a:ln>
+          </p:spPr>
+          <p:style>
+            <a:lnRef idx="1">
+              <a:schemeClr val="accent1"/>
+            </a:lnRef>
+            <a:fillRef idx="0">
+              <a:schemeClr val="accent1"/>
+            </a:fillRef>
+            <a:effectRef idx="0">
+              <a:schemeClr val="accent1"/>
+            </a:effectRef>
+            <a:fontRef idx="minor">
+              <a:schemeClr val="tx1"/>
+            </a:fontRef>
+          </p:style>
+        </p:cxnSp>
+        <p:cxnSp>
+          <p:nvCxnSpPr>
+            <p:cNvPr id="8" name="연결선: 구부러짐 7">
+              <a:extLst>
+                <a:ext uri="{FF2B5EF4-FFF2-40B4-BE49-F238E27FC236}">
+                  <a16:creationId xmlns:a16="http://schemas.microsoft.com/office/drawing/2014/main" id="{08DD2394-85CC-4A63-8DCC-C9DBD842645A}"/>
+                </a:ext>
+              </a:extLst>
+            </p:cNvPr>
+            <p:cNvCxnSpPr>
+              <a:cxnSpLocks/>
+              <a:stCxn id="5" idx="2"/>
+              <a:endCxn id="6" idx="3"/>
+            </p:cNvCxnSpPr>
+            <p:nvPr/>
+          </p:nvCxnSpPr>
+          <p:spPr>
+            <a:xfrm rot="5400000">
+              <a:off x="4471496" y="1069354"/>
+              <a:ext cx="468544" cy="1157697"/>
+            </a:xfrm>
+            <a:prstGeom prst="curvedConnector2">
+              <a:avLst/>
+            </a:prstGeom>
+            <a:ln>
+              <a:solidFill>
+                <a:schemeClr val="tx1"/>
+              </a:solidFill>
+              <a:tailEnd type="triangle"/>
+            </a:ln>
+          </p:spPr>
+          <p:style>
+            <a:lnRef idx="1">
+              <a:schemeClr val="accent1"/>
+            </a:lnRef>
+            <a:fillRef idx="0">
+              <a:schemeClr val="accent1"/>
+            </a:fillRef>
+            <a:effectRef idx="0">
+              <a:schemeClr val="accent1"/>
+            </a:effectRef>
+            <a:fontRef idx="minor">
+              <a:schemeClr val="tx1"/>
+            </a:fontRef>
+          </p:style>
+        </p:cxnSp>
+        <p:cxnSp>
+          <p:nvCxnSpPr>
+            <p:cNvPr id="9" name="직선 연결선 8">
+              <a:extLst>
+                <a:ext uri="{FF2B5EF4-FFF2-40B4-BE49-F238E27FC236}">
+                  <a16:creationId xmlns:a16="http://schemas.microsoft.com/office/drawing/2014/main" id="{D9B80E8A-1A30-4BD5-9B11-F36081B1739E}"/>
+                </a:ext>
+              </a:extLst>
+            </p:cNvPr>
+            <p:cNvCxnSpPr>
+              <a:cxnSpLocks/>
+            </p:cNvCxnSpPr>
+            <p:nvPr/>
+          </p:nvCxnSpPr>
+          <p:spPr>
+            <a:xfrm>
+              <a:off x="655608" y="2057871"/>
+              <a:ext cx="1173192" cy="0"/>
+            </a:xfrm>
+            <a:prstGeom prst="line">
+              <a:avLst/>
+            </a:prstGeom>
+            <a:ln w="28575">
+              <a:solidFill>
+                <a:srgbClr val="FF0000"/>
+              </a:solidFill>
+            </a:ln>
+          </p:spPr>
+          <p:style>
+            <a:lnRef idx="1">
+              <a:schemeClr val="accent1"/>
+            </a:lnRef>
+            <a:fillRef idx="0">
+              <a:schemeClr val="accent1"/>
+            </a:fillRef>
+            <a:effectRef idx="0">
+              <a:schemeClr val="accent1"/>
+            </a:effectRef>
+            <a:fontRef idx="minor">
+              <a:schemeClr val="tx1"/>
+            </a:fontRef>
+          </p:style>
+        </p:cxnSp>
+        <p:sp>
+          <p:nvSpPr>
+            <p:cNvPr id="10" name="TextBox 9">
+              <a:extLst>
+                <a:ext uri="{FF2B5EF4-FFF2-40B4-BE49-F238E27FC236}">
+                  <a16:creationId xmlns:a16="http://schemas.microsoft.com/office/drawing/2014/main" id="{AF230A64-97BA-475A-AC93-3BD28DF32BF7}"/>
+                </a:ext>
+              </a:extLst>
+            </p:cNvPr>
+            <p:cNvSpPr txBox="1"/>
+            <p:nvPr/>
+          </p:nvSpPr>
+          <p:spPr>
+            <a:xfrm>
+              <a:off x="0" y="2138312"/>
+              <a:ext cx="1221168" cy="307777"/>
+            </a:xfrm>
+            <a:prstGeom prst="rect">
+              <a:avLst/>
+            </a:prstGeom>
+            <a:noFill/>
+          </p:spPr>
+          <p:txBody>
+            <a:bodyPr wrap="none" rtlCol="0">
+              <a:spAutoFit/>
+            </a:bodyPr>
+            <a:lstStyle/>
+            <a:p>
+              <a:r>
+                <a:rPr lang="en-US" altLang="ko-KR" sz="1400" dirty="0" err="1">
+                  <a:solidFill>
+                    <a:srgbClr val="FF0000"/>
+                  </a:solidFill>
+                </a:rPr>
+                <a:t>diffuseFactor</a:t>
+              </a:r>
+              <a:endParaRPr lang="ko-KR" altLang="en-US" sz="1400" dirty="0">
+                <a:solidFill>
+                  <a:srgbClr val="FF0000"/>
+                </a:solidFill>
+              </a:endParaRPr>
+            </a:p>
+          </p:txBody>
+        </p:sp>
+        <p:cxnSp>
+          <p:nvCxnSpPr>
+            <p:cNvPr id="11" name="직선 연결선 10">
+              <a:extLst>
+                <a:ext uri="{FF2B5EF4-FFF2-40B4-BE49-F238E27FC236}">
+                  <a16:creationId xmlns:a16="http://schemas.microsoft.com/office/drawing/2014/main" id="{5521B324-4003-441D-BA66-064BB5D43A58}"/>
+                </a:ext>
+              </a:extLst>
+            </p:cNvPr>
+            <p:cNvCxnSpPr>
+              <a:cxnSpLocks/>
+            </p:cNvCxnSpPr>
+            <p:nvPr/>
+          </p:nvCxnSpPr>
+          <p:spPr>
+            <a:xfrm>
+              <a:off x="655608" y="2138312"/>
+              <a:ext cx="1415844" cy="0"/>
+            </a:xfrm>
+            <a:prstGeom prst="line">
+              <a:avLst/>
+            </a:prstGeom>
+            <a:ln w="28575">
+              <a:solidFill>
+                <a:srgbClr val="0000FF"/>
+              </a:solidFill>
+            </a:ln>
+          </p:spPr>
+          <p:style>
+            <a:lnRef idx="1">
+              <a:schemeClr val="accent1"/>
+            </a:lnRef>
+            <a:fillRef idx="0">
+              <a:schemeClr val="accent1"/>
+            </a:fillRef>
+            <a:effectRef idx="0">
+              <a:schemeClr val="accent1"/>
+            </a:effectRef>
+            <a:fontRef idx="minor">
+              <a:schemeClr val="tx1"/>
+            </a:fontRef>
+          </p:style>
+        </p:cxnSp>
+        <p:sp>
+          <p:nvSpPr>
+            <p:cNvPr id="12" name="TextBox 11">
+              <a:extLst>
+                <a:ext uri="{FF2B5EF4-FFF2-40B4-BE49-F238E27FC236}">
+                  <a16:creationId xmlns:a16="http://schemas.microsoft.com/office/drawing/2014/main" id="{92F2FD2E-8E6F-4408-9223-E07477F56264}"/>
+                </a:ext>
+              </a:extLst>
+            </p:cNvPr>
+            <p:cNvSpPr txBox="1"/>
+            <p:nvPr/>
+          </p:nvSpPr>
+          <p:spPr>
+            <a:xfrm>
+              <a:off x="1272397" y="2138311"/>
+              <a:ext cx="1112805" cy="307777"/>
+            </a:xfrm>
+            <a:prstGeom prst="rect">
+              <a:avLst/>
+            </a:prstGeom>
+            <a:noFill/>
+          </p:spPr>
+          <p:txBody>
+            <a:bodyPr wrap="none" rtlCol="0">
+              <a:spAutoFit/>
+            </a:bodyPr>
+            <a:lstStyle/>
+            <a:p>
+              <a:r>
+                <a:rPr lang="en-US" altLang="ko-KR" sz="1400" dirty="0" err="1">
+                  <a:solidFill>
+                    <a:srgbClr val="0000FF"/>
+                  </a:solidFill>
+                </a:rPr>
+                <a:t>lightDiffuse</a:t>
+              </a:r>
+              <a:endParaRPr lang="ko-KR" altLang="en-US" sz="1400" dirty="0">
+                <a:solidFill>
+                  <a:srgbClr val="0000FF"/>
+                </a:solidFill>
+              </a:endParaRPr>
+            </a:p>
+          </p:txBody>
+        </p:sp>
+        <p:cxnSp>
+          <p:nvCxnSpPr>
+            <p:cNvPr id="13" name="직선 연결선 12">
+              <a:extLst>
+                <a:ext uri="{FF2B5EF4-FFF2-40B4-BE49-F238E27FC236}">
+                  <a16:creationId xmlns:a16="http://schemas.microsoft.com/office/drawing/2014/main" id="{4CED87D2-D2AE-45B7-BCF9-F0FA147ECAA4}"/>
+                </a:ext>
+              </a:extLst>
+            </p:cNvPr>
+            <p:cNvCxnSpPr>
+              <a:cxnSpLocks/>
+            </p:cNvCxnSpPr>
+            <p:nvPr/>
+          </p:nvCxnSpPr>
+          <p:spPr>
+            <a:xfrm>
+              <a:off x="2385202" y="2057871"/>
+              <a:ext cx="253223" cy="0"/>
+            </a:xfrm>
+            <a:prstGeom prst="line">
+              <a:avLst/>
+            </a:prstGeom>
+            <a:ln w="28575">
+              <a:solidFill>
+                <a:srgbClr val="00FF00"/>
+              </a:solidFill>
+            </a:ln>
+          </p:spPr>
+          <p:style>
+            <a:lnRef idx="1">
+              <a:schemeClr val="accent1"/>
+            </a:lnRef>
+            <a:fillRef idx="0">
+              <a:schemeClr val="accent1"/>
+            </a:fillRef>
+            <a:effectRef idx="0">
+              <a:schemeClr val="accent1"/>
+            </a:effectRef>
+            <a:fontRef idx="minor">
+              <a:schemeClr val="tx1"/>
+            </a:fontRef>
+          </p:style>
+        </p:cxnSp>
+        <p:sp>
+          <p:nvSpPr>
+            <p:cNvPr id="14" name="TextBox 13">
+              <a:extLst>
+                <a:ext uri="{FF2B5EF4-FFF2-40B4-BE49-F238E27FC236}">
+                  <a16:creationId xmlns:a16="http://schemas.microsoft.com/office/drawing/2014/main" id="{083C296A-B441-40BE-BDC2-318D4FDB1376}"/>
+                </a:ext>
+              </a:extLst>
+            </p:cNvPr>
+            <p:cNvSpPr txBox="1"/>
+            <p:nvPr/>
+          </p:nvSpPr>
+          <p:spPr>
+            <a:xfrm>
+              <a:off x="2409063" y="2129987"/>
+              <a:ext cx="1241045" cy="307777"/>
+            </a:xfrm>
+            <a:prstGeom prst="rect">
+              <a:avLst/>
+            </a:prstGeom>
+            <a:noFill/>
+          </p:spPr>
+          <p:txBody>
+            <a:bodyPr wrap="none" rtlCol="0">
+              <a:spAutoFit/>
+            </a:bodyPr>
+            <a:lstStyle/>
+            <a:p>
+              <a:r>
+                <a:rPr lang="en-US" altLang="ko-KR" sz="1400" dirty="0" err="1">
+                  <a:solidFill>
+                    <a:srgbClr val="00FF00"/>
+                  </a:solidFill>
+                </a:rPr>
+                <a:t>lightAmbient</a:t>
+              </a:r>
+              <a:endParaRPr lang="ko-KR" altLang="en-US" sz="1400" dirty="0">
+                <a:solidFill>
+                  <a:srgbClr val="00FF00"/>
+                </a:solidFill>
+              </a:endParaRPr>
+            </a:p>
+          </p:txBody>
+        </p:sp>
+        <p:sp>
+          <p:nvSpPr>
+            <p:cNvPr id="15" name="TextBox 14">
+              <a:extLst>
+                <a:ext uri="{FF2B5EF4-FFF2-40B4-BE49-F238E27FC236}">
+                  <a16:creationId xmlns:a16="http://schemas.microsoft.com/office/drawing/2014/main" id="{6164FE36-A71A-4EB3-88DD-6B478FA14D8D}"/>
+                </a:ext>
+              </a:extLst>
+            </p:cNvPr>
+            <p:cNvSpPr txBox="1"/>
+            <p:nvPr/>
+          </p:nvSpPr>
+          <p:spPr>
+            <a:xfrm>
+              <a:off x="2891780" y="2626802"/>
+              <a:ext cx="3734677" cy="523220"/>
+            </a:xfrm>
+            <a:prstGeom prst="rect">
+              <a:avLst/>
+            </a:prstGeom>
+            <a:noFill/>
+          </p:spPr>
+          <p:txBody>
+            <a:bodyPr wrap="none" rtlCol="0">
+              <a:spAutoFit/>
+            </a:bodyPr>
+            <a:lstStyle/>
+            <a:p>
+              <a:pPr marL="285750" indent="-285750">
+                <a:buFont typeface="Arial" panose="020B0604020202020204" pitchFamily="34" charset="0"/>
+                <a:buChar char="•"/>
+              </a:pPr>
+              <a:r>
+                <a:rPr lang="en-US" altLang="ko-KR" sz="1400" dirty="0" err="1"/>
+                <a:t>lightDiffuse</a:t>
+              </a:r>
+              <a:r>
+                <a:rPr lang="en-US" altLang="ko-KR" sz="1400" dirty="0"/>
+                <a:t> = </a:t>
+              </a:r>
+              <a:r>
+                <a:rPr lang="en-US" altLang="ko-KR" sz="1400" b="1" dirty="0" err="1">
+                  <a:solidFill>
+                    <a:schemeClr val="accent2"/>
+                  </a:solidFill>
+                </a:rPr>
+                <a:t>lightColor</a:t>
+              </a:r>
+              <a:r>
+                <a:rPr lang="en-US" altLang="ko-KR" sz="1400" dirty="0"/>
+                <a:t> * </a:t>
+              </a:r>
+              <a:r>
+                <a:rPr lang="en-US" altLang="ko-KR" sz="1400" dirty="0" err="1"/>
+                <a:t>diffuseIntensity</a:t>
+              </a:r>
+              <a:endParaRPr lang="en-US" altLang="ko-KR" sz="1400" dirty="0"/>
+            </a:p>
+            <a:p>
+              <a:pPr marL="285750" indent="-285750">
+                <a:buFont typeface="Arial" panose="020B0604020202020204" pitchFamily="34" charset="0"/>
+                <a:buChar char="•"/>
+              </a:pPr>
+              <a:r>
+                <a:rPr lang="en-US" altLang="ko-KR" sz="1400" dirty="0" err="1"/>
+                <a:t>lightAmbient</a:t>
+              </a:r>
+              <a:r>
+                <a:rPr lang="ko-KR" altLang="en-US" sz="1400" dirty="0"/>
+                <a:t> </a:t>
+              </a:r>
+              <a:r>
+                <a:rPr lang="en-US" altLang="ko-KR" sz="1400" dirty="0"/>
+                <a:t>=</a:t>
+              </a:r>
+              <a:r>
+                <a:rPr lang="ko-KR" altLang="en-US" sz="1400" dirty="0"/>
+                <a:t> </a:t>
+              </a:r>
+              <a:r>
+                <a:rPr lang="en-US" altLang="ko-KR" sz="1400" b="1" dirty="0" err="1">
+                  <a:solidFill>
+                    <a:schemeClr val="accent2"/>
+                  </a:solidFill>
+                </a:rPr>
+                <a:t>lightColor</a:t>
+              </a:r>
+              <a:r>
+                <a:rPr lang="ko-KR" altLang="en-US" sz="1400" dirty="0"/>
+                <a:t> </a:t>
+              </a:r>
+              <a:r>
+                <a:rPr lang="en-US" altLang="ko-KR" sz="1400" dirty="0"/>
+                <a:t>*</a:t>
+              </a:r>
+              <a:r>
+                <a:rPr lang="ko-KR" altLang="en-US" sz="1400" dirty="0"/>
+                <a:t> </a:t>
+              </a:r>
+              <a:r>
+                <a:rPr lang="en-US" altLang="ko-KR" sz="1400" dirty="0" err="1"/>
+                <a:t>ambientIntensity</a:t>
+              </a:r>
+              <a:endParaRPr lang="ko-KR" altLang="en-US" sz="1400" dirty="0"/>
+            </a:p>
+          </p:txBody>
+        </p:sp>
+      </p:grpSp>
+      <p:pic>
+        <p:nvPicPr>
+          <p:cNvPr id="17" name="그림 16">
+            <a:extLst>
+              <a:ext uri="{FF2B5EF4-FFF2-40B4-BE49-F238E27FC236}">
+                <a16:creationId xmlns:a16="http://schemas.microsoft.com/office/drawing/2014/main" id="{96E7E15C-FCEF-4B1B-B4D9-1A1132729F3A}"/>
+              </a:ext>
+            </a:extLst>
+          </p:cNvPr>
+          <p:cNvPicPr>
+            <a:picLocks noChangeAspect="1"/>
+          </p:cNvPicPr>
+          <p:nvPr/>
+        </p:nvPicPr>
+        <p:blipFill>
+          <a:blip r:embed="rId5"/>
+          <a:stretch>
+            <a:fillRect/>
+          </a:stretch>
+        </p:blipFill>
+        <p:spPr>
+          <a:xfrm>
+            <a:off x="3303849" y="3755851"/>
+            <a:ext cx="6645216" cy="2609314"/>
+          </a:xfrm>
+          <a:prstGeom prst="rect">
+            <a:avLst/>
+          </a:prstGeom>
+        </p:spPr>
+      </p:pic>
+    </p:spTree>
+    <p:extLst>
+      <p:ext uri="{BB962C8B-B14F-4D97-AF65-F5344CB8AC3E}">
+        <p14:creationId xmlns:p14="http://schemas.microsoft.com/office/powerpoint/2010/main" val="2431182"/>
+      </p:ext>
+    </p:extLst>
+  </p:cSld>
+  <p:clrMapOvr>
+    <a:masterClrMapping/>
+  </p:clrMapOvr>
+</p:sld>
+</file>
+
 <file path=ppt/theme/theme1.xml><?xml version="1.0" encoding="utf-8"?>
 <a:theme xmlns:a="http://schemas.openxmlformats.org/drawingml/2006/main" name="Office 테마">
   <a:themeElements>

--- a/docs/tutorial-opengl/assets/figures.pptx
+++ b/docs/tutorial-opengl/assets/figures.pptx
@@ -14,6 +14,7 @@
     <p:sldId id="262" r:id="rId8"/>
     <p:sldId id="263" r:id="rId9"/>
     <p:sldId id="264" r:id="rId10"/>
+    <p:sldId id="265" r:id="rId11"/>
   </p:sldIdLst>
   <p:sldSz cx="12192000" cy="6858000"/>
   <p:notesSz cx="6858000" cy="9144000"/>
@@ -269,7 +270,7 @@
           <a:p>
             <a:fld id="{5ED19601-7AAA-4ADB-9403-46F6CC5497EC}" type="datetimeFigureOut">
               <a:rPr lang="en-US" smtClean="0"/>
-              <a:t>7/18/2024</a:t>
+              <a:t>7/21/2024</a:t>
             </a:fld>
             <a:endParaRPr lang="en-US"/>
           </a:p>
@@ -469,7 +470,7 @@
           <a:p>
             <a:fld id="{5ED19601-7AAA-4ADB-9403-46F6CC5497EC}" type="datetimeFigureOut">
               <a:rPr lang="en-US" smtClean="0"/>
-              <a:t>7/18/2024</a:t>
+              <a:t>7/21/2024</a:t>
             </a:fld>
             <a:endParaRPr lang="en-US"/>
           </a:p>
@@ -679,7 +680,7 @@
           <a:p>
             <a:fld id="{5ED19601-7AAA-4ADB-9403-46F6CC5497EC}" type="datetimeFigureOut">
               <a:rPr lang="en-US" smtClean="0"/>
-              <a:t>7/18/2024</a:t>
+              <a:t>7/21/2024</a:t>
             </a:fld>
             <a:endParaRPr lang="en-US"/>
           </a:p>
@@ -879,7 +880,7 @@
           <a:p>
             <a:fld id="{5ED19601-7AAA-4ADB-9403-46F6CC5497EC}" type="datetimeFigureOut">
               <a:rPr lang="en-US" smtClean="0"/>
-              <a:t>7/18/2024</a:t>
+              <a:t>7/21/2024</a:t>
             </a:fld>
             <a:endParaRPr lang="en-US"/>
           </a:p>
@@ -1155,7 +1156,7 @@
           <a:p>
             <a:fld id="{5ED19601-7AAA-4ADB-9403-46F6CC5497EC}" type="datetimeFigureOut">
               <a:rPr lang="en-US" smtClean="0"/>
-              <a:t>7/18/2024</a:t>
+              <a:t>7/21/2024</a:t>
             </a:fld>
             <a:endParaRPr lang="en-US"/>
           </a:p>
@@ -1423,7 +1424,7 @@
           <a:p>
             <a:fld id="{5ED19601-7AAA-4ADB-9403-46F6CC5497EC}" type="datetimeFigureOut">
               <a:rPr lang="en-US" smtClean="0"/>
-              <a:t>7/18/2024</a:t>
+              <a:t>7/21/2024</a:t>
             </a:fld>
             <a:endParaRPr lang="en-US"/>
           </a:p>
@@ -1838,7 +1839,7 @@
           <a:p>
             <a:fld id="{5ED19601-7AAA-4ADB-9403-46F6CC5497EC}" type="datetimeFigureOut">
               <a:rPr lang="en-US" smtClean="0"/>
-              <a:t>7/18/2024</a:t>
+              <a:t>7/21/2024</a:t>
             </a:fld>
             <a:endParaRPr lang="en-US"/>
           </a:p>
@@ -1980,7 +1981,7 @@
           <a:p>
             <a:fld id="{5ED19601-7AAA-4ADB-9403-46F6CC5497EC}" type="datetimeFigureOut">
               <a:rPr lang="en-US" smtClean="0"/>
-              <a:t>7/18/2024</a:t>
+              <a:t>7/21/2024</a:t>
             </a:fld>
             <a:endParaRPr lang="en-US"/>
           </a:p>
@@ -2093,7 +2094,7 @@
           <a:p>
             <a:fld id="{5ED19601-7AAA-4ADB-9403-46F6CC5497EC}" type="datetimeFigureOut">
               <a:rPr lang="en-US" smtClean="0"/>
-              <a:t>7/18/2024</a:t>
+              <a:t>7/21/2024</a:t>
             </a:fld>
             <a:endParaRPr lang="en-US"/>
           </a:p>
@@ -2406,7 +2407,7 @@
           <a:p>
             <a:fld id="{5ED19601-7AAA-4ADB-9403-46F6CC5497EC}" type="datetimeFigureOut">
               <a:rPr lang="en-US" smtClean="0"/>
-              <a:t>7/18/2024</a:t>
+              <a:t>7/21/2024</a:t>
             </a:fld>
             <a:endParaRPr lang="en-US"/>
           </a:p>
@@ -2695,7 +2696,7 @@
           <a:p>
             <a:fld id="{5ED19601-7AAA-4ADB-9403-46F6CC5497EC}" type="datetimeFigureOut">
               <a:rPr lang="en-US" smtClean="0"/>
-              <a:t>7/18/2024</a:t>
+              <a:t>7/21/2024</a:t>
             </a:fld>
             <a:endParaRPr lang="en-US"/>
           </a:p>
@@ -2938,7 +2939,7 @@
           <a:p>
             <a:fld id="{5ED19601-7AAA-4ADB-9403-46F6CC5497EC}" type="datetimeFigureOut">
               <a:rPr lang="en-US" smtClean="0"/>
-              <a:t>7/18/2024</a:t>
+              <a:t>7/21/2024</a:t>
             </a:fld>
             <a:endParaRPr lang="en-US"/>
           </a:p>
@@ -4648,6 +4649,1255 @@
     <p:extLst>
       <p:ext uri="{BB962C8B-B14F-4D97-AF65-F5344CB8AC3E}">
         <p14:creationId xmlns:p14="http://schemas.microsoft.com/office/powerpoint/2010/main" val="3513132578"/>
+      </p:ext>
+    </p:extLst>
+  </p:cSld>
+  <p:clrMapOvr>
+    <a:masterClrMapping/>
+  </p:clrMapOvr>
+</p:sld>
+</file>
+
+<file path=ppt/slides/slide10.xml><?xml version="1.0" encoding="utf-8"?>
+<p:sld xmlns:a="http://schemas.openxmlformats.org/drawingml/2006/main" xmlns:r="http://schemas.openxmlformats.org/officeDocument/2006/relationships" xmlns:p="http://schemas.openxmlformats.org/presentationml/2006/main">
+  <p:cSld>
+    <p:spTree>
+      <p:nvGrpSpPr>
+        <p:cNvPr id="1" name=""/>
+        <p:cNvGrpSpPr/>
+        <p:nvPr/>
+      </p:nvGrpSpPr>
+      <p:grpSpPr>
+        <a:xfrm>
+          <a:off x="0" y="0"/>
+          <a:ext cx="0" cy="0"/>
+          <a:chOff x="0" y="0"/>
+          <a:chExt cx="0" cy="0"/>
+        </a:xfrm>
+      </p:grpSpPr>
+      <p:grpSp>
+        <p:nvGrpSpPr>
+          <p:cNvPr id="52" name="그룹 51">
+            <a:extLst>
+              <a:ext uri="{FF2B5EF4-FFF2-40B4-BE49-F238E27FC236}">
+                <a16:creationId xmlns:a16="http://schemas.microsoft.com/office/drawing/2014/main" id="{C5319354-6253-4087-835D-620CB894BA02}"/>
+              </a:ext>
+            </a:extLst>
+          </p:cNvPr>
+          <p:cNvGrpSpPr/>
+          <p:nvPr/>
+        </p:nvGrpSpPr>
+        <p:grpSpPr>
+          <a:xfrm>
+            <a:off x="924960" y="779439"/>
+            <a:ext cx="7102165" cy="3943992"/>
+            <a:chOff x="924960" y="779439"/>
+            <a:chExt cx="7102165" cy="3943992"/>
+          </a:xfrm>
+        </p:grpSpPr>
+        <p:grpSp>
+          <p:nvGrpSpPr>
+            <p:cNvPr id="41" name="그룹 40">
+              <a:extLst>
+                <a:ext uri="{FF2B5EF4-FFF2-40B4-BE49-F238E27FC236}">
+                  <a16:creationId xmlns:a16="http://schemas.microsoft.com/office/drawing/2014/main" id="{5EFADCD7-6C78-4537-9CDE-1403ADB605F9}"/>
+                </a:ext>
+              </a:extLst>
+            </p:cNvPr>
+            <p:cNvGrpSpPr/>
+            <p:nvPr/>
+          </p:nvGrpSpPr>
+          <p:grpSpPr>
+            <a:xfrm>
+              <a:off x="1081537" y="2115384"/>
+              <a:ext cx="1090272" cy="819405"/>
+              <a:chOff x="1081537" y="2115384"/>
+              <a:chExt cx="1090272" cy="819405"/>
+            </a:xfrm>
+          </p:grpSpPr>
+          <p:cxnSp>
+            <p:nvCxnSpPr>
+              <p:cNvPr id="5" name="직선 화살표 연결선 4">
+                <a:extLst>
+                  <a:ext uri="{FF2B5EF4-FFF2-40B4-BE49-F238E27FC236}">
+                    <a16:creationId xmlns:a16="http://schemas.microsoft.com/office/drawing/2014/main" id="{47B9ABD9-9B06-4F00-B9BD-A7593497BDB8}"/>
+                  </a:ext>
+                </a:extLst>
+              </p:cNvPr>
+              <p:cNvCxnSpPr/>
+              <p:nvPr/>
+            </p:nvCxnSpPr>
+            <p:spPr>
+              <a:xfrm>
+                <a:off x="1611086" y="2708366"/>
+                <a:ext cx="461554" cy="226423"/>
+              </a:xfrm>
+              <a:prstGeom prst="straightConnector1">
+                <a:avLst/>
+              </a:prstGeom>
+              <a:ln>
+                <a:solidFill>
+                  <a:srgbClr val="FF0000"/>
+                </a:solidFill>
+                <a:tailEnd type="triangle"/>
+              </a:ln>
+            </p:spPr>
+            <p:style>
+              <a:lnRef idx="1">
+                <a:schemeClr val="accent1"/>
+              </a:lnRef>
+              <a:fillRef idx="0">
+                <a:schemeClr val="accent1"/>
+              </a:fillRef>
+              <a:effectRef idx="0">
+                <a:schemeClr val="accent1"/>
+              </a:effectRef>
+              <a:fontRef idx="minor">
+                <a:schemeClr val="tx1"/>
+              </a:fontRef>
+            </p:style>
+          </p:cxnSp>
+          <p:cxnSp>
+            <p:nvCxnSpPr>
+              <p:cNvPr id="6" name="직선 화살표 연결선 5">
+                <a:extLst>
+                  <a:ext uri="{FF2B5EF4-FFF2-40B4-BE49-F238E27FC236}">
+                    <a16:creationId xmlns:a16="http://schemas.microsoft.com/office/drawing/2014/main" id="{20811212-F725-4EE8-A4BF-05A557B1EE61}"/>
+                  </a:ext>
+                </a:extLst>
+              </p:cNvPr>
+              <p:cNvCxnSpPr>
+                <a:cxnSpLocks/>
+              </p:cNvCxnSpPr>
+              <p:nvPr/>
+            </p:nvCxnSpPr>
+            <p:spPr>
+              <a:xfrm flipV="1">
+                <a:off x="1611086" y="2164080"/>
+                <a:ext cx="0" cy="544286"/>
+              </a:xfrm>
+              <a:prstGeom prst="straightConnector1">
+                <a:avLst/>
+              </a:prstGeom>
+              <a:ln>
+                <a:solidFill>
+                  <a:srgbClr val="00FF00"/>
+                </a:solidFill>
+                <a:tailEnd type="triangle"/>
+              </a:ln>
+            </p:spPr>
+            <p:style>
+              <a:lnRef idx="1">
+                <a:schemeClr val="accent1"/>
+              </a:lnRef>
+              <a:fillRef idx="0">
+                <a:schemeClr val="accent1"/>
+              </a:fillRef>
+              <a:effectRef idx="0">
+                <a:schemeClr val="accent1"/>
+              </a:effectRef>
+              <a:fontRef idx="minor">
+                <a:schemeClr val="tx1"/>
+              </a:fontRef>
+            </p:style>
+          </p:cxnSp>
+          <p:cxnSp>
+            <p:nvCxnSpPr>
+              <p:cNvPr id="8" name="직선 화살표 연결선 7">
+                <a:extLst>
+                  <a:ext uri="{FF2B5EF4-FFF2-40B4-BE49-F238E27FC236}">
+                    <a16:creationId xmlns:a16="http://schemas.microsoft.com/office/drawing/2014/main" id="{0301B548-2C02-4C31-9DF7-F8C63213642C}"/>
+                  </a:ext>
+                </a:extLst>
+              </p:cNvPr>
+              <p:cNvCxnSpPr>
+                <a:cxnSpLocks/>
+              </p:cNvCxnSpPr>
+              <p:nvPr/>
+            </p:nvCxnSpPr>
+            <p:spPr>
+              <a:xfrm flipH="1">
+                <a:off x="1175657" y="2708366"/>
+                <a:ext cx="435429" cy="226423"/>
+              </a:xfrm>
+              <a:prstGeom prst="straightConnector1">
+                <a:avLst/>
+              </a:prstGeom>
+              <a:ln>
+                <a:solidFill>
+                  <a:srgbClr val="0000FF"/>
+                </a:solidFill>
+                <a:tailEnd type="triangle"/>
+              </a:ln>
+            </p:spPr>
+            <p:style>
+              <a:lnRef idx="1">
+                <a:schemeClr val="accent1"/>
+              </a:lnRef>
+              <a:fillRef idx="0">
+                <a:schemeClr val="accent1"/>
+              </a:fillRef>
+              <a:effectRef idx="0">
+                <a:schemeClr val="accent1"/>
+              </a:effectRef>
+              <a:fontRef idx="minor">
+                <a:schemeClr val="tx1"/>
+              </a:fontRef>
+            </p:style>
+          </p:cxnSp>
+          <p:sp>
+            <p:nvSpPr>
+              <p:cNvPr id="10" name="TextBox 9">
+                <a:extLst>
+                  <a:ext uri="{FF2B5EF4-FFF2-40B4-BE49-F238E27FC236}">
+                    <a16:creationId xmlns:a16="http://schemas.microsoft.com/office/drawing/2014/main" id="{2754E1DF-A5D4-4DF7-9727-A40D305DB979}"/>
+                  </a:ext>
+                </a:extLst>
+              </p:cNvPr>
+              <p:cNvSpPr txBox="1"/>
+              <p:nvPr/>
+            </p:nvSpPr>
+            <p:spPr>
+              <a:xfrm>
+                <a:off x="1908595" y="2627012"/>
+                <a:ext cx="263214" cy="307777"/>
+              </a:xfrm>
+              <a:prstGeom prst="rect">
+                <a:avLst/>
+              </a:prstGeom>
+              <a:noFill/>
+            </p:spPr>
+            <p:txBody>
+              <a:bodyPr wrap="none" rtlCol="0">
+                <a:spAutoFit/>
+              </a:bodyPr>
+              <a:lstStyle/>
+              <a:p>
+                <a:r>
+                  <a:rPr lang="en-US" sz="1400" dirty="0"/>
+                  <a:t>x</a:t>
+                </a:r>
+              </a:p>
+            </p:txBody>
+          </p:sp>
+          <p:sp>
+            <p:nvSpPr>
+              <p:cNvPr id="11" name="TextBox 10">
+                <a:extLst>
+                  <a:ext uri="{FF2B5EF4-FFF2-40B4-BE49-F238E27FC236}">
+                    <a16:creationId xmlns:a16="http://schemas.microsoft.com/office/drawing/2014/main" id="{817E9C3A-B52F-48AF-B134-578B96AEA8D3}"/>
+                  </a:ext>
+                </a:extLst>
+              </p:cNvPr>
+              <p:cNvSpPr txBox="1"/>
+              <p:nvPr/>
+            </p:nvSpPr>
+            <p:spPr>
+              <a:xfrm>
+                <a:off x="1351247" y="2115384"/>
+                <a:ext cx="266420" cy="307777"/>
+              </a:xfrm>
+              <a:prstGeom prst="rect">
+                <a:avLst/>
+              </a:prstGeom>
+              <a:noFill/>
+            </p:spPr>
+            <p:txBody>
+              <a:bodyPr wrap="none" rtlCol="0">
+                <a:spAutoFit/>
+              </a:bodyPr>
+              <a:lstStyle/>
+              <a:p>
+                <a:r>
+                  <a:rPr lang="en-US" sz="1400" dirty="0"/>
+                  <a:t>y</a:t>
+                </a:r>
+              </a:p>
+            </p:txBody>
+          </p:sp>
+          <p:sp>
+            <p:nvSpPr>
+              <p:cNvPr id="12" name="TextBox 11">
+                <a:extLst>
+                  <a:ext uri="{FF2B5EF4-FFF2-40B4-BE49-F238E27FC236}">
+                    <a16:creationId xmlns:a16="http://schemas.microsoft.com/office/drawing/2014/main" id="{E88A850D-EF43-46DD-A202-79F851DFD737}"/>
+                  </a:ext>
+                </a:extLst>
+              </p:cNvPr>
+              <p:cNvSpPr txBox="1"/>
+              <p:nvPr/>
+            </p:nvSpPr>
+            <p:spPr>
+              <a:xfrm>
+                <a:off x="1081537" y="2554477"/>
+                <a:ext cx="255198" cy="307777"/>
+              </a:xfrm>
+              <a:prstGeom prst="rect">
+                <a:avLst/>
+              </a:prstGeom>
+              <a:noFill/>
+            </p:spPr>
+            <p:txBody>
+              <a:bodyPr wrap="none" rtlCol="0">
+                <a:spAutoFit/>
+              </a:bodyPr>
+              <a:lstStyle/>
+              <a:p>
+                <a:r>
+                  <a:rPr lang="en-US" sz="1400" dirty="0"/>
+                  <a:t>z</a:t>
+                </a:r>
+              </a:p>
+            </p:txBody>
+          </p:sp>
+        </p:grpSp>
+        <p:cxnSp>
+          <p:nvCxnSpPr>
+            <p:cNvPr id="15" name="직선 연결선 14">
+              <a:extLst>
+                <a:ext uri="{FF2B5EF4-FFF2-40B4-BE49-F238E27FC236}">
+                  <a16:creationId xmlns:a16="http://schemas.microsoft.com/office/drawing/2014/main" id="{8D82CCE6-E486-437F-808B-06F51CE45A75}"/>
+                </a:ext>
+              </a:extLst>
+            </p:cNvPr>
+            <p:cNvCxnSpPr/>
+            <p:nvPr/>
+          </p:nvCxnSpPr>
+          <p:spPr>
+            <a:xfrm flipV="1">
+              <a:off x="2171809" y="1445623"/>
+              <a:ext cx="536557" cy="1108854"/>
+            </a:xfrm>
+            <a:prstGeom prst="line">
+              <a:avLst/>
+            </a:prstGeom>
+            <a:ln>
+              <a:solidFill>
+                <a:schemeClr val="tx1"/>
+              </a:solidFill>
+            </a:ln>
+          </p:spPr>
+          <p:style>
+            <a:lnRef idx="1">
+              <a:schemeClr val="accent1"/>
+            </a:lnRef>
+            <a:fillRef idx="0">
+              <a:schemeClr val="accent1"/>
+            </a:fillRef>
+            <a:effectRef idx="0">
+              <a:schemeClr val="accent1"/>
+            </a:effectRef>
+            <a:fontRef idx="minor">
+              <a:schemeClr val="tx1"/>
+            </a:fontRef>
+          </p:style>
+        </p:cxnSp>
+        <p:cxnSp>
+          <p:nvCxnSpPr>
+            <p:cNvPr id="16" name="직선 연결선 15">
+              <a:extLst>
+                <a:ext uri="{FF2B5EF4-FFF2-40B4-BE49-F238E27FC236}">
+                  <a16:creationId xmlns:a16="http://schemas.microsoft.com/office/drawing/2014/main" id="{53FD647F-9860-46D9-9FBE-E21C2C588851}"/>
+                </a:ext>
+              </a:extLst>
+            </p:cNvPr>
+            <p:cNvCxnSpPr>
+              <a:cxnSpLocks/>
+            </p:cNvCxnSpPr>
+            <p:nvPr/>
+          </p:nvCxnSpPr>
+          <p:spPr>
+            <a:xfrm flipH="1" flipV="1">
+              <a:off x="2708366" y="1445623"/>
+              <a:ext cx="554142" cy="1628503"/>
+            </a:xfrm>
+            <a:prstGeom prst="line">
+              <a:avLst/>
+            </a:prstGeom>
+            <a:ln>
+              <a:solidFill>
+                <a:schemeClr val="tx1"/>
+              </a:solidFill>
+            </a:ln>
+          </p:spPr>
+          <p:style>
+            <a:lnRef idx="1">
+              <a:schemeClr val="accent1"/>
+            </a:lnRef>
+            <a:fillRef idx="0">
+              <a:schemeClr val="accent1"/>
+            </a:fillRef>
+            <a:effectRef idx="0">
+              <a:schemeClr val="accent1"/>
+            </a:effectRef>
+            <a:fontRef idx="minor">
+              <a:schemeClr val="tx1"/>
+            </a:fontRef>
+          </p:style>
+        </p:cxnSp>
+        <p:cxnSp>
+          <p:nvCxnSpPr>
+            <p:cNvPr id="19" name="직선 연결선 18">
+              <a:extLst>
+                <a:ext uri="{FF2B5EF4-FFF2-40B4-BE49-F238E27FC236}">
+                  <a16:creationId xmlns:a16="http://schemas.microsoft.com/office/drawing/2014/main" id="{1D4542F4-9967-4404-9AD4-2273B8DD925B}"/>
+                </a:ext>
+              </a:extLst>
+            </p:cNvPr>
+            <p:cNvCxnSpPr>
+              <a:cxnSpLocks/>
+            </p:cNvCxnSpPr>
+            <p:nvPr/>
+          </p:nvCxnSpPr>
+          <p:spPr>
+            <a:xfrm flipH="1" flipV="1">
+              <a:off x="2171810" y="2554477"/>
+              <a:ext cx="1090698" cy="519649"/>
+            </a:xfrm>
+            <a:prstGeom prst="line">
+              <a:avLst/>
+            </a:prstGeom>
+            <a:ln>
+              <a:solidFill>
+                <a:schemeClr val="tx1"/>
+              </a:solidFill>
+            </a:ln>
+          </p:spPr>
+          <p:style>
+            <a:lnRef idx="1">
+              <a:schemeClr val="accent1"/>
+            </a:lnRef>
+            <a:fillRef idx="0">
+              <a:schemeClr val="accent1"/>
+            </a:fillRef>
+            <a:effectRef idx="0">
+              <a:schemeClr val="accent1"/>
+            </a:effectRef>
+            <a:fontRef idx="minor">
+              <a:schemeClr val="tx1"/>
+            </a:fontRef>
+          </p:style>
+        </p:cxnSp>
+        <p:grpSp>
+          <p:nvGrpSpPr>
+            <p:cNvPr id="22" name="그룹 21">
+              <a:extLst>
+                <a:ext uri="{FF2B5EF4-FFF2-40B4-BE49-F238E27FC236}">
+                  <a16:creationId xmlns:a16="http://schemas.microsoft.com/office/drawing/2014/main" id="{72101A49-F012-4E09-B920-249A1259F139}"/>
+                </a:ext>
+              </a:extLst>
+            </p:cNvPr>
+            <p:cNvGrpSpPr/>
+            <p:nvPr/>
+          </p:nvGrpSpPr>
+          <p:grpSpPr>
+            <a:xfrm rot="19198275">
+              <a:off x="1171060" y="3427438"/>
+              <a:ext cx="740228" cy="261257"/>
+              <a:chOff x="4075611" y="3283131"/>
+              <a:chExt cx="740228" cy="261257"/>
+            </a:xfrm>
+          </p:grpSpPr>
+          <p:sp>
+            <p:nvSpPr>
+              <p:cNvPr id="23" name="직사각형 22">
+                <a:extLst>
+                  <a:ext uri="{FF2B5EF4-FFF2-40B4-BE49-F238E27FC236}">
+                    <a16:creationId xmlns:a16="http://schemas.microsoft.com/office/drawing/2014/main" id="{B7C7B56F-9F4D-4822-A73D-A8D80CAD53E7}"/>
+                  </a:ext>
+                </a:extLst>
+              </p:cNvPr>
+              <p:cNvSpPr/>
+              <p:nvPr/>
+            </p:nvSpPr>
+            <p:spPr>
+              <a:xfrm>
+                <a:off x="4075611" y="3291840"/>
+                <a:ext cx="444138" cy="243840"/>
+              </a:xfrm>
+              <a:prstGeom prst="rect">
+                <a:avLst/>
+              </a:prstGeom>
+            </p:spPr>
+            <p:style>
+              <a:lnRef idx="2">
+                <a:schemeClr val="dk1"/>
+              </a:lnRef>
+              <a:fillRef idx="1">
+                <a:schemeClr val="lt1"/>
+              </a:fillRef>
+              <a:effectRef idx="0">
+                <a:schemeClr val="dk1"/>
+              </a:effectRef>
+              <a:fontRef idx="minor">
+                <a:schemeClr val="dk1"/>
+              </a:fontRef>
+            </p:style>
+            <p:txBody>
+              <a:bodyPr rtlCol="0" anchor="ctr"/>
+              <a:lstStyle/>
+              <a:p>
+                <a:pPr algn="ctr"/>
+                <a:endParaRPr lang="en-US"/>
+              </a:p>
+            </p:txBody>
+          </p:sp>
+          <p:sp>
+            <p:nvSpPr>
+              <p:cNvPr id="24" name="이등변 삼각형 23">
+                <a:extLst>
+                  <a:ext uri="{FF2B5EF4-FFF2-40B4-BE49-F238E27FC236}">
+                    <a16:creationId xmlns:a16="http://schemas.microsoft.com/office/drawing/2014/main" id="{81CD0BC5-5063-420D-ABE2-AC86687F1724}"/>
+                  </a:ext>
+                </a:extLst>
+              </p:cNvPr>
+              <p:cNvSpPr/>
+              <p:nvPr/>
+            </p:nvSpPr>
+            <p:spPr>
+              <a:xfrm rot="16200000">
+                <a:off x="4545873" y="3274422"/>
+                <a:ext cx="261257" cy="278675"/>
+              </a:xfrm>
+              <a:prstGeom prst="triangle">
+                <a:avLst/>
+              </a:prstGeom>
+            </p:spPr>
+            <p:style>
+              <a:lnRef idx="2">
+                <a:schemeClr val="dk1"/>
+              </a:lnRef>
+              <a:fillRef idx="1">
+                <a:schemeClr val="lt1"/>
+              </a:fillRef>
+              <a:effectRef idx="0">
+                <a:schemeClr val="dk1"/>
+              </a:effectRef>
+              <a:fontRef idx="minor">
+                <a:schemeClr val="dk1"/>
+              </a:fontRef>
+            </p:style>
+            <p:txBody>
+              <a:bodyPr rtlCol="0" anchor="ctr"/>
+              <a:lstStyle/>
+              <a:p>
+                <a:pPr algn="ctr"/>
+                <a:endParaRPr lang="en-US"/>
+              </a:p>
+            </p:txBody>
+          </p:sp>
+        </p:grpSp>
+        <p:sp>
+          <p:nvSpPr>
+            <p:cNvPr id="25" name="타원 24">
+              <a:extLst>
+                <a:ext uri="{FF2B5EF4-FFF2-40B4-BE49-F238E27FC236}">
+                  <a16:creationId xmlns:a16="http://schemas.microsoft.com/office/drawing/2014/main" id="{5CE8D895-873F-48FE-85D5-CD04D918016E}"/>
+                </a:ext>
+              </a:extLst>
+            </p:cNvPr>
+            <p:cNvSpPr/>
+            <p:nvPr/>
+          </p:nvSpPr>
+          <p:spPr>
+            <a:xfrm>
+              <a:off x="1355967" y="3581439"/>
+              <a:ext cx="143691" cy="143691"/>
+            </a:xfrm>
+            <a:prstGeom prst="ellipse">
+              <a:avLst/>
+            </a:prstGeom>
+          </p:spPr>
+          <p:style>
+            <a:lnRef idx="2">
+              <a:schemeClr val="dk1">
+                <a:shade val="50000"/>
+              </a:schemeClr>
+            </a:lnRef>
+            <a:fillRef idx="1">
+              <a:schemeClr val="dk1"/>
+            </a:fillRef>
+            <a:effectRef idx="0">
+              <a:schemeClr val="dk1"/>
+            </a:effectRef>
+            <a:fontRef idx="minor">
+              <a:schemeClr val="lt1"/>
+            </a:fontRef>
+          </p:style>
+          <p:txBody>
+            <a:bodyPr rtlCol="0" anchor="ctr"/>
+            <a:lstStyle/>
+            <a:p>
+              <a:pPr algn="ctr"/>
+              <a:endParaRPr lang="en-US"/>
+            </a:p>
+          </p:txBody>
+        </p:sp>
+        <p:sp>
+          <p:nvSpPr>
+            <p:cNvPr id="26" name="TextBox 25">
+              <a:extLst>
+                <a:ext uri="{FF2B5EF4-FFF2-40B4-BE49-F238E27FC236}">
+                  <a16:creationId xmlns:a16="http://schemas.microsoft.com/office/drawing/2014/main" id="{3C50BB96-5563-4694-A9DA-685B9436A27E}"/>
+                </a:ext>
+              </a:extLst>
+            </p:cNvPr>
+            <p:cNvSpPr txBox="1"/>
+            <p:nvPr/>
+          </p:nvSpPr>
+          <p:spPr>
+            <a:xfrm>
+              <a:off x="924960" y="3923212"/>
+              <a:ext cx="2230483" cy="800219"/>
+            </a:xfrm>
+            <a:prstGeom prst="rect">
+              <a:avLst/>
+            </a:prstGeom>
+            <a:noFill/>
+          </p:spPr>
+          <p:txBody>
+            <a:bodyPr wrap="square" rtlCol="0">
+              <a:spAutoFit/>
+            </a:bodyPr>
+            <a:lstStyle/>
+            <a:p>
+              <a:r>
+                <a:rPr lang="en-US" dirty="0"/>
+                <a:t>EYE</a:t>
+              </a:r>
+            </a:p>
+            <a:p>
+              <a:r>
+                <a:rPr lang="en-US" sz="1400" b="1" dirty="0" err="1">
+                  <a:solidFill>
+                    <a:srgbClr val="FF0000"/>
+                  </a:solidFill>
+                </a:rPr>
+                <a:t>a_position</a:t>
+              </a:r>
+              <a:r>
+                <a:rPr lang="en-US" sz="1400" b="1" dirty="0">
+                  <a:solidFill>
+                    <a:srgbClr val="FF0000"/>
+                  </a:solidFill>
+                </a:rPr>
+                <a:t> = ???</a:t>
+              </a:r>
+            </a:p>
+            <a:p>
+              <a:r>
+                <a:rPr lang="en-US" sz="1400" b="1" dirty="0" err="1">
+                  <a:solidFill>
+                    <a:srgbClr val="FF0000"/>
+                  </a:solidFill>
+                </a:rPr>
+                <a:t>world_position</a:t>
+              </a:r>
+              <a:r>
+                <a:rPr lang="en-US" sz="1400" b="1" dirty="0">
+                  <a:solidFill>
+                    <a:srgbClr val="FF0000"/>
+                  </a:solidFill>
+                </a:rPr>
+                <a:t> = (1, 0, 2)</a:t>
+              </a:r>
+            </a:p>
+          </p:txBody>
+        </p:sp>
+        <p:sp>
+          <p:nvSpPr>
+            <p:cNvPr id="31" name="타원 30">
+              <a:extLst>
+                <a:ext uri="{FF2B5EF4-FFF2-40B4-BE49-F238E27FC236}">
+                  <a16:creationId xmlns:a16="http://schemas.microsoft.com/office/drawing/2014/main" id="{D005FDB5-254C-45A1-B9D9-19CA1AD4C603}"/>
+                </a:ext>
+              </a:extLst>
+            </p:cNvPr>
+            <p:cNvSpPr/>
+            <p:nvPr/>
+          </p:nvSpPr>
+          <p:spPr>
+            <a:xfrm>
+              <a:off x="2647406" y="1373088"/>
+              <a:ext cx="139337" cy="139337"/>
+            </a:xfrm>
+            <a:prstGeom prst="ellipse">
+              <a:avLst/>
+            </a:prstGeom>
+          </p:spPr>
+          <p:style>
+            <a:lnRef idx="2">
+              <a:schemeClr val="accent1">
+                <a:shade val="50000"/>
+              </a:schemeClr>
+            </a:lnRef>
+            <a:fillRef idx="1">
+              <a:schemeClr val="accent1"/>
+            </a:fillRef>
+            <a:effectRef idx="0">
+              <a:schemeClr val="accent1"/>
+            </a:effectRef>
+            <a:fontRef idx="minor">
+              <a:schemeClr val="lt1"/>
+            </a:fontRef>
+          </p:style>
+          <p:txBody>
+            <a:bodyPr rtlCol="0" anchor="ctr"/>
+            <a:lstStyle/>
+            <a:p>
+              <a:pPr algn="ctr"/>
+              <a:endParaRPr lang="en-US"/>
+            </a:p>
+          </p:txBody>
+        </p:sp>
+        <p:sp>
+          <p:nvSpPr>
+            <p:cNvPr id="32" name="TextBox 31">
+              <a:extLst>
+                <a:ext uri="{FF2B5EF4-FFF2-40B4-BE49-F238E27FC236}">
+                  <a16:creationId xmlns:a16="http://schemas.microsoft.com/office/drawing/2014/main" id="{05962186-0B2E-4B36-80C8-9C75CEB98F65}"/>
+                </a:ext>
+              </a:extLst>
+            </p:cNvPr>
+            <p:cNvSpPr txBox="1"/>
+            <p:nvPr/>
+          </p:nvSpPr>
+          <p:spPr>
+            <a:xfrm>
+              <a:off x="2847703" y="779439"/>
+              <a:ext cx="2882537" cy="800219"/>
+            </a:xfrm>
+            <a:prstGeom prst="rect">
+              <a:avLst/>
+            </a:prstGeom>
+            <a:noFill/>
+          </p:spPr>
+          <p:txBody>
+            <a:bodyPr wrap="square" rtlCol="0">
+              <a:spAutoFit/>
+            </a:bodyPr>
+            <a:lstStyle/>
+            <a:p>
+              <a:r>
+                <a:rPr lang="en-US" dirty="0"/>
+                <a:t>v1</a:t>
+              </a:r>
+            </a:p>
+            <a:p>
+              <a:r>
+                <a:rPr lang="en-US" sz="1400" b="1" dirty="0" err="1">
+                  <a:solidFill>
+                    <a:srgbClr val="FF0000"/>
+                  </a:solidFill>
+                </a:rPr>
+                <a:t>a_position</a:t>
+              </a:r>
+              <a:r>
+                <a:rPr lang="en-US" sz="1400" b="1" dirty="0">
+                  <a:solidFill>
+                    <a:srgbClr val="FF0000"/>
+                  </a:solidFill>
+                </a:rPr>
+                <a:t> = (0, 0.5, 0)</a:t>
+              </a:r>
+            </a:p>
+            <a:p>
+              <a:r>
+                <a:rPr lang="en-US" sz="1400" b="1" dirty="0" err="1">
+                  <a:solidFill>
+                    <a:srgbClr val="FF0000"/>
+                  </a:solidFill>
+                </a:rPr>
+                <a:t>world_position</a:t>
+              </a:r>
+              <a:r>
+                <a:rPr lang="en-US" sz="1400" b="1" dirty="0">
+                  <a:solidFill>
+                    <a:srgbClr val="FF0000"/>
+                  </a:solidFill>
+                </a:rPr>
+                <a:t> = ???</a:t>
+              </a:r>
+            </a:p>
+          </p:txBody>
+        </p:sp>
+        <p:sp>
+          <p:nvSpPr>
+            <p:cNvPr id="37" name="TextBox 36">
+              <a:extLst>
+                <a:ext uri="{FF2B5EF4-FFF2-40B4-BE49-F238E27FC236}">
+                  <a16:creationId xmlns:a16="http://schemas.microsoft.com/office/drawing/2014/main" id="{DB31B810-275F-41CC-9567-FADA1E0FF4CD}"/>
+                </a:ext>
+              </a:extLst>
+            </p:cNvPr>
+            <p:cNvSpPr txBox="1"/>
+            <p:nvPr/>
+          </p:nvSpPr>
+          <p:spPr>
+            <a:xfrm>
+              <a:off x="4164874" y="2423161"/>
+              <a:ext cx="3862251" cy="646331"/>
+            </a:xfrm>
+            <a:prstGeom prst="rect">
+              <a:avLst/>
+            </a:prstGeom>
+            <a:noFill/>
+          </p:spPr>
+          <p:txBody>
+            <a:bodyPr wrap="square" rtlCol="0">
+              <a:spAutoFit/>
+            </a:bodyPr>
+            <a:lstStyle/>
+            <a:p>
+              <a:r>
+                <a:rPr lang="en-US" dirty="0"/>
+                <a:t>V1(</a:t>
+              </a:r>
+              <a:r>
+                <a:rPr lang="en-US" dirty="0" err="1"/>
+                <a:t>a_position</a:t>
+              </a:r>
+              <a:r>
+                <a:rPr lang="en-US" dirty="0"/>
+                <a:t>) – EYE(</a:t>
+              </a:r>
+              <a:r>
+                <a:rPr lang="en-US" dirty="0" err="1"/>
+                <a:t>world_position</a:t>
+              </a:r>
+              <a:r>
+                <a:rPr lang="en-US" dirty="0"/>
+                <a:t>)</a:t>
+              </a:r>
+            </a:p>
+            <a:p>
+              <a:r>
+                <a:rPr lang="en-US" dirty="0"/>
+                <a:t>= (0, 0.5, 0) – (1, 0, 2) = (-1, 0.5, -2)</a:t>
+              </a:r>
+              <a:endParaRPr lang="en-US" sz="1400" b="1" dirty="0">
+                <a:solidFill>
+                  <a:srgbClr val="FF0000"/>
+                </a:solidFill>
+              </a:endParaRPr>
+            </a:p>
+          </p:txBody>
+        </p:sp>
+        <p:cxnSp>
+          <p:nvCxnSpPr>
+            <p:cNvPr id="39" name="직선 화살표 연결선 38">
+              <a:extLst>
+                <a:ext uri="{FF2B5EF4-FFF2-40B4-BE49-F238E27FC236}">
+                  <a16:creationId xmlns:a16="http://schemas.microsoft.com/office/drawing/2014/main" id="{2E5B0492-CE16-4CD0-8CA6-369B5558F055}"/>
+                </a:ext>
+              </a:extLst>
+            </p:cNvPr>
+            <p:cNvCxnSpPr>
+              <a:stCxn id="25" idx="7"/>
+              <a:endCxn id="31" idx="3"/>
+            </p:cNvCxnSpPr>
+            <p:nvPr/>
+          </p:nvCxnSpPr>
+          <p:spPr>
+            <a:xfrm flipV="1">
+              <a:off x="1478615" y="1492020"/>
+              <a:ext cx="1189196" cy="2110462"/>
+            </a:xfrm>
+            <a:prstGeom prst="straightConnector1">
+              <a:avLst/>
+            </a:prstGeom>
+            <a:ln w="57150">
+              <a:solidFill>
+                <a:schemeClr val="tx1"/>
+              </a:solidFill>
+              <a:tailEnd type="triangle"/>
+            </a:ln>
+          </p:spPr>
+          <p:style>
+            <a:lnRef idx="1">
+              <a:schemeClr val="accent1"/>
+            </a:lnRef>
+            <a:fillRef idx="0">
+              <a:schemeClr val="accent1"/>
+            </a:fillRef>
+            <a:effectRef idx="0">
+              <a:schemeClr val="accent1"/>
+            </a:effectRef>
+            <a:fontRef idx="minor">
+              <a:schemeClr val="tx1"/>
+            </a:fontRef>
+          </p:style>
+        </p:cxnSp>
+        <p:sp>
+          <p:nvSpPr>
+            <p:cNvPr id="40" name="TextBox 39">
+              <a:extLst>
+                <a:ext uri="{FF2B5EF4-FFF2-40B4-BE49-F238E27FC236}">
+                  <a16:creationId xmlns:a16="http://schemas.microsoft.com/office/drawing/2014/main" id="{2B830832-14FA-4BAE-A057-35F8E65C83D7}"/>
+                </a:ext>
+              </a:extLst>
+            </p:cNvPr>
+            <p:cNvSpPr txBox="1"/>
+            <p:nvPr/>
+          </p:nvSpPr>
+          <p:spPr>
+            <a:xfrm>
+              <a:off x="1527174" y="1542535"/>
+              <a:ext cx="933589" cy="369332"/>
+            </a:xfrm>
+            <a:prstGeom prst="rect">
+              <a:avLst/>
+            </a:prstGeom>
+            <a:noFill/>
+          </p:spPr>
+          <p:txBody>
+            <a:bodyPr wrap="none" rtlCol="0">
+              <a:spAutoFit/>
+            </a:bodyPr>
+            <a:lstStyle/>
+            <a:p>
+              <a:r>
+                <a:rPr lang="en-US" dirty="0"/>
+                <a:t>v vector</a:t>
+              </a:r>
+            </a:p>
+          </p:txBody>
+        </p:sp>
+        <p:grpSp>
+          <p:nvGrpSpPr>
+            <p:cNvPr id="42" name="그룹 41">
+              <a:extLst>
+                <a:ext uri="{FF2B5EF4-FFF2-40B4-BE49-F238E27FC236}">
+                  <a16:creationId xmlns:a16="http://schemas.microsoft.com/office/drawing/2014/main" id="{AEBCDCB3-CE67-41C0-8B9D-F33780050067}"/>
+                </a:ext>
+              </a:extLst>
+            </p:cNvPr>
+            <p:cNvGrpSpPr/>
+            <p:nvPr/>
+          </p:nvGrpSpPr>
+          <p:grpSpPr>
+            <a:xfrm>
+              <a:off x="5185104" y="3680459"/>
+              <a:ext cx="1090272" cy="819405"/>
+              <a:chOff x="1081537" y="2115384"/>
+              <a:chExt cx="1090272" cy="819405"/>
+            </a:xfrm>
+          </p:grpSpPr>
+          <p:cxnSp>
+            <p:nvCxnSpPr>
+              <p:cNvPr id="43" name="직선 화살표 연결선 42">
+                <a:extLst>
+                  <a:ext uri="{FF2B5EF4-FFF2-40B4-BE49-F238E27FC236}">
+                    <a16:creationId xmlns:a16="http://schemas.microsoft.com/office/drawing/2014/main" id="{AFA132C4-0B7C-4CB9-9B1C-01F6B28F5E89}"/>
+                  </a:ext>
+                </a:extLst>
+              </p:cNvPr>
+              <p:cNvCxnSpPr/>
+              <p:nvPr/>
+            </p:nvCxnSpPr>
+            <p:spPr>
+              <a:xfrm>
+                <a:off x="1611086" y="2708366"/>
+                <a:ext cx="461554" cy="226423"/>
+              </a:xfrm>
+              <a:prstGeom prst="straightConnector1">
+                <a:avLst/>
+              </a:prstGeom>
+              <a:ln>
+                <a:solidFill>
+                  <a:srgbClr val="FF0000"/>
+                </a:solidFill>
+                <a:tailEnd type="triangle"/>
+              </a:ln>
+            </p:spPr>
+            <p:style>
+              <a:lnRef idx="1">
+                <a:schemeClr val="accent1"/>
+              </a:lnRef>
+              <a:fillRef idx="0">
+                <a:schemeClr val="accent1"/>
+              </a:fillRef>
+              <a:effectRef idx="0">
+                <a:schemeClr val="accent1"/>
+              </a:effectRef>
+              <a:fontRef idx="minor">
+                <a:schemeClr val="tx1"/>
+              </a:fontRef>
+            </p:style>
+          </p:cxnSp>
+          <p:cxnSp>
+            <p:nvCxnSpPr>
+              <p:cNvPr id="44" name="직선 화살표 연결선 43">
+                <a:extLst>
+                  <a:ext uri="{FF2B5EF4-FFF2-40B4-BE49-F238E27FC236}">
+                    <a16:creationId xmlns:a16="http://schemas.microsoft.com/office/drawing/2014/main" id="{C2456F3F-5811-4C9E-9683-C76E8B32143F}"/>
+                  </a:ext>
+                </a:extLst>
+              </p:cNvPr>
+              <p:cNvCxnSpPr>
+                <a:cxnSpLocks/>
+              </p:cNvCxnSpPr>
+              <p:nvPr/>
+            </p:nvCxnSpPr>
+            <p:spPr>
+              <a:xfrm flipV="1">
+                <a:off x="1611086" y="2164080"/>
+                <a:ext cx="0" cy="544286"/>
+              </a:xfrm>
+              <a:prstGeom prst="straightConnector1">
+                <a:avLst/>
+              </a:prstGeom>
+              <a:ln>
+                <a:solidFill>
+                  <a:srgbClr val="00FF00"/>
+                </a:solidFill>
+                <a:tailEnd type="triangle"/>
+              </a:ln>
+            </p:spPr>
+            <p:style>
+              <a:lnRef idx="1">
+                <a:schemeClr val="accent1"/>
+              </a:lnRef>
+              <a:fillRef idx="0">
+                <a:schemeClr val="accent1"/>
+              </a:fillRef>
+              <a:effectRef idx="0">
+                <a:schemeClr val="accent1"/>
+              </a:effectRef>
+              <a:fontRef idx="minor">
+                <a:schemeClr val="tx1"/>
+              </a:fontRef>
+            </p:style>
+          </p:cxnSp>
+          <p:cxnSp>
+            <p:nvCxnSpPr>
+              <p:cNvPr id="45" name="직선 화살표 연결선 44">
+                <a:extLst>
+                  <a:ext uri="{FF2B5EF4-FFF2-40B4-BE49-F238E27FC236}">
+                    <a16:creationId xmlns:a16="http://schemas.microsoft.com/office/drawing/2014/main" id="{58FA4DFA-5436-423C-A40E-043568A365F3}"/>
+                  </a:ext>
+                </a:extLst>
+              </p:cNvPr>
+              <p:cNvCxnSpPr>
+                <a:cxnSpLocks/>
+              </p:cNvCxnSpPr>
+              <p:nvPr/>
+            </p:nvCxnSpPr>
+            <p:spPr>
+              <a:xfrm flipH="1">
+                <a:off x="1175657" y="2708366"/>
+                <a:ext cx="435429" cy="226423"/>
+              </a:xfrm>
+              <a:prstGeom prst="straightConnector1">
+                <a:avLst/>
+              </a:prstGeom>
+              <a:ln>
+                <a:solidFill>
+                  <a:srgbClr val="0000FF"/>
+                </a:solidFill>
+                <a:tailEnd type="triangle"/>
+              </a:ln>
+            </p:spPr>
+            <p:style>
+              <a:lnRef idx="1">
+                <a:schemeClr val="accent1"/>
+              </a:lnRef>
+              <a:fillRef idx="0">
+                <a:schemeClr val="accent1"/>
+              </a:fillRef>
+              <a:effectRef idx="0">
+                <a:schemeClr val="accent1"/>
+              </a:effectRef>
+              <a:fontRef idx="minor">
+                <a:schemeClr val="tx1"/>
+              </a:fontRef>
+            </p:style>
+          </p:cxnSp>
+          <p:sp>
+            <p:nvSpPr>
+              <p:cNvPr id="46" name="TextBox 45">
+                <a:extLst>
+                  <a:ext uri="{FF2B5EF4-FFF2-40B4-BE49-F238E27FC236}">
+                    <a16:creationId xmlns:a16="http://schemas.microsoft.com/office/drawing/2014/main" id="{B72FC4CA-E52A-4F0D-BB91-4B05F571B860}"/>
+                  </a:ext>
+                </a:extLst>
+              </p:cNvPr>
+              <p:cNvSpPr txBox="1"/>
+              <p:nvPr/>
+            </p:nvSpPr>
+            <p:spPr>
+              <a:xfrm>
+                <a:off x="1908595" y="2627012"/>
+                <a:ext cx="263214" cy="307777"/>
+              </a:xfrm>
+              <a:prstGeom prst="rect">
+                <a:avLst/>
+              </a:prstGeom>
+              <a:noFill/>
+            </p:spPr>
+            <p:txBody>
+              <a:bodyPr wrap="none" rtlCol="0">
+                <a:spAutoFit/>
+              </a:bodyPr>
+              <a:lstStyle/>
+              <a:p>
+                <a:r>
+                  <a:rPr lang="en-US" sz="1400" dirty="0"/>
+                  <a:t>x</a:t>
+                </a:r>
+              </a:p>
+            </p:txBody>
+          </p:sp>
+          <p:sp>
+            <p:nvSpPr>
+              <p:cNvPr id="47" name="TextBox 46">
+                <a:extLst>
+                  <a:ext uri="{FF2B5EF4-FFF2-40B4-BE49-F238E27FC236}">
+                    <a16:creationId xmlns:a16="http://schemas.microsoft.com/office/drawing/2014/main" id="{AAE24050-D64A-4EA3-BAEC-CB34AC77136C}"/>
+                  </a:ext>
+                </a:extLst>
+              </p:cNvPr>
+              <p:cNvSpPr txBox="1"/>
+              <p:nvPr/>
+            </p:nvSpPr>
+            <p:spPr>
+              <a:xfrm>
+                <a:off x="1351247" y="2115384"/>
+                <a:ext cx="266420" cy="307777"/>
+              </a:xfrm>
+              <a:prstGeom prst="rect">
+                <a:avLst/>
+              </a:prstGeom>
+              <a:noFill/>
+            </p:spPr>
+            <p:txBody>
+              <a:bodyPr wrap="none" rtlCol="0">
+                <a:spAutoFit/>
+              </a:bodyPr>
+              <a:lstStyle/>
+              <a:p>
+                <a:r>
+                  <a:rPr lang="en-US" sz="1400" dirty="0"/>
+                  <a:t>y</a:t>
+                </a:r>
+              </a:p>
+            </p:txBody>
+          </p:sp>
+          <p:sp>
+            <p:nvSpPr>
+              <p:cNvPr id="48" name="TextBox 47">
+                <a:extLst>
+                  <a:ext uri="{FF2B5EF4-FFF2-40B4-BE49-F238E27FC236}">
+                    <a16:creationId xmlns:a16="http://schemas.microsoft.com/office/drawing/2014/main" id="{53ABBEB2-B1BA-4925-BC6B-9997B402F465}"/>
+                  </a:ext>
+                </a:extLst>
+              </p:cNvPr>
+              <p:cNvSpPr txBox="1"/>
+              <p:nvPr/>
+            </p:nvSpPr>
+            <p:spPr>
+              <a:xfrm>
+                <a:off x="1081537" y="2554477"/>
+                <a:ext cx="255198" cy="307777"/>
+              </a:xfrm>
+              <a:prstGeom prst="rect">
+                <a:avLst/>
+              </a:prstGeom>
+              <a:noFill/>
+            </p:spPr>
+            <p:txBody>
+              <a:bodyPr wrap="none" rtlCol="0">
+                <a:spAutoFit/>
+              </a:bodyPr>
+              <a:lstStyle/>
+              <a:p>
+                <a:r>
+                  <a:rPr lang="en-US" sz="1400" dirty="0"/>
+                  <a:t>z</a:t>
+                </a:r>
+              </a:p>
+            </p:txBody>
+          </p:sp>
+        </p:grpSp>
+        <p:cxnSp>
+          <p:nvCxnSpPr>
+            <p:cNvPr id="49" name="직선 화살표 연결선 48">
+              <a:extLst>
+                <a:ext uri="{FF2B5EF4-FFF2-40B4-BE49-F238E27FC236}">
+                  <a16:creationId xmlns:a16="http://schemas.microsoft.com/office/drawing/2014/main" id="{2E46313B-ADAA-4AD8-9B83-AC10C99123E8}"/>
+                </a:ext>
+              </a:extLst>
+            </p:cNvPr>
+            <p:cNvCxnSpPr>
+              <a:cxnSpLocks/>
+            </p:cNvCxnSpPr>
+            <p:nvPr/>
+          </p:nvCxnSpPr>
+          <p:spPr>
+            <a:xfrm flipV="1">
+              <a:off x="5713476" y="3429000"/>
+              <a:ext cx="561900" cy="886484"/>
+            </a:xfrm>
+            <a:prstGeom prst="straightConnector1">
+              <a:avLst/>
+            </a:prstGeom>
+            <a:ln w="57150">
+              <a:solidFill>
+                <a:schemeClr val="tx1"/>
+              </a:solidFill>
+              <a:tailEnd type="triangle"/>
+            </a:ln>
+          </p:spPr>
+          <p:style>
+            <a:lnRef idx="1">
+              <a:schemeClr val="accent1"/>
+            </a:lnRef>
+            <a:fillRef idx="0">
+              <a:schemeClr val="accent1"/>
+            </a:fillRef>
+            <a:effectRef idx="0">
+              <a:schemeClr val="accent1"/>
+            </a:effectRef>
+            <a:fontRef idx="minor">
+              <a:schemeClr val="tx1"/>
+            </a:fontRef>
+          </p:style>
+        </p:cxnSp>
+      </p:grpSp>
+      <p:pic>
+        <p:nvPicPr>
+          <p:cNvPr id="54" name="그림 53">
+            <a:extLst>
+              <a:ext uri="{FF2B5EF4-FFF2-40B4-BE49-F238E27FC236}">
+                <a16:creationId xmlns:a16="http://schemas.microsoft.com/office/drawing/2014/main" id="{AD5A58A6-7ACA-4406-8F2F-CC45A753FD2C}"/>
+              </a:ext>
+            </a:extLst>
+          </p:cNvPr>
+          <p:cNvPicPr>
+            <a:picLocks noChangeAspect="1"/>
+          </p:cNvPicPr>
+          <p:nvPr/>
+        </p:nvPicPr>
+        <p:blipFill>
+          <a:blip r:embed="rId2"/>
+          <a:stretch>
+            <a:fillRect/>
+          </a:stretch>
+        </p:blipFill>
+        <p:spPr>
+          <a:xfrm>
+            <a:off x="4764592" y="-4174394"/>
+            <a:ext cx="7157324" cy="4035902"/>
+          </a:xfrm>
+          <a:prstGeom prst="rect">
+            <a:avLst/>
+          </a:prstGeom>
+        </p:spPr>
+      </p:pic>
+    </p:spTree>
+    <p:extLst>
+      <p:ext uri="{BB962C8B-B14F-4D97-AF65-F5344CB8AC3E}">
+        <p14:creationId xmlns:p14="http://schemas.microsoft.com/office/powerpoint/2010/main" val="3383145661"/>
       </p:ext>
     </p:extLst>
   </p:cSld>
@@ -25662,8 +26912,8 @@
             <a:chExt cx="6626457" cy="2550486"/>
           </a:xfrm>
         </p:grpSpPr>
-        <mc:AlternateContent xmlns:mc="http://schemas.openxmlformats.org/markup-compatibility/2006">
-          <mc:Choice xmlns:a14="http://schemas.microsoft.com/office/drawing/2010/main" Requires="a14">
+        <mc:AlternateContent xmlns:mc="http://schemas.openxmlformats.org/markup-compatibility/2006" xmlns:a14="http://schemas.microsoft.com/office/drawing/2010/main">
+          <mc:Choice Requires="a14">
             <p:sp>
               <p:nvSpPr>
                 <p:cNvPr id="4" name="TextBox 3">
@@ -25900,7 +27150,7 @@
               </p:txBody>
             </p:sp>
           </mc:Choice>
-          <mc:Fallback>
+          <mc:Fallback xmlns="">
             <p:sp>
               <p:nvSpPr>
                 <p:cNvPr id="4" name="TextBox 3">
@@ -25945,8 +27195,8 @@
             </p:sp>
           </mc:Fallback>
         </mc:AlternateContent>
-        <mc:AlternateContent xmlns:mc="http://schemas.openxmlformats.org/markup-compatibility/2006">
-          <mc:Choice xmlns:a14="http://schemas.microsoft.com/office/drawing/2010/main" Requires="a14">
+        <mc:AlternateContent xmlns:mc="http://schemas.openxmlformats.org/markup-compatibility/2006" xmlns:a14="http://schemas.microsoft.com/office/drawing/2010/main">
+          <mc:Choice Requires="a14">
             <p:sp>
               <p:nvSpPr>
                 <p:cNvPr id="5" name="직사각형 4">
@@ -26073,7 +27323,7 @@
               </p:txBody>
             </p:sp>
           </mc:Choice>
-          <mc:Fallback>
+          <mc:Fallback xmlns="">
             <p:sp>
               <p:nvSpPr>
                 <p:cNvPr id="5" name="직사각형 4">
@@ -26118,8 +27368,8 @@
             </p:sp>
           </mc:Fallback>
         </mc:AlternateContent>
-        <mc:AlternateContent xmlns:mc="http://schemas.openxmlformats.org/markup-compatibility/2006">
-          <mc:Choice xmlns:a14="http://schemas.microsoft.com/office/drawing/2010/main" Requires="a14">
+        <mc:AlternateContent xmlns:mc="http://schemas.openxmlformats.org/markup-compatibility/2006" xmlns:a14="http://schemas.microsoft.com/office/drawing/2010/main">
+          <mc:Choice Requires="a14">
             <p:sp>
               <p:nvSpPr>
                 <p:cNvPr id="6" name="TextBox 5">
@@ -26320,7 +27570,7 @@
               </p:txBody>
             </p:sp>
           </mc:Choice>
-          <mc:Fallback>
+          <mc:Fallback xmlns="">
             <p:sp>
               <p:nvSpPr>
                 <p:cNvPr id="6" name="TextBox 5">
